--- a/git-workflows.pptx
+++ b/git-workflows.pptx
@@ -7693,7 +7693,7 @@
             </a:pPr>
             <a:r>
               <a:rPr lang="en-US" dirty="0"/>
-              <a:t>How are develop and master synchronized?</a:t>
+              <a:t>How are develop and main synchronized?</a:t>
             </a:r>
           </a:p>
           <a:p>
@@ -7852,6 +7852,48 @@
           </a:prstGeom>
         </p:spPr>
       </p:pic>
+      <p:sp>
+        <p:nvSpPr>
+          <p:cNvPr id="9" name="TextBox 8">
+            <a:extLst>
+              <a:ext uri="{FF2B5EF4-FFF2-40B4-BE49-F238E27FC236}">
+                <a16:creationId xmlns:a16="http://schemas.microsoft.com/office/drawing/2014/main" id="{2802D390-BEBC-A647-AFDC-5E606EA03997}"/>
+              </a:ext>
+            </a:extLst>
+          </p:cNvPr>
+          <p:cNvSpPr txBox="1"/>
+          <p:nvPr/>
+        </p:nvSpPr>
+        <p:spPr>
+          <a:xfrm>
+            <a:off x="3828641" y="730444"/>
+            <a:ext cx="822960" cy="295466"/>
+          </a:xfrm>
+          <a:prstGeom prst="rect">
+            <a:avLst/>
+          </a:prstGeom>
+          <a:solidFill>
+            <a:schemeClr val="bg1"/>
+          </a:solidFill>
+        </p:spPr>
+        <p:txBody>
+          <a:bodyPr wrap="square" lIns="118872" tIns="91440" rIns="118872" bIns="91440" rtlCol="0" anchor="ctr" anchorCtr="0">
+            <a:spAutoFit/>
+          </a:bodyPr>
+          <a:lstStyle/>
+          <a:p>
+            <a:pPr algn="l">
+              <a:lnSpc>
+                <a:spcPct val="90000"/>
+              </a:lnSpc>
+            </a:pPr>
+            <a:r>
+              <a:rPr lang="en-US" sz="800" b="1" dirty="0"/>
+              <a:t>  main  </a:t>
+            </a:r>
+          </a:p>
+        </p:txBody>
+      </p:sp>
     </p:spTree>
     <p:extLst>
       <p:ext uri="{BB962C8B-B14F-4D97-AF65-F5344CB8AC3E}">
@@ -7928,7 +7970,7 @@
         </p:nvSpPr>
         <p:spPr>
           <a:xfrm>
-            <a:off x="365760" y="1197717"/>
+            <a:off x="368424" y="1197717"/>
             <a:ext cx="11369809" cy="4047778"/>
           </a:xfrm>
         </p:spPr>
@@ -7990,7 +8032,7 @@
             </a:pPr>
             <a:r>
               <a:rPr lang="en-US" sz="2000" dirty="0"/>
-              <a:t>All commits in master are </a:t>
+              <a:t>All commits in the main branch are </a:t>
             </a:r>
             <a:r>
               <a:rPr lang="en-US" sz="2000" b="1" dirty="0"/>
@@ -8004,7 +8046,7 @@
             </a:pPr>
             <a:r>
               <a:rPr lang="en-US" sz="2000" dirty="0"/>
-              <a:t>Base feature branches off of master</a:t>
+              <a:t>Base feature branches off of main</a:t>
             </a:r>
           </a:p>
           <a:p>
@@ -8034,7 +8076,7 @@
             </a:pPr>
             <a:r>
               <a:rPr lang="en-US" sz="2000" dirty="0"/>
-              <a:t>Merge into master after Pull Request review </a:t>
+              <a:t>Merge into main after Pull Request review </a:t>
             </a:r>
           </a:p>
         </p:txBody>
@@ -8179,7 +8221,7 @@
           <a:p>
             <a:r>
               <a:rPr lang="en-US" sz="2000" dirty="0"/>
-              <a:t>Mature code in master flows downstream into pre-production &amp; production infinite lifetime branches</a:t>
+              <a:t>Mature code in main flows downstream into pre-production &amp; production infinite lifetime branches</a:t>
             </a:r>
           </a:p>
           <a:p>
@@ -15274,18 +15316,18 @@
 </file>
 
 <file path=customXml/item2.xml><?xml version="1.0" encoding="utf-8"?>
-<p:properties xmlns:p="http://schemas.microsoft.com/office/2006/metadata/properties" xmlns:xsi="http://www.w3.org/2001/XMLSchema-instance" xmlns:pc="http://schemas.microsoft.com/office/infopath/2007/PartnerControls">
-  <documentManagement/>
-</p:properties>
-</file>
-
-<file path=customXml/item3.xml><?xml version="1.0" encoding="utf-8"?>
 <?mso-contentType ?>
 <FormTemplates xmlns="http://schemas.microsoft.com/sharepoint/v3/contenttype/forms">
   <Display>DocumentLibraryForm</Display>
   <Edit>DocumentLibraryForm</Edit>
   <New>DocumentLibraryForm</New>
 </FormTemplates>
+</file>
+
+<file path=customXml/item3.xml><?xml version="1.0" encoding="utf-8"?>
+<p:properties xmlns:p="http://schemas.microsoft.com/office/2006/metadata/properties" xmlns:xsi="http://www.w3.org/2001/XMLSchema-instance" xmlns:pc="http://schemas.microsoft.com/office/infopath/2007/PartnerControls">
+  <documentManagement/>
+</p:properties>
 </file>
 
 <file path=customXml/itemProps1.xml><?xml version="1.0" encoding="utf-8"?>
@@ -15304,6 +15346,14 @@
 </file>
 
 <file path=customXml/itemProps2.xml><?xml version="1.0" encoding="utf-8"?>
+<ds:datastoreItem xmlns:ds="http://schemas.openxmlformats.org/officeDocument/2006/customXml" ds:itemID="{19E20559-B232-4371-8690-E3D8007EDB82}">
+  <ds:schemaRefs>
+    <ds:schemaRef ds:uri="http://schemas.microsoft.com/sharepoint/v3/contenttype/forms"/>
+  </ds:schemaRefs>
+</ds:datastoreItem>
+</file>
+
+<file path=customXml/itemProps3.xml><?xml version="1.0" encoding="utf-8"?>
 <ds:datastoreItem xmlns:ds="http://schemas.openxmlformats.org/officeDocument/2006/customXml" ds:itemID="{A50EC660-24D0-43A0-AE5E-E274115E726B}">
   <ds:schemaRefs>
     <ds:schemaRef ds:uri="http://purl.org/dc/elements/1.1/"/>
@@ -15316,12 +15366,4 @@
     <ds:schemaRef ds:uri="http://schemas.microsoft.com/office/infopath/2007/PartnerControls"/>
   </ds:schemaRefs>
 </ds:datastoreItem>
-</file>
-
-<file path=customXml/itemProps3.xml><?xml version="1.0" encoding="utf-8"?>
-<ds:datastoreItem xmlns:ds="http://schemas.openxmlformats.org/officeDocument/2006/customXml" ds:itemID="{19E20559-B232-4371-8690-E3D8007EDB82}">
-  <ds:schemaRefs>
-    <ds:schemaRef ds:uri="http://schemas.microsoft.com/sharepoint/v3/contenttype/forms"/>
-  </ds:schemaRefs>
-</ds:datastoreItem>
 </file>
--- a/git-workflows.pptx
+++ b/git-workflows.pptx
@@ -5,35 +5,36 @@
     <p:sldMasterId id="2147483935" r:id="rId4"/>
   </p:sldMasterIdLst>
   <p:notesMasterIdLst>
-    <p:notesMasterId r:id="rId28"/>
+    <p:notesMasterId r:id="rId29"/>
   </p:notesMasterIdLst>
   <p:handoutMasterIdLst>
-    <p:handoutMasterId r:id="rId29"/>
+    <p:handoutMasterId r:id="rId30"/>
   </p:handoutMasterIdLst>
   <p:sldIdLst>
     <p:sldId id="523" r:id="rId5"/>
     <p:sldId id="554" r:id="rId6"/>
     <p:sldId id="546" r:id="rId7"/>
-    <p:sldId id="309" r:id="rId8"/>
-    <p:sldId id="313" r:id="rId9"/>
-    <p:sldId id="544" r:id="rId10"/>
-    <p:sldId id="314" r:id="rId11"/>
-    <p:sldId id="327" r:id="rId12"/>
-    <p:sldId id="315" r:id="rId13"/>
-    <p:sldId id="316" r:id="rId14"/>
-    <p:sldId id="317" r:id="rId15"/>
-    <p:sldId id="321" r:id="rId16"/>
-    <p:sldId id="545" r:id="rId17"/>
-    <p:sldId id="531" r:id="rId18"/>
-    <p:sldId id="548" r:id="rId19"/>
-    <p:sldId id="325" r:id="rId20"/>
-    <p:sldId id="326" r:id="rId21"/>
-    <p:sldId id="332" r:id="rId22"/>
-    <p:sldId id="550" r:id="rId23"/>
-    <p:sldId id="323" r:id="rId24"/>
-    <p:sldId id="551" r:id="rId25"/>
-    <p:sldId id="553" r:id="rId26"/>
-    <p:sldId id="333" r:id="rId27"/>
+    <p:sldId id="555" r:id="rId8"/>
+    <p:sldId id="309" r:id="rId9"/>
+    <p:sldId id="313" r:id="rId10"/>
+    <p:sldId id="544" r:id="rId11"/>
+    <p:sldId id="314" r:id="rId12"/>
+    <p:sldId id="327" r:id="rId13"/>
+    <p:sldId id="315" r:id="rId14"/>
+    <p:sldId id="316" r:id="rId15"/>
+    <p:sldId id="317" r:id="rId16"/>
+    <p:sldId id="321" r:id="rId17"/>
+    <p:sldId id="545" r:id="rId18"/>
+    <p:sldId id="531" r:id="rId19"/>
+    <p:sldId id="548" r:id="rId20"/>
+    <p:sldId id="325" r:id="rId21"/>
+    <p:sldId id="326" r:id="rId22"/>
+    <p:sldId id="332" r:id="rId23"/>
+    <p:sldId id="550" r:id="rId24"/>
+    <p:sldId id="323" r:id="rId25"/>
+    <p:sldId id="551" r:id="rId26"/>
+    <p:sldId id="553" r:id="rId27"/>
+    <p:sldId id="333" r:id="rId28"/>
   </p:sldIdLst>
   <p:sldSz cx="12188825" cy="6858000"/>
   <p:notesSz cx="7010400" cy="9296400"/>
@@ -277,7 +278,7 @@
           <a:p>
             <a:fld id="{0B842F42-2CE9-4E35-95C1-410DC08A50B1}" type="datetimeFigureOut">
               <a:rPr lang="en-US" smtClean="0"/>
-              <a:t>9/16/21</a:t>
+              <a:t>9/17/21</a:t>
             </a:fld>
             <a:endParaRPr lang="en-US"/>
           </a:p>
@@ -442,7 +443,7 @@
           <a:p>
             <a:fld id="{6F282904-F315-4730-8D91-37D99E141A6F}" type="datetimeFigureOut">
               <a:rPr lang="en-US" smtClean="0"/>
-              <a:t>9/16/21</a:t>
+              <a:t>9/17/21</a:t>
             </a:fld>
             <a:endParaRPr lang="en-US"/>
           </a:p>
@@ -875,7 +876,7 @@
           <a:p>
             <a:fld id="{54E672D7-8E2D-4611-973D-F4591A707C34}" type="slidenum">
               <a:rPr lang="en-US" smtClean="0"/>
-              <a:t>11</a:t>
+              <a:t>12</a:t>
             </a:fld>
             <a:endParaRPr lang="en-US"/>
           </a:p>
@@ -959,7 +960,7 @@
           <a:p>
             <a:fld id="{54E672D7-8E2D-4611-973D-F4591A707C34}" type="slidenum">
               <a:rPr lang="en-US" smtClean="0"/>
-              <a:t>12</a:t>
+              <a:t>13</a:t>
             </a:fld>
             <a:endParaRPr lang="en-US"/>
           </a:p>
@@ -1043,7 +1044,7 @@
           <a:p>
             <a:fld id="{54E672D7-8E2D-4611-973D-F4591A707C34}" type="slidenum">
               <a:rPr lang="en-US" smtClean="0"/>
-              <a:t>13</a:t>
+              <a:t>14</a:t>
             </a:fld>
             <a:endParaRPr lang="en-US"/>
           </a:p>
@@ -1127,7 +1128,7 @@
           <a:p>
             <a:fld id="{54E672D7-8E2D-4611-973D-F4591A707C34}" type="slidenum">
               <a:rPr lang="en-US" smtClean="0"/>
-              <a:t>14</a:t>
+              <a:t>15</a:t>
             </a:fld>
             <a:endParaRPr lang="en-US"/>
           </a:p>
@@ -1211,7 +1212,7 @@
           <a:p>
             <a:fld id="{54E672D7-8E2D-4611-973D-F4591A707C34}" type="slidenum">
               <a:rPr lang="en-US" smtClean="0"/>
-              <a:t>16</a:t>
+              <a:t>17</a:t>
             </a:fld>
             <a:endParaRPr lang="en-US"/>
           </a:p>
@@ -1295,7 +1296,7 @@
           <a:p>
             <a:fld id="{54E672D7-8E2D-4611-973D-F4591A707C34}" type="slidenum">
               <a:rPr lang="en-US" smtClean="0"/>
-              <a:t>17</a:t>
+              <a:t>18</a:t>
             </a:fld>
             <a:endParaRPr lang="en-US"/>
           </a:p>
@@ -1379,7 +1380,7 @@
           <a:p>
             <a:fld id="{54E672D7-8E2D-4611-973D-F4591A707C34}" type="slidenum">
               <a:rPr lang="en-US" smtClean="0"/>
-              <a:t>18</a:t>
+              <a:t>19</a:t>
             </a:fld>
             <a:endParaRPr lang="en-US"/>
           </a:p>
@@ -1706,7 +1707,7 @@
           <a:p>
             <a:fld id="{54E672D7-8E2D-4611-973D-F4591A707C34}" type="slidenum">
               <a:rPr lang="en-US" smtClean="0"/>
-              <a:t>20</a:t>
+              <a:t>21</a:t>
             </a:fld>
             <a:endParaRPr lang="en-US"/>
           </a:p>
@@ -1821,7 +1822,7 @@
           <a:p>
             <a:fld id="{54E672D7-8E2D-4611-973D-F4591A707C34}" type="slidenum">
               <a:rPr lang="en-US" smtClean="0"/>
-              <a:t>21</a:t>
+              <a:t>22</a:t>
             </a:fld>
             <a:endParaRPr lang="en-US"/>
           </a:p>
@@ -1943,7 +1944,7 @@
           <a:p>
             <a:fld id="{54E672D7-8E2D-4611-973D-F4591A707C34}" type="slidenum">
               <a:rPr lang="en-US" smtClean="0"/>
-              <a:t>22</a:t>
+              <a:t>23</a:t>
             </a:fld>
             <a:endParaRPr lang="en-US"/>
           </a:p>
@@ -2111,7 +2112,7 @@
           <a:p>
             <a:fld id="{54E672D7-8E2D-4611-973D-F4591A707C34}" type="slidenum">
               <a:rPr lang="en-US" smtClean="0"/>
-              <a:t>23</a:t>
+              <a:t>24</a:t>
             </a:fld>
             <a:endParaRPr lang="en-US"/>
           </a:p>
@@ -2195,7 +2196,7 @@
           <a:p>
             <a:fld id="{54E672D7-8E2D-4611-973D-F4591A707C34}" type="slidenum">
               <a:rPr lang="en-US" smtClean="0"/>
-              <a:t>4</a:t>
+              <a:t>5</a:t>
             </a:fld>
             <a:endParaRPr lang="en-US"/>
           </a:p>
@@ -2279,7 +2280,7 @@
           <a:p>
             <a:fld id="{54E672D7-8E2D-4611-973D-F4591A707C34}" type="slidenum">
               <a:rPr lang="en-US" smtClean="0"/>
-              <a:t>5</a:t>
+              <a:t>6</a:t>
             </a:fld>
             <a:endParaRPr lang="en-US"/>
           </a:p>
@@ -2363,7 +2364,7 @@
           <a:p>
             <a:fld id="{54E672D7-8E2D-4611-973D-F4591A707C34}" type="slidenum">
               <a:rPr lang="en-US" smtClean="0"/>
-              <a:t>6</a:t>
+              <a:t>7</a:t>
             </a:fld>
             <a:endParaRPr lang="en-US"/>
           </a:p>
@@ -2447,7 +2448,7 @@
           <a:p>
             <a:fld id="{54E672D7-8E2D-4611-973D-F4591A707C34}" type="slidenum">
               <a:rPr lang="en-US" smtClean="0"/>
-              <a:t>7</a:t>
+              <a:t>8</a:t>
             </a:fld>
             <a:endParaRPr lang="en-US"/>
           </a:p>
@@ -2531,7 +2532,7 @@
           <a:p>
             <a:fld id="{54E672D7-8E2D-4611-973D-F4591A707C34}" type="slidenum">
               <a:rPr lang="en-US" smtClean="0"/>
-              <a:t>8</a:t>
+              <a:t>9</a:t>
             </a:fld>
             <a:endParaRPr lang="en-US"/>
           </a:p>
@@ -2632,7 +2633,7 @@
           <a:p>
             <a:fld id="{54E672D7-8E2D-4611-973D-F4591A707C34}" type="slidenum">
               <a:rPr lang="en-US" smtClean="0"/>
-              <a:t>9</a:t>
+              <a:t>10</a:t>
             </a:fld>
             <a:endParaRPr lang="en-US"/>
           </a:p>
@@ -2716,7 +2717,7 @@
           <a:p>
             <a:fld id="{54E672D7-8E2D-4611-973D-F4591A707C34}" type="slidenum">
               <a:rPr lang="en-US" smtClean="0"/>
-              <a:t>10</a:t>
+              <a:t>11</a:t>
             </a:fld>
             <a:endParaRPr lang="en-US"/>
           </a:p>
@@ -6278,7 +6279,7 @@
           <p:cNvPr id="2" name="Title 1">
             <a:extLst>
               <a:ext uri="{FF2B5EF4-FFF2-40B4-BE49-F238E27FC236}">
-                <a16:creationId xmlns:a16="http://schemas.microsoft.com/office/drawing/2014/main" id="{24FA9BCD-1562-4542-961E-43799AD6FB46}"/>
+                <a16:creationId xmlns:a16="http://schemas.microsoft.com/office/drawing/2014/main" id="{07683978-C37D-B543-9210-EFD77EE5A241}"/>
               </a:ext>
             </a:extLst>
           </p:cNvPr>
@@ -6296,7 +6297,7 @@
           <a:p>
             <a:r>
               <a:rPr lang="en-US" dirty="0"/>
-              <a:t>Feature Branch Divergence</a:t>
+              <a:t>Feature Branches</a:t>
             </a:r>
           </a:p>
         </p:txBody>
@@ -6306,7 +6307,7 @@
           <p:cNvPr id="3" name="Content Placeholder 2">
             <a:extLst>
               <a:ext uri="{FF2B5EF4-FFF2-40B4-BE49-F238E27FC236}">
-                <a16:creationId xmlns:a16="http://schemas.microsoft.com/office/drawing/2014/main" id="{871D40ED-5186-C94B-A814-B0077884D00F}"/>
+                <a16:creationId xmlns:a16="http://schemas.microsoft.com/office/drawing/2014/main" id="{0B6F2AEF-2300-F84B-BB99-ECEC425AFCAD}"/>
               </a:ext>
             </a:extLst>
           </p:cNvPr>
@@ -6319,8 +6320,8 @@
         </p:nvSpPr>
         <p:spPr>
           <a:xfrm>
-            <a:off x="365760" y="1325880"/>
-            <a:ext cx="6937083" cy="4047778"/>
+            <a:off x="365761" y="1207973"/>
+            <a:ext cx="6961796" cy="4047778"/>
           </a:xfrm>
         </p:spPr>
         <p:txBody>
@@ -6331,48 +6332,69 @@
               <a:buNone/>
             </a:pPr>
             <a:r>
-              <a:rPr lang="en-US" dirty="0"/>
-              <a:t>Alice integrates first without issue</a:t>
-            </a:r>
-          </a:p>
-          <a:p>
-            <a:r>
-              <a:rPr lang="en-US" dirty="0"/>
-              <a:t>Alice does fast-forward merge to local main</a:t>
-            </a:r>
-          </a:p>
-          <a:p>
-            <a:r>
-              <a:rPr lang="en-US" dirty="0"/>
-              <a:t>Alice deletes local feature branch</a:t>
-            </a:r>
-          </a:p>
-          <a:p>
-            <a:r>
-              <a:rPr lang="en-US" dirty="0"/>
-              <a:t>Alice pushes main to remote</a:t>
-            </a:r>
-          </a:p>
-          <a:p>
-            <a:r>
-              <a:rPr lang="en-US" dirty="0"/>
-              <a:t>Meanwhile, Bob pulls main from remote and finds Alice’s changes</a:t>
-            </a:r>
-          </a:p>
-          <a:p>
-            <a:r>
-              <a:rPr lang="en-US" dirty="0"/>
-              <a:t>Merge conflict between commits D and E</a:t>
-            </a:r>
+              <a:rPr lang="en-US" sz="2000" dirty="0"/>
+              <a:t>Extend Centralized Workflow</a:t>
+            </a:r>
+          </a:p>
+          <a:p>
+            <a:r>
+              <a:rPr lang="en-US" sz="2000" dirty="0"/>
+              <a:t>Remote repo has commits A &amp; B</a:t>
+            </a:r>
+          </a:p>
+          <a:p>
+            <a:r>
+              <a:rPr lang="en-US" sz="2000" dirty="0"/>
+              <a:t>Bob pulls remote to synchronize local repo to remote</a:t>
+            </a:r>
+          </a:p>
+          <a:p>
+            <a:r>
+              <a:rPr lang="en-US" sz="2000" dirty="0"/>
+              <a:t>Bob creates local feature branch based on commit B</a:t>
+            </a:r>
+          </a:p>
+          <a:p>
+            <a:r>
+              <a:rPr lang="en-US" sz="2000" dirty="0"/>
+              <a:t>Commit C pushed to remote repo</a:t>
+            </a:r>
+          </a:p>
+          <a:p>
+            <a:r>
+              <a:rPr lang="en-US" sz="2000" dirty="0"/>
+              <a:t>Alice pulls remote to synchronize local repo to remote</a:t>
+            </a:r>
+          </a:p>
+          <a:p>
+            <a:r>
+              <a:rPr lang="en-US" sz="2000" dirty="0"/>
+              <a:t>Alice creates local feature branch based on commit C</a:t>
+            </a:r>
+          </a:p>
+          <a:p>
+            <a:r>
+              <a:rPr lang="en-US" sz="2000" dirty="0"/>
+              <a:t>Both develop independently on local feature branches</a:t>
+            </a:r>
+          </a:p>
+          <a:p>
+            <a:pPr marL="0" indent="0">
+              <a:buNone/>
+            </a:pPr>
+            <a:endParaRPr lang="en-US" sz="2000" dirty="0"/>
+          </a:p>
+          <a:p>
+            <a:endParaRPr lang="en-US" sz="2000" dirty="0"/>
           </a:p>
         </p:txBody>
       </p:sp>
       <p:pic>
         <p:nvPicPr>
-          <p:cNvPr id="7" name="Picture 6">
+          <p:cNvPr id="4" name="Picture 3">
             <a:extLst>
               <a:ext uri="{FF2B5EF4-FFF2-40B4-BE49-F238E27FC236}">
-                <a16:creationId xmlns:a16="http://schemas.microsoft.com/office/drawing/2014/main" id="{AD9086A0-DEE9-E447-BB4B-37CD831AEAA9}"/>
+                <a16:creationId xmlns:a16="http://schemas.microsoft.com/office/drawing/2014/main" id="{7879D0D5-49A1-054D-AEA9-083492052DF4}"/>
               </a:ext>
             </a:extLst>
           </p:cNvPr>
@@ -6382,20 +6404,14 @@
           <p:nvPr/>
         </p:nvPicPr>
         <p:blipFill rotWithShape="1">
-          <a:blip r:embed="rId3">
-            <a:extLst>
-              <a:ext uri="{28A0092B-C50C-407E-A947-70E740481C1C}">
-                <a14:useLocalDpi xmlns:a14="http://schemas.microsoft.com/office/drawing/2010/main" val="0"/>
-              </a:ext>
-            </a:extLst>
-          </a:blip>
-          <a:srcRect r="52495" b="19192"/>
+          <a:blip r:embed="rId3"/>
+          <a:srcRect r="56578" b="12291"/>
           <a:stretch/>
         </p:blipFill>
         <p:spPr>
           <a:xfrm>
-            <a:off x="7543800" y="914400"/>
-            <a:ext cx="4108638" cy="5112327"/>
+            <a:off x="7543800" y="697314"/>
+            <a:ext cx="3572469" cy="5278438"/>
           </a:xfrm>
           <a:prstGeom prst="rect">
             <a:avLst/>
@@ -6407,7 +6423,7 @@
           <p:cNvPr id="5" name="TextBox 4">
             <a:extLst>
               <a:ext uri="{FF2B5EF4-FFF2-40B4-BE49-F238E27FC236}">
-                <a16:creationId xmlns:a16="http://schemas.microsoft.com/office/drawing/2014/main" id="{F0447986-B370-3E4F-9C70-E5C2C6496198}"/>
+                <a16:creationId xmlns:a16="http://schemas.microsoft.com/office/drawing/2014/main" id="{4D623544-D80B-DE44-A9AF-20717D593275}"/>
               </a:ext>
             </a:extLst>
           </p:cNvPr>
@@ -6416,8 +6432,8 @@
         </p:nvSpPr>
         <p:spPr>
           <a:xfrm>
-            <a:off x="7824152" y="1429068"/>
-            <a:ext cx="822960" cy="274320"/>
+            <a:off x="7811452" y="4261430"/>
+            <a:ext cx="822960" cy="182880"/>
           </a:xfrm>
           <a:prstGeom prst="rect">
             <a:avLst/>
@@ -6439,15 +6455,7 @@
             </a:pPr>
             <a:r>
               <a:rPr lang="en-US" sz="1200" b="1" dirty="0"/>
-              <a:t>  </a:t>
-            </a:r>
-            <a:r>
-              <a:rPr lang="en-US" sz="1300" b="1" dirty="0"/>
-              <a:t>main </a:t>
-            </a:r>
-            <a:r>
-              <a:rPr lang="en-US" sz="1200" b="1" dirty="0"/>
-              <a:t> </a:t>
+              <a:t>  main  </a:t>
             </a:r>
           </a:p>
         </p:txBody>
@@ -6457,7 +6465,7 @@
           <p:cNvPr id="6" name="TextBox 5">
             <a:extLst>
               <a:ext uri="{FF2B5EF4-FFF2-40B4-BE49-F238E27FC236}">
-                <a16:creationId xmlns:a16="http://schemas.microsoft.com/office/drawing/2014/main" id="{FEE6FFBE-79DA-2346-BAB2-FBE281071C6E}"/>
+                <a16:creationId xmlns:a16="http://schemas.microsoft.com/office/drawing/2014/main" id="{B65C4322-64FE-B944-AED9-C8749E06B80B}"/>
               </a:ext>
             </a:extLst>
           </p:cNvPr>
@@ -6466,7 +6474,7 @@
         </p:nvSpPr>
         <p:spPr>
           <a:xfrm>
-            <a:off x="7824152" y="4235768"/>
+            <a:off x="7811452" y="2191068"/>
             <a:ext cx="822960" cy="274320"/>
           </a:xfrm>
           <a:prstGeom prst="rect">
@@ -6504,10 +6512,10 @@
       </p:sp>
       <p:sp>
         <p:nvSpPr>
-          <p:cNvPr id="8" name="TextBox 7">
+          <p:cNvPr id="7" name="TextBox 6">
             <a:extLst>
               <a:ext uri="{FF2B5EF4-FFF2-40B4-BE49-F238E27FC236}">
-                <a16:creationId xmlns:a16="http://schemas.microsoft.com/office/drawing/2014/main" id="{72669AFB-5412-714C-9DB8-976E00B92639}"/>
+                <a16:creationId xmlns:a16="http://schemas.microsoft.com/office/drawing/2014/main" id="{D6D37134-F760-9E44-B5F3-B0F1B61D000E}"/>
               </a:ext>
             </a:extLst>
           </p:cNvPr>
@@ -6516,7 +6524,7 @@
         </p:nvSpPr>
         <p:spPr>
           <a:xfrm>
-            <a:off x="7824152" y="5047616"/>
+            <a:off x="7765732" y="4981431"/>
             <a:ext cx="822960" cy="274320"/>
           </a:xfrm>
           <a:prstGeom prst="rect">
@@ -6555,7 +6563,7 @@
     </p:spTree>
     <p:extLst>
       <p:ext uri="{BB962C8B-B14F-4D97-AF65-F5344CB8AC3E}">
-        <p14:creationId xmlns:p14="http://schemas.microsoft.com/office/powerpoint/2010/main" val="2883724709"/>
+        <p14:creationId xmlns:p14="http://schemas.microsoft.com/office/powerpoint/2010/main" val="767238769"/>
       </p:ext>
     </p:extLst>
   </p:cSld>
@@ -6587,7 +6595,7 @@
           <p:cNvPr id="2" name="Title 1">
             <a:extLst>
               <a:ext uri="{FF2B5EF4-FFF2-40B4-BE49-F238E27FC236}">
-                <a16:creationId xmlns:a16="http://schemas.microsoft.com/office/drawing/2014/main" id="{726A24D0-D0B5-A64E-9BB5-4FF8D0A80CA3}"/>
+                <a16:creationId xmlns:a16="http://schemas.microsoft.com/office/drawing/2014/main" id="{24FA9BCD-1562-4542-961E-43799AD6FB46}"/>
               </a:ext>
             </a:extLst>
           </p:cNvPr>
@@ -6605,7 +6613,7 @@
           <a:p>
             <a:r>
               <a:rPr lang="en-US" dirty="0"/>
-              <a:t>Feature Race Condition</a:t>
+              <a:t>Feature Branch Divergence</a:t>
             </a:r>
           </a:p>
         </p:txBody>
@@ -6615,7 +6623,7 @@
           <p:cNvPr id="3" name="Content Placeholder 2">
             <a:extLst>
               <a:ext uri="{FF2B5EF4-FFF2-40B4-BE49-F238E27FC236}">
-                <a16:creationId xmlns:a16="http://schemas.microsoft.com/office/drawing/2014/main" id="{7D23096A-BE81-5C4B-873F-5CDBBBD47487}"/>
+                <a16:creationId xmlns:a16="http://schemas.microsoft.com/office/drawing/2014/main" id="{871D40ED-5186-C94B-A814-B0077884D00F}"/>
               </a:ext>
             </a:extLst>
           </p:cNvPr>
@@ -6629,7 +6637,7 @@
         <p:spPr>
           <a:xfrm>
             <a:off x="365760" y="1325880"/>
-            <a:ext cx="6578737" cy="4047778"/>
+            <a:ext cx="6937083" cy="4047778"/>
           </a:xfrm>
         </p:spPr>
         <p:txBody>
@@ -6640,105 +6648,48 @@
               <a:buNone/>
             </a:pPr>
             <a:r>
-              <a:rPr lang="en-US" sz="1800" dirty="0"/>
-              <a:t>Integration occurs on Bob’s local repo</a:t>
-            </a:r>
-          </a:p>
-          <a:p>
-            <a:r>
-              <a:rPr lang="en-US" sz="1800" dirty="0"/>
-              <a:t>Bob laments not having fast-forward merge</a:t>
-            </a:r>
-          </a:p>
-          <a:p>
-            <a:r>
-              <a:rPr lang="en-US" sz="1800" dirty="0"/>
-              <a:t>Bob </a:t>
-            </a:r>
-            <a:r>
-              <a:rPr lang="en-US" sz="1800" b="1" dirty="0"/>
-              <a:t>rebases</a:t>
-            </a:r>
-            <a:r>
-              <a:rPr lang="en-US" sz="1800" dirty="0"/>
-              <a:t> local feature branch to latest commit on main</a:t>
-            </a:r>
-          </a:p>
-          <a:p>
-            <a:pPr lvl="1"/>
-            <a:r>
-              <a:rPr lang="en-US" sz="1800" dirty="0"/>
-              <a:t>E based off of commit B</a:t>
-            </a:r>
-          </a:p>
-          <a:p>
-            <a:pPr lvl="1"/>
-            <a:r>
-              <a:rPr lang="en-US" sz="1800" dirty="0"/>
-              <a:t>E’ based off of Alice’s commit I</a:t>
-            </a:r>
-          </a:p>
-          <a:p>
-            <a:pPr lvl="1"/>
-            <a:r>
-              <a:rPr lang="en-US" sz="1800" dirty="0"/>
-              <a:t>E’ is E integrated with commits C, D, F, G, I</a:t>
-            </a:r>
-          </a:p>
-          <a:p>
-            <a:r>
-              <a:rPr lang="en-US" sz="1800" dirty="0"/>
-              <a:t>Merge conflict resolved by Bob &amp; Alice on Bob’s local branch when converting commit E into E’</a:t>
-            </a:r>
-          </a:p>
-          <a:p>
-            <a:r>
-              <a:rPr lang="en-US" sz="1800" dirty="0"/>
-              <a:t>Can test on feature branch and merge easily and cleanly</a:t>
-            </a:r>
-          </a:p>
-          <a:p>
-            <a:endParaRPr lang="en-US" sz="1800" dirty="0"/>
-          </a:p>
-          <a:p>
-            <a:r>
-              <a:rPr lang="en-US" sz="1800" dirty="0"/>
-              <a:t>See </a:t>
-            </a:r>
-            <a:r>
-              <a:rPr lang="en-US" sz="1800" dirty="0">
-                <a:hlinkClick r:id="rId3"/>
-              </a:rPr>
-              <a:t>Atlassian/BitBucket</a:t>
-            </a:r>
-            <a:r>
-              <a:rPr lang="en-US" sz="1800" dirty="0"/>
-              <a:t> for a richer Feature Branch Workflow</a:t>
-            </a:r>
-          </a:p>
-          <a:p>
-            <a:endParaRPr lang="en-US" sz="1800" dirty="0"/>
-          </a:p>
-          <a:p>
-            <a:pPr marL="0" indent="0">
-              <a:buNone/>
-            </a:pPr>
-            <a:endParaRPr lang="en-US" dirty="0"/>
-          </a:p>
-          <a:p>
-            <a:pPr marL="0" indent="0">
-              <a:buNone/>
-            </a:pPr>
-            <a:endParaRPr lang="en-US" dirty="0"/>
+              <a:rPr lang="en-US" dirty="0"/>
+              <a:t>Alice integrates first without issue</a:t>
+            </a:r>
+          </a:p>
+          <a:p>
+            <a:r>
+              <a:rPr lang="en-US" dirty="0"/>
+              <a:t>Alice does fast-forward merge to local main</a:t>
+            </a:r>
+          </a:p>
+          <a:p>
+            <a:r>
+              <a:rPr lang="en-US" dirty="0"/>
+              <a:t>Alice deletes local feature branch</a:t>
+            </a:r>
+          </a:p>
+          <a:p>
+            <a:r>
+              <a:rPr lang="en-US" dirty="0"/>
+              <a:t>Alice pushes main to remote</a:t>
+            </a:r>
+          </a:p>
+          <a:p>
+            <a:r>
+              <a:rPr lang="en-US" dirty="0"/>
+              <a:t>Meanwhile, Bob pulls main from remote and finds Alice’s changes</a:t>
+            </a:r>
+          </a:p>
+          <a:p>
+            <a:r>
+              <a:rPr lang="en-US" dirty="0"/>
+              <a:t>Merge conflict between commits D and E</a:t>
+            </a:r>
           </a:p>
         </p:txBody>
       </p:sp>
       <p:pic>
         <p:nvPicPr>
-          <p:cNvPr id="4" name="Picture 3">
+          <p:cNvPr id="7" name="Picture 6">
             <a:extLst>
               <a:ext uri="{FF2B5EF4-FFF2-40B4-BE49-F238E27FC236}">
-                <a16:creationId xmlns:a16="http://schemas.microsoft.com/office/drawing/2014/main" id="{F9B7AE99-A7E9-BB4D-9635-C82C9229FB63}"/>
+                <a16:creationId xmlns:a16="http://schemas.microsoft.com/office/drawing/2014/main" id="{AD9086A0-DEE9-E447-BB4B-37CD831AEAA9}"/>
               </a:ext>
             </a:extLst>
           </p:cNvPr>
@@ -6748,20 +6699,20 @@
           <p:nvPr/>
         </p:nvPicPr>
         <p:blipFill rotWithShape="1">
-          <a:blip r:embed="rId4">
+          <a:blip r:embed="rId3">
             <a:extLst>
               <a:ext uri="{28A0092B-C50C-407E-A947-70E740481C1C}">
                 <a14:useLocalDpi xmlns:a14="http://schemas.microsoft.com/office/drawing/2010/main" val="0"/>
               </a:ext>
             </a:extLst>
           </a:blip>
-          <a:srcRect r="52729" b="18960"/>
+          <a:srcRect r="52495" b="19192"/>
           <a:stretch/>
         </p:blipFill>
         <p:spPr>
           <a:xfrm>
-            <a:off x="7543801" y="914399"/>
-            <a:ext cx="4068751" cy="5102352"/>
+            <a:off x="7543800" y="914400"/>
+            <a:ext cx="4108638" cy="5112327"/>
           </a:xfrm>
           <a:prstGeom prst="rect">
             <a:avLst/>
@@ -6773,7 +6724,7 @@
           <p:cNvPr id="5" name="TextBox 4">
             <a:extLst>
               <a:ext uri="{FF2B5EF4-FFF2-40B4-BE49-F238E27FC236}">
-                <a16:creationId xmlns:a16="http://schemas.microsoft.com/office/drawing/2014/main" id="{AEEEF759-A97D-EE48-B9CD-6A8DF100A3BC}"/>
+                <a16:creationId xmlns:a16="http://schemas.microsoft.com/office/drawing/2014/main" id="{F0447986-B370-3E4F-9C70-E5C2C6496198}"/>
               </a:ext>
             </a:extLst>
           </p:cNvPr>
@@ -6782,7 +6733,7 @@
         </p:nvSpPr>
         <p:spPr>
           <a:xfrm>
-            <a:off x="7900352" y="1429068"/>
+            <a:off x="7824152" y="1429068"/>
             <a:ext cx="822960" cy="274320"/>
           </a:xfrm>
           <a:prstGeom prst="rect">
@@ -6823,7 +6774,7 @@
           <p:cNvPr id="6" name="TextBox 5">
             <a:extLst>
               <a:ext uri="{FF2B5EF4-FFF2-40B4-BE49-F238E27FC236}">
-                <a16:creationId xmlns:a16="http://schemas.microsoft.com/office/drawing/2014/main" id="{E81F1C79-6628-EF4E-B43B-3934FEE0AD37}"/>
+                <a16:creationId xmlns:a16="http://schemas.microsoft.com/office/drawing/2014/main" id="{FEE6FFBE-79DA-2346-BAB2-FBE281071C6E}"/>
               </a:ext>
             </a:extLst>
           </p:cNvPr>
@@ -6832,7 +6783,7 @@
         </p:nvSpPr>
         <p:spPr>
           <a:xfrm>
-            <a:off x="7900352" y="4121023"/>
+            <a:off x="7824152" y="4235768"/>
             <a:ext cx="822960" cy="274320"/>
           </a:xfrm>
           <a:prstGeom prst="rect">
@@ -6870,10 +6821,10 @@
       </p:sp>
       <p:sp>
         <p:nvSpPr>
-          <p:cNvPr id="7" name="TextBox 6">
+          <p:cNvPr id="8" name="TextBox 7">
             <a:extLst>
               <a:ext uri="{FF2B5EF4-FFF2-40B4-BE49-F238E27FC236}">
-                <a16:creationId xmlns:a16="http://schemas.microsoft.com/office/drawing/2014/main" id="{104FC445-FE31-A848-9D02-6A9B1DC6D745}"/>
+                <a16:creationId xmlns:a16="http://schemas.microsoft.com/office/drawing/2014/main" id="{72669AFB-5412-714C-9DB8-976E00B92639}"/>
               </a:ext>
             </a:extLst>
           </p:cNvPr>
@@ -6882,7 +6833,7 @@
         </p:nvSpPr>
         <p:spPr>
           <a:xfrm>
-            <a:off x="7868284" y="4988749"/>
+            <a:off x="7824152" y="5047616"/>
             <a:ext cx="822960" cy="274320"/>
           </a:xfrm>
           <a:prstGeom prst="rect">
@@ -6921,7 +6872,7 @@
     </p:spTree>
     <p:extLst>
       <p:ext uri="{BB962C8B-B14F-4D97-AF65-F5344CB8AC3E}">
-        <p14:creationId xmlns:p14="http://schemas.microsoft.com/office/powerpoint/2010/main" val="3133443400"/>
+        <p14:creationId xmlns:p14="http://schemas.microsoft.com/office/powerpoint/2010/main" val="2883724709"/>
       </p:ext>
     </p:extLst>
   </p:cSld>
@@ -6953,7 +6904,7 @@
           <p:cNvPr id="2" name="Title 1">
             <a:extLst>
               <a:ext uri="{FF2B5EF4-FFF2-40B4-BE49-F238E27FC236}">
-                <a16:creationId xmlns:a16="http://schemas.microsoft.com/office/drawing/2014/main" id="{5E55DB01-506C-2448-9D32-40AE24ED5E5B}"/>
+                <a16:creationId xmlns:a16="http://schemas.microsoft.com/office/drawing/2014/main" id="{726A24D0-D0B5-A64E-9BB5-4FF8D0A80CA3}"/>
               </a:ext>
             </a:extLst>
           </p:cNvPr>
@@ -6971,7 +6922,7 @@
           <a:p>
             <a:r>
               <a:rPr lang="en-US" dirty="0"/>
-              <a:t>More Branches</a:t>
+              <a:t>Feature Race Condition</a:t>
             </a:r>
           </a:p>
         </p:txBody>
@@ -6981,7 +6932,7 @@
           <p:cNvPr id="3" name="Content Placeholder 2">
             <a:extLst>
               <a:ext uri="{FF2B5EF4-FFF2-40B4-BE49-F238E27FC236}">
-                <a16:creationId xmlns:a16="http://schemas.microsoft.com/office/drawing/2014/main" id="{AB1E63D6-6FAD-4145-81C6-9BCC413E2E16}"/>
+                <a16:creationId xmlns:a16="http://schemas.microsoft.com/office/drawing/2014/main" id="{7D23096A-BE81-5C4B-873F-5CDBBBD47487}"/>
               </a:ext>
             </a:extLst>
           </p:cNvPr>
@@ -6994,8 +6945,8 @@
         </p:nvSpPr>
         <p:spPr>
           <a:xfrm>
-            <a:off x="365761" y="958883"/>
-            <a:ext cx="5997969" cy="4047778"/>
+            <a:off x="365760" y="1325880"/>
+            <a:ext cx="6578737" cy="4047778"/>
           </a:xfrm>
         </p:spPr>
         <p:txBody>
@@ -7006,51 +6957,105 @@
               <a:buNone/>
             </a:pPr>
             <a:r>
-              <a:rPr lang="en-US" dirty="0"/>
-              <a:t>Branches with </a:t>
-            </a:r>
-            <a:r>
-              <a:rPr lang="en-US" u="sng" dirty="0"/>
-              <a:t>infinite lifetime</a:t>
-            </a:r>
-          </a:p>
-          <a:p>
-            <a:r>
-              <a:rPr lang="en-US" dirty="0"/>
-              <a:t>Base off of main branch</a:t>
-            </a:r>
-          </a:p>
-          <a:p>
-            <a:r>
-              <a:rPr lang="en-US" dirty="0"/>
-              <a:t>Exist in all copies of a repository</a:t>
-            </a:r>
-          </a:p>
-          <a:p>
-            <a:r>
-              <a:rPr lang="en-US" dirty="0"/>
-              <a:t>Each provides a distinct </a:t>
-            </a:r>
-            <a:r>
-              <a:rPr lang="en-US" b="1" dirty="0"/>
-              <a:t>environment</a:t>
+              <a:rPr lang="en-US" sz="1800" dirty="0"/>
+              <a:t>Integration occurs on Bob’s local repo</a:t>
+            </a:r>
+          </a:p>
+          <a:p>
+            <a:r>
+              <a:rPr lang="en-US" sz="1800" dirty="0"/>
+              <a:t>Bob laments not having fast-forward merge</a:t>
+            </a:r>
+          </a:p>
+          <a:p>
+            <a:r>
+              <a:rPr lang="en-US" sz="1800" dirty="0"/>
+              <a:t>Bob </a:t>
+            </a:r>
+            <a:r>
+              <a:rPr lang="en-US" sz="1800" b="1" dirty="0"/>
+              <a:t>rebases</a:t>
+            </a:r>
+            <a:r>
+              <a:rPr lang="en-US" sz="1800" dirty="0"/>
+              <a:t> local feature branch to latest commit on main</a:t>
             </a:r>
           </a:p>
           <a:p>
             <a:pPr lvl="1"/>
             <a:r>
-              <a:rPr lang="en-US" dirty="0"/>
-              <a:t>Development vs. pre-production</a:t>
-            </a:r>
+              <a:rPr lang="en-US" sz="1800" dirty="0"/>
+              <a:t>E based off of commit B</a:t>
+            </a:r>
+          </a:p>
+          <a:p>
+            <a:pPr lvl="1"/>
+            <a:r>
+              <a:rPr lang="en-US" sz="1800" dirty="0"/>
+              <a:t>E’ based off of Alice’s commit I</a:t>
+            </a:r>
+          </a:p>
+          <a:p>
+            <a:pPr lvl="1"/>
+            <a:r>
+              <a:rPr lang="en-US" sz="1800" dirty="0"/>
+              <a:t>E’ is E integrated with commits C, D, F, G, I</a:t>
+            </a:r>
+          </a:p>
+          <a:p>
+            <a:r>
+              <a:rPr lang="en-US" sz="1800" dirty="0"/>
+              <a:t>Merge conflict resolved by Bob &amp; Alice on Bob’s local branch when converting commit E into E’</a:t>
+            </a:r>
+          </a:p>
+          <a:p>
+            <a:r>
+              <a:rPr lang="en-US" sz="1800" dirty="0"/>
+              <a:t>Can test on feature branch and merge easily and cleanly</a:t>
+            </a:r>
+          </a:p>
+          <a:p>
+            <a:endParaRPr lang="en-US" sz="1800" dirty="0"/>
+          </a:p>
+          <a:p>
+            <a:r>
+              <a:rPr lang="en-US" sz="1800" dirty="0"/>
+              <a:t>See </a:t>
+            </a:r>
+            <a:r>
+              <a:rPr lang="en-US" sz="1800" dirty="0">
+                <a:hlinkClick r:id="rId3"/>
+              </a:rPr>
+              <a:t>Atlassian/BitBucket</a:t>
+            </a:r>
+            <a:r>
+              <a:rPr lang="en-US" sz="1800" dirty="0"/>
+              <a:t> for a richer Feature Branch Workflow</a:t>
+            </a:r>
+          </a:p>
+          <a:p>
+            <a:endParaRPr lang="en-US" sz="1800" dirty="0"/>
+          </a:p>
+          <a:p>
+            <a:pPr marL="0" indent="0">
+              <a:buNone/>
+            </a:pPr>
+            <a:endParaRPr lang="en-US" dirty="0"/>
+          </a:p>
+          <a:p>
+            <a:pPr marL="0" indent="0">
+              <a:buNone/>
+            </a:pPr>
+            <a:endParaRPr lang="en-US" dirty="0"/>
           </a:p>
         </p:txBody>
       </p:sp>
       <p:pic>
         <p:nvPicPr>
-          <p:cNvPr id="6" name="Content Placeholder 4">
+          <p:cNvPr id="4" name="Picture 3">
             <a:extLst>
               <a:ext uri="{FF2B5EF4-FFF2-40B4-BE49-F238E27FC236}">
-                <a16:creationId xmlns:a16="http://schemas.microsoft.com/office/drawing/2014/main" id="{8EDC29C2-D834-984E-A36C-09D78A54F493}"/>
+                <a16:creationId xmlns:a16="http://schemas.microsoft.com/office/drawing/2014/main" id="{F9B7AE99-A7E9-BB4D-9635-C82C9229FB63}"/>
               </a:ext>
             </a:extLst>
           </p:cNvPr>
@@ -7060,31 +7065,24 @@
           <p:nvPr/>
         </p:nvPicPr>
         <p:blipFill rotWithShape="1">
-          <a:blip r:embed="rId3">
+          <a:blip r:embed="rId4">
             <a:extLst>
               <a:ext uri="{28A0092B-C50C-407E-A947-70E740481C1C}">
                 <a14:useLocalDpi xmlns:a14="http://schemas.microsoft.com/office/drawing/2010/main" val="0"/>
               </a:ext>
             </a:extLst>
           </a:blip>
-          <a:srcRect l="2737" t="5952" r="27330" b="53074"/>
+          <a:srcRect r="52729" b="18960"/>
           <a:stretch/>
         </p:blipFill>
-        <p:spPr bwMode="auto">
-          <a:xfrm>
-            <a:off x="3470636" y="3548819"/>
-            <a:ext cx="5782055" cy="2478024"/>
+        <p:spPr>
+          <a:xfrm>
+            <a:off x="7543801" y="914399"/>
+            <a:ext cx="4068751" cy="5102352"/>
           </a:xfrm>
           <a:prstGeom prst="rect">
             <a:avLst/>
           </a:prstGeom>
-          <a:noFill/>
-          <a:ln w="9525">
-            <a:noFill/>
-            <a:miter lim="800000"/>
-            <a:headEnd/>
-            <a:tailEnd/>
-          </a:ln>
         </p:spPr>
       </p:pic>
       <p:sp>
@@ -7092,7 +7090,7 @@
           <p:cNvPr id="5" name="TextBox 4">
             <a:extLst>
               <a:ext uri="{FF2B5EF4-FFF2-40B4-BE49-F238E27FC236}">
-                <a16:creationId xmlns:a16="http://schemas.microsoft.com/office/drawing/2014/main" id="{0DF1C353-B24F-254B-A331-11A408B528ED}"/>
+                <a16:creationId xmlns:a16="http://schemas.microsoft.com/office/drawing/2014/main" id="{AEEEF759-A97D-EE48-B9CD-6A8DF100A3BC}"/>
               </a:ext>
             </a:extLst>
           </p:cNvPr>
@@ -7101,7 +7099,7 @@
         </p:nvSpPr>
         <p:spPr>
           <a:xfrm>
-            <a:off x="3607752" y="3548819"/>
+            <a:off x="7900352" y="1429068"/>
             <a:ext cx="822960" cy="274320"/>
           </a:xfrm>
           <a:prstGeom prst="rect">
@@ -7137,10 +7135,110 @@
           </a:p>
         </p:txBody>
       </p:sp>
+      <p:sp>
+        <p:nvSpPr>
+          <p:cNvPr id="6" name="TextBox 5">
+            <a:extLst>
+              <a:ext uri="{FF2B5EF4-FFF2-40B4-BE49-F238E27FC236}">
+                <a16:creationId xmlns:a16="http://schemas.microsoft.com/office/drawing/2014/main" id="{E81F1C79-6628-EF4E-B43B-3934FEE0AD37}"/>
+              </a:ext>
+            </a:extLst>
+          </p:cNvPr>
+          <p:cNvSpPr txBox="1"/>
+          <p:nvPr/>
+        </p:nvSpPr>
+        <p:spPr>
+          <a:xfrm>
+            <a:off x="7900352" y="4121023"/>
+            <a:ext cx="822960" cy="274320"/>
+          </a:xfrm>
+          <a:prstGeom prst="rect">
+            <a:avLst/>
+          </a:prstGeom>
+          <a:solidFill>
+            <a:schemeClr val="bg1"/>
+          </a:solidFill>
+        </p:spPr>
+        <p:txBody>
+          <a:bodyPr wrap="square" lIns="118872" tIns="91440" rIns="118872" bIns="91440" rtlCol="0" anchor="ctr" anchorCtr="0">
+            <a:spAutoFit/>
+          </a:bodyPr>
+          <a:lstStyle/>
+          <a:p>
+            <a:pPr algn="l">
+              <a:lnSpc>
+                <a:spcPct val="90000"/>
+              </a:lnSpc>
+            </a:pPr>
+            <a:r>
+              <a:rPr lang="en-US" sz="1200" b="1" dirty="0"/>
+              <a:t>  </a:t>
+            </a:r>
+            <a:r>
+              <a:rPr lang="en-US" sz="1300" b="1" dirty="0"/>
+              <a:t>main </a:t>
+            </a:r>
+            <a:r>
+              <a:rPr lang="en-US" sz="1200" b="1" dirty="0"/>
+              <a:t> </a:t>
+            </a:r>
+          </a:p>
+        </p:txBody>
+      </p:sp>
+      <p:sp>
+        <p:nvSpPr>
+          <p:cNvPr id="7" name="TextBox 6">
+            <a:extLst>
+              <a:ext uri="{FF2B5EF4-FFF2-40B4-BE49-F238E27FC236}">
+                <a16:creationId xmlns:a16="http://schemas.microsoft.com/office/drawing/2014/main" id="{104FC445-FE31-A848-9D02-6A9B1DC6D745}"/>
+              </a:ext>
+            </a:extLst>
+          </p:cNvPr>
+          <p:cNvSpPr txBox="1"/>
+          <p:nvPr/>
+        </p:nvSpPr>
+        <p:spPr>
+          <a:xfrm>
+            <a:off x="7868284" y="4988749"/>
+            <a:ext cx="822960" cy="274320"/>
+          </a:xfrm>
+          <a:prstGeom prst="rect">
+            <a:avLst/>
+          </a:prstGeom>
+          <a:solidFill>
+            <a:schemeClr val="bg1"/>
+          </a:solidFill>
+        </p:spPr>
+        <p:txBody>
+          <a:bodyPr wrap="square" lIns="118872" tIns="91440" rIns="118872" bIns="91440" rtlCol="0" anchor="ctr" anchorCtr="0">
+            <a:spAutoFit/>
+          </a:bodyPr>
+          <a:lstStyle/>
+          <a:p>
+            <a:pPr algn="l">
+              <a:lnSpc>
+                <a:spcPct val="90000"/>
+              </a:lnSpc>
+            </a:pPr>
+            <a:r>
+              <a:rPr lang="en-US" sz="1200" b="1" dirty="0"/>
+              <a:t>  </a:t>
+            </a:r>
+            <a:r>
+              <a:rPr lang="en-US" sz="1300" b="1" dirty="0"/>
+              <a:t>main </a:t>
+            </a:r>
+            <a:r>
+              <a:rPr lang="en-US" sz="1200" b="1" dirty="0"/>
+              <a:t> </a:t>
+            </a:r>
+          </a:p>
+        </p:txBody>
+      </p:sp>
     </p:spTree>
     <p:extLst>
       <p:ext uri="{BB962C8B-B14F-4D97-AF65-F5344CB8AC3E}">
-        <p14:creationId xmlns:p14="http://schemas.microsoft.com/office/powerpoint/2010/main" val="88559930"/>
+        <p14:creationId xmlns:p14="http://schemas.microsoft.com/office/powerpoint/2010/main" val="3133443400"/>
       </p:ext>
     </p:extLst>
   </p:cSld>
@@ -7172,7 +7270,7 @@
           <p:cNvPr id="2" name="Title 1">
             <a:extLst>
               <a:ext uri="{FF2B5EF4-FFF2-40B4-BE49-F238E27FC236}">
-                <a16:creationId xmlns:a16="http://schemas.microsoft.com/office/drawing/2014/main" id="{2EF2A3CB-B57C-B94D-8AED-B95D1F80E379}"/>
+                <a16:creationId xmlns:a16="http://schemas.microsoft.com/office/drawing/2014/main" id="{5E55DB01-506C-2448-9D32-40AE24ED5E5B}"/>
               </a:ext>
             </a:extLst>
           </p:cNvPr>
@@ -7190,7 +7288,7 @@
           <a:p>
             <a:r>
               <a:rPr lang="en-US" dirty="0"/>
-              <a:t>Pull Requests</a:t>
+              <a:t>More Branches</a:t>
             </a:r>
           </a:p>
         </p:txBody>
@@ -7200,7 +7298,7 @@
           <p:cNvPr id="3" name="Content Placeholder 2">
             <a:extLst>
               <a:ext uri="{FF2B5EF4-FFF2-40B4-BE49-F238E27FC236}">
-                <a16:creationId xmlns:a16="http://schemas.microsoft.com/office/drawing/2014/main" id="{57AFD203-C48A-CC4F-92A6-C42A2A1CC27B}"/>
+                <a16:creationId xmlns:a16="http://schemas.microsoft.com/office/drawing/2014/main" id="{AB1E63D6-6FAD-4145-81C6-9BCC413E2E16}"/>
               </a:ext>
             </a:extLst>
           </p:cNvPr>
@@ -7213,44 +7311,145 @@
         </p:nvSpPr>
         <p:spPr>
           <a:xfrm>
-            <a:off x="365760" y="1428557"/>
-            <a:ext cx="11369809" cy="4047778"/>
+            <a:off x="365761" y="958883"/>
+            <a:ext cx="5997969" cy="4047778"/>
           </a:xfrm>
         </p:spPr>
         <p:txBody>
           <a:bodyPr/>
           <a:lstStyle/>
           <a:p>
-            <a:r>
-              <a:rPr lang="en-US" dirty="0"/>
-              <a:t>Review and testing before merge</a:t>
+            <a:pPr marL="0" indent="0">
+              <a:buNone/>
+            </a:pPr>
+            <a:r>
+              <a:rPr lang="en-US" dirty="0"/>
+              <a:t>Branches with </a:t>
+            </a:r>
+            <a:r>
+              <a:rPr lang="en-US" u="sng" dirty="0"/>
+              <a:t>infinite lifetime</a:t>
+            </a:r>
+          </a:p>
+          <a:p>
+            <a:r>
+              <a:rPr lang="en-US" dirty="0"/>
+              <a:t>Base off of main branch</a:t>
+            </a:r>
+          </a:p>
+          <a:p>
+            <a:r>
+              <a:rPr lang="en-US" dirty="0"/>
+              <a:t>Exist in all copies of a repository</a:t>
+            </a:r>
+          </a:p>
+          <a:p>
+            <a:r>
+              <a:rPr lang="en-US" dirty="0"/>
+              <a:t>Each provides a distinct </a:t>
+            </a:r>
+            <a:r>
+              <a:rPr lang="en-US" b="1" dirty="0"/>
+              <a:t>environment</a:t>
             </a:r>
           </a:p>
           <a:p>
             <a:pPr lvl="1"/>
             <a:r>
               <a:rPr lang="en-US" dirty="0"/>
-              <a:t>Alerts others about changes in branch before merge</a:t>
-            </a:r>
-          </a:p>
-          <a:p>
-            <a:pPr lvl="1"/>
-            <a:r>
-              <a:rPr lang="en-US" dirty="0"/>
-              <a:t>Discussions ensue with possible follow up commits</a:t>
-            </a:r>
-          </a:p>
-          <a:p>
-            <a:pPr lvl="1"/>
-            <a:r>
-              <a:rPr lang="en-US" dirty="0"/>
-              <a:t>Can request reviewer</a:t>
-            </a:r>
-          </a:p>
-          <a:p>
-            <a:r>
-              <a:rPr lang="en-US" dirty="0"/>
-              <a:t>Set policies for merge</a:t>
+              <a:t>Development vs. pre-production</a:t>
+            </a:r>
+          </a:p>
+        </p:txBody>
+      </p:sp>
+      <p:pic>
+        <p:nvPicPr>
+          <p:cNvPr id="6" name="Content Placeholder 4">
+            <a:extLst>
+              <a:ext uri="{FF2B5EF4-FFF2-40B4-BE49-F238E27FC236}">
+                <a16:creationId xmlns:a16="http://schemas.microsoft.com/office/drawing/2014/main" id="{8EDC29C2-D834-984E-A36C-09D78A54F493}"/>
+              </a:ext>
+            </a:extLst>
+          </p:cNvPr>
+          <p:cNvPicPr>
+            <a:picLocks noChangeAspect="1"/>
+          </p:cNvPicPr>
+          <p:nvPr/>
+        </p:nvPicPr>
+        <p:blipFill rotWithShape="1">
+          <a:blip r:embed="rId3">
+            <a:extLst>
+              <a:ext uri="{28A0092B-C50C-407E-A947-70E740481C1C}">
+                <a14:useLocalDpi xmlns:a14="http://schemas.microsoft.com/office/drawing/2010/main" val="0"/>
+              </a:ext>
+            </a:extLst>
+          </a:blip>
+          <a:srcRect l="2737" t="5952" r="27330" b="53074"/>
+          <a:stretch/>
+        </p:blipFill>
+        <p:spPr bwMode="auto">
+          <a:xfrm>
+            <a:off x="3470636" y="3548819"/>
+            <a:ext cx="5782055" cy="2478024"/>
+          </a:xfrm>
+          <a:prstGeom prst="rect">
+            <a:avLst/>
+          </a:prstGeom>
+          <a:noFill/>
+          <a:ln w="9525">
+            <a:noFill/>
+            <a:miter lim="800000"/>
+            <a:headEnd/>
+            <a:tailEnd/>
+          </a:ln>
+        </p:spPr>
+      </p:pic>
+      <p:sp>
+        <p:nvSpPr>
+          <p:cNvPr id="5" name="TextBox 4">
+            <a:extLst>
+              <a:ext uri="{FF2B5EF4-FFF2-40B4-BE49-F238E27FC236}">
+                <a16:creationId xmlns:a16="http://schemas.microsoft.com/office/drawing/2014/main" id="{0DF1C353-B24F-254B-A331-11A408B528ED}"/>
+              </a:ext>
+            </a:extLst>
+          </p:cNvPr>
+          <p:cNvSpPr txBox="1"/>
+          <p:nvPr/>
+        </p:nvSpPr>
+        <p:spPr>
+          <a:xfrm>
+            <a:off x="3607752" y="3548819"/>
+            <a:ext cx="822960" cy="274320"/>
+          </a:xfrm>
+          <a:prstGeom prst="rect">
+            <a:avLst/>
+          </a:prstGeom>
+          <a:solidFill>
+            <a:schemeClr val="bg1"/>
+          </a:solidFill>
+        </p:spPr>
+        <p:txBody>
+          <a:bodyPr wrap="square" lIns="118872" tIns="91440" rIns="118872" bIns="91440" rtlCol="0" anchor="ctr" anchorCtr="0">
+            <a:spAutoFit/>
+          </a:bodyPr>
+          <a:lstStyle/>
+          <a:p>
+            <a:pPr algn="l">
+              <a:lnSpc>
+                <a:spcPct val="90000"/>
+              </a:lnSpc>
+            </a:pPr>
+            <a:r>
+              <a:rPr lang="en-US" sz="1200" b="1" dirty="0"/>
+              <a:t>  </a:t>
+            </a:r>
+            <a:r>
+              <a:rPr lang="en-US" sz="1300" b="1" dirty="0"/>
+              <a:t>main </a:t>
+            </a:r>
+            <a:r>
+              <a:rPr lang="en-US" sz="1200" b="1" dirty="0"/>
+              <a:t> </a:t>
             </a:r>
           </a:p>
         </p:txBody>
@@ -7258,7 +7457,7 @@
     </p:spTree>
     <p:extLst>
       <p:ext uri="{BB962C8B-B14F-4D97-AF65-F5344CB8AC3E}">
-        <p14:creationId xmlns:p14="http://schemas.microsoft.com/office/powerpoint/2010/main" val="810765199"/>
+        <p14:creationId xmlns:p14="http://schemas.microsoft.com/office/powerpoint/2010/main" val="88559930"/>
       </p:ext>
     </p:extLst>
   </p:cSld>
@@ -7290,7 +7489,7 @@
           <p:cNvPr id="2" name="Title 1">
             <a:extLst>
               <a:ext uri="{FF2B5EF4-FFF2-40B4-BE49-F238E27FC236}">
-                <a16:creationId xmlns:a16="http://schemas.microsoft.com/office/drawing/2014/main" id="{06C319D7-B951-5F48-8FCB-96FFBE6D28E4}"/>
+                <a16:creationId xmlns:a16="http://schemas.microsoft.com/office/drawing/2014/main" id="{2EF2A3CB-B57C-B94D-8AED-B95D1F80E379}"/>
               </a:ext>
             </a:extLst>
           </p:cNvPr>
@@ -7308,7 +7507,7 @@
           <a:p>
             <a:r>
               <a:rPr lang="en-US" dirty="0"/>
-              <a:t>GitHub Forks</a:t>
+              <a:t>Pull Requests</a:t>
             </a:r>
           </a:p>
         </p:txBody>
@@ -7318,7 +7517,7 @@
           <p:cNvPr id="3" name="Content Placeholder 2">
             <a:extLst>
               <a:ext uri="{FF2B5EF4-FFF2-40B4-BE49-F238E27FC236}">
-                <a16:creationId xmlns:a16="http://schemas.microsoft.com/office/drawing/2014/main" id="{C0791E2B-1593-0C44-AE53-3527DEC6A1DC}"/>
+                <a16:creationId xmlns:a16="http://schemas.microsoft.com/office/drawing/2014/main" id="{57AFD203-C48A-CC4F-92A6-C42A2A1CC27B}"/>
               </a:ext>
             </a:extLst>
           </p:cNvPr>
@@ -7331,8 +7530,8 @@
         </p:nvSpPr>
         <p:spPr>
           <a:xfrm>
-            <a:off x="409507" y="1325880"/>
-            <a:ext cx="11779318" cy="4047778"/>
+            <a:off x="365760" y="1428557"/>
+            <a:ext cx="11369809" cy="4047778"/>
           </a:xfrm>
         </p:spPr>
         <p:txBody>
@@ -7341,63 +7540,34 @@
           <a:p>
             <a:r>
               <a:rPr lang="en-US" dirty="0"/>
-              <a:t>A “fork” of a repository is a complete copy of another repository, inside a different GitHub account.</a:t>
+              <a:t>Review and testing before merge</a:t>
             </a:r>
           </a:p>
           <a:p>
             <a:pPr lvl="1"/>
             <a:r>
               <a:rPr lang="en-US" dirty="0"/>
-              <a:t>Forking requires read access to the main (often referred to as “upstream”) repository</a:t>
-            </a:r>
-          </a:p>
-          <a:p>
-            <a:pPr lvl="2"/>
-            <a:r>
-              <a:rPr lang="en-US" dirty="0"/>
-              <a:t>Forks of public repositories are public</a:t>
-            </a:r>
-          </a:p>
-          <a:p>
-            <a:pPr lvl="2"/>
-            <a:r>
-              <a:rPr lang="en-US" dirty="0"/>
-              <a:t>Other users can be granted write access to your fork</a:t>
-            </a:r>
-          </a:p>
-          <a:p>
-            <a:pPr lvl="2"/>
-            <a:r>
-              <a:rPr lang="en-US" dirty="0"/>
-              <a:t>You cannot fork a fork</a:t>
+              <a:t>Alerts others about changes in branch before merge</a:t>
             </a:r>
           </a:p>
           <a:p>
             <a:pPr lvl="1"/>
             <a:r>
               <a:rPr lang="en-US" dirty="0"/>
-              <a:t>Does not copy issues or pull requests</a:t>
+              <a:t>Discussions ensue with possible follow up commits</a:t>
             </a:r>
           </a:p>
           <a:p>
             <a:pPr lvl="1"/>
             <a:r>
               <a:rPr lang="en-US" dirty="0"/>
-              <a:t>Use branches within your fork (do not modify main)</a:t>
-            </a:r>
-          </a:p>
-          <a:p>
-            <a:pPr lvl="1"/>
-            <a:r>
-              <a:rPr lang="en-US" dirty="0"/>
-              <a:t>A pull request (GitLab uses “merge request”) can be used to suggest changes to the upstream repository</a:t>
-            </a:r>
-          </a:p>
-          <a:p>
-            <a:pPr lvl="2"/>
-            <a:r>
-              <a:rPr lang="en-US" dirty="0"/>
-              <a:t>Added benefit: pull requests from forks prevent huge numbers of branches on the upstream repository</a:t>
+              <a:t>Can request reviewer</a:t>
+            </a:r>
+          </a:p>
+          <a:p>
+            <a:r>
+              <a:rPr lang="en-US" dirty="0"/>
+              <a:t>Set policies for merge</a:t>
             </a:r>
           </a:p>
         </p:txBody>
@@ -7405,7 +7575,7 @@
     </p:spTree>
     <p:extLst>
       <p:ext uri="{BB962C8B-B14F-4D97-AF65-F5344CB8AC3E}">
-        <p14:creationId xmlns:p14="http://schemas.microsoft.com/office/powerpoint/2010/main" val="4192397415"/>
+        <p14:creationId xmlns:p14="http://schemas.microsoft.com/office/powerpoint/2010/main" val="810765199"/>
       </p:ext>
     </p:extLst>
   </p:cSld>
@@ -7437,7 +7607,7 @@
           <p:cNvPr id="2" name="Title 1">
             <a:extLst>
               <a:ext uri="{FF2B5EF4-FFF2-40B4-BE49-F238E27FC236}">
-                <a16:creationId xmlns:a16="http://schemas.microsoft.com/office/drawing/2014/main" id="{F07038E7-EEB4-9043-9EA1-7BA9EA5F3241}"/>
+                <a16:creationId xmlns:a16="http://schemas.microsoft.com/office/drawing/2014/main" id="{06C319D7-B951-5F48-8FCB-96FFBE6D28E4}"/>
               </a:ext>
             </a:extLst>
           </p:cNvPr>
@@ -7448,33 +7618,15 @@
             <p:ph type="title"/>
           </p:nvPr>
         </p:nvSpPr>
-        <p:spPr>
-          <a:xfrm>
-            <a:off x="365760" y="411480"/>
-            <a:ext cx="11372473" cy="679383"/>
-          </a:xfrm>
-        </p:spPr>
+        <p:spPr/>
         <p:txBody>
           <a:bodyPr/>
           <a:lstStyle/>
           <a:p>
             <a:r>
               <a:rPr lang="en-US" dirty="0"/>
-              <a:t>Git Workflow Models of Different complexity</a:t>
-            </a:r>
-            <a:br>
-              <a:rPr lang="en-US" dirty="0"/>
-            </a:br>
-            <a:br>
-              <a:rPr lang="en-US" dirty="0"/>
-            </a:br>
-            <a:br>
-              <a:rPr lang="en-US" dirty="0"/>
-            </a:br>
-            <a:br>
-              <a:rPr lang="en-US" dirty="0"/>
-            </a:br>
-            <a:endParaRPr lang="en-US" dirty="0"/>
+              <a:t>GitHub Forks</a:t>
+            </a:r>
           </a:p>
         </p:txBody>
       </p:sp>
@@ -7483,7 +7635,7 @@
           <p:cNvPr id="3" name="Content Placeholder 2">
             <a:extLst>
               <a:ext uri="{FF2B5EF4-FFF2-40B4-BE49-F238E27FC236}">
-                <a16:creationId xmlns:a16="http://schemas.microsoft.com/office/drawing/2014/main" id="{BC4025A8-D322-7F4C-BD72-C65AC6A3E843}"/>
+                <a16:creationId xmlns:a16="http://schemas.microsoft.com/office/drawing/2014/main" id="{C0791E2B-1593-0C44-AE53-3527DEC6A1DC}"/>
               </a:ext>
             </a:extLst>
           </p:cNvPr>
@@ -7496,56 +7648,81 @@
         </p:nvSpPr>
         <p:spPr>
           <a:xfrm>
-            <a:off x="363096" y="1203559"/>
-            <a:ext cx="11369809" cy="2517808"/>
+            <a:off x="409507" y="1325880"/>
+            <a:ext cx="11779318" cy="4047778"/>
           </a:xfrm>
         </p:spPr>
         <p:txBody>
           <a:bodyPr/>
           <a:lstStyle/>
           <a:p>
-            <a:pPr marL="0" indent="0">
-              <a:buNone/>
-            </a:pPr>
-            <a:r>
-              <a:rPr lang="en-US" b="1" dirty="0"/>
-              <a:t>Commonly Known Workflows</a:t>
-            </a:r>
-          </a:p>
-          <a:p>
-            <a:r>
-              <a:rPr lang="en-US" dirty="0"/>
-              <a:t>Git Flow</a:t>
-            </a:r>
-          </a:p>
-          <a:p>
-            <a:r>
-              <a:rPr lang="en-US" dirty="0" err="1"/>
-              <a:t>Github</a:t>
-            </a:r>
-            <a:r>
-              <a:rPr lang="en-US" dirty="0"/>
-              <a:t> Flow</a:t>
-            </a:r>
-          </a:p>
-          <a:p>
-            <a:r>
-              <a:rPr lang="en-US" dirty="0"/>
-              <a:t>Gitlab Flow</a:t>
-            </a:r>
-          </a:p>
-          <a:p>
-            <a:pPr marL="0" indent="0">
-              <a:buNone/>
-            </a:pPr>
-            <a:endParaRPr lang="en-US" dirty="0"/>
+            <a:r>
+              <a:rPr lang="en-US" dirty="0"/>
+              <a:t>A “fork” of a repository is a complete copy of another repository, inside a different GitHub account.</a:t>
+            </a:r>
+          </a:p>
+          <a:p>
+            <a:pPr lvl="1"/>
+            <a:r>
+              <a:rPr lang="en-US" dirty="0"/>
+              <a:t>Forking requires read access to the main (often referred to as “upstream”) repository</a:t>
+            </a:r>
+          </a:p>
+          <a:p>
+            <a:pPr lvl="2"/>
+            <a:r>
+              <a:rPr lang="en-US" dirty="0"/>
+              <a:t>Forks of public repositories are public</a:t>
+            </a:r>
+          </a:p>
+          <a:p>
+            <a:pPr lvl="2"/>
+            <a:r>
+              <a:rPr lang="en-US" dirty="0"/>
+              <a:t>Other users can be granted write access to your fork</a:t>
+            </a:r>
+          </a:p>
+          <a:p>
+            <a:pPr lvl="2"/>
+            <a:r>
+              <a:rPr lang="en-US" dirty="0"/>
+              <a:t>You cannot fork a fork</a:t>
+            </a:r>
+          </a:p>
+          <a:p>
+            <a:pPr lvl="1"/>
+            <a:r>
+              <a:rPr lang="en-US" dirty="0"/>
+              <a:t>Does not copy issues or pull requests</a:t>
+            </a:r>
+          </a:p>
+          <a:p>
+            <a:pPr lvl="1"/>
+            <a:r>
+              <a:rPr lang="en-US" dirty="0"/>
+              <a:t>Use branches within your fork (do not modify main)</a:t>
+            </a:r>
+          </a:p>
+          <a:p>
+            <a:pPr lvl="1"/>
+            <a:r>
+              <a:rPr lang="en-US" dirty="0"/>
+              <a:t>A pull request (GitLab uses “merge request”) can be used to suggest changes to the upstream repository</a:t>
+            </a:r>
+          </a:p>
+          <a:p>
+            <a:pPr lvl="2"/>
+            <a:r>
+              <a:rPr lang="en-US" dirty="0"/>
+              <a:t>Added benefit: pull requests from forks prevent huge numbers of branches on the upstream repository</a:t>
+            </a:r>
           </a:p>
         </p:txBody>
       </p:sp>
     </p:spTree>
     <p:extLst>
       <p:ext uri="{BB962C8B-B14F-4D97-AF65-F5344CB8AC3E}">
-        <p14:creationId xmlns:p14="http://schemas.microsoft.com/office/powerpoint/2010/main" val="4060798534"/>
+        <p14:creationId xmlns:p14="http://schemas.microsoft.com/office/powerpoint/2010/main" val="4192397415"/>
       </p:ext>
     </p:extLst>
   </p:cSld>
@@ -7577,7 +7754,7 @@
           <p:cNvPr id="2" name="Title 1">
             <a:extLst>
               <a:ext uri="{FF2B5EF4-FFF2-40B4-BE49-F238E27FC236}">
-                <a16:creationId xmlns:a16="http://schemas.microsoft.com/office/drawing/2014/main" id="{5780C519-1EB3-8846-B9E7-B3E551D14DB0}"/>
+                <a16:creationId xmlns:a16="http://schemas.microsoft.com/office/drawing/2014/main" id="{F07038E7-EEB4-9043-9EA1-7BA9EA5F3241}"/>
               </a:ext>
             </a:extLst>
           </p:cNvPr>
@@ -7590,8 +7767,8 @@
         </p:nvSpPr>
         <p:spPr>
           <a:xfrm>
-            <a:off x="408175" y="174034"/>
-            <a:ext cx="11372473" cy="914400"/>
+            <a:off x="365760" y="411480"/>
+            <a:ext cx="11372473" cy="679383"/>
           </a:xfrm>
         </p:spPr>
         <p:txBody>
@@ -7600,17 +7777,30 @@
           <a:p>
             <a:r>
               <a:rPr lang="en-US" dirty="0"/>
-              <a:t>Git Flow</a:t>
-            </a:r>
-          </a:p>
-        </p:txBody>
-      </p:sp>
-      <p:sp>
-        <p:nvSpPr>
-          <p:cNvPr id="12" name="Content Placeholder 2">
+              <a:t>Git Workflow Models of Different complexity</a:t>
+            </a:r>
+            <a:br>
+              <a:rPr lang="en-US" dirty="0"/>
+            </a:br>
+            <a:br>
+              <a:rPr lang="en-US" dirty="0"/>
+            </a:br>
+            <a:br>
+              <a:rPr lang="en-US" dirty="0"/>
+            </a:br>
+            <a:br>
+              <a:rPr lang="en-US" dirty="0"/>
+            </a:br>
+            <a:endParaRPr lang="en-US" dirty="0"/>
+          </a:p>
+        </p:txBody>
+      </p:sp>
+      <p:sp>
+        <p:nvSpPr>
+          <p:cNvPr id="3" name="Content Placeholder 2">
             <a:extLst>
               <a:ext uri="{FF2B5EF4-FFF2-40B4-BE49-F238E27FC236}">
-                <a16:creationId xmlns:a16="http://schemas.microsoft.com/office/drawing/2014/main" id="{F7E13A38-2353-E14A-841B-4D9CC88C8EA3}"/>
+                <a16:creationId xmlns:a16="http://schemas.microsoft.com/office/drawing/2014/main" id="{BC4025A8-D322-7F4C-BD72-C65AC6A3E843}"/>
               </a:ext>
             </a:extLst>
           </p:cNvPr>
@@ -7623,281 +7813,56 @@
         </p:nvSpPr>
         <p:spPr>
           <a:xfrm>
-            <a:off x="5411977" y="516171"/>
-            <a:ext cx="6500623" cy="4047778"/>
+            <a:off x="363096" y="1203559"/>
+            <a:ext cx="11369809" cy="2517808"/>
           </a:xfrm>
         </p:spPr>
         <p:txBody>
           <a:bodyPr/>
           <a:lstStyle/>
           <a:p>
-            <a:pPr marL="285750" indent="-285750">
-              <a:buFont typeface="Arial" panose="020B0604020202020204" pitchFamily="34" charset="0"/>
-              <a:buChar char="•"/>
-            </a:pPr>
-            <a:r>
-              <a:rPr lang="en-US" dirty="0"/>
-              <a:t>Full-featured workflow</a:t>
-            </a:r>
-          </a:p>
-          <a:p>
-            <a:pPr marL="285750" indent="-285750">
-              <a:buFont typeface="Arial" panose="020B0604020202020204" pitchFamily="34" charset="0"/>
-              <a:buChar char="•"/>
-            </a:pPr>
-            <a:r>
-              <a:rPr lang="en-US" dirty="0"/>
-              <a:t>Increased complexity</a:t>
-            </a:r>
-          </a:p>
-          <a:p>
-            <a:pPr marL="285750" indent="-285750">
-              <a:buFont typeface="Arial" panose="020B0604020202020204" pitchFamily="34" charset="0"/>
-              <a:buChar char="•"/>
-            </a:pPr>
-            <a:r>
-              <a:rPr lang="en-US" dirty="0"/>
-              <a:t>Designed for SW with official releases</a:t>
-            </a:r>
-          </a:p>
-          <a:p>
-            <a:pPr marL="285750" indent="-285750">
-              <a:buFont typeface="Arial" panose="020B0604020202020204" pitchFamily="34" charset="0"/>
-              <a:buChar char="•"/>
-            </a:pPr>
-            <a:r>
-              <a:rPr lang="en-US" dirty="0"/>
-              <a:t>Feature branches based off of develop</a:t>
-            </a:r>
-          </a:p>
-          <a:p>
-            <a:pPr marL="285750" indent="-285750">
-              <a:buFont typeface="Arial" panose="020B0604020202020204" pitchFamily="34" charset="0"/>
-              <a:buChar char="•"/>
-            </a:pPr>
-            <a:r>
-              <a:rPr lang="en-US" dirty="0">
-                <a:hlinkClick r:id="rId3"/>
-              </a:rPr>
-              <a:t>Git extensions</a:t>
-            </a:r>
-            <a:r>
-              <a:rPr lang="en-US" dirty="0"/>
-              <a:t> to enforce policy</a:t>
-            </a:r>
-          </a:p>
-          <a:p>
-            <a:pPr marL="285750" indent="-285750">
-              <a:buFont typeface="Arial" panose="020B0604020202020204" pitchFamily="34" charset="0"/>
-              <a:buChar char="•"/>
-            </a:pPr>
-            <a:r>
-              <a:rPr lang="en-US" dirty="0"/>
-              <a:t>How are develop and main synchronized?</a:t>
-            </a:r>
-          </a:p>
-          <a:p>
-            <a:pPr marL="285750" indent="-285750">
-              <a:buFont typeface="Arial" panose="020B0604020202020204" pitchFamily="34" charset="0"/>
-              <a:buChar char="•"/>
-            </a:pPr>
-            <a:r>
-              <a:rPr lang="en-US" dirty="0"/>
-              <a:t>Where do merge conflicts occur and how are they resolved?</a:t>
-            </a:r>
-          </a:p>
-        </p:txBody>
-      </p:sp>
-      <p:sp>
-        <p:nvSpPr>
-          <p:cNvPr id="7" name="TextBox 6">
-            <a:extLst>
-              <a:ext uri="{FF2B5EF4-FFF2-40B4-BE49-F238E27FC236}">
-                <a16:creationId xmlns:a16="http://schemas.microsoft.com/office/drawing/2014/main" id="{9EA3B929-9425-9A46-9997-AAEB3D2077BD}"/>
-              </a:ext>
-            </a:extLst>
-          </p:cNvPr>
-          <p:cNvSpPr txBox="1"/>
-          <p:nvPr/>
-        </p:nvSpPr>
-        <p:spPr>
-          <a:xfrm>
-            <a:off x="4891407" y="4758347"/>
-            <a:ext cx="7297418" cy="849463"/>
-          </a:xfrm>
-          <a:prstGeom prst="rect">
-            <a:avLst/>
-          </a:prstGeom>
-          <a:noFill/>
-        </p:spPr>
-        <p:txBody>
-          <a:bodyPr wrap="square" lIns="118872" tIns="91440" rIns="118872" bIns="91440" rtlCol="0" anchor="ctr" anchorCtr="0">
-            <a:spAutoFit/>
-          </a:bodyPr>
-          <a:lstStyle/>
-          <a:p>
-            <a:pPr algn="l">
-              <a:lnSpc>
-                <a:spcPct val="90000"/>
-              </a:lnSpc>
-            </a:pPr>
-            <a:r>
-              <a:rPr lang="en-US" sz="1600" b="1" dirty="0"/>
-              <a:t>Author: </a:t>
-            </a:r>
-            <a:r>
-              <a:rPr lang="en-US" sz="1600" dirty="0"/>
-              <a:t>Vincent Driessen</a:t>
-            </a:r>
-          </a:p>
-          <a:p>
-            <a:pPr>
-              <a:lnSpc>
-                <a:spcPct val="90000"/>
-              </a:lnSpc>
-            </a:pPr>
-            <a:r>
-              <a:rPr lang="en-US" sz="1600" b="1" dirty="0"/>
-              <a:t>Original Blog: </a:t>
-            </a:r>
-            <a:r>
-              <a:rPr lang="en-US" sz="1600" b="1" dirty="0">
-                <a:hlinkClick r:id="rId4"/>
-              </a:rPr>
-              <a:t>https://nvie.com/posts/a-successful-git-branching-model/</a:t>
-            </a:r>
-            <a:endParaRPr lang="en-US" sz="1600" b="1" dirty="0"/>
-          </a:p>
-          <a:p>
-            <a:pPr>
-              <a:lnSpc>
-                <a:spcPct val="90000"/>
-              </a:lnSpc>
-            </a:pPr>
-            <a:r>
-              <a:rPr lang="en-US" sz="1600" b="1" dirty="0"/>
-              <a:t>License: </a:t>
-            </a:r>
-            <a:r>
-              <a:rPr lang="en-US" sz="1600" dirty="0"/>
-              <a:t>Creative Commons </a:t>
-            </a:r>
-            <a:endParaRPr lang="en-US" sz="1600" b="1" dirty="0"/>
-          </a:p>
-        </p:txBody>
-      </p:sp>
-      <p:pic>
-        <p:nvPicPr>
-          <p:cNvPr id="8" name="Picture 7">
-            <a:extLst>
-              <a:ext uri="{FF2B5EF4-FFF2-40B4-BE49-F238E27FC236}">
-                <a16:creationId xmlns:a16="http://schemas.microsoft.com/office/drawing/2014/main" id="{AE3E601E-116A-0D4A-B3F6-EB5C127C6164}"/>
-              </a:ext>
-            </a:extLst>
-          </p:cNvPr>
-          <p:cNvPicPr>
-            <a:picLocks noChangeAspect="1"/>
-          </p:cNvPicPr>
-          <p:nvPr/>
-        </p:nvPicPr>
-        <p:blipFill>
-          <a:blip r:embed="rId5"/>
-          <a:stretch>
-            <a:fillRect/>
-          </a:stretch>
-        </p:blipFill>
-        <p:spPr>
-          <a:xfrm>
-            <a:off x="7705346" y="5408603"/>
-            <a:ext cx="1356767" cy="323577"/>
-          </a:xfrm>
-          <a:prstGeom prst="rect">
-            <a:avLst/>
-          </a:prstGeom>
-        </p:spPr>
-      </p:pic>
-      <p:pic>
-        <p:nvPicPr>
-          <p:cNvPr id="4" name="Picture 3">
-            <a:extLst>
-              <a:ext uri="{FF2B5EF4-FFF2-40B4-BE49-F238E27FC236}">
-                <a16:creationId xmlns:a16="http://schemas.microsoft.com/office/drawing/2014/main" id="{33B98FB3-53C2-B047-8060-0D102CF59E21}"/>
-              </a:ext>
-            </a:extLst>
-          </p:cNvPr>
-          <p:cNvPicPr>
-            <a:picLocks noChangeAspect="1"/>
-          </p:cNvPicPr>
-          <p:nvPr/>
-        </p:nvPicPr>
-        <p:blipFill>
-          <a:blip r:embed="rId6" cstate="print">
-            <a:extLst>
-              <a:ext uri="{28A0092B-C50C-407E-A947-70E740481C1C}">
-                <a14:useLocalDpi xmlns:a14="http://schemas.microsoft.com/office/drawing/2010/main" val="0"/>
-              </a:ext>
-            </a:extLst>
-          </a:blip>
-          <a:stretch>
-            <a:fillRect/>
-          </a:stretch>
-        </p:blipFill>
-        <p:spPr>
-          <a:xfrm>
-            <a:off x="408175" y="665457"/>
-            <a:ext cx="4506732" cy="6008976"/>
-          </a:xfrm>
-          <a:prstGeom prst="rect">
-            <a:avLst/>
-          </a:prstGeom>
-        </p:spPr>
-      </p:pic>
-      <p:sp>
-        <p:nvSpPr>
-          <p:cNvPr id="9" name="TextBox 8">
-            <a:extLst>
-              <a:ext uri="{FF2B5EF4-FFF2-40B4-BE49-F238E27FC236}">
-                <a16:creationId xmlns:a16="http://schemas.microsoft.com/office/drawing/2014/main" id="{2802D390-BEBC-A647-AFDC-5E606EA03997}"/>
-              </a:ext>
-            </a:extLst>
-          </p:cNvPr>
-          <p:cNvSpPr txBox="1"/>
-          <p:nvPr/>
-        </p:nvSpPr>
-        <p:spPr>
-          <a:xfrm>
-            <a:off x="3828641" y="730444"/>
-            <a:ext cx="822960" cy="295466"/>
-          </a:xfrm>
-          <a:prstGeom prst="rect">
-            <a:avLst/>
-          </a:prstGeom>
-          <a:solidFill>
-            <a:schemeClr val="bg1"/>
-          </a:solidFill>
-        </p:spPr>
-        <p:txBody>
-          <a:bodyPr wrap="square" lIns="118872" tIns="91440" rIns="118872" bIns="91440" rtlCol="0" anchor="ctr" anchorCtr="0">
-            <a:spAutoFit/>
-          </a:bodyPr>
-          <a:lstStyle/>
-          <a:p>
-            <a:pPr algn="l">
-              <a:lnSpc>
-                <a:spcPct val="90000"/>
-              </a:lnSpc>
-            </a:pPr>
-            <a:r>
-              <a:rPr lang="en-US" sz="800" b="1" dirty="0"/>
-              <a:t>  main  </a:t>
-            </a:r>
+            <a:pPr marL="0" indent="0">
+              <a:buNone/>
+            </a:pPr>
+            <a:r>
+              <a:rPr lang="en-US" b="1" dirty="0"/>
+              <a:t>Commonly Known Workflows</a:t>
+            </a:r>
+          </a:p>
+          <a:p>
+            <a:r>
+              <a:rPr lang="en-US" dirty="0"/>
+              <a:t>Git Flow</a:t>
+            </a:r>
+          </a:p>
+          <a:p>
+            <a:r>
+              <a:rPr lang="en-US" dirty="0" err="1"/>
+              <a:t>Github</a:t>
+            </a:r>
+            <a:r>
+              <a:rPr lang="en-US" dirty="0"/>
+              <a:t> Flow</a:t>
+            </a:r>
+          </a:p>
+          <a:p>
+            <a:r>
+              <a:rPr lang="en-US" dirty="0"/>
+              <a:t>Gitlab Flow</a:t>
+            </a:r>
+          </a:p>
+          <a:p>
+            <a:pPr marL="0" indent="0">
+              <a:buNone/>
+            </a:pPr>
+            <a:endParaRPr lang="en-US" dirty="0"/>
           </a:p>
         </p:txBody>
       </p:sp>
     </p:spTree>
     <p:extLst>
       <p:ext uri="{BB962C8B-B14F-4D97-AF65-F5344CB8AC3E}">
-        <p14:creationId xmlns:p14="http://schemas.microsoft.com/office/powerpoint/2010/main" val="1539049706"/>
+        <p14:creationId xmlns:p14="http://schemas.microsoft.com/office/powerpoint/2010/main" val="4060798534"/>
       </p:ext>
     </p:extLst>
   </p:cSld>
@@ -7929,7 +7894,7 @@
           <p:cNvPr id="2" name="Title 1">
             <a:extLst>
               <a:ext uri="{FF2B5EF4-FFF2-40B4-BE49-F238E27FC236}">
-                <a16:creationId xmlns:a16="http://schemas.microsoft.com/office/drawing/2014/main" id="{BD4BD5A9-082D-C54B-8AB5-B9AB79871188}"/>
+                <a16:creationId xmlns:a16="http://schemas.microsoft.com/office/drawing/2014/main" id="{5780C519-1EB3-8846-B9E7-B3E551D14DB0}"/>
               </a:ext>
             </a:extLst>
           </p:cNvPr>
@@ -7940,24 +7905,29 @@
             <p:ph type="title"/>
           </p:nvPr>
         </p:nvSpPr>
-        <p:spPr/>
+        <p:spPr>
+          <a:xfrm>
+            <a:off x="408175" y="174034"/>
+            <a:ext cx="11372473" cy="914400"/>
+          </a:xfrm>
+        </p:spPr>
         <p:txBody>
           <a:bodyPr/>
           <a:lstStyle/>
           <a:p>
             <a:r>
               <a:rPr lang="en-US" dirty="0"/>
-              <a:t>GitHub Flow</a:t>
-            </a:r>
-          </a:p>
-        </p:txBody>
-      </p:sp>
-      <p:sp>
-        <p:nvSpPr>
-          <p:cNvPr id="3" name="Content Placeholder 2">
+              <a:t>Git Flow</a:t>
+            </a:r>
+          </a:p>
+        </p:txBody>
+      </p:sp>
+      <p:sp>
+        <p:nvSpPr>
+          <p:cNvPr id="12" name="Content Placeholder 2">
             <a:extLst>
               <a:ext uri="{FF2B5EF4-FFF2-40B4-BE49-F238E27FC236}">
-                <a16:creationId xmlns:a16="http://schemas.microsoft.com/office/drawing/2014/main" id="{8B010D1E-98D6-8143-8514-9CB3935A6D58}"/>
+                <a16:creationId xmlns:a16="http://schemas.microsoft.com/office/drawing/2014/main" id="{F7E13A38-2353-E14A-841B-4D9CC88C8EA3}"/>
               </a:ext>
             </a:extLst>
           </p:cNvPr>
@@ -7970,113 +7940,273 @@
         </p:nvSpPr>
         <p:spPr>
           <a:xfrm>
-            <a:off x="368424" y="1197717"/>
-            <a:ext cx="11369809" cy="4047778"/>
+            <a:off x="5411977" y="516171"/>
+            <a:ext cx="6500623" cy="4047778"/>
           </a:xfrm>
         </p:spPr>
         <p:txBody>
           <a:bodyPr/>
           <a:lstStyle/>
           <a:p>
-            <a:pPr marL="0" indent="0">
-              <a:buNone/>
+            <a:pPr marL="285750" indent="-285750">
+              <a:buFont typeface="Arial" panose="020B0604020202020204" pitchFamily="34" charset="0"/>
+              <a:buChar char="•"/>
+            </a:pPr>
+            <a:r>
+              <a:rPr lang="en-US" dirty="0"/>
+              <a:t>Full-featured workflow</a:t>
+            </a:r>
+          </a:p>
+          <a:p>
+            <a:pPr marL="285750" indent="-285750">
+              <a:buFont typeface="Arial" panose="020B0604020202020204" pitchFamily="34" charset="0"/>
+              <a:buChar char="•"/>
+            </a:pPr>
+            <a:r>
+              <a:rPr lang="en-US" dirty="0"/>
+              <a:t>Increased complexity</a:t>
+            </a:r>
+          </a:p>
+          <a:p>
+            <a:pPr marL="285750" indent="-285750">
+              <a:buFont typeface="Arial" panose="020B0604020202020204" pitchFamily="34" charset="0"/>
+              <a:buChar char="•"/>
+            </a:pPr>
+            <a:r>
+              <a:rPr lang="en-US" dirty="0"/>
+              <a:t>Designed for SW with official releases</a:t>
+            </a:r>
+          </a:p>
+          <a:p>
+            <a:pPr marL="285750" indent="-285750">
+              <a:buFont typeface="Arial" panose="020B0604020202020204" pitchFamily="34" charset="0"/>
+              <a:buChar char="•"/>
+            </a:pPr>
+            <a:r>
+              <a:rPr lang="en-US" dirty="0"/>
+              <a:t>Feature branches based off of develop</a:t>
+            </a:r>
+          </a:p>
+          <a:p>
+            <a:pPr marL="285750" indent="-285750">
+              <a:buFont typeface="Arial" panose="020B0604020202020204" pitchFamily="34" charset="0"/>
+              <a:buChar char="•"/>
             </a:pPr>
             <a:r>
               <a:rPr lang="en-US" dirty="0">
                 <a:hlinkClick r:id="rId3"/>
               </a:rPr>
-              <a:t>http://scottchacon.com/2011/08/31/github-flow.html</a:t>
-            </a:r>
-            <a:endParaRPr lang="en-US" dirty="0"/>
-          </a:p>
-          <a:p>
-            <a:pPr lvl="1"/>
-            <a:r>
-              <a:rPr lang="en-US" dirty="0"/>
-              <a:t>Published as viable alternative to Git Flow</a:t>
-            </a:r>
-          </a:p>
-          <a:p>
-            <a:pPr lvl="1"/>
-            <a:r>
-              <a:rPr lang="en-US" dirty="0"/>
-              <a:t>No structured release schedule</a:t>
-            </a:r>
-          </a:p>
-          <a:p>
-            <a:pPr lvl="1"/>
-            <a:r>
-              <a:rPr lang="en-US" dirty="0"/>
-              <a:t>Continuous deployment &amp; continuous integration allows for simpler workflow</a:t>
-            </a:r>
-          </a:p>
-          <a:p>
-            <a:pPr marL="346075" lvl="1" indent="0">
-              <a:buNone/>
-            </a:pPr>
-            <a:endParaRPr lang="en-US" dirty="0"/>
-          </a:p>
-          <a:p>
-            <a:pPr marL="0" indent="-49212">
-              <a:buNone/>
-            </a:pPr>
-            <a:r>
-              <a:rPr lang="en-US" dirty="0"/>
-              <a:t>Main Ideas</a:t>
-            </a:r>
-          </a:p>
-          <a:p>
-            <a:pPr marL="457200" indent="-457200">
-              <a:buFont typeface="+mj-lt"/>
-              <a:buAutoNum type="arabicPeriod"/>
-            </a:pPr>
-            <a:r>
-              <a:rPr lang="en-US" sz="2000" dirty="0"/>
-              <a:t>All commits in the main branch are </a:t>
-            </a:r>
-            <a:r>
-              <a:rPr lang="en-US" sz="2000" b="1" dirty="0"/>
-              <a:t>deployable</a:t>
-            </a:r>
-          </a:p>
-          <a:p>
-            <a:pPr marL="457200" indent="-457200">
-              <a:buFont typeface="+mj-lt"/>
-              <a:buAutoNum type="arabicPeriod"/>
-            </a:pPr>
-            <a:r>
-              <a:rPr lang="en-US" sz="2000" dirty="0"/>
-              <a:t>Base feature branches off of main</a:t>
-            </a:r>
-          </a:p>
-          <a:p>
-            <a:pPr marL="457200" indent="-457200">
-              <a:buFont typeface="+mj-lt"/>
-              <a:buAutoNum type="arabicPeriod"/>
-            </a:pPr>
-            <a:r>
-              <a:rPr lang="en-US" sz="2000" dirty="0"/>
-              <a:t>Push local repository to remote constantly</a:t>
-            </a:r>
-          </a:p>
-          <a:p>
-            <a:pPr marL="457200" indent="-457200">
-              <a:buFont typeface="+mj-lt"/>
-              <a:buAutoNum type="arabicPeriod"/>
-            </a:pPr>
-            <a:r>
-              <a:rPr lang="en-US" sz="2000" dirty="0"/>
-              <a:t>Open Pull Requests early to start dialogue</a:t>
-            </a:r>
-          </a:p>
-          <a:p>
-            <a:pPr marL="457200" indent="-457200">
-              <a:buFont typeface="+mj-lt"/>
-              <a:buAutoNum type="arabicPeriod"/>
-            </a:pPr>
-            <a:r>
-              <a:rPr lang="en-US" sz="2000" dirty="0"/>
-              <a:t>Merge into main after Pull Request review </a:t>
+              <a:t>Git extensions</a:t>
+            </a:r>
+            <a:r>
+              <a:rPr lang="en-US" dirty="0"/>
+              <a:t> to enforce policy</a:t>
+            </a:r>
+          </a:p>
+          <a:p>
+            <a:pPr marL="285750" indent="-285750">
+              <a:buFont typeface="Arial" panose="020B0604020202020204" pitchFamily="34" charset="0"/>
+              <a:buChar char="•"/>
+            </a:pPr>
+            <a:r>
+              <a:rPr lang="en-US" dirty="0"/>
+              <a:t>How are develop and main synchronized?</a:t>
+            </a:r>
+          </a:p>
+          <a:p>
+            <a:pPr marL="285750" indent="-285750">
+              <a:buFont typeface="Arial" panose="020B0604020202020204" pitchFamily="34" charset="0"/>
+              <a:buChar char="•"/>
+            </a:pPr>
+            <a:r>
+              <a:rPr lang="en-US" dirty="0"/>
+              <a:t>Where do merge conflicts occur and how are they resolved?</a:t>
+            </a:r>
+          </a:p>
+        </p:txBody>
+      </p:sp>
+      <p:sp>
+        <p:nvSpPr>
+          <p:cNvPr id="7" name="TextBox 6">
+            <a:extLst>
+              <a:ext uri="{FF2B5EF4-FFF2-40B4-BE49-F238E27FC236}">
+                <a16:creationId xmlns:a16="http://schemas.microsoft.com/office/drawing/2014/main" id="{9EA3B929-9425-9A46-9997-AAEB3D2077BD}"/>
+              </a:ext>
+            </a:extLst>
+          </p:cNvPr>
+          <p:cNvSpPr txBox="1"/>
+          <p:nvPr/>
+        </p:nvSpPr>
+        <p:spPr>
+          <a:xfrm>
+            <a:off x="4891407" y="4758347"/>
+            <a:ext cx="7297418" cy="849463"/>
+          </a:xfrm>
+          <a:prstGeom prst="rect">
+            <a:avLst/>
+          </a:prstGeom>
+          <a:noFill/>
+        </p:spPr>
+        <p:txBody>
+          <a:bodyPr wrap="square" lIns="118872" tIns="91440" rIns="118872" bIns="91440" rtlCol="0" anchor="ctr" anchorCtr="0">
+            <a:spAutoFit/>
+          </a:bodyPr>
+          <a:lstStyle/>
+          <a:p>
+            <a:pPr algn="l">
+              <a:lnSpc>
+                <a:spcPct val="90000"/>
+              </a:lnSpc>
+            </a:pPr>
+            <a:r>
+              <a:rPr lang="en-US" sz="1600" b="1" dirty="0"/>
+              <a:t>Author: </a:t>
+            </a:r>
+            <a:r>
+              <a:rPr lang="en-US" sz="1600" dirty="0"/>
+              <a:t>Vincent Driessen</a:t>
+            </a:r>
+          </a:p>
+          <a:p>
+            <a:pPr>
+              <a:lnSpc>
+                <a:spcPct val="90000"/>
+              </a:lnSpc>
+            </a:pPr>
+            <a:r>
+              <a:rPr lang="en-US" sz="1600" b="1" dirty="0"/>
+              <a:t>Original Blog: </a:t>
+            </a:r>
+            <a:r>
+              <a:rPr lang="en-US" sz="1600" b="1" dirty="0">
+                <a:hlinkClick r:id="rId4"/>
+              </a:rPr>
+              <a:t>https://nvie.com/posts/a-successful-git-branching-model/</a:t>
+            </a:r>
+            <a:endParaRPr lang="en-US" sz="1600" b="1" dirty="0"/>
+          </a:p>
+          <a:p>
+            <a:pPr>
+              <a:lnSpc>
+                <a:spcPct val="90000"/>
+              </a:lnSpc>
+            </a:pPr>
+            <a:r>
+              <a:rPr lang="en-US" sz="1600" b="1" dirty="0"/>
+              <a:t>License: </a:t>
+            </a:r>
+            <a:r>
+              <a:rPr lang="en-US" sz="1600" dirty="0"/>
+              <a:t>Creative Commons </a:t>
+            </a:r>
+            <a:endParaRPr lang="en-US" sz="1600" b="1" dirty="0"/>
+          </a:p>
+        </p:txBody>
+      </p:sp>
+      <p:pic>
+        <p:nvPicPr>
+          <p:cNvPr id="8" name="Picture 7">
+            <a:extLst>
+              <a:ext uri="{FF2B5EF4-FFF2-40B4-BE49-F238E27FC236}">
+                <a16:creationId xmlns:a16="http://schemas.microsoft.com/office/drawing/2014/main" id="{AE3E601E-116A-0D4A-B3F6-EB5C127C6164}"/>
+              </a:ext>
+            </a:extLst>
+          </p:cNvPr>
+          <p:cNvPicPr>
+            <a:picLocks noChangeAspect="1"/>
+          </p:cNvPicPr>
+          <p:nvPr/>
+        </p:nvPicPr>
+        <p:blipFill>
+          <a:blip r:embed="rId5"/>
+          <a:stretch>
+            <a:fillRect/>
+          </a:stretch>
+        </p:blipFill>
+        <p:spPr>
+          <a:xfrm>
+            <a:off x="7705346" y="5408603"/>
+            <a:ext cx="1356767" cy="323577"/>
+          </a:xfrm>
+          <a:prstGeom prst="rect">
+            <a:avLst/>
+          </a:prstGeom>
+        </p:spPr>
+      </p:pic>
+      <p:pic>
+        <p:nvPicPr>
+          <p:cNvPr id="4" name="Picture 3">
+            <a:extLst>
+              <a:ext uri="{FF2B5EF4-FFF2-40B4-BE49-F238E27FC236}">
+                <a16:creationId xmlns:a16="http://schemas.microsoft.com/office/drawing/2014/main" id="{33B98FB3-53C2-B047-8060-0D102CF59E21}"/>
+              </a:ext>
+            </a:extLst>
+          </p:cNvPr>
+          <p:cNvPicPr>
+            <a:picLocks noChangeAspect="1"/>
+          </p:cNvPicPr>
+          <p:nvPr/>
+        </p:nvPicPr>
+        <p:blipFill>
+          <a:blip r:embed="rId6" cstate="print">
+            <a:extLst>
+              <a:ext uri="{28A0092B-C50C-407E-A947-70E740481C1C}">
+                <a14:useLocalDpi xmlns:a14="http://schemas.microsoft.com/office/drawing/2010/main" val="0"/>
+              </a:ext>
+            </a:extLst>
+          </a:blip>
+          <a:stretch>
+            <a:fillRect/>
+          </a:stretch>
+        </p:blipFill>
+        <p:spPr>
+          <a:xfrm>
+            <a:off x="408175" y="665457"/>
+            <a:ext cx="4506732" cy="6008976"/>
+          </a:xfrm>
+          <a:prstGeom prst="rect">
+            <a:avLst/>
+          </a:prstGeom>
+        </p:spPr>
+      </p:pic>
+      <p:sp>
+        <p:nvSpPr>
+          <p:cNvPr id="9" name="TextBox 8">
+            <a:extLst>
+              <a:ext uri="{FF2B5EF4-FFF2-40B4-BE49-F238E27FC236}">
+                <a16:creationId xmlns:a16="http://schemas.microsoft.com/office/drawing/2014/main" id="{2802D390-BEBC-A647-AFDC-5E606EA03997}"/>
+              </a:ext>
+            </a:extLst>
+          </p:cNvPr>
+          <p:cNvSpPr txBox="1"/>
+          <p:nvPr/>
+        </p:nvSpPr>
+        <p:spPr>
+          <a:xfrm>
+            <a:off x="3828641" y="730444"/>
+            <a:ext cx="822960" cy="295466"/>
+          </a:xfrm>
+          <a:prstGeom prst="rect">
+            <a:avLst/>
+          </a:prstGeom>
+          <a:solidFill>
+            <a:schemeClr val="bg1"/>
+          </a:solidFill>
+        </p:spPr>
+        <p:txBody>
+          <a:bodyPr wrap="square" lIns="118872" tIns="91440" rIns="118872" bIns="91440" rtlCol="0" anchor="ctr" anchorCtr="0">
+            <a:spAutoFit/>
+          </a:bodyPr>
+          <a:lstStyle/>
+          <a:p>
+            <a:pPr algn="l">
+              <a:lnSpc>
+                <a:spcPct val="90000"/>
+              </a:lnSpc>
+            </a:pPr>
+            <a:r>
+              <a:rPr lang="en-US" sz="800" b="1" dirty="0"/>
+              <a:t>  main  </a:t>
             </a:r>
           </a:p>
         </p:txBody>
@@ -8084,7 +8214,7 @@
     </p:spTree>
     <p:extLst>
       <p:ext uri="{BB962C8B-B14F-4D97-AF65-F5344CB8AC3E}">
-        <p14:creationId xmlns:p14="http://schemas.microsoft.com/office/powerpoint/2010/main" val="3917958728"/>
+        <p14:creationId xmlns:p14="http://schemas.microsoft.com/office/powerpoint/2010/main" val="1539049706"/>
       </p:ext>
     </p:extLst>
   </p:cSld>
@@ -8134,7 +8264,7 @@
           <a:p>
             <a:r>
               <a:rPr lang="en-US" dirty="0"/>
-              <a:t>GitLab Flow</a:t>
+              <a:t>GitHub Flow</a:t>
             </a:r>
           </a:p>
         </p:txBody>
@@ -8157,8 +8287,8 @@
         </p:nvSpPr>
         <p:spPr>
           <a:xfrm>
-            <a:off x="365761" y="1212707"/>
-            <a:ext cx="10067394" cy="4047778"/>
+            <a:off x="368424" y="1197717"/>
+            <a:ext cx="11369809" cy="4047778"/>
           </a:xfrm>
         </p:spPr>
         <p:txBody>
@@ -8172,7 +8302,7 @@
               <a:rPr lang="en-US" dirty="0">
                 <a:hlinkClick r:id="rId3"/>
               </a:rPr>
-              <a:t>https://docs.gitlab.com/ee/workflow/gitlab_flow.html</a:t>
+              <a:t>http://scottchacon.com/2011/08/31/github-flow.html</a:t>
             </a:r>
             <a:endParaRPr lang="en-US" dirty="0"/>
           </a:p>
@@ -8180,21 +8310,21 @@
             <a:pPr lvl="1"/>
             <a:r>
               <a:rPr lang="en-US" dirty="0"/>
-              <a:t>Published as viable alternative to Git Flow &amp; GitHub Flow</a:t>
+              <a:t>Published as viable alternative to Git Flow</a:t>
             </a:r>
           </a:p>
           <a:p>
             <a:pPr lvl="1"/>
             <a:r>
               <a:rPr lang="en-US" dirty="0"/>
-              <a:t>Semi-structured release schedule</a:t>
+              <a:t>No structured release schedule</a:t>
             </a:r>
           </a:p>
           <a:p>
             <a:pPr lvl="1"/>
             <a:r>
               <a:rPr lang="en-US" dirty="0"/>
-              <a:t>Workflow that simplifies difficulties and common failures in synchronizing infinite lifetime branches</a:t>
+              <a:t>Continuous deployment &amp; continuous integration allows for simpler workflow</a:t>
             </a:r>
           </a:p>
           <a:p>
@@ -8204,7 +8334,7 @@
             <a:endParaRPr lang="en-US" dirty="0"/>
           </a:p>
           <a:p>
-            <a:pPr marL="0" indent="0">
+            <a:pPr marL="0" indent="-49212">
               <a:buNone/>
             </a:pPr>
             <a:r>
@@ -8213,52 +8343,65 @@
             </a:r>
           </a:p>
           <a:p>
+            <a:pPr marL="457200" indent="-457200">
+              <a:buFont typeface="+mj-lt"/>
+              <a:buAutoNum type="arabicPeriod"/>
+            </a:pPr>
             <a:r>
               <a:rPr lang="en-US" sz="2000" dirty="0"/>
-              <a:t>Main branch is staging area</a:t>
-            </a:r>
-          </a:p>
-          <a:p>
+              <a:t>All commits in the main branch are </a:t>
+            </a:r>
+            <a:r>
+              <a:rPr lang="en-US" sz="2000" b="1" dirty="0"/>
+              <a:t>deployable</a:t>
+            </a:r>
+          </a:p>
+          <a:p>
+            <a:pPr marL="457200" indent="-457200">
+              <a:buFont typeface="+mj-lt"/>
+              <a:buAutoNum type="arabicPeriod"/>
+            </a:pPr>
             <a:r>
               <a:rPr lang="en-US" sz="2000" dirty="0"/>
-              <a:t>Mature code in main flows downstream into pre-production &amp; production infinite lifetime branches</a:t>
-            </a:r>
-          </a:p>
-          <a:p>
+              <a:t>Base feature branches off of main</a:t>
+            </a:r>
+          </a:p>
+          <a:p>
+            <a:pPr marL="457200" indent="-457200">
+              <a:buFont typeface="+mj-lt"/>
+              <a:buAutoNum type="arabicPeriod"/>
+            </a:pPr>
             <a:r>
               <a:rPr lang="en-US" sz="2000" dirty="0"/>
-              <a:t>Allow for release branches with downstream flow</a:t>
-            </a:r>
-          </a:p>
-          <a:p>
-            <a:pPr lvl="1"/>
-            <a:r>
-              <a:rPr lang="en-US" dirty="0"/>
-              <a:t>Fixes made upstream &amp; merged into main.</a:t>
-            </a:r>
-          </a:p>
-          <a:p>
-            <a:pPr lvl="1"/>
-            <a:r>
-              <a:rPr lang="en-US" dirty="0"/>
-              <a:t>Fixes cherry picked into release branch</a:t>
-            </a:r>
-          </a:p>
-          <a:p>
-            <a:pPr marL="0" indent="0">
-              <a:buNone/>
-            </a:pPr>
-            <a:endParaRPr lang="en-US" dirty="0"/>
-          </a:p>
-          <a:p>
-            <a:endParaRPr lang="en-US" dirty="0"/>
+              <a:t>Push local repository to remote constantly</a:t>
+            </a:r>
+          </a:p>
+          <a:p>
+            <a:pPr marL="457200" indent="-457200">
+              <a:buFont typeface="+mj-lt"/>
+              <a:buAutoNum type="arabicPeriod"/>
+            </a:pPr>
+            <a:r>
+              <a:rPr lang="en-US" sz="2000" dirty="0"/>
+              <a:t>Open Pull Requests early to start dialogue</a:t>
+            </a:r>
+          </a:p>
+          <a:p>
+            <a:pPr marL="457200" indent="-457200">
+              <a:buFont typeface="+mj-lt"/>
+              <a:buAutoNum type="arabicPeriod"/>
+            </a:pPr>
+            <a:r>
+              <a:rPr lang="en-US" sz="2000" dirty="0"/>
+              <a:t>Merge into main after Pull Request review </a:t>
+            </a:r>
           </a:p>
         </p:txBody>
       </p:sp>
     </p:spTree>
     <p:extLst>
       <p:ext uri="{BB962C8B-B14F-4D97-AF65-F5344CB8AC3E}">
-        <p14:creationId xmlns:p14="http://schemas.microsoft.com/office/powerpoint/2010/main" val="3212859505"/>
+        <p14:creationId xmlns:p14="http://schemas.microsoft.com/office/powerpoint/2010/main" val="3917958728"/>
       </p:ext>
     </p:extLst>
   </p:cSld>
@@ -8290,7 +8433,7 @@
           <p:cNvPr id="2" name="Title 1">
             <a:extLst>
               <a:ext uri="{FF2B5EF4-FFF2-40B4-BE49-F238E27FC236}">
-                <a16:creationId xmlns:a16="http://schemas.microsoft.com/office/drawing/2014/main" id="{F07038E7-EEB4-9043-9EA1-7BA9EA5F3241}"/>
+                <a16:creationId xmlns:a16="http://schemas.microsoft.com/office/drawing/2014/main" id="{BD4BD5A9-082D-C54B-8AB5-B9AB79871188}"/>
               </a:ext>
             </a:extLst>
           </p:cNvPr>
@@ -8308,7 +8451,7 @@
           <a:p>
             <a:r>
               <a:rPr lang="en-US" dirty="0"/>
-              <a:t>Collaboration using Git Workflows for CSE projects</a:t>
+              <a:t>GitLab Flow</a:t>
             </a:r>
           </a:p>
         </p:txBody>
@@ -8318,7 +8461,7 @@
           <p:cNvPr id="3" name="Content Placeholder 2">
             <a:extLst>
               <a:ext uri="{FF2B5EF4-FFF2-40B4-BE49-F238E27FC236}">
-                <a16:creationId xmlns:a16="http://schemas.microsoft.com/office/drawing/2014/main" id="{BC4025A8-D322-7F4C-BD72-C65AC6A3E843}"/>
+                <a16:creationId xmlns:a16="http://schemas.microsoft.com/office/drawing/2014/main" id="{8B010D1E-98D6-8143-8514-9CB3935A6D58}"/>
               </a:ext>
             </a:extLst>
           </p:cNvPr>
@@ -8331,8 +8474,8 @@
         </p:nvSpPr>
         <p:spPr>
           <a:xfrm>
-            <a:off x="365760" y="868680"/>
-            <a:ext cx="11369809" cy="4047778"/>
+            <a:off x="365761" y="1212707"/>
+            <a:ext cx="10067394" cy="4047778"/>
           </a:xfrm>
         </p:spPr>
         <p:txBody>
@@ -8342,38 +8485,89 @@
             <a:pPr marL="0" indent="0">
               <a:buNone/>
             </a:pPr>
+            <a:r>
+              <a:rPr lang="en-US" dirty="0">
+                <a:hlinkClick r:id="rId3"/>
+              </a:rPr>
+              <a:t>https://docs.gitlab.com/ee/workflow/gitlab_flow.html</a:t>
+            </a:r>
             <a:endParaRPr lang="en-US" dirty="0"/>
           </a:p>
           <a:p>
-            <a:r>
-              <a:rPr lang="en-US" dirty="0" err="1"/>
-              <a:t>Trilionos</a:t>
-            </a:r>
-            <a:r>
-              <a:rPr lang="en-US" dirty="0"/>
-              <a:t> Workflow</a:t>
-            </a:r>
-          </a:p>
-          <a:p>
-            <a:r>
-              <a:rPr lang="en-US" dirty="0"/>
-              <a:t>Open MPI Workflow</a:t>
-            </a:r>
-          </a:p>
-          <a:p>
-            <a:r>
-              <a:rPr lang="en-US" dirty="0" err="1"/>
-              <a:t>Flecsi</a:t>
-            </a:r>
-            <a:r>
-              <a:rPr lang="en-US" dirty="0"/>
-              <a:t> Workflow</a:t>
-            </a:r>
+            <a:pPr lvl="1"/>
+            <a:r>
+              <a:rPr lang="en-US" dirty="0"/>
+              <a:t>Published as viable alternative to Git Flow &amp; GitHub Flow</a:t>
+            </a:r>
+          </a:p>
+          <a:p>
+            <a:pPr lvl="1"/>
+            <a:r>
+              <a:rPr lang="en-US" dirty="0"/>
+              <a:t>Semi-structured release schedule</a:t>
+            </a:r>
+          </a:p>
+          <a:p>
+            <a:pPr lvl="1"/>
+            <a:r>
+              <a:rPr lang="en-US" dirty="0"/>
+              <a:t>Workflow that simplifies difficulties and common failures in synchronizing infinite lifetime branches</a:t>
+            </a:r>
+          </a:p>
+          <a:p>
+            <a:pPr marL="346075" lvl="1" indent="0">
+              <a:buNone/>
+            </a:pPr>
+            <a:endParaRPr lang="en-US" dirty="0"/>
           </a:p>
           <a:p>
             <a:pPr marL="0" indent="0">
               <a:buNone/>
             </a:pPr>
+            <a:r>
+              <a:rPr lang="en-US" dirty="0"/>
+              <a:t>Main Ideas</a:t>
+            </a:r>
+          </a:p>
+          <a:p>
+            <a:r>
+              <a:rPr lang="en-US" sz="2000" dirty="0"/>
+              <a:t>Main branch is staging area</a:t>
+            </a:r>
+          </a:p>
+          <a:p>
+            <a:r>
+              <a:rPr lang="en-US" sz="2000" dirty="0"/>
+              <a:t>Mature code in main flows downstream into pre-production &amp; production infinite lifetime branches</a:t>
+            </a:r>
+          </a:p>
+          <a:p>
+            <a:r>
+              <a:rPr lang="en-US" sz="2000" dirty="0"/>
+              <a:t>Allow for release branches with downstream flow</a:t>
+            </a:r>
+          </a:p>
+          <a:p>
+            <a:pPr lvl="1"/>
+            <a:r>
+              <a:rPr lang="en-US" dirty="0"/>
+              <a:t>Fixes made upstream &amp; merged into main.</a:t>
+            </a:r>
+          </a:p>
+          <a:p>
+            <a:pPr lvl="1"/>
+            <a:r>
+              <a:rPr lang="en-US" dirty="0"/>
+              <a:t>Fixes cherry picked into release branch</a:t>
+            </a:r>
+          </a:p>
+          <a:p>
+            <a:pPr marL="0" indent="0">
+              <a:buNone/>
+            </a:pPr>
+            <a:endParaRPr lang="en-US" dirty="0"/>
+          </a:p>
+          <a:p>
             <a:endParaRPr lang="en-US" dirty="0"/>
           </a:p>
         </p:txBody>
@@ -8381,7 +8575,7 @@
     </p:spTree>
     <p:extLst>
       <p:ext uri="{BB962C8B-B14F-4D97-AF65-F5344CB8AC3E}">
-        <p14:creationId xmlns:p14="http://schemas.microsoft.com/office/powerpoint/2010/main" val="64054294"/>
+        <p14:creationId xmlns:p14="http://schemas.microsoft.com/office/powerpoint/2010/main" val="3212859505"/>
       </p:ext>
     </p:extLst>
   </p:cSld>
@@ -8722,6 +8916,129 @@
           <p:cNvPr id="2" name="Title 1">
             <a:extLst>
               <a:ext uri="{FF2B5EF4-FFF2-40B4-BE49-F238E27FC236}">
+                <a16:creationId xmlns:a16="http://schemas.microsoft.com/office/drawing/2014/main" id="{F07038E7-EEB4-9043-9EA1-7BA9EA5F3241}"/>
+              </a:ext>
+            </a:extLst>
+          </p:cNvPr>
+          <p:cNvSpPr>
+            <a:spLocks noGrp="1"/>
+          </p:cNvSpPr>
+          <p:nvPr>
+            <p:ph type="title"/>
+          </p:nvPr>
+        </p:nvSpPr>
+        <p:spPr/>
+        <p:txBody>
+          <a:bodyPr/>
+          <a:lstStyle/>
+          <a:p>
+            <a:r>
+              <a:rPr lang="en-US" dirty="0"/>
+              <a:t>Collaboration using Git Workflows for CSE projects</a:t>
+            </a:r>
+          </a:p>
+        </p:txBody>
+      </p:sp>
+      <p:sp>
+        <p:nvSpPr>
+          <p:cNvPr id="3" name="Content Placeholder 2">
+            <a:extLst>
+              <a:ext uri="{FF2B5EF4-FFF2-40B4-BE49-F238E27FC236}">
+                <a16:creationId xmlns:a16="http://schemas.microsoft.com/office/drawing/2014/main" id="{BC4025A8-D322-7F4C-BD72-C65AC6A3E843}"/>
+              </a:ext>
+            </a:extLst>
+          </p:cNvPr>
+          <p:cNvSpPr>
+            <a:spLocks noGrp="1"/>
+          </p:cNvSpPr>
+          <p:nvPr>
+            <p:ph idx="1"/>
+          </p:nvPr>
+        </p:nvSpPr>
+        <p:spPr>
+          <a:xfrm>
+            <a:off x="365760" y="868680"/>
+            <a:ext cx="11369809" cy="4047778"/>
+          </a:xfrm>
+        </p:spPr>
+        <p:txBody>
+          <a:bodyPr/>
+          <a:lstStyle/>
+          <a:p>
+            <a:pPr marL="0" indent="0">
+              <a:buNone/>
+            </a:pPr>
+            <a:endParaRPr lang="en-US" dirty="0"/>
+          </a:p>
+          <a:p>
+            <a:r>
+              <a:rPr lang="en-US" dirty="0" err="1"/>
+              <a:t>Trilionos</a:t>
+            </a:r>
+            <a:r>
+              <a:rPr lang="en-US" dirty="0"/>
+              <a:t> Workflow</a:t>
+            </a:r>
+          </a:p>
+          <a:p>
+            <a:r>
+              <a:rPr lang="en-US" dirty="0"/>
+              <a:t>Open MPI Workflow</a:t>
+            </a:r>
+          </a:p>
+          <a:p>
+            <a:r>
+              <a:rPr lang="en-US" dirty="0" err="1"/>
+              <a:t>Flecsi</a:t>
+            </a:r>
+            <a:r>
+              <a:rPr lang="en-US" dirty="0"/>
+              <a:t> Workflow</a:t>
+            </a:r>
+          </a:p>
+          <a:p>
+            <a:pPr marL="0" indent="0">
+              <a:buNone/>
+            </a:pPr>
+            <a:endParaRPr lang="en-US" dirty="0"/>
+          </a:p>
+        </p:txBody>
+      </p:sp>
+    </p:spTree>
+    <p:extLst>
+      <p:ext uri="{BB962C8B-B14F-4D97-AF65-F5344CB8AC3E}">
+        <p14:creationId xmlns:p14="http://schemas.microsoft.com/office/powerpoint/2010/main" val="64054294"/>
+      </p:ext>
+    </p:extLst>
+  </p:cSld>
+  <p:clrMapOvr>
+    <a:masterClrMapping/>
+  </p:clrMapOvr>
+</p:sld>
+</file>
+
+<file path=ppt/slides/slide21.xml><?xml version="1.0" encoding="utf-8"?>
+<p:sld xmlns:a="http://schemas.openxmlformats.org/drawingml/2006/main" xmlns:r="http://schemas.openxmlformats.org/officeDocument/2006/relationships" xmlns:p="http://schemas.openxmlformats.org/presentationml/2006/main">
+  <p:cSld>
+    <p:spTree>
+      <p:nvGrpSpPr>
+        <p:cNvPr id="1" name=""/>
+        <p:cNvGrpSpPr/>
+        <p:nvPr/>
+      </p:nvGrpSpPr>
+      <p:grpSpPr>
+        <a:xfrm>
+          <a:off x="0" y="0"/>
+          <a:ext cx="0" cy="0"/>
+          <a:chOff x="0" y="0"/>
+          <a:chExt cx="0" cy="0"/>
+        </a:xfrm>
+      </p:grpSpPr>
+      <p:sp>
+        <p:nvSpPr>
+          <p:cNvPr id="2" name="Title 1">
+            <a:extLst>
+              <a:ext uri="{FF2B5EF4-FFF2-40B4-BE49-F238E27FC236}">
                 <a16:creationId xmlns:a16="http://schemas.microsoft.com/office/drawing/2014/main" id="{9E61C7ED-2A46-3949-B59E-F7D19B5D57B0}"/>
               </a:ext>
             </a:extLst>
@@ -9993,7 +10310,7 @@
 </p:sld>
 </file>
 
-<file path=ppt/slides/slide21.xml><?xml version="1.0" encoding="utf-8"?>
+<file path=ppt/slides/slide22.xml><?xml version="1.0" encoding="utf-8"?>
 <p:sld xmlns:a="http://schemas.openxmlformats.org/drawingml/2006/main" xmlns:r="http://schemas.openxmlformats.org/officeDocument/2006/relationships" xmlns:p="http://schemas.openxmlformats.org/presentationml/2006/main">
   <p:cSld>
     <p:spTree>
@@ -11605,7 +11922,7 @@
 </p:sld>
 </file>
 
-<file path=ppt/slides/slide22.xml><?xml version="1.0" encoding="utf-8"?>
+<file path=ppt/slides/slide23.xml><?xml version="1.0" encoding="utf-8"?>
 <p:sld xmlns:a="http://schemas.openxmlformats.org/drawingml/2006/main" xmlns:r="http://schemas.openxmlformats.org/officeDocument/2006/relationships" xmlns:p="http://schemas.openxmlformats.org/presentationml/2006/main">
   <p:cSld>
     <p:spTree>
@@ -12242,7 +12559,7 @@
 </p:sld>
 </file>
 
-<file path=ppt/slides/slide23.xml><?xml version="1.0" encoding="utf-8"?>
+<file path=ppt/slides/slide24.xml><?xml version="1.0" encoding="utf-8"?>
 <p:sld xmlns:a="http://schemas.openxmlformats.org/drawingml/2006/main" xmlns:r="http://schemas.openxmlformats.org/officeDocument/2006/relationships" xmlns:p="http://schemas.openxmlformats.org/presentationml/2006/main">
   <p:cSld>
     <p:spTree>
@@ -12471,13 +12788,19 @@
         </p:nvSpPr>
         <p:spPr>
           <a:xfrm>
-            <a:off x="365761" y="1226999"/>
-            <a:ext cx="8802954" cy="4841291"/>
+            <a:off x="365760" y="1226999"/>
+            <a:ext cx="9839395" cy="4841291"/>
           </a:xfrm>
         </p:spPr>
         <p:txBody>
           <a:bodyPr/>
           <a:lstStyle/>
+          <a:p>
+            <a:r>
+              <a:rPr lang="en-US" dirty="0"/>
+              <a:t>Inclusivity measures – the main branch</a:t>
+            </a:r>
+          </a:p>
           <a:p>
             <a:r>
               <a:rPr lang="en-US" dirty="0"/>
@@ -12631,7 +12954,7 @@
           <p:cNvPr id="2" name="Title 1">
             <a:extLst>
               <a:ext uri="{FF2B5EF4-FFF2-40B4-BE49-F238E27FC236}">
-                <a16:creationId xmlns:a16="http://schemas.microsoft.com/office/drawing/2014/main" id="{89F8550E-A12D-8844-B3AA-843E0E02B76E}"/>
+                <a16:creationId xmlns:a16="http://schemas.microsoft.com/office/drawing/2014/main" id="{B686D5E8-7D79-E844-8E7C-1D21240A741D}"/>
               </a:ext>
             </a:extLst>
           </p:cNvPr>
@@ -12649,8 +12972,15 @@
           <a:p>
             <a:r>
               <a:rPr lang="en-US" dirty="0"/>
-              <a:t>Goal</a:t>
-            </a:r>
+              <a:t>Inclusivity measures – the main branch</a:t>
+            </a:r>
+            <a:br>
+              <a:rPr lang="en-US" dirty="0"/>
+            </a:br>
+            <a:br>
+              <a:rPr lang="en-US" dirty="0"/>
+            </a:br>
+            <a:endParaRPr lang="en-US" dirty="0"/>
           </a:p>
         </p:txBody>
       </p:sp>
@@ -12659,7 +12989,7 @@
           <p:cNvPr id="3" name="Content Placeholder 2">
             <a:extLst>
               <a:ext uri="{FF2B5EF4-FFF2-40B4-BE49-F238E27FC236}">
-                <a16:creationId xmlns:a16="http://schemas.microsoft.com/office/drawing/2014/main" id="{0E7A5CED-599D-314E-9F01-E8806914DCFD}"/>
+                <a16:creationId xmlns:a16="http://schemas.microsoft.com/office/drawing/2014/main" id="{5C96C906-16EA-E44C-8B42-900F1C045ED7}"/>
               </a:ext>
             </a:extLst>
           </p:cNvPr>
@@ -12670,48 +13000,80 @@
             <p:ph idx="1"/>
           </p:nvPr>
         </p:nvSpPr>
-        <p:spPr>
-          <a:xfrm>
-            <a:off x="365761" y="1226999"/>
-            <a:ext cx="8802954" cy="4841291"/>
-          </a:xfrm>
-        </p:spPr>
+        <p:spPr/>
         <p:txBody>
           <a:bodyPr/>
           <a:lstStyle/>
           <a:p>
-            <a:pPr marL="0" indent="0">
-              <a:buNone/>
-            </a:pPr>
-            <a:r>
-              <a:rPr lang="en-US" dirty="0"/>
-              <a:t>Development teams would like to use version control to collaborate productively and ensure correct code.</a:t>
-            </a:r>
-          </a:p>
-          <a:p>
-            <a:pPr marL="0" indent="0">
-              <a:buNone/>
-            </a:pPr>
-            <a:endParaRPr lang="en-US" sz="1800" dirty="0"/>
-          </a:p>
-          <a:p>
-            <a:pPr marL="0" indent="0">
-              <a:buNone/>
-            </a:pPr>
-            <a:endParaRPr lang="en-US" sz="1800" dirty="0"/>
-          </a:p>
-          <a:p>
-            <a:pPr marL="0" indent="0">
-              <a:buNone/>
-            </a:pPr>
-            <a:endParaRPr lang="en-US" sz="1800" dirty="0"/>
+            <a:r>
+              <a:rPr lang="en-US" dirty="0"/>
+              <a:t>Historically git repository platforms used the term master as the default branch for the main branch. </a:t>
+            </a:r>
+          </a:p>
+          <a:p>
+            <a:pPr lvl="1"/>
+            <a:r>
+              <a:rPr lang="en-US" dirty="0"/>
+              <a:t>The master-slave relationship in technology was used to refer to a system where one - the master - controls other copies, or </a:t>
+            </a:r>
+            <a:r>
+              <a:rPr lang="en-US"/>
+              <a:t>processes.</a:t>
+            </a:r>
+            <a:endParaRPr lang="en-US" dirty="0"/>
+          </a:p>
+          <a:p>
+            <a:r>
+              <a:rPr lang="en-US" dirty="0"/>
+              <a:t>Both </a:t>
+            </a:r>
+            <a:r>
+              <a:rPr lang="en-US" dirty="0" err="1"/>
+              <a:t>Github</a:t>
+            </a:r>
+            <a:r>
+              <a:rPr lang="en-US" dirty="0"/>
+              <a:t> and Gitlab have changed the default for the main branch to main</a:t>
+            </a:r>
+          </a:p>
+          <a:p>
+            <a:pPr lvl="1"/>
+            <a:r>
+              <a:rPr lang="en-US" dirty="0"/>
+              <a:t>All new repositories will have this default</a:t>
+            </a:r>
+          </a:p>
+          <a:p>
+            <a:pPr lvl="1"/>
+            <a:r>
+              <a:rPr lang="en-US" dirty="0"/>
+              <a:t>Many workflows had already set their default branch to other neutral names such as </a:t>
+            </a:r>
+            <a:r>
+              <a:rPr lang="en-US" dirty="0" err="1"/>
+              <a:t>devel</a:t>
+            </a:r>
+            <a:endParaRPr lang="en-US" dirty="0"/>
+          </a:p>
+          <a:p>
+            <a:pPr lvl="1"/>
+            <a:r>
+              <a:rPr lang="en-US" dirty="0"/>
+              <a:t>For some older projects the branch may still be the older default, but we anticipate they will adopt a more neutral practice</a:t>
+            </a:r>
+          </a:p>
+          <a:p>
+            <a:r>
+              <a:rPr lang="en-US" dirty="0"/>
+              <a:t>For this presentation we use main even for those that have not yet adopted</a:t>
+            </a:r>
           </a:p>
         </p:txBody>
       </p:sp>
     </p:spTree>
     <p:extLst>
       <p:ext uri="{BB962C8B-B14F-4D97-AF65-F5344CB8AC3E}">
-        <p14:creationId xmlns:p14="http://schemas.microsoft.com/office/powerpoint/2010/main" val="658328687"/>
+        <p14:creationId xmlns:p14="http://schemas.microsoft.com/office/powerpoint/2010/main" val="701226340"/>
       </p:ext>
     </p:extLst>
   </p:cSld>
@@ -12743,7 +13105,7 @@
           <p:cNvPr id="2" name="Title 1">
             <a:extLst>
               <a:ext uri="{FF2B5EF4-FFF2-40B4-BE49-F238E27FC236}">
-                <a16:creationId xmlns:a16="http://schemas.microsoft.com/office/drawing/2014/main" id="{0F7F7C0A-7591-A44A-BA28-B27788DF1A70}"/>
+                <a16:creationId xmlns:a16="http://schemas.microsoft.com/office/drawing/2014/main" id="{89F8550E-A12D-8844-B3AA-843E0E02B76E}"/>
               </a:ext>
             </a:extLst>
           </p:cNvPr>
@@ -12761,7 +13123,7 @@
           <a:p>
             <a:r>
               <a:rPr lang="en-US" dirty="0"/>
-              <a:t>First Workflow</a:t>
+              <a:t>Goal</a:t>
             </a:r>
           </a:p>
         </p:txBody>
@@ -12771,7 +13133,7 @@
           <p:cNvPr id="3" name="Content Placeholder 2">
             <a:extLst>
               <a:ext uri="{FF2B5EF4-FFF2-40B4-BE49-F238E27FC236}">
-                <a16:creationId xmlns:a16="http://schemas.microsoft.com/office/drawing/2014/main" id="{F1DB1E7F-C262-8A45-9DAC-7AF28B8267E9}"/>
+                <a16:creationId xmlns:a16="http://schemas.microsoft.com/office/drawing/2014/main" id="{0E7A5CED-599D-314E-9F01-E8806914DCFD}"/>
               </a:ext>
             </a:extLst>
           </p:cNvPr>
@@ -12784,8 +13146,8 @@
         </p:nvSpPr>
         <p:spPr>
           <a:xfrm>
-            <a:off x="409507" y="1210897"/>
-            <a:ext cx="11369809" cy="4047778"/>
+            <a:off x="365761" y="1226999"/>
+            <a:ext cx="8802954" cy="4841291"/>
           </a:xfrm>
         </p:spPr>
         <p:txBody>
@@ -12797,522 +13159,33 @@
             </a:pPr>
             <a:r>
               <a:rPr lang="en-US" dirty="0"/>
-              <a:t>This process of collaborating </a:t>
-            </a:r>
-            <a:r>
-              <a:rPr lang="en-US" i="1" dirty="0"/>
-              <a:t>via</a:t>
-            </a:r>
-            <a:r>
-              <a:rPr lang="en-US" dirty="0"/>
-              <a:t> Git is called the </a:t>
-            </a:r>
-            <a:r>
-              <a:rPr lang="en-US" b="1" dirty="0"/>
-              <a:t>Centralized</a:t>
-            </a:r>
-            <a:r>
-              <a:rPr lang="en-US" dirty="0"/>
-              <a:t> </a:t>
-            </a:r>
-            <a:r>
-              <a:rPr lang="en-US" b="1" dirty="0"/>
-              <a:t>Workflow</a:t>
-            </a:r>
-          </a:p>
-          <a:p>
-            <a:r>
-              <a:rPr lang="en-US" dirty="0"/>
-              <a:t>See </a:t>
-            </a:r>
-            <a:r>
-              <a:rPr lang="en-US" dirty="0">
-                <a:hlinkClick r:id="rId3"/>
-              </a:rPr>
-              <a:t>Atlassian/BitBucket</a:t>
-            </a:r>
-            <a:r>
-              <a:rPr lang="en-US" dirty="0"/>
-              <a:t> for more information</a:t>
-            </a:r>
-          </a:p>
-          <a:p>
-            <a:r>
-              <a:rPr lang="en-US" dirty="0"/>
-              <a:t>“Simple” to learn and “easy” to use</a:t>
-            </a:r>
-          </a:p>
-          <a:p>
-            <a:r>
-              <a:rPr lang="en-US" dirty="0"/>
-              <a:t>Leverages local vs. remote repo dimension</a:t>
-            </a:r>
-          </a:p>
-          <a:p>
-            <a:pPr lvl="1"/>
-            <a:r>
-              <a:rPr lang="en-US" dirty="0"/>
-              <a:t>Integration in local repo when local repos interact with remote repo</a:t>
-            </a:r>
-          </a:p>
-          <a:p>
-            <a:r>
-              <a:rPr lang="en-US" dirty="0"/>
-              <a:t>What if you have many team members?</a:t>
-            </a:r>
-          </a:p>
-          <a:p>
-            <a:r>
-              <a:rPr lang="en-US" dirty="0"/>
-              <a:t>What if developers only push once a month?</a:t>
-            </a:r>
-          </a:p>
-          <a:p>
-            <a:pPr lvl="1"/>
-            <a:r>
-              <a:rPr lang="en-US" dirty="0"/>
-              <a:t>Lengthy development efforts without integrating</a:t>
-            </a:r>
-          </a:p>
-          <a:p>
-            <a:pPr lvl="1"/>
-            <a:r>
-              <a:rPr lang="en-US" dirty="0"/>
-              <a:t>Occasional contributors</a:t>
-            </a:r>
-          </a:p>
-          <a:p>
-            <a:r>
-              <a:rPr lang="en-US" dirty="0"/>
-              <a:t>What if team members works on different parts of the code?</a:t>
-            </a:r>
-          </a:p>
-          <a:p>
-            <a:r>
-              <a:rPr lang="en-US" dirty="0"/>
-              <a:t>Working directly on the main branch</a:t>
+              <a:t>Development teams would like to use version control to collaborate productively and ensure correct code.</a:t>
             </a:r>
           </a:p>
           <a:p>
             <a:pPr marL="0" indent="0">
               <a:buNone/>
             </a:pPr>
-            <a:endParaRPr lang="en-US" dirty="0"/>
-          </a:p>
-        </p:txBody>
-      </p:sp>
-      <p:sp>
-        <p:nvSpPr>
-          <p:cNvPr id="4" name="Magnetic Disk 3">
-            <a:extLst>
-              <a:ext uri="{FF2B5EF4-FFF2-40B4-BE49-F238E27FC236}">
-                <a16:creationId xmlns:a16="http://schemas.microsoft.com/office/drawing/2014/main" id="{4003AB91-21BD-E24D-A55D-EF70A605911D}"/>
-              </a:ext>
-            </a:extLst>
-          </p:cNvPr>
-          <p:cNvSpPr/>
-          <p:nvPr/>
-        </p:nvSpPr>
-        <p:spPr>
-          <a:xfrm>
-            <a:off x="9266830" y="2421515"/>
-            <a:ext cx="1364776" cy="781334"/>
-          </a:xfrm>
-          <a:prstGeom prst="flowChartMagneticDisk">
-            <a:avLst/>
-          </a:prstGeom>
-          <a:solidFill>
-            <a:schemeClr val="accent3">
-              <a:lumMod val="75000"/>
-            </a:schemeClr>
-          </a:solidFill>
-          <a:ln w="19050">
-            <a:solidFill>
-              <a:schemeClr val="tx2">
-                <a:lumMod val="75000"/>
-              </a:schemeClr>
-            </a:solidFill>
-          </a:ln>
-          <a:effectLst>
-            <a:outerShdw blurRad="44450" dist="27940" dir="5400000" algn="ctr">
-              <a:srgbClr val="000000">
-                <a:alpha val="32000"/>
-              </a:srgbClr>
-            </a:outerShdw>
-          </a:effectLst>
-        </p:spPr>
-        <p:txBody>
-          <a:bodyPr rot="0" spcFirstLastPara="0" vertOverflow="overflow" horzOverflow="overflow" vert="horz" wrap="square" lIns="121851" tIns="60925" rIns="121851" bIns="60925" numCol="1" spcCol="0" rtlCol="0" fromWordArt="0" anchor="ctr" anchorCtr="0" forceAA="0" compatLnSpc="1">
-            <a:prstTxWarp prst="textNoShape">
-              <a:avLst/>
-            </a:prstTxWarp>
-            <a:noAutofit/>
-          </a:bodyPr>
-          <a:lstStyle/>
-          <a:p>
-            <a:pPr algn="ctr">
-              <a:lnSpc>
-                <a:spcPct val="90000"/>
-              </a:lnSpc>
-            </a:pPr>
-            <a:endParaRPr lang="en-US" sz="2000" dirty="0">
-              <a:solidFill>
-                <a:schemeClr val="bg1"/>
-              </a:solidFill>
-            </a:endParaRPr>
-          </a:p>
-        </p:txBody>
-      </p:sp>
-      <p:sp>
-        <p:nvSpPr>
-          <p:cNvPr id="6" name="Magnetic Disk 5">
-            <a:extLst>
-              <a:ext uri="{FF2B5EF4-FFF2-40B4-BE49-F238E27FC236}">
-                <a16:creationId xmlns:a16="http://schemas.microsoft.com/office/drawing/2014/main" id="{6948B375-82F7-7049-B5AA-00116F19D2AA}"/>
-              </a:ext>
-            </a:extLst>
-          </p:cNvPr>
-          <p:cNvSpPr/>
-          <p:nvPr/>
-        </p:nvSpPr>
-        <p:spPr>
-          <a:xfrm>
-            <a:off x="10361076" y="3957190"/>
-            <a:ext cx="1364776" cy="781334"/>
-          </a:xfrm>
-          <a:prstGeom prst="flowChartMagneticDisk">
-            <a:avLst/>
-          </a:prstGeom>
-          <a:solidFill>
-            <a:srgbClr val="974CEA"/>
-          </a:solidFill>
-          <a:ln w="19050">
-            <a:solidFill>
-              <a:srgbClr val="61298A"/>
-            </a:solidFill>
-          </a:ln>
-          <a:effectLst>
-            <a:outerShdw blurRad="44450" dist="27940" dir="5400000" algn="ctr">
-              <a:srgbClr val="000000">
-                <a:alpha val="32000"/>
-              </a:srgbClr>
-            </a:outerShdw>
-          </a:effectLst>
-        </p:spPr>
-        <p:txBody>
-          <a:bodyPr rot="0" spcFirstLastPara="0" vertOverflow="overflow" horzOverflow="overflow" vert="horz" wrap="square" lIns="121851" tIns="60925" rIns="121851" bIns="60925" numCol="1" spcCol="0" rtlCol="0" fromWordArt="0" anchor="ctr" anchorCtr="0" forceAA="0" compatLnSpc="1">
-            <a:prstTxWarp prst="textNoShape">
-              <a:avLst/>
-            </a:prstTxWarp>
-            <a:noAutofit/>
-          </a:bodyPr>
-          <a:lstStyle/>
-          <a:p>
-            <a:pPr algn="ctr">
-              <a:lnSpc>
-                <a:spcPct val="90000"/>
-              </a:lnSpc>
-            </a:pPr>
-            <a:endParaRPr lang="en-US" sz="2000" dirty="0">
-              <a:solidFill>
-                <a:schemeClr val="bg1"/>
-              </a:solidFill>
-            </a:endParaRPr>
-          </a:p>
-        </p:txBody>
-      </p:sp>
-      <p:sp>
-        <p:nvSpPr>
-          <p:cNvPr id="7" name="Magnetic Disk 6">
-            <a:extLst>
-              <a:ext uri="{FF2B5EF4-FFF2-40B4-BE49-F238E27FC236}">
-                <a16:creationId xmlns:a16="http://schemas.microsoft.com/office/drawing/2014/main" id="{0B080F18-0A50-6945-A242-938F83117D61}"/>
-              </a:ext>
-            </a:extLst>
-          </p:cNvPr>
-          <p:cNvSpPr/>
-          <p:nvPr/>
-        </p:nvSpPr>
-        <p:spPr>
-          <a:xfrm>
-            <a:off x="8126797" y="3927485"/>
-            <a:ext cx="1364776" cy="781334"/>
-          </a:xfrm>
-          <a:prstGeom prst="flowChartMagneticDisk">
-            <a:avLst/>
-          </a:prstGeom>
-          <a:solidFill>
-            <a:srgbClr val="974CEA"/>
-          </a:solidFill>
-          <a:ln w="19050">
-            <a:solidFill>
-              <a:srgbClr val="61298A"/>
-            </a:solidFill>
-          </a:ln>
-          <a:effectLst>
-            <a:outerShdw blurRad="44450" dist="27940" dir="5400000" algn="ctr">
-              <a:srgbClr val="000000">
-                <a:alpha val="32000"/>
-              </a:srgbClr>
-            </a:outerShdw>
-          </a:effectLst>
-        </p:spPr>
-        <p:txBody>
-          <a:bodyPr rot="0" spcFirstLastPara="0" vertOverflow="overflow" horzOverflow="overflow" vert="horz" wrap="square" lIns="121851" tIns="60925" rIns="121851" bIns="60925" numCol="1" spcCol="0" rtlCol="0" fromWordArt="0" anchor="ctr" anchorCtr="0" forceAA="0" compatLnSpc="1">
-            <a:prstTxWarp prst="textNoShape">
-              <a:avLst/>
-            </a:prstTxWarp>
-            <a:noAutofit/>
-          </a:bodyPr>
-          <a:lstStyle/>
-          <a:p>
-            <a:pPr algn="ctr">
-              <a:lnSpc>
-                <a:spcPct val="90000"/>
-              </a:lnSpc>
-            </a:pPr>
-            <a:endParaRPr lang="en-US" sz="2000" dirty="0">
-              <a:solidFill>
-                <a:schemeClr val="bg1"/>
-              </a:solidFill>
-            </a:endParaRPr>
-          </a:p>
-        </p:txBody>
-      </p:sp>
-      <p:cxnSp>
-        <p:nvCxnSpPr>
-          <p:cNvPr id="10" name="Straight Arrow Connector 9">
-            <a:extLst>
-              <a:ext uri="{FF2B5EF4-FFF2-40B4-BE49-F238E27FC236}">
-                <a16:creationId xmlns:a16="http://schemas.microsoft.com/office/drawing/2014/main" id="{241ECF81-3A7A-C740-AD38-24DCB01EA86F}"/>
-              </a:ext>
-            </a:extLst>
-          </p:cNvPr>
-          <p:cNvCxnSpPr>
-            <a:cxnSpLocks/>
-            <a:stCxn id="4" idx="3"/>
-            <a:endCxn id="6" idx="1"/>
-          </p:cNvCxnSpPr>
-          <p:nvPr/>
-        </p:nvCxnSpPr>
-        <p:spPr>
-          <a:xfrm>
-            <a:off x="9949218" y="3202849"/>
-            <a:ext cx="1094246" cy="754341"/>
-          </a:xfrm>
-          <a:prstGeom prst="straightConnector1">
-            <a:avLst/>
-          </a:prstGeom>
-          <a:ln w="38100">
-            <a:headEnd type="triangle"/>
-            <a:tailEnd type="triangle"/>
-          </a:ln>
-        </p:spPr>
-        <p:style>
-          <a:lnRef idx="1">
-            <a:schemeClr val="accent1"/>
-          </a:lnRef>
-          <a:fillRef idx="0">
-            <a:schemeClr val="accent1"/>
-          </a:fillRef>
-          <a:effectRef idx="0">
-            <a:schemeClr val="accent1"/>
-          </a:effectRef>
-          <a:fontRef idx="minor">
-            <a:schemeClr val="tx1"/>
-          </a:fontRef>
-        </p:style>
-      </p:cxnSp>
-      <p:cxnSp>
-        <p:nvCxnSpPr>
-          <p:cNvPr id="16" name="Straight Arrow Connector 15">
-            <a:extLst>
-              <a:ext uri="{FF2B5EF4-FFF2-40B4-BE49-F238E27FC236}">
-                <a16:creationId xmlns:a16="http://schemas.microsoft.com/office/drawing/2014/main" id="{B35EDA98-2981-5145-B0E6-A0276937426D}"/>
-              </a:ext>
-            </a:extLst>
-          </p:cNvPr>
-          <p:cNvCxnSpPr>
-            <a:cxnSpLocks/>
-            <a:stCxn id="7" idx="1"/>
-            <a:endCxn id="4" idx="3"/>
-          </p:cNvCxnSpPr>
-          <p:nvPr/>
-        </p:nvCxnSpPr>
-        <p:spPr>
-          <a:xfrm flipV="1">
-            <a:off x="8809185" y="3202849"/>
-            <a:ext cx="1140033" cy="724636"/>
-          </a:xfrm>
-          <a:prstGeom prst="straightConnector1">
-            <a:avLst/>
-          </a:prstGeom>
-          <a:ln w="38100">
-            <a:headEnd type="triangle"/>
-            <a:tailEnd type="triangle"/>
-          </a:ln>
-        </p:spPr>
-        <p:style>
-          <a:lnRef idx="1">
-            <a:schemeClr val="accent1"/>
-          </a:lnRef>
-          <a:fillRef idx="0">
-            <a:schemeClr val="accent1"/>
-          </a:fillRef>
-          <a:effectRef idx="0">
-            <a:schemeClr val="accent1"/>
-          </a:effectRef>
-          <a:fontRef idx="minor">
-            <a:schemeClr val="tx1"/>
-          </a:fontRef>
-        </p:style>
-      </p:cxnSp>
-      <p:sp>
-        <p:nvSpPr>
-          <p:cNvPr id="27" name="TextBox 26">
-            <a:extLst>
-              <a:ext uri="{FF2B5EF4-FFF2-40B4-BE49-F238E27FC236}">
-                <a16:creationId xmlns:a16="http://schemas.microsoft.com/office/drawing/2014/main" id="{ADE27B72-B0FA-034F-9FF4-D07586E6873D}"/>
-              </a:ext>
-            </a:extLst>
-          </p:cNvPr>
-          <p:cNvSpPr txBox="1"/>
-          <p:nvPr/>
-        </p:nvSpPr>
-        <p:spPr>
-          <a:xfrm>
-            <a:off x="8126797" y="4737991"/>
-            <a:ext cx="1364776" cy="683264"/>
-          </a:xfrm>
-          <a:prstGeom prst="rect">
-            <a:avLst/>
-          </a:prstGeom>
-          <a:noFill/>
-        </p:spPr>
-        <p:txBody>
-          <a:bodyPr wrap="square" lIns="118872" tIns="91440" rIns="118872" bIns="91440" rtlCol="0" anchor="ctr" anchorCtr="0">
-            <a:spAutoFit/>
-          </a:bodyPr>
-          <a:lstStyle/>
-          <a:p>
-            <a:pPr algn="l">
-              <a:lnSpc>
-                <a:spcPct val="90000"/>
-              </a:lnSpc>
-            </a:pPr>
-            <a:r>
-              <a:rPr lang="en-US" dirty="0"/>
-              <a:t>Local repo</a:t>
-            </a:r>
-          </a:p>
-          <a:p>
-            <a:pPr algn="l">
-              <a:lnSpc>
-                <a:spcPct val="90000"/>
-              </a:lnSpc>
-            </a:pPr>
-            <a:r>
-              <a:rPr lang="en-US" dirty="0"/>
-              <a:t>     Alice</a:t>
-            </a:r>
-          </a:p>
-        </p:txBody>
-      </p:sp>
-      <p:sp>
-        <p:nvSpPr>
-          <p:cNvPr id="28" name="TextBox 27">
-            <a:extLst>
-              <a:ext uri="{FF2B5EF4-FFF2-40B4-BE49-F238E27FC236}">
-                <a16:creationId xmlns:a16="http://schemas.microsoft.com/office/drawing/2014/main" id="{CCB07D9C-2F79-EC48-83EA-602F4D21A434}"/>
-              </a:ext>
-            </a:extLst>
-          </p:cNvPr>
-          <p:cNvSpPr txBox="1"/>
-          <p:nvPr/>
-        </p:nvSpPr>
-        <p:spPr>
-          <a:xfrm>
-            <a:off x="10361076" y="4771025"/>
-            <a:ext cx="1364776" cy="683264"/>
-          </a:xfrm>
-          <a:prstGeom prst="rect">
-            <a:avLst/>
-          </a:prstGeom>
-          <a:noFill/>
-        </p:spPr>
-        <p:txBody>
-          <a:bodyPr wrap="square" lIns="118872" tIns="91440" rIns="118872" bIns="91440" rtlCol="0" anchor="ctr" anchorCtr="0">
-            <a:spAutoFit/>
-          </a:bodyPr>
-          <a:lstStyle/>
-          <a:p>
-            <a:pPr algn="l">
-              <a:lnSpc>
-                <a:spcPct val="90000"/>
-              </a:lnSpc>
-            </a:pPr>
-            <a:r>
-              <a:rPr lang="en-US" dirty="0"/>
-              <a:t>Local repo</a:t>
-            </a:r>
-          </a:p>
-          <a:p>
-            <a:pPr algn="l">
-              <a:lnSpc>
-                <a:spcPct val="90000"/>
-              </a:lnSpc>
-            </a:pPr>
-            <a:r>
-              <a:rPr lang="en-US" dirty="0"/>
-              <a:t>      Bob</a:t>
-            </a:r>
-          </a:p>
-        </p:txBody>
-      </p:sp>
-      <p:sp>
-        <p:nvSpPr>
-          <p:cNvPr id="29" name="TextBox 28">
-            <a:extLst>
-              <a:ext uri="{FF2B5EF4-FFF2-40B4-BE49-F238E27FC236}">
-                <a16:creationId xmlns:a16="http://schemas.microsoft.com/office/drawing/2014/main" id="{A2141202-CAD4-5248-9EE0-0EE8E8CB2373}"/>
-              </a:ext>
-            </a:extLst>
-          </p:cNvPr>
-          <p:cNvSpPr txBox="1"/>
-          <p:nvPr/>
-        </p:nvSpPr>
-        <p:spPr>
-          <a:xfrm>
-            <a:off x="9128533" y="2047382"/>
-            <a:ext cx="1641369" cy="433965"/>
-          </a:xfrm>
-          <a:prstGeom prst="rect">
-            <a:avLst/>
-          </a:prstGeom>
-          <a:noFill/>
-        </p:spPr>
-        <p:txBody>
-          <a:bodyPr wrap="square" lIns="118872" tIns="91440" rIns="118872" bIns="91440" rtlCol="0" anchor="ctr" anchorCtr="0">
-            <a:spAutoFit/>
-          </a:bodyPr>
-          <a:lstStyle/>
-          <a:p>
-            <a:pPr algn="l">
-              <a:lnSpc>
-                <a:spcPct val="90000"/>
-              </a:lnSpc>
-            </a:pPr>
-            <a:r>
-              <a:rPr lang="en-US" dirty="0"/>
-              <a:t>Remote repo</a:t>
-            </a:r>
+            <a:endParaRPr lang="en-US" sz="1800" dirty="0"/>
+          </a:p>
+          <a:p>
+            <a:pPr marL="0" indent="0">
+              <a:buNone/>
+            </a:pPr>
+            <a:endParaRPr lang="en-US" sz="1800" dirty="0"/>
+          </a:p>
+          <a:p>
+            <a:pPr marL="0" indent="0">
+              <a:buNone/>
+            </a:pPr>
+            <a:endParaRPr lang="en-US" sz="1800" dirty="0"/>
           </a:p>
         </p:txBody>
       </p:sp>
     </p:spTree>
     <p:extLst>
       <p:ext uri="{BB962C8B-B14F-4D97-AF65-F5344CB8AC3E}">
-        <p14:creationId xmlns:p14="http://schemas.microsoft.com/office/powerpoint/2010/main" val="788690729"/>
+        <p14:creationId xmlns:p14="http://schemas.microsoft.com/office/powerpoint/2010/main" val="658328687"/>
       </p:ext>
     </p:extLst>
   </p:cSld>
@@ -13344,7 +13217,7 @@
           <p:cNvPr id="2" name="Title 1">
             <a:extLst>
               <a:ext uri="{FF2B5EF4-FFF2-40B4-BE49-F238E27FC236}">
-                <a16:creationId xmlns:a16="http://schemas.microsoft.com/office/drawing/2014/main" id="{2AB5E873-EED9-BF40-A119-57F778917CEC}"/>
+                <a16:creationId xmlns:a16="http://schemas.microsoft.com/office/drawing/2014/main" id="{0F7F7C0A-7591-A44A-BA28-B27788DF1A70}"/>
               </a:ext>
             </a:extLst>
           </p:cNvPr>
@@ -13362,7 +13235,7 @@
           <a:p>
             <a:r>
               <a:rPr lang="en-US" dirty="0"/>
-              <a:t>Git Workflow Mechanisms for Collaboration</a:t>
+              <a:t>First Workflow</a:t>
             </a:r>
           </a:p>
         </p:txBody>
@@ -13372,7 +13245,7 @@
           <p:cNvPr id="3" name="Content Placeholder 2">
             <a:extLst>
               <a:ext uri="{FF2B5EF4-FFF2-40B4-BE49-F238E27FC236}">
-                <a16:creationId xmlns:a16="http://schemas.microsoft.com/office/drawing/2014/main" id="{28795306-D83A-334F-8568-08D11D98E3E4}"/>
+                <a16:creationId xmlns:a16="http://schemas.microsoft.com/office/drawing/2014/main" id="{F1DB1E7F-C262-8A45-9DAC-7AF28B8267E9}"/>
               </a:ext>
             </a:extLst>
           </p:cNvPr>
@@ -13385,7 +13258,7 @@
         </p:nvSpPr>
         <p:spPr>
           <a:xfrm>
-            <a:off x="409507" y="1325880"/>
+            <a:off x="409507" y="1210897"/>
             <a:ext cx="11369809" cy="4047778"/>
           </a:xfrm>
         </p:spPr>
@@ -13393,70 +13266,527 @@
           <a:bodyPr/>
           <a:lstStyle/>
           <a:p>
-            <a:r>
-              <a:rPr lang="en-US" dirty="0"/>
-              <a:t>Branches</a:t>
+            <a:pPr marL="0" indent="0">
+              <a:buNone/>
+            </a:pPr>
+            <a:r>
+              <a:rPr lang="en-US" dirty="0"/>
+              <a:t>This process of collaborating </a:t>
+            </a:r>
+            <a:r>
+              <a:rPr lang="en-US" i="1" dirty="0"/>
+              <a:t>via</a:t>
+            </a:r>
+            <a:r>
+              <a:rPr lang="en-US" dirty="0"/>
+              <a:t> Git is called the </a:t>
+            </a:r>
+            <a:r>
+              <a:rPr lang="en-US" b="1" dirty="0"/>
+              <a:t>Centralized</a:t>
+            </a:r>
+            <a:r>
+              <a:rPr lang="en-US" dirty="0"/>
+              <a:t> </a:t>
+            </a:r>
+            <a:r>
+              <a:rPr lang="en-US" b="1" dirty="0"/>
+              <a:t>Workflow</a:t>
+            </a:r>
+          </a:p>
+          <a:p>
+            <a:r>
+              <a:rPr lang="en-US" dirty="0"/>
+              <a:t>See </a:t>
+            </a:r>
+            <a:r>
+              <a:rPr lang="en-US" dirty="0">
+                <a:hlinkClick r:id="rId3"/>
+              </a:rPr>
+              <a:t>Atlassian/BitBucket</a:t>
+            </a:r>
+            <a:r>
+              <a:rPr lang="en-US" dirty="0"/>
+              <a:t> for more information</a:t>
+            </a:r>
+          </a:p>
+          <a:p>
+            <a:r>
+              <a:rPr lang="en-US" dirty="0"/>
+              <a:t>“Simple” to learn and “easy” to use</a:t>
+            </a:r>
+          </a:p>
+          <a:p>
+            <a:r>
+              <a:rPr lang="en-US" dirty="0"/>
+              <a:t>Leverages local vs. remote repo dimension</a:t>
             </a:r>
           </a:p>
           <a:p>
             <a:pPr lvl="1"/>
             <a:r>
               <a:rPr lang="en-US" dirty="0"/>
-              <a:t>Enable separate development for features or fixes on the same repo</a:t>
+              <a:t>Integration in local repo when local repos interact with remote repo</a:t>
+            </a:r>
+          </a:p>
+          <a:p>
+            <a:r>
+              <a:rPr lang="en-US" dirty="0"/>
+              <a:t>What if you have many team members?</a:t>
+            </a:r>
+          </a:p>
+          <a:p>
+            <a:r>
+              <a:rPr lang="en-US" dirty="0"/>
+              <a:t>What if developers only push once a month?</a:t>
             </a:r>
           </a:p>
           <a:p>
             <a:pPr lvl="1"/>
             <a:r>
               <a:rPr lang="en-US" dirty="0"/>
-              <a:t>Enables different types of Workflows</a:t>
-            </a:r>
-          </a:p>
-          <a:p>
-            <a:r>
-              <a:rPr lang="en-US" dirty="0"/>
-              <a:t>Pull Requests</a:t>
+              <a:t>Lengthy development efforts without integrating</a:t>
             </a:r>
           </a:p>
           <a:p>
             <a:pPr lvl="1"/>
             <a:r>
               <a:rPr lang="en-US" dirty="0"/>
-              <a:t>Enables code review and testing before merge</a:t>
-            </a:r>
-          </a:p>
-          <a:p>
-            <a:r>
-              <a:rPr lang="en-US" dirty="0"/>
-              <a:t>Forks</a:t>
-            </a:r>
-          </a:p>
-          <a:p>
-            <a:pPr lvl="1"/>
-            <a:r>
-              <a:rPr lang="en-US" dirty="0"/>
-              <a:t>Enables outside contributors that have read access only</a:t>
-            </a:r>
-          </a:p>
-          <a:p>
-            <a:pPr lvl="1"/>
-            <a:r>
-              <a:rPr lang="en-US" dirty="0"/>
-              <a:t>Controls on original repo remains with the team</a:t>
-            </a:r>
-          </a:p>
-          <a:p>
-            <a:pPr marL="346075" lvl="1" indent="0">
+              <a:t>Occasional contributors</a:t>
+            </a:r>
+          </a:p>
+          <a:p>
+            <a:r>
+              <a:rPr lang="en-US" dirty="0"/>
+              <a:t>What if team members works on different parts of the code?</a:t>
+            </a:r>
+          </a:p>
+          <a:p>
+            <a:r>
+              <a:rPr lang="en-US" dirty="0"/>
+              <a:t>Working directly on the main branch</a:t>
+            </a:r>
+          </a:p>
+          <a:p>
+            <a:pPr marL="0" indent="0">
               <a:buNone/>
             </a:pPr>
             <a:endParaRPr lang="en-US" dirty="0"/>
+          </a:p>
+        </p:txBody>
+      </p:sp>
+      <p:sp>
+        <p:nvSpPr>
+          <p:cNvPr id="4" name="Magnetic Disk 3">
+            <a:extLst>
+              <a:ext uri="{FF2B5EF4-FFF2-40B4-BE49-F238E27FC236}">
+                <a16:creationId xmlns:a16="http://schemas.microsoft.com/office/drawing/2014/main" id="{4003AB91-21BD-E24D-A55D-EF70A605911D}"/>
+              </a:ext>
+            </a:extLst>
+          </p:cNvPr>
+          <p:cNvSpPr/>
+          <p:nvPr/>
+        </p:nvSpPr>
+        <p:spPr>
+          <a:xfrm>
+            <a:off x="9266830" y="2421515"/>
+            <a:ext cx="1364776" cy="781334"/>
+          </a:xfrm>
+          <a:prstGeom prst="flowChartMagneticDisk">
+            <a:avLst/>
+          </a:prstGeom>
+          <a:solidFill>
+            <a:schemeClr val="accent3">
+              <a:lumMod val="75000"/>
+            </a:schemeClr>
+          </a:solidFill>
+          <a:ln w="19050">
+            <a:solidFill>
+              <a:schemeClr val="tx2">
+                <a:lumMod val="75000"/>
+              </a:schemeClr>
+            </a:solidFill>
+          </a:ln>
+          <a:effectLst>
+            <a:outerShdw blurRad="44450" dist="27940" dir="5400000" algn="ctr">
+              <a:srgbClr val="000000">
+                <a:alpha val="32000"/>
+              </a:srgbClr>
+            </a:outerShdw>
+          </a:effectLst>
+        </p:spPr>
+        <p:txBody>
+          <a:bodyPr rot="0" spcFirstLastPara="0" vertOverflow="overflow" horzOverflow="overflow" vert="horz" wrap="square" lIns="121851" tIns="60925" rIns="121851" bIns="60925" numCol="1" spcCol="0" rtlCol="0" fromWordArt="0" anchor="ctr" anchorCtr="0" forceAA="0" compatLnSpc="1">
+            <a:prstTxWarp prst="textNoShape">
+              <a:avLst/>
+            </a:prstTxWarp>
+            <a:noAutofit/>
+          </a:bodyPr>
+          <a:lstStyle/>
+          <a:p>
+            <a:pPr algn="ctr">
+              <a:lnSpc>
+                <a:spcPct val="90000"/>
+              </a:lnSpc>
+            </a:pPr>
+            <a:endParaRPr lang="en-US" sz="2000" dirty="0">
+              <a:solidFill>
+                <a:schemeClr val="bg1"/>
+              </a:solidFill>
+            </a:endParaRPr>
+          </a:p>
+        </p:txBody>
+      </p:sp>
+      <p:sp>
+        <p:nvSpPr>
+          <p:cNvPr id="6" name="Magnetic Disk 5">
+            <a:extLst>
+              <a:ext uri="{FF2B5EF4-FFF2-40B4-BE49-F238E27FC236}">
+                <a16:creationId xmlns:a16="http://schemas.microsoft.com/office/drawing/2014/main" id="{6948B375-82F7-7049-B5AA-00116F19D2AA}"/>
+              </a:ext>
+            </a:extLst>
+          </p:cNvPr>
+          <p:cNvSpPr/>
+          <p:nvPr/>
+        </p:nvSpPr>
+        <p:spPr>
+          <a:xfrm>
+            <a:off x="10361076" y="3957190"/>
+            <a:ext cx="1364776" cy="781334"/>
+          </a:xfrm>
+          <a:prstGeom prst="flowChartMagneticDisk">
+            <a:avLst/>
+          </a:prstGeom>
+          <a:solidFill>
+            <a:srgbClr val="974CEA"/>
+          </a:solidFill>
+          <a:ln w="19050">
+            <a:solidFill>
+              <a:srgbClr val="61298A"/>
+            </a:solidFill>
+          </a:ln>
+          <a:effectLst>
+            <a:outerShdw blurRad="44450" dist="27940" dir="5400000" algn="ctr">
+              <a:srgbClr val="000000">
+                <a:alpha val="32000"/>
+              </a:srgbClr>
+            </a:outerShdw>
+          </a:effectLst>
+        </p:spPr>
+        <p:txBody>
+          <a:bodyPr rot="0" spcFirstLastPara="0" vertOverflow="overflow" horzOverflow="overflow" vert="horz" wrap="square" lIns="121851" tIns="60925" rIns="121851" bIns="60925" numCol="1" spcCol="0" rtlCol="0" fromWordArt="0" anchor="ctr" anchorCtr="0" forceAA="0" compatLnSpc="1">
+            <a:prstTxWarp prst="textNoShape">
+              <a:avLst/>
+            </a:prstTxWarp>
+            <a:noAutofit/>
+          </a:bodyPr>
+          <a:lstStyle/>
+          <a:p>
+            <a:pPr algn="ctr">
+              <a:lnSpc>
+                <a:spcPct val="90000"/>
+              </a:lnSpc>
+            </a:pPr>
+            <a:endParaRPr lang="en-US" sz="2000" dirty="0">
+              <a:solidFill>
+                <a:schemeClr val="bg1"/>
+              </a:solidFill>
+            </a:endParaRPr>
+          </a:p>
+        </p:txBody>
+      </p:sp>
+      <p:sp>
+        <p:nvSpPr>
+          <p:cNvPr id="7" name="Magnetic Disk 6">
+            <a:extLst>
+              <a:ext uri="{FF2B5EF4-FFF2-40B4-BE49-F238E27FC236}">
+                <a16:creationId xmlns:a16="http://schemas.microsoft.com/office/drawing/2014/main" id="{0B080F18-0A50-6945-A242-938F83117D61}"/>
+              </a:ext>
+            </a:extLst>
+          </p:cNvPr>
+          <p:cNvSpPr/>
+          <p:nvPr/>
+        </p:nvSpPr>
+        <p:spPr>
+          <a:xfrm>
+            <a:off x="8126797" y="3927485"/>
+            <a:ext cx="1364776" cy="781334"/>
+          </a:xfrm>
+          <a:prstGeom prst="flowChartMagneticDisk">
+            <a:avLst/>
+          </a:prstGeom>
+          <a:solidFill>
+            <a:srgbClr val="974CEA"/>
+          </a:solidFill>
+          <a:ln w="19050">
+            <a:solidFill>
+              <a:srgbClr val="61298A"/>
+            </a:solidFill>
+          </a:ln>
+          <a:effectLst>
+            <a:outerShdw blurRad="44450" dist="27940" dir="5400000" algn="ctr">
+              <a:srgbClr val="000000">
+                <a:alpha val="32000"/>
+              </a:srgbClr>
+            </a:outerShdw>
+          </a:effectLst>
+        </p:spPr>
+        <p:txBody>
+          <a:bodyPr rot="0" spcFirstLastPara="0" vertOverflow="overflow" horzOverflow="overflow" vert="horz" wrap="square" lIns="121851" tIns="60925" rIns="121851" bIns="60925" numCol="1" spcCol="0" rtlCol="0" fromWordArt="0" anchor="ctr" anchorCtr="0" forceAA="0" compatLnSpc="1">
+            <a:prstTxWarp prst="textNoShape">
+              <a:avLst/>
+            </a:prstTxWarp>
+            <a:noAutofit/>
+          </a:bodyPr>
+          <a:lstStyle/>
+          <a:p>
+            <a:pPr algn="ctr">
+              <a:lnSpc>
+                <a:spcPct val="90000"/>
+              </a:lnSpc>
+            </a:pPr>
+            <a:endParaRPr lang="en-US" sz="2000" dirty="0">
+              <a:solidFill>
+                <a:schemeClr val="bg1"/>
+              </a:solidFill>
+            </a:endParaRPr>
+          </a:p>
+        </p:txBody>
+      </p:sp>
+      <p:cxnSp>
+        <p:nvCxnSpPr>
+          <p:cNvPr id="10" name="Straight Arrow Connector 9">
+            <a:extLst>
+              <a:ext uri="{FF2B5EF4-FFF2-40B4-BE49-F238E27FC236}">
+                <a16:creationId xmlns:a16="http://schemas.microsoft.com/office/drawing/2014/main" id="{241ECF81-3A7A-C740-AD38-24DCB01EA86F}"/>
+              </a:ext>
+            </a:extLst>
+          </p:cNvPr>
+          <p:cNvCxnSpPr>
+            <a:cxnSpLocks/>
+            <a:stCxn id="4" idx="3"/>
+            <a:endCxn id="6" idx="1"/>
+          </p:cNvCxnSpPr>
+          <p:nvPr/>
+        </p:nvCxnSpPr>
+        <p:spPr>
+          <a:xfrm>
+            <a:off x="9949218" y="3202849"/>
+            <a:ext cx="1094246" cy="754341"/>
+          </a:xfrm>
+          <a:prstGeom prst="straightConnector1">
+            <a:avLst/>
+          </a:prstGeom>
+          <a:ln w="38100">
+            <a:headEnd type="triangle"/>
+            <a:tailEnd type="triangle"/>
+          </a:ln>
+        </p:spPr>
+        <p:style>
+          <a:lnRef idx="1">
+            <a:schemeClr val="accent1"/>
+          </a:lnRef>
+          <a:fillRef idx="0">
+            <a:schemeClr val="accent1"/>
+          </a:fillRef>
+          <a:effectRef idx="0">
+            <a:schemeClr val="accent1"/>
+          </a:effectRef>
+          <a:fontRef idx="minor">
+            <a:schemeClr val="tx1"/>
+          </a:fontRef>
+        </p:style>
+      </p:cxnSp>
+      <p:cxnSp>
+        <p:nvCxnSpPr>
+          <p:cNvPr id="16" name="Straight Arrow Connector 15">
+            <a:extLst>
+              <a:ext uri="{FF2B5EF4-FFF2-40B4-BE49-F238E27FC236}">
+                <a16:creationId xmlns:a16="http://schemas.microsoft.com/office/drawing/2014/main" id="{B35EDA98-2981-5145-B0E6-A0276937426D}"/>
+              </a:ext>
+            </a:extLst>
+          </p:cNvPr>
+          <p:cNvCxnSpPr>
+            <a:cxnSpLocks/>
+            <a:stCxn id="7" idx="1"/>
+            <a:endCxn id="4" idx="3"/>
+          </p:cNvCxnSpPr>
+          <p:nvPr/>
+        </p:nvCxnSpPr>
+        <p:spPr>
+          <a:xfrm flipV="1">
+            <a:off x="8809185" y="3202849"/>
+            <a:ext cx="1140033" cy="724636"/>
+          </a:xfrm>
+          <a:prstGeom prst="straightConnector1">
+            <a:avLst/>
+          </a:prstGeom>
+          <a:ln w="38100">
+            <a:headEnd type="triangle"/>
+            <a:tailEnd type="triangle"/>
+          </a:ln>
+        </p:spPr>
+        <p:style>
+          <a:lnRef idx="1">
+            <a:schemeClr val="accent1"/>
+          </a:lnRef>
+          <a:fillRef idx="0">
+            <a:schemeClr val="accent1"/>
+          </a:fillRef>
+          <a:effectRef idx="0">
+            <a:schemeClr val="accent1"/>
+          </a:effectRef>
+          <a:fontRef idx="minor">
+            <a:schemeClr val="tx1"/>
+          </a:fontRef>
+        </p:style>
+      </p:cxnSp>
+      <p:sp>
+        <p:nvSpPr>
+          <p:cNvPr id="27" name="TextBox 26">
+            <a:extLst>
+              <a:ext uri="{FF2B5EF4-FFF2-40B4-BE49-F238E27FC236}">
+                <a16:creationId xmlns:a16="http://schemas.microsoft.com/office/drawing/2014/main" id="{ADE27B72-B0FA-034F-9FF4-D07586E6873D}"/>
+              </a:ext>
+            </a:extLst>
+          </p:cNvPr>
+          <p:cNvSpPr txBox="1"/>
+          <p:nvPr/>
+        </p:nvSpPr>
+        <p:spPr>
+          <a:xfrm>
+            <a:off x="8126797" y="4737991"/>
+            <a:ext cx="1364776" cy="683264"/>
+          </a:xfrm>
+          <a:prstGeom prst="rect">
+            <a:avLst/>
+          </a:prstGeom>
+          <a:noFill/>
+        </p:spPr>
+        <p:txBody>
+          <a:bodyPr wrap="square" lIns="118872" tIns="91440" rIns="118872" bIns="91440" rtlCol="0" anchor="ctr" anchorCtr="0">
+            <a:spAutoFit/>
+          </a:bodyPr>
+          <a:lstStyle/>
+          <a:p>
+            <a:pPr algn="l">
+              <a:lnSpc>
+                <a:spcPct val="90000"/>
+              </a:lnSpc>
+            </a:pPr>
+            <a:r>
+              <a:rPr lang="en-US" dirty="0"/>
+              <a:t>Local repo</a:t>
+            </a:r>
+          </a:p>
+          <a:p>
+            <a:pPr algn="l">
+              <a:lnSpc>
+                <a:spcPct val="90000"/>
+              </a:lnSpc>
+            </a:pPr>
+            <a:r>
+              <a:rPr lang="en-US" dirty="0"/>
+              <a:t>     Alice</a:t>
+            </a:r>
+          </a:p>
+        </p:txBody>
+      </p:sp>
+      <p:sp>
+        <p:nvSpPr>
+          <p:cNvPr id="28" name="TextBox 27">
+            <a:extLst>
+              <a:ext uri="{FF2B5EF4-FFF2-40B4-BE49-F238E27FC236}">
+                <a16:creationId xmlns:a16="http://schemas.microsoft.com/office/drawing/2014/main" id="{CCB07D9C-2F79-EC48-83EA-602F4D21A434}"/>
+              </a:ext>
+            </a:extLst>
+          </p:cNvPr>
+          <p:cNvSpPr txBox="1"/>
+          <p:nvPr/>
+        </p:nvSpPr>
+        <p:spPr>
+          <a:xfrm>
+            <a:off x="10361076" y="4771025"/>
+            <a:ext cx="1364776" cy="683264"/>
+          </a:xfrm>
+          <a:prstGeom prst="rect">
+            <a:avLst/>
+          </a:prstGeom>
+          <a:noFill/>
+        </p:spPr>
+        <p:txBody>
+          <a:bodyPr wrap="square" lIns="118872" tIns="91440" rIns="118872" bIns="91440" rtlCol="0" anchor="ctr" anchorCtr="0">
+            <a:spAutoFit/>
+          </a:bodyPr>
+          <a:lstStyle/>
+          <a:p>
+            <a:pPr algn="l">
+              <a:lnSpc>
+                <a:spcPct val="90000"/>
+              </a:lnSpc>
+            </a:pPr>
+            <a:r>
+              <a:rPr lang="en-US" dirty="0"/>
+              <a:t>Local repo</a:t>
+            </a:r>
+          </a:p>
+          <a:p>
+            <a:pPr algn="l">
+              <a:lnSpc>
+                <a:spcPct val="90000"/>
+              </a:lnSpc>
+            </a:pPr>
+            <a:r>
+              <a:rPr lang="en-US" dirty="0"/>
+              <a:t>      Bob</a:t>
+            </a:r>
+          </a:p>
+        </p:txBody>
+      </p:sp>
+      <p:sp>
+        <p:nvSpPr>
+          <p:cNvPr id="29" name="TextBox 28">
+            <a:extLst>
+              <a:ext uri="{FF2B5EF4-FFF2-40B4-BE49-F238E27FC236}">
+                <a16:creationId xmlns:a16="http://schemas.microsoft.com/office/drawing/2014/main" id="{A2141202-CAD4-5248-9EE0-0EE8E8CB2373}"/>
+              </a:ext>
+            </a:extLst>
+          </p:cNvPr>
+          <p:cNvSpPr txBox="1"/>
+          <p:nvPr/>
+        </p:nvSpPr>
+        <p:spPr>
+          <a:xfrm>
+            <a:off x="9128533" y="2047382"/>
+            <a:ext cx="1641369" cy="433965"/>
+          </a:xfrm>
+          <a:prstGeom prst="rect">
+            <a:avLst/>
+          </a:prstGeom>
+          <a:noFill/>
+        </p:spPr>
+        <p:txBody>
+          <a:bodyPr wrap="square" lIns="118872" tIns="91440" rIns="118872" bIns="91440" rtlCol="0" anchor="ctr" anchorCtr="0">
+            <a:spAutoFit/>
+          </a:bodyPr>
+          <a:lstStyle/>
+          <a:p>
+            <a:pPr algn="l">
+              <a:lnSpc>
+                <a:spcPct val="90000"/>
+              </a:lnSpc>
+            </a:pPr>
+            <a:r>
+              <a:rPr lang="en-US" dirty="0"/>
+              <a:t>Remote repo</a:t>
+            </a:r>
           </a:p>
         </p:txBody>
       </p:sp>
     </p:spTree>
     <p:extLst>
       <p:ext uri="{BB962C8B-B14F-4D97-AF65-F5344CB8AC3E}">
-        <p14:creationId xmlns:p14="http://schemas.microsoft.com/office/powerpoint/2010/main" val="2485969247"/>
+        <p14:creationId xmlns:p14="http://schemas.microsoft.com/office/powerpoint/2010/main" val="788690729"/>
       </p:ext>
     </p:extLst>
   </p:cSld>
@@ -13488,7 +13818,7 @@
           <p:cNvPr id="2" name="Title 1">
             <a:extLst>
               <a:ext uri="{FF2B5EF4-FFF2-40B4-BE49-F238E27FC236}">
-                <a16:creationId xmlns:a16="http://schemas.microsoft.com/office/drawing/2014/main" id="{7A163D76-09F2-E949-BFE4-5D90160A680F}"/>
+                <a16:creationId xmlns:a16="http://schemas.microsoft.com/office/drawing/2014/main" id="{2AB5E873-EED9-BF40-A119-57F778917CEC}"/>
               </a:ext>
             </a:extLst>
           </p:cNvPr>
@@ -13506,7 +13836,7 @@
           <a:p>
             <a:r>
               <a:rPr lang="en-US" dirty="0"/>
-              <a:t>Branches</a:t>
+              <a:t>Git Workflow Mechanisms for Collaboration</a:t>
             </a:r>
           </a:p>
         </p:txBody>
@@ -13516,7 +13846,7 @@
           <p:cNvPr id="3" name="Content Placeholder 2">
             <a:extLst>
               <a:ext uri="{FF2B5EF4-FFF2-40B4-BE49-F238E27FC236}">
-                <a16:creationId xmlns:a16="http://schemas.microsoft.com/office/drawing/2014/main" id="{3F10EFBA-41D9-104F-9ADE-9AA77C5312AC}"/>
+                <a16:creationId xmlns:a16="http://schemas.microsoft.com/office/drawing/2014/main" id="{28795306-D83A-334F-8568-08D11D98E3E4}"/>
               </a:ext>
             </a:extLst>
           </p:cNvPr>
@@ -13529,307 +13859,78 @@
         </p:nvSpPr>
         <p:spPr>
           <a:xfrm>
-            <a:off x="365760" y="1057734"/>
-            <a:ext cx="6925377" cy="4651085"/>
+            <a:off x="409507" y="1325880"/>
+            <a:ext cx="11369809" cy="4047778"/>
           </a:xfrm>
         </p:spPr>
         <p:txBody>
           <a:bodyPr/>
           <a:lstStyle/>
           <a:p>
-            <a:pPr marL="0" indent="0">
+            <a:r>
+              <a:rPr lang="en-US" dirty="0"/>
+              <a:t>Branches</a:t>
+            </a:r>
+          </a:p>
+          <a:p>
+            <a:pPr lvl="1"/>
+            <a:r>
+              <a:rPr lang="en-US" dirty="0"/>
+              <a:t>Enable separate development for features or fixes on the same repo</a:t>
+            </a:r>
+          </a:p>
+          <a:p>
+            <a:pPr lvl="1"/>
+            <a:r>
+              <a:rPr lang="en-US" dirty="0"/>
+              <a:t>Enables different types of Workflows</a:t>
+            </a:r>
+          </a:p>
+          <a:p>
+            <a:r>
+              <a:rPr lang="en-US" dirty="0"/>
+              <a:t>Pull Requests</a:t>
+            </a:r>
+          </a:p>
+          <a:p>
+            <a:pPr lvl="1"/>
+            <a:r>
+              <a:rPr lang="en-US" dirty="0"/>
+              <a:t>Enables code review and testing before merge</a:t>
+            </a:r>
+          </a:p>
+          <a:p>
+            <a:r>
+              <a:rPr lang="en-US" dirty="0"/>
+              <a:t>Forks</a:t>
+            </a:r>
+          </a:p>
+          <a:p>
+            <a:pPr lvl="1"/>
+            <a:r>
+              <a:rPr lang="en-US" dirty="0"/>
+              <a:t>Enables outside contributors that have read access only</a:t>
+            </a:r>
+          </a:p>
+          <a:p>
+            <a:pPr lvl="1"/>
+            <a:r>
+              <a:rPr lang="en-US" dirty="0"/>
+              <a:t>Controls on original repo remains with the team</a:t>
+            </a:r>
+          </a:p>
+          <a:p>
+            <a:pPr marL="346075" lvl="1" indent="0">
               <a:buNone/>
             </a:pPr>
-            <a:r>
-              <a:rPr lang="en-US" dirty="0"/>
-              <a:t>Branches are independent lines of development</a:t>
-            </a:r>
-          </a:p>
-          <a:p>
-            <a:r>
-              <a:rPr lang="en-US" dirty="0"/>
-              <a:t>Use branches to protect main branch</a:t>
-            </a:r>
-          </a:p>
-          <a:p>
-            <a:r>
-              <a:rPr lang="en-US" dirty="0"/>
-              <a:t>Feature branches</a:t>
-            </a:r>
-          </a:p>
-          <a:p>
-            <a:pPr lvl="1"/>
-            <a:r>
-              <a:rPr lang="en-US" dirty="0"/>
-              <a:t>Organize a new feature as a sequence of related commits in a branch</a:t>
-            </a:r>
-          </a:p>
-          <a:p>
-            <a:r>
-              <a:rPr lang="en-US" dirty="0"/>
-              <a:t>Branches are usually combined or </a:t>
-            </a:r>
-            <a:r>
-              <a:rPr lang="en-US" b="1" dirty="0"/>
-              <a:t>merged</a:t>
-            </a:r>
-          </a:p>
-          <a:p>
-            <a:r>
-              <a:rPr lang="en-US" dirty="0"/>
-              <a:t>Develop on a branch, test on the branch, and merge into main</a:t>
-            </a:r>
-          </a:p>
-          <a:p>
-            <a:r>
-              <a:rPr lang="en-US" dirty="0"/>
-              <a:t>Integration occurs at merge commits</a:t>
-            </a:r>
-          </a:p>
-        </p:txBody>
-      </p:sp>
-      <p:pic>
-        <p:nvPicPr>
-          <p:cNvPr id="8" name="Picture 7">
-            <a:extLst>
-              <a:ext uri="{FF2B5EF4-FFF2-40B4-BE49-F238E27FC236}">
-                <a16:creationId xmlns:a16="http://schemas.microsoft.com/office/drawing/2014/main" id="{F1835F05-49A2-5E4D-913F-5CE57F1DB2A1}"/>
-              </a:ext>
-            </a:extLst>
-          </p:cNvPr>
-          <p:cNvPicPr>
-            <a:picLocks noChangeAspect="1"/>
-          </p:cNvPicPr>
-          <p:nvPr/>
-        </p:nvPicPr>
-        <p:blipFill rotWithShape="1">
-          <a:blip r:embed="rId3">
-            <a:extLst>
-              <a:ext uri="{28A0092B-C50C-407E-A947-70E740481C1C}">
-                <a14:useLocalDpi xmlns:a14="http://schemas.microsoft.com/office/drawing/2010/main" val="0"/>
-              </a:ext>
-            </a:extLst>
-          </a:blip>
-          <a:srcRect l="3348" t="3509" r="37236" b="72632"/>
-          <a:stretch/>
-        </p:blipFill>
-        <p:spPr>
-          <a:xfrm>
-            <a:off x="7291137" y="1637876"/>
-            <a:ext cx="4487781" cy="1318224"/>
-          </a:xfrm>
-          <a:prstGeom prst="rect">
-            <a:avLst/>
-          </a:prstGeom>
-        </p:spPr>
-      </p:pic>
-      <p:pic>
-        <p:nvPicPr>
-          <p:cNvPr id="14" name="Picture 13">
-            <a:extLst>
-              <a:ext uri="{FF2B5EF4-FFF2-40B4-BE49-F238E27FC236}">
-                <a16:creationId xmlns:a16="http://schemas.microsoft.com/office/drawing/2014/main" id="{DDDAD887-FD41-BD40-846B-9B1E2B00800A}"/>
-              </a:ext>
-            </a:extLst>
-          </p:cNvPr>
-          <p:cNvPicPr>
-            <a:picLocks noChangeAspect="1"/>
-          </p:cNvPicPr>
-          <p:nvPr/>
-        </p:nvPicPr>
-        <p:blipFill rotWithShape="1">
-          <a:blip r:embed="rId4">
-            <a:extLst>
-              <a:ext uri="{28A0092B-C50C-407E-A947-70E740481C1C}">
-                <a14:useLocalDpi xmlns:a14="http://schemas.microsoft.com/office/drawing/2010/main" val="0"/>
-              </a:ext>
-            </a:extLst>
-          </a:blip>
-          <a:srcRect r="45713" b="69950"/>
-          <a:stretch/>
-        </p:blipFill>
-        <p:spPr>
-          <a:xfrm>
-            <a:off x="7291138" y="3268096"/>
-            <a:ext cx="4062964" cy="1645098"/>
-          </a:xfrm>
-          <a:prstGeom prst="rect">
-            <a:avLst/>
-          </a:prstGeom>
-        </p:spPr>
-      </p:pic>
-      <p:sp>
-        <p:nvSpPr>
-          <p:cNvPr id="9" name="TextBox 8">
-            <a:extLst>
-              <a:ext uri="{FF2B5EF4-FFF2-40B4-BE49-F238E27FC236}">
-                <a16:creationId xmlns:a16="http://schemas.microsoft.com/office/drawing/2014/main" id="{2642A77F-B375-514D-9E15-06AECA02D015}"/>
-              </a:ext>
-            </a:extLst>
-          </p:cNvPr>
-          <p:cNvSpPr txBox="1"/>
-          <p:nvPr/>
-        </p:nvSpPr>
-        <p:spPr>
-          <a:xfrm>
-            <a:off x="7291137" y="1796701"/>
-            <a:ext cx="867911" cy="350865"/>
-          </a:xfrm>
-          <a:prstGeom prst="rect">
-            <a:avLst/>
-          </a:prstGeom>
-          <a:solidFill>
-            <a:schemeClr val="bg1"/>
-          </a:solidFill>
-        </p:spPr>
-        <p:txBody>
-          <a:bodyPr wrap="square" lIns="118872" tIns="91440" rIns="118872" bIns="91440" rtlCol="0" anchor="ctr" anchorCtr="0">
-            <a:spAutoFit/>
-          </a:bodyPr>
-          <a:lstStyle/>
-          <a:p>
-            <a:pPr algn="l">
-              <a:lnSpc>
-                <a:spcPct val="90000"/>
-              </a:lnSpc>
-            </a:pPr>
-            <a:r>
-              <a:rPr lang="en-US" sz="1200" b="1" dirty="0"/>
-              <a:t>  main  </a:t>
-            </a:r>
-          </a:p>
-        </p:txBody>
-      </p:sp>
-      <p:sp>
-        <p:nvSpPr>
-          <p:cNvPr id="11" name="TextBox 10">
-            <a:extLst>
-              <a:ext uri="{FF2B5EF4-FFF2-40B4-BE49-F238E27FC236}">
-                <a16:creationId xmlns:a16="http://schemas.microsoft.com/office/drawing/2014/main" id="{3DB4311D-A196-274E-ABBB-8884D2A66FB3}"/>
-              </a:ext>
-            </a:extLst>
-          </p:cNvPr>
-          <p:cNvSpPr txBox="1"/>
-          <p:nvPr/>
-        </p:nvSpPr>
-        <p:spPr>
-          <a:xfrm>
-            <a:off x="9691437" y="1770690"/>
-            <a:ext cx="867911" cy="350865"/>
-          </a:xfrm>
-          <a:prstGeom prst="rect">
-            <a:avLst/>
-          </a:prstGeom>
-          <a:solidFill>
-            <a:schemeClr val="bg1"/>
-          </a:solidFill>
-        </p:spPr>
-        <p:txBody>
-          <a:bodyPr wrap="square" lIns="118872" tIns="91440" rIns="118872" bIns="91440" rtlCol="0" anchor="ctr" anchorCtr="0">
-            <a:spAutoFit/>
-          </a:bodyPr>
-          <a:lstStyle/>
-          <a:p>
-            <a:pPr algn="l">
-              <a:lnSpc>
-                <a:spcPct val="90000"/>
-              </a:lnSpc>
-            </a:pPr>
-            <a:r>
-              <a:rPr lang="en-US" sz="1200" b="1" dirty="0"/>
-              <a:t>  main  </a:t>
-            </a:r>
-          </a:p>
-        </p:txBody>
-      </p:sp>
-      <p:sp>
-        <p:nvSpPr>
-          <p:cNvPr id="12" name="TextBox 11">
-            <a:extLst>
-              <a:ext uri="{FF2B5EF4-FFF2-40B4-BE49-F238E27FC236}">
-                <a16:creationId xmlns:a16="http://schemas.microsoft.com/office/drawing/2014/main" id="{AD230196-1370-8A4E-BD3F-7307C8760FFA}"/>
-              </a:ext>
-            </a:extLst>
-          </p:cNvPr>
-          <p:cNvSpPr txBox="1"/>
-          <p:nvPr/>
-        </p:nvSpPr>
-        <p:spPr>
-          <a:xfrm>
-            <a:off x="9759632" y="4368430"/>
-            <a:ext cx="731520" cy="182880"/>
-          </a:xfrm>
-          <a:prstGeom prst="rect">
-            <a:avLst/>
-          </a:prstGeom>
-          <a:solidFill>
-            <a:schemeClr val="bg1"/>
-          </a:solidFill>
-        </p:spPr>
-        <p:txBody>
-          <a:bodyPr wrap="square" lIns="118872" tIns="91440" rIns="118872" bIns="91440" rtlCol="0" anchor="ctr" anchorCtr="0">
-            <a:spAutoFit/>
-          </a:bodyPr>
-          <a:lstStyle/>
-          <a:p>
-            <a:pPr algn="l">
-              <a:lnSpc>
-                <a:spcPct val="90000"/>
-              </a:lnSpc>
-            </a:pPr>
-            <a:r>
-              <a:rPr lang="en-US" sz="1200" b="1" dirty="0"/>
-              <a:t>  main  </a:t>
-            </a:r>
-          </a:p>
-        </p:txBody>
-      </p:sp>
-      <p:sp>
-        <p:nvSpPr>
-          <p:cNvPr id="13" name="TextBox 12">
-            <a:extLst>
-              <a:ext uri="{FF2B5EF4-FFF2-40B4-BE49-F238E27FC236}">
-                <a16:creationId xmlns:a16="http://schemas.microsoft.com/office/drawing/2014/main" id="{D293AE62-09E2-724D-B4FD-6F49A9271FD5}"/>
-              </a:ext>
-            </a:extLst>
-          </p:cNvPr>
-          <p:cNvSpPr txBox="1"/>
-          <p:nvPr/>
-        </p:nvSpPr>
-        <p:spPr>
-          <a:xfrm>
-            <a:off x="7291137" y="4368430"/>
-            <a:ext cx="731520" cy="182880"/>
-          </a:xfrm>
-          <a:prstGeom prst="rect">
-            <a:avLst/>
-          </a:prstGeom>
-          <a:solidFill>
-            <a:schemeClr val="bg1"/>
-          </a:solidFill>
-        </p:spPr>
-        <p:txBody>
-          <a:bodyPr wrap="square" lIns="118872" tIns="91440" rIns="118872" bIns="91440" rtlCol="0" anchor="ctr" anchorCtr="0">
-            <a:spAutoFit/>
-          </a:bodyPr>
-          <a:lstStyle/>
-          <a:p>
-            <a:pPr algn="l">
-              <a:lnSpc>
-                <a:spcPct val="90000"/>
-              </a:lnSpc>
-            </a:pPr>
-            <a:r>
-              <a:rPr lang="en-US" sz="1200" b="1" dirty="0"/>
-              <a:t>  main  </a:t>
-            </a:r>
+            <a:endParaRPr lang="en-US" dirty="0"/>
           </a:p>
         </p:txBody>
       </p:sp>
     </p:spTree>
     <p:extLst>
       <p:ext uri="{BB962C8B-B14F-4D97-AF65-F5344CB8AC3E}">
-        <p14:creationId xmlns:p14="http://schemas.microsoft.com/office/powerpoint/2010/main" val="2731798020"/>
+        <p14:creationId xmlns:p14="http://schemas.microsoft.com/office/powerpoint/2010/main" val="2485969247"/>
       </p:ext>
     </p:extLst>
   </p:cSld>
@@ -13861,7 +13962,7 @@
           <p:cNvPr id="2" name="Title 1">
             <a:extLst>
               <a:ext uri="{FF2B5EF4-FFF2-40B4-BE49-F238E27FC236}">
-                <a16:creationId xmlns:a16="http://schemas.microsoft.com/office/drawing/2014/main" id="{44950D0E-7BDD-A64B-9889-50CEFF9B0A30}"/>
+                <a16:creationId xmlns:a16="http://schemas.microsoft.com/office/drawing/2014/main" id="{7A163D76-09F2-E949-BFE4-5D90160A680F}"/>
               </a:ext>
             </a:extLst>
           </p:cNvPr>
@@ -13879,7 +13980,7 @@
           <a:p>
             <a:r>
               <a:rPr lang="en-US" dirty="0"/>
-              <a:t>Control Project Branch Complexity</a:t>
+              <a:t>Branches</a:t>
             </a:r>
           </a:p>
         </p:txBody>
@@ -13889,7 +13990,7 @@
           <p:cNvPr id="3" name="Content Placeholder 2">
             <a:extLst>
               <a:ext uri="{FF2B5EF4-FFF2-40B4-BE49-F238E27FC236}">
-                <a16:creationId xmlns:a16="http://schemas.microsoft.com/office/drawing/2014/main" id="{B29BC53D-F779-0F4F-A6A8-27F618BB6F2D}"/>
+                <a16:creationId xmlns:a16="http://schemas.microsoft.com/office/drawing/2014/main" id="{3F10EFBA-41D9-104F-9ADE-9AA77C5312AC}"/>
               </a:ext>
             </a:extLst>
           </p:cNvPr>
@@ -13900,52 +14001,73 @@
             <p:ph idx="1"/>
           </p:nvPr>
         </p:nvSpPr>
-        <p:spPr/>
+        <p:spPr>
+          <a:xfrm>
+            <a:off x="365760" y="1057734"/>
+            <a:ext cx="6925377" cy="4651085"/>
+          </a:xfrm>
+        </p:spPr>
         <p:txBody>
           <a:bodyPr/>
           <a:lstStyle/>
           <a:p>
-            <a:r>
-              <a:rPr lang="en-US" dirty="0"/>
-              <a:t>Workflow policy is needed</a:t>
+            <a:pPr marL="0" indent="0">
+              <a:buNone/>
+            </a:pPr>
+            <a:r>
+              <a:rPr lang="en-US" dirty="0"/>
+              <a:t>Branches are independent lines of development</a:t>
+            </a:r>
+          </a:p>
+          <a:p>
+            <a:r>
+              <a:rPr lang="en-US" dirty="0"/>
+              <a:t>Use branches to protect main branch</a:t>
+            </a:r>
+          </a:p>
+          <a:p>
+            <a:r>
+              <a:rPr lang="en-US" dirty="0"/>
+              <a:t>Feature branches</a:t>
             </a:r>
           </a:p>
           <a:p>
             <a:pPr lvl="1"/>
             <a:r>
               <a:rPr lang="en-US" dirty="0"/>
-              <a:t>Project supported branches and workflows should not be unnecessarily complex</a:t>
-            </a:r>
-          </a:p>
-          <a:p>
-            <a:pPr lvl="1"/>
-            <a:r>
-              <a:rPr lang="en-US" dirty="0"/>
-              <a:t>Individuals and sub-teams can leverage more complex models when advantageous</a:t>
-            </a:r>
-          </a:p>
-          <a:p>
-            <a:pPr lvl="1"/>
-            <a:r>
-              <a:rPr lang="en-US" dirty="0"/>
-              <a:t>Descriptive names or linked to issue tracking system</a:t>
-            </a:r>
-          </a:p>
-          <a:p>
-            <a:pPr lvl="1"/>
-            <a:r>
-              <a:rPr lang="en-US" dirty="0"/>
-              <a:t>Where do branches start and end?</a:t>
+              <a:t>Organize a new feature as a sequence of related commits in a branch</a:t>
+            </a:r>
+          </a:p>
+          <a:p>
+            <a:r>
+              <a:rPr lang="en-US" dirty="0"/>
+              <a:t>Branches are usually combined or </a:t>
+            </a:r>
+            <a:r>
+              <a:rPr lang="en-US" b="1" dirty="0"/>
+              <a:t>merged</a:t>
+            </a:r>
+          </a:p>
+          <a:p>
+            <a:r>
+              <a:rPr lang="en-US" dirty="0"/>
+              <a:t>Develop on a branch, test on the branch, and merge into main</a:t>
+            </a:r>
+          </a:p>
+          <a:p>
+            <a:r>
+              <a:rPr lang="en-US" dirty="0"/>
+              <a:t>Integration occurs at merge commits</a:t>
             </a:r>
           </a:p>
         </p:txBody>
       </p:sp>
       <p:pic>
         <p:nvPicPr>
-          <p:cNvPr id="5" name="Picture 4">
+          <p:cNvPr id="8" name="Picture 7">
             <a:extLst>
               <a:ext uri="{FF2B5EF4-FFF2-40B4-BE49-F238E27FC236}">
-                <a16:creationId xmlns:a16="http://schemas.microsoft.com/office/drawing/2014/main" id="{5FD5C252-E8E1-3A4B-A66B-455303D445D4}"/>
+                <a16:creationId xmlns:a16="http://schemas.microsoft.com/office/drawing/2014/main" id="{F1835F05-49A2-5E4D-913F-5CE57F1DB2A1}"/>
               </a:ext>
             </a:extLst>
           </p:cNvPr>
@@ -13962,25 +14084,60 @@
               </a:ext>
             </a:extLst>
           </a:blip>
-          <a:srcRect l="4616" t="20776" r="27566" b="49302"/>
+          <a:srcRect l="3348" t="3509" r="37236" b="72632"/>
           <a:stretch/>
         </p:blipFill>
         <p:spPr>
           <a:xfrm>
-            <a:off x="2871529" y="3995677"/>
-            <a:ext cx="6358269" cy="2052085"/>
+            <a:off x="7291137" y="1637876"/>
+            <a:ext cx="4487781" cy="1318224"/>
           </a:xfrm>
           <a:prstGeom prst="rect">
             <a:avLst/>
           </a:prstGeom>
         </p:spPr>
       </p:pic>
-      <p:sp>
-        <p:nvSpPr>
-          <p:cNvPr id="6" name="TextBox 5">
+      <p:pic>
+        <p:nvPicPr>
+          <p:cNvPr id="14" name="Picture 13">
             <a:extLst>
               <a:ext uri="{FF2B5EF4-FFF2-40B4-BE49-F238E27FC236}">
-                <a16:creationId xmlns:a16="http://schemas.microsoft.com/office/drawing/2014/main" id="{85FC5AEA-2431-8E4F-8AC3-5F7B6D00284A}"/>
+                <a16:creationId xmlns:a16="http://schemas.microsoft.com/office/drawing/2014/main" id="{DDDAD887-FD41-BD40-846B-9B1E2B00800A}"/>
+              </a:ext>
+            </a:extLst>
+          </p:cNvPr>
+          <p:cNvPicPr>
+            <a:picLocks noChangeAspect="1"/>
+          </p:cNvPicPr>
+          <p:nvPr/>
+        </p:nvPicPr>
+        <p:blipFill rotWithShape="1">
+          <a:blip r:embed="rId4">
+            <a:extLst>
+              <a:ext uri="{28A0092B-C50C-407E-A947-70E740481C1C}">
+                <a14:useLocalDpi xmlns:a14="http://schemas.microsoft.com/office/drawing/2010/main" val="0"/>
+              </a:ext>
+            </a:extLst>
+          </a:blip>
+          <a:srcRect r="45713" b="69950"/>
+          <a:stretch/>
+        </p:blipFill>
+        <p:spPr>
+          <a:xfrm>
+            <a:off x="7291138" y="3268096"/>
+            <a:ext cx="4062964" cy="1645098"/>
+          </a:xfrm>
+          <a:prstGeom prst="rect">
+            <a:avLst/>
+          </a:prstGeom>
+        </p:spPr>
+      </p:pic>
+      <p:sp>
+        <p:nvSpPr>
+          <p:cNvPr id="9" name="TextBox 8">
+            <a:extLst>
+              <a:ext uri="{FF2B5EF4-FFF2-40B4-BE49-F238E27FC236}">
+                <a16:creationId xmlns:a16="http://schemas.microsoft.com/office/drawing/2014/main" id="{2642A77F-B375-514D-9E15-06AECA02D015}"/>
               </a:ext>
             </a:extLst>
           </p:cNvPr>
@@ -13989,8 +14146,8 @@
         </p:nvSpPr>
         <p:spPr>
           <a:xfrm>
-            <a:off x="3112837" y="4367319"/>
-            <a:ext cx="1040063" cy="274320"/>
+            <a:off x="7291137" y="1796701"/>
+            <a:ext cx="867911" cy="350865"/>
           </a:xfrm>
           <a:prstGeom prst="rect">
             <a:avLst/>
@@ -14012,15 +14169,133 @@
             </a:pPr>
             <a:r>
               <a:rPr lang="en-US" sz="1200" b="1" dirty="0"/>
-              <a:t>  </a:t>
-            </a:r>
-            <a:r>
-              <a:rPr lang="en-US" sz="1600" b="1" dirty="0"/>
-              <a:t>main</a:t>
-            </a:r>
+              <a:t>  main  </a:t>
+            </a:r>
+          </a:p>
+        </p:txBody>
+      </p:sp>
+      <p:sp>
+        <p:nvSpPr>
+          <p:cNvPr id="11" name="TextBox 10">
+            <a:extLst>
+              <a:ext uri="{FF2B5EF4-FFF2-40B4-BE49-F238E27FC236}">
+                <a16:creationId xmlns:a16="http://schemas.microsoft.com/office/drawing/2014/main" id="{3DB4311D-A196-274E-ABBB-8884D2A66FB3}"/>
+              </a:ext>
+            </a:extLst>
+          </p:cNvPr>
+          <p:cNvSpPr txBox="1"/>
+          <p:nvPr/>
+        </p:nvSpPr>
+        <p:spPr>
+          <a:xfrm>
+            <a:off x="9691437" y="1770690"/>
+            <a:ext cx="867911" cy="350865"/>
+          </a:xfrm>
+          <a:prstGeom prst="rect">
+            <a:avLst/>
+          </a:prstGeom>
+          <a:solidFill>
+            <a:schemeClr val="bg1"/>
+          </a:solidFill>
+        </p:spPr>
+        <p:txBody>
+          <a:bodyPr wrap="square" lIns="118872" tIns="91440" rIns="118872" bIns="91440" rtlCol="0" anchor="ctr" anchorCtr="0">
+            <a:spAutoFit/>
+          </a:bodyPr>
+          <a:lstStyle/>
+          <a:p>
+            <a:pPr algn="l">
+              <a:lnSpc>
+                <a:spcPct val="90000"/>
+              </a:lnSpc>
+            </a:pPr>
             <a:r>
               <a:rPr lang="en-US" sz="1200" b="1" dirty="0"/>
-              <a:t> </a:t>
+              <a:t>  main  </a:t>
+            </a:r>
+          </a:p>
+        </p:txBody>
+      </p:sp>
+      <p:sp>
+        <p:nvSpPr>
+          <p:cNvPr id="12" name="TextBox 11">
+            <a:extLst>
+              <a:ext uri="{FF2B5EF4-FFF2-40B4-BE49-F238E27FC236}">
+                <a16:creationId xmlns:a16="http://schemas.microsoft.com/office/drawing/2014/main" id="{AD230196-1370-8A4E-BD3F-7307C8760FFA}"/>
+              </a:ext>
+            </a:extLst>
+          </p:cNvPr>
+          <p:cNvSpPr txBox="1"/>
+          <p:nvPr/>
+        </p:nvSpPr>
+        <p:spPr>
+          <a:xfrm>
+            <a:off x="9759632" y="4368430"/>
+            <a:ext cx="731520" cy="182880"/>
+          </a:xfrm>
+          <a:prstGeom prst="rect">
+            <a:avLst/>
+          </a:prstGeom>
+          <a:solidFill>
+            <a:schemeClr val="bg1"/>
+          </a:solidFill>
+        </p:spPr>
+        <p:txBody>
+          <a:bodyPr wrap="square" lIns="118872" tIns="91440" rIns="118872" bIns="91440" rtlCol="0" anchor="ctr" anchorCtr="0">
+            <a:spAutoFit/>
+          </a:bodyPr>
+          <a:lstStyle/>
+          <a:p>
+            <a:pPr algn="l">
+              <a:lnSpc>
+                <a:spcPct val="90000"/>
+              </a:lnSpc>
+            </a:pPr>
+            <a:r>
+              <a:rPr lang="en-US" sz="1200" b="1" dirty="0"/>
+              <a:t>  main  </a:t>
+            </a:r>
+          </a:p>
+        </p:txBody>
+      </p:sp>
+      <p:sp>
+        <p:nvSpPr>
+          <p:cNvPr id="13" name="TextBox 12">
+            <a:extLst>
+              <a:ext uri="{FF2B5EF4-FFF2-40B4-BE49-F238E27FC236}">
+                <a16:creationId xmlns:a16="http://schemas.microsoft.com/office/drawing/2014/main" id="{D293AE62-09E2-724D-B4FD-6F49A9271FD5}"/>
+              </a:ext>
+            </a:extLst>
+          </p:cNvPr>
+          <p:cNvSpPr txBox="1"/>
+          <p:nvPr/>
+        </p:nvSpPr>
+        <p:spPr>
+          <a:xfrm>
+            <a:off x="7291137" y="4368430"/>
+            <a:ext cx="731520" cy="182880"/>
+          </a:xfrm>
+          <a:prstGeom prst="rect">
+            <a:avLst/>
+          </a:prstGeom>
+          <a:solidFill>
+            <a:schemeClr val="bg1"/>
+          </a:solidFill>
+        </p:spPr>
+        <p:txBody>
+          <a:bodyPr wrap="square" lIns="118872" tIns="91440" rIns="118872" bIns="91440" rtlCol="0" anchor="ctr" anchorCtr="0">
+            <a:spAutoFit/>
+          </a:bodyPr>
+          <a:lstStyle/>
+          <a:p>
+            <a:pPr algn="l">
+              <a:lnSpc>
+                <a:spcPct val="90000"/>
+              </a:lnSpc>
+            </a:pPr>
+            <a:r>
+              <a:rPr lang="en-US" sz="1200" b="1" dirty="0"/>
+              <a:t>  main  </a:t>
             </a:r>
           </a:p>
         </p:txBody>
@@ -14028,7 +14303,7 @@
     </p:spTree>
     <p:extLst>
       <p:ext uri="{BB962C8B-B14F-4D97-AF65-F5344CB8AC3E}">
-        <p14:creationId xmlns:p14="http://schemas.microsoft.com/office/powerpoint/2010/main" val="1808928676"/>
+        <p14:creationId xmlns:p14="http://schemas.microsoft.com/office/powerpoint/2010/main" val="2731798020"/>
       </p:ext>
     </p:extLst>
   </p:cSld>
@@ -14060,7 +14335,7 @@
           <p:cNvPr id="2" name="Title 1">
             <a:extLst>
               <a:ext uri="{FF2B5EF4-FFF2-40B4-BE49-F238E27FC236}">
-                <a16:creationId xmlns:a16="http://schemas.microsoft.com/office/drawing/2014/main" id="{07683978-C37D-B543-9210-EFD77EE5A241}"/>
+                <a16:creationId xmlns:a16="http://schemas.microsoft.com/office/drawing/2014/main" id="{44950D0E-7BDD-A64B-9889-50CEFF9B0A30}"/>
               </a:ext>
             </a:extLst>
           </p:cNvPr>
@@ -14078,7 +14353,7 @@
           <a:p>
             <a:r>
               <a:rPr lang="en-US" dirty="0"/>
-              <a:t>Feature Branches</a:t>
+              <a:t>Control Project Branch Complexity</a:t>
             </a:r>
           </a:p>
         </p:txBody>
@@ -14088,7 +14363,7 @@
           <p:cNvPr id="3" name="Content Placeholder 2">
             <a:extLst>
               <a:ext uri="{FF2B5EF4-FFF2-40B4-BE49-F238E27FC236}">
-                <a16:creationId xmlns:a16="http://schemas.microsoft.com/office/drawing/2014/main" id="{0B6F2AEF-2300-F84B-BB99-ECEC425AFCAD}"/>
+                <a16:creationId xmlns:a16="http://schemas.microsoft.com/office/drawing/2014/main" id="{B29BC53D-F779-0F4F-A6A8-27F618BB6F2D}"/>
               </a:ext>
             </a:extLst>
           </p:cNvPr>
@@ -14099,83 +14374,52 @@
             <p:ph idx="1"/>
           </p:nvPr>
         </p:nvSpPr>
-        <p:spPr>
-          <a:xfrm>
-            <a:off x="365761" y="1207973"/>
-            <a:ext cx="6961796" cy="4047778"/>
-          </a:xfrm>
-        </p:spPr>
+        <p:spPr/>
         <p:txBody>
           <a:bodyPr/>
           <a:lstStyle/>
           <a:p>
-            <a:pPr marL="0" indent="0">
-              <a:buNone/>
-            </a:pPr>
-            <a:r>
-              <a:rPr lang="en-US" sz="2000" dirty="0"/>
-              <a:t>Extend Centralized Workflow</a:t>
-            </a:r>
-          </a:p>
-          <a:p>
-            <a:r>
-              <a:rPr lang="en-US" sz="2000" dirty="0"/>
-              <a:t>Remote repo has commits A &amp; B</a:t>
-            </a:r>
-          </a:p>
-          <a:p>
-            <a:r>
-              <a:rPr lang="en-US" sz="2000" dirty="0"/>
-              <a:t>Bob pulls remote to synchronize local repo to remote</a:t>
-            </a:r>
-          </a:p>
-          <a:p>
-            <a:r>
-              <a:rPr lang="en-US" sz="2000" dirty="0"/>
-              <a:t>Bob creates local feature branch based on commit B</a:t>
-            </a:r>
-          </a:p>
-          <a:p>
-            <a:r>
-              <a:rPr lang="en-US" sz="2000" dirty="0"/>
-              <a:t>Commit C pushed to remote repo</a:t>
-            </a:r>
-          </a:p>
-          <a:p>
-            <a:r>
-              <a:rPr lang="en-US" sz="2000" dirty="0"/>
-              <a:t>Alice pulls remote to synchronize local repo to remote</a:t>
-            </a:r>
-          </a:p>
-          <a:p>
-            <a:r>
-              <a:rPr lang="en-US" sz="2000" dirty="0"/>
-              <a:t>Alice creates local feature branch based on commit C</a:t>
-            </a:r>
-          </a:p>
-          <a:p>
-            <a:r>
-              <a:rPr lang="en-US" sz="2000" dirty="0"/>
-              <a:t>Both develop independently on local feature branches</a:t>
-            </a:r>
-          </a:p>
-          <a:p>
-            <a:pPr marL="0" indent="0">
-              <a:buNone/>
-            </a:pPr>
-            <a:endParaRPr lang="en-US" sz="2000" dirty="0"/>
-          </a:p>
-          <a:p>
-            <a:endParaRPr lang="en-US" sz="2000" dirty="0"/>
+            <a:r>
+              <a:rPr lang="en-US" dirty="0"/>
+              <a:t>Workflow policy is needed</a:t>
+            </a:r>
+          </a:p>
+          <a:p>
+            <a:pPr lvl="1"/>
+            <a:r>
+              <a:rPr lang="en-US" dirty="0"/>
+              <a:t>Project supported branches and workflows should not be unnecessarily complex</a:t>
+            </a:r>
+          </a:p>
+          <a:p>
+            <a:pPr lvl="1"/>
+            <a:r>
+              <a:rPr lang="en-US" dirty="0"/>
+              <a:t>Individuals and sub-teams can leverage more complex models when advantageous</a:t>
+            </a:r>
+          </a:p>
+          <a:p>
+            <a:pPr lvl="1"/>
+            <a:r>
+              <a:rPr lang="en-US" dirty="0"/>
+              <a:t>Descriptive names or linked to issue tracking system</a:t>
+            </a:r>
+          </a:p>
+          <a:p>
+            <a:pPr lvl="1"/>
+            <a:r>
+              <a:rPr lang="en-US" dirty="0"/>
+              <a:t>Where do branches start and end?</a:t>
+            </a:r>
           </a:p>
         </p:txBody>
       </p:sp>
       <p:pic>
         <p:nvPicPr>
-          <p:cNvPr id="4" name="Picture 3">
+          <p:cNvPr id="5" name="Picture 4">
             <a:extLst>
               <a:ext uri="{FF2B5EF4-FFF2-40B4-BE49-F238E27FC236}">
-                <a16:creationId xmlns:a16="http://schemas.microsoft.com/office/drawing/2014/main" id="{7879D0D5-49A1-054D-AEA9-083492052DF4}"/>
+                <a16:creationId xmlns:a16="http://schemas.microsoft.com/office/drawing/2014/main" id="{5FD5C252-E8E1-3A4B-A66B-455303D445D4}"/>
               </a:ext>
             </a:extLst>
           </p:cNvPr>
@@ -14185,14 +14429,20 @@
           <p:nvPr/>
         </p:nvPicPr>
         <p:blipFill rotWithShape="1">
-          <a:blip r:embed="rId3"/>
-          <a:srcRect r="56578" b="12291"/>
+          <a:blip r:embed="rId3">
+            <a:extLst>
+              <a:ext uri="{28A0092B-C50C-407E-A947-70E740481C1C}">
+                <a14:useLocalDpi xmlns:a14="http://schemas.microsoft.com/office/drawing/2010/main" val="0"/>
+              </a:ext>
+            </a:extLst>
+          </a:blip>
+          <a:srcRect l="4616" t="20776" r="27566" b="49302"/>
           <a:stretch/>
         </p:blipFill>
         <p:spPr>
           <a:xfrm>
-            <a:off x="7543800" y="697314"/>
-            <a:ext cx="3572469" cy="5278438"/>
+            <a:off x="2871529" y="3995677"/>
+            <a:ext cx="6358269" cy="2052085"/>
           </a:xfrm>
           <a:prstGeom prst="rect">
             <a:avLst/>
@@ -14201,10 +14451,10 @@
       </p:pic>
       <p:sp>
         <p:nvSpPr>
-          <p:cNvPr id="5" name="TextBox 4">
+          <p:cNvPr id="6" name="TextBox 5">
             <a:extLst>
               <a:ext uri="{FF2B5EF4-FFF2-40B4-BE49-F238E27FC236}">
-                <a16:creationId xmlns:a16="http://schemas.microsoft.com/office/drawing/2014/main" id="{4D623544-D80B-DE44-A9AF-20717D593275}"/>
+                <a16:creationId xmlns:a16="http://schemas.microsoft.com/office/drawing/2014/main" id="{85FC5AEA-2431-8E4F-8AC3-5F7B6D00284A}"/>
               </a:ext>
             </a:extLst>
           </p:cNvPr>
@@ -14213,8 +14463,8 @@
         </p:nvSpPr>
         <p:spPr>
           <a:xfrm>
-            <a:off x="7811452" y="4261430"/>
-            <a:ext cx="822960" cy="182880"/>
+            <a:off x="3112837" y="4367319"/>
+            <a:ext cx="1040063" cy="274320"/>
           </a:xfrm>
           <a:prstGeom prst="rect">
             <a:avLst/>
@@ -14236,103 +14486,11 @@
             </a:pPr>
             <a:r>
               <a:rPr lang="en-US" sz="1200" b="1" dirty="0"/>
-              <a:t>  main  </a:t>
-            </a:r>
-          </a:p>
-        </p:txBody>
-      </p:sp>
-      <p:sp>
-        <p:nvSpPr>
-          <p:cNvPr id="6" name="TextBox 5">
-            <a:extLst>
-              <a:ext uri="{FF2B5EF4-FFF2-40B4-BE49-F238E27FC236}">
-                <a16:creationId xmlns:a16="http://schemas.microsoft.com/office/drawing/2014/main" id="{B65C4322-64FE-B944-AED9-C8749E06B80B}"/>
-              </a:ext>
-            </a:extLst>
-          </p:cNvPr>
-          <p:cNvSpPr txBox="1"/>
-          <p:nvPr/>
-        </p:nvSpPr>
-        <p:spPr>
-          <a:xfrm>
-            <a:off x="7811452" y="2191068"/>
-            <a:ext cx="822960" cy="274320"/>
-          </a:xfrm>
-          <a:prstGeom prst="rect">
-            <a:avLst/>
-          </a:prstGeom>
-          <a:solidFill>
-            <a:schemeClr val="bg1"/>
-          </a:solidFill>
-        </p:spPr>
-        <p:txBody>
-          <a:bodyPr wrap="square" lIns="118872" tIns="91440" rIns="118872" bIns="91440" rtlCol="0" anchor="ctr" anchorCtr="0">
-            <a:spAutoFit/>
-          </a:bodyPr>
-          <a:lstStyle/>
-          <a:p>
-            <a:pPr algn="l">
-              <a:lnSpc>
-                <a:spcPct val="90000"/>
-              </a:lnSpc>
-            </a:pPr>
-            <a:r>
-              <a:rPr lang="en-US" sz="1200" b="1" dirty="0"/>
               <a:t>  </a:t>
             </a:r>
             <a:r>
-              <a:rPr lang="en-US" sz="1300" b="1" dirty="0"/>
-              <a:t>main </a:t>
-            </a:r>
-            <a:r>
-              <a:rPr lang="en-US" sz="1200" b="1" dirty="0"/>
-              <a:t> </a:t>
-            </a:r>
-          </a:p>
-        </p:txBody>
-      </p:sp>
-      <p:sp>
-        <p:nvSpPr>
-          <p:cNvPr id="7" name="TextBox 6">
-            <a:extLst>
-              <a:ext uri="{FF2B5EF4-FFF2-40B4-BE49-F238E27FC236}">
-                <a16:creationId xmlns:a16="http://schemas.microsoft.com/office/drawing/2014/main" id="{D6D37134-F760-9E44-B5F3-B0F1B61D000E}"/>
-              </a:ext>
-            </a:extLst>
-          </p:cNvPr>
-          <p:cNvSpPr txBox="1"/>
-          <p:nvPr/>
-        </p:nvSpPr>
-        <p:spPr>
-          <a:xfrm>
-            <a:off x="7765732" y="4981431"/>
-            <a:ext cx="822960" cy="274320"/>
-          </a:xfrm>
-          <a:prstGeom prst="rect">
-            <a:avLst/>
-          </a:prstGeom>
-          <a:solidFill>
-            <a:schemeClr val="bg1"/>
-          </a:solidFill>
-        </p:spPr>
-        <p:txBody>
-          <a:bodyPr wrap="square" lIns="118872" tIns="91440" rIns="118872" bIns="91440" rtlCol="0" anchor="ctr" anchorCtr="0">
-            <a:spAutoFit/>
-          </a:bodyPr>
-          <a:lstStyle/>
-          <a:p>
-            <a:pPr algn="l">
-              <a:lnSpc>
-                <a:spcPct val="90000"/>
-              </a:lnSpc>
-            </a:pPr>
-            <a:r>
-              <a:rPr lang="en-US" sz="1200" b="1" dirty="0"/>
-              <a:t>  </a:t>
-            </a:r>
-            <a:r>
-              <a:rPr lang="en-US" sz="1300" b="1" dirty="0"/>
-              <a:t>main </a:t>
+              <a:rPr lang="en-US" sz="1600" b="1" dirty="0"/>
+              <a:t>main</a:t>
             </a:r>
             <a:r>
               <a:rPr lang="en-US" sz="1200" b="1" dirty="0"/>
@@ -14344,7 +14502,7 @@
     </p:spTree>
     <p:extLst>
       <p:ext uri="{BB962C8B-B14F-4D97-AF65-F5344CB8AC3E}">
-        <p14:creationId xmlns:p14="http://schemas.microsoft.com/office/powerpoint/2010/main" val="767238769"/>
+        <p14:creationId xmlns:p14="http://schemas.microsoft.com/office/powerpoint/2010/main" val="1808928676"/>
       </p:ext>
     </p:extLst>
   </p:cSld>
@@ -15267,6 +15425,21 @@
 </file>
 
 <file path=customXml/item1.xml><?xml version="1.0" encoding="utf-8"?>
+<p:properties xmlns:p="http://schemas.microsoft.com/office/2006/metadata/properties" xmlns:xsi="http://www.w3.org/2001/XMLSchema-instance" xmlns:pc="http://schemas.microsoft.com/office/infopath/2007/PartnerControls">
+  <documentManagement/>
+</p:properties>
+</file>
+
+<file path=customXml/item2.xml><?xml version="1.0" encoding="utf-8"?>
+<?mso-contentType ?>
+<FormTemplates xmlns="http://schemas.microsoft.com/sharepoint/v3/contenttype/forms">
+  <Display>DocumentLibraryForm</Display>
+  <Edit>DocumentLibraryForm</Edit>
+  <New>DocumentLibraryForm</New>
+</FormTemplates>
+</file>
+
+<file path=customXml/item3.xml><?xml version="1.0" encoding="utf-8"?>
 <ct:contentTypeSchema xmlns:ct="http://schemas.microsoft.com/office/2006/metadata/contentType" xmlns:ma="http://schemas.microsoft.com/office/2006/metadata/properties/metaAttributes" ct:_="" ma:_="" ma:contentTypeName="Document" ma:contentTypeID="0x010100565464437F680748A68B85EB6594EA7D" ma:contentTypeVersion="0" ma:contentTypeDescription="Create a new document." ma:contentTypeScope="" ma:versionID="fe3f4dd58d5914c51cfc6deaa8ad845c">
   <xsd:schema xmlns:xsd="http://www.w3.org/2001/XMLSchema" xmlns:p="http://schemas.microsoft.com/office/2006/metadata/properties" targetNamespace="http://schemas.microsoft.com/office/2006/metadata/properties" ma:root="true" ma:fieldsID="4aeb20c0e3442673af7ee10786458764">
     <xsd:element name="properties">
@@ -15315,32 +15488,17 @@
 </ct:contentTypeSchema>
 </file>
 
-<file path=customXml/item2.xml><?xml version="1.0" encoding="utf-8"?>
-<?mso-contentType ?>
-<FormTemplates xmlns="http://schemas.microsoft.com/sharepoint/v3/contenttype/forms">
-  <Display>DocumentLibraryForm</Display>
-  <Edit>DocumentLibraryForm</Edit>
-  <New>DocumentLibraryForm</New>
-</FormTemplates>
-</file>
-
-<file path=customXml/item3.xml><?xml version="1.0" encoding="utf-8"?>
-<p:properties xmlns:p="http://schemas.microsoft.com/office/2006/metadata/properties" xmlns:xsi="http://www.w3.org/2001/XMLSchema-instance" xmlns:pc="http://schemas.microsoft.com/office/infopath/2007/PartnerControls">
-  <documentManagement/>
-</p:properties>
-</file>
-
 <file path=customXml/itemProps1.xml><?xml version="1.0" encoding="utf-8"?>
-<ds:datastoreItem xmlns:ds="http://schemas.openxmlformats.org/officeDocument/2006/customXml" ds:itemID="{E8DB7DEB-074E-4EE8-9B6E-FD277323109C}">
+<ds:datastoreItem xmlns:ds="http://schemas.openxmlformats.org/officeDocument/2006/customXml" ds:itemID="{A50EC660-24D0-43A0-AE5E-E274115E726B}">
   <ds:schemaRefs>
-    <ds:schemaRef ds:uri="http://schemas.microsoft.com/office/2006/metadata/contentType"/>
-    <ds:schemaRef ds:uri="http://schemas.microsoft.com/office/2006/metadata/properties/metaAttributes"/>
-    <ds:schemaRef ds:uri="http://www.w3.org/2001/XMLSchema"/>
+    <ds:schemaRef ds:uri="http://purl.org/dc/elements/1.1/"/>
     <ds:schemaRef ds:uri="http://schemas.microsoft.com/office/2006/metadata/properties"/>
+    <ds:schemaRef ds:uri="http://purl.org/dc/terms/"/>
     <ds:schemaRef ds:uri="http://schemas.openxmlformats.org/package/2006/metadata/core-properties"/>
-    <ds:schemaRef ds:uri="http://purl.org/dc/elements/1.1/"/>
-    <ds:schemaRef ds:uri="http://purl.org/dc/terms/"/>
-    <ds:schemaRef ds:uri="http://schemas.microsoft.com/office/internal/2005/internalDocumentation"/>
+    <ds:schemaRef ds:uri="http://schemas.microsoft.com/office/2006/documentManagement/types"/>
+    <ds:schemaRef ds:uri="http://www.w3.org/XML/1998/namespace"/>
+    <ds:schemaRef ds:uri="http://purl.org/dc/dcmitype/"/>
+    <ds:schemaRef ds:uri="http://schemas.microsoft.com/office/infopath/2007/PartnerControls"/>
   </ds:schemaRefs>
 </ds:datastoreItem>
 </file>
@@ -15354,16 +15512,16 @@
 </file>
 
 <file path=customXml/itemProps3.xml><?xml version="1.0" encoding="utf-8"?>
-<ds:datastoreItem xmlns:ds="http://schemas.openxmlformats.org/officeDocument/2006/customXml" ds:itemID="{A50EC660-24D0-43A0-AE5E-E274115E726B}">
+<ds:datastoreItem xmlns:ds="http://schemas.openxmlformats.org/officeDocument/2006/customXml" ds:itemID="{E8DB7DEB-074E-4EE8-9B6E-FD277323109C}">
   <ds:schemaRefs>
+    <ds:schemaRef ds:uri="http://schemas.microsoft.com/office/2006/metadata/contentType"/>
+    <ds:schemaRef ds:uri="http://schemas.microsoft.com/office/2006/metadata/properties/metaAttributes"/>
+    <ds:schemaRef ds:uri="http://www.w3.org/2001/XMLSchema"/>
+    <ds:schemaRef ds:uri="http://schemas.microsoft.com/office/2006/metadata/properties"/>
+    <ds:schemaRef ds:uri="http://schemas.openxmlformats.org/package/2006/metadata/core-properties"/>
     <ds:schemaRef ds:uri="http://purl.org/dc/elements/1.1/"/>
-    <ds:schemaRef ds:uri="http://schemas.microsoft.com/office/2006/metadata/properties"/>
     <ds:schemaRef ds:uri="http://purl.org/dc/terms/"/>
-    <ds:schemaRef ds:uri="http://schemas.openxmlformats.org/package/2006/metadata/core-properties"/>
-    <ds:schemaRef ds:uri="http://schemas.microsoft.com/office/2006/documentManagement/types"/>
-    <ds:schemaRef ds:uri="http://www.w3.org/XML/1998/namespace"/>
-    <ds:schemaRef ds:uri="http://purl.org/dc/dcmitype/"/>
-    <ds:schemaRef ds:uri="http://schemas.microsoft.com/office/infopath/2007/PartnerControls"/>
+    <ds:schemaRef ds:uri="http://schemas.microsoft.com/office/internal/2005/internalDocumentation"/>
   </ds:schemaRefs>
 </ds:datastoreItem>
 </file>
--- a/git-workflows.pptx
+++ b/git-workflows.pptx
@@ -9122,7 +9122,7 @@
           <a:p>
             <a:r>
               <a:rPr lang="en-US" sz="2000" dirty="0"/>
-              <a:t>Change sets from develop are tested daily for integration into master</a:t>
+              <a:t>Change sets from develop are tested daily for integration into main</a:t>
             </a:r>
           </a:p>
           <a:p>
@@ -9187,7 +9187,7 @@
             </a:pPr>
             <a:r>
               <a:rPr lang="en-US" sz="2000" dirty="0"/>
-              <a:t>All commits in master are in develop</a:t>
+              <a:t>All commits in main are in develop</a:t>
             </a:r>
           </a:p>
           <a:p>
@@ -9219,7 +9219,7 @@
             </a:pPr>
             <a:r>
               <a:rPr lang="en-US" sz="2000" dirty="0"/>
-              <a:t>Merge conflicts never occur when promoting to master</a:t>
+              <a:t>Merge conflicts never occur when promoting to main</a:t>
             </a:r>
           </a:p>
           <a:p>
@@ -9384,7 +9384,7 @@
         <p:spPr>
           <a:xfrm>
             <a:off x="1146365" y="4368064"/>
-            <a:ext cx="945387" cy="433965"/>
+            <a:ext cx="740203" cy="433965"/>
           </a:xfrm>
           <a:prstGeom prst="rect">
             <a:avLst/>
@@ -9404,7 +9404,7 @@
             </a:pPr>
             <a:r>
               <a:rPr lang="en-US" dirty="0"/>
-              <a:t>master</a:t>
+              <a:t>main</a:t>
             </a:r>
           </a:p>
         </p:txBody>
@@ -9716,7 +9716,7 @@
                   </a:schemeClr>
                 </a:solidFill>
               </a:rPr>
-              <a:t>develop -&gt; master testing</a:t>
+              <a:t>develop -&gt; main testing</a:t>
             </a:r>
           </a:p>
         </p:txBody>
@@ -10551,7 +10551,7 @@
             </a:pPr>
             <a:r>
               <a:rPr lang="en-US" sz="2000" dirty="0"/>
-              <a:t>Developers work on master or feature branches depending on complexity of the changes</a:t>
+              <a:t>Developers work on main or feature branches depending on complexity of the changes</a:t>
             </a:r>
           </a:p>
           <a:p>
@@ -10778,7 +10778,7 @@
         <p:spPr>
           <a:xfrm>
             <a:off x="413308" y="3151337"/>
-            <a:ext cx="945387" cy="433965"/>
+            <a:ext cx="740203" cy="433965"/>
           </a:xfrm>
           <a:prstGeom prst="rect">
             <a:avLst/>
@@ -10798,7 +10798,7 @@
             </a:pPr>
             <a:r>
               <a:rPr lang="en-US" dirty="0"/>
-              <a:t>master</a:t>
+              <a:t>main</a:t>
             </a:r>
           </a:p>
         </p:txBody>
@@ -12788,7 +12788,7 @@
         </p:nvSpPr>
         <p:spPr>
           <a:xfrm>
-            <a:off x="365760" y="1226999"/>
+            <a:off x="365760" y="1008354"/>
             <a:ext cx="9839395" cy="4841291"/>
           </a:xfrm>
         </p:spPr>
@@ -12864,12 +12864,6 @@
             <a:r>
               <a:rPr lang="en-US" dirty="0"/>
               <a:t>What to think about when evaluating different workflows</a:t>
-            </a:r>
-          </a:p>
-          <a:p>
-            <a:r>
-              <a:rPr lang="en-US" dirty="0"/>
-              <a:t>Extra:  Heat Equation Example Workflow</a:t>
             </a:r>
           </a:p>
           <a:p>
@@ -13000,27 +12994,27 @@
             <p:ph idx="1"/>
           </p:nvPr>
         </p:nvSpPr>
-        <p:spPr/>
+        <p:spPr>
+          <a:xfrm>
+            <a:off x="365760" y="1342249"/>
+            <a:ext cx="11369809" cy="4047778"/>
+          </a:xfrm>
+        </p:spPr>
         <p:txBody>
           <a:bodyPr/>
           <a:lstStyle/>
           <a:p>
             <a:r>
               <a:rPr lang="en-US" dirty="0"/>
-              <a:t>Historically git repository platforms used the term master as the default branch for the main branch. </a:t>
+              <a:t>Historically git repository platforms used the term main as the default branch for the main branch. </a:t>
             </a:r>
           </a:p>
           <a:p>
             <a:pPr lvl="1"/>
             <a:r>
               <a:rPr lang="en-US" dirty="0"/>
-              <a:t>The master-slave relationship in technology was used to refer to a system where one - the master - controls other copies, or </a:t>
-            </a:r>
-            <a:r>
-              <a:rPr lang="en-US"/>
-              <a:t>processes.</a:t>
-            </a:r>
-            <a:endParaRPr lang="en-US" dirty="0"/>
+              <a:t>The master-slave relationship in technology was used to refer to a system where one – the main - controls other copies, or processes.</a:t>
+            </a:r>
           </a:p>
           <a:p>
             <a:r>
@@ -15431,15 +15425,6 @@
 </file>
 
 <file path=customXml/item2.xml><?xml version="1.0" encoding="utf-8"?>
-<?mso-contentType ?>
-<FormTemplates xmlns="http://schemas.microsoft.com/sharepoint/v3/contenttype/forms">
-  <Display>DocumentLibraryForm</Display>
-  <Edit>DocumentLibraryForm</Edit>
-  <New>DocumentLibraryForm</New>
-</FormTemplates>
-</file>
-
-<file path=customXml/item3.xml><?xml version="1.0" encoding="utf-8"?>
 <ct:contentTypeSchema xmlns:ct="http://schemas.microsoft.com/office/2006/metadata/contentType" xmlns:ma="http://schemas.microsoft.com/office/2006/metadata/properties/metaAttributes" ct:_="" ma:_="" ma:contentTypeName="Document" ma:contentTypeID="0x010100565464437F680748A68B85EB6594EA7D" ma:contentTypeVersion="0" ma:contentTypeDescription="Create a new document." ma:contentTypeScope="" ma:versionID="fe3f4dd58d5914c51cfc6deaa8ad845c">
   <xsd:schema xmlns:xsd="http://www.w3.org/2001/XMLSchema" xmlns:p="http://schemas.microsoft.com/office/2006/metadata/properties" targetNamespace="http://schemas.microsoft.com/office/2006/metadata/properties" ma:root="true" ma:fieldsID="4aeb20c0e3442673af7ee10786458764">
     <xsd:element name="properties">
@@ -15488,6 +15473,15 @@
 </ct:contentTypeSchema>
 </file>
 
+<file path=customXml/item3.xml><?xml version="1.0" encoding="utf-8"?>
+<?mso-contentType ?>
+<FormTemplates xmlns="http://schemas.microsoft.com/sharepoint/v3/contenttype/forms">
+  <Display>DocumentLibraryForm</Display>
+  <Edit>DocumentLibraryForm</Edit>
+  <New>DocumentLibraryForm</New>
+</FormTemplates>
+</file>
+
 <file path=customXml/itemProps1.xml><?xml version="1.0" encoding="utf-8"?>
 <ds:datastoreItem xmlns:ds="http://schemas.openxmlformats.org/officeDocument/2006/customXml" ds:itemID="{A50EC660-24D0-43A0-AE5E-E274115E726B}">
   <ds:schemaRefs>
@@ -15504,14 +15498,6 @@
 </file>
 
 <file path=customXml/itemProps2.xml><?xml version="1.0" encoding="utf-8"?>
-<ds:datastoreItem xmlns:ds="http://schemas.openxmlformats.org/officeDocument/2006/customXml" ds:itemID="{19E20559-B232-4371-8690-E3D8007EDB82}">
-  <ds:schemaRefs>
-    <ds:schemaRef ds:uri="http://schemas.microsoft.com/sharepoint/v3/contenttype/forms"/>
-  </ds:schemaRefs>
-</ds:datastoreItem>
-</file>
-
-<file path=customXml/itemProps3.xml><?xml version="1.0" encoding="utf-8"?>
 <ds:datastoreItem xmlns:ds="http://schemas.openxmlformats.org/officeDocument/2006/customXml" ds:itemID="{E8DB7DEB-074E-4EE8-9B6E-FD277323109C}">
   <ds:schemaRefs>
     <ds:schemaRef ds:uri="http://schemas.microsoft.com/office/2006/metadata/contentType"/>
@@ -15524,4 +15510,12 @@
     <ds:schemaRef ds:uri="http://schemas.microsoft.com/office/internal/2005/internalDocumentation"/>
   </ds:schemaRefs>
 </ds:datastoreItem>
+</file>
+
+<file path=customXml/itemProps3.xml><?xml version="1.0" encoding="utf-8"?>
+<ds:datastoreItem xmlns:ds="http://schemas.openxmlformats.org/officeDocument/2006/customXml" ds:itemID="{19E20559-B232-4371-8690-E3D8007EDB82}">
+  <ds:schemaRefs>
+    <ds:schemaRef ds:uri="http://schemas.microsoft.com/sharepoint/v3/contenttype/forms"/>
+  </ds:schemaRefs>
+</ds:datastoreItem>
 </file>
--- a/git-workflows.pptx
+++ b/git-workflows.pptx
@@ -838,23 +838,6 @@
           <a:bodyPr/>
           <a:lstStyle/>
           <a:p>
-            <a:pPr marL="0" marR="0" lvl="0" indent="0" algn="l" defTabSz="914400" rtl="0" eaLnBrk="1" fontAlgn="auto" latinLnBrk="0" hangingPunct="1">
-              <a:lnSpc>
-                <a:spcPct val="100000"/>
-              </a:lnSpc>
-              <a:spcBef>
-                <a:spcPts val="0"/>
-              </a:spcBef>
-              <a:spcAft>
-                <a:spcPts val="0"/>
-              </a:spcAft>
-              <a:buClrTx/>
-              <a:buSzTx/>
-              <a:buFontTx/>
-              <a:buNone/>
-              <a:tabLst/>
-              <a:defRPr/>
-            </a:pPr>
             <a:endParaRPr lang="en-US" dirty="0"/>
           </a:p>
         </p:txBody>
@@ -876,7 +859,7 @@
           <a:p>
             <a:fld id="{54E672D7-8E2D-4611-973D-F4591A707C34}" type="slidenum">
               <a:rPr lang="en-US" smtClean="0"/>
-              <a:t>12</a:t>
+              <a:t>11</a:t>
             </a:fld>
             <a:endParaRPr lang="en-US"/>
           </a:p>
@@ -885,7 +868,7 @@
     </p:spTree>
     <p:extLst>
       <p:ext uri="{BB962C8B-B14F-4D97-AF65-F5344CB8AC3E}">
-        <p14:creationId xmlns:p14="http://schemas.microsoft.com/office/powerpoint/2010/main" val="36497045"/>
+        <p14:creationId xmlns:p14="http://schemas.microsoft.com/office/powerpoint/2010/main" val="3475076490"/>
       </p:ext>
     </p:extLst>
   </p:cSld>
@@ -939,6 +922,23 @@
           <a:bodyPr/>
           <a:lstStyle/>
           <a:p>
+            <a:pPr marL="0" marR="0" lvl="0" indent="0" algn="l" defTabSz="914400" rtl="0" eaLnBrk="1" fontAlgn="auto" latinLnBrk="0" hangingPunct="1">
+              <a:lnSpc>
+                <a:spcPct val="100000"/>
+              </a:lnSpc>
+              <a:spcBef>
+                <a:spcPts val="0"/>
+              </a:spcBef>
+              <a:spcAft>
+                <a:spcPts val="0"/>
+              </a:spcAft>
+              <a:buClrTx/>
+              <a:buSzTx/>
+              <a:buFontTx/>
+              <a:buNone/>
+              <a:tabLst/>
+              <a:defRPr/>
+            </a:pPr>
             <a:endParaRPr lang="en-US" dirty="0"/>
           </a:p>
         </p:txBody>
@@ -960,7 +960,7 @@
           <a:p>
             <a:fld id="{54E672D7-8E2D-4611-973D-F4591A707C34}" type="slidenum">
               <a:rPr lang="en-US" smtClean="0"/>
-              <a:t>13</a:t>
+              <a:t>12</a:t>
             </a:fld>
             <a:endParaRPr lang="en-US"/>
           </a:p>
@@ -969,7 +969,7 @@
     </p:spTree>
     <p:extLst>
       <p:ext uri="{BB962C8B-B14F-4D97-AF65-F5344CB8AC3E}">
-        <p14:creationId xmlns:p14="http://schemas.microsoft.com/office/powerpoint/2010/main" val="4077151903"/>
+        <p14:creationId xmlns:p14="http://schemas.microsoft.com/office/powerpoint/2010/main" val="36497045"/>
       </p:ext>
     </p:extLst>
   </p:cSld>
@@ -1034,7 +1034,7 @@
             <a:spLocks noGrp="1"/>
           </p:cNvSpPr>
           <p:nvPr>
-            <p:ph type="sldNum" sz="quarter" idx="5"/>
+            <p:ph type="sldNum" sz="quarter" idx="10"/>
           </p:nvPr>
         </p:nvSpPr>
         <p:spPr/>
@@ -1044,7 +1044,7 @@
           <a:p>
             <a:fld id="{54E672D7-8E2D-4611-973D-F4591A707C34}" type="slidenum">
               <a:rPr lang="en-US" smtClean="0"/>
-              <a:t>14</a:t>
+              <a:t>13</a:t>
             </a:fld>
             <a:endParaRPr lang="en-US"/>
           </a:p>
@@ -1053,7 +1053,7 @@
     </p:spTree>
     <p:extLst>
       <p:ext uri="{BB962C8B-B14F-4D97-AF65-F5344CB8AC3E}">
-        <p14:creationId xmlns:p14="http://schemas.microsoft.com/office/powerpoint/2010/main" val="684371905"/>
+        <p14:creationId xmlns:p14="http://schemas.microsoft.com/office/powerpoint/2010/main" val="4077151903"/>
       </p:ext>
     </p:extLst>
   </p:cSld>
@@ -1128,7 +1128,7 @@
           <a:p>
             <a:fld id="{54E672D7-8E2D-4611-973D-F4591A707C34}" type="slidenum">
               <a:rPr lang="en-US" smtClean="0"/>
-              <a:t>15</a:t>
+              <a:t>14</a:t>
             </a:fld>
             <a:endParaRPr lang="en-US"/>
           </a:p>
@@ -1137,7 +1137,7 @@
     </p:spTree>
     <p:extLst>
       <p:ext uri="{BB962C8B-B14F-4D97-AF65-F5344CB8AC3E}">
-        <p14:creationId xmlns:p14="http://schemas.microsoft.com/office/powerpoint/2010/main" val="2285743619"/>
+        <p14:creationId xmlns:p14="http://schemas.microsoft.com/office/powerpoint/2010/main" val="684371905"/>
       </p:ext>
     </p:extLst>
   </p:cSld>
@@ -1212,7 +1212,7 @@
           <a:p>
             <a:fld id="{54E672D7-8E2D-4611-973D-F4591A707C34}" type="slidenum">
               <a:rPr lang="en-US" smtClean="0"/>
-              <a:t>17</a:t>
+              <a:t>15</a:t>
             </a:fld>
             <a:endParaRPr lang="en-US"/>
           </a:p>
@@ -1221,7 +1221,7 @@
     </p:spTree>
     <p:extLst>
       <p:ext uri="{BB962C8B-B14F-4D97-AF65-F5344CB8AC3E}">
-        <p14:creationId xmlns:p14="http://schemas.microsoft.com/office/powerpoint/2010/main" val="1768817477"/>
+        <p14:creationId xmlns:p14="http://schemas.microsoft.com/office/powerpoint/2010/main" val="2285743619"/>
       </p:ext>
     </p:extLst>
   </p:cSld>
@@ -1286,7 +1286,7 @@
             <a:spLocks noGrp="1"/>
           </p:cNvSpPr>
           <p:nvPr>
-            <p:ph type="sldNum" sz="quarter" idx="10"/>
+            <p:ph type="sldNum" sz="quarter" idx="5"/>
           </p:nvPr>
         </p:nvSpPr>
         <p:spPr/>
@@ -1296,7 +1296,7 @@
           <a:p>
             <a:fld id="{54E672D7-8E2D-4611-973D-F4591A707C34}" type="slidenum">
               <a:rPr lang="en-US" smtClean="0"/>
-              <a:t>18</a:t>
+              <a:t>17</a:t>
             </a:fld>
             <a:endParaRPr lang="en-US"/>
           </a:p>
@@ -1305,7 +1305,7 @@
     </p:spTree>
     <p:extLst>
       <p:ext uri="{BB962C8B-B14F-4D97-AF65-F5344CB8AC3E}">
-        <p14:creationId xmlns:p14="http://schemas.microsoft.com/office/powerpoint/2010/main" val="2295497643"/>
+        <p14:creationId xmlns:p14="http://schemas.microsoft.com/office/powerpoint/2010/main" val="1768817477"/>
       </p:ext>
     </p:extLst>
   </p:cSld>
@@ -1380,7 +1380,7 @@
           <a:p>
             <a:fld id="{54E672D7-8E2D-4611-973D-F4591A707C34}" type="slidenum">
               <a:rPr lang="en-US" smtClean="0"/>
-              <a:t>19</a:t>
+              <a:t>18</a:t>
             </a:fld>
             <a:endParaRPr lang="en-US"/>
           </a:p>
@@ -1389,7 +1389,7 @@
     </p:spTree>
     <p:extLst>
       <p:ext uri="{BB962C8B-B14F-4D97-AF65-F5344CB8AC3E}">
-        <p14:creationId xmlns:p14="http://schemas.microsoft.com/office/powerpoint/2010/main" val="3622371461"/>
+        <p14:creationId xmlns:p14="http://schemas.microsoft.com/office/powerpoint/2010/main" val="2295497643"/>
       </p:ext>
     </p:extLst>
   </p:cSld>
@@ -1443,249 +1443,6 @@
           <a:bodyPr/>
           <a:lstStyle/>
           <a:p>
-            <a:r>
-              <a:rPr lang="en-US" sz="1200" b="0" i="1" kern="1200" dirty="0">
-                <a:solidFill>
-                  <a:schemeClr val="tx1"/>
-                </a:solidFill>
-                <a:effectLst/>
-                <a:latin typeface="+mn-lt"/>
-                <a:ea typeface="+mn-ea"/>
-                <a:cs typeface="+mn-cs"/>
-              </a:rPr>
-              <a:t>From the website: </a:t>
-            </a:r>
-            <a:br>
-              <a:rPr lang="en-US" sz="1200" b="0" i="1" kern="1200" dirty="0">
-                <a:solidFill>
-                  <a:schemeClr val="tx1"/>
-                </a:solidFill>
-                <a:effectLst/>
-                <a:latin typeface="+mn-lt"/>
-                <a:ea typeface="+mn-ea"/>
-                <a:cs typeface="+mn-cs"/>
-              </a:rPr>
-            </a:br>
-            <a:r>
-              <a:rPr lang="en-US" sz="1200" b="0" i="1" kern="1200" dirty="0">
-                <a:solidFill>
-                  <a:schemeClr val="tx1"/>
-                </a:solidFill>
-                <a:effectLst/>
-                <a:latin typeface="+mn-lt"/>
-                <a:ea typeface="+mn-ea"/>
-                <a:cs typeface="+mn-cs"/>
-              </a:rPr>
-              <a:t>The </a:t>
-            </a:r>
-            <a:r>
-              <a:rPr lang="en-US" sz="1200" b="0" i="1" kern="1200" dirty="0" err="1">
-                <a:solidFill>
-                  <a:schemeClr val="tx1"/>
-                </a:solidFill>
-                <a:effectLst/>
-                <a:latin typeface="+mn-lt"/>
-                <a:ea typeface="+mn-ea"/>
-                <a:cs typeface="+mn-cs"/>
-              </a:rPr>
-              <a:t>Trilinos</a:t>
-            </a:r>
-            <a:r>
-              <a:rPr lang="en-US" sz="1200" b="0" i="1" kern="1200" dirty="0">
-                <a:solidFill>
-                  <a:schemeClr val="tx1"/>
-                </a:solidFill>
-                <a:effectLst/>
-                <a:latin typeface="+mn-lt"/>
-                <a:ea typeface="+mn-ea"/>
-                <a:cs typeface="+mn-cs"/>
-              </a:rPr>
-              <a:t> Project is a community of developers, users and </a:t>
-            </a:r>
-            <a:r>
-              <a:rPr lang="en-US" sz="1200" b="0" i="1" u="none" strike="noStrike" kern="1200" dirty="0">
-                <a:solidFill>
-                  <a:schemeClr val="tx1"/>
-                </a:solidFill>
-                <a:effectLst/>
-                <a:latin typeface="+mn-lt"/>
-                <a:ea typeface="+mn-ea"/>
-                <a:cs typeface="+mn-cs"/>
-                <a:hlinkClick r:id="rId3"/>
-              </a:rPr>
-              <a:t>user-developers</a:t>
-            </a:r>
-            <a:r>
-              <a:rPr lang="en-US" sz="1200" b="0" i="1" kern="1200" dirty="0">
-                <a:solidFill>
-                  <a:schemeClr val="tx1"/>
-                </a:solidFill>
-                <a:effectLst/>
-                <a:latin typeface="+mn-lt"/>
-                <a:ea typeface="+mn-ea"/>
-                <a:cs typeface="+mn-cs"/>
-              </a:rPr>
-              <a:t> focused on collaborative creation of algorithms and enabling technologies within an object-oriented software framework for the solution of large-scale, complex multi-physics engineering and scientific problems on new and emerging high-performance computing (HPC) architectures.</a:t>
-            </a:r>
-          </a:p>
-          <a:p>
-            <a:br>
-              <a:rPr lang="en-US" dirty="0"/>
-            </a:br>
-            <a:r>
-              <a:rPr lang="en-US" sz="1200" b="0" i="1" kern="1200" dirty="0" err="1">
-                <a:solidFill>
-                  <a:schemeClr val="tx1"/>
-                </a:solidFill>
-                <a:effectLst/>
-                <a:latin typeface="+mn-lt"/>
-                <a:ea typeface="+mn-ea"/>
-                <a:cs typeface="+mn-cs"/>
-              </a:rPr>
-              <a:t>Trilinos</a:t>
-            </a:r>
-            <a:r>
-              <a:rPr lang="en-US" sz="1200" b="0" i="1" kern="1200" dirty="0">
-                <a:solidFill>
-                  <a:schemeClr val="tx1"/>
-                </a:solidFill>
-                <a:effectLst/>
-                <a:latin typeface="+mn-lt"/>
-                <a:ea typeface="+mn-ea"/>
-                <a:cs typeface="+mn-cs"/>
-              </a:rPr>
-              <a:t> is also a collection of reusable scientific software libraries, known in particular for </a:t>
-            </a:r>
-            <a:r>
-              <a:rPr lang="en-US" sz="1200" b="0" i="1" u="none" strike="noStrike" kern="1200" dirty="0">
-                <a:solidFill>
-                  <a:schemeClr val="tx1"/>
-                </a:solidFill>
-                <a:effectLst/>
-                <a:latin typeface="+mn-lt"/>
-                <a:ea typeface="+mn-ea"/>
-                <a:cs typeface="+mn-cs"/>
-                <a:hlinkClick r:id="rId3"/>
-              </a:rPr>
-              <a:t>linear solvers</a:t>
-            </a:r>
-            <a:r>
-              <a:rPr lang="en-US" sz="1200" b="0" i="1" kern="1200" dirty="0">
-                <a:solidFill>
-                  <a:schemeClr val="tx1"/>
-                </a:solidFill>
-                <a:effectLst/>
-                <a:latin typeface="+mn-lt"/>
-                <a:ea typeface="+mn-ea"/>
-                <a:cs typeface="+mn-cs"/>
-              </a:rPr>
-              <a:t>, </a:t>
-            </a:r>
-            <a:r>
-              <a:rPr lang="en-US" sz="1200" b="0" i="1" u="none" strike="noStrike" kern="1200" dirty="0">
-                <a:solidFill>
-                  <a:schemeClr val="tx1"/>
-                </a:solidFill>
-                <a:effectLst/>
-                <a:latin typeface="+mn-lt"/>
-                <a:ea typeface="+mn-ea"/>
-                <a:cs typeface="+mn-cs"/>
-                <a:hlinkClick r:id="rId3"/>
-              </a:rPr>
-              <a:t>non-linear solvers</a:t>
-            </a:r>
-            <a:r>
-              <a:rPr lang="en-US" sz="1200" b="0" i="1" kern="1200" dirty="0">
-                <a:solidFill>
-                  <a:schemeClr val="tx1"/>
-                </a:solidFill>
-                <a:effectLst/>
-                <a:latin typeface="+mn-lt"/>
-                <a:ea typeface="+mn-ea"/>
-                <a:cs typeface="+mn-cs"/>
-              </a:rPr>
-              <a:t>, </a:t>
-            </a:r>
-            <a:r>
-              <a:rPr lang="en-US" sz="1200" b="0" i="1" u="none" strike="noStrike" kern="1200" dirty="0">
-                <a:solidFill>
-                  <a:schemeClr val="tx1"/>
-                </a:solidFill>
-                <a:effectLst/>
-                <a:latin typeface="+mn-lt"/>
-                <a:ea typeface="+mn-ea"/>
-                <a:cs typeface="+mn-cs"/>
-                <a:hlinkClick r:id="rId3"/>
-              </a:rPr>
-              <a:t>transient solvers</a:t>
-            </a:r>
-            <a:r>
-              <a:rPr lang="en-US" sz="1200" b="0" i="1" kern="1200" dirty="0">
-                <a:solidFill>
-                  <a:schemeClr val="tx1"/>
-                </a:solidFill>
-                <a:effectLst/>
-                <a:latin typeface="+mn-lt"/>
-                <a:ea typeface="+mn-ea"/>
-                <a:cs typeface="+mn-cs"/>
-              </a:rPr>
-              <a:t>, </a:t>
-            </a:r>
-            <a:r>
-              <a:rPr lang="en-US" sz="1200" b="0" i="1" u="none" strike="noStrike" kern="1200" dirty="0">
-                <a:solidFill>
-                  <a:schemeClr val="tx1"/>
-                </a:solidFill>
-                <a:effectLst/>
-                <a:latin typeface="+mn-lt"/>
-                <a:ea typeface="+mn-ea"/>
-                <a:cs typeface="+mn-cs"/>
-                <a:hlinkClick r:id="rId3"/>
-              </a:rPr>
-              <a:t>optimization solvers</a:t>
-            </a:r>
-            <a:r>
-              <a:rPr lang="en-US" sz="1200" b="0" i="1" kern="1200" dirty="0">
-                <a:solidFill>
-                  <a:schemeClr val="tx1"/>
-                </a:solidFill>
-                <a:effectLst/>
-                <a:latin typeface="+mn-lt"/>
-                <a:ea typeface="+mn-ea"/>
-                <a:cs typeface="+mn-cs"/>
-              </a:rPr>
-              <a:t>, and </a:t>
-            </a:r>
-            <a:r>
-              <a:rPr lang="en-US" sz="1200" b="0" i="1" u="none" strike="noStrike" kern="1200" dirty="0">
-                <a:solidFill>
-                  <a:schemeClr val="tx1"/>
-                </a:solidFill>
-                <a:effectLst/>
-                <a:latin typeface="+mn-lt"/>
-                <a:ea typeface="+mn-ea"/>
-                <a:cs typeface="+mn-cs"/>
-                <a:hlinkClick r:id="rId3"/>
-              </a:rPr>
-              <a:t>uncertainty quantification (UQ) solvers</a:t>
-            </a:r>
-            <a:r>
-              <a:rPr lang="en-US" sz="1200" b="0" i="1" kern="1200" dirty="0">
-                <a:solidFill>
-                  <a:schemeClr val="tx1"/>
-                </a:solidFill>
-                <a:effectLst/>
-                <a:latin typeface="+mn-lt"/>
-                <a:ea typeface="+mn-ea"/>
-                <a:cs typeface="+mn-cs"/>
-              </a:rPr>
-              <a:t>.</a:t>
-            </a:r>
-          </a:p>
-          <a:p>
-            <a:br>
-              <a:rPr lang="en-US" dirty="0"/>
-            </a:br>
             <a:endParaRPr lang="en-US" dirty="0"/>
           </a:p>
         </p:txBody>
@@ -1707,7 +1464,7 @@
           <a:p>
             <a:fld id="{54E672D7-8E2D-4611-973D-F4591A707C34}" type="slidenum">
               <a:rPr lang="en-US" smtClean="0"/>
-              <a:t>21</a:t>
+              <a:t>19</a:t>
             </a:fld>
             <a:endParaRPr lang="en-US"/>
           </a:p>
@@ -1716,7 +1473,7 @@
     </p:spTree>
     <p:extLst>
       <p:ext uri="{BB962C8B-B14F-4D97-AF65-F5344CB8AC3E}">
-        <p14:creationId xmlns:p14="http://schemas.microsoft.com/office/powerpoint/2010/main" val="2902190238"/>
+        <p14:creationId xmlns:p14="http://schemas.microsoft.com/office/powerpoint/2010/main" val="3622371461"/>
       </p:ext>
     </p:extLst>
   </p:cSld>
@@ -1770,25 +1527,8 @@
           <a:bodyPr/>
           <a:lstStyle/>
           <a:p>
-            <a:pPr marL="0" marR="0" lvl="0" indent="0" algn="l" defTabSz="914400" rtl="0" eaLnBrk="1" fontAlgn="auto" latinLnBrk="0" hangingPunct="1">
-              <a:lnSpc>
-                <a:spcPct val="100000"/>
-              </a:lnSpc>
-              <a:spcBef>
-                <a:spcPts val="0"/>
-              </a:spcBef>
-              <a:spcAft>
-                <a:spcPts val="0"/>
-              </a:spcAft>
-              <a:buClrTx/>
-              <a:buSzTx/>
-              <a:buFontTx/>
-              <a:buNone/>
-              <a:tabLst/>
-              <a:defRPr/>
-            </a:pPr>
-            <a:r>
-              <a:rPr lang="en-US" sz="1200" b="1" i="0" kern="1200" dirty="0">
+            <a:r>
+              <a:rPr lang="en-US" sz="1200" b="0" i="1" kern="1200" dirty="0">
                 <a:solidFill>
                   <a:schemeClr val="tx1"/>
                 </a:solidFill>
@@ -1797,10 +1537,239 @@
                 <a:ea typeface="+mn-ea"/>
                 <a:cs typeface="+mn-cs"/>
               </a:rPr>
-              <a:t>A High Performance Message Passing Library</a:t>
-            </a:r>
-          </a:p>
-          <a:p>
+              <a:t>From the website: </a:t>
+            </a:r>
+            <a:br>
+              <a:rPr lang="en-US" sz="1200" b="0" i="1" kern="1200" dirty="0">
+                <a:solidFill>
+                  <a:schemeClr val="tx1"/>
+                </a:solidFill>
+                <a:effectLst/>
+                <a:latin typeface="+mn-lt"/>
+                <a:ea typeface="+mn-ea"/>
+                <a:cs typeface="+mn-cs"/>
+              </a:rPr>
+            </a:br>
+            <a:r>
+              <a:rPr lang="en-US" sz="1200" b="0" i="1" kern="1200" dirty="0">
+                <a:solidFill>
+                  <a:schemeClr val="tx1"/>
+                </a:solidFill>
+                <a:effectLst/>
+                <a:latin typeface="+mn-lt"/>
+                <a:ea typeface="+mn-ea"/>
+                <a:cs typeface="+mn-cs"/>
+              </a:rPr>
+              <a:t>The </a:t>
+            </a:r>
+            <a:r>
+              <a:rPr lang="en-US" sz="1200" b="0" i="1" kern="1200" dirty="0" err="1">
+                <a:solidFill>
+                  <a:schemeClr val="tx1"/>
+                </a:solidFill>
+                <a:effectLst/>
+                <a:latin typeface="+mn-lt"/>
+                <a:ea typeface="+mn-ea"/>
+                <a:cs typeface="+mn-cs"/>
+              </a:rPr>
+              <a:t>Trilinos</a:t>
+            </a:r>
+            <a:r>
+              <a:rPr lang="en-US" sz="1200" b="0" i="1" kern="1200" dirty="0">
+                <a:solidFill>
+                  <a:schemeClr val="tx1"/>
+                </a:solidFill>
+                <a:effectLst/>
+                <a:latin typeface="+mn-lt"/>
+                <a:ea typeface="+mn-ea"/>
+                <a:cs typeface="+mn-cs"/>
+              </a:rPr>
+              <a:t> Project is a community of developers, users and </a:t>
+            </a:r>
+            <a:r>
+              <a:rPr lang="en-US" sz="1200" b="0" i="1" u="none" strike="noStrike" kern="1200" dirty="0">
+                <a:solidFill>
+                  <a:schemeClr val="tx1"/>
+                </a:solidFill>
+                <a:effectLst/>
+                <a:latin typeface="+mn-lt"/>
+                <a:ea typeface="+mn-ea"/>
+                <a:cs typeface="+mn-cs"/>
+                <a:hlinkClick r:id="rId3"/>
+              </a:rPr>
+              <a:t>user-developers</a:t>
+            </a:r>
+            <a:r>
+              <a:rPr lang="en-US" sz="1200" b="0" i="1" kern="1200" dirty="0">
+                <a:solidFill>
+                  <a:schemeClr val="tx1"/>
+                </a:solidFill>
+                <a:effectLst/>
+                <a:latin typeface="+mn-lt"/>
+                <a:ea typeface="+mn-ea"/>
+                <a:cs typeface="+mn-cs"/>
+              </a:rPr>
+              <a:t> focused on collaborative creation of algorithms and enabling technologies within an object-oriented software framework for the solution of large-scale, complex multi-physics engineering and scientific problems on new and emerging high-performance computing (HPC) architectures.</a:t>
+            </a:r>
+          </a:p>
+          <a:p>
+            <a:br>
+              <a:rPr lang="en-US" dirty="0"/>
+            </a:br>
+            <a:r>
+              <a:rPr lang="en-US" sz="1200" b="0" i="1" kern="1200" dirty="0" err="1">
+                <a:solidFill>
+                  <a:schemeClr val="tx1"/>
+                </a:solidFill>
+                <a:effectLst/>
+                <a:latin typeface="+mn-lt"/>
+                <a:ea typeface="+mn-ea"/>
+                <a:cs typeface="+mn-cs"/>
+              </a:rPr>
+              <a:t>Trilinos</a:t>
+            </a:r>
+            <a:r>
+              <a:rPr lang="en-US" sz="1200" b="0" i="1" kern="1200" dirty="0">
+                <a:solidFill>
+                  <a:schemeClr val="tx1"/>
+                </a:solidFill>
+                <a:effectLst/>
+                <a:latin typeface="+mn-lt"/>
+                <a:ea typeface="+mn-ea"/>
+                <a:cs typeface="+mn-cs"/>
+              </a:rPr>
+              <a:t> is also a collection of reusable scientific software libraries, known in particular for </a:t>
+            </a:r>
+            <a:r>
+              <a:rPr lang="en-US" sz="1200" b="0" i="1" u="none" strike="noStrike" kern="1200" dirty="0">
+                <a:solidFill>
+                  <a:schemeClr val="tx1"/>
+                </a:solidFill>
+                <a:effectLst/>
+                <a:latin typeface="+mn-lt"/>
+                <a:ea typeface="+mn-ea"/>
+                <a:cs typeface="+mn-cs"/>
+                <a:hlinkClick r:id="rId3"/>
+              </a:rPr>
+              <a:t>linear solvers</a:t>
+            </a:r>
+            <a:r>
+              <a:rPr lang="en-US" sz="1200" b="0" i="1" kern="1200" dirty="0">
+                <a:solidFill>
+                  <a:schemeClr val="tx1"/>
+                </a:solidFill>
+                <a:effectLst/>
+                <a:latin typeface="+mn-lt"/>
+                <a:ea typeface="+mn-ea"/>
+                <a:cs typeface="+mn-cs"/>
+              </a:rPr>
+              <a:t>, </a:t>
+            </a:r>
+            <a:r>
+              <a:rPr lang="en-US" sz="1200" b="0" i="1" u="none" strike="noStrike" kern="1200" dirty="0">
+                <a:solidFill>
+                  <a:schemeClr val="tx1"/>
+                </a:solidFill>
+                <a:effectLst/>
+                <a:latin typeface="+mn-lt"/>
+                <a:ea typeface="+mn-ea"/>
+                <a:cs typeface="+mn-cs"/>
+                <a:hlinkClick r:id="rId3"/>
+              </a:rPr>
+              <a:t>non-linear solvers</a:t>
+            </a:r>
+            <a:r>
+              <a:rPr lang="en-US" sz="1200" b="0" i="1" kern="1200" dirty="0">
+                <a:solidFill>
+                  <a:schemeClr val="tx1"/>
+                </a:solidFill>
+                <a:effectLst/>
+                <a:latin typeface="+mn-lt"/>
+                <a:ea typeface="+mn-ea"/>
+                <a:cs typeface="+mn-cs"/>
+              </a:rPr>
+              <a:t>, </a:t>
+            </a:r>
+            <a:r>
+              <a:rPr lang="en-US" sz="1200" b="0" i="1" u="none" strike="noStrike" kern="1200" dirty="0">
+                <a:solidFill>
+                  <a:schemeClr val="tx1"/>
+                </a:solidFill>
+                <a:effectLst/>
+                <a:latin typeface="+mn-lt"/>
+                <a:ea typeface="+mn-ea"/>
+                <a:cs typeface="+mn-cs"/>
+                <a:hlinkClick r:id="rId3"/>
+              </a:rPr>
+              <a:t>transient solvers</a:t>
+            </a:r>
+            <a:r>
+              <a:rPr lang="en-US" sz="1200" b="0" i="1" kern="1200" dirty="0">
+                <a:solidFill>
+                  <a:schemeClr val="tx1"/>
+                </a:solidFill>
+                <a:effectLst/>
+                <a:latin typeface="+mn-lt"/>
+                <a:ea typeface="+mn-ea"/>
+                <a:cs typeface="+mn-cs"/>
+              </a:rPr>
+              <a:t>, </a:t>
+            </a:r>
+            <a:r>
+              <a:rPr lang="en-US" sz="1200" b="0" i="1" u="none" strike="noStrike" kern="1200" dirty="0">
+                <a:solidFill>
+                  <a:schemeClr val="tx1"/>
+                </a:solidFill>
+                <a:effectLst/>
+                <a:latin typeface="+mn-lt"/>
+                <a:ea typeface="+mn-ea"/>
+                <a:cs typeface="+mn-cs"/>
+                <a:hlinkClick r:id="rId3"/>
+              </a:rPr>
+              <a:t>optimization solvers</a:t>
+            </a:r>
+            <a:r>
+              <a:rPr lang="en-US" sz="1200" b="0" i="1" kern="1200" dirty="0">
+                <a:solidFill>
+                  <a:schemeClr val="tx1"/>
+                </a:solidFill>
+                <a:effectLst/>
+                <a:latin typeface="+mn-lt"/>
+                <a:ea typeface="+mn-ea"/>
+                <a:cs typeface="+mn-cs"/>
+              </a:rPr>
+              <a:t>, and </a:t>
+            </a:r>
+            <a:r>
+              <a:rPr lang="en-US" sz="1200" b="0" i="1" u="none" strike="noStrike" kern="1200" dirty="0">
+                <a:solidFill>
+                  <a:schemeClr val="tx1"/>
+                </a:solidFill>
+                <a:effectLst/>
+                <a:latin typeface="+mn-lt"/>
+                <a:ea typeface="+mn-ea"/>
+                <a:cs typeface="+mn-cs"/>
+                <a:hlinkClick r:id="rId3"/>
+              </a:rPr>
+              <a:t>uncertainty quantification (UQ) solvers</a:t>
+            </a:r>
+            <a:r>
+              <a:rPr lang="en-US" sz="1200" b="0" i="1" kern="1200" dirty="0">
+                <a:solidFill>
+                  <a:schemeClr val="tx1"/>
+                </a:solidFill>
+                <a:effectLst/>
+                <a:latin typeface="+mn-lt"/>
+                <a:ea typeface="+mn-ea"/>
+                <a:cs typeface="+mn-cs"/>
+              </a:rPr>
+              <a:t>.</a:t>
+            </a:r>
+          </a:p>
+          <a:p>
+            <a:br>
+              <a:rPr lang="en-US" dirty="0"/>
+            </a:br>
             <a:endParaRPr lang="en-US" dirty="0"/>
           </a:p>
         </p:txBody>
@@ -1822,7 +1791,7 @@
           <a:p>
             <a:fld id="{54E672D7-8E2D-4611-973D-F4591A707C34}" type="slidenum">
               <a:rPr lang="en-US" smtClean="0"/>
-              <a:t>22</a:t>
+              <a:t>21</a:t>
             </a:fld>
             <a:endParaRPr lang="en-US"/>
           </a:p>
@@ -1831,7 +1800,7 @@
     </p:spTree>
     <p:extLst>
       <p:ext uri="{BB962C8B-B14F-4D97-AF65-F5344CB8AC3E}">
-        <p14:creationId xmlns:p14="http://schemas.microsoft.com/office/powerpoint/2010/main" val="2825016049"/>
+        <p14:creationId xmlns:p14="http://schemas.microsoft.com/office/powerpoint/2010/main" val="2902190238"/>
       </p:ext>
     </p:extLst>
   </p:cSld>
@@ -1885,8 +1854,25 @@
           <a:bodyPr/>
           <a:lstStyle/>
           <a:p>
-            <a:r>
-              <a:rPr lang="en-US" sz="1200" b="0" i="0" kern="1200" dirty="0" err="1">
+            <a:pPr marL="0" marR="0" lvl="0" indent="0" algn="l" defTabSz="914400" rtl="0" eaLnBrk="1" fontAlgn="auto" latinLnBrk="0" hangingPunct="1">
+              <a:lnSpc>
+                <a:spcPct val="100000"/>
+              </a:lnSpc>
+              <a:spcBef>
+                <a:spcPts val="0"/>
+              </a:spcBef>
+              <a:spcAft>
+                <a:spcPts val="0"/>
+              </a:spcAft>
+              <a:buClrTx/>
+              <a:buSzTx/>
+              <a:buFontTx/>
+              <a:buNone/>
+              <a:tabLst/>
+              <a:defRPr/>
+            </a:pPr>
+            <a:r>
+              <a:rPr lang="en-US" sz="1200" b="1" i="0" kern="1200" dirty="0">
                 <a:solidFill>
                   <a:schemeClr val="tx1"/>
                 </a:solidFill>
@@ -1895,34 +1881,10 @@
                 <a:ea typeface="+mn-ea"/>
                 <a:cs typeface="+mn-cs"/>
               </a:rPr>
-              <a:t>FleCSI</a:t>
-            </a:r>
-            <a:r>
-              <a:rPr lang="en-US" sz="1200" b="0" i="0" kern="1200" dirty="0">
-                <a:solidFill>
-                  <a:schemeClr val="tx1"/>
-                </a:solidFill>
-                <a:effectLst/>
-                <a:latin typeface="+mn-lt"/>
-                <a:ea typeface="+mn-ea"/>
-                <a:cs typeface="+mn-cs"/>
-              </a:rPr>
-              <a:t> is a compile-time configurable framework designed to support multi-physics application development for current and emerging HPC systems.</a:t>
-            </a:r>
-          </a:p>
-          <a:p>
-            <a:r>
-              <a:rPr lang="en-US" sz="1200" b="0" i="0" kern="1200" dirty="0">
-                <a:solidFill>
-                  <a:schemeClr val="tx1"/>
-                </a:solidFill>
-                <a:effectLst/>
-                <a:latin typeface="+mn-lt"/>
-                <a:ea typeface="+mn-ea"/>
-                <a:cs typeface="+mn-cs"/>
-              </a:rPr>
-              <a:t>In the diagram there is a 1.x branch only for new releases,  an initial 1.0 release branch with tag 1.0.0 as the initial release and tags 1.0.1, 1.0.2 for bug fixes, when 1.1 feature is release again an initial tag 1.1.0, then bug fix release tags 1.1.1 &amp; 1.1.2 etc. Once a major version goes into maintenance mode and a new major feature branch begins; in this case 2.x and like branches and tags are created for 2.x </a:t>
-            </a:r>
+              <a:t>A High Performance Message Passing Library</a:t>
+            </a:r>
+          </a:p>
+          <a:p>
             <a:endParaRPr lang="en-US" dirty="0"/>
           </a:p>
         </p:txBody>
@@ -1944,7 +1906,7 @@
           <a:p>
             <a:fld id="{54E672D7-8E2D-4611-973D-F4591A707C34}" type="slidenum">
               <a:rPr lang="en-US" smtClean="0"/>
-              <a:t>23</a:t>
+              <a:t>22</a:t>
             </a:fld>
             <a:endParaRPr lang="en-US"/>
           </a:p>
@@ -1953,7 +1915,7 @@
     </p:spTree>
     <p:extLst>
       <p:ext uri="{BB962C8B-B14F-4D97-AF65-F5344CB8AC3E}">
-        <p14:creationId xmlns:p14="http://schemas.microsoft.com/office/powerpoint/2010/main" val="3016390096"/>
+        <p14:creationId xmlns:p14="http://schemas.microsoft.com/office/powerpoint/2010/main" val="2825016049"/>
       </p:ext>
     </p:extLst>
   </p:cSld>
@@ -2091,6 +2053,128 @@
           <a:bodyPr/>
           <a:lstStyle/>
           <a:p>
+            <a:r>
+              <a:rPr lang="en-US" sz="1200" b="0" i="0" kern="1200" dirty="0" err="1">
+                <a:solidFill>
+                  <a:schemeClr val="tx1"/>
+                </a:solidFill>
+                <a:effectLst/>
+                <a:latin typeface="+mn-lt"/>
+                <a:ea typeface="+mn-ea"/>
+                <a:cs typeface="+mn-cs"/>
+              </a:rPr>
+              <a:t>FleCSI</a:t>
+            </a:r>
+            <a:r>
+              <a:rPr lang="en-US" sz="1200" b="0" i="0" kern="1200" dirty="0">
+                <a:solidFill>
+                  <a:schemeClr val="tx1"/>
+                </a:solidFill>
+                <a:effectLst/>
+                <a:latin typeface="+mn-lt"/>
+                <a:ea typeface="+mn-ea"/>
+                <a:cs typeface="+mn-cs"/>
+              </a:rPr>
+              <a:t> is a compile-time configurable framework designed to support multi-physics application development for current and emerging HPC systems.</a:t>
+            </a:r>
+          </a:p>
+          <a:p>
+            <a:r>
+              <a:rPr lang="en-US" sz="1200" b="0" i="0" kern="1200" dirty="0">
+                <a:solidFill>
+                  <a:schemeClr val="tx1"/>
+                </a:solidFill>
+                <a:effectLst/>
+                <a:latin typeface="+mn-lt"/>
+                <a:ea typeface="+mn-ea"/>
+                <a:cs typeface="+mn-cs"/>
+              </a:rPr>
+              <a:t>In the diagram there is a 1.x branch only for new releases,  an initial 1.0 release branch with tag 1.0.0 as the initial release and tags 1.0.1, 1.0.2 for bug fixes, when 1.1 feature is release again an initial tag 1.1.0, then bug fix release tags 1.1.1 &amp; 1.1.2 etc. Once a major version goes into maintenance mode and a new major feature branch begins; in this case 2.x and like branches and tags are created for 2.x </a:t>
+            </a:r>
+            <a:endParaRPr lang="en-US" dirty="0"/>
+          </a:p>
+        </p:txBody>
+      </p:sp>
+      <p:sp>
+        <p:nvSpPr>
+          <p:cNvPr id="4" name="Slide Number Placeholder 3"/>
+          <p:cNvSpPr>
+            <a:spLocks noGrp="1"/>
+          </p:cNvSpPr>
+          <p:nvPr>
+            <p:ph type="sldNum" sz="quarter" idx="10"/>
+          </p:nvPr>
+        </p:nvSpPr>
+        <p:spPr/>
+        <p:txBody>
+          <a:bodyPr/>
+          <a:lstStyle/>
+          <a:p>
+            <a:fld id="{54E672D7-8E2D-4611-973D-F4591A707C34}" type="slidenum">
+              <a:rPr lang="en-US" smtClean="0"/>
+              <a:t>23</a:t>
+            </a:fld>
+            <a:endParaRPr lang="en-US"/>
+          </a:p>
+        </p:txBody>
+      </p:sp>
+    </p:spTree>
+    <p:extLst>
+      <p:ext uri="{BB962C8B-B14F-4D97-AF65-F5344CB8AC3E}">
+        <p14:creationId xmlns:p14="http://schemas.microsoft.com/office/powerpoint/2010/main" val="3016390096"/>
+      </p:ext>
+    </p:extLst>
+  </p:cSld>
+  <p:clrMapOvr>
+    <a:masterClrMapping/>
+  </p:clrMapOvr>
+</p:notes>
+</file>
+
+<file path=ppt/notesSlides/notesSlide21.xml><?xml version="1.0" encoding="utf-8"?>
+<p:notes xmlns:a="http://schemas.openxmlformats.org/drawingml/2006/main" xmlns:r="http://schemas.openxmlformats.org/officeDocument/2006/relationships" xmlns:p="http://schemas.openxmlformats.org/presentationml/2006/main">
+  <p:cSld>
+    <p:spTree>
+      <p:nvGrpSpPr>
+        <p:cNvPr id="1" name=""/>
+        <p:cNvGrpSpPr/>
+        <p:nvPr/>
+      </p:nvGrpSpPr>
+      <p:grpSpPr>
+        <a:xfrm>
+          <a:off x="0" y="0"/>
+          <a:ext cx="0" cy="0"/>
+          <a:chOff x="0" y="0"/>
+          <a:chExt cx="0" cy="0"/>
+        </a:xfrm>
+      </p:grpSpPr>
+      <p:sp>
+        <p:nvSpPr>
+          <p:cNvPr id="2" name="Slide Image Placeholder 1"/>
+          <p:cNvSpPr>
+            <a:spLocks noGrp="1" noRot="1" noChangeAspect="1"/>
+          </p:cNvSpPr>
+          <p:nvPr>
+            <p:ph type="sldImg"/>
+          </p:nvPr>
+        </p:nvSpPr>
+        <p:spPr/>
+      </p:sp>
+      <p:sp>
+        <p:nvSpPr>
+          <p:cNvPr id="3" name="Notes Placeholder 2"/>
+          <p:cNvSpPr>
+            <a:spLocks noGrp="1"/>
+          </p:cNvSpPr>
+          <p:nvPr>
+            <p:ph type="body" idx="1"/>
+          </p:nvPr>
+        </p:nvSpPr>
+        <p:spPr/>
+        <p:txBody>
+          <a:bodyPr/>
+          <a:lstStyle/>
+          <a:p>
             <a:endParaRPr lang="en-US" dirty="0"/>
           </a:p>
         </p:txBody>
@@ -2175,7 +2259,35 @@
           <a:bodyPr/>
           <a:lstStyle/>
           <a:p>
+            <a:pPr marL="0" marR="0" lvl="0" indent="0" algn="l" defTabSz="914400" rtl="0" eaLnBrk="1" fontAlgn="auto" latinLnBrk="0" hangingPunct="1">
+              <a:lnSpc>
+                <a:spcPct val="100000"/>
+              </a:lnSpc>
+              <a:spcBef>
+                <a:spcPts val="0"/>
+              </a:spcBef>
+              <a:spcAft>
+                <a:spcPts val="0"/>
+              </a:spcAft>
+              <a:buClrTx/>
+              <a:buSzTx/>
+              <a:buFontTx/>
+              <a:buNone/>
+              <a:tabLst/>
+              <a:defRPr/>
+            </a:pPr>
+            <a:r>
+              <a:rPr lang="en-US" b="1" dirty="0"/>
+              <a:t>Note: Although you may go to the references from this talk that still use master we have replaced the term </a:t>
+            </a:r>
+            <a:r>
+              <a:rPr lang="en-US" b="1"/>
+              <a:t>with main.</a:t>
+            </a:r>
             <a:endParaRPr lang="en-US" b="1" dirty="0"/>
+          </a:p>
+          <a:p>
+            <a:endParaRPr lang="en-US" dirty="0"/>
           </a:p>
         </p:txBody>
       </p:sp>
@@ -2196,7 +2308,7 @@
           <a:p>
             <a:fld id="{54E672D7-8E2D-4611-973D-F4591A707C34}" type="slidenum">
               <a:rPr lang="en-US" smtClean="0"/>
-              <a:t>5</a:t>
+              <a:t>4</a:t>
             </a:fld>
             <a:endParaRPr lang="en-US"/>
           </a:p>
@@ -2205,7 +2317,7 @@
     </p:spTree>
     <p:extLst>
       <p:ext uri="{BB962C8B-B14F-4D97-AF65-F5344CB8AC3E}">
-        <p14:creationId xmlns:p14="http://schemas.microsoft.com/office/powerpoint/2010/main" val="3413212601"/>
+        <p14:creationId xmlns:p14="http://schemas.microsoft.com/office/powerpoint/2010/main" val="1340946256"/>
       </p:ext>
     </p:extLst>
   </p:cSld>
@@ -2259,7 +2371,7 @@
           <a:bodyPr/>
           <a:lstStyle/>
           <a:p>
-            <a:endParaRPr lang="en-US" dirty="0"/>
+            <a:endParaRPr lang="en-US" b="1" dirty="0"/>
           </a:p>
         </p:txBody>
       </p:sp>
@@ -2270,7 +2382,7 @@
             <a:spLocks noGrp="1"/>
           </p:cNvSpPr>
           <p:nvPr>
-            <p:ph type="sldNum" sz="quarter" idx="10"/>
+            <p:ph type="sldNum" sz="quarter" idx="5"/>
           </p:nvPr>
         </p:nvSpPr>
         <p:spPr/>
@@ -2280,7 +2392,7 @@
           <a:p>
             <a:fld id="{54E672D7-8E2D-4611-973D-F4591A707C34}" type="slidenum">
               <a:rPr lang="en-US" smtClean="0"/>
-              <a:t>6</a:t>
+              <a:t>5</a:t>
             </a:fld>
             <a:endParaRPr lang="en-US"/>
           </a:p>
@@ -2289,7 +2401,7 @@
     </p:spTree>
     <p:extLst>
       <p:ext uri="{BB962C8B-B14F-4D97-AF65-F5344CB8AC3E}">
-        <p14:creationId xmlns:p14="http://schemas.microsoft.com/office/powerpoint/2010/main" val="1996617285"/>
+        <p14:creationId xmlns:p14="http://schemas.microsoft.com/office/powerpoint/2010/main" val="3413212601"/>
       </p:ext>
     </p:extLst>
   </p:cSld>
@@ -2354,7 +2466,7 @@
             <a:spLocks noGrp="1"/>
           </p:cNvSpPr>
           <p:nvPr>
-            <p:ph type="sldNum" sz="quarter" idx="5"/>
+            <p:ph type="sldNum" sz="quarter" idx="10"/>
           </p:nvPr>
         </p:nvSpPr>
         <p:spPr/>
@@ -2364,7 +2476,7 @@
           <a:p>
             <a:fld id="{54E672D7-8E2D-4611-973D-F4591A707C34}" type="slidenum">
               <a:rPr lang="en-US" smtClean="0"/>
-              <a:t>7</a:t>
+              <a:t>6</a:t>
             </a:fld>
             <a:endParaRPr lang="en-US"/>
           </a:p>
@@ -2373,7 +2485,7 @@
     </p:spTree>
     <p:extLst>
       <p:ext uri="{BB962C8B-B14F-4D97-AF65-F5344CB8AC3E}">
-        <p14:creationId xmlns:p14="http://schemas.microsoft.com/office/powerpoint/2010/main" val="813827686"/>
+        <p14:creationId xmlns:p14="http://schemas.microsoft.com/office/powerpoint/2010/main" val="1996617285"/>
       </p:ext>
     </p:extLst>
   </p:cSld>
@@ -2427,7 +2539,7 @@
           <a:bodyPr/>
           <a:lstStyle/>
           <a:p>
-            <a:endParaRPr lang="en-US" b="1" dirty="0"/>
+            <a:endParaRPr lang="en-US" dirty="0"/>
           </a:p>
         </p:txBody>
       </p:sp>
@@ -2438,7 +2550,7 @@
             <a:spLocks noGrp="1"/>
           </p:cNvSpPr>
           <p:nvPr>
-            <p:ph type="sldNum" sz="quarter" idx="10"/>
+            <p:ph type="sldNum" sz="quarter" idx="5"/>
           </p:nvPr>
         </p:nvSpPr>
         <p:spPr/>
@@ -2448,7 +2560,7 @@
           <a:p>
             <a:fld id="{54E672D7-8E2D-4611-973D-F4591A707C34}" type="slidenum">
               <a:rPr lang="en-US" smtClean="0"/>
-              <a:t>8</a:t>
+              <a:t>7</a:t>
             </a:fld>
             <a:endParaRPr lang="en-US"/>
           </a:p>
@@ -2457,7 +2569,7 @@
     </p:spTree>
     <p:extLst>
       <p:ext uri="{BB962C8B-B14F-4D97-AF65-F5344CB8AC3E}">
-        <p14:creationId xmlns:p14="http://schemas.microsoft.com/office/powerpoint/2010/main" val="468792164"/>
+        <p14:creationId xmlns:p14="http://schemas.microsoft.com/office/powerpoint/2010/main" val="813827686"/>
       </p:ext>
     </p:extLst>
   </p:cSld>
@@ -2511,7 +2623,7 @@
           <a:bodyPr/>
           <a:lstStyle/>
           <a:p>
-            <a:endParaRPr lang="en-US" dirty="0"/>
+            <a:endParaRPr lang="en-US" b="1" dirty="0"/>
           </a:p>
         </p:txBody>
       </p:sp>
@@ -2532,7 +2644,7 @@
           <a:p>
             <a:fld id="{54E672D7-8E2D-4611-973D-F4591A707C34}" type="slidenum">
               <a:rPr lang="en-US" smtClean="0"/>
-              <a:t>9</a:t>
+              <a:t>8</a:t>
             </a:fld>
             <a:endParaRPr lang="en-US"/>
           </a:p>
@@ -2541,7 +2653,7 @@
     </p:spTree>
     <p:extLst>
       <p:ext uri="{BB962C8B-B14F-4D97-AF65-F5344CB8AC3E}">
-        <p14:creationId xmlns:p14="http://schemas.microsoft.com/office/powerpoint/2010/main" val="4199176634"/>
+        <p14:creationId xmlns:p14="http://schemas.microsoft.com/office/powerpoint/2010/main" val="468792164"/>
       </p:ext>
     </p:extLst>
   </p:cSld>
@@ -2595,23 +2707,6 @@
           <a:bodyPr/>
           <a:lstStyle/>
           <a:p>
-            <a:pPr marL="0" marR="0" lvl="0" indent="0" algn="l" defTabSz="914400" rtl="0" eaLnBrk="1" fontAlgn="auto" latinLnBrk="0" hangingPunct="1">
-              <a:lnSpc>
-                <a:spcPct val="100000"/>
-              </a:lnSpc>
-              <a:spcBef>
-                <a:spcPts val="0"/>
-              </a:spcBef>
-              <a:spcAft>
-                <a:spcPts val="0"/>
-              </a:spcAft>
-              <a:buClrTx/>
-              <a:buSzTx/>
-              <a:buFontTx/>
-              <a:buNone/>
-              <a:tabLst/>
-              <a:defRPr/>
-            </a:pPr>
             <a:endParaRPr lang="en-US" dirty="0"/>
           </a:p>
         </p:txBody>
@@ -2633,7 +2728,7 @@
           <a:p>
             <a:fld id="{54E672D7-8E2D-4611-973D-F4591A707C34}" type="slidenum">
               <a:rPr lang="en-US" smtClean="0"/>
-              <a:t>10</a:t>
+              <a:t>9</a:t>
             </a:fld>
             <a:endParaRPr lang="en-US"/>
           </a:p>
@@ -2642,7 +2737,7 @@
     </p:spTree>
     <p:extLst>
       <p:ext uri="{BB962C8B-B14F-4D97-AF65-F5344CB8AC3E}">
-        <p14:creationId xmlns:p14="http://schemas.microsoft.com/office/powerpoint/2010/main" val="3744654501"/>
+        <p14:creationId xmlns:p14="http://schemas.microsoft.com/office/powerpoint/2010/main" val="4199176634"/>
       </p:ext>
     </p:extLst>
   </p:cSld>
@@ -2696,6 +2791,23 @@
           <a:bodyPr/>
           <a:lstStyle/>
           <a:p>
+            <a:pPr marL="0" marR="0" lvl="0" indent="0" algn="l" defTabSz="914400" rtl="0" eaLnBrk="1" fontAlgn="auto" latinLnBrk="0" hangingPunct="1">
+              <a:lnSpc>
+                <a:spcPct val="100000"/>
+              </a:lnSpc>
+              <a:spcBef>
+                <a:spcPts val="0"/>
+              </a:spcBef>
+              <a:spcAft>
+                <a:spcPts val="0"/>
+              </a:spcAft>
+              <a:buClrTx/>
+              <a:buSzTx/>
+              <a:buFontTx/>
+              <a:buNone/>
+              <a:tabLst/>
+              <a:defRPr/>
+            </a:pPr>
             <a:endParaRPr lang="en-US" dirty="0"/>
           </a:p>
         </p:txBody>
@@ -2717,7 +2829,7 @@
           <a:p>
             <a:fld id="{54E672D7-8E2D-4611-973D-F4591A707C34}" type="slidenum">
               <a:rPr lang="en-US" smtClean="0"/>
-              <a:t>11</a:t>
+              <a:t>10</a:t>
             </a:fld>
             <a:endParaRPr lang="en-US"/>
           </a:p>
@@ -2726,7 +2838,7 @@
     </p:spTree>
     <p:extLst>
       <p:ext uri="{BB962C8B-B14F-4D97-AF65-F5344CB8AC3E}">
-        <p14:creationId xmlns:p14="http://schemas.microsoft.com/office/powerpoint/2010/main" val="3475076490"/>
+        <p14:creationId xmlns:p14="http://schemas.microsoft.com/office/powerpoint/2010/main" val="3744654501"/>
       </p:ext>
     </p:extLst>
   </p:cSld>
@@ -7547,7 +7659,7 @@
             <a:pPr lvl="1"/>
             <a:r>
               <a:rPr lang="en-US" dirty="0"/>
-              <a:t>Alerts others about changes in branch before merge</a:t>
+              <a:t>Alerts team and others about changes in branch before merge</a:t>
             </a:r>
           </a:p>
           <a:p>
@@ -7665,7 +7777,15 @@
             <a:pPr lvl="1"/>
             <a:r>
               <a:rPr lang="en-US" dirty="0"/>
-              <a:t>Forking requires read access to the main (often referred to as “upstream”) repository</a:t>
+              <a:t>Forking requires read access to the </a:t>
+            </a:r>
+            <a:r>
+              <a:rPr lang="en-US" i="1" dirty="0"/>
+              <a:t>upstream</a:t>
+            </a:r>
+            <a:r>
+              <a:rPr lang="en-US" dirty="0"/>
+              <a:t> repository</a:t>
             </a:r>
           </a:p>
           <a:p>
@@ -7679,7 +7799,7 @@
             <a:pPr lvl="2"/>
             <a:r>
               <a:rPr lang="en-US" dirty="0"/>
-              <a:t>Other users can be granted write access to your fork</a:t>
+              <a:t>External collaborators can be granted write access to your fork</a:t>
             </a:r>
           </a:p>
           <a:p>
@@ -8339,7 +8459,7 @@
             </a:pPr>
             <a:r>
               <a:rPr lang="en-US" dirty="0"/>
-              <a:t>Main Ideas</a:t>
+              <a:t>Key Ideas</a:t>
             </a:r>
           </a:p>
           <a:p>
@@ -8526,13 +8646,13 @@
             </a:pPr>
             <a:r>
               <a:rPr lang="en-US" dirty="0"/>
-              <a:t>Main Ideas</a:t>
+              <a:t>Key Ideas</a:t>
             </a:r>
           </a:p>
           <a:p>
             <a:r>
               <a:rPr lang="en-US" sz="2000" dirty="0"/>
-              <a:t>Main branch is staging area</a:t>
+              <a:t>main branch is staging area</a:t>
             </a:r>
           </a:p>
           <a:p>
@@ -10535,7 +10655,7 @@
             </a:pPr>
             <a:r>
               <a:rPr lang="en-US" sz="2000" dirty="0"/>
-              <a:t>Master and supported branches work at all times</a:t>
+              <a:t>Main and supported branches work at all times</a:t>
             </a:r>
           </a:p>
           <a:p>
@@ -13006,14 +13126,22 @@
           <a:p>
             <a:r>
               <a:rPr lang="en-US" dirty="0"/>
-              <a:t>Historically git repository platforms used the term main as the default branch for the main branch. </a:t>
+              <a:t>Historically git used master as the </a:t>
+            </a:r>
+            <a:r>
+              <a:rPr lang="en-US" i="1" dirty="0"/>
+              <a:t>default</a:t>
+            </a:r>
+            <a:r>
+              <a:rPr lang="en-US" dirty="0"/>
+              <a:t> branch name for a new repository. </a:t>
             </a:r>
           </a:p>
           <a:p>
             <a:pPr lvl="1"/>
             <a:r>
               <a:rPr lang="en-US" dirty="0"/>
-              <a:t>The master-slave relationship in technology was used to refer to a system where one – the main - controls other copies, or processes.</a:t>
+              <a:t>master as a single, isolated term has a close affiliation with the problematic language of master/slave and so has recently undergone replacement.</a:t>
             </a:r>
           </a:p>
           <a:p>
@@ -13027,39 +13155,34 @@
             </a:r>
             <a:r>
               <a:rPr lang="en-US" dirty="0"/>
-              <a:t> and Gitlab have changed the default for the main branch to main</a:t>
+              <a:t> and Gitlab have changed their default branch name to main</a:t>
             </a:r>
           </a:p>
           <a:p>
             <a:pPr lvl="1"/>
             <a:r>
               <a:rPr lang="en-US" dirty="0"/>
-              <a:t>All new repositories will have this default</a:t>
+              <a:t>New repositories begin with this default.</a:t>
             </a:r>
           </a:p>
           <a:p>
             <a:pPr lvl="1"/>
             <a:r>
               <a:rPr lang="en-US" dirty="0"/>
-              <a:t>Many workflows had already set their default branch to other neutral names such as </a:t>
-            </a:r>
-            <a:r>
-              <a:rPr lang="en-US" dirty="0" err="1"/>
-              <a:t>devel</a:t>
-            </a:r>
-            <a:endParaRPr lang="en-US" dirty="0"/>
+              <a:t>Many existing projects renamed their default branch to something like main or develop</a:t>
+            </a:r>
           </a:p>
           <a:p>
             <a:pPr lvl="1"/>
             <a:r>
               <a:rPr lang="en-US" dirty="0"/>
-              <a:t>For some older projects the branch may still be the older default, but we anticipate they will adopt a more neutral practice</a:t>
-            </a:r>
-          </a:p>
-          <a:p>
-            <a:r>
-              <a:rPr lang="en-US" dirty="0"/>
-              <a:t>For this presentation we use main even for those that have not yet adopted</a:t>
+              <a:t>Older projects may still use master, but we anticipate they will change the naming over time.</a:t>
+            </a:r>
+          </a:p>
+          <a:p>
+            <a:r>
+              <a:rPr lang="en-US" dirty="0"/>
+              <a:t>For this presentation we use main as the default branch</a:t>
             </a:r>
           </a:p>
         </p:txBody>
@@ -13903,7 +14026,7 @@
             <a:pPr lvl="1"/>
             <a:r>
               <a:rPr lang="en-US" dirty="0"/>
-              <a:t>Enables outside contributors that have read access only</a:t>
+              <a:t>Enables contributions from external collaborators that have read access only</a:t>
             </a:r>
           </a:p>
           <a:p>
@@ -15419,9 +15542,12 @@
 </file>
 
 <file path=customXml/item1.xml><?xml version="1.0" encoding="utf-8"?>
-<p:properties xmlns:p="http://schemas.microsoft.com/office/2006/metadata/properties" xmlns:xsi="http://www.w3.org/2001/XMLSchema-instance" xmlns:pc="http://schemas.microsoft.com/office/infopath/2007/PartnerControls">
-  <documentManagement/>
-</p:properties>
+<?mso-contentType ?>
+<FormTemplates xmlns="http://schemas.microsoft.com/sharepoint/v3/contenttype/forms">
+  <Display>DocumentLibraryForm</Display>
+  <Edit>DocumentLibraryForm</Edit>
+  <New>DocumentLibraryForm</New>
+</FormTemplates>
 </file>
 
 <file path=customXml/item2.xml><?xml version="1.0" encoding="utf-8"?>
@@ -15474,25 +15600,15 @@
 </file>
 
 <file path=customXml/item3.xml><?xml version="1.0" encoding="utf-8"?>
-<?mso-contentType ?>
-<FormTemplates xmlns="http://schemas.microsoft.com/sharepoint/v3/contenttype/forms">
-  <Display>DocumentLibraryForm</Display>
-  <Edit>DocumentLibraryForm</Edit>
-  <New>DocumentLibraryForm</New>
-</FormTemplates>
+<p:properties xmlns:p="http://schemas.microsoft.com/office/2006/metadata/properties" xmlns:xsi="http://www.w3.org/2001/XMLSchema-instance" xmlns:pc="http://schemas.microsoft.com/office/infopath/2007/PartnerControls">
+  <documentManagement/>
+</p:properties>
 </file>
 
 <file path=customXml/itemProps1.xml><?xml version="1.0" encoding="utf-8"?>
-<ds:datastoreItem xmlns:ds="http://schemas.openxmlformats.org/officeDocument/2006/customXml" ds:itemID="{A50EC660-24D0-43A0-AE5E-E274115E726B}">
+<ds:datastoreItem xmlns:ds="http://schemas.openxmlformats.org/officeDocument/2006/customXml" ds:itemID="{19E20559-B232-4371-8690-E3D8007EDB82}">
   <ds:schemaRefs>
-    <ds:schemaRef ds:uri="http://purl.org/dc/elements/1.1/"/>
-    <ds:schemaRef ds:uri="http://schemas.microsoft.com/office/2006/metadata/properties"/>
-    <ds:schemaRef ds:uri="http://purl.org/dc/terms/"/>
-    <ds:schemaRef ds:uri="http://schemas.openxmlformats.org/package/2006/metadata/core-properties"/>
-    <ds:schemaRef ds:uri="http://schemas.microsoft.com/office/2006/documentManagement/types"/>
-    <ds:schemaRef ds:uri="http://www.w3.org/XML/1998/namespace"/>
-    <ds:schemaRef ds:uri="http://purl.org/dc/dcmitype/"/>
-    <ds:schemaRef ds:uri="http://schemas.microsoft.com/office/infopath/2007/PartnerControls"/>
+    <ds:schemaRef ds:uri="http://schemas.microsoft.com/sharepoint/v3/contenttype/forms"/>
   </ds:schemaRefs>
 </ds:datastoreItem>
 </file>
@@ -15513,9 +15629,16 @@
 </file>
 
 <file path=customXml/itemProps3.xml><?xml version="1.0" encoding="utf-8"?>
-<ds:datastoreItem xmlns:ds="http://schemas.openxmlformats.org/officeDocument/2006/customXml" ds:itemID="{19E20559-B232-4371-8690-E3D8007EDB82}">
+<ds:datastoreItem xmlns:ds="http://schemas.openxmlformats.org/officeDocument/2006/customXml" ds:itemID="{A50EC660-24D0-43A0-AE5E-E274115E726B}">
   <ds:schemaRefs>
-    <ds:schemaRef ds:uri="http://schemas.microsoft.com/sharepoint/v3/contenttype/forms"/>
+    <ds:schemaRef ds:uri="http://purl.org/dc/elements/1.1/"/>
+    <ds:schemaRef ds:uri="http://schemas.microsoft.com/office/2006/metadata/properties"/>
+    <ds:schemaRef ds:uri="http://purl.org/dc/terms/"/>
+    <ds:schemaRef ds:uri="http://schemas.openxmlformats.org/package/2006/metadata/core-properties"/>
+    <ds:schemaRef ds:uri="http://schemas.microsoft.com/office/2006/documentManagement/types"/>
+    <ds:schemaRef ds:uri="http://www.w3.org/XML/1998/namespace"/>
+    <ds:schemaRef ds:uri="http://purl.org/dc/dcmitype/"/>
+    <ds:schemaRef ds:uri="http://schemas.microsoft.com/office/infopath/2007/PartnerControls"/>
   </ds:schemaRefs>
 </ds:datastoreItem>
 </file>
--- a/git-workflows.pptx
+++ b/git-workflows.pptx
@@ -5,10 +5,10 @@
     <p:sldMasterId id="2147483935" r:id="rId4"/>
   </p:sldMasterIdLst>
   <p:notesMasterIdLst>
-    <p:notesMasterId r:id="rId29"/>
+    <p:notesMasterId r:id="rId31"/>
   </p:notesMasterIdLst>
   <p:handoutMasterIdLst>
-    <p:handoutMasterId r:id="rId30"/>
+    <p:handoutMasterId r:id="rId32"/>
   </p:handoutMasterIdLst>
   <p:sldIdLst>
     <p:sldId id="523" r:id="rId5"/>
@@ -26,15 +26,17 @@
     <p:sldId id="321" r:id="rId17"/>
     <p:sldId id="545" r:id="rId18"/>
     <p:sldId id="531" r:id="rId19"/>
-    <p:sldId id="548" r:id="rId20"/>
-    <p:sldId id="325" r:id="rId21"/>
-    <p:sldId id="326" r:id="rId22"/>
-    <p:sldId id="332" r:id="rId23"/>
-    <p:sldId id="550" r:id="rId24"/>
-    <p:sldId id="323" r:id="rId25"/>
-    <p:sldId id="551" r:id="rId26"/>
-    <p:sldId id="553" r:id="rId27"/>
-    <p:sldId id="333" r:id="rId28"/>
+    <p:sldId id="556" r:id="rId20"/>
+    <p:sldId id="557" r:id="rId21"/>
+    <p:sldId id="548" r:id="rId22"/>
+    <p:sldId id="325" r:id="rId23"/>
+    <p:sldId id="326" r:id="rId24"/>
+    <p:sldId id="332" r:id="rId25"/>
+    <p:sldId id="550" r:id="rId26"/>
+    <p:sldId id="323" r:id="rId27"/>
+    <p:sldId id="551" r:id="rId28"/>
+    <p:sldId id="553" r:id="rId29"/>
+    <p:sldId id="333" r:id="rId30"/>
   </p:sldIdLst>
   <p:sldSz cx="12188825" cy="6858000"/>
   <p:notesSz cx="7010400" cy="9296400"/>
@@ -278,7 +280,7 @@
           <a:p>
             <a:fld id="{0B842F42-2CE9-4E35-95C1-410DC08A50B1}" type="datetimeFigureOut">
               <a:rPr lang="en-US" smtClean="0"/>
-              <a:t>9/17/21</a:t>
+              <a:t>9/20/21</a:t>
             </a:fld>
             <a:endParaRPr lang="en-US"/>
           </a:p>
@@ -443,7 +445,7 @@
           <a:p>
             <a:fld id="{6F282904-F315-4730-8D91-37D99E141A6F}" type="datetimeFigureOut">
               <a:rPr lang="en-US" smtClean="0"/>
-              <a:t>9/17/21</a:t>
+              <a:t>9/20/21</a:t>
             </a:fld>
             <a:endParaRPr lang="en-US"/>
           </a:p>
@@ -1296,7 +1298,7 @@
           <a:p>
             <a:fld id="{54E672D7-8E2D-4611-973D-F4591A707C34}" type="slidenum">
               <a:rPr lang="en-US" smtClean="0"/>
-              <a:t>17</a:t>
+              <a:t>19</a:t>
             </a:fld>
             <a:endParaRPr lang="en-US"/>
           </a:p>
@@ -1380,7 +1382,7 @@
           <a:p>
             <a:fld id="{54E672D7-8E2D-4611-973D-F4591A707C34}" type="slidenum">
               <a:rPr lang="en-US" smtClean="0"/>
-              <a:t>18</a:t>
+              <a:t>20</a:t>
             </a:fld>
             <a:endParaRPr lang="en-US"/>
           </a:p>
@@ -1464,7 +1466,7 @@
           <a:p>
             <a:fld id="{54E672D7-8E2D-4611-973D-F4591A707C34}" type="slidenum">
               <a:rPr lang="en-US" smtClean="0"/>
-              <a:t>19</a:t>
+              <a:t>21</a:t>
             </a:fld>
             <a:endParaRPr lang="en-US"/>
           </a:p>
@@ -1791,7 +1793,7 @@
           <a:p>
             <a:fld id="{54E672D7-8E2D-4611-973D-F4591A707C34}" type="slidenum">
               <a:rPr lang="en-US" smtClean="0"/>
-              <a:t>21</a:t>
+              <a:t>23</a:t>
             </a:fld>
             <a:endParaRPr lang="en-US"/>
           </a:p>
@@ -1906,7 +1908,7 @@
           <a:p>
             <a:fld id="{54E672D7-8E2D-4611-973D-F4591A707C34}" type="slidenum">
               <a:rPr lang="en-US" smtClean="0"/>
-              <a:t>22</a:t>
+              <a:t>24</a:t>
             </a:fld>
             <a:endParaRPr lang="en-US"/>
           </a:p>
@@ -2112,7 +2114,7 @@
           <a:p>
             <a:fld id="{54E672D7-8E2D-4611-973D-F4591A707C34}" type="slidenum">
               <a:rPr lang="en-US" smtClean="0"/>
-              <a:t>23</a:t>
+              <a:t>25</a:t>
             </a:fld>
             <a:endParaRPr lang="en-US"/>
           </a:p>
@@ -2196,7 +2198,7 @@
           <a:p>
             <a:fld id="{54E672D7-8E2D-4611-973D-F4591A707C34}" type="slidenum">
               <a:rPr lang="en-US" smtClean="0"/>
-              <a:t>24</a:t>
+              <a:t>26</a:t>
             </a:fld>
             <a:endParaRPr lang="en-US"/>
           </a:p>
@@ -7874,7 +7876,7 @@
           <p:cNvPr id="2" name="Title 1">
             <a:extLst>
               <a:ext uri="{FF2B5EF4-FFF2-40B4-BE49-F238E27FC236}">
-                <a16:creationId xmlns:a16="http://schemas.microsoft.com/office/drawing/2014/main" id="{F07038E7-EEB4-9043-9EA1-7BA9EA5F3241}"/>
+                <a16:creationId xmlns:a16="http://schemas.microsoft.com/office/drawing/2014/main" id="{1D42A50A-4072-6A46-BFD0-09B711A73760}"/>
               </a:ext>
             </a:extLst>
           </p:cNvPr>
@@ -7887,8 +7889,8 @@
         </p:nvSpPr>
         <p:spPr>
           <a:xfrm>
-            <a:off x="365760" y="411480"/>
-            <a:ext cx="11372473" cy="679383"/>
+            <a:off x="406843" y="190500"/>
+            <a:ext cx="11372473" cy="914400"/>
           </a:xfrm>
         </p:spPr>
         <p:txBody>
@@ -7897,21 +7899,8 @@
           <a:p>
             <a:r>
               <a:rPr lang="en-US" dirty="0"/>
-              <a:t>Git Workflow Models of Different complexity</a:t>
-            </a:r>
-            <a:br>
-              <a:rPr lang="en-US" dirty="0"/>
-            </a:br>
-            <a:br>
-              <a:rPr lang="en-US" dirty="0"/>
-            </a:br>
-            <a:br>
-              <a:rPr lang="en-US" dirty="0"/>
-            </a:br>
-            <a:br>
-              <a:rPr lang="en-US" dirty="0"/>
-            </a:br>
-            <a:endParaRPr lang="en-US" dirty="0"/>
+              <a:t>Code Review – What peer code review can provide</a:t>
+            </a:r>
           </a:p>
         </p:txBody>
       </p:sp>
@@ -7920,7 +7909,7 @@
           <p:cNvPr id="3" name="Content Placeholder 2">
             <a:extLst>
               <a:ext uri="{FF2B5EF4-FFF2-40B4-BE49-F238E27FC236}">
-                <a16:creationId xmlns:a16="http://schemas.microsoft.com/office/drawing/2014/main" id="{BC4025A8-D322-7F4C-BD72-C65AC6A3E843}"/>
+                <a16:creationId xmlns:a16="http://schemas.microsoft.com/office/drawing/2014/main" id="{99FBF6DE-C30C-2C49-B5E7-CC621541936F}"/>
               </a:ext>
             </a:extLst>
           </p:cNvPr>
@@ -7933,56 +7922,194 @@
         </p:nvSpPr>
         <p:spPr>
           <a:xfrm>
-            <a:off x="363096" y="1203559"/>
-            <a:ext cx="11369809" cy="2517808"/>
+            <a:off x="409507" y="742950"/>
+            <a:ext cx="11369809" cy="4794250"/>
           </a:xfrm>
         </p:spPr>
         <p:txBody>
           <a:bodyPr/>
           <a:lstStyle/>
           <a:p>
+            <a:r>
+              <a:rPr lang="en-US" dirty="0"/>
+              <a:t>Allows discussion of proposed changes</a:t>
+            </a:r>
+          </a:p>
+          <a:p>
+            <a:pPr lvl="1"/>
+            <a:r>
+              <a:rPr lang="en-US" dirty="0"/>
+              <a:t>Iterations for better code</a:t>
+            </a:r>
+          </a:p>
+          <a:p>
+            <a:pPr lvl="1"/>
+            <a:r>
+              <a:rPr lang="en-US" dirty="0"/>
+              <a:t>Discussions and reviewing allow more understanding of the code </a:t>
+            </a:r>
+          </a:p>
+          <a:p>
+            <a:r>
+              <a:rPr lang="en-US" dirty="0"/>
+              <a:t>Ensures requested change/feature met</a:t>
+            </a:r>
+          </a:p>
+          <a:p>
+            <a:r>
+              <a:rPr lang="en-US" dirty="0"/>
+              <a:t>Evaluates impact of the change</a:t>
+            </a:r>
+          </a:p>
+          <a:p>
+            <a:pPr lvl="1"/>
+            <a:r>
+              <a:rPr lang="en-US" dirty="0"/>
+              <a:t>Breakages</a:t>
+            </a:r>
+          </a:p>
+          <a:p>
+            <a:pPr lvl="1"/>
+            <a:r>
+              <a:rPr lang="en-US" dirty="0"/>
+              <a:t>Interactions with other parts of code</a:t>
+            </a:r>
+          </a:p>
+          <a:p>
+            <a:r>
+              <a:rPr lang="en-US" dirty="0"/>
+              <a:t>Ensures coding guidelines are met</a:t>
+            </a:r>
+          </a:p>
+          <a:p>
+            <a:r>
+              <a:rPr lang="en-US" dirty="0"/>
+              <a:t>Improves practices by learning</a:t>
+            </a:r>
+          </a:p>
+          <a:p>
+            <a:pPr lvl="1"/>
+            <a:r>
+              <a:rPr lang="en-US" dirty="0"/>
+              <a:t>About other parts of the code</a:t>
+            </a:r>
+          </a:p>
+          <a:p>
+            <a:pPr lvl="1"/>
+            <a:r>
+              <a:rPr lang="en-US" dirty="0"/>
+              <a:t>Helpful coding techniques by other’s</a:t>
+            </a:r>
+          </a:p>
+          <a:p>
             <a:pPr marL="0" indent="0">
               <a:buNone/>
             </a:pPr>
-            <a:r>
-              <a:rPr lang="en-US" b="1" dirty="0"/>
-              <a:t>Commonly Known Workflows</a:t>
-            </a:r>
-          </a:p>
-          <a:p>
-            <a:r>
-              <a:rPr lang="en-US" dirty="0"/>
-              <a:t>Git Flow</a:t>
-            </a:r>
-          </a:p>
-          <a:p>
-            <a:r>
-              <a:rPr lang="en-US" dirty="0" err="1"/>
-              <a:t>Github</a:t>
-            </a:r>
-            <a:r>
-              <a:rPr lang="en-US" dirty="0"/>
-              <a:t> Flow</a:t>
-            </a:r>
-          </a:p>
-          <a:p>
-            <a:r>
-              <a:rPr lang="en-US" dirty="0"/>
-              <a:t>Gitlab Flow</a:t>
-            </a:r>
-          </a:p>
+            <a:endParaRPr lang="en-US" dirty="0"/>
+          </a:p>
+        </p:txBody>
+      </p:sp>
+      <p:sp>
+        <p:nvSpPr>
+          <p:cNvPr id="4" name="TextBox 3">
+            <a:extLst>
+              <a:ext uri="{FF2B5EF4-FFF2-40B4-BE49-F238E27FC236}">
+                <a16:creationId xmlns:a16="http://schemas.microsoft.com/office/drawing/2014/main" id="{3221CF11-B650-9D4F-B9A0-430ED74F62F2}"/>
+              </a:ext>
+            </a:extLst>
+          </p:cNvPr>
+          <p:cNvSpPr txBox="1"/>
+          <p:nvPr/>
+        </p:nvSpPr>
+        <p:spPr>
+          <a:xfrm>
+            <a:off x="5618979" y="4216400"/>
+            <a:ext cx="6468246" cy="1015663"/>
+          </a:xfrm>
+          <a:prstGeom prst="rect">
+            <a:avLst/>
+          </a:prstGeom>
+          <a:noFill/>
+        </p:spPr>
+        <p:txBody>
+          <a:bodyPr wrap="none" lIns="118872" tIns="91440" rIns="118872" bIns="91440" rtlCol="0" anchor="ctr" anchorCtr="0">
+            <a:spAutoFit/>
+          </a:bodyPr>
+          <a:lstStyle/>
           <a:p>
             <a:pPr marL="0" indent="0">
               <a:buNone/>
             </a:pPr>
+            <a:r>
+              <a:rPr lang="en-US" dirty="0"/>
+              <a:t>Blog: </a:t>
+            </a:r>
+            <a:r>
+              <a:rPr lang="en-US" dirty="0">
+                <a:hlinkClick r:id="rId2" tooltip="How to code review in a Pull Request"/>
+              </a:rPr>
+              <a:t>How to code review in a Pull Request</a:t>
+            </a:r>
             <a:endParaRPr lang="en-US" dirty="0"/>
+          </a:p>
+          <a:p>
+            <a:pPr marL="0" indent="0">
+              <a:buNone/>
+            </a:pPr>
+            <a:r>
+              <a:rPr lang="en-US" dirty="0"/>
+              <a:t>Author: </a:t>
+            </a:r>
+            <a:r>
+              <a:rPr lang="en-US" b="1" dirty="0">
+                <a:hlinkClick r:id="rId3"/>
+              </a:rPr>
+              <a:t>Hugo Sousa</a:t>
+            </a:r>
+            <a:r>
+              <a:rPr lang="en-US" b="1" dirty="0"/>
+              <a:t> </a:t>
+            </a:r>
+            <a:r>
+              <a:rPr lang="en-US" dirty="0"/>
+              <a:t>- March 17, 2021</a:t>
+            </a:r>
+          </a:p>
+          <a:p>
+            <a:pPr marL="0" indent="0">
+              <a:buNone/>
+            </a:pPr>
+            <a:r>
+              <a:rPr lang="en-US" dirty="0">
+                <a:solidFill>
+                  <a:srgbClr val="AA2F36"/>
+                </a:solidFill>
+              </a:rPr>
+              <a:t>https://</a:t>
+            </a:r>
+            <a:r>
+              <a:rPr lang="en-US" dirty="0" err="1">
+                <a:solidFill>
+                  <a:srgbClr val="AA2F36"/>
+                </a:solidFill>
+              </a:rPr>
+              <a:t>blog.codacy.com</a:t>
+            </a:r>
+            <a:r>
+              <a:rPr lang="en-US" dirty="0">
+                <a:solidFill>
+                  <a:srgbClr val="AA2F36"/>
+                </a:solidFill>
+              </a:rPr>
+              <a:t>/how-to-code-review-in-a-pull-request</a:t>
+            </a:r>
           </a:p>
         </p:txBody>
       </p:sp>
     </p:spTree>
     <p:extLst>
       <p:ext uri="{BB962C8B-B14F-4D97-AF65-F5344CB8AC3E}">
-        <p14:creationId xmlns:p14="http://schemas.microsoft.com/office/powerpoint/2010/main" val="4060798534"/>
+        <p14:creationId xmlns:p14="http://schemas.microsoft.com/office/powerpoint/2010/main" val="3267493295"/>
       </p:ext>
     </p:extLst>
   </p:cSld>
@@ -8014,7 +8141,7 @@
           <p:cNvPr id="2" name="Title 1">
             <a:extLst>
               <a:ext uri="{FF2B5EF4-FFF2-40B4-BE49-F238E27FC236}">
-                <a16:creationId xmlns:a16="http://schemas.microsoft.com/office/drawing/2014/main" id="{5780C519-1EB3-8846-B9E7-B3E551D14DB0}"/>
+                <a16:creationId xmlns:a16="http://schemas.microsoft.com/office/drawing/2014/main" id="{1D42A50A-4072-6A46-BFD0-09B711A73760}"/>
               </a:ext>
             </a:extLst>
           </p:cNvPr>
@@ -8025,29 +8152,24 @@
             <p:ph type="title"/>
           </p:nvPr>
         </p:nvSpPr>
-        <p:spPr>
-          <a:xfrm>
-            <a:off x="408175" y="174034"/>
-            <a:ext cx="11372473" cy="914400"/>
-          </a:xfrm>
-        </p:spPr>
+        <p:spPr/>
         <p:txBody>
           <a:bodyPr/>
           <a:lstStyle/>
           <a:p>
             <a:r>
               <a:rPr lang="en-US" dirty="0"/>
-              <a:t>Git Flow</a:t>
-            </a:r>
-          </a:p>
-        </p:txBody>
-      </p:sp>
-      <p:sp>
-        <p:nvSpPr>
-          <p:cNvPr id="12" name="Content Placeholder 2">
+              <a:t>Code Review  - Improvement and Practices</a:t>
+            </a:r>
+          </a:p>
+        </p:txBody>
+      </p:sp>
+      <p:sp>
+        <p:nvSpPr>
+          <p:cNvPr id="3" name="Content Placeholder 2">
             <a:extLst>
               <a:ext uri="{FF2B5EF4-FFF2-40B4-BE49-F238E27FC236}">
-                <a16:creationId xmlns:a16="http://schemas.microsoft.com/office/drawing/2014/main" id="{F7E13A38-2353-E14A-841B-4D9CC88C8EA3}"/>
+                <a16:creationId xmlns:a16="http://schemas.microsoft.com/office/drawing/2014/main" id="{99FBF6DE-C30C-2C49-B5E7-CC621541936F}"/>
               </a:ext>
             </a:extLst>
           </p:cNvPr>
@@ -8060,281 +8182,153 @@
         </p:nvSpPr>
         <p:spPr>
           <a:xfrm>
-            <a:off x="5411977" y="516171"/>
-            <a:ext cx="6500623" cy="4047778"/>
+            <a:off x="365760" y="1325880"/>
+            <a:ext cx="11369809" cy="4935220"/>
           </a:xfrm>
         </p:spPr>
         <p:txBody>
           <a:bodyPr/>
           <a:lstStyle/>
           <a:p>
-            <a:pPr marL="285750" indent="-285750">
-              <a:buFont typeface="Arial" panose="020B0604020202020204" pitchFamily="34" charset="0"/>
-              <a:buChar char="•"/>
-            </a:pPr>
-            <a:r>
-              <a:rPr lang="en-US" dirty="0"/>
-              <a:t>Full-featured workflow</a:t>
-            </a:r>
-          </a:p>
-          <a:p>
-            <a:pPr marL="285750" indent="-285750">
-              <a:buFont typeface="Arial" panose="020B0604020202020204" pitchFamily="34" charset="0"/>
-              <a:buChar char="•"/>
-            </a:pPr>
-            <a:r>
-              <a:rPr lang="en-US" dirty="0"/>
-              <a:t>Increased complexity</a:t>
-            </a:r>
-          </a:p>
-          <a:p>
-            <a:pPr marL="285750" indent="-285750">
-              <a:buFont typeface="Arial" panose="020B0604020202020204" pitchFamily="34" charset="0"/>
-              <a:buChar char="•"/>
-            </a:pPr>
-            <a:r>
-              <a:rPr lang="en-US" dirty="0"/>
-              <a:t>Designed for SW with official releases</a:t>
-            </a:r>
-          </a:p>
-          <a:p>
-            <a:pPr marL="285750" indent="-285750">
-              <a:buFont typeface="Arial" panose="020B0604020202020204" pitchFamily="34" charset="0"/>
-              <a:buChar char="•"/>
-            </a:pPr>
-            <a:r>
-              <a:rPr lang="en-US" dirty="0"/>
-              <a:t>Feature branches based off of develop</a:t>
-            </a:r>
-          </a:p>
-          <a:p>
-            <a:pPr marL="285750" indent="-285750">
-              <a:buFont typeface="Arial" panose="020B0604020202020204" pitchFamily="34" charset="0"/>
-              <a:buChar char="•"/>
-            </a:pPr>
-            <a:r>
-              <a:rPr lang="en-US" dirty="0">
-                <a:hlinkClick r:id="rId3"/>
+            <a:r>
+              <a:rPr lang="en-US" dirty="0"/>
+              <a:t>Helpful Practices for Scientific Research Software</a:t>
+            </a:r>
+          </a:p>
+          <a:p>
+            <a:pPr lvl="1"/>
+            <a:r>
+              <a:rPr lang="en-US" dirty="0"/>
+              <a:t>Make code review process formal with structured guideline</a:t>
+            </a:r>
+          </a:p>
+          <a:p>
+            <a:pPr lvl="1"/>
+            <a:r>
+              <a:rPr lang="en-US" dirty="0"/>
+              <a:t>Allocate sufficient time in the development process to perform code review</a:t>
+            </a:r>
+          </a:p>
+          <a:p>
+            <a:pPr lvl="1"/>
+            <a:r>
+              <a:rPr lang="en-US" dirty="0"/>
+              <a:t>Try to ensure at least one science review and one technical review</a:t>
+            </a:r>
+          </a:p>
+          <a:p>
+            <a:pPr lvl="1"/>
+            <a:r>
+              <a:rPr lang="en-US" dirty="0"/>
+              <a:t>Timely reviews - provide quick feedback to incoming review requests</a:t>
+            </a:r>
+          </a:p>
+          <a:p>
+            <a:pPr lvl="1"/>
+            <a:r>
+              <a:rPr lang="en-US" dirty="0"/>
+              <a:t>Train reviewers on how to phrase good feedback</a:t>
+            </a:r>
+          </a:p>
+          <a:p>
+            <a:pPr lvl="1"/>
+            <a:r>
+              <a:rPr lang="en-US" dirty="0"/>
+              <a:t>Train developers to accept comments to improve their code</a:t>
+            </a:r>
+          </a:p>
+          <a:p>
+            <a:pPr lvl="1"/>
+            <a:r>
+              <a:rPr lang="en-US" dirty="0"/>
+              <a:t>Include automatic code review tool and train reviewers in best use practice of the tool</a:t>
+            </a:r>
+          </a:p>
+          <a:p>
+            <a:pPr lvl="1"/>
+            <a:endParaRPr lang="en-US" dirty="0"/>
+          </a:p>
+          <a:p>
+            <a:pPr marL="0" indent="0">
+              <a:buNone/>
+            </a:pPr>
+            <a:r>
+              <a:rPr lang="en-US" sz="2000" b="1" dirty="0"/>
+              <a:t>Testing and Code Review Practices in Research Software Development </a:t>
+            </a:r>
+            <a:r>
+              <a:rPr lang="en-US" sz="2000" dirty="0"/>
+              <a:t>(2020-09-09)</a:t>
+            </a:r>
+          </a:p>
+          <a:p>
+            <a:pPr marL="0" indent="0">
+              <a:buNone/>
+            </a:pPr>
+            <a:r>
+              <a:rPr lang="en-US" sz="2000" b="1" dirty="0"/>
+              <a:t>Presenter:</a:t>
+            </a:r>
+            <a:r>
+              <a:rPr lang="en-US" sz="2000" dirty="0"/>
+              <a:t> Nasir </a:t>
+            </a:r>
+            <a:r>
+              <a:rPr lang="en-US" sz="2000" dirty="0" err="1"/>
+              <a:t>Eisty</a:t>
+            </a:r>
+            <a:endParaRPr lang="en-US" sz="2000" dirty="0"/>
+          </a:p>
+          <a:p>
+            <a:pPr marL="346075" lvl="1" indent="0">
+              <a:buNone/>
+            </a:pPr>
+            <a:r>
+              <a:rPr lang="en-US" u="sng" dirty="0">
+                <a:solidFill>
+                  <a:srgbClr val="D13940"/>
+                </a:solidFill>
+                <a:uFill>
+                  <a:solidFill>
+                    <a:srgbClr val="D13940"/>
+                  </a:solidFill>
+                </a:uFill>
+                <a:hlinkClick r:id="rId2"/>
               </a:rPr>
-              <a:t>Git extensions</a:t>
-            </a:r>
-            <a:r>
-              <a:rPr lang="en-US" dirty="0"/>
-              <a:t> to enforce policy</a:t>
-            </a:r>
-          </a:p>
-          <a:p>
-            <a:pPr marL="285750" indent="-285750">
-              <a:buFont typeface="Arial" panose="020B0604020202020204" pitchFamily="34" charset="0"/>
-              <a:buChar char="•"/>
-            </a:pPr>
-            <a:r>
-              <a:rPr lang="en-US" dirty="0"/>
-              <a:t>How are develop and main synchronized?</a:t>
-            </a:r>
-          </a:p>
-          <a:p>
-            <a:pPr marL="285750" indent="-285750">
-              <a:buFont typeface="Arial" panose="020B0604020202020204" pitchFamily="34" charset="0"/>
-              <a:buChar char="•"/>
-            </a:pPr>
-            <a:r>
-              <a:rPr lang="en-US" dirty="0"/>
-              <a:t>Where do merge conflicts occur and how are they resolved?</a:t>
-            </a:r>
-          </a:p>
-        </p:txBody>
-      </p:sp>
-      <p:sp>
-        <p:nvSpPr>
-          <p:cNvPr id="7" name="TextBox 6">
-            <a:extLst>
-              <a:ext uri="{FF2B5EF4-FFF2-40B4-BE49-F238E27FC236}">
-                <a16:creationId xmlns:a16="http://schemas.microsoft.com/office/drawing/2014/main" id="{9EA3B929-9425-9A46-9997-AAEB3D2077BD}"/>
-              </a:ext>
-            </a:extLst>
-          </p:cNvPr>
-          <p:cNvSpPr txBox="1"/>
-          <p:nvPr/>
-        </p:nvSpPr>
-        <p:spPr>
-          <a:xfrm>
-            <a:off x="4891407" y="4758347"/>
-            <a:ext cx="7297418" cy="849463"/>
-          </a:xfrm>
-          <a:prstGeom prst="rect">
-            <a:avLst/>
-          </a:prstGeom>
-          <a:noFill/>
-        </p:spPr>
-        <p:txBody>
-          <a:bodyPr wrap="square" lIns="118872" tIns="91440" rIns="118872" bIns="91440" rtlCol="0" anchor="ctr" anchorCtr="0">
-            <a:spAutoFit/>
-          </a:bodyPr>
-          <a:lstStyle/>
-          <a:p>
-            <a:pPr algn="l">
-              <a:lnSpc>
-                <a:spcPct val="90000"/>
-              </a:lnSpc>
-            </a:pPr>
-            <a:r>
-              <a:rPr lang="en-US" sz="1600" b="1" dirty="0"/>
-              <a:t>Author: </a:t>
-            </a:r>
-            <a:r>
-              <a:rPr lang="en-US" sz="1600" dirty="0"/>
-              <a:t>Vincent Driessen</a:t>
-            </a:r>
-          </a:p>
-          <a:p>
-            <a:pPr>
-              <a:lnSpc>
-                <a:spcPct val="90000"/>
-              </a:lnSpc>
-            </a:pPr>
-            <a:r>
-              <a:rPr lang="en-US" sz="1600" b="1" dirty="0"/>
-              <a:t>Original Blog: </a:t>
-            </a:r>
-            <a:r>
-              <a:rPr lang="en-US" sz="1600" b="1" dirty="0">
-                <a:hlinkClick r:id="rId4"/>
-              </a:rPr>
-              <a:t>https://nvie.com/posts/a-successful-git-branching-model/</a:t>
-            </a:r>
-            <a:endParaRPr lang="en-US" sz="1600" b="1" dirty="0"/>
-          </a:p>
-          <a:p>
-            <a:pPr>
-              <a:lnSpc>
-                <a:spcPct val="90000"/>
-              </a:lnSpc>
-            </a:pPr>
-            <a:r>
-              <a:rPr lang="en-US" sz="1600" b="1" dirty="0"/>
-              <a:t>License: </a:t>
-            </a:r>
-            <a:r>
-              <a:rPr lang="en-US" sz="1600" dirty="0"/>
-              <a:t>Creative Commons </a:t>
-            </a:r>
-            <a:endParaRPr lang="en-US" sz="1600" b="1" dirty="0"/>
-          </a:p>
-        </p:txBody>
-      </p:sp>
-      <p:pic>
-        <p:nvPicPr>
-          <p:cNvPr id="8" name="Picture 7">
-            <a:extLst>
-              <a:ext uri="{FF2B5EF4-FFF2-40B4-BE49-F238E27FC236}">
-                <a16:creationId xmlns:a16="http://schemas.microsoft.com/office/drawing/2014/main" id="{AE3E601E-116A-0D4A-B3F6-EB5C127C6164}"/>
-              </a:ext>
-            </a:extLst>
-          </p:cNvPr>
-          <p:cNvPicPr>
-            <a:picLocks noChangeAspect="1"/>
-          </p:cNvPicPr>
-          <p:nvPr/>
-        </p:nvPicPr>
-        <p:blipFill>
-          <a:blip r:embed="rId5"/>
-          <a:stretch>
-            <a:fillRect/>
-          </a:stretch>
-        </p:blipFill>
-        <p:spPr>
-          <a:xfrm>
-            <a:off x="7705346" y="5408603"/>
-            <a:ext cx="1356767" cy="323577"/>
-          </a:xfrm>
-          <a:prstGeom prst="rect">
-            <a:avLst/>
-          </a:prstGeom>
-        </p:spPr>
-      </p:pic>
-      <p:pic>
-        <p:nvPicPr>
-          <p:cNvPr id="4" name="Picture 3">
-            <a:extLst>
-              <a:ext uri="{FF2B5EF4-FFF2-40B4-BE49-F238E27FC236}">
-                <a16:creationId xmlns:a16="http://schemas.microsoft.com/office/drawing/2014/main" id="{33B98FB3-53C2-B047-8060-0D102CF59E21}"/>
-              </a:ext>
-            </a:extLst>
-          </p:cNvPr>
-          <p:cNvPicPr>
-            <a:picLocks noChangeAspect="1"/>
-          </p:cNvPicPr>
-          <p:nvPr/>
-        </p:nvPicPr>
-        <p:blipFill>
-          <a:blip r:embed="rId6" cstate="print">
-            <a:extLst>
-              <a:ext uri="{28A0092B-C50C-407E-A947-70E740481C1C}">
-                <a14:useLocalDpi xmlns:a14="http://schemas.microsoft.com/office/drawing/2010/main" val="0"/>
-              </a:ext>
-            </a:extLst>
-          </a:blip>
-          <a:stretch>
-            <a:fillRect/>
-          </a:stretch>
-        </p:blipFill>
-        <p:spPr>
-          <a:xfrm>
-            <a:off x="408175" y="665457"/>
-            <a:ext cx="4506732" cy="6008976"/>
-          </a:xfrm>
-          <a:prstGeom prst="rect">
-            <a:avLst/>
-          </a:prstGeom>
-        </p:spPr>
-      </p:pic>
-      <p:sp>
-        <p:nvSpPr>
-          <p:cNvPr id="9" name="TextBox 8">
-            <a:extLst>
-              <a:ext uri="{FF2B5EF4-FFF2-40B4-BE49-F238E27FC236}">
-                <a16:creationId xmlns:a16="http://schemas.microsoft.com/office/drawing/2014/main" id="{2802D390-BEBC-A647-AFDC-5E606EA03997}"/>
-              </a:ext>
-            </a:extLst>
-          </p:cNvPr>
-          <p:cNvSpPr txBox="1"/>
-          <p:nvPr/>
-        </p:nvSpPr>
-        <p:spPr>
-          <a:xfrm>
-            <a:off x="3828641" y="730444"/>
-            <a:ext cx="822960" cy="295466"/>
-          </a:xfrm>
-          <a:prstGeom prst="rect">
-            <a:avLst/>
-          </a:prstGeom>
-          <a:solidFill>
-            <a:schemeClr val="bg1"/>
-          </a:solidFill>
-        </p:spPr>
-        <p:txBody>
-          <a:bodyPr wrap="square" lIns="118872" tIns="91440" rIns="118872" bIns="91440" rtlCol="0" anchor="ctr" anchorCtr="0">
-            <a:spAutoFit/>
-          </a:bodyPr>
-          <a:lstStyle/>
-          <a:p>
-            <a:pPr algn="l">
-              <a:lnSpc>
-                <a:spcPct val="90000"/>
-              </a:lnSpc>
-            </a:pPr>
-            <a:r>
-              <a:rPr lang="en-US" sz="800" b="1" dirty="0"/>
-              <a:t>  main  </a:t>
-            </a:r>
+              <a:t>https://ideas-productivity.org/events/hpc-best-practices-webinars/#webinar044</a:t>
+            </a:r>
+            <a:endParaRPr lang="en-US" u="sng" dirty="0">
+              <a:solidFill>
+                <a:srgbClr val="D13940"/>
+              </a:solidFill>
+              <a:uFill>
+                <a:solidFill>
+                  <a:srgbClr val="D13940"/>
+                </a:solidFill>
+              </a:uFill>
+            </a:endParaRPr>
+          </a:p>
+          <a:p>
+            <a:pPr marL="346075" lvl="1" indent="0">
+              <a:buNone/>
+            </a:pPr>
+            <a:endParaRPr lang="en-US" sz="1800" u="sng" dirty="0">
+              <a:solidFill>
+                <a:srgbClr val="D13940"/>
+              </a:solidFill>
+              <a:uFill>
+                <a:solidFill>
+                  <a:srgbClr val="D13940"/>
+                </a:solidFill>
+              </a:uFill>
+            </a:endParaRPr>
           </a:p>
         </p:txBody>
       </p:sp>
     </p:spTree>
     <p:extLst>
       <p:ext uri="{BB962C8B-B14F-4D97-AF65-F5344CB8AC3E}">
-        <p14:creationId xmlns:p14="http://schemas.microsoft.com/office/powerpoint/2010/main" val="1539049706"/>
+        <p14:creationId xmlns:p14="http://schemas.microsoft.com/office/powerpoint/2010/main" val="3057547454"/>
       </p:ext>
     </p:extLst>
   </p:cSld>
@@ -8366,7 +8360,7 @@
           <p:cNvPr id="2" name="Title 1">
             <a:extLst>
               <a:ext uri="{FF2B5EF4-FFF2-40B4-BE49-F238E27FC236}">
-                <a16:creationId xmlns:a16="http://schemas.microsoft.com/office/drawing/2014/main" id="{BD4BD5A9-082D-C54B-8AB5-B9AB79871188}"/>
+                <a16:creationId xmlns:a16="http://schemas.microsoft.com/office/drawing/2014/main" id="{F07038E7-EEB4-9043-9EA1-7BA9EA5F3241}"/>
               </a:ext>
             </a:extLst>
           </p:cNvPr>
@@ -8377,15 +8371,33 @@
             <p:ph type="title"/>
           </p:nvPr>
         </p:nvSpPr>
-        <p:spPr/>
+        <p:spPr>
+          <a:xfrm>
+            <a:off x="365760" y="411480"/>
+            <a:ext cx="11372473" cy="679383"/>
+          </a:xfrm>
+        </p:spPr>
         <p:txBody>
           <a:bodyPr/>
           <a:lstStyle/>
           <a:p>
             <a:r>
               <a:rPr lang="en-US" dirty="0"/>
-              <a:t>GitHub Flow</a:t>
-            </a:r>
+              <a:t>Git Workflow Models of Different complexity</a:t>
+            </a:r>
+            <a:br>
+              <a:rPr lang="en-US" dirty="0"/>
+            </a:br>
+            <a:br>
+              <a:rPr lang="en-US" dirty="0"/>
+            </a:br>
+            <a:br>
+              <a:rPr lang="en-US" dirty="0"/>
+            </a:br>
+            <a:br>
+              <a:rPr lang="en-US" dirty="0"/>
+            </a:br>
+            <a:endParaRPr lang="en-US" dirty="0"/>
           </a:p>
         </p:txBody>
       </p:sp>
@@ -8394,7 +8406,7 @@
           <p:cNvPr id="3" name="Content Placeholder 2">
             <a:extLst>
               <a:ext uri="{FF2B5EF4-FFF2-40B4-BE49-F238E27FC236}">
-                <a16:creationId xmlns:a16="http://schemas.microsoft.com/office/drawing/2014/main" id="{8B010D1E-98D6-8143-8514-9CB3935A6D58}"/>
+                <a16:creationId xmlns:a16="http://schemas.microsoft.com/office/drawing/2014/main" id="{BC4025A8-D322-7F4C-BD72-C65AC6A3E843}"/>
               </a:ext>
             </a:extLst>
           </p:cNvPr>
@@ -8407,8 +8419,8 @@
         </p:nvSpPr>
         <p:spPr>
           <a:xfrm>
-            <a:off x="368424" y="1197717"/>
-            <a:ext cx="11369809" cy="4047778"/>
+            <a:off x="363096" y="1203559"/>
+            <a:ext cx="11369809" cy="2517808"/>
           </a:xfrm>
         </p:spPr>
         <p:txBody>
@@ -8419,109 +8431,44 @@
               <a:buNone/>
             </a:pPr>
             <a:r>
-              <a:rPr lang="en-US" dirty="0">
-                <a:hlinkClick r:id="rId3"/>
-              </a:rPr>
-              <a:t>http://scottchacon.com/2011/08/31/github-flow.html</a:t>
-            </a:r>
+              <a:rPr lang="en-US" b="1" dirty="0"/>
+              <a:t>Commonly Known Workflows</a:t>
+            </a:r>
+          </a:p>
+          <a:p>
+            <a:r>
+              <a:rPr lang="en-US" dirty="0"/>
+              <a:t>Git Flow</a:t>
+            </a:r>
+          </a:p>
+          <a:p>
+            <a:r>
+              <a:rPr lang="en-US" dirty="0" err="1"/>
+              <a:t>Github</a:t>
+            </a:r>
+            <a:r>
+              <a:rPr lang="en-US" dirty="0"/>
+              <a:t> Flow</a:t>
+            </a:r>
+          </a:p>
+          <a:p>
+            <a:r>
+              <a:rPr lang="en-US" dirty="0"/>
+              <a:t>Gitlab Flow</a:t>
+            </a:r>
+          </a:p>
+          <a:p>
+            <a:pPr marL="0" indent="0">
+              <a:buNone/>
+            </a:pPr>
             <a:endParaRPr lang="en-US" dirty="0"/>
-          </a:p>
-          <a:p>
-            <a:pPr lvl="1"/>
-            <a:r>
-              <a:rPr lang="en-US" dirty="0"/>
-              <a:t>Published as viable alternative to Git Flow</a:t>
-            </a:r>
-          </a:p>
-          <a:p>
-            <a:pPr lvl="1"/>
-            <a:r>
-              <a:rPr lang="en-US" dirty="0"/>
-              <a:t>No structured release schedule</a:t>
-            </a:r>
-          </a:p>
-          <a:p>
-            <a:pPr lvl="1"/>
-            <a:r>
-              <a:rPr lang="en-US" dirty="0"/>
-              <a:t>Continuous deployment &amp; continuous integration allows for simpler workflow</a:t>
-            </a:r>
-          </a:p>
-          <a:p>
-            <a:pPr marL="346075" lvl="1" indent="0">
-              <a:buNone/>
-            </a:pPr>
-            <a:endParaRPr lang="en-US" dirty="0"/>
-          </a:p>
-          <a:p>
-            <a:pPr marL="0" indent="-49212">
-              <a:buNone/>
-            </a:pPr>
-            <a:r>
-              <a:rPr lang="en-US" dirty="0"/>
-              <a:t>Key Ideas</a:t>
-            </a:r>
-          </a:p>
-          <a:p>
-            <a:pPr marL="457200" indent="-457200">
-              <a:buFont typeface="+mj-lt"/>
-              <a:buAutoNum type="arabicPeriod"/>
-            </a:pPr>
-            <a:r>
-              <a:rPr lang="en-US" sz="2000" dirty="0"/>
-              <a:t>All commits in the main branch are </a:t>
-            </a:r>
-            <a:r>
-              <a:rPr lang="en-US" sz="2000" b="1" dirty="0"/>
-              <a:t>deployable</a:t>
-            </a:r>
-          </a:p>
-          <a:p>
-            <a:pPr marL="457200" indent="-457200">
-              <a:buFont typeface="+mj-lt"/>
-              <a:buAutoNum type="arabicPeriod"/>
-            </a:pPr>
-            <a:r>
-              <a:rPr lang="en-US" sz="2000" dirty="0"/>
-              <a:t>Base feature branches off of main</a:t>
-            </a:r>
-          </a:p>
-          <a:p>
-            <a:pPr marL="457200" indent="-457200">
-              <a:buFont typeface="+mj-lt"/>
-              <a:buAutoNum type="arabicPeriod"/>
-            </a:pPr>
-            <a:r>
-              <a:rPr lang="en-US" sz="2000" dirty="0"/>
-              <a:t>Push local repository to remote constantly</a:t>
-            </a:r>
-          </a:p>
-          <a:p>
-            <a:pPr marL="457200" indent="-457200">
-              <a:buFont typeface="+mj-lt"/>
-              <a:buAutoNum type="arabicPeriod"/>
-            </a:pPr>
-            <a:r>
-              <a:rPr lang="en-US" sz="2000" dirty="0"/>
-              <a:t>Open Pull Requests early to start dialogue</a:t>
-            </a:r>
-          </a:p>
-          <a:p>
-            <a:pPr marL="457200" indent="-457200">
-              <a:buFont typeface="+mj-lt"/>
-              <a:buAutoNum type="arabicPeriod"/>
-            </a:pPr>
-            <a:r>
-              <a:rPr lang="en-US" sz="2000" dirty="0"/>
-              <a:t>Merge into main after Pull Request review </a:t>
-            </a:r>
           </a:p>
         </p:txBody>
       </p:sp>
     </p:spTree>
     <p:extLst>
       <p:ext uri="{BB962C8B-B14F-4D97-AF65-F5344CB8AC3E}">
-        <p14:creationId xmlns:p14="http://schemas.microsoft.com/office/powerpoint/2010/main" val="3917958728"/>
+        <p14:creationId xmlns:p14="http://schemas.microsoft.com/office/powerpoint/2010/main" val="4060798534"/>
       </p:ext>
     </p:extLst>
   </p:cSld>
@@ -8553,7 +8500,7 @@
           <p:cNvPr id="2" name="Title 1">
             <a:extLst>
               <a:ext uri="{FF2B5EF4-FFF2-40B4-BE49-F238E27FC236}">
-                <a16:creationId xmlns:a16="http://schemas.microsoft.com/office/drawing/2014/main" id="{BD4BD5A9-082D-C54B-8AB5-B9AB79871188}"/>
+                <a16:creationId xmlns:a16="http://schemas.microsoft.com/office/drawing/2014/main" id="{5780C519-1EB3-8846-B9E7-B3E551D14DB0}"/>
               </a:ext>
             </a:extLst>
           </p:cNvPr>
@@ -8564,24 +8511,29 @@
             <p:ph type="title"/>
           </p:nvPr>
         </p:nvSpPr>
-        <p:spPr/>
+        <p:spPr>
+          <a:xfrm>
+            <a:off x="408175" y="174034"/>
+            <a:ext cx="11372473" cy="914400"/>
+          </a:xfrm>
+        </p:spPr>
         <p:txBody>
           <a:bodyPr/>
           <a:lstStyle/>
           <a:p>
             <a:r>
               <a:rPr lang="en-US" dirty="0"/>
-              <a:t>GitLab Flow</a:t>
-            </a:r>
-          </a:p>
-        </p:txBody>
-      </p:sp>
-      <p:sp>
-        <p:nvSpPr>
-          <p:cNvPr id="3" name="Content Placeholder 2">
+              <a:t>Git Flow</a:t>
+            </a:r>
+          </a:p>
+        </p:txBody>
+      </p:sp>
+      <p:sp>
+        <p:nvSpPr>
+          <p:cNvPr id="12" name="Content Placeholder 2">
             <a:extLst>
               <a:ext uri="{FF2B5EF4-FFF2-40B4-BE49-F238E27FC236}">
-                <a16:creationId xmlns:a16="http://schemas.microsoft.com/office/drawing/2014/main" id="{8B010D1E-98D6-8143-8514-9CB3935A6D58}"/>
+                <a16:creationId xmlns:a16="http://schemas.microsoft.com/office/drawing/2014/main" id="{F7E13A38-2353-E14A-841B-4D9CC88C8EA3}"/>
               </a:ext>
             </a:extLst>
           </p:cNvPr>
@@ -8594,108 +8546,281 @@
         </p:nvSpPr>
         <p:spPr>
           <a:xfrm>
-            <a:off x="365761" y="1212707"/>
-            <a:ext cx="10067394" cy="4047778"/>
+            <a:off x="5411977" y="516171"/>
+            <a:ext cx="6500623" cy="4047778"/>
           </a:xfrm>
         </p:spPr>
         <p:txBody>
           <a:bodyPr/>
           <a:lstStyle/>
           <a:p>
-            <a:pPr marL="0" indent="0">
-              <a:buNone/>
+            <a:pPr marL="285750" indent="-285750">
+              <a:buFont typeface="Arial" panose="020B0604020202020204" pitchFamily="34" charset="0"/>
+              <a:buChar char="•"/>
+            </a:pPr>
+            <a:r>
+              <a:rPr lang="en-US" dirty="0"/>
+              <a:t>Full-featured workflow</a:t>
+            </a:r>
+          </a:p>
+          <a:p>
+            <a:pPr marL="285750" indent="-285750">
+              <a:buFont typeface="Arial" panose="020B0604020202020204" pitchFamily="34" charset="0"/>
+              <a:buChar char="•"/>
+            </a:pPr>
+            <a:r>
+              <a:rPr lang="en-US" dirty="0"/>
+              <a:t>Increased complexity</a:t>
+            </a:r>
+          </a:p>
+          <a:p>
+            <a:pPr marL="285750" indent="-285750">
+              <a:buFont typeface="Arial" panose="020B0604020202020204" pitchFamily="34" charset="0"/>
+              <a:buChar char="•"/>
+            </a:pPr>
+            <a:r>
+              <a:rPr lang="en-US" dirty="0"/>
+              <a:t>Designed for SW with official releases</a:t>
+            </a:r>
+          </a:p>
+          <a:p>
+            <a:pPr marL="285750" indent="-285750">
+              <a:buFont typeface="Arial" panose="020B0604020202020204" pitchFamily="34" charset="0"/>
+              <a:buChar char="•"/>
+            </a:pPr>
+            <a:r>
+              <a:rPr lang="en-US" dirty="0"/>
+              <a:t>Feature branches based off of develop</a:t>
+            </a:r>
+          </a:p>
+          <a:p>
+            <a:pPr marL="285750" indent="-285750">
+              <a:buFont typeface="Arial" panose="020B0604020202020204" pitchFamily="34" charset="0"/>
+              <a:buChar char="•"/>
             </a:pPr>
             <a:r>
               <a:rPr lang="en-US" dirty="0">
                 <a:hlinkClick r:id="rId3"/>
               </a:rPr>
-              <a:t>https://docs.gitlab.com/ee/workflow/gitlab_flow.html</a:t>
-            </a:r>
-            <a:endParaRPr lang="en-US" dirty="0"/>
-          </a:p>
-          <a:p>
-            <a:pPr lvl="1"/>
-            <a:r>
-              <a:rPr lang="en-US" dirty="0"/>
-              <a:t>Published as viable alternative to Git Flow &amp; GitHub Flow</a:t>
-            </a:r>
-          </a:p>
-          <a:p>
-            <a:pPr lvl="1"/>
-            <a:r>
-              <a:rPr lang="en-US" dirty="0"/>
-              <a:t>Semi-structured release schedule</a:t>
-            </a:r>
-          </a:p>
-          <a:p>
-            <a:pPr lvl="1"/>
-            <a:r>
-              <a:rPr lang="en-US" dirty="0"/>
-              <a:t>Workflow that simplifies difficulties and common failures in synchronizing infinite lifetime branches</a:t>
-            </a:r>
-          </a:p>
-          <a:p>
-            <a:pPr marL="346075" lvl="1" indent="0">
-              <a:buNone/>
-            </a:pPr>
-            <a:endParaRPr lang="en-US" dirty="0"/>
-          </a:p>
-          <a:p>
-            <a:pPr marL="0" indent="0">
-              <a:buNone/>
-            </a:pPr>
-            <a:r>
-              <a:rPr lang="en-US" dirty="0"/>
-              <a:t>Key Ideas</a:t>
-            </a:r>
-          </a:p>
-          <a:p>
-            <a:r>
-              <a:rPr lang="en-US" sz="2000" dirty="0"/>
-              <a:t>main branch is staging area</a:t>
-            </a:r>
-          </a:p>
-          <a:p>
-            <a:r>
-              <a:rPr lang="en-US" sz="2000" dirty="0"/>
-              <a:t>Mature code in main flows downstream into pre-production &amp; production infinite lifetime branches</a:t>
-            </a:r>
-          </a:p>
-          <a:p>
-            <a:r>
-              <a:rPr lang="en-US" sz="2000" dirty="0"/>
-              <a:t>Allow for release branches with downstream flow</a:t>
-            </a:r>
-          </a:p>
-          <a:p>
-            <a:pPr lvl="1"/>
-            <a:r>
-              <a:rPr lang="en-US" dirty="0"/>
-              <a:t>Fixes made upstream &amp; merged into main.</a:t>
-            </a:r>
-          </a:p>
-          <a:p>
-            <a:pPr lvl="1"/>
-            <a:r>
-              <a:rPr lang="en-US" dirty="0"/>
-              <a:t>Fixes cherry picked into release branch</a:t>
-            </a:r>
-          </a:p>
-          <a:p>
-            <a:pPr marL="0" indent="0">
-              <a:buNone/>
-            </a:pPr>
-            <a:endParaRPr lang="en-US" dirty="0"/>
-          </a:p>
-          <a:p>
-            <a:endParaRPr lang="en-US" dirty="0"/>
+              <a:t>Git extensions</a:t>
+            </a:r>
+            <a:r>
+              <a:rPr lang="en-US" dirty="0"/>
+              <a:t> to enforce policy</a:t>
+            </a:r>
+          </a:p>
+          <a:p>
+            <a:pPr marL="285750" indent="-285750">
+              <a:buFont typeface="Arial" panose="020B0604020202020204" pitchFamily="34" charset="0"/>
+              <a:buChar char="•"/>
+            </a:pPr>
+            <a:r>
+              <a:rPr lang="en-US" dirty="0"/>
+              <a:t>How are develop and main synchronized?</a:t>
+            </a:r>
+          </a:p>
+          <a:p>
+            <a:pPr marL="285750" indent="-285750">
+              <a:buFont typeface="Arial" panose="020B0604020202020204" pitchFamily="34" charset="0"/>
+              <a:buChar char="•"/>
+            </a:pPr>
+            <a:r>
+              <a:rPr lang="en-US" dirty="0"/>
+              <a:t>Where do merge conflicts occur and how are they resolved?</a:t>
+            </a:r>
+          </a:p>
+        </p:txBody>
+      </p:sp>
+      <p:sp>
+        <p:nvSpPr>
+          <p:cNvPr id="7" name="TextBox 6">
+            <a:extLst>
+              <a:ext uri="{FF2B5EF4-FFF2-40B4-BE49-F238E27FC236}">
+                <a16:creationId xmlns:a16="http://schemas.microsoft.com/office/drawing/2014/main" id="{9EA3B929-9425-9A46-9997-AAEB3D2077BD}"/>
+              </a:ext>
+            </a:extLst>
+          </p:cNvPr>
+          <p:cNvSpPr txBox="1"/>
+          <p:nvPr/>
+        </p:nvSpPr>
+        <p:spPr>
+          <a:xfrm>
+            <a:off x="4891407" y="4758347"/>
+            <a:ext cx="7297418" cy="849463"/>
+          </a:xfrm>
+          <a:prstGeom prst="rect">
+            <a:avLst/>
+          </a:prstGeom>
+          <a:noFill/>
+        </p:spPr>
+        <p:txBody>
+          <a:bodyPr wrap="square" lIns="118872" tIns="91440" rIns="118872" bIns="91440" rtlCol="0" anchor="ctr" anchorCtr="0">
+            <a:spAutoFit/>
+          </a:bodyPr>
+          <a:lstStyle/>
+          <a:p>
+            <a:pPr algn="l">
+              <a:lnSpc>
+                <a:spcPct val="90000"/>
+              </a:lnSpc>
+            </a:pPr>
+            <a:r>
+              <a:rPr lang="en-US" sz="1600" b="1" dirty="0"/>
+              <a:t>Author: </a:t>
+            </a:r>
+            <a:r>
+              <a:rPr lang="en-US" sz="1600" dirty="0"/>
+              <a:t>Vincent Driessen</a:t>
+            </a:r>
+          </a:p>
+          <a:p>
+            <a:pPr>
+              <a:lnSpc>
+                <a:spcPct val="90000"/>
+              </a:lnSpc>
+            </a:pPr>
+            <a:r>
+              <a:rPr lang="en-US" sz="1600" b="1" dirty="0"/>
+              <a:t>Original Blog: </a:t>
+            </a:r>
+            <a:r>
+              <a:rPr lang="en-US" sz="1600" b="1" dirty="0">
+                <a:hlinkClick r:id="rId4"/>
+              </a:rPr>
+              <a:t>https://nvie.com/posts/a-successful-git-branching-model/</a:t>
+            </a:r>
+            <a:endParaRPr lang="en-US" sz="1600" b="1" dirty="0"/>
+          </a:p>
+          <a:p>
+            <a:pPr>
+              <a:lnSpc>
+                <a:spcPct val="90000"/>
+              </a:lnSpc>
+            </a:pPr>
+            <a:r>
+              <a:rPr lang="en-US" sz="1600" b="1" dirty="0"/>
+              <a:t>License: </a:t>
+            </a:r>
+            <a:r>
+              <a:rPr lang="en-US" sz="1600" dirty="0"/>
+              <a:t>Creative Commons </a:t>
+            </a:r>
+            <a:endParaRPr lang="en-US" sz="1600" b="1" dirty="0"/>
+          </a:p>
+        </p:txBody>
+      </p:sp>
+      <p:pic>
+        <p:nvPicPr>
+          <p:cNvPr id="8" name="Picture 7">
+            <a:extLst>
+              <a:ext uri="{FF2B5EF4-FFF2-40B4-BE49-F238E27FC236}">
+                <a16:creationId xmlns:a16="http://schemas.microsoft.com/office/drawing/2014/main" id="{AE3E601E-116A-0D4A-B3F6-EB5C127C6164}"/>
+              </a:ext>
+            </a:extLst>
+          </p:cNvPr>
+          <p:cNvPicPr>
+            <a:picLocks noChangeAspect="1"/>
+          </p:cNvPicPr>
+          <p:nvPr/>
+        </p:nvPicPr>
+        <p:blipFill>
+          <a:blip r:embed="rId5"/>
+          <a:stretch>
+            <a:fillRect/>
+          </a:stretch>
+        </p:blipFill>
+        <p:spPr>
+          <a:xfrm>
+            <a:off x="7705346" y="5408603"/>
+            <a:ext cx="1356767" cy="323577"/>
+          </a:xfrm>
+          <a:prstGeom prst="rect">
+            <a:avLst/>
+          </a:prstGeom>
+        </p:spPr>
+      </p:pic>
+      <p:pic>
+        <p:nvPicPr>
+          <p:cNvPr id="4" name="Picture 3">
+            <a:extLst>
+              <a:ext uri="{FF2B5EF4-FFF2-40B4-BE49-F238E27FC236}">
+                <a16:creationId xmlns:a16="http://schemas.microsoft.com/office/drawing/2014/main" id="{33B98FB3-53C2-B047-8060-0D102CF59E21}"/>
+              </a:ext>
+            </a:extLst>
+          </p:cNvPr>
+          <p:cNvPicPr>
+            <a:picLocks noChangeAspect="1"/>
+          </p:cNvPicPr>
+          <p:nvPr/>
+        </p:nvPicPr>
+        <p:blipFill>
+          <a:blip r:embed="rId6" cstate="print">
+            <a:extLst>
+              <a:ext uri="{28A0092B-C50C-407E-A947-70E740481C1C}">
+                <a14:useLocalDpi xmlns:a14="http://schemas.microsoft.com/office/drawing/2010/main" val="0"/>
+              </a:ext>
+            </a:extLst>
+          </a:blip>
+          <a:stretch>
+            <a:fillRect/>
+          </a:stretch>
+        </p:blipFill>
+        <p:spPr>
+          <a:xfrm>
+            <a:off x="408175" y="665457"/>
+            <a:ext cx="4506732" cy="6008976"/>
+          </a:xfrm>
+          <a:prstGeom prst="rect">
+            <a:avLst/>
+          </a:prstGeom>
+        </p:spPr>
+      </p:pic>
+      <p:sp>
+        <p:nvSpPr>
+          <p:cNvPr id="9" name="TextBox 8">
+            <a:extLst>
+              <a:ext uri="{FF2B5EF4-FFF2-40B4-BE49-F238E27FC236}">
+                <a16:creationId xmlns:a16="http://schemas.microsoft.com/office/drawing/2014/main" id="{2802D390-BEBC-A647-AFDC-5E606EA03997}"/>
+              </a:ext>
+            </a:extLst>
+          </p:cNvPr>
+          <p:cNvSpPr txBox="1"/>
+          <p:nvPr/>
+        </p:nvSpPr>
+        <p:spPr>
+          <a:xfrm>
+            <a:off x="3828641" y="730444"/>
+            <a:ext cx="822960" cy="295466"/>
+          </a:xfrm>
+          <a:prstGeom prst="rect">
+            <a:avLst/>
+          </a:prstGeom>
+          <a:solidFill>
+            <a:schemeClr val="bg1"/>
+          </a:solidFill>
+        </p:spPr>
+        <p:txBody>
+          <a:bodyPr wrap="square" lIns="118872" tIns="91440" rIns="118872" bIns="91440" rtlCol="0" anchor="ctr" anchorCtr="0">
+            <a:spAutoFit/>
+          </a:bodyPr>
+          <a:lstStyle/>
+          <a:p>
+            <a:pPr algn="l">
+              <a:lnSpc>
+                <a:spcPct val="90000"/>
+              </a:lnSpc>
+            </a:pPr>
+            <a:r>
+              <a:rPr lang="en-US" sz="800" b="1" dirty="0"/>
+              <a:t>  main  </a:t>
+            </a:r>
           </a:p>
         </p:txBody>
       </p:sp>
     </p:spTree>
     <p:extLst>
       <p:ext uri="{BB962C8B-B14F-4D97-AF65-F5344CB8AC3E}">
-        <p14:creationId xmlns:p14="http://schemas.microsoft.com/office/powerpoint/2010/main" val="3212859505"/>
+        <p14:creationId xmlns:p14="http://schemas.microsoft.com/office/powerpoint/2010/main" val="1539049706"/>
       </p:ext>
     </p:extLst>
   </p:cSld>
@@ -9036,7 +9161,7 @@
           <p:cNvPr id="2" name="Title 1">
             <a:extLst>
               <a:ext uri="{FF2B5EF4-FFF2-40B4-BE49-F238E27FC236}">
-                <a16:creationId xmlns:a16="http://schemas.microsoft.com/office/drawing/2014/main" id="{F07038E7-EEB4-9043-9EA1-7BA9EA5F3241}"/>
+                <a16:creationId xmlns:a16="http://schemas.microsoft.com/office/drawing/2014/main" id="{BD4BD5A9-082D-C54B-8AB5-B9AB79871188}"/>
               </a:ext>
             </a:extLst>
           </p:cNvPr>
@@ -9054,7 +9179,7 @@
           <a:p>
             <a:r>
               <a:rPr lang="en-US" dirty="0"/>
-              <a:t>Collaboration using Git Workflows for CSE projects</a:t>
+              <a:t>GitHub Flow</a:t>
             </a:r>
           </a:p>
         </p:txBody>
@@ -9064,7 +9189,7 @@
           <p:cNvPr id="3" name="Content Placeholder 2">
             <a:extLst>
               <a:ext uri="{FF2B5EF4-FFF2-40B4-BE49-F238E27FC236}">
-                <a16:creationId xmlns:a16="http://schemas.microsoft.com/office/drawing/2014/main" id="{BC4025A8-D322-7F4C-BD72-C65AC6A3E843}"/>
+                <a16:creationId xmlns:a16="http://schemas.microsoft.com/office/drawing/2014/main" id="{8B010D1E-98D6-8143-8514-9CB3935A6D58}"/>
               </a:ext>
             </a:extLst>
           </p:cNvPr>
@@ -9077,7 +9202,7 @@
         </p:nvSpPr>
         <p:spPr>
           <a:xfrm>
-            <a:off x="365760" y="868680"/>
+            <a:off x="368424" y="1197717"/>
             <a:ext cx="11369809" cy="4047778"/>
           </a:xfrm>
         </p:spPr>
@@ -9088,46 +9213,110 @@
             <a:pPr marL="0" indent="0">
               <a:buNone/>
             </a:pPr>
+            <a:r>
+              <a:rPr lang="en-US" dirty="0">
+                <a:hlinkClick r:id="rId3"/>
+              </a:rPr>
+              <a:t>http://scottchacon.com/2011/08/31/github-flow.html</a:t>
+            </a:r>
             <a:endParaRPr lang="en-US" dirty="0"/>
           </a:p>
           <a:p>
-            <a:r>
-              <a:rPr lang="en-US" dirty="0" err="1"/>
-              <a:t>Trilionos</a:t>
-            </a:r>
-            <a:r>
-              <a:rPr lang="en-US" dirty="0"/>
-              <a:t> Workflow</a:t>
-            </a:r>
-          </a:p>
-          <a:p>
-            <a:r>
-              <a:rPr lang="en-US" dirty="0"/>
-              <a:t>Open MPI Workflow</a:t>
-            </a:r>
-          </a:p>
-          <a:p>
-            <a:r>
-              <a:rPr lang="en-US" dirty="0" err="1"/>
-              <a:t>Flecsi</a:t>
-            </a:r>
-            <a:r>
-              <a:rPr lang="en-US" dirty="0"/>
-              <a:t> Workflow</a:t>
-            </a:r>
-          </a:p>
-          <a:p>
-            <a:pPr marL="0" indent="0">
+            <a:pPr lvl="1"/>
+            <a:r>
+              <a:rPr lang="en-US" dirty="0"/>
+              <a:t>Published as viable alternative to Git Flow</a:t>
+            </a:r>
+          </a:p>
+          <a:p>
+            <a:pPr lvl="1"/>
+            <a:r>
+              <a:rPr lang="en-US" dirty="0"/>
+              <a:t>No structured release schedule</a:t>
+            </a:r>
+          </a:p>
+          <a:p>
+            <a:pPr lvl="1"/>
+            <a:r>
+              <a:rPr lang="en-US" dirty="0"/>
+              <a:t>Continuous deployment &amp; continuous integration allows for simpler workflow</a:t>
+            </a:r>
+          </a:p>
+          <a:p>
+            <a:pPr marL="346075" lvl="1" indent="0">
               <a:buNone/>
             </a:pPr>
             <a:endParaRPr lang="en-US" dirty="0"/>
+          </a:p>
+          <a:p>
+            <a:pPr marL="0" indent="-49212">
+              <a:buNone/>
+            </a:pPr>
+            <a:r>
+              <a:rPr lang="en-US" dirty="0"/>
+              <a:t>Key Ideas</a:t>
+            </a:r>
+          </a:p>
+          <a:p>
+            <a:pPr marL="457200" indent="-457200">
+              <a:buFont typeface="+mj-lt"/>
+              <a:buAutoNum type="arabicPeriod"/>
+            </a:pPr>
+            <a:r>
+              <a:rPr lang="en-US" sz="2000" dirty="0"/>
+              <a:t>All commits in the main branch are </a:t>
+            </a:r>
+            <a:r>
+              <a:rPr lang="en-US" sz="2000" b="1" dirty="0"/>
+              <a:t>deployable</a:t>
+            </a:r>
+          </a:p>
+          <a:p>
+            <a:pPr marL="457200" indent="-457200">
+              <a:buFont typeface="+mj-lt"/>
+              <a:buAutoNum type="arabicPeriod"/>
+            </a:pPr>
+            <a:r>
+              <a:rPr lang="en-US" sz="2000" dirty="0"/>
+              <a:t>Base feature branches off of main</a:t>
+            </a:r>
+          </a:p>
+          <a:p>
+            <a:pPr marL="457200" indent="-457200">
+              <a:buFont typeface="+mj-lt"/>
+              <a:buAutoNum type="arabicPeriod"/>
+            </a:pPr>
+            <a:r>
+              <a:rPr lang="en-US" sz="2000" dirty="0"/>
+              <a:t>Push local repository to remote constantly</a:t>
+            </a:r>
+          </a:p>
+          <a:p>
+            <a:pPr marL="457200" indent="-457200">
+              <a:buFont typeface="+mj-lt"/>
+              <a:buAutoNum type="arabicPeriod"/>
+            </a:pPr>
+            <a:r>
+              <a:rPr lang="en-US" sz="2000" dirty="0"/>
+              <a:t>Open Pull Requests early to start dialogue</a:t>
+            </a:r>
+          </a:p>
+          <a:p>
+            <a:pPr marL="457200" indent="-457200">
+              <a:buFont typeface="+mj-lt"/>
+              <a:buAutoNum type="arabicPeriod"/>
+            </a:pPr>
+            <a:r>
+              <a:rPr lang="en-US" sz="2000" dirty="0"/>
+              <a:t>Merge into main after Pull Request review </a:t>
+            </a:r>
           </a:p>
         </p:txBody>
       </p:sp>
     </p:spTree>
     <p:extLst>
       <p:ext uri="{BB962C8B-B14F-4D97-AF65-F5344CB8AC3E}">
-        <p14:creationId xmlns:p14="http://schemas.microsoft.com/office/powerpoint/2010/main" val="64054294"/>
+        <p14:creationId xmlns:p14="http://schemas.microsoft.com/office/powerpoint/2010/main" val="3917958728"/>
       </p:ext>
     </p:extLst>
   </p:cSld>
@@ -9159,6 +9348,303 @@
           <p:cNvPr id="2" name="Title 1">
             <a:extLst>
               <a:ext uri="{FF2B5EF4-FFF2-40B4-BE49-F238E27FC236}">
+                <a16:creationId xmlns:a16="http://schemas.microsoft.com/office/drawing/2014/main" id="{BD4BD5A9-082D-C54B-8AB5-B9AB79871188}"/>
+              </a:ext>
+            </a:extLst>
+          </p:cNvPr>
+          <p:cNvSpPr>
+            <a:spLocks noGrp="1"/>
+          </p:cNvSpPr>
+          <p:nvPr>
+            <p:ph type="title"/>
+          </p:nvPr>
+        </p:nvSpPr>
+        <p:spPr/>
+        <p:txBody>
+          <a:bodyPr/>
+          <a:lstStyle/>
+          <a:p>
+            <a:r>
+              <a:rPr lang="en-US" dirty="0"/>
+              <a:t>GitLab Flow</a:t>
+            </a:r>
+          </a:p>
+        </p:txBody>
+      </p:sp>
+      <p:sp>
+        <p:nvSpPr>
+          <p:cNvPr id="3" name="Content Placeholder 2">
+            <a:extLst>
+              <a:ext uri="{FF2B5EF4-FFF2-40B4-BE49-F238E27FC236}">
+                <a16:creationId xmlns:a16="http://schemas.microsoft.com/office/drawing/2014/main" id="{8B010D1E-98D6-8143-8514-9CB3935A6D58}"/>
+              </a:ext>
+            </a:extLst>
+          </p:cNvPr>
+          <p:cNvSpPr>
+            <a:spLocks noGrp="1"/>
+          </p:cNvSpPr>
+          <p:nvPr>
+            <p:ph idx="1"/>
+          </p:nvPr>
+        </p:nvSpPr>
+        <p:spPr>
+          <a:xfrm>
+            <a:off x="365761" y="1212707"/>
+            <a:ext cx="10067394" cy="4047778"/>
+          </a:xfrm>
+        </p:spPr>
+        <p:txBody>
+          <a:bodyPr/>
+          <a:lstStyle/>
+          <a:p>
+            <a:pPr marL="0" indent="0">
+              <a:buNone/>
+            </a:pPr>
+            <a:r>
+              <a:rPr lang="en-US" dirty="0">
+                <a:hlinkClick r:id="rId3"/>
+              </a:rPr>
+              <a:t>https://docs.gitlab.com/ee/workflow/gitlab_flow.html</a:t>
+            </a:r>
+            <a:endParaRPr lang="en-US" dirty="0"/>
+          </a:p>
+          <a:p>
+            <a:pPr lvl="1"/>
+            <a:r>
+              <a:rPr lang="en-US" dirty="0"/>
+              <a:t>Published as viable alternative to Git Flow &amp; GitHub Flow</a:t>
+            </a:r>
+          </a:p>
+          <a:p>
+            <a:pPr lvl="1"/>
+            <a:r>
+              <a:rPr lang="en-US" dirty="0"/>
+              <a:t>Semi-structured release schedule</a:t>
+            </a:r>
+          </a:p>
+          <a:p>
+            <a:pPr lvl="1"/>
+            <a:r>
+              <a:rPr lang="en-US" dirty="0"/>
+              <a:t>Workflow that simplifies difficulties and common failures in synchronizing infinite lifetime branches</a:t>
+            </a:r>
+          </a:p>
+          <a:p>
+            <a:pPr marL="346075" lvl="1" indent="0">
+              <a:buNone/>
+            </a:pPr>
+            <a:endParaRPr lang="en-US" dirty="0"/>
+          </a:p>
+          <a:p>
+            <a:pPr marL="0" indent="0">
+              <a:buNone/>
+            </a:pPr>
+            <a:r>
+              <a:rPr lang="en-US" dirty="0"/>
+              <a:t>Key Ideas</a:t>
+            </a:r>
+          </a:p>
+          <a:p>
+            <a:r>
+              <a:rPr lang="en-US" sz="2000" dirty="0"/>
+              <a:t>main branch is staging area</a:t>
+            </a:r>
+          </a:p>
+          <a:p>
+            <a:r>
+              <a:rPr lang="en-US" sz="2000" dirty="0"/>
+              <a:t>Mature code in main flows downstream into pre-production &amp; production infinite lifetime branches</a:t>
+            </a:r>
+          </a:p>
+          <a:p>
+            <a:r>
+              <a:rPr lang="en-US" sz="2000" dirty="0"/>
+              <a:t>Allow for release branches with downstream flow</a:t>
+            </a:r>
+          </a:p>
+          <a:p>
+            <a:pPr lvl="1"/>
+            <a:r>
+              <a:rPr lang="en-US" dirty="0"/>
+              <a:t>Fixes made upstream &amp; merged into main.</a:t>
+            </a:r>
+          </a:p>
+          <a:p>
+            <a:pPr lvl="1"/>
+            <a:r>
+              <a:rPr lang="en-US" dirty="0"/>
+              <a:t>Fixes cherry picked into release branch</a:t>
+            </a:r>
+          </a:p>
+          <a:p>
+            <a:pPr marL="0" indent="0">
+              <a:buNone/>
+            </a:pPr>
+            <a:endParaRPr lang="en-US" dirty="0"/>
+          </a:p>
+          <a:p>
+            <a:endParaRPr lang="en-US" dirty="0"/>
+          </a:p>
+        </p:txBody>
+      </p:sp>
+    </p:spTree>
+    <p:extLst>
+      <p:ext uri="{BB962C8B-B14F-4D97-AF65-F5344CB8AC3E}">
+        <p14:creationId xmlns:p14="http://schemas.microsoft.com/office/powerpoint/2010/main" val="3212859505"/>
+      </p:ext>
+    </p:extLst>
+  </p:cSld>
+  <p:clrMapOvr>
+    <a:masterClrMapping/>
+  </p:clrMapOvr>
+</p:sld>
+</file>
+
+<file path=ppt/slides/slide22.xml><?xml version="1.0" encoding="utf-8"?>
+<p:sld xmlns:a="http://schemas.openxmlformats.org/drawingml/2006/main" xmlns:r="http://schemas.openxmlformats.org/officeDocument/2006/relationships" xmlns:p="http://schemas.openxmlformats.org/presentationml/2006/main">
+  <p:cSld>
+    <p:spTree>
+      <p:nvGrpSpPr>
+        <p:cNvPr id="1" name=""/>
+        <p:cNvGrpSpPr/>
+        <p:nvPr/>
+      </p:nvGrpSpPr>
+      <p:grpSpPr>
+        <a:xfrm>
+          <a:off x="0" y="0"/>
+          <a:ext cx="0" cy="0"/>
+          <a:chOff x="0" y="0"/>
+          <a:chExt cx="0" cy="0"/>
+        </a:xfrm>
+      </p:grpSpPr>
+      <p:sp>
+        <p:nvSpPr>
+          <p:cNvPr id="2" name="Title 1">
+            <a:extLst>
+              <a:ext uri="{FF2B5EF4-FFF2-40B4-BE49-F238E27FC236}">
+                <a16:creationId xmlns:a16="http://schemas.microsoft.com/office/drawing/2014/main" id="{F07038E7-EEB4-9043-9EA1-7BA9EA5F3241}"/>
+              </a:ext>
+            </a:extLst>
+          </p:cNvPr>
+          <p:cNvSpPr>
+            <a:spLocks noGrp="1"/>
+          </p:cNvSpPr>
+          <p:nvPr>
+            <p:ph type="title"/>
+          </p:nvPr>
+        </p:nvSpPr>
+        <p:spPr/>
+        <p:txBody>
+          <a:bodyPr/>
+          <a:lstStyle/>
+          <a:p>
+            <a:r>
+              <a:rPr lang="en-US" dirty="0"/>
+              <a:t>Collaboration using Git Workflows for CSE projects</a:t>
+            </a:r>
+          </a:p>
+        </p:txBody>
+      </p:sp>
+      <p:sp>
+        <p:nvSpPr>
+          <p:cNvPr id="3" name="Content Placeholder 2">
+            <a:extLst>
+              <a:ext uri="{FF2B5EF4-FFF2-40B4-BE49-F238E27FC236}">
+                <a16:creationId xmlns:a16="http://schemas.microsoft.com/office/drawing/2014/main" id="{BC4025A8-D322-7F4C-BD72-C65AC6A3E843}"/>
+              </a:ext>
+            </a:extLst>
+          </p:cNvPr>
+          <p:cNvSpPr>
+            <a:spLocks noGrp="1"/>
+          </p:cNvSpPr>
+          <p:nvPr>
+            <p:ph idx="1"/>
+          </p:nvPr>
+        </p:nvSpPr>
+        <p:spPr>
+          <a:xfrm>
+            <a:off x="365760" y="868680"/>
+            <a:ext cx="11369809" cy="4047778"/>
+          </a:xfrm>
+        </p:spPr>
+        <p:txBody>
+          <a:bodyPr/>
+          <a:lstStyle/>
+          <a:p>
+            <a:pPr marL="0" indent="0">
+              <a:buNone/>
+            </a:pPr>
+            <a:endParaRPr lang="en-US" dirty="0"/>
+          </a:p>
+          <a:p>
+            <a:r>
+              <a:rPr lang="en-US" dirty="0" err="1"/>
+              <a:t>Trilionos</a:t>
+            </a:r>
+            <a:r>
+              <a:rPr lang="en-US" dirty="0"/>
+              <a:t> Workflow</a:t>
+            </a:r>
+          </a:p>
+          <a:p>
+            <a:r>
+              <a:rPr lang="en-US" dirty="0"/>
+              <a:t>Open MPI Workflow</a:t>
+            </a:r>
+          </a:p>
+          <a:p>
+            <a:r>
+              <a:rPr lang="en-US" dirty="0" err="1"/>
+              <a:t>Flecsi</a:t>
+            </a:r>
+            <a:r>
+              <a:rPr lang="en-US" dirty="0"/>
+              <a:t> Workflow</a:t>
+            </a:r>
+          </a:p>
+          <a:p>
+            <a:pPr marL="0" indent="0">
+              <a:buNone/>
+            </a:pPr>
+            <a:endParaRPr lang="en-US" dirty="0"/>
+          </a:p>
+        </p:txBody>
+      </p:sp>
+    </p:spTree>
+    <p:extLst>
+      <p:ext uri="{BB962C8B-B14F-4D97-AF65-F5344CB8AC3E}">
+        <p14:creationId xmlns:p14="http://schemas.microsoft.com/office/powerpoint/2010/main" val="64054294"/>
+      </p:ext>
+    </p:extLst>
+  </p:cSld>
+  <p:clrMapOvr>
+    <a:masterClrMapping/>
+  </p:clrMapOvr>
+</p:sld>
+</file>
+
+<file path=ppt/slides/slide23.xml><?xml version="1.0" encoding="utf-8"?>
+<p:sld xmlns:a="http://schemas.openxmlformats.org/drawingml/2006/main" xmlns:r="http://schemas.openxmlformats.org/officeDocument/2006/relationships" xmlns:p="http://schemas.openxmlformats.org/presentationml/2006/main">
+  <p:cSld>
+    <p:spTree>
+      <p:nvGrpSpPr>
+        <p:cNvPr id="1" name=""/>
+        <p:cNvGrpSpPr/>
+        <p:nvPr/>
+      </p:nvGrpSpPr>
+      <p:grpSpPr>
+        <a:xfrm>
+          <a:off x="0" y="0"/>
+          <a:ext cx="0" cy="0"/>
+          <a:chOff x="0" y="0"/>
+          <a:chExt cx="0" cy="0"/>
+        </a:xfrm>
+      </p:grpSpPr>
+      <p:sp>
+        <p:nvSpPr>
+          <p:cNvPr id="2" name="Title 1">
+            <a:extLst>
+              <a:ext uri="{FF2B5EF4-FFF2-40B4-BE49-F238E27FC236}">
                 <a16:creationId xmlns:a16="http://schemas.microsoft.com/office/drawing/2014/main" id="{9E61C7ED-2A46-3949-B59E-F7D19B5D57B0}"/>
               </a:ext>
             </a:extLst>
@@ -10430,7 +10916,7 @@
 </p:sld>
 </file>
 
-<file path=ppt/slides/slide22.xml><?xml version="1.0" encoding="utf-8"?>
+<file path=ppt/slides/slide24.xml><?xml version="1.0" encoding="utf-8"?>
 <p:sld xmlns:a="http://schemas.openxmlformats.org/drawingml/2006/main" xmlns:r="http://schemas.openxmlformats.org/officeDocument/2006/relationships" xmlns:p="http://schemas.openxmlformats.org/presentationml/2006/main">
   <p:cSld>
     <p:spTree>
@@ -12042,7 +12528,7 @@
 </p:sld>
 </file>
 
-<file path=ppt/slides/slide23.xml><?xml version="1.0" encoding="utf-8"?>
+<file path=ppt/slides/slide25.xml><?xml version="1.0" encoding="utf-8"?>
 <p:sld xmlns:a="http://schemas.openxmlformats.org/drawingml/2006/main" xmlns:r="http://schemas.openxmlformats.org/officeDocument/2006/relationships" xmlns:p="http://schemas.openxmlformats.org/presentationml/2006/main">
   <p:cSld>
     <p:spTree>
@@ -12679,7 +13165,7 @@
 </p:sld>
 </file>
 
-<file path=ppt/slides/slide24.xml><?xml version="1.0" encoding="utf-8"?>
+<file path=ppt/slides/slide26.xml><?xml version="1.0" encoding="utf-8"?>
 <p:sld xmlns:a="http://schemas.openxmlformats.org/drawingml/2006/main" xmlns:r="http://schemas.openxmlformats.org/officeDocument/2006/relationships" xmlns:p="http://schemas.openxmlformats.org/presentationml/2006/main">
   <p:cSld>
     <p:spTree>
@@ -12957,16 +13443,13 @@
           <a:p>
             <a:r>
               <a:rPr lang="en-US" dirty="0"/>
-              <a:t>Code Review </a:t>
-            </a:r>
-            <a:r>
-              <a:rPr lang="en-US" dirty="0">
-                <a:solidFill>
-                  <a:schemeClr val="accent4"/>
-                </a:solidFill>
-              </a:rPr>
-              <a:t>TBD</a:t>
-            </a:r>
+              <a:t>Code Review</a:t>
+            </a:r>
+            <a:endParaRPr lang="en-US" dirty="0">
+              <a:solidFill>
+                <a:schemeClr val="accent4"/>
+              </a:solidFill>
+            </a:endParaRPr>
           </a:p>
           <a:p>
             <a:r>
@@ -15542,6 +16025,12 @@
 </file>
 
 <file path=customXml/item1.xml><?xml version="1.0" encoding="utf-8"?>
+<p:properties xmlns:p="http://schemas.microsoft.com/office/2006/metadata/properties" xmlns:xsi="http://www.w3.org/2001/XMLSchema-instance" xmlns:pc="http://schemas.microsoft.com/office/infopath/2007/PartnerControls">
+  <documentManagement/>
+</p:properties>
+</file>
+
+<file path=customXml/item2.xml><?xml version="1.0" encoding="utf-8"?>
 <?mso-contentType ?>
 <FormTemplates xmlns="http://schemas.microsoft.com/sharepoint/v3/contenttype/forms">
   <Display>DocumentLibraryForm</Display>
@@ -15550,7 +16039,7 @@
 </FormTemplates>
 </file>
 
-<file path=customXml/item2.xml><?xml version="1.0" encoding="utf-8"?>
+<file path=customXml/item3.xml><?xml version="1.0" encoding="utf-8"?>
 <ct:contentTypeSchema xmlns:ct="http://schemas.microsoft.com/office/2006/metadata/contentType" xmlns:ma="http://schemas.microsoft.com/office/2006/metadata/properties/metaAttributes" ct:_="" ma:_="" ma:contentTypeName="Document" ma:contentTypeID="0x010100565464437F680748A68B85EB6594EA7D" ma:contentTypeVersion="0" ma:contentTypeDescription="Create a new document." ma:contentTypeScope="" ma:versionID="fe3f4dd58d5914c51cfc6deaa8ad845c">
   <xsd:schema xmlns:xsd="http://www.w3.org/2001/XMLSchema" xmlns:p="http://schemas.microsoft.com/office/2006/metadata/properties" targetNamespace="http://schemas.microsoft.com/office/2006/metadata/properties" ma:root="true" ma:fieldsID="4aeb20c0e3442673af7ee10786458764">
     <xsd:element name="properties">
@@ -15599,13 +16088,22 @@
 </ct:contentTypeSchema>
 </file>
 
-<file path=customXml/item3.xml><?xml version="1.0" encoding="utf-8"?>
-<p:properties xmlns:p="http://schemas.microsoft.com/office/2006/metadata/properties" xmlns:xsi="http://www.w3.org/2001/XMLSchema-instance" xmlns:pc="http://schemas.microsoft.com/office/infopath/2007/PartnerControls">
-  <documentManagement/>
-</p:properties>
+<file path=customXml/itemProps1.xml><?xml version="1.0" encoding="utf-8"?>
+<ds:datastoreItem xmlns:ds="http://schemas.openxmlformats.org/officeDocument/2006/customXml" ds:itemID="{A50EC660-24D0-43A0-AE5E-E274115E726B}">
+  <ds:schemaRefs>
+    <ds:schemaRef ds:uri="http://purl.org/dc/elements/1.1/"/>
+    <ds:schemaRef ds:uri="http://schemas.microsoft.com/office/2006/metadata/properties"/>
+    <ds:schemaRef ds:uri="http://purl.org/dc/terms/"/>
+    <ds:schemaRef ds:uri="http://schemas.openxmlformats.org/package/2006/metadata/core-properties"/>
+    <ds:schemaRef ds:uri="http://schemas.microsoft.com/office/2006/documentManagement/types"/>
+    <ds:schemaRef ds:uri="http://www.w3.org/XML/1998/namespace"/>
+    <ds:schemaRef ds:uri="http://purl.org/dc/dcmitype/"/>
+    <ds:schemaRef ds:uri="http://schemas.microsoft.com/office/infopath/2007/PartnerControls"/>
+  </ds:schemaRefs>
+</ds:datastoreItem>
 </file>
 
-<file path=customXml/itemProps1.xml><?xml version="1.0" encoding="utf-8"?>
+<file path=customXml/itemProps2.xml><?xml version="1.0" encoding="utf-8"?>
 <ds:datastoreItem xmlns:ds="http://schemas.openxmlformats.org/officeDocument/2006/customXml" ds:itemID="{19E20559-B232-4371-8690-E3D8007EDB82}">
   <ds:schemaRefs>
     <ds:schemaRef ds:uri="http://schemas.microsoft.com/sharepoint/v3/contenttype/forms"/>
@@ -15613,7 +16111,7 @@
 </ds:datastoreItem>
 </file>
 
-<file path=customXml/itemProps2.xml><?xml version="1.0" encoding="utf-8"?>
+<file path=customXml/itemProps3.xml><?xml version="1.0" encoding="utf-8"?>
 <ds:datastoreItem xmlns:ds="http://schemas.openxmlformats.org/officeDocument/2006/customXml" ds:itemID="{E8DB7DEB-074E-4EE8-9B6E-FD277323109C}">
   <ds:schemaRefs>
     <ds:schemaRef ds:uri="http://schemas.microsoft.com/office/2006/metadata/contentType"/>
@@ -15626,19 +16124,4 @@
     <ds:schemaRef ds:uri="http://schemas.microsoft.com/office/internal/2005/internalDocumentation"/>
   </ds:schemaRefs>
 </ds:datastoreItem>
-</file>
-
-<file path=customXml/itemProps3.xml><?xml version="1.0" encoding="utf-8"?>
-<ds:datastoreItem xmlns:ds="http://schemas.openxmlformats.org/officeDocument/2006/customXml" ds:itemID="{A50EC660-24D0-43A0-AE5E-E274115E726B}">
-  <ds:schemaRefs>
-    <ds:schemaRef ds:uri="http://purl.org/dc/elements/1.1/"/>
-    <ds:schemaRef ds:uri="http://schemas.microsoft.com/office/2006/metadata/properties"/>
-    <ds:schemaRef ds:uri="http://purl.org/dc/terms/"/>
-    <ds:schemaRef ds:uri="http://schemas.openxmlformats.org/package/2006/metadata/core-properties"/>
-    <ds:schemaRef ds:uri="http://schemas.microsoft.com/office/2006/documentManagement/types"/>
-    <ds:schemaRef ds:uri="http://www.w3.org/XML/1998/namespace"/>
-    <ds:schemaRef ds:uri="http://purl.org/dc/dcmitype/"/>
-    <ds:schemaRef ds:uri="http://schemas.microsoft.com/office/infopath/2007/PartnerControls"/>
-  </ds:schemaRefs>
-</ds:datastoreItem>
 </file>
--- a/git-workflows.pptx
+++ b/git-workflows.pptx
@@ -5,38 +5,37 @@
     <p:sldMasterId id="2147483935" r:id="rId4"/>
   </p:sldMasterIdLst>
   <p:notesMasterIdLst>
-    <p:notesMasterId r:id="rId31"/>
+    <p:notesMasterId r:id="rId30"/>
   </p:notesMasterIdLst>
   <p:handoutMasterIdLst>
-    <p:handoutMasterId r:id="rId32"/>
+    <p:handoutMasterId r:id="rId31"/>
   </p:handoutMasterIdLst>
   <p:sldIdLst>
     <p:sldId id="523" r:id="rId5"/>
     <p:sldId id="554" r:id="rId6"/>
     <p:sldId id="546" r:id="rId7"/>
-    <p:sldId id="555" r:id="rId8"/>
-    <p:sldId id="309" r:id="rId9"/>
-    <p:sldId id="313" r:id="rId10"/>
-    <p:sldId id="544" r:id="rId11"/>
-    <p:sldId id="314" r:id="rId12"/>
-    <p:sldId id="327" r:id="rId13"/>
-    <p:sldId id="315" r:id="rId14"/>
-    <p:sldId id="316" r:id="rId15"/>
-    <p:sldId id="317" r:id="rId16"/>
-    <p:sldId id="321" r:id="rId17"/>
-    <p:sldId id="545" r:id="rId18"/>
-    <p:sldId id="531" r:id="rId19"/>
-    <p:sldId id="556" r:id="rId20"/>
-    <p:sldId id="557" r:id="rId21"/>
-    <p:sldId id="548" r:id="rId22"/>
-    <p:sldId id="325" r:id="rId23"/>
-    <p:sldId id="326" r:id="rId24"/>
-    <p:sldId id="332" r:id="rId25"/>
-    <p:sldId id="550" r:id="rId26"/>
-    <p:sldId id="323" r:id="rId27"/>
-    <p:sldId id="551" r:id="rId28"/>
-    <p:sldId id="553" r:id="rId29"/>
-    <p:sldId id="333" r:id="rId30"/>
+    <p:sldId id="309" r:id="rId8"/>
+    <p:sldId id="313" r:id="rId9"/>
+    <p:sldId id="544" r:id="rId10"/>
+    <p:sldId id="314" r:id="rId11"/>
+    <p:sldId id="327" r:id="rId12"/>
+    <p:sldId id="315" r:id="rId13"/>
+    <p:sldId id="316" r:id="rId14"/>
+    <p:sldId id="317" r:id="rId15"/>
+    <p:sldId id="321" r:id="rId16"/>
+    <p:sldId id="545" r:id="rId17"/>
+    <p:sldId id="531" r:id="rId18"/>
+    <p:sldId id="556" r:id="rId19"/>
+    <p:sldId id="557" r:id="rId20"/>
+    <p:sldId id="548" r:id="rId21"/>
+    <p:sldId id="325" r:id="rId22"/>
+    <p:sldId id="326" r:id="rId23"/>
+    <p:sldId id="332" r:id="rId24"/>
+    <p:sldId id="550" r:id="rId25"/>
+    <p:sldId id="323" r:id="rId26"/>
+    <p:sldId id="551" r:id="rId27"/>
+    <p:sldId id="553" r:id="rId28"/>
+    <p:sldId id="333" r:id="rId29"/>
   </p:sldIdLst>
   <p:sldSz cx="12188825" cy="6858000"/>
   <p:notesSz cx="7010400" cy="9296400"/>
@@ -840,6 +839,23 @@
           <a:bodyPr/>
           <a:lstStyle/>
           <a:p>
+            <a:pPr marL="0" marR="0" lvl="0" indent="0" algn="l" defTabSz="914400" rtl="0" eaLnBrk="1" fontAlgn="auto" latinLnBrk="0" hangingPunct="1">
+              <a:lnSpc>
+                <a:spcPct val="100000"/>
+              </a:lnSpc>
+              <a:spcBef>
+                <a:spcPts val="0"/>
+              </a:spcBef>
+              <a:spcAft>
+                <a:spcPts val="0"/>
+              </a:spcAft>
+              <a:buClrTx/>
+              <a:buSzTx/>
+              <a:buFontTx/>
+              <a:buNone/>
+              <a:tabLst/>
+              <a:defRPr/>
+            </a:pPr>
             <a:endParaRPr lang="en-US" dirty="0"/>
           </a:p>
         </p:txBody>
@@ -870,7 +886,7 @@
     </p:spTree>
     <p:extLst>
       <p:ext uri="{BB962C8B-B14F-4D97-AF65-F5344CB8AC3E}">
-        <p14:creationId xmlns:p14="http://schemas.microsoft.com/office/powerpoint/2010/main" val="3475076490"/>
+        <p14:creationId xmlns:p14="http://schemas.microsoft.com/office/powerpoint/2010/main" val="36497045"/>
       </p:ext>
     </p:extLst>
   </p:cSld>
@@ -924,23 +940,6 @@
           <a:bodyPr/>
           <a:lstStyle/>
           <a:p>
-            <a:pPr marL="0" marR="0" lvl="0" indent="0" algn="l" defTabSz="914400" rtl="0" eaLnBrk="1" fontAlgn="auto" latinLnBrk="0" hangingPunct="1">
-              <a:lnSpc>
-                <a:spcPct val="100000"/>
-              </a:lnSpc>
-              <a:spcBef>
-                <a:spcPts val="0"/>
-              </a:spcBef>
-              <a:spcAft>
-                <a:spcPts val="0"/>
-              </a:spcAft>
-              <a:buClrTx/>
-              <a:buSzTx/>
-              <a:buFontTx/>
-              <a:buNone/>
-              <a:tabLst/>
-              <a:defRPr/>
-            </a:pPr>
             <a:endParaRPr lang="en-US" dirty="0"/>
           </a:p>
         </p:txBody>
@@ -971,7 +970,7 @@
     </p:spTree>
     <p:extLst>
       <p:ext uri="{BB962C8B-B14F-4D97-AF65-F5344CB8AC3E}">
-        <p14:creationId xmlns:p14="http://schemas.microsoft.com/office/powerpoint/2010/main" val="36497045"/>
+        <p14:creationId xmlns:p14="http://schemas.microsoft.com/office/powerpoint/2010/main" val="4077151903"/>
       </p:ext>
     </p:extLst>
   </p:cSld>
@@ -1036,7 +1035,7 @@
             <a:spLocks noGrp="1"/>
           </p:cNvSpPr>
           <p:nvPr>
-            <p:ph type="sldNum" sz="quarter" idx="10"/>
+            <p:ph type="sldNum" sz="quarter" idx="5"/>
           </p:nvPr>
         </p:nvSpPr>
         <p:spPr/>
@@ -1055,7 +1054,7 @@
     </p:spTree>
     <p:extLst>
       <p:ext uri="{BB962C8B-B14F-4D97-AF65-F5344CB8AC3E}">
-        <p14:creationId xmlns:p14="http://schemas.microsoft.com/office/powerpoint/2010/main" val="4077151903"/>
+        <p14:creationId xmlns:p14="http://schemas.microsoft.com/office/powerpoint/2010/main" val="684371905"/>
       </p:ext>
     </p:extLst>
   </p:cSld>
@@ -1139,7 +1138,7 @@
     </p:spTree>
     <p:extLst>
       <p:ext uri="{BB962C8B-B14F-4D97-AF65-F5344CB8AC3E}">
-        <p14:creationId xmlns:p14="http://schemas.microsoft.com/office/powerpoint/2010/main" val="684371905"/>
+        <p14:creationId xmlns:p14="http://schemas.microsoft.com/office/powerpoint/2010/main" val="2285743619"/>
       </p:ext>
     </p:extLst>
   </p:cSld>
@@ -1223,7 +1222,7 @@
     </p:spTree>
     <p:extLst>
       <p:ext uri="{BB962C8B-B14F-4D97-AF65-F5344CB8AC3E}">
-        <p14:creationId xmlns:p14="http://schemas.microsoft.com/office/powerpoint/2010/main" val="2285743619"/>
+        <p14:creationId xmlns:p14="http://schemas.microsoft.com/office/powerpoint/2010/main" val="2529012435"/>
       </p:ext>
     </p:extLst>
   </p:cSld>
@@ -1298,7 +1297,7 @@
           <a:p>
             <a:fld id="{54E672D7-8E2D-4611-973D-F4591A707C34}" type="slidenum">
               <a:rPr lang="en-US" smtClean="0"/>
-              <a:t>19</a:t>
+              <a:t>16</a:t>
             </a:fld>
             <a:endParaRPr lang="en-US"/>
           </a:p>
@@ -1307,7 +1306,7 @@
     </p:spTree>
     <p:extLst>
       <p:ext uri="{BB962C8B-B14F-4D97-AF65-F5344CB8AC3E}">
-        <p14:creationId xmlns:p14="http://schemas.microsoft.com/office/powerpoint/2010/main" val="1768817477"/>
+        <p14:creationId xmlns:p14="http://schemas.microsoft.com/office/powerpoint/2010/main" val="3432239174"/>
       </p:ext>
     </p:extLst>
   </p:cSld>
@@ -1372,7 +1371,7 @@
             <a:spLocks noGrp="1"/>
           </p:cNvSpPr>
           <p:nvPr>
-            <p:ph type="sldNum" sz="quarter" idx="10"/>
+            <p:ph type="sldNum" sz="quarter" idx="5"/>
           </p:nvPr>
         </p:nvSpPr>
         <p:spPr/>
@@ -1382,7 +1381,7 @@
           <a:p>
             <a:fld id="{54E672D7-8E2D-4611-973D-F4591A707C34}" type="slidenum">
               <a:rPr lang="en-US" smtClean="0"/>
-              <a:t>20</a:t>
+              <a:t>18</a:t>
             </a:fld>
             <a:endParaRPr lang="en-US"/>
           </a:p>
@@ -1391,7 +1390,7 @@
     </p:spTree>
     <p:extLst>
       <p:ext uri="{BB962C8B-B14F-4D97-AF65-F5344CB8AC3E}">
-        <p14:creationId xmlns:p14="http://schemas.microsoft.com/office/powerpoint/2010/main" val="2295497643"/>
+        <p14:creationId xmlns:p14="http://schemas.microsoft.com/office/powerpoint/2010/main" val="1768817477"/>
       </p:ext>
     </p:extLst>
   </p:cSld>
@@ -1466,7 +1465,7 @@
           <a:p>
             <a:fld id="{54E672D7-8E2D-4611-973D-F4591A707C34}" type="slidenum">
               <a:rPr lang="en-US" smtClean="0"/>
-              <a:t>21</a:t>
+              <a:t>19</a:t>
             </a:fld>
             <a:endParaRPr lang="en-US"/>
           </a:p>
@@ -1475,7 +1474,7 @@
     </p:spTree>
     <p:extLst>
       <p:ext uri="{BB962C8B-B14F-4D97-AF65-F5344CB8AC3E}">
-        <p14:creationId xmlns:p14="http://schemas.microsoft.com/office/powerpoint/2010/main" val="3622371461"/>
+        <p14:creationId xmlns:p14="http://schemas.microsoft.com/office/powerpoint/2010/main" val="2295497643"/>
       </p:ext>
     </p:extLst>
   </p:cSld>
@@ -1529,249 +1528,6 @@
           <a:bodyPr/>
           <a:lstStyle/>
           <a:p>
-            <a:r>
-              <a:rPr lang="en-US" sz="1200" b="0" i="1" kern="1200" dirty="0">
-                <a:solidFill>
-                  <a:schemeClr val="tx1"/>
-                </a:solidFill>
-                <a:effectLst/>
-                <a:latin typeface="+mn-lt"/>
-                <a:ea typeface="+mn-ea"/>
-                <a:cs typeface="+mn-cs"/>
-              </a:rPr>
-              <a:t>From the website: </a:t>
-            </a:r>
-            <a:br>
-              <a:rPr lang="en-US" sz="1200" b="0" i="1" kern="1200" dirty="0">
-                <a:solidFill>
-                  <a:schemeClr val="tx1"/>
-                </a:solidFill>
-                <a:effectLst/>
-                <a:latin typeface="+mn-lt"/>
-                <a:ea typeface="+mn-ea"/>
-                <a:cs typeface="+mn-cs"/>
-              </a:rPr>
-            </a:br>
-            <a:r>
-              <a:rPr lang="en-US" sz="1200" b="0" i="1" kern="1200" dirty="0">
-                <a:solidFill>
-                  <a:schemeClr val="tx1"/>
-                </a:solidFill>
-                <a:effectLst/>
-                <a:latin typeface="+mn-lt"/>
-                <a:ea typeface="+mn-ea"/>
-                <a:cs typeface="+mn-cs"/>
-              </a:rPr>
-              <a:t>The </a:t>
-            </a:r>
-            <a:r>
-              <a:rPr lang="en-US" sz="1200" b="0" i="1" kern="1200" dirty="0" err="1">
-                <a:solidFill>
-                  <a:schemeClr val="tx1"/>
-                </a:solidFill>
-                <a:effectLst/>
-                <a:latin typeface="+mn-lt"/>
-                <a:ea typeface="+mn-ea"/>
-                <a:cs typeface="+mn-cs"/>
-              </a:rPr>
-              <a:t>Trilinos</a:t>
-            </a:r>
-            <a:r>
-              <a:rPr lang="en-US" sz="1200" b="0" i="1" kern="1200" dirty="0">
-                <a:solidFill>
-                  <a:schemeClr val="tx1"/>
-                </a:solidFill>
-                <a:effectLst/>
-                <a:latin typeface="+mn-lt"/>
-                <a:ea typeface="+mn-ea"/>
-                <a:cs typeface="+mn-cs"/>
-              </a:rPr>
-              <a:t> Project is a community of developers, users and </a:t>
-            </a:r>
-            <a:r>
-              <a:rPr lang="en-US" sz="1200" b="0" i="1" u="none" strike="noStrike" kern="1200" dirty="0">
-                <a:solidFill>
-                  <a:schemeClr val="tx1"/>
-                </a:solidFill>
-                <a:effectLst/>
-                <a:latin typeface="+mn-lt"/>
-                <a:ea typeface="+mn-ea"/>
-                <a:cs typeface="+mn-cs"/>
-                <a:hlinkClick r:id="rId3"/>
-              </a:rPr>
-              <a:t>user-developers</a:t>
-            </a:r>
-            <a:r>
-              <a:rPr lang="en-US" sz="1200" b="0" i="1" kern="1200" dirty="0">
-                <a:solidFill>
-                  <a:schemeClr val="tx1"/>
-                </a:solidFill>
-                <a:effectLst/>
-                <a:latin typeface="+mn-lt"/>
-                <a:ea typeface="+mn-ea"/>
-                <a:cs typeface="+mn-cs"/>
-              </a:rPr>
-              <a:t> focused on collaborative creation of algorithms and enabling technologies within an object-oriented software framework for the solution of large-scale, complex multi-physics engineering and scientific problems on new and emerging high-performance computing (HPC) architectures.</a:t>
-            </a:r>
-          </a:p>
-          <a:p>
-            <a:br>
-              <a:rPr lang="en-US" dirty="0"/>
-            </a:br>
-            <a:r>
-              <a:rPr lang="en-US" sz="1200" b="0" i="1" kern="1200" dirty="0" err="1">
-                <a:solidFill>
-                  <a:schemeClr val="tx1"/>
-                </a:solidFill>
-                <a:effectLst/>
-                <a:latin typeface="+mn-lt"/>
-                <a:ea typeface="+mn-ea"/>
-                <a:cs typeface="+mn-cs"/>
-              </a:rPr>
-              <a:t>Trilinos</a:t>
-            </a:r>
-            <a:r>
-              <a:rPr lang="en-US" sz="1200" b="0" i="1" kern="1200" dirty="0">
-                <a:solidFill>
-                  <a:schemeClr val="tx1"/>
-                </a:solidFill>
-                <a:effectLst/>
-                <a:latin typeface="+mn-lt"/>
-                <a:ea typeface="+mn-ea"/>
-                <a:cs typeface="+mn-cs"/>
-              </a:rPr>
-              <a:t> is also a collection of reusable scientific software libraries, known in particular for </a:t>
-            </a:r>
-            <a:r>
-              <a:rPr lang="en-US" sz="1200" b="0" i="1" u="none" strike="noStrike" kern="1200" dirty="0">
-                <a:solidFill>
-                  <a:schemeClr val="tx1"/>
-                </a:solidFill>
-                <a:effectLst/>
-                <a:latin typeface="+mn-lt"/>
-                <a:ea typeface="+mn-ea"/>
-                <a:cs typeface="+mn-cs"/>
-                <a:hlinkClick r:id="rId3"/>
-              </a:rPr>
-              <a:t>linear solvers</a:t>
-            </a:r>
-            <a:r>
-              <a:rPr lang="en-US" sz="1200" b="0" i="1" kern="1200" dirty="0">
-                <a:solidFill>
-                  <a:schemeClr val="tx1"/>
-                </a:solidFill>
-                <a:effectLst/>
-                <a:latin typeface="+mn-lt"/>
-                <a:ea typeface="+mn-ea"/>
-                <a:cs typeface="+mn-cs"/>
-              </a:rPr>
-              <a:t>, </a:t>
-            </a:r>
-            <a:r>
-              <a:rPr lang="en-US" sz="1200" b="0" i="1" u="none" strike="noStrike" kern="1200" dirty="0">
-                <a:solidFill>
-                  <a:schemeClr val="tx1"/>
-                </a:solidFill>
-                <a:effectLst/>
-                <a:latin typeface="+mn-lt"/>
-                <a:ea typeface="+mn-ea"/>
-                <a:cs typeface="+mn-cs"/>
-                <a:hlinkClick r:id="rId3"/>
-              </a:rPr>
-              <a:t>non-linear solvers</a:t>
-            </a:r>
-            <a:r>
-              <a:rPr lang="en-US" sz="1200" b="0" i="1" kern="1200" dirty="0">
-                <a:solidFill>
-                  <a:schemeClr val="tx1"/>
-                </a:solidFill>
-                <a:effectLst/>
-                <a:latin typeface="+mn-lt"/>
-                <a:ea typeface="+mn-ea"/>
-                <a:cs typeface="+mn-cs"/>
-              </a:rPr>
-              <a:t>, </a:t>
-            </a:r>
-            <a:r>
-              <a:rPr lang="en-US" sz="1200" b="0" i="1" u="none" strike="noStrike" kern="1200" dirty="0">
-                <a:solidFill>
-                  <a:schemeClr val="tx1"/>
-                </a:solidFill>
-                <a:effectLst/>
-                <a:latin typeface="+mn-lt"/>
-                <a:ea typeface="+mn-ea"/>
-                <a:cs typeface="+mn-cs"/>
-                <a:hlinkClick r:id="rId3"/>
-              </a:rPr>
-              <a:t>transient solvers</a:t>
-            </a:r>
-            <a:r>
-              <a:rPr lang="en-US" sz="1200" b="0" i="1" kern="1200" dirty="0">
-                <a:solidFill>
-                  <a:schemeClr val="tx1"/>
-                </a:solidFill>
-                <a:effectLst/>
-                <a:latin typeface="+mn-lt"/>
-                <a:ea typeface="+mn-ea"/>
-                <a:cs typeface="+mn-cs"/>
-              </a:rPr>
-              <a:t>, </a:t>
-            </a:r>
-            <a:r>
-              <a:rPr lang="en-US" sz="1200" b="0" i="1" u="none" strike="noStrike" kern="1200" dirty="0">
-                <a:solidFill>
-                  <a:schemeClr val="tx1"/>
-                </a:solidFill>
-                <a:effectLst/>
-                <a:latin typeface="+mn-lt"/>
-                <a:ea typeface="+mn-ea"/>
-                <a:cs typeface="+mn-cs"/>
-                <a:hlinkClick r:id="rId3"/>
-              </a:rPr>
-              <a:t>optimization solvers</a:t>
-            </a:r>
-            <a:r>
-              <a:rPr lang="en-US" sz="1200" b="0" i="1" kern="1200" dirty="0">
-                <a:solidFill>
-                  <a:schemeClr val="tx1"/>
-                </a:solidFill>
-                <a:effectLst/>
-                <a:latin typeface="+mn-lt"/>
-                <a:ea typeface="+mn-ea"/>
-                <a:cs typeface="+mn-cs"/>
-              </a:rPr>
-              <a:t>, and </a:t>
-            </a:r>
-            <a:r>
-              <a:rPr lang="en-US" sz="1200" b="0" i="1" u="none" strike="noStrike" kern="1200" dirty="0">
-                <a:solidFill>
-                  <a:schemeClr val="tx1"/>
-                </a:solidFill>
-                <a:effectLst/>
-                <a:latin typeface="+mn-lt"/>
-                <a:ea typeface="+mn-ea"/>
-                <a:cs typeface="+mn-cs"/>
-                <a:hlinkClick r:id="rId3"/>
-              </a:rPr>
-              <a:t>uncertainty quantification (UQ) solvers</a:t>
-            </a:r>
-            <a:r>
-              <a:rPr lang="en-US" sz="1200" b="0" i="1" kern="1200" dirty="0">
-                <a:solidFill>
-                  <a:schemeClr val="tx1"/>
-                </a:solidFill>
-                <a:effectLst/>
-                <a:latin typeface="+mn-lt"/>
-                <a:ea typeface="+mn-ea"/>
-                <a:cs typeface="+mn-cs"/>
-              </a:rPr>
-              <a:t>.</a:t>
-            </a:r>
-          </a:p>
-          <a:p>
-            <a:br>
-              <a:rPr lang="en-US" dirty="0"/>
-            </a:br>
             <a:endParaRPr lang="en-US" dirty="0"/>
           </a:p>
         </p:txBody>
@@ -1793,7 +1549,7 @@
           <a:p>
             <a:fld id="{54E672D7-8E2D-4611-973D-F4591A707C34}" type="slidenum">
               <a:rPr lang="en-US" smtClean="0"/>
-              <a:t>23</a:t>
+              <a:t>20</a:t>
             </a:fld>
             <a:endParaRPr lang="en-US"/>
           </a:p>
@@ -1802,7 +1558,7 @@
     </p:spTree>
     <p:extLst>
       <p:ext uri="{BB962C8B-B14F-4D97-AF65-F5344CB8AC3E}">
-        <p14:creationId xmlns:p14="http://schemas.microsoft.com/office/powerpoint/2010/main" val="2902190238"/>
+        <p14:creationId xmlns:p14="http://schemas.microsoft.com/office/powerpoint/2010/main" val="3622371461"/>
       </p:ext>
     </p:extLst>
   </p:cSld>
@@ -1856,25 +1612,8 @@
           <a:bodyPr/>
           <a:lstStyle/>
           <a:p>
-            <a:pPr marL="0" marR="0" lvl="0" indent="0" algn="l" defTabSz="914400" rtl="0" eaLnBrk="1" fontAlgn="auto" latinLnBrk="0" hangingPunct="1">
-              <a:lnSpc>
-                <a:spcPct val="100000"/>
-              </a:lnSpc>
-              <a:spcBef>
-                <a:spcPts val="0"/>
-              </a:spcBef>
-              <a:spcAft>
-                <a:spcPts val="0"/>
-              </a:spcAft>
-              <a:buClrTx/>
-              <a:buSzTx/>
-              <a:buFontTx/>
-              <a:buNone/>
-              <a:tabLst/>
-              <a:defRPr/>
-            </a:pPr>
-            <a:r>
-              <a:rPr lang="en-US" sz="1200" b="1" i="0" kern="1200" dirty="0">
+            <a:r>
+              <a:rPr lang="en-US" sz="1200" b="0" i="1" kern="1200" dirty="0">
                 <a:solidFill>
                   <a:schemeClr val="tx1"/>
                 </a:solidFill>
@@ -1883,10 +1622,239 @@
                 <a:ea typeface="+mn-ea"/>
                 <a:cs typeface="+mn-cs"/>
               </a:rPr>
-              <a:t>A High Performance Message Passing Library</a:t>
-            </a:r>
-          </a:p>
-          <a:p>
+              <a:t>From the website: </a:t>
+            </a:r>
+            <a:br>
+              <a:rPr lang="en-US" sz="1200" b="0" i="1" kern="1200" dirty="0">
+                <a:solidFill>
+                  <a:schemeClr val="tx1"/>
+                </a:solidFill>
+                <a:effectLst/>
+                <a:latin typeface="+mn-lt"/>
+                <a:ea typeface="+mn-ea"/>
+                <a:cs typeface="+mn-cs"/>
+              </a:rPr>
+            </a:br>
+            <a:r>
+              <a:rPr lang="en-US" sz="1200" b="0" i="1" kern="1200" dirty="0">
+                <a:solidFill>
+                  <a:schemeClr val="tx1"/>
+                </a:solidFill>
+                <a:effectLst/>
+                <a:latin typeface="+mn-lt"/>
+                <a:ea typeface="+mn-ea"/>
+                <a:cs typeface="+mn-cs"/>
+              </a:rPr>
+              <a:t>The </a:t>
+            </a:r>
+            <a:r>
+              <a:rPr lang="en-US" sz="1200" b="0" i="1" kern="1200" dirty="0" err="1">
+                <a:solidFill>
+                  <a:schemeClr val="tx1"/>
+                </a:solidFill>
+                <a:effectLst/>
+                <a:latin typeface="+mn-lt"/>
+                <a:ea typeface="+mn-ea"/>
+                <a:cs typeface="+mn-cs"/>
+              </a:rPr>
+              <a:t>Trilinos</a:t>
+            </a:r>
+            <a:r>
+              <a:rPr lang="en-US" sz="1200" b="0" i="1" kern="1200" dirty="0">
+                <a:solidFill>
+                  <a:schemeClr val="tx1"/>
+                </a:solidFill>
+                <a:effectLst/>
+                <a:latin typeface="+mn-lt"/>
+                <a:ea typeface="+mn-ea"/>
+                <a:cs typeface="+mn-cs"/>
+              </a:rPr>
+              <a:t> Project is a community of developers, users and </a:t>
+            </a:r>
+            <a:r>
+              <a:rPr lang="en-US" sz="1200" b="0" i="1" u="none" strike="noStrike" kern="1200" dirty="0">
+                <a:solidFill>
+                  <a:schemeClr val="tx1"/>
+                </a:solidFill>
+                <a:effectLst/>
+                <a:latin typeface="+mn-lt"/>
+                <a:ea typeface="+mn-ea"/>
+                <a:cs typeface="+mn-cs"/>
+                <a:hlinkClick r:id="rId3"/>
+              </a:rPr>
+              <a:t>user-developers</a:t>
+            </a:r>
+            <a:r>
+              <a:rPr lang="en-US" sz="1200" b="0" i="1" kern="1200" dirty="0">
+                <a:solidFill>
+                  <a:schemeClr val="tx1"/>
+                </a:solidFill>
+                <a:effectLst/>
+                <a:latin typeface="+mn-lt"/>
+                <a:ea typeface="+mn-ea"/>
+                <a:cs typeface="+mn-cs"/>
+              </a:rPr>
+              <a:t> focused on collaborative creation of algorithms and enabling technologies within an object-oriented software framework for the solution of large-scale, complex multi-physics engineering and scientific problems on new and emerging high-performance computing (HPC) architectures.</a:t>
+            </a:r>
+          </a:p>
+          <a:p>
+            <a:br>
+              <a:rPr lang="en-US" dirty="0"/>
+            </a:br>
+            <a:r>
+              <a:rPr lang="en-US" sz="1200" b="0" i="1" kern="1200" dirty="0" err="1">
+                <a:solidFill>
+                  <a:schemeClr val="tx1"/>
+                </a:solidFill>
+                <a:effectLst/>
+                <a:latin typeface="+mn-lt"/>
+                <a:ea typeface="+mn-ea"/>
+                <a:cs typeface="+mn-cs"/>
+              </a:rPr>
+              <a:t>Trilinos</a:t>
+            </a:r>
+            <a:r>
+              <a:rPr lang="en-US" sz="1200" b="0" i="1" kern="1200" dirty="0">
+                <a:solidFill>
+                  <a:schemeClr val="tx1"/>
+                </a:solidFill>
+                <a:effectLst/>
+                <a:latin typeface="+mn-lt"/>
+                <a:ea typeface="+mn-ea"/>
+                <a:cs typeface="+mn-cs"/>
+              </a:rPr>
+              <a:t> is also a collection of reusable scientific software libraries, known in particular for </a:t>
+            </a:r>
+            <a:r>
+              <a:rPr lang="en-US" sz="1200" b="0" i="1" u="none" strike="noStrike" kern="1200" dirty="0">
+                <a:solidFill>
+                  <a:schemeClr val="tx1"/>
+                </a:solidFill>
+                <a:effectLst/>
+                <a:latin typeface="+mn-lt"/>
+                <a:ea typeface="+mn-ea"/>
+                <a:cs typeface="+mn-cs"/>
+                <a:hlinkClick r:id="rId3"/>
+              </a:rPr>
+              <a:t>linear solvers</a:t>
+            </a:r>
+            <a:r>
+              <a:rPr lang="en-US" sz="1200" b="0" i="1" kern="1200" dirty="0">
+                <a:solidFill>
+                  <a:schemeClr val="tx1"/>
+                </a:solidFill>
+                <a:effectLst/>
+                <a:latin typeface="+mn-lt"/>
+                <a:ea typeface="+mn-ea"/>
+                <a:cs typeface="+mn-cs"/>
+              </a:rPr>
+              <a:t>, </a:t>
+            </a:r>
+            <a:r>
+              <a:rPr lang="en-US" sz="1200" b="0" i="1" u="none" strike="noStrike" kern="1200" dirty="0">
+                <a:solidFill>
+                  <a:schemeClr val="tx1"/>
+                </a:solidFill>
+                <a:effectLst/>
+                <a:latin typeface="+mn-lt"/>
+                <a:ea typeface="+mn-ea"/>
+                <a:cs typeface="+mn-cs"/>
+                <a:hlinkClick r:id="rId3"/>
+              </a:rPr>
+              <a:t>non-linear solvers</a:t>
+            </a:r>
+            <a:r>
+              <a:rPr lang="en-US" sz="1200" b="0" i="1" kern="1200" dirty="0">
+                <a:solidFill>
+                  <a:schemeClr val="tx1"/>
+                </a:solidFill>
+                <a:effectLst/>
+                <a:latin typeface="+mn-lt"/>
+                <a:ea typeface="+mn-ea"/>
+                <a:cs typeface="+mn-cs"/>
+              </a:rPr>
+              <a:t>, </a:t>
+            </a:r>
+            <a:r>
+              <a:rPr lang="en-US" sz="1200" b="0" i="1" u="none" strike="noStrike" kern="1200" dirty="0">
+                <a:solidFill>
+                  <a:schemeClr val="tx1"/>
+                </a:solidFill>
+                <a:effectLst/>
+                <a:latin typeface="+mn-lt"/>
+                <a:ea typeface="+mn-ea"/>
+                <a:cs typeface="+mn-cs"/>
+                <a:hlinkClick r:id="rId3"/>
+              </a:rPr>
+              <a:t>transient solvers</a:t>
+            </a:r>
+            <a:r>
+              <a:rPr lang="en-US" sz="1200" b="0" i="1" kern="1200" dirty="0">
+                <a:solidFill>
+                  <a:schemeClr val="tx1"/>
+                </a:solidFill>
+                <a:effectLst/>
+                <a:latin typeface="+mn-lt"/>
+                <a:ea typeface="+mn-ea"/>
+                <a:cs typeface="+mn-cs"/>
+              </a:rPr>
+              <a:t>, </a:t>
+            </a:r>
+            <a:r>
+              <a:rPr lang="en-US" sz="1200" b="0" i="1" u="none" strike="noStrike" kern="1200" dirty="0">
+                <a:solidFill>
+                  <a:schemeClr val="tx1"/>
+                </a:solidFill>
+                <a:effectLst/>
+                <a:latin typeface="+mn-lt"/>
+                <a:ea typeface="+mn-ea"/>
+                <a:cs typeface="+mn-cs"/>
+                <a:hlinkClick r:id="rId3"/>
+              </a:rPr>
+              <a:t>optimization solvers</a:t>
+            </a:r>
+            <a:r>
+              <a:rPr lang="en-US" sz="1200" b="0" i="1" kern="1200" dirty="0">
+                <a:solidFill>
+                  <a:schemeClr val="tx1"/>
+                </a:solidFill>
+                <a:effectLst/>
+                <a:latin typeface="+mn-lt"/>
+                <a:ea typeface="+mn-ea"/>
+                <a:cs typeface="+mn-cs"/>
+              </a:rPr>
+              <a:t>, and </a:t>
+            </a:r>
+            <a:r>
+              <a:rPr lang="en-US" sz="1200" b="0" i="1" u="none" strike="noStrike" kern="1200" dirty="0">
+                <a:solidFill>
+                  <a:schemeClr val="tx1"/>
+                </a:solidFill>
+                <a:effectLst/>
+                <a:latin typeface="+mn-lt"/>
+                <a:ea typeface="+mn-ea"/>
+                <a:cs typeface="+mn-cs"/>
+                <a:hlinkClick r:id="rId3"/>
+              </a:rPr>
+              <a:t>uncertainty quantification (UQ) solvers</a:t>
+            </a:r>
+            <a:r>
+              <a:rPr lang="en-US" sz="1200" b="0" i="1" kern="1200" dirty="0">
+                <a:solidFill>
+                  <a:schemeClr val="tx1"/>
+                </a:solidFill>
+                <a:effectLst/>
+                <a:latin typeface="+mn-lt"/>
+                <a:ea typeface="+mn-ea"/>
+                <a:cs typeface="+mn-cs"/>
+              </a:rPr>
+              <a:t>.</a:t>
+            </a:r>
+          </a:p>
+          <a:p>
+            <a:br>
+              <a:rPr lang="en-US" dirty="0"/>
+            </a:br>
             <a:endParaRPr lang="en-US" dirty="0"/>
           </a:p>
         </p:txBody>
@@ -1908,7 +1876,7 @@
           <a:p>
             <a:fld id="{54E672D7-8E2D-4611-973D-F4591A707C34}" type="slidenum">
               <a:rPr lang="en-US" smtClean="0"/>
-              <a:t>24</a:t>
+              <a:t>22</a:t>
             </a:fld>
             <a:endParaRPr lang="en-US"/>
           </a:p>
@@ -1917,7 +1885,7 @@
     </p:spTree>
     <p:extLst>
       <p:ext uri="{BB962C8B-B14F-4D97-AF65-F5344CB8AC3E}">
-        <p14:creationId xmlns:p14="http://schemas.microsoft.com/office/powerpoint/2010/main" val="2825016049"/>
+        <p14:creationId xmlns:p14="http://schemas.microsoft.com/office/powerpoint/2010/main" val="2902190238"/>
       </p:ext>
     </p:extLst>
   </p:cSld>
@@ -2055,8 +2023,25 @@
           <a:bodyPr/>
           <a:lstStyle/>
           <a:p>
-            <a:r>
-              <a:rPr lang="en-US" sz="1200" b="0" i="0" kern="1200" dirty="0" err="1">
+            <a:pPr marL="0" marR="0" lvl="0" indent="0" algn="l" defTabSz="914400" rtl="0" eaLnBrk="1" fontAlgn="auto" latinLnBrk="0" hangingPunct="1">
+              <a:lnSpc>
+                <a:spcPct val="100000"/>
+              </a:lnSpc>
+              <a:spcBef>
+                <a:spcPts val="0"/>
+              </a:spcBef>
+              <a:spcAft>
+                <a:spcPts val="0"/>
+              </a:spcAft>
+              <a:buClrTx/>
+              <a:buSzTx/>
+              <a:buFontTx/>
+              <a:buNone/>
+              <a:tabLst/>
+              <a:defRPr/>
+            </a:pPr>
+            <a:r>
+              <a:rPr lang="en-US" sz="1200" b="1" i="0" kern="1200" dirty="0">
                 <a:solidFill>
                   <a:schemeClr val="tx1"/>
                 </a:solidFill>
@@ -2065,34 +2050,10 @@
                 <a:ea typeface="+mn-ea"/>
                 <a:cs typeface="+mn-cs"/>
               </a:rPr>
-              <a:t>FleCSI</a:t>
-            </a:r>
-            <a:r>
-              <a:rPr lang="en-US" sz="1200" b="0" i="0" kern="1200" dirty="0">
-                <a:solidFill>
-                  <a:schemeClr val="tx1"/>
-                </a:solidFill>
-                <a:effectLst/>
-                <a:latin typeface="+mn-lt"/>
-                <a:ea typeface="+mn-ea"/>
-                <a:cs typeface="+mn-cs"/>
-              </a:rPr>
-              <a:t> is a compile-time configurable framework designed to support multi-physics application development for current and emerging HPC systems.</a:t>
-            </a:r>
-          </a:p>
-          <a:p>
-            <a:r>
-              <a:rPr lang="en-US" sz="1200" b="0" i="0" kern="1200" dirty="0">
-                <a:solidFill>
-                  <a:schemeClr val="tx1"/>
-                </a:solidFill>
-                <a:effectLst/>
-                <a:latin typeface="+mn-lt"/>
-                <a:ea typeface="+mn-ea"/>
-                <a:cs typeface="+mn-cs"/>
-              </a:rPr>
-              <a:t>In the diagram there is a 1.x branch only for new releases,  an initial 1.0 release branch with tag 1.0.0 as the initial release and tags 1.0.1, 1.0.2 for bug fixes, when 1.1 feature is release again an initial tag 1.1.0, then bug fix release tags 1.1.1 &amp; 1.1.2 etc. Once a major version goes into maintenance mode and a new major feature branch begins; in this case 2.x and like branches and tags are created for 2.x </a:t>
-            </a:r>
+              <a:t>A High Performance Message Passing Library</a:t>
+            </a:r>
+          </a:p>
+          <a:p>
             <a:endParaRPr lang="en-US" dirty="0"/>
           </a:p>
         </p:txBody>
@@ -2114,7 +2075,7 @@
           <a:p>
             <a:fld id="{54E672D7-8E2D-4611-973D-F4591A707C34}" type="slidenum">
               <a:rPr lang="en-US" smtClean="0"/>
-              <a:t>25</a:t>
+              <a:t>23</a:t>
             </a:fld>
             <a:endParaRPr lang="en-US"/>
           </a:p>
@@ -2123,7 +2084,7 @@
     </p:spTree>
     <p:extLst>
       <p:ext uri="{BB962C8B-B14F-4D97-AF65-F5344CB8AC3E}">
-        <p14:creationId xmlns:p14="http://schemas.microsoft.com/office/powerpoint/2010/main" val="3016390096"/>
+        <p14:creationId xmlns:p14="http://schemas.microsoft.com/office/powerpoint/2010/main" val="2825016049"/>
       </p:ext>
     </p:extLst>
   </p:cSld>
@@ -2177,6 +2138,128 @@
           <a:bodyPr/>
           <a:lstStyle/>
           <a:p>
+            <a:r>
+              <a:rPr lang="en-US" sz="1200" b="0" i="0" kern="1200" dirty="0" err="1">
+                <a:solidFill>
+                  <a:schemeClr val="tx1"/>
+                </a:solidFill>
+                <a:effectLst/>
+                <a:latin typeface="+mn-lt"/>
+                <a:ea typeface="+mn-ea"/>
+                <a:cs typeface="+mn-cs"/>
+              </a:rPr>
+              <a:t>FleCSI</a:t>
+            </a:r>
+            <a:r>
+              <a:rPr lang="en-US" sz="1200" b="0" i="0" kern="1200" dirty="0">
+                <a:solidFill>
+                  <a:schemeClr val="tx1"/>
+                </a:solidFill>
+                <a:effectLst/>
+                <a:latin typeface="+mn-lt"/>
+                <a:ea typeface="+mn-ea"/>
+                <a:cs typeface="+mn-cs"/>
+              </a:rPr>
+              <a:t> is a compile-time configurable framework designed to support multi-physics application development for current and emerging HPC systems.</a:t>
+            </a:r>
+          </a:p>
+          <a:p>
+            <a:r>
+              <a:rPr lang="en-US" sz="1200" b="0" i="0" kern="1200" dirty="0">
+                <a:solidFill>
+                  <a:schemeClr val="tx1"/>
+                </a:solidFill>
+                <a:effectLst/>
+                <a:latin typeface="+mn-lt"/>
+                <a:ea typeface="+mn-ea"/>
+                <a:cs typeface="+mn-cs"/>
+              </a:rPr>
+              <a:t>In the diagram there is a 1.x branch only for new releases,  an initial 1.0 release branch with tag 1.0.0 as the initial release and tags 1.0.1, 1.0.2 for bug fixes, when 1.1 feature is release again an initial tag 1.1.0, then bug fix release tags 1.1.1 &amp; 1.1.2 etc. Once a major version goes into maintenance mode and a new major feature branch begins; in this case 2.x and like branches and tags are created for 2.x </a:t>
+            </a:r>
+            <a:endParaRPr lang="en-US" dirty="0"/>
+          </a:p>
+        </p:txBody>
+      </p:sp>
+      <p:sp>
+        <p:nvSpPr>
+          <p:cNvPr id="4" name="Slide Number Placeholder 3"/>
+          <p:cNvSpPr>
+            <a:spLocks noGrp="1"/>
+          </p:cNvSpPr>
+          <p:nvPr>
+            <p:ph type="sldNum" sz="quarter" idx="10"/>
+          </p:nvPr>
+        </p:nvSpPr>
+        <p:spPr/>
+        <p:txBody>
+          <a:bodyPr/>
+          <a:lstStyle/>
+          <a:p>
+            <a:fld id="{54E672D7-8E2D-4611-973D-F4591A707C34}" type="slidenum">
+              <a:rPr lang="en-US" smtClean="0"/>
+              <a:t>24</a:t>
+            </a:fld>
+            <a:endParaRPr lang="en-US"/>
+          </a:p>
+        </p:txBody>
+      </p:sp>
+    </p:spTree>
+    <p:extLst>
+      <p:ext uri="{BB962C8B-B14F-4D97-AF65-F5344CB8AC3E}">
+        <p14:creationId xmlns:p14="http://schemas.microsoft.com/office/powerpoint/2010/main" val="3016390096"/>
+      </p:ext>
+    </p:extLst>
+  </p:cSld>
+  <p:clrMapOvr>
+    <a:masterClrMapping/>
+  </p:clrMapOvr>
+</p:notes>
+</file>
+
+<file path=ppt/notesSlides/notesSlide22.xml><?xml version="1.0" encoding="utf-8"?>
+<p:notes xmlns:a="http://schemas.openxmlformats.org/drawingml/2006/main" xmlns:r="http://schemas.openxmlformats.org/officeDocument/2006/relationships" xmlns:p="http://schemas.openxmlformats.org/presentationml/2006/main">
+  <p:cSld>
+    <p:spTree>
+      <p:nvGrpSpPr>
+        <p:cNvPr id="1" name=""/>
+        <p:cNvGrpSpPr/>
+        <p:nvPr/>
+      </p:nvGrpSpPr>
+      <p:grpSpPr>
+        <a:xfrm>
+          <a:off x="0" y="0"/>
+          <a:ext cx="0" cy="0"/>
+          <a:chOff x="0" y="0"/>
+          <a:chExt cx="0" cy="0"/>
+        </a:xfrm>
+      </p:grpSpPr>
+      <p:sp>
+        <p:nvSpPr>
+          <p:cNvPr id="2" name="Slide Image Placeholder 1"/>
+          <p:cNvSpPr>
+            <a:spLocks noGrp="1" noRot="1" noChangeAspect="1"/>
+          </p:cNvSpPr>
+          <p:nvPr>
+            <p:ph type="sldImg"/>
+          </p:nvPr>
+        </p:nvSpPr>
+        <p:spPr/>
+      </p:sp>
+      <p:sp>
+        <p:nvSpPr>
+          <p:cNvPr id="3" name="Notes Placeholder 2"/>
+          <p:cNvSpPr>
+            <a:spLocks noGrp="1"/>
+          </p:cNvSpPr>
+          <p:nvPr>
+            <p:ph type="body" idx="1"/>
+          </p:nvPr>
+        </p:nvSpPr>
+        <p:spPr/>
+        <p:txBody>
+          <a:bodyPr/>
+          <a:lstStyle/>
+          <a:p>
             <a:endParaRPr lang="en-US" dirty="0"/>
           </a:p>
         </p:txBody>
@@ -2198,7 +2281,7 @@
           <a:p>
             <a:fld id="{54E672D7-8E2D-4611-973D-F4591A707C34}" type="slidenum">
               <a:rPr lang="en-US" smtClean="0"/>
-              <a:t>26</a:t>
+              <a:t>25</a:t>
             </a:fld>
             <a:endParaRPr lang="en-US"/>
           </a:p>
@@ -2261,35 +2344,7 @@
           <a:bodyPr/>
           <a:lstStyle/>
           <a:p>
-            <a:pPr marL="0" marR="0" lvl="0" indent="0" algn="l" defTabSz="914400" rtl="0" eaLnBrk="1" fontAlgn="auto" latinLnBrk="0" hangingPunct="1">
-              <a:lnSpc>
-                <a:spcPct val="100000"/>
-              </a:lnSpc>
-              <a:spcBef>
-                <a:spcPts val="0"/>
-              </a:spcBef>
-              <a:spcAft>
-                <a:spcPts val="0"/>
-              </a:spcAft>
-              <a:buClrTx/>
-              <a:buSzTx/>
-              <a:buFontTx/>
-              <a:buNone/>
-              <a:tabLst/>
-              <a:defRPr/>
-            </a:pPr>
-            <a:r>
-              <a:rPr lang="en-US" b="1" dirty="0"/>
-              <a:t>Note: Although you may go to the references from this talk that still use master we have replaced the term </a:t>
-            </a:r>
-            <a:r>
-              <a:rPr lang="en-US" b="1"/>
-              <a:t>with main.</a:t>
-            </a:r>
             <a:endParaRPr lang="en-US" b="1" dirty="0"/>
-          </a:p>
-          <a:p>
-            <a:endParaRPr lang="en-US" dirty="0"/>
           </a:p>
         </p:txBody>
       </p:sp>
@@ -2319,7 +2374,7 @@
     </p:spTree>
     <p:extLst>
       <p:ext uri="{BB962C8B-B14F-4D97-AF65-F5344CB8AC3E}">
-        <p14:creationId xmlns:p14="http://schemas.microsoft.com/office/powerpoint/2010/main" val="1340946256"/>
+        <p14:creationId xmlns:p14="http://schemas.microsoft.com/office/powerpoint/2010/main" val="3413212601"/>
       </p:ext>
     </p:extLst>
   </p:cSld>
@@ -2373,7 +2428,7 @@
           <a:bodyPr/>
           <a:lstStyle/>
           <a:p>
-            <a:endParaRPr lang="en-US" b="1" dirty="0"/>
+            <a:endParaRPr lang="en-US" dirty="0"/>
           </a:p>
         </p:txBody>
       </p:sp>
@@ -2384,7 +2439,7 @@
             <a:spLocks noGrp="1"/>
           </p:cNvSpPr>
           <p:nvPr>
-            <p:ph type="sldNum" sz="quarter" idx="5"/>
+            <p:ph type="sldNum" sz="quarter" idx="10"/>
           </p:nvPr>
         </p:nvSpPr>
         <p:spPr/>
@@ -2403,7 +2458,7 @@
     </p:spTree>
     <p:extLst>
       <p:ext uri="{BB962C8B-B14F-4D97-AF65-F5344CB8AC3E}">
-        <p14:creationId xmlns:p14="http://schemas.microsoft.com/office/powerpoint/2010/main" val="3413212601"/>
+        <p14:creationId xmlns:p14="http://schemas.microsoft.com/office/powerpoint/2010/main" val="1996617285"/>
       </p:ext>
     </p:extLst>
   </p:cSld>
@@ -2468,7 +2523,7 @@
             <a:spLocks noGrp="1"/>
           </p:cNvSpPr>
           <p:nvPr>
-            <p:ph type="sldNum" sz="quarter" idx="10"/>
+            <p:ph type="sldNum" sz="quarter" idx="5"/>
           </p:nvPr>
         </p:nvSpPr>
         <p:spPr/>
@@ -2487,7 +2542,7 @@
     </p:spTree>
     <p:extLst>
       <p:ext uri="{BB962C8B-B14F-4D97-AF65-F5344CB8AC3E}">
-        <p14:creationId xmlns:p14="http://schemas.microsoft.com/office/powerpoint/2010/main" val="1996617285"/>
+        <p14:creationId xmlns:p14="http://schemas.microsoft.com/office/powerpoint/2010/main" val="813827686"/>
       </p:ext>
     </p:extLst>
   </p:cSld>
@@ -2541,7 +2596,7 @@
           <a:bodyPr/>
           <a:lstStyle/>
           <a:p>
-            <a:endParaRPr lang="en-US" dirty="0"/>
+            <a:endParaRPr lang="en-US" b="1" dirty="0"/>
           </a:p>
         </p:txBody>
       </p:sp>
@@ -2552,7 +2607,7 @@
             <a:spLocks noGrp="1"/>
           </p:cNvSpPr>
           <p:nvPr>
-            <p:ph type="sldNum" sz="quarter" idx="5"/>
+            <p:ph type="sldNum" sz="quarter" idx="10"/>
           </p:nvPr>
         </p:nvSpPr>
         <p:spPr/>
@@ -2571,7 +2626,7 @@
     </p:spTree>
     <p:extLst>
       <p:ext uri="{BB962C8B-B14F-4D97-AF65-F5344CB8AC3E}">
-        <p14:creationId xmlns:p14="http://schemas.microsoft.com/office/powerpoint/2010/main" val="813827686"/>
+        <p14:creationId xmlns:p14="http://schemas.microsoft.com/office/powerpoint/2010/main" val="468792164"/>
       </p:ext>
     </p:extLst>
   </p:cSld>
@@ -2625,7 +2680,7 @@
           <a:bodyPr/>
           <a:lstStyle/>
           <a:p>
-            <a:endParaRPr lang="en-US" b="1" dirty="0"/>
+            <a:endParaRPr lang="en-US" dirty="0"/>
           </a:p>
         </p:txBody>
       </p:sp>
@@ -2655,7 +2710,7 @@
     </p:spTree>
     <p:extLst>
       <p:ext uri="{BB962C8B-B14F-4D97-AF65-F5344CB8AC3E}">
-        <p14:creationId xmlns:p14="http://schemas.microsoft.com/office/powerpoint/2010/main" val="468792164"/>
+        <p14:creationId xmlns:p14="http://schemas.microsoft.com/office/powerpoint/2010/main" val="4199176634"/>
       </p:ext>
     </p:extLst>
   </p:cSld>
@@ -2709,6 +2764,23 @@
           <a:bodyPr/>
           <a:lstStyle/>
           <a:p>
+            <a:pPr marL="0" marR="0" lvl="0" indent="0" algn="l" defTabSz="914400" rtl="0" eaLnBrk="1" fontAlgn="auto" latinLnBrk="0" hangingPunct="1">
+              <a:lnSpc>
+                <a:spcPct val="100000"/>
+              </a:lnSpc>
+              <a:spcBef>
+                <a:spcPts val="0"/>
+              </a:spcBef>
+              <a:spcAft>
+                <a:spcPts val="0"/>
+              </a:spcAft>
+              <a:buClrTx/>
+              <a:buSzTx/>
+              <a:buFontTx/>
+              <a:buNone/>
+              <a:tabLst/>
+              <a:defRPr/>
+            </a:pPr>
             <a:endParaRPr lang="en-US" dirty="0"/>
           </a:p>
         </p:txBody>
@@ -2739,7 +2811,7 @@
     </p:spTree>
     <p:extLst>
       <p:ext uri="{BB962C8B-B14F-4D97-AF65-F5344CB8AC3E}">
-        <p14:creationId xmlns:p14="http://schemas.microsoft.com/office/powerpoint/2010/main" val="4199176634"/>
+        <p14:creationId xmlns:p14="http://schemas.microsoft.com/office/powerpoint/2010/main" val="3744654501"/>
       </p:ext>
     </p:extLst>
   </p:cSld>
@@ -2793,23 +2865,6 @@
           <a:bodyPr/>
           <a:lstStyle/>
           <a:p>
-            <a:pPr marL="0" marR="0" lvl="0" indent="0" algn="l" defTabSz="914400" rtl="0" eaLnBrk="1" fontAlgn="auto" latinLnBrk="0" hangingPunct="1">
-              <a:lnSpc>
-                <a:spcPct val="100000"/>
-              </a:lnSpc>
-              <a:spcBef>
-                <a:spcPts val="0"/>
-              </a:spcBef>
-              <a:spcAft>
-                <a:spcPts val="0"/>
-              </a:spcAft>
-              <a:buClrTx/>
-              <a:buSzTx/>
-              <a:buFontTx/>
-              <a:buNone/>
-              <a:tabLst/>
-              <a:defRPr/>
-            </a:pPr>
             <a:endParaRPr lang="en-US" dirty="0"/>
           </a:p>
         </p:txBody>
@@ -2840,7 +2895,7 @@
     </p:spTree>
     <p:extLst>
       <p:ext uri="{BB962C8B-B14F-4D97-AF65-F5344CB8AC3E}">
-        <p14:creationId xmlns:p14="http://schemas.microsoft.com/office/powerpoint/2010/main" val="3744654501"/>
+        <p14:creationId xmlns:p14="http://schemas.microsoft.com/office/powerpoint/2010/main" val="3475076490"/>
       </p:ext>
     </p:extLst>
   </p:cSld>
@@ -6393,7 +6448,7 @@
           <p:cNvPr id="2" name="Title 1">
             <a:extLst>
               <a:ext uri="{FF2B5EF4-FFF2-40B4-BE49-F238E27FC236}">
-                <a16:creationId xmlns:a16="http://schemas.microsoft.com/office/drawing/2014/main" id="{07683978-C37D-B543-9210-EFD77EE5A241}"/>
+                <a16:creationId xmlns:a16="http://schemas.microsoft.com/office/drawing/2014/main" id="{24FA9BCD-1562-4542-961E-43799AD6FB46}"/>
               </a:ext>
             </a:extLst>
           </p:cNvPr>
@@ -6411,7 +6466,7 @@
           <a:p>
             <a:r>
               <a:rPr lang="en-US" dirty="0"/>
-              <a:t>Feature Branches</a:t>
+              <a:t>Feature Branch Divergence</a:t>
             </a:r>
           </a:p>
         </p:txBody>
@@ -6421,7 +6476,7 @@
           <p:cNvPr id="3" name="Content Placeholder 2">
             <a:extLst>
               <a:ext uri="{FF2B5EF4-FFF2-40B4-BE49-F238E27FC236}">
-                <a16:creationId xmlns:a16="http://schemas.microsoft.com/office/drawing/2014/main" id="{0B6F2AEF-2300-F84B-BB99-ECEC425AFCAD}"/>
+                <a16:creationId xmlns:a16="http://schemas.microsoft.com/office/drawing/2014/main" id="{871D40ED-5186-C94B-A814-B0077884D00F}"/>
               </a:ext>
             </a:extLst>
           </p:cNvPr>
@@ -6434,8 +6489,8 @@
         </p:nvSpPr>
         <p:spPr>
           <a:xfrm>
-            <a:off x="365761" y="1207973"/>
-            <a:ext cx="6961796" cy="4047778"/>
+            <a:off x="365760" y="1325880"/>
+            <a:ext cx="6937083" cy="4047778"/>
           </a:xfrm>
         </p:spPr>
         <p:txBody>
@@ -6446,69 +6501,48 @@
               <a:buNone/>
             </a:pPr>
             <a:r>
-              <a:rPr lang="en-US" sz="2000" dirty="0"/>
-              <a:t>Extend Centralized Workflow</a:t>
-            </a:r>
-          </a:p>
-          <a:p>
-            <a:r>
-              <a:rPr lang="en-US" sz="2000" dirty="0"/>
-              <a:t>Remote repo has commits A &amp; B</a:t>
-            </a:r>
-          </a:p>
-          <a:p>
-            <a:r>
-              <a:rPr lang="en-US" sz="2000" dirty="0"/>
-              <a:t>Bob pulls remote to synchronize local repo to remote</a:t>
-            </a:r>
-          </a:p>
-          <a:p>
-            <a:r>
-              <a:rPr lang="en-US" sz="2000" dirty="0"/>
-              <a:t>Bob creates local feature branch based on commit B</a:t>
-            </a:r>
-          </a:p>
-          <a:p>
-            <a:r>
-              <a:rPr lang="en-US" sz="2000" dirty="0"/>
-              <a:t>Commit C pushed to remote repo</a:t>
-            </a:r>
-          </a:p>
-          <a:p>
-            <a:r>
-              <a:rPr lang="en-US" sz="2000" dirty="0"/>
-              <a:t>Alice pulls remote to synchronize local repo to remote</a:t>
-            </a:r>
-          </a:p>
-          <a:p>
-            <a:r>
-              <a:rPr lang="en-US" sz="2000" dirty="0"/>
-              <a:t>Alice creates local feature branch based on commit C</a:t>
-            </a:r>
-          </a:p>
-          <a:p>
-            <a:r>
-              <a:rPr lang="en-US" sz="2000" dirty="0"/>
-              <a:t>Both develop independently on local feature branches</a:t>
-            </a:r>
-          </a:p>
-          <a:p>
-            <a:pPr marL="0" indent="0">
-              <a:buNone/>
-            </a:pPr>
-            <a:endParaRPr lang="en-US" sz="2000" dirty="0"/>
-          </a:p>
-          <a:p>
-            <a:endParaRPr lang="en-US" sz="2000" dirty="0"/>
+              <a:rPr lang="en-US" dirty="0"/>
+              <a:t>Alice integrates first without issue</a:t>
+            </a:r>
+          </a:p>
+          <a:p>
+            <a:r>
+              <a:rPr lang="en-US" dirty="0"/>
+              <a:t>Alice does fast-forward merge to local main</a:t>
+            </a:r>
+          </a:p>
+          <a:p>
+            <a:r>
+              <a:rPr lang="en-US" dirty="0"/>
+              <a:t>Alice deletes local feature branch</a:t>
+            </a:r>
+          </a:p>
+          <a:p>
+            <a:r>
+              <a:rPr lang="en-US" dirty="0"/>
+              <a:t>Alice pushes main to remote</a:t>
+            </a:r>
+          </a:p>
+          <a:p>
+            <a:r>
+              <a:rPr lang="en-US" dirty="0"/>
+              <a:t>Meanwhile, Bob pulls main from remote and finds Alice’s changes</a:t>
+            </a:r>
+          </a:p>
+          <a:p>
+            <a:r>
+              <a:rPr lang="en-US" dirty="0"/>
+              <a:t>Merge conflict between commits D and E</a:t>
+            </a:r>
           </a:p>
         </p:txBody>
       </p:sp>
       <p:pic>
         <p:nvPicPr>
-          <p:cNvPr id="4" name="Picture 3">
+          <p:cNvPr id="7" name="Picture 6">
             <a:extLst>
               <a:ext uri="{FF2B5EF4-FFF2-40B4-BE49-F238E27FC236}">
-                <a16:creationId xmlns:a16="http://schemas.microsoft.com/office/drawing/2014/main" id="{7879D0D5-49A1-054D-AEA9-083492052DF4}"/>
+                <a16:creationId xmlns:a16="http://schemas.microsoft.com/office/drawing/2014/main" id="{AD9086A0-DEE9-E447-BB4B-37CD831AEAA9}"/>
               </a:ext>
             </a:extLst>
           </p:cNvPr>
@@ -6518,14 +6552,20 @@
           <p:nvPr/>
         </p:nvPicPr>
         <p:blipFill rotWithShape="1">
-          <a:blip r:embed="rId3"/>
-          <a:srcRect r="56578" b="12291"/>
+          <a:blip r:embed="rId3">
+            <a:extLst>
+              <a:ext uri="{28A0092B-C50C-407E-A947-70E740481C1C}">
+                <a14:useLocalDpi xmlns:a14="http://schemas.microsoft.com/office/drawing/2010/main" val="0"/>
+              </a:ext>
+            </a:extLst>
+          </a:blip>
+          <a:srcRect r="52495" b="19192"/>
           <a:stretch/>
         </p:blipFill>
         <p:spPr>
           <a:xfrm>
-            <a:off x="7543800" y="697314"/>
-            <a:ext cx="3572469" cy="5278438"/>
+            <a:off x="7543800" y="914400"/>
+            <a:ext cx="4108638" cy="5112327"/>
           </a:xfrm>
           <a:prstGeom prst="rect">
             <a:avLst/>
@@ -6537,7 +6577,7 @@
           <p:cNvPr id="5" name="TextBox 4">
             <a:extLst>
               <a:ext uri="{FF2B5EF4-FFF2-40B4-BE49-F238E27FC236}">
-                <a16:creationId xmlns:a16="http://schemas.microsoft.com/office/drawing/2014/main" id="{4D623544-D80B-DE44-A9AF-20717D593275}"/>
+                <a16:creationId xmlns:a16="http://schemas.microsoft.com/office/drawing/2014/main" id="{F0447986-B370-3E4F-9C70-E5C2C6496198}"/>
               </a:ext>
             </a:extLst>
           </p:cNvPr>
@@ -6546,8 +6586,8 @@
         </p:nvSpPr>
         <p:spPr>
           <a:xfrm>
-            <a:off x="7811452" y="4261430"/>
-            <a:ext cx="822960" cy="182880"/>
+            <a:off x="7824152" y="1429068"/>
+            <a:ext cx="822960" cy="274320"/>
           </a:xfrm>
           <a:prstGeom prst="rect">
             <a:avLst/>
@@ -6569,7 +6609,15 @@
             </a:pPr>
             <a:r>
               <a:rPr lang="en-US" sz="1200" b="1" dirty="0"/>
-              <a:t>  main  </a:t>
+              <a:t>  </a:t>
+            </a:r>
+            <a:r>
+              <a:rPr lang="en-US" sz="1300" b="1" dirty="0"/>
+              <a:t>main </a:t>
+            </a:r>
+            <a:r>
+              <a:rPr lang="en-US" sz="1200" b="1" dirty="0"/>
+              <a:t> </a:t>
             </a:r>
           </a:p>
         </p:txBody>
@@ -6579,7 +6627,7 @@
           <p:cNvPr id="6" name="TextBox 5">
             <a:extLst>
               <a:ext uri="{FF2B5EF4-FFF2-40B4-BE49-F238E27FC236}">
-                <a16:creationId xmlns:a16="http://schemas.microsoft.com/office/drawing/2014/main" id="{B65C4322-64FE-B944-AED9-C8749E06B80B}"/>
+                <a16:creationId xmlns:a16="http://schemas.microsoft.com/office/drawing/2014/main" id="{FEE6FFBE-79DA-2346-BAB2-FBE281071C6E}"/>
               </a:ext>
             </a:extLst>
           </p:cNvPr>
@@ -6588,7 +6636,7 @@
         </p:nvSpPr>
         <p:spPr>
           <a:xfrm>
-            <a:off x="7811452" y="2191068"/>
+            <a:off x="7824152" y="4235768"/>
             <a:ext cx="822960" cy="274320"/>
           </a:xfrm>
           <a:prstGeom prst="rect">
@@ -6626,10 +6674,10 @@
       </p:sp>
       <p:sp>
         <p:nvSpPr>
-          <p:cNvPr id="7" name="TextBox 6">
+          <p:cNvPr id="8" name="TextBox 7">
             <a:extLst>
               <a:ext uri="{FF2B5EF4-FFF2-40B4-BE49-F238E27FC236}">
-                <a16:creationId xmlns:a16="http://schemas.microsoft.com/office/drawing/2014/main" id="{D6D37134-F760-9E44-B5F3-B0F1B61D000E}"/>
+                <a16:creationId xmlns:a16="http://schemas.microsoft.com/office/drawing/2014/main" id="{72669AFB-5412-714C-9DB8-976E00B92639}"/>
               </a:ext>
             </a:extLst>
           </p:cNvPr>
@@ -6638,7 +6686,7 @@
         </p:nvSpPr>
         <p:spPr>
           <a:xfrm>
-            <a:off x="7765732" y="4981431"/>
+            <a:off x="7824152" y="5047616"/>
             <a:ext cx="822960" cy="274320"/>
           </a:xfrm>
           <a:prstGeom prst="rect">
@@ -6677,7 +6725,7 @@
     </p:spTree>
     <p:extLst>
       <p:ext uri="{BB962C8B-B14F-4D97-AF65-F5344CB8AC3E}">
-        <p14:creationId xmlns:p14="http://schemas.microsoft.com/office/powerpoint/2010/main" val="767238769"/>
+        <p14:creationId xmlns:p14="http://schemas.microsoft.com/office/powerpoint/2010/main" val="2883724709"/>
       </p:ext>
     </p:extLst>
   </p:cSld>
@@ -6709,7 +6757,7 @@
           <p:cNvPr id="2" name="Title 1">
             <a:extLst>
               <a:ext uri="{FF2B5EF4-FFF2-40B4-BE49-F238E27FC236}">
-                <a16:creationId xmlns:a16="http://schemas.microsoft.com/office/drawing/2014/main" id="{24FA9BCD-1562-4542-961E-43799AD6FB46}"/>
+                <a16:creationId xmlns:a16="http://schemas.microsoft.com/office/drawing/2014/main" id="{726A24D0-D0B5-A64E-9BB5-4FF8D0A80CA3}"/>
               </a:ext>
             </a:extLst>
           </p:cNvPr>
@@ -6727,7 +6775,7 @@
           <a:p>
             <a:r>
               <a:rPr lang="en-US" dirty="0"/>
-              <a:t>Feature Branch Divergence</a:t>
+              <a:t>Feature Race Condition</a:t>
             </a:r>
           </a:p>
         </p:txBody>
@@ -6737,7 +6785,7 @@
           <p:cNvPr id="3" name="Content Placeholder 2">
             <a:extLst>
               <a:ext uri="{FF2B5EF4-FFF2-40B4-BE49-F238E27FC236}">
-                <a16:creationId xmlns:a16="http://schemas.microsoft.com/office/drawing/2014/main" id="{871D40ED-5186-C94B-A814-B0077884D00F}"/>
+                <a16:creationId xmlns:a16="http://schemas.microsoft.com/office/drawing/2014/main" id="{7D23096A-BE81-5C4B-873F-5CDBBBD47487}"/>
               </a:ext>
             </a:extLst>
           </p:cNvPr>
@@ -6751,7 +6799,7 @@
         <p:spPr>
           <a:xfrm>
             <a:off x="365760" y="1325880"/>
-            <a:ext cx="6937083" cy="4047778"/>
+            <a:ext cx="6578737" cy="4047778"/>
           </a:xfrm>
         </p:spPr>
         <p:txBody>
@@ -6762,48 +6810,105 @@
               <a:buNone/>
             </a:pPr>
             <a:r>
-              <a:rPr lang="en-US" dirty="0"/>
-              <a:t>Alice integrates first without issue</a:t>
-            </a:r>
-          </a:p>
-          <a:p>
-            <a:r>
-              <a:rPr lang="en-US" dirty="0"/>
-              <a:t>Alice does fast-forward merge to local main</a:t>
-            </a:r>
-          </a:p>
-          <a:p>
-            <a:r>
-              <a:rPr lang="en-US" dirty="0"/>
-              <a:t>Alice deletes local feature branch</a:t>
-            </a:r>
-          </a:p>
-          <a:p>
-            <a:r>
-              <a:rPr lang="en-US" dirty="0"/>
-              <a:t>Alice pushes main to remote</a:t>
-            </a:r>
-          </a:p>
-          <a:p>
-            <a:r>
-              <a:rPr lang="en-US" dirty="0"/>
-              <a:t>Meanwhile, Bob pulls main from remote and finds Alice’s changes</a:t>
-            </a:r>
-          </a:p>
-          <a:p>
-            <a:r>
-              <a:rPr lang="en-US" dirty="0"/>
-              <a:t>Merge conflict between commits D and E</a:t>
-            </a:r>
+              <a:rPr lang="en-US" sz="1800" dirty="0"/>
+              <a:t>Integration occurs on Bob’s local repo</a:t>
+            </a:r>
+          </a:p>
+          <a:p>
+            <a:r>
+              <a:rPr lang="en-US" sz="1800" dirty="0"/>
+              <a:t>Bob laments not having fast-forward merge</a:t>
+            </a:r>
+          </a:p>
+          <a:p>
+            <a:r>
+              <a:rPr lang="en-US" sz="1800" dirty="0"/>
+              <a:t>Bob </a:t>
+            </a:r>
+            <a:r>
+              <a:rPr lang="en-US" sz="1800" b="1" dirty="0"/>
+              <a:t>rebases</a:t>
+            </a:r>
+            <a:r>
+              <a:rPr lang="en-US" sz="1800" dirty="0"/>
+              <a:t> local feature branch to latest commit on main</a:t>
+            </a:r>
+          </a:p>
+          <a:p>
+            <a:pPr lvl="1"/>
+            <a:r>
+              <a:rPr lang="en-US" sz="1800" dirty="0"/>
+              <a:t>E based off of commit B</a:t>
+            </a:r>
+          </a:p>
+          <a:p>
+            <a:pPr lvl="1"/>
+            <a:r>
+              <a:rPr lang="en-US" sz="1800" dirty="0"/>
+              <a:t>E’ based off of Alice’s commit I</a:t>
+            </a:r>
+          </a:p>
+          <a:p>
+            <a:pPr lvl="1"/>
+            <a:r>
+              <a:rPr lang="en-US" sz="1800" dirty="0"/>
+              <a:t>E’ is E integrated with commits C, D, F, G, I</a:t>
+            </a:r>
+          </a:p>
+          <a:p>
+            <a:r>
+              <a:rPr lang="en-US" sz="1800" dirty="0"/>
+              <a:t>Merge conflict resolved by Bob &amp; Alice on Bob’s local branch when converting commit E into E’</a:t>
+            </a:r>
+          </a:p>
+          <a:p>
+            <a:r>
+              <a:rPr lang="en-US" sz="1800" dirty="0"/>
+              <a:t>Can test on feature branch and merge easily and cleanly</a:t>
+            </a:r>
+          </a:p>
+          <a:p>
+            <a:endParaRPr lang="en-US" sz="1800" dirty="0"/>
+          </a:p>
+          <a:p>
+            <a:r>
+              <a:rPr lang="en-US" sz="1800" dirty="0"/>
+              <a:t>See </a:t>
+            </a:r>
+            <a:r>
+              <a:rPr lang="en-US" sz="1800" dirty="0">
+                <a:hlinkClick r:id="rId3"/>
+              </a:rPr>
+              <a:t>Atlassian/BitBucket</a:t>
+            </a:r>
+            <a:r>
+              <a:rPr lang="en-US" sz="1800" dirty="0"/>
+              <a:t> for a richer Feature Branch Workflow</a:t>
+            </a:r>
+          </a:p>
+          <a:p>
+            <a:endParaRPr lang="en-US" sz="1800" dirty="0"/>
+          </a:p>
+          <a:p>
+            <a:pPr marL="0" indent="0">
+              <a:buNone/>
+            </a:pPr>
+            <a:endParaRPr lang="en-US" dirty="0"/>
+          </a:p>
+          <a:p>
+            <a:pPr marL="0" indent="0">
+              <a:buNone/>
+            </a:pPr>
+            <a:endParaRPr lang="en-US" dirty="0"/>
           </a:p>
         </p:txBody>
       </p:sp>
       <p:pic>
         <p:nvPicPr>
-          <p:cNvPr id="7" name="Picture 6">
+          <p:cNvPr id="4" name="Picture 3">
             <a:extLst>
               <a:ext uri="{FF2B5EF4-FFF2-40B4-BE49-F238E27FC236}">
-                <a16:creationId xmlns:a16="http://schemas.microsoft.com/office/drawing/2014/main" id="{AD9086A0-DEE9-E447-BB4B-37CD831AEAA9}"/>
+                <a16:creationId xmlns:a16="http://schemas.microsoft.com/office/drawing/2014/main" id="{F9B7AE99-A7E9-BB4D-9635-C82C9229FB63}"/>
               </a:ext>
             </a:extLst>
           </p:cNvPr>
@@ -6813,20 +6918,20 @@
           <p:nvPr/>
         </p:nvPicPr>
         <p:blipFill rotWithShape="1">
-          <a:blip r:embed="rId3">
+          <a:blip r:embed="rId4">
             <a:extLst>
               <a:ext uri="{28A0092B-C50C-407E-A947-70E740481C1C}">
                 <a14:useLocalDpi xmlns:a14="http://schemas.microsoft.com/office/drawing/2010/main" val="0"/>
               </a:ext>
             </a:extLst>
           </a:blip>
-          <a:srcRect r="52495" b="19192"/>
+          <a:srcRect r="52729" b="18960"/>
           <a:stretch/>
         </p:blipFill>
         <p:spPr>
           <a:xfrm>
-            <a:off x="7543800" y="914400"/>
-            <a:ext cx="4108638" cy="5112327"/>
+            <a:off x="7543801" y="914399"/>
+            <a:ext cx="4068751" cy="5102352"/>
           </a:xfrm>
           <a:prstGeom prst="rect">
             <a:avLst/>
@@ -6838,7 +6943,7 @@
           <p:cNvPr id="5" name="TextBox 4">
             <a:extLst>
               <a:ext uri="{FF2B5EF4-FFF2-40B4-BE49-F238E27FC236}">
-                <a16:creationId xmlns:a16="http://schemas.microsoft.com/office/drawing/2014/main" id="{F0447986-B370-3E4F-9C70-E5C2C6496198}"/>
+                <a16:creationId xmlns:a16="http://schemas.microsoft.com/office/drawing/2014/main" id="{AEEEF759-A97D-EE48-B9CD-6A8DF100A3BC}"/>
               </a:ext>
             </a:extLst>
           </p:cNvPr>
@@ -6847,7 +6952,7 @@
         </p:nvSpPr>
         <p:spPr>
           <a:xfrm>
-            <a:off x="7824152" y="1429068"/>
+            <a:off x="7900352" y="1429068"/>
             <a:ext cx="822960" cy="274320"/>
           </a:xfrm>
           <a:prstGeom prst="rect">
@@ -6888,7 +6993,7 @@
           <p:cNvPr id="6" name="TextBox 5">
             <a:extLst>
               <a:ext uri="{FF2B5EF4-FFF2-40B4-BE49-F238E27FC236}">
-                <a16:creationId xmlns:a16="http://schemas.microsoft.com/office/drawing/2014/main" id="{FEE6FFBE-79DA-2346-BAB2-FBE281071C6E}"/>
+                <a16:creationId xmlns:a16="http://schemas.microsoft.com/office/drawing/2014/main" id="{E81F1C79-6628-EF4E-B43B-3934FEE0AD37}"/>
               </a:ext>
             </a:extLst>
           </p:cNvPr>
@@ -6897,7 +7002,7 @@
         </p:nvSpPr>
         <p:spPr>
           <a:xfrm>
-            <a:off x="7824152" y="4235768"/>
+            <a:off x="7900352" y="4121023"/>
             <a:ext cx="822960" cy="274320"/>
           </a:xfrm>
           <a:prstGeom prst="rect">
@@ -6935,10 +7040,10 @@
       </p:sp>
       <p:sp>
         <p:nvSpPr>
-          <p:cNvPr id="8" name="TextBox 7">
+          <p:cNvPr id="7" name="TextBox 6">
             <a:extLst>
               <a:ext uri="{FF2B5EF4-FFF2-40B4-BE49-F238E27FC236}">
-                <a16:creationId xmlns:a16="http://schemas.microsoft.com/office/drawing/2014/main" id="{72669AFB-5412-714C-9DB8-976E00B92639}"/>
+                <a16:creationId xmlns:a16="http://schemas.microsoft.com/office/drawing/2014/main" id="{104FC445-FE31-A848-9D02-6A9B1DC6D745}"/>
               </a:ext>
             </a:extLst>
           </p:cNvPr>
@@ -6947,7 +7052,7 @@
         </p:nvSpPr>
         <p:spPr>
           <a:xfrm>
-            <a:off x="7824152" y="5047616"/>
+            <a:off x="7868284" y="4988749"/>
             <a:ext cx="822960" cy="274320"/>
           </a:xfrm>
           <a:prstGeom prst="rect">
@@ -6986,7 +7091,7 @@
     </p:spTree>
     <p:extLst>
       <p:ext uri="{BB962C8B-B14F-4D97-AF65-F5344CB8AC3E}">
-        <p14:creationId xmlns:p14="http://schemas.microsoft.com/office/powerpoint/2010/main" val="2883724709"/>
+        <p14:creationId xmlns:p14="http://schemas.microsoft.com/office/powerpoint/2010/main" val="3133443400"/>
       </p:ext>
     </p:extLst>
   </p:cSld>
@@ -7018,7 +7123,7 @@
           <p:cNvPr id="2" name="Title 1">
             <a:extLst>
               <a:ext uri="{FF2B5EF4-FFF2-40B4-BE49-F238E27FC236}">
-                <a16:creationId xmlns:a16="http://schemas.microsoft.com/office/drawing/2014/main" id="{726A24D0-D0B5-A64E-9BB5-4FF8D0A80CA3}"/>
+                <a16:creationId xmlns:a16="http://schemas.microsoft.com/office/drawing/2014/main" id="{5E55DB01-506C-2448-9D32-40AE24ED5E5B}"/>
               </a:ext>
             </a:extLst>
           </p:cNvPr>
@@ -7036,7 +7141,7 @@
           <a:p>
             <a:r>
               <a:rPr lang="en-US" dirty="0"/>
-              <a:t>Feature Race Condition</a:t>
+              <a:t>More Branches</a:t>
             </a:r>
           </a:p>
         </p:txBody>
@@ -7046,7 +7151,7 @@
           <p:cNvPr id="3" name="Content Placeholder 2">
             <a:extLst>
               <a:ext uri="{FF2B5EF4-FFF2-40B4-BE49-F238E27FC236}">
-                <a16:creationId xmlns:a16="http://schemas.microsoft.com/office/drawing/2014/main" id="{7D23096A-BE81-5C4B-873F-5CDBBBD47487}"/>
+                <a16:creationId xmlns:a16="http://schemas.microsoft.com/office/drawing/2014/main" id="{AB1E63D6-6FAD-4145-81C6-9BCC413E2E16}"/>
               </a:ext>
             </a:extLst>
           </p:cNvPr>
@@ -7059,8 +7164,8 @@
         </p:nvSpPr>
         <p:spPr>
           <a:xfrm>
-            <a:off x="365760" y="1325880"/>
-            <a:ext cx="6578737" cy="4047778"/>
+            <a:off x="365761" y="958883"/>
+            <a:ext cx="5997969" cy="4047778"/>
           </a:xfrm>
         </p:spPr>
         <p:txBody>
@@ -7071,105 +7176,51 @@
               <a:buNone/>
             </a:pPr>
             <a:r>
-              <a:rPr lang="en-US" sz="1800" dirty="0"/>
-              <a:t>Integration occurs on Bob’s local repo</a:t>
-            </a:r>
-          </a:p>
-          <a:p>
-            <a:r>
-              <a:rPr lang="en-US" sz="1800" dirty="0"/>
-              <a:t>Bob laments not having fast-forward merge</a:t>
-            </a:r>
-          </a:p>
-          <a:p>
-            <a:r>
-              <a:rPr lang="en-US" sz="1800" dirty="0"/>
-              <a:t>Bob </a:t>
-            </a:r>
-            <a:r>
-              <a:rPr lang="en-US" sz="1800" b="1" dirty="0"/>
-              <a:t>rebases</a:t>
-            </a:r>
-            <a:r>
-              <a:rPr lang="en-US" sz="1800" dirty="0"/>
-              <a:t> local feature branch to latest commit on main</a:t>
+              <a:rPr lang="en-US" dirty="0"/>
+              <a:t>Branches with </a:t>
+            </a:r>
+            <a:r>
+              <a:rPr lang="en-US" u="sng" dirty="0"/>
+              <a:t>infinite lifetime</a:t>
+            </a:r>
+          </a:p>
+          <a:p>
+            <a:r>
+              <a:rPr lang="en-US" dirty="0"/>
+              <a:t>Base off of main branch</a:t>
+            </a:r>
+          </a:p>
+          <a:p>
+            <a:r>
+              <a:rPr lang="en-US" dirty="0"/>
+              <a:t>Exist in all copies of a repository</a:t>
+            </a:r>
+          </a:p>
+          <a:p>
+            <a:r>
+              <a:rPr lang="en-US" dirty="0"/>
+              <a:t>Each provides a distinct </a:t>
+            </a:r>
+            <a:r>
+              <a:rPr lang="en-US" b="1" dirty="0"/>
+              <a:t>environment</a:t>
             </a:r>
           </a:p>
           <a:p>
             <a:pPr lvl="1"/>
             <a:r>
-              <a:rPr lang="en-US" sz="1800" dirty="0"/>
-              <a:t>E based off of commit B</a:t>
-            </a:r>
-          </a:p>
-          <a:p>
-            <a:pPr lvl="1"/>
-            <a:r>
-              <a:rPr lang="en-US" sz="1800" dirty="0"/>
-              <a:t>E’ based off of Alice’s commit I</a:t>
-            </a:r>
-          </a:p>
-          <a:p>
-            <a:pPr lvl="1"/>
-            <a:r>
-              <a:rPr lang="en-US" sz="1800" dirty="0"/>
-              <a:t>E’ is E integrated with commits C, D, F, G, I</a:t>
-            </a:r>
-          </a:p>
-          <a:p>
-            <a:r>
-              <a:rPr lang="en-US" sz="1800" dirty="0"/>
-              <a:t>Merge conflict resolved by Bob &amp; Alice on Bob’s local branch when converting commit E into E’</a:t>
-            </a:r>
-          </a:p>
-          <a:p>
-            <a:r>
-              <a:rPr lang="en-US" sz="1800" dirty="0"/>
-              <a:t>Can test on feature branch and merge easily and cleanly</a:t>
-            </a:r>
-          </a:p>
-          <a:p>
-            <a:endParaRPr lang="en-US" sz="1800" dirty="0"/>
-          </a:p>
-          <a:p>
-            <a:r>
-              <a:rPr lang="en-US" sz="1800" dirty="0"/>
-              <a:t>See </a:t>
-            </a:r>
-            <a:r>
-              <a:rPr lang="en-US" sz="1800" dirty="0">
-                <a:hlinkClick r:id="rId3"/>
-              </a:rPr>
-              <a:t>Atlassian/BitBucket</a:t>
-            </a:r>
-            <a:r>
-              <a:rPr lang="en-US" sz="1800" dirty="0"/>
-              <a:t> for a richer Feature Branch Workflow</a:t>
-            </a:r>
-          </a:p>
-          <a:p>
-            <a:endParaRPr lang="en-US" sz="1800" dirty="0"/>
-          </a:p>
-          <a:p>
-            <a:pPr marL="0" indent="0">
-              <a:buNone/>
-            </a:pPr>
-            <a:endParaRPr lang="en-US" dirty="0"/>
-          </a:p>
-          <a:p>
-            <a:pPr marL="0" indent="0">
-              <a:buNone/>
-            </a:pPr>
-            <a:endParaRPr lang="en-US" dirty="0"/>
+              <a:rPr lang="en-US" dirty="0"/>
+              <a:t>Development vs. pre-production</a:t>
+            </a:r>
           </a:p>
         </p:txBody>
       </p:sp>
       <p:pic>
         <p:nvPicPr>
-          <p:cNvPr id="4" name="Picture 3">
+          <p:cNvPr id="6" name="Content Placeholder 4">
             <a:extLst>
               <a:ext uri="{FF2B5EF4-FFF2-40B4-BE49-F238E27FC236}">
-                <a16:creationId xmlns:a16="http://schemas.microsoft.com/office/drawing/2014/main" id="{F9B7AE99-A7E9-BB4D-9635-C82C9229FB63}"/>
+                <a16:creationId xmlns:a16="http://schemas.microsoft.com/office/drawing/2014/main" id="{8EDC29C2-D834-984E-A36C-09D78A54F493}"/>
               </a:ext>
             </a:extLst>
           </p:cNvPr>
@@ -7179,24 +7230,31 @@
           <p:nvPr/>
         </p:nvPicPr>
         <p:blipFill rotWithShape="1">
-          <a:blip r:embed="rId4">
+          <a:blip r:embed="rId3">
             <a:extLst>
               <a:ext uri="{28A0092B-C50C-407E-A947-70E740481C1C}">
                 <a14:useLocalDpi xmlns:a14="http://schemas.microsoft.com/office/drawing/2010/main" val="0"/>
               </a:ext>
             </a:extLst>
           </a:blip>
-          <a:srcRect r="52729" b="18960"/>
+          <a:srcRect l="2737" t="5952" r="27330" b="53074"/>
           <a:stretch/>
         </p:blipFill>
-        <p:spPr>
-          <a:xfrm>
-            <a:off x="7543801" y="914399"/>
-            <a:ext cx="4068751" cy="5102352"/>
+        <p:spPr bwMode="auto">
+          <a:xfrm>
+            <a:off x="3470636" y="3548819"/>
+            <a:ext cx="5782055" cy="2478024"/>
           </a:xfrm>
           <a:prstGeom prst="rect">
             <a:avLst/>
           </a:prstGeom>
+          <a:noFill/>
+          <a:ln w="9525">
+            <a:noFill/>
+            <a:miter lim="800000"/>
+            <a:headEnd/>
+            <a:tailEnd/>
+          </a:ln>
         </p:spPr>
       </p:pic>
       <p:sp>
@@ -7204,7 +7262,7 @@
           <p:cNvPr id="5" name="TextBox 4">
             <a:extLst>
               <a:ext uri="{FF2B5EF4-FFF2-40B4-BE49-F238E27FC236}">
-                <a16:creationId xmlns:a16="http://schemas.microsoft.com/office/drawing/2014/main" id="{AEEEF759-A97D-EE48-B9CD-6A8DF100A3BC}"/>
+                <a16:creationId xmlns:a16="http://schemas.microsoft.com/office/drawing/2014/main" id="{0DF1C353-B24F-254B-A331-11A408B528ED}"/>
               </a:ext>
             </a:extLst>
           </p:cNvPr>
@@ -7213,7 +7271,7 @@
         </p:nvSpPr>
         <p:spPr>
           <a:xfrm>
-            <a:off x="7900352" y="1429068"/>
+            <a:off x="3607752" y="3548819"/>
             <a:ext cx="822960" cy="274320"/>
           </a:xfrm>
           <a:prstGeom prst="rect">
@@ -7249,110 +7307,10 @@
           </a:p>
         </p:txBody>
       </p:sp>
-      <p:sp>
-        <p:nvSpPr>
-          <p:cNvPr id="6" name="TextBox 5">
-            <a:extLst>
-              <a:ext uri="{FF2B5EF4-FFF2-40B4-BE49-F238E27FC236}">
-                <a16:creationId xmlns:a16="http://schemas.microsoft.com/office/drawing/2014/main" id="{E81F1C79-6628-EF4E-B43B-3934FEE0AD37}"/>
-              </a:ext>
-            </a:extLst>
-          </p:cNvPr>
-          <p:cNvSpPr txBox="1"/>
-          <p:nvPr/>
-        </p:nvSpPr>
-        <p:spPr>
-          <a:xfrm>
-            <a:off x="7900352" y="4121023"/>
-            <a:ext cx="822960" cy="274320"/>
-          </a:xfrm>
-          <a:prstGeom prst="rect">
-            <a:avLst/>
-          </a:prstGeom>
-          <a:solidFill>
-            <a:schemeClr val="bg1"/>
-          </a:solidFill>
-        </p:spPr>
-        <p:txBody>
-          <a:bodyPr wrap="square" lIns="118872" tIns="91440" rIns="118872" bIns="91440" rtlCol="0" anchor="ctr" anchorCtr="0">
-            <a:spAutoFit/>
-          </a:bodyPr>
-          <a:lstStyle/>
-          <a:p>
-            <a:pPr algn="l">
-              <a:lnSpc>
-                <a:spcPct val="90000"/>
-              </a:lnSpc>
-            </a:pPr>
-            <a:r>
-              <a:rPr lang="en-US" sz="1200" b="1" dirty="0"/>
-              <a:t>  </a:t>
-            </a:r>
-            <a:r>
-              <a:rPr lang="en-US" sz="1300" b="1" dirty="0"/>
-              <a:t>main </a:t>
-            </a:r>
-            <a:r>
-              <a:rPr lang="en-US" sz="1200" b="1" dirty="0"/>
-              <a:t> </a:t>
-            </a:r>
-          </a:p>
-        </p:txBody>
-      </p:sp>
-      <p:sp>
-        <p:nvSpPr>
-          <p:cNvPr id="7" name="TextBox 6">
-            <a:extLst>
-              <a:ext uri="{FF2B5EF4-FFF2-40B4-BE49-F238E27FC236}">
-                <a16:creationId xmlns:a16="http://schemas.microsoft.com/office/drawing/2014/main" id="{104FC445-FE31-A848-9D02-6A9B1DC6D745}"/>
-              </a:ext>
-            </a:extLst>
-          </p:cNvPr>
-          <p:cNvSpPr txBox="1"/>
-          <p:nvPr/>
-        </p:nvSpPr>
-        <p:spPr>
-          <a:xfrm>
-            <a:off x="7868284" y="4988749"/>
-            <a:ext cx="822960" cy="274320"/>
-          </a:xfrm>
-          <a:prstGeom prst="rect">
-            <a:avLst/>
-          </a:prstGeom>
-          <a:solidFill>
-            <a:schemeClr val="bg1"/>
-          </a:solidFill>
-        </p:spPr>
-        <p:txBody>
-          <a:bodyPr wrap="square" lIns="118872" tIns="91440" rIns="118872" bIns="91440" rtlCol="0" anchor="ctr" anchorCtr="0">
-            <a:spAutoFit/>
-          </a:bodyPr>
-          <a:lstStyle/>
-          <a:p>
-            <a:pPr algn="l">
-              <a:lnSpc>
-                <a:spcPct val="90000"/>
-              </a:lnSpc>
-            </a:pPr>
-            <a:r>
-              <a:rPr lang="en-US" sz="1200" b="1" dirty="0"/>
-              <a:t>  </a:t>
-            </a:r>
-            <a:r>
-              <a:rPr lang="en-US" sz="1300" b="1" dirty="0"/>
-              <a:t>main </a:t>
-            </a:r>
-            <a:r>
-              <a:rPr lang="en-US" sz="1200" b="1" dirty="0"/>
-              <a:t> </a:t>
-            </a:r>
-          </a:p>
-        </p:txBody>
-      </p:sp>
     </p:spTree>
     <p:extLst>
       <p:ext uri="{BB962C8B-B14F-4D97-AF65-F5344CB8AC3E}">
-        <p14:creationId xmlns:p14="http://schemas.microsoft.com/office/powerpoint/2010/main" val="3133443400"/>
+        <p14:creationId xmlns:p14="http://schemas.microsoft.com/office/powerpoint/2010/main" val="88559930"/>
       </p:ext>
     </p:extLst>
   </p:cSld>
@@ -7384,7 +7342,7 @@
           <p:cNvPr id="2" name="Title 1">
             <a:extLst>
               <a:ext uri="{FF2B5EF4-FFF2-40B4-BE49-F238E27FC236}">
-                <a16:creationId xmlns:a16="http://schemas.microsoft.com/office/drawing/2014/main" id="{5E55DB01-506C-2448-9D32-40AE24ED5E5B}"/>
+                <a16:creationId xmlns:a16="http://schemas.microsoft.com/office/drawing/2014/main" id="{2EF2A3CB-B57C-B94D-8AED-B95D1F80E379}"/>
               </a:ext>
             </a:extLst>
           </p:cNvPr>
@@ -7402,7 +7360,7 @@
           <a:p>
             <a:r>
               <a:rPr lang="en-US" dirty="0"/>
-              <a:t>More Branches</a:t>
+              <a:t>Pull Requests</a:t>
             </a:r>
           </a:p>
         </p:txBody>
@@ -7412,7 +7370,7 @@
           <p:cNvPr id="3" name="Content Placeholder 2">
             <a:extLst>
               <a:ext uri="{FF2B5EF4-FFF2-40B4-BE49-F238E27FC236}">
-                <a16:creationId xmlns:a16="http://schemas.microsoft.com/office/drawing/2014/main" id="{AB1E63D6-6FAD-4145-81C6-9BCC413E2E16}"/>
+                <a16:creationId xmlns:a16="http://schemas.microsoft.com/office/drawing/2014/main" id="{57AFD203-C48A-CC4F-92A6-C42A2A1CC27B}"/>
               </a:ext>
             </a:extLst>
           </p:cNvPr>
@@ -7425,145 +7383,44 @@
         </p:nvSpPr>
         <p:spPr>
           <a:xfrm>
-            <a:off x="365761" y="958883"/>
-            <a:ext cx="5997969" cy="4047778"/>
+            <a:off x="365760" y="1428557"/>
+            <a:ext cx="11369809" cy="4047778"/>
           </a:xfrm>
         </p:spPr>
         <p:txBody>
           <a:bodyPr/>
           <a:lstStyle/>
           <a:p>
-            <a:pPr marL="0" indent="0">
-              <a:buNone/>
-            </a:pPr>
-            <a:r>
-              <a:rPr lang="en-US" dirty="0"/>
-              <a:t>Branches with </a:t>
-            </a:r>
-            <a:r>
-              <a:rPr lang="en-US" u="sng" dirty="0"/>
-              <a:t>infinite lifetime</a:t>
-            </a:r>
-          </a:p>
-          <a:p>
-            <a:r>
-              <a:rPr lang="en-US" dirty="0"/>
-              <a:t>Base off of main branch</a:t>
-            </a:r>
-          </a:p>
-          <a:p>
-            <a:r>
-              <a:rPr lang="en-US" dirty="0"/>
-              <a:t>Exist in all copies of a repository</a:t>
-            </a:r>
-          </a:p>
-          <a:p>
-            <a:r>
-              <a:rPr lang="en-US" dirty="0"/>
-              <a:t>Each provides a distinct </a:t>
-            </a:r>
-            <a:r>
-              <a:rPr lang="en-US" b="1" dirty="0"/>
-              <a:t>environment</a:t>
+            <a:r>
+              <a:rPr lang="en-US" dirty="0"/>
+              <a:t>Review and testing before merge</a:t>
             </a:r>
           </a:p>
           <a:p>
             <a:pPr lvl="1"/>
             <a:r>
               <a:rPr lang="en-US" dirty="0"/>
-              <a:t>Development vs. pre-production</a:t>
-            </a:r>
-          </a:p>
-        </p:txBody>
-      </p:sp>
-      <p:pic>
-        <p:nvPicPr>
-          <p:cNvPr id="6" name="Content Placeholder 4">
-            <a:extLst>
-              <a:ext uri="{FF2B5EF4-FFF2-40B4-BE49-F238E27FC236}">
-                <a16:creationId xmlns:a16="http://schemas.microsoft.com/office/drawing/2014/main" id="{8EDC29C2-D834-984E-A36C-09D78A54F493}"/>
-              </a:ext>
-            </a:extLst>
-          </p:cNvPr>
-          <p:cNvPicPr>
-            <a:picLocks noChangeAspect="1"/>
-          </p:cNvPicPr>
-          <p:nvPr/>
-        </p:nvPicPr>
-        <p:blipFill rotWithShape="1">
-          <a:blip r:embed="rId3">
-            <a:extLst>
-              <a:ext uri="{28A0092B-C50C-407E-A947-70E740481C1C}">
-                <a14:useLocalDpi xmlns:a14="http://schemas.microsoft.com/office/drawing/2010/main" val="0"/>
-              </a:ext>
-            </a:extLst>
-          </a:blip>
-          <a:srcRect l="2737" t="5952" r="27330" b="53074"/>
-          <a:stretch/>
-        </p:blipFill>
-        <p:spPr bwMode="auto">
-          <a:xfrm>
-            <a:off x="3470636" y="3548819"/>
-            <a:ext cx="5782055" cy="2478024"/>
-          </a:xfrm>
-          <a:prstGeom prst="rect">
-            <a:avLst/>
-          </a:prstGeom>
-          <a:noFill/>
-          <a:ln w="9525">
-            <a:noFill/>
-            <a:miter lim="800000"/>
-            <a:headEnd/>
-            <a:tailEnd/>
-          </a:ln>
-        </p:spPr>
-      </p:pic>
-      <p:sp>
-        <p:nvSpPr>
-          <p:cNvPr id="5" name="TextBox 4">
-            <a:extLst>
-              <a:ext uri="{FF2B5EF4-FFF2-40B4-BE49-F238E27FC236}">
-                <a16:creationId xmlns:a16="http://schemas.microsoft.com/office/drawing/2014/main" id="{0DF1C353-B24F-254B-A331-11A408B528ED}"/>
-              </a:ext>
-            </a:extLst>
-          </p:cNvPr>
-          <p:cNvSpPr txBox="1"/>
-          <p:nvPr/>
-        </p:nvSpPr>
-        <p:spPr>
-          <a:xfrm>
-            <a:off x="3607752" y="3548819"/>
-            <a:ext cx="822960" cy="274320"/>
-          </a:xfrm>
-          <a:prstGeom prst="rect">
-            <a:avLst/>
-          </a:prstGeom>
-          <a:solidFill>
-            <a:schemeClr val="bg1"/>
-          </a:solidFill>
-        </p:spPr>
-        <p:txBody>
-          <a:bodyPr wrap="square" lIns="118872" tIns="91440" rIns="118872" bIns="91440" rtlCol="0" anchor="ctr" anchorCtr="0">
-            <a:spAutoFit/>
-          </a:bodyPr>
-          <a:lstStyle/>
-          <a:p>
-            <a:pPr algn="l">
-              <a:lnSpc>
-                <a:spcPct val="90000"/>
-              </a:lnSpc>
-            </a:pPr>
-            <a:r>
-              <a:rPr lang="en-US" sz="1200" b="1" dirty="0"/>
-              <a:t>  </a:t>
-            </a:r>
-            <a:r>
-              <a:rPr lang="en-US" sz="1300" b="1" dirty="0"/>
-              <a:t>main </a:t>
-            </a:r>
-            <a:r>
-              <a:rPr lang="en-US" sz="1200" b="1" dirty="0"/>
-              <a:t> </a:t>
+              <a:t>Alerts team and others about changes in branch before merge</a:t>
+            </a:r>
+          </a:p>
+          <a:p>
+            <a:pPr lvl="1"/>
+            <a:r>
+              <a:rPr lang="en-US" dirty="0"/>
+              <a:t>Discussions ensue with possible follow up commits</a:t>
+            </a:r>
+          </a:p>
+          <a:p>
+            <a:pPr lvl="1"/>
+            <a:r>
+              <a:rPr lang="en-US" dirty="0"/>
+              <a:t>Can request reviewer</a:t>
+            </a:r>
+          </a:p>
+          <a:p>
+            <a:r>
+              <a:rPr lang="en-US" dirty="0"/>
+              <a:t>Set policies for merge</a:t>
             </a:r>
           </a:p>
         </p:txBody>
@@ -7571,7 +7428,7 @@
     </p:spTree>
     <p:extLst>
       <p:ext uri="{BB962C8B-B14F-4D97-AF65-F5344CB8AC3E}">
-        <p14:creationId xmlns:p14="http://schemas.microsoft.com/office/powerpoint/2010/main" val="88559930"/>
+        <p14:creationId xmlns:p14="http://schemas.microsoft.com/office/powerpoint/2010/main" val="810765199"/>
       </p:ext>
     </p:extLst>
   </p:cSld>
@@ -7603,7 +7460,7 @@
           <p:cNvPr id="2" name="Title 1">
             <a:extLst>
               <a:ext uri="{FF2B5EF4-FFF2-40B4-BE49-F238E27FC236}">
-                <a16:creationId xmlns:a16="http://schemas.microsoft.com/office/drawing/2014/main" id="{2EF2A3CB-B57C-B94D-8AED-B95D1F80E379}"/>
+                <a16:creationId xmlns:a16="http://schemas.microsoft.com/office/drawing/2014/main" id="{06C319D7-B951-5F48-8FCB-96FFBE6D28E4}"/>
               </a:ext>
             </a:extLst>
           </p:cNvPr>
@@ -7621,7 +7478,7 @@
           <a:p>
             <a:r>
               <a:rPr lang="en-US" dirty="0"/>
-              <a:t>Pull Requests</a:t>
+              <a:t>GitHub Forks</a:t>
             </a:r>
           </a:p>
         </p:txBody>
@@ -7631,7 +7488,7 @@
           <p:cNvPr id="3" name="Content Placeholder 2">
             <a:extLst>
               <a:ext uri="{FF2B5EF4-FFF2-40B4-BE49-F238E27FC236}">
-                <a16:creationId xmlns:a16="http://schemas.microsoft.com/office/drawing/2014/main" id="{57AFD203-C48A-CC4F-92A6-C42A2A1CC27B}"/>
+                <a16:creationId xmlns:a16="http://schemas.microsoft.com/office/drawing/2014/main" id="{C0791E2B-1593-0C44-AE53-3527DEC6A1DC}"/>
               </a:ext>
             </a:extLst>
           </p:cNvPr>
@@ -7644,8 +7501,8 @@
         </p:nvSpPr>
         <p:spPr>
           <a:xfrm>
-            <a:off x="365760" y="1428557"/>
-            <a:ext cx="11369809" cy="4047778"/>
+            <a:off x="409507" y="1325880"/>
+            <a:ext cx="11779318" cy="4047778"/>
           </a:xfrm>
         </p:spPr>
         <p:txBody>
@@ -7654,34 +7511,71 @@
           <a:p>
             <a:r>
               <a:rPr lang="en-US" dirty="0"/>
-              <a:t>Review and testing before merge</a:t>
+              <a:t>A “fork” of a repository is a complete copy of another repository, inside a different GitHub account.</a:t>
             </a:r>
           </a:p>
           <a:p>
             <a:pPr lvl="1"/>
             <a:r>
               <a:rPr lang="en-US" dirty="0"/>
-              <a:t>Alerts team and others about changes in branch before merge</a:t>
+              <a:t>Forking requires read access to the </a:t>
+            </a:r>
+            <a:r>
+              <a:rPr lang="en-US" i="1" dirty="0"/>
+              <a:t>upstream</a:t>
+            </a:r>
+            <a:r>
+              <a:rPr lang="en-US" dirty="0"/>
+              <a:t> repository</a:t>
+            </a:r>
+          </a:p>
+          <a:p>
+            <a:pPr lvl="2"/>
+            <a:r>
+              <a:rPr lang="en-US" dirty="0"/>
+              <a:t>Forks of public repositories are public</a:t>
+            </a:r>
+          </a:p>
+          <a:p>
+            <a:pPr lvl="2"/>
+            <a:r>
+              <a:rPr lang="en-US" dirty="0"/>
+              <a:t>External collaborators can be granted write access to your fork</a:t>
+            </a:r>
+          </a:p>
+          <a:p>
+            <a:pPr lvl="2"/>
+            <a:r>
+              <a:rPr lang="en-US" dirty="0"/>
+              <a:t>You cannot fork a fork</a:t>
             </a:r>
           </a:p>
           <a:p>
             <a:pPr lvl="1"/>
             <a:r>
               <a:rPr lang="en-US" dirty="0"/>
-              <a:t>Discussions ensue with possible follow up commits</a:t>
+              <a:t>Does not copy issues or pull requests</a:t>
             </a:r>
           </a:p>
           <a:p>
             <a:pPr lvl="1"/>
             <a:r>
               <a:rPr lang="en-US" dirty="0"/>
-              <a:t>Can request reviewer</a:t>
-            </a:r>
-          </a:p>
-          <a:p>
-            <a:r>
-              <a:rPr lang="en-US" dirty="0"/>
-              <a:t>Set policies for merge</a:t>
+              <a:t>Use branches within your fork (do not modify main)</a:t>
+            </a:r>
+          </a:p>
+          <a:p>
+            <a:pPr lvl="1"/>
+            <a:r>
+              <a:rPr lang="en-US" dirty="0"/>
+              <a:t>A pull request (GitLab uses “merge request”) can be used to suggest changes to the upstream repository</a:t>
+            </a:r>
+          </a:p>
+          <a:p>
+            <a:pPr lvl="2"/>
+            <a:r>
+              <a:rPr lang="en-US" dirty="0"/>
+              <a:t>Added benefit: pull requests from forks prevent huge numbers of branches on the upstream repository</a:t>
             </a:r>
           </a:p>
         </p:txBody>
@@ -7689,7 +7583,7 @@
     </p:spTree>
     <p:extLst>
       <p:ext uri="{BB962C8B-B14F-4D97-AF65-F5344CB8AC3E}">
-        <p14:creationId xmlns:p14="http://schemas.microsoft.com/office/powerpoint/2010/main" val="810765199"/>
+        <p14:creationId xmlns:p14="http://schemas.microsoft.com/office/powerpoint/2010/main" val="4192397415"/>
       </p:ext>
     </p:extLst>
   </p:cSld>
@@ -7721,7 +7615,7 @@
           <p:cNvPr id="2" name="Title 1">
             <a:extLst>
               <a:ext uri="{FF2B5EF4-FFF2-40B4-BE49-F238E27FC236}">
-                <a16:creationId xmlns:a16="http://schemas.microsoft.com/office/drawing/2014/main" id="{06C319D7-B951-5F48-8FCB-96FFBE6D28E4}"/>
+                <a16:creationId xmlns:a16="http://schemas.microsoft.com/office/drawing/2014/main" id="{1D42A50A-4072-6A46-BFD0-09B711A73760}"/>
               </a:ext>
             </a:extLst>
           </p:cNvPr>
@@ -7732,14 +7626,19 @@
             <p:ph type="title"/>
           </p:nvPr>
         </p:nvSpPr>
-        <p:spPr/>
+        <p:spPr>
+          <a:xfrm>
+            <a:off x="406843" y="190500"/>
+            <a:ext cx="11372473" cy="914400"/>
+          </a:xfrm>
+        </p:spPr>
         <p:txBody>
           <a:bodyPr/>
           <a:lstStyle/>
           <a:p>
             <a:r>
               <a:rPr lang="en-US" dirty="0"/>
-              <a:t>GitHub Forks</a:t>
+              <a:t>Code Review – What Peer Code Review Can Provide</a:t>
             </a:r>
           </a:p>
         </p:txBody>
@@ -7749,7 +7648,7 @@
           <p:cNvPr id="3" name="Content Placeholder 2">
             <a:extLst>
               <a:ext uri="{FF2B5EF4-FFF2-40B4-BE49-F238E27FC236}">
-                <a16:creationId xmlns:a16="http://schemas.microsoft.com/office/drawing/2014/main" id="{C0791E2B-1593-0C44-AE53-3527DEC6A1DC}"/>
+                <a16:creationId xmlns:a16="http://schemas.microsoft.com/office/drawing/2014/main" id="{99FBF6DE-C30C-2C49-B5E7-CC621541936F}"/>
               </a:ext>
             </a:extLst>
           </p:cNvPr>
@@ -7762,8 +7661,8 @@
         </p:nvSpPr>
         <p:spPr>
           <a:xfrm>
-            <a:off x="409507" y="1325880"/>
-            <a:ext cx="11779318" cy="4047778"/>
+            <a:off x="409507" y="742950"/>
+            <a:ext cx="11369809" cy="4794250"/>
           </a:xfrm>
         </p:spPr>
         <p:txBody>
@@ -7772,71 +7671,159 @@
           <a:p>
             <a:r>
               <a:rPr lang="en-US" dirty="0"/>
-              <a:t>A “fork” of a repository is a complete copy of another repository, inside a different GitHub account.</a:t>
+              <a:t>Allows discussion of proposed changes</a:t>
             </a:r>
           </a:p>
           <a:p>
             <a:pPr lvl="1"/>
             <a:r>
               <a:rPr lang="en-US" dirty="0"/>
-              <a:t>Forking requires read access to the </a:t>
-            </a:r>
-            <a:r>
-              <a:rPr lang="en-US" i="1" dirty="0"/>
-              <a:t>upstream</a:t>
-            </a:r>
-            <a:r>
-              <a:rPr lang="en-US" dirty="0"/>
-              <a:t> repository</a:t>
-            </a:r>
-          </a:p>
-          <a:p>
-            <a:pPr lvl="2"/>
-            <a:r>
-              <a:rPr lang="en-US" dirty="0"/>
-              <a:t>Forks of public repositories are public</a:t>
-            </a:r>
-          </a:p>
-          <a:p>
-            <a:pPr lvl="2"/>
-            <a:r>
-              <a:rPr lang="en-US" dirty="0"/>
-              <a:t>External collaborators can be granted write access to your fork</a:t>
-            </a:r>
-          </a:p>
-          <a:p>
-            <a:pPr lvl="2"/>
-            <a:r>
-              <a:rPr lang="en-US" dirty="0"/>
-              <a:t>You cannot fork a fork</a:t>
+              <a:t>Iterations for better code</a:t>
             </a:r>
           </a:p>
           <a:p>
             <a:pPr lvl="1"/>
             <a:r>
               <a:rPr lang="en-US" dirty="0"/>
-              <a:t>Does not copy issues or pull requests</a:t>
+              <a:t>Discussions and reviewing allow more understanding of the code </a:t>
+            </a:r>
+          </a:p>
+          <a:p>
+            <a:r>
+              <a:rPr lang="en-US" dirty="0"/>
+              <a:t>Ensures requested change/feature met</a:t>
+            </a:r>
+          </a:p>
+          <a:p>
+            <a:r>
+              <a:rPr lang="en-US" dirty="0"/>
+              <a:t>Evaluates impact of the change</a:t>
             </a:r>
           </a:p>
           <a:p>
             <a:pPr lvl="1"/>
             <a:r>
               <a:rPr lang="en-US" dirty="0"/>
-              <a:t>Use branches within your fork (do not modify main)</a:t>
+              <a:t>Breakages</a:t>
             </a:r>
           </a:p>
           <a:p>
             <a:pPr lvl="1"/>
             <a:r>
               <a:rPr lang="en-US" dirty="0"/>
-              <a:t>A pull request (GitLab uses “merge request”) can be used to suggest changes to the upstream repository</a:t>
-            </a:r>
-          </a:p>
-          <a:p>
-            <a:pPr lvl="2"/>
-            <a:r>
-              <a:rPr lang="en-US" dirty="0"/>
-              <a:t>Added benefit: pull requests from forks prevent huge numbers of branches on the upstream repository</a:t>
+              <a:t>Interactions with other parts of code</a:t>
+            </a:r>
+          </a:p>
+          <a:p>
+            <a:r>
+              <a:rPr lang="en-US" dirty="0"/>
+              <a:t>Ensures coding guidelines are met</a:t>
+            </a:r>
+          </a:p>
+          <a:p>
+            <a:r>
+              <a:rPr lang="en-US" dirty="0"/>
+              <a:t>Improves practices by learning</a:t>
+            </a:r>
+          </a:p>
+          <a:p>
+            <a:pPr lvl="1"/>
+            <a:r>
+              <a:rPr lang="en-US" dirty="0"/>
+              <a:t>About other parts of the code</a:t>
+            </a:r>
+          </a:p>
+          <a:p>
+            <a:pPr lvl="1"/>
+            <a:r>
+              <a:rPr lang="en-US" dirty="0"/>
+              <a:t>Helpful coding techniques by other’s</a:t>
+            </a:r>
+          </a:p>
+          <a:p>
+            <a:pPr marL="0" indent="0">
+              <a:buNone/>
+            </a:pPr>
+            <a:endParaRPr lang="en-US" dirty="0"/>
+          </a:p>
+        </p:txBody>
+      </p:sp>
+      <p:sp>
+        <p:nvSpPr>
+          <p:cNvPr id="4" name="TextBox 3">
+            <a:extLst>
+              <a:ext uri="{FF2B5EF4-FFF2-40B4-BE49-F238E27FC236}">
+                <a16:creationId xmlns:a16="http://schemas.microsoft.com/office/drawing/2014/main" id="{3221CF11-B650-9D4F-B9A0-430ED74F62F2}"/>
+              </a:ext>
+            </a:extLst>
+          </p:cNvPr>
+          <p:cNvSpPr txBox="1"/>
+          <p:nvPr/>
+        </p:nvSpPr>
+        <p:spPr>
+          <a:xfrm>
+            <a:off x="5656459" y="3851275"/>
+            <a:ext cx="6532366" cy="1015663"/>
+          </a:xfrm>
+          <a:prstGeom prst="rect">
+            <a:avLst/>
+          </a:prstGeom>
+          <a:noFill/>
+        </p:spPr>
+        <p:txBody>
+          <a:bodyPr wrap="none" lIns="118872" tIns="91440" rIns="118872" bIns="91440" rtlCol="0" anchor="ctr" anchorCtr="0">
+            <a:spAutoFit/>
+          </a:bodyPr>
+          <a:lstStyle/>
+          <a:p>
+            <a:pPr marL="0" indent="0">
+              <a:buNone/>
+            </a:pPr>
+            <a:r>
+              <a:rPr lang="en-US" dirty="0"/>
+              <a:t>Blog: </a:t>
+            </a:r>
+            <a:r>
+              <a:rPr lang="en-US" b="1" dirty="0"/>
+              <a:t>How to code review in a Pull Request</a:t>
+            </a:r>
+          </a:p>
+          <a:p>
+            <a:pPr marL="0" indent="0">
+              <a:buNone/>
+            </a:pPr>
+            <a:r>
+              <a:rPr lang="en-US" dirty="0"/>
+              <a:t>Author: Hugo Sousa - March 17, 2021</a:t>
+            </a:r>
+          </a:p>
+          <a:p>
+            <a:pPr marL="0" indent="0">
+              <a:buNone/>
+            </a:pPr>
+            <a:r>
+              <a:rPr lang="en-US" u="sng" dirty="0">
+                <a:solidFill>
+                  <a:srgbClr val="AA2F36"/>
+                </a:solidFill>
+              </a:rPr>
+              <a:t>https://</a:t>
+            </a:r>
+            <a:r>
+              <a:rPr lang="en-US" u="sng" dirty="0" err="1">
+                <a:solidFill>
+                  <a:srgbClr val="AA2F36"/>
+                </a:solidFill>
+              </a:rPr>
+              <a:t>blog.codacy.com</a:t>
+            </a:r>
+            <a:r>
+              <a:rPr lang="en-US" u="sng" dirty="0">
+                <a:solidFill>
+                  <a:srgbClr val="AA2F36"/>
+                </a:solidFill>
+              </a:rPr>
+              <a:t>/how-to-code-review-in-a-pull-request/</a:t>
             </a:r>
           </a:p>
         </p:txBody>
@@ -7844,7 +7831,7 @@
     </p:spTree>
     <p:extLst>
       <p:ext uri="{BB962C8B-B14F-4D97-AF65-F5344CB8AC3E}">
-        <p14:creationId xmlns:p14="http://schemas.microsoft.com/office/powerpoint/2010/main" val="4192397415"/>
+        <p14:creationId xmlns:p14="http://schemas.microsoft.com/office/powerpoint/2010/main" val="3267493295"/>
       </p:ext>
     </p:extLst>
   </p:cSld>
@@ -7887,19 +7874,14 @@
             <p:ph type="title"/>
           </p:nvPr>
         </p:nvSpPr>
-        <p:spPr>
-          <a:xfrm>
-            <a:off x="406843" y="190500"/>
-            <a:ext cx="11372473" cy="914400"/>
-          </a:xfrm>
-        </p:spPr>
+        <p:spPr/>
         <p:txBody>
           <a:bodyPr/>
           <a:lstStyle/>
           <a:p>
             <a:r>
               <a:rPr lang="en-US" dirty="0"/>
-              <a:t>Code Review – What peer code review can provide</a:t>
+              <a:t>Code Review  - Improvement and Practices</a:t>
             </a:r>
           </a:p>
         </p:txBody>
@@ -7922,8 +7904,8 @@
         </p:nvSpPr>
         <p:spPr>
           <a:xfrm>
-            <a:off x="409507" y="742950"/>
-            <a:ext cx="11369809" cy="4794250"/>
+            <a:off x="365760" y="1325880"/>
+            <a:ext cx="11369809" cy="4935220"/>
           </a:xfrm>
         </p:spPr>
         <p:txBody>
@@ -7932,80 +7914,76 @@
           <a:p>
             <a:r>
               <a:rPr lang="en-US" dirty="0"/>
-              <a:t>Allows discussion of proposed changes</a:t>
+              <a:t>Helpful practices for scientific research software</a:t>
             </a:r>
           </a:p>
           <a:p>
             <a:pPr lvl="1"/>
             <a:r>
               <a:rPr lang="en-US" dirty="0"/>
-              <a:t>Iterations for better code</a:t>
+              <a:t>Make code review process formal with structured guidelines</a:t>
             </a:r>
           </a:p>
           <a:p>
             <a:pPr lvl="1"/>
             <a:r>
               <a:rPr lang="en-US" dirty="0"/>
-              <a:t>Discussions and reviewing allow more understanding of the code </a:t>
-            </a:r>
-          </a:p>
-          <a:p>
-            <a:r>
-              <a:rPr lang="en-US" dirty="0"/>
-              <a:t>Ensures requested change/feature met</a:t>
-            </a:r>
-          </a:p>
-          <a:p>
-            <a:r>
-              <a:rPr lang="en-US" dirty="0"/>
-              <a:t>Evaluates impact of the change</a:t>
+              <a:t>Allocate sufficient time in the development process to perform code review</a:t>
             </a:r>
           </a:p>
           <a:p>
             <a:pPr lvl="1"/>
             <a:r>
               <a:rPr lang="en-US" dirty="0"/>
-              <a:t>Breakages</a:t>
+              <a:t>Try to ensure at least one science review and one technical review</a:t>
             </a:r>
           </a:p>
           <a:p>
             <a:pPr lvl="1"/>
             <a:r>
               <a:rPr lang="en-US" dirty="0"/>
-              <a:t>Interactions with other parts of code</a:t>
-            </a:r>
-          </a:p>
-          <a:p>
-            <a:r>
-              <a:rPr lang="en-US" dirty="0"/>
-              <a:t>Ensures coding guidelines are met</a:t>
-            </a:r>
-          </a:p>
-          <a:p>
-            <a:r>
-              <a:rPr lang="en-US" dirty="0"/>
-              <a:t>Improves practices by learning</a:t>
+              <a:t>Timely reviews - provide quick feedback to incoming review requests</a:t>
             </a:r>
           </a:p>
           <a:p>
             <a:pPr lvl="1"/>
             <a:r>
               <a:rPr lang="en-US" dirty="0"/>
-              <a:t>About other parts of the code</a:t>
+              <a:t>Train reviewers on how to phrase good feedback</a:t>
             </a:r>
           </a:p>
           <a:p>
             <a:pPr lvl="1"/>
             <a:r>
               <a:rPr lang="en-US" dirty="0"/>
-              <a:t>Helpful coding techniques by other’s</a:t>
-            </a:r>
-          </a:p>
-          <a:p>
-            <a:pPr marL="0" indent="0">
+              <a:t>Train developers to accept comments to improve their code</a:t>
+            </a:r>
+          </a:p>
+          <a:p>
+            <a:pPr lvl="1"/>
+            <a:r>
+              <a:rPr lang="en-US" dirty="0"/>
+              <a:t>Include automatic code review tool and train reviewers in best use practice of the tool</a:t>
+            </a:r>
+          </a:p>
+          <a:p>
+            <a:pPr lvl="1"/>
+            <a:endParaRPr lang="en-US" dirty="0"/>
+          </a:p>
+          <a:p>
+            <a:pPr marL="346075" lvl="1" indent="0">
               <a:buNone/>
             </a:pPr>
-            <a:endParaRPr lang="en-US" dirty="0"/>
+            <a:endParaRPr lang="en-US" sz="1800" u="sng" dirty="0">
+              <a:solidFill>
+                <a:srgbClr val="D13940"/>
+              </a:solidFill>
+              <a:uFill>
+                <a:solidFill>
+                  <a:srgbClr val="D13940"/>
+                </a:solidFill>
+              </a:uFill>
+            </a:endParaRPr>
           </a:p>
         </p:txBody>
       </p:sp>
@@ -8014,7 +7992,7 @@
           <p:cNvPr id="4" name="TextBox 3">
             <a:extLst>
               <a:ext uri="{FF2B5EF4-FFF2-40B4-BE49-F238E27FC236}">
-                <a16:creationId xmlns:a16="http://schemas.microsoft.com/office/drawing/2014/main" id="{3221CF11-B650-9D4F-B9A0-430ED74F62F2}"/>
+                <a16:creationId xmlns:a16="http://schemas.microsoft.com/office/drawing/2014/main" id="{B20555F4-2F93-6F42-97B6-DE302B1B6741}"/>
               </a:ext>
             </a:extLst>
           </p:cNvPr>
@@ -8023,8 +8001,8 @@
         </p:nvSpPr>
         <p:spPr>
           <a:xfrm>
-            <a:off x="5618979" y="4216400"/>
-            <a:ext cx="6468246" cy="1015663"/>
+            <a:off x="453256" y="4759344"/>
+            <a:ext cx="8324034" cy="1015663"/>
           </a:xfrm>
           <a:prstGeom prst="rect">
             <a:avLst/>
@@ -8032,7 +8010,7 @@
           <a:noFill/>
         </p:spPr>
         <p:txBody>
-          <a:bodyPr wrap="none" lIns="118872" tIns="91440" rIns="118872" bIns="91440" rtlCol="0" anchor="ctr" anchorCtr="0">
+          <a:bodyPr wrap="square" lIns="118872" tIns="91440" rIns="118872" bIns="91440" rtlCol="0" anchor="ctr" anchorCtr="0">
             <a:spAutoFit/>
           </a:bodyPr>
           <a:lstStyle/>
@@ -8041,16 +8019,9 @@
               <a:buNone/>
             </a:pPr>
             <a:r>
-              <a:rPr lang="en-US" dirty="0"/>
-              <a:t>Blog: </a:t>
-            </a:r>
-            <a:r>
-              <a:rPr lang="en-US" dirty="0">
-                <a:hlinkClick r:id="rId2" tooltip="How to code review in a Pull Request"/>
-              </a:rPr>
-              <a:t>How to code review in a Pull Request</a:t>
-            </a:r>
-            <a:endParaRPr lang="en-US" dirty="0"/>
+              <a:rPr lang="en-US" b="1" dirty="0"/>
+              <a:t>Testing and Code Review Practices in Research Software Development</a:t>
+            </a:r>
           </a:p>
           <a:p>
             <a:pPr marL="0" indent="0">
@@ -8058,21 +8029,15 @@
             </a:pPr>
             <a:r>
               <a:rPr lang="en-US" dirty="0"/>
-              <a:t>Author: </a:t>
-            </a:r>
-            <a:r>
-              <a:rPr lang="en-US" b="1" dirty="0">
-                <a:hlinkClick r:id="rId3"/>
-              </a:rPr>
-              <a:t>Hugo Sousa</a:t>
-            </a:r>
-            <a:r>
-              <a:rPr lang="en-US" b="1" dirty="0"/>
-              <a:t> </a:t>
-            </a:r>
-            <a:r>
-              <a:rPr lang="en-US" dirty="0"/>
-              <a:t>- March 17, 2021</a:t>
+              <a:t>Presenter: Nasir </a:t>
+            </a:r>
+            <a:r>
+              <a:rPr lang="en-US" dirty="0" err="1"/>
+              <a:t>Eisty</a:t>
+            </a:r>
+            <a:r>
+              <a:rPr lang="en-US" dirty="0"/>
+              <a:t> – September 9, 2020</a:t>
             </a:r>
           </a:p>
           <a:p>
@@ -8080,28 +8045,44 @@
               <a:buNone/>
             </a:pPr>
             <a:r>
-              <a:rPr lang="en-US" dirty="0">
+              <a:rPr lang="en-US" u="sng" dirty="0">
                 <a:solidFill>
                   <a:srgbClr val="AA2F36"/>
                 </a:solidFill>
               </a:rPr>
-              <a:t>https://</a:t>
-            </a:r>
-            <a:r>
-              <a:rPr lang="en-US" dirty="0" err="1">
+              <a:t>https://ideas-</a:t>
+            </a:r>
+            <a:r>
+              <a:rPr lang="en-US" u="sng" dirty="0" err="1">
                 <a:solidFill>
                   <a:srgbClr val="AA2F36"/>
                 </a:solidFill>
               </a:rPr>
-              <a:t>blog.codacy.com</a:t>
-            </a:r>
-            <a:r>
-              <a:rPr lang="en-US" dirty="0">
+              <a:t>productivity.org</a:t>
+            </a:r>
+            <a:r>
+              <a:rPr lang="en-US" u="sng" dirty="0">
                 <a:solidFill>
                   <a:srgbClr val="AA2F36"/>
                 </a:solidFill>
               </a:rPr>
-              <a:t>/how-to-code-review-in-a-pull-request</a:t>
+              <a:t>/events/</a:t>
+            </a:r>
+            <a:r>
+              <a:rPr lang="en-US" u="sng" dirty="0" err="1">
+                <a:solidFill>
+                  <a:srgbClr val="AA2F36"/>
+                </a:solidFill>
+              </a:rPr>
+              <a:t>hpc</a:t>
+            </a:r>
+            <a:r>
+              <a:rPr lang="en-US" u="sng" dirty="0">
+                <a:solidFill>
+                  <a:srgbClr val="AA2F36"/>
+                </a:solidFill>
+              </a:rPr>
+              <a:t>-best-practices-webinars/#webinar044</a:t>
             </a:r>
           </a:p>
         </p:txBody>
@@ -8109,7 +8090,7 @@
     </p:spTree>
     <p:extLst>
       <p:ext uri="{BB962C8B-B14F-4D97-AF65-F5344CB8AC3E}">
-        <p14:creationId xmlns:p14="http://schemas.microsoft.com/office/powerpoint/2010/main" val="3267493295"/>
+        <p14:creationId xmlns:p14="http://schemas.microsoft.com/office/powerpoint/2010/main" val="3057547454"/>
       </p:ext>
     </p:extLst>
   </p:cSld>
@@ -8141,7 +8122,7 @@
           <p:cNvPr id="2" name="Title 1">
             <a:extLst>
               <a:ext uri="{FF2B5EF4-FFF2-40B4-BE49-F238E27FC236}">
-                <a16:creationId xmlns:a16="http://schemas.microsoft.com/office/drawing/2014/main" id="{1D42A50A-4072-6A46-BFD0-09B711A73760}"/>
+                <a16:creationId xmlns:a16="http://schemas.microsoft.com/office/drawing/2014/main" id="{F07038E7-EEB4-9043-9EA1-7BA9EA5F3241}"/>
               </a:ext>
             </a:extLst>
           </p:cNvPr>
@@ -8152,15 +8133,33 @@
             <p:ph type="title"/>
           </p:nvPr>
         </p:nvSpPr>
-        <p:spPr/>
+        <p:spPr>
+          <a:xfrm>
+            <a:off x="365760" y="411480"/>
+            <a:ext cx="11372473" cy="679383"/>
+          </a:xfrm>
+        </p:spPr>
         <p:txBody>
           <a:bodyPr/>
           <a:lstStyle/>
           <a:p>
             <a:r>
               <a:rPr lang="en-US" dirty="0"/>
-              <a:t>Code Review  - Improvement and Practices</a:t>
-            </a:r>
+              <a:t>Git Workflow Models of Different complexity</a:t>
+            </a:r>
+            <a:br>
+              <a:rPr lang="en-US" dirty="0"/>
+            </a:br>
+            <a:br>
+              <a:rPr lang="en-US" dirty="0"/>
+            </a:br>
+            <a:br>
+              <a:rPr lang="en-US" dirty="0"/>
+            </a:br>
+            <a:br>
+              <a:rPr lang="en-US" dirty="0"/>
+            </a:br>
+            <a:endParaRPr lang="en-US" dirty="0"/>
           </a:p>
         </p:txBody>
       </p:sp>
@@ -8169,7 +8168,7 @@
           <p:cNvPr id="3" name="Content Placeholder 2">
             <a:extLst>
               <a:ext uri="{FF2B5EF4-FFF2-40B4-BE49-F238E27FC236}">
-                <a16:creationId xmlns:a16="http://schemas.microsoft.com/office/drawing/2014/main" id="{99FBF6DE-C30C-2C49-B5E7-CC621541936F}"/>
+                <a16:creationId xmlns:a16="http://schemas.microsoft.com/office/drawing/2014/main" id="{BC4025A8-D322-7F4C-BD72-C65AC6A3E843}"/>
               </a:ext>
             </a:extLst>
           </p:cNvPr>
@@ -8182,153 +8181,56 @@
         </p:nvSpPr>
         <p:spPr>
           <a:xfrm>
-            <a:off x="365760" y="1325880"/>
-            <a:ext cx="11369809" cy="4935220"/>
+            <a:off x="363096" y="1203559"/>
+            <a:ext cx="11369809" cy="2517808"/>
           </a:xfrm>
         </p:spPr>
         <p:txBody>
           <a:bodyPr/>
           <a:lstStyle/>
           <a:p>
-            <a:r>
-              <a:rPr lang="en-US" dirty="0"/>
-              <a:t>Helpful Practices for Scientific Research Software</a:t>
-            </a:r>
-          </a:p>
-          <a:p>
-            <a:pPr lvl="1"/>
-            <a:r>
-              <a:rPr lang="en-US" dirty="0"/>
-              <a:t>Make code review process formal with structured guideline</a:t>
-            </a:r>
-          </a:p>
-          <a:p>
-            <a:pPr lvl="1"/>
-            <a:r>
-              <a:rPr lang="en-US" dirty="0"/>
-              <a:t>Allocate sufficient time in the development process to perform code review</a:t>
-            </a:r>
-          </a:p>
-          <a:p>
-            <a:pPr lvl="1"/>
-            <a:r>
-              <a:rPr lang="en-US" dirty="0"/>
-              <a:t>Try to ensure at least one science review and one technical review</a:t>
-            </a:r>
-          </a:p>
-          <a:p>
-            <a:pPr lvl="1"/>
-            <a:r>
-              <a:rPr lang="en-US" dirty="0"/>
-              <a:t>Timely reviews - provide quick feedback to incoming review requests</a:t>
-            </a:r>
-          </a:p>
-          <a:p>
-            <a:pPr lvl="1"/>
-            <a:r>
-              <a:rPr lang="en-US" dirty="0"/>
-              <a:t>Train reviewers on how to phrase good feedback</a:t>
-            </a:r>
-          </a:p>
-          <a:p>
-            <a:pPr lvl="1"/>
-            <a:r>
-              <a:rPr lang="en-US" dirty="0"/>
-              <a:t>Train developers to accept comments to improve their code</a:t>
-            </a:r>
-          </a:p>
-          <a:p>
-            <a:pPr lvl="1"/>
-            <a:r>
-              <a:rPr lang="en-US" dirty="0"/>
-              <a:t>Include automatic code review tool and train reviewers in best use practice of the tool</a:t>
-            </a:r>
-          </a:p>
-          <a:p>
-            <a:pPr lvl="1"/>
-            <a:endParaRPr lang="en-US" dirty="0"/>
-          </a:p>
-          <a:p>
             <a:pPr marL="0" indent="0">
               <a:buNone/>
             </a:pPr>
             <a:r>
-              <a:rPr lang="en-US" sz="2000" b="1" dirty="0"/>
-              <a:t>Testing and Code Review Practices in Research Software Development </a:t>
-            </a:r>
-            <a:r>
-              <a:rPr lang="en-US" sz="2000" dirty="0"/>
-              <a:t>(2020-09-09)</a:t>
+              <a:rPr lang="en-US" b="1" dirty="0"/>
+              <a:t>Commonly Known Workflows</a:t>
+            </a:r>
+          </a:p>
+          <a:p>
+            <a:r>
+              <a:rPr lang="en-US" dirty="0"/>
+              <a:t>Git Flow</a:t>
+            </a:r>
+          </a:p>
+          <a:p>
+            <a:r>
+              <a:rPr lang="en-US" dirty="0" err="1"/>
+              <a:t>Github</a:t>
+            </a:r>
+            <a:r>
+              <a:rPr lang="en-US" dirty="0"/>
+              <a:t> Flow</a:t>
+            </a:r>
+          </a:p>
+          <a:p>
+            <a:r>
+              <a:rPr lang="en-US" dirty="0"/>
+              <a:t>Gitlab Flow</a:t>
             </a:r>
           </a:p>
           <a:p>
             <a:pPr marL="0" indent="0">
               <a:buNone/>
             </a:pPr>
-            <a:r>
-              <a:rPr lang="en-US" sz="2000" b="1" dirty="0"/>
-              <a:t>Presenter:</a:t>
-            </a:r>
-            <a:r>
-              <a:rPr lang="en-US" sz="2000" dirty="0"/>
-              <a:t> Nasir </a:t>
-            </a:r>
-            <a:r>
-              <a:rPr lang="en-US" sz="2000" dirty="0" err="1"/>
-              <a:t>Eisty</a:t>
-            </a:r>
-            <a:endParaRPr lang="en-US" sz="2000" dirty="0"/>
-          </a:p>
-          <a:p>
-            <a:pPr marL="346075" lvl="1" indent="0">
-              <a:buNone/>
-            </a:pPr>
-            <a:r>
-              <a:rPr lang="en-US" u="sng" dirty="0">
-                <a:solidFill>
-                  <a:srgbClr val="D13940"/>
-                </a:solidFill>
-                <a:uFill>
-                  <a:solidFill>
-                    <a:srgbClr val="D13940"/>
-                  </a:solidFill>
-                </a:uFill>
-                <a:hlinkClick r:id="rId2"/>
-              </a:rPr>
-              <a:t>https://ideas-productivity.org/events/hpc-best-practices-webinars/#webinar044</a:t>
-            </a:r>
-            <a:endParaRPr lang="en-US" u="sng" dirty="0">
-              <a:solidFill>
-                <a:srgbClr val="D13940"/>
-              </a:solidFill>
-              <a:uFill>
-                <a:solidFill>
-                  <a:srgbClr val="D13940"/>
-                </a:solidFill>
-              </a:uFill>
-            </a:endParaRPr>
-          </a:p>
-          <a:p>
-            <a:pPr marL="346075" lvl="1" indent="0">
-              <a:buNone/>
-            </a:pPr>
-            <a:endParaRPr lang="en-US" sz="1800" u="sng" dirty="0">
-              <a:solidFill>
-                <a:srgbClr val="D13940"/>
-              </a:solidFill>
-              <a:uFill>
-                <a:solidFill>
-                  <a:srgbClr val="D13940"/>
-                </a:solidFill>
-              </a:uFill>
-            </a:endParaRPr>
+            <a:endParaRPr lang="en-US" dirty="0"/>
           </a:p>
         </p:txBody>
       </p:sp>
     </p:spTree>
     <p:extLst>
       <p:ext uri="{BB962C8B-B14F-4D97-AF65-F5344CB8AC3E}">
-        <p14:creationId xmlns:p14="http://schemas.microsoft.com/office/powerpoint/2010/main" val="3057547454"/>
+        <p14:creationId xmlns:p14="http://schemas.microsoft.com/office/powerpoint/2010/main" val="4060798534"/>
       </p:ext>
     </p:extLst>
   </p:cSld>
@@ -8360,7 +8262,7 @@
           <p:cNvPr id="2" name="Title 1">
             <a:extLst>
               <a:ext uri="{FF2B5EF4-FFF2-40B4-BE49-F238E27FC236}">
-                <a16:creationId xmlns:a16="http://schemas.microsoft.com/office/drawing/2014/main" id="{F07038E7-EEB4-9043-9EA1-7BA9EA5F3241}"/>
+                <a16:creationId xmlns:a16="http://schemas.microsoft.com/office/drawing/2014/main" id="{5780C519-1EB3-8846-B9E7-B3E551D14DB0}"/>
               </a:ext>
             </a:extLst>
           </p:cNvPr>
@@ -8373,8 +8275,8 @@
         </p:nvSpPr>
         <p:spPr>
           <a:xfrm>
-            <a:off x="365760" y="411480"/>
-            <a:ext cx="11372473" cy="679383"/>
+            <a:off x="408175" y="174034"/>
+            <a:ext cx="11372473" cy="914400"/>
           </a:xfrm>
         </p:spPr>
         <p:txBody>
@@ -8383,30 +8285,17 @@
           <a:p>
             <a:r>
               <a:rPr lang="en-US" dirty="0"/>
-              <a:t>Git Workflow Models of Different complexity</a:t>
-            </a:r>
-            <a:br>
-              <a:rPr lang="en-US" dirty="0"/>
-            </a:br>
-            <a:br>
-              <a:rPr lang="en-US" dirty="0"/>
-            </a:br>
-            <a:br>
-              <a:rPr lang="en-US" dirty="0"/>
-            </a:br>
-            <a:br>
-              <a:rPr lang="en-US" dirty="0"/>
-            </a:br>
-            <a:endParaRPr lang="en-US" dirty="0"/>
-          </a:p>
-        </p:txBody>
-      </p:sp>
-      <p:sp>
-        <p:nvSpPr>
-          <p:cNvPr id="3" name="Content Placeholder 2">
+              <a:t>Git Flow</a:t>
+            </a:r>
+          </a:p>
+        </p:txBody>
+      </p:sp>
+      <p:sp>
+        <p:nvSpPr>
+          <p:cNvPr id="12" name="Content Placeholder 2">
             <a:extLst>
               <a:ext uri="{FF2B5EF4-FFF2-40B4-BE49-F238E27FC236}">
-                <a16:creationId xmlns:a16="http://schemas.microsoft.com/office/drawing/2014/main" id="{BC4025A8-D322-7F4C-BD72-C65AC6A3E843}"/>
+                <a16:creationId xmlns:a16="http://schemas.microsoft.com/office/drawing/2014/main" id="{F7E13A38-2353-E14A-841B-4D9CC88C8EA3}"/>
               </a:ext>
             </a:extLst>
           </p:cNvPr>
@@ -8419,56 +8308,281 @@
         </p:nvSpPr>
         <p:spPr>
           <a:xfrm>
-            <a:off x="363096" y="1203559"/>
-            <a:ext cx="11369809" cy="2517808"/>
+            <a:off x="5411977" y="516171"/>
+            <a:ext cx="6500623" cy="4047778"/>
           </a:xfrm>
         </p:spPr>
         <p:txBody>
           <a:bodyPr/>
           <a:lstStyle/>
           <a:p>
-            <a:pPr marL="0" indent="0">
-              <a:buNone/>
-            </a:pPr>
-            <a:r>
-              <a:rPr lang="en-US" b="1" dirty="0"/>
-              <a:t>Commonly Known Workflows</a:t>
-            </a:r>
-          </a:p>
-          <a:p>
-            <a:r>
-              <a:rPr lang="en-US" dirty="0"/>
-              <a:t>Git Flow</a:t>
-            </a:r>
-          </a:p>
-          <a:p>
-            <a:r>
-              <a:rPr lang="en-US" dirty="0" err="1"/>
-              <a:t>Github</a:t>
-            </a:r>
-            <a:r>
-              <a:rPr lang="en-US" dirty="0"/>
-              <a:t> Flow</a:t>
-            </a:r>
-          </a:p>
-          <a:p>
-            <a:r>
-              <a:rPr lang="en-US" dirty="0"/>
-              <a:t>Gitlab Flow</a:t>
-            </a:r>
-          </a:p>
-          <a:p>
-            <a:pPr marL="0" indent="0">
-              <a:buNone/>
-            </a:pPr>
-            <a:endParaRPr lang="en-US" dirty="0"/>
+            <a:pPr marL="285750" indent="-285750">
+              <a:buFont typeface="Arial" panose="020B0604020202020204" pitchFamily="34" charset="0"/>
+              <a:buChar char="•"/>
+            </a:pPr>
+            <a:r>
+              <a:rPr lang="en-US" dirty="0"/>
+              <a:t>Full-featured workflow</a:t>
+            </a:r>
+          </a:p>
+          <a:p>
+            <a:pPr marL="285750" indent="-285750">
+              <a:buFont typeface="Arial" panose="020B0604020202020204" pitchFamily="34" charset="0"/>
+              <a:buChar char="•"/>
+            </a:pPr>
+            <a:r>
+              <a:rPr lang="en-US" dirty="0"/>
+              <a:t>Increased complexity</a:t>
+            </a:r>
+          </a:p>
+          <a:p>
+            <a:pPr marL="285750" indent="-285750">
+              <a:buFont typeface="Arial" panose="020B0604020202020204" pitchFamily="34" charset="0"/>
+              <a:buChar char="•"/>
+            </a:pPr>
+            <a:r>
+              <a:rPr lang="en-US" dirty="0"/>
+              <a:t>Designed for SW with official releases</a:t>
+            </a:r>
+          </a:p>
+          <a:p>
+            <a:pPr marL="285750" indent="-285750">
+              <a:buFont typeface="Arial" panose="020B0604020202020204" pitchFamily="34" charset="0"/>
+              <a:buChar char="•"/>
+            </a:pPr>
+            <a:r>
+              <a:rPr lang="en-US" dirty="0"/>
+              <a:t>Feature branches based off of develop</a:t>
+            </a:r>
+          </a:p>
+          <a:p>
+            <a:pPr marL="285750" indent="-285750">
+              <a:buFont typeface="Arial" panose="020B0604020202020204" pitchFamily="34" charset="0"/>
+              <a:buChar char="•"/>
+            </a:pPr>
+            <a:r>
+              <a:rPr lang="en-US" dirty="0">
+                <a:hlinkClick r:id="rId3"/>
+              </a:rPr>
+              <a:t>Git extensions</a:t>
+            </a:r>
+            <a:r>
+              <a:rPr lang="en-US" dirty="0"/>
+              <a:t> to enforce policy</a:t>
+            </a:r>
+          </a:p>
+          <a:p>
+            <a:pPr marL="285750" indent="-285750">
+              <a:buFont typeface="Arial" panose="020B0604020202020204" pitchFamily="34" charset="0"/>
+              <a:buChar char="•"/>
+            </a:pPr>
+            <a:r>
+              <a:rPr lang="en-US" dirty="0"/>
+              <a:t>How are develop and main synchronized?</a:t>
+            </a:r>
+          </a:p>
+          <a:p>
+            <a:pPr marL="285750" indent="-285750">
+              <a:buFont typeface="Arial" panose="020B0604020202020204" pitchFamily="34" charset="0"/>
+              <a:buChar char="•"/>
+            </a:pPr>
+            <a:r>
+              <a:rPr lang="en-US" dirty="0"/>
+              <a:t>Where do merge conflicts occur and how are they resolved?</a:t>
+            </a:r>
+          </a:p>
+        </p:txBody>
+      </p:sp>
+      <p:sp>
+        <p:nvSpPr>
+          <p:cNvPr id="7" name="TextBox 6">
+            <a:extLst>
+              <a:ext uri="{FF2B5EF4-FFF2-40B4-BE49-F238E27FC236}">
+                <a16:creationId xmlns:a16="http://schemas.microsoft.com/office/drawing/2014/main" id="{9EA3B929-9425-9A46-9997-AAEB3D2077BD}"/>
+              </a:ext>
+            </a:extLst>
+          </p:cNvPr>
+          <p:cNvSpPr txBox="1"/>
+          <p:nvPr/>
+        </p:nvSpPr>
+        <p:spPr>
+          <a:xfrm>
+            <a:off x="4891407" y="4758347"/>
+            <a:ext cx="7297418" cy="849463"/>
+          </a:xfrm>
+          <a:prstGeom prst="rect">
+            <a:avLst/>
+          </a:prstGeom>
+          <a:noFill/>
+        </p:spPr>
+        <p:txBody>
+          <a:bodyPr wrap="square" lIns="118872" tIns="91440" rIns="118872" bIns="91440" rtlCol="0" anchor="ctr" anchorCtr="0">
+            <a:spAutoFit/>
+          </a:bodyPr>
+          <a:lstStyle/>
+          <a:p>
+            <a:pPr algn="l">
+              <a:lnSpc>
+                <a:spcPct val="90000"/>
+              </a:lnSpc>
+            </a:pPr>
+            <a:r>
+              <a:rPr lang="en-US" sz="1600" b="1" dirty="0"/>
+              <a:t>Author: </a:t>
+            </a:r>
+            <a:r>
+              <a:rPr lang="en-US" sz="1600" dirty="0"/>
+              <a:t>Vincent Driessen</a:t>
+            </a:r>
+          </a:p>
+          <a:p>
+            <a:pPr>
+              <a:lnSpc>
+                <a:spcPct val="90000"/>
+              </a:lnSpc>
+            </a:pPr>
+            <a:r>
+              <a:rPr lang="en-US" sz="1600" b="1" dirty="0"/>
+              <a:t>Original Blog: </a:t>
+            </a:r>
+            <a:r>
+              <a:rPr lang="en-US" sz="1600" b="1" dirty="0">
+                <a:hlinkClick r:id="rId4"/>
+              </a:rPr>
+              <a:t>https://nvie.com/posts/a-successful-git-branching-model/</a:t>
+            </a:r>
+            <a:endParaRPr lang="en-US" sz="1600" b="1" dirty="0"/>
+          </a:p>
+          <a:p>
+            <a:pPr>
+              <a:lnSpc>
+                <a:spcPct val="90000"/>
+              </a:lnSpc>
+            </a:pPr>
+            <a:r>
+              <a:rPr lang="en-US" sz="1600" b="1" dirty="0"/>
+              <a:t>License: </a:t>
+            </a:r>
+            <a:r>
+              <a:rPr lang="en-US" sz="1600" dirty="0"/>
+              <a:t>Creative Commons </a:t>
+            </a:r>
+            <a:endParaRPr lang="en-US" sz="1600" b="1" dirty="0"/>
+          </a:p>
+        </p:txBody>
+      </p:sp>
+      <p:pic>
+        <p:nvPicPr>
+          <p:cNvPr id="8" name="Picture 7">
+            <a:extLst>
+              <a:ext uri="{FF2B5EF4-FFF2-40B4-BE49-F238E27FC236}">
+                <a16:creationId xmlns:a16="http://schemas.microsoft.com/office/drawing/2014/main" id="{AE3E601E-116A-0D4A-B3F6-EB5C127C6164}"/>
+              </a:ext>
+            </a:extLst>
+          </p:cNvPr>
+          <p:cNvPicPr>
+            <a:picLocks noChangeAspect="1"/>
+          </p:cNvPicPr>
+          <p:nvPr/>
+        </p:nvPicPr>
+        <p:blipFill>
+          <a:blip r:embed="rId5"/>
+          <a:stretch>
+            <a:fillRect/>
+          </a:stretch>
+        </p:blipFill>
+        <p:spPr>
+          <a:xfrm>
+            <a:off x="7705346" y="5408603"/>
+            <a:ext cx="1356767" cy="323577"/>
+          </a:xfrm>
+          <a:prstGeom prst="rect">
+            <a:avLst/>
+          </a:prstGeom>
+        </p:spPr>
+      </p:pic>
+      <p:pic>
+        <p:nvPicPr>
+          <p:cNvPr id="4" name="Picture 3">
+            <a:extLst>
+              <a:ext uri="{FF2B5EF4-FFF2-40B4-BE49-F238E27FC236}">
+                <a16:creationId xmlns:a16="http://schemas.microsoft.com/office/drawing/2014/main" id="{33B98FB3-53C2-B047-8060-0D102CF59E21}"/>
+              </a:ext>
+            </a:extLst>
+          </p:cNvPr>
+          <p:cNvPicPr>
+            <a:picLocks noChangeAspect="1"/>
+          </p:cNvPicPr>
+          <p:nvPr/>
+        </p:nvPicPr>
+        <p:blipFill>
+          <a:blip r:embed="rId6" cstate="print">
+            <a:extLst>
+              <a:ext uri="{28A0092B-C50C-407E-A947-70E740481C1C}">
+                <a14:useLocalDpi xmlns:a14="http://schemas.microsoft.com/office/drawing/2010/main" val="0"/>
+              </a:ext>
+            </a:extLst>
+          </a:blip>
+          <a:stretch>
+            <a:fillRect/>
+          </a:stretch>
+        </p:blipFill>
+        <p:spPr>
+          <a:xfrm>
+            <a:off x="408175" y="665457"/>
+            <a:ext cx="4506732" cy="6008976"/>
+          </a:xfrm>
+          <a:prstGeom prst="rect">
+            <a:avLst/>
+          </a:prstGeom>
+        </p:spPr>
+      </p:pic>
+      <p:sp>
+        <p:nvSpPr>
+          <p:cNvPr id="9" name="TextBox 8">
+            <a:extLst>
+              <a:ext uri="{FF2B5EF4-FFF2-40B4-BE49-F238E27FC236}">
+                <a16:creationId xmlns:a16="http://schemas.microsoft.com/office/drawing/2014/main" id="{2802D390-BEBC-A647-AFDC-5E606EA03997}"/>
+              </a:ext>
+            </a:extLst>
+          </p:cNvPr>
+          <p:cNvSpPr txBox="1"/>
+          <p:nvPr/>
+        </p:nvSpPr>
+        <p:spPr>
+          <a:xfrm>
+            <a:off x="3828641" y="730444"/>
+            <a:ext cx="822960" cy="295466"/>
+          </a:xfrm>
+          <a:prstGeom prst="rect">
+            <a:avLst/>
+          </a:prstGeom>
+          <a:solidFill>
+            <a:schemeClr val="bg1"/>
+          </a:solidFill>
+        </p:spPr>
+        <p:txBody>
+          <a:bodyPr wrap="square" lIns="118872" tIns="91440" rIns="118872" bIns="91440" rtlCol="0" anchor="ctr" anchorCtr="0">
+            <a:spAutoFit/>
+          </a:bodyPr>
+          <a:lstStyle/>
+          <a:p>
+            <a:pPr algn="l">
+              <a:lnSpc>
+                <a:spcPct val="90000"/>
+              </a:lnSpc>
+            </a:pPr>
+            <a:r>
+              <a:rPr lang="en-US" sz="800" b="1" dirty="0"/>
+              <a:t>  main  </a:t>
+            </a:r>
           </a:p>
         </p:txBody>
       </p:sp>
     </p:spTree>
     <p:extLst>
       <p:ext uri="{BB962C8B-B14F-4D97-AF65-F5344CB8AC3E}">
-        <p14:creationId xmlns:p14="http://schemas.microsoft.com/office/powerpoint/2010/main" val="4060798534"/>
+        <p14:creationId xmlns:p14="http://schemas.microsoft.com/office/powerpoint/2010/main" val="1539049706"/>
       </p:ext>
     </p:extLst>
   </p:cSld>
@@ -8500,7 +8614,7 @@
           <p:cNvPr id="2" name="Title 1">
             <a:extLst>
               <a:ext uri="{FF2B5EF4-FFF2-40B4-BE49-F238E27FC236}">
-                <a16:creationId xmlns:a16="http://schemas.microsoft.com/office/drawing/2014/main" id="{5780C519-1EB3-8846-B9E7-B3E551D14DB0}"/>
+                <a16:creationId xmlns:a16="http://schemas.microsoft.com/office/drawing/2014/main" id="{BD4BD5A9-082D-C54B-8AB5-B9AB79871188}"/>
               </a:ext>
             </a:extLst>
           </p:cNvPr>
@@ -8511,29 +8625,24 @@
             <p:ph type="title"/>
           </p:nvPr>
         </p:nvSpPr>
-        <p:spPr>
-          <a:xfrm>
-            <a:off x="408175" y="174034"/>
-            <a:ext cx="11372473" cy="914400"/>
-          </a:xfrm>
-        </p:spPr>
+        <p:spPr/>
         <p:txBody>
           <a:bodyPr/>
           <a:lstStyle/>
           <a:p>
             <a:r>
               <a:rPr lang="en-US" dirty="0"/>
-              <a:t>Git Flow</a:t>
-            </a:r>
-          </a:p>
-        </p:txBody>
-      </p:sp>
-      <p:sp>
-        <p:nvSpPr>
-          <p:cNvPr id="12" name="Content Placeholder 2">
+              <a:t>GitHub Flow</a:t>
+            </a:r>
+          </a:p>
+        </p:txBody>
+      </p:sp>
+      <p:sp>
+        <p:nvSpPr>
+          <p:cNvPr id="3" name="Content Placeholder 2">
             <a:extLst>
               <a:ext uri="{FF2B5EF4-FFF2-40B4-BE49-F238E27FC236}">
-                <a16:creationId xmlns:a16="http://schemas.microsoft.com/office/drawing/2014/main" id="{F7E13A38-2353-E14A-841B-4D9CC88C8EA3}"/>
+                <a16:creationId xmlns:a16="http://schemas.microsoft.com/office/drawing/2014/main" id="{8B010D1E-98D6-8143-8514-9CB3935A6D58}"/>
               </a:ext>
             </a:extLst>
           </p:cNvPr>
@@ -8546,273 +8655,113 @@
         </p:nvSpPr>
         <p:spPr>
           <a:xfrm>
-            <a:off x="5411977" y="516171"/>
-            <a:ext cx="6500623" cy="4047778"/>
+            <a:off x="368424" y="1197717"/>
+            <a:ext cx="11369809" cy="4047778"/>
           </a:xfrm>
         </p:spPr>
         <p:txBody>
           <a:bodyPr/>
           <a:lstStyle/>
           <a:p>
-            <a:pPr marL="285750" indent="-285750">
-              <a:buFont typeface="Arial" panose="020B0604020202020204" pitchFamily="34" charset="0"/>
-              <a:buChar char="•"/>
-            </a:pPr>
-            <a:r>
-              <a:rPr lang="en-US" dirty="0"/>
-              <a:t>Full-featured workflow</a:t>
-            </a:r>
-          </a:p>
-          <a:p>
-            <a:pPr marL="285750" indent="-285750">
-              <a:buFont typeface="Arial" panose="020B0604020202020204" pitchFamily="34" charset="0"/>
-              <a:buChar char="•"/>
-            </a:pPr>
-            <a:r>
-              <a:rPr lang="en-US" dirty="0"/>
-              <a:t>Increased complexity</a:t>
-            </a:r>
-          </a:p>
-          <a:p>
-            <a:pPr marL="285750" indent="-285750">
-              <a:buFont typeface="Arial" panose="020B0604020202020204" pitchFamily="34" charset="0"/>
-              <a:buChar char="•"/>
-            </a:pPr>
-            <a:r>
-              <a:rPr lang="en-US" dirty="0"/>
-              <a:t>Designed for SW with official releases</a:t>
-            </a:r>
-          </a:p>
-          <a:p>
-            <a:pPr marL="285750" indent="-285750">
-              <a:buFont typeface="Arial" panose="020B0604020202020204" pitchFamily="34" charset="0"/>
-              <a:buChar char="•"/>
-            </a:pPr>
-            <a:r>
-              <a:rPr lang="en-US" dirty="0"/>
-              <a:t>Feature branches based off of develop</a:t>
-            </a:r>
-          </a:p>
-          <a:p>
-            <a:pPr marL="285750" indent="-285750">
-              <a:buFont typeface="Arial" panose="020B0604020202020204" pitchFamily="34" charset="0"/>
-              <a:buChar char="•"/>
+            <a:pPr marL="0" indent="0">
+              <a:buNone/>
             </a:pPr>
             <a:r>
               <a:rPr lang="en-US" dirty="0">
                 <a:hlinkClick r:id="rId3"/>
               </a:rPr>
-              <a:t>Git extensions</a:t>
-            </a:r>
-            <a:r>
-              <a:rPr lang="en-US" dirty="0"/>
-              <a:t> to enforce policy</a:t>
-            </a:r>
-          </a:p>
-          <a:p>
-            <a:pPr marL="285750" indent="-285750">
-              <a:buFont typeface="Arial" panose="020B0604020202020204" pitchFamily="34" charset="0"/>
-              <a:buChar char="•"/>
-            </a:pPr>
-            <a:r>
-              <a:rPr lang="en-US" dirty="0"/>
-              <a:t>How are develop and main synchronized?</a:t>
-            </a:r>
-          </a:p>
-          <a:p>
-            <a:pPr marL="285750" indent="-285750">
-              <a:buFont typeface="Arial" panose="020B0604020202020204" pitchFamily="34" charset="0"/>
-              <a:buChar char="•"/>
-            </a:pPr>
-            <a:r>
-              <a:rPr lang="en-US" dirty="0"/>
-              <a:t>Where do merge conflicts occur and how are they resolved?</a:t>
-            </a:r>
-          </a:p>
-        </p:txBody>
-      </p:sp>
-      <p:sp>
-        <p:nvSpPr>
-          <p:cNvPr id="7" name="TextBox 6">
-            <a:extLst>
-              <a:ext uri="{FF2B5EF4-FFF2-40B4-BE49-F238E27FC236}">
-                <a16:creationId xmlns:a16="http://schemas.microsoft.com/office/drawing/2014/main" id="{9EA3B929-9425-9A46-9997-AAEB3D2077BD}"/>
-              </a:ext>
-            </a:extLst>
-          </p:cNvPr>
-          <p:cNvSpPr txBox="1"/>
-          <p:nvPr/>
-        </p:nvSpPr>
-        <p:spPr>
-          <a:xfrm>
-            <a:off x="4891407" y="4758347"/>
-            <a:ext cx="7297418" cy="849463"/>
-          </a:xfrm>
-          <a:prstGeom prst="rect">
-            <a:avLst/>
-          </a:prstGeom>
-          <a:noFill/>
-        </p:spPr>
-        <p:txBody>
-          <a:bodyPr wrap="square" lIns="118872" tIns="91440" rIns="118872" bIns="91440" rtlCol="0" anchor="ctr" anchorCtr="0">
-            <a:spAutoFit/>
-          </a:bodyPr>
-          <a:lstStyle/>
-          <a:p>
-            <a:pPr algn="l">
-              <a:lnSpc>
-                <a:spcPct val="90000"/>
-              </a:lnSpc>
-            </a:pPr>
-            <a:r>
-              <a:rPr lang="en-US" sz="1600" b="1" dirty="0"/>
-              <a:t>Author: </a:t>
-            </a:r>
-            <a:r>
-              <a:rPr lang="en-US" sz="1600" dirty="0"/>
-              <a:t>Vincent Driessen</a:t>
-            </a:r>
-          </a:p>
-          <a:p>
-            <a:pPr>
-              <a:lnSpc>
-                <a:spcPct val="90000"/>
-              </a:lnSpc>
-            </a:pPr>
-            <a:r>
-              <a:rPr lang="en-US" sz="1600" b="1" dirty="0"/>
-              <a:t>Original Blog: </a:t>
-            </a:r>
-            <a:r>
-              <a:rPr lang="en-US" sz="1600" b="1" dirty="0">
-                <a:hlinkClick r:id="rId4"/>
-              </a:rPr>
-              <a:t>https://nvie.com/posts/a-successful-git-branching-model/</a:t>
-            </a:r>
-            <a:endParaRPr lang="en-US" sz="1600" b="1" dirty="0"/>
-          </a:p>
-          <a:p>
-            <a:pPr>
-              <a:lnSpc>
-                <a:spcPct val="90000"/>
-              </a:lnSpc>
-            </a:pPr>
-            <a:r>
-              <a:rPr lang="en-US" sz="1600" b="1" dirty="0"/>
-              <a:t>License: </a:t>
-            </a:r>
-            <a:r>
-              <a:rPr lang="en-US" sz="1600" dirty="0"/>
-              <a:t>Creative Commons </a:t>
-            </a:r>
-            <a:endParaRPr lang="en-US" sz="1600" b="1" dirty="0"/>
-          </a:p>
-        </p:txBody>
-      </p:sp>
-      <p:pic>
-        <p:nvPicPr>
-          <p:cNvPr id="8" name="Picture 7">
-            <a:extLst>
-              <a:ext uri="{FF2B5EF4-FFF2-40B4-BE49-F238E27FC236}">
-                <a16:creationId xmlns:a16="http://schemas.microsoft.com/office/drawing/2014/main" id="{AE3E601E-116A-0D4A-B3F6-EB5C127C6164}"/>
-              </a:ext>
-            </a:extLst>
-          </p:cNvPr>
-          <p:cNvPicPr>
-            <a:picLocks noChangeAspect="1"/>
-          </p:cNvPicPr>
-          <p:nvPr/>
-        </p:nvPicPr>
-        <p:blipFill>
-          <a:blip r:embed="rId5"/>
-          <a:stretch>
-            <a:fillRect/>
-          </a:stretch>
-        </p:blipFill>
-        <p:spPr>
-          <a:xfrm>
-            <a:off x="7705346" y="5408603"/>
-            <a:ext cx="1356767" cy="323577"/>
-          </a:xfrm>
-          <a:prstGeom prst="rect">
-            <a:avLst/>
-          </a:prstGeom>
-        </p:spPr>
-      </p:pic>
-      <p:pic>
-        <p:nvPicPr>
-          <p:cNvPr id="4" name="Picture 3">
-            <a:extLst>
-              <a:ext uri="{FF2B5EF4-FFF2-40B4-BE49-F238E27FC236}">
-                <a16:creationId xmlns:a16="http://schemas.microsoft.com/office/drawing/2014/main" id="{33B98FB3-53C2-B047-8060-0D102CF59E21}"/>
-              </a:ext>
-            </a:extLst>
-          </p:cNvPr>
-          <p:cNvPicPr>
-            <a:picLocks noChangeAspect="1"/>
-          </p:cNvPicPr>
-          <p:nvPr/>
-        </p:nvPicPr>
-        <p:blipFill>
-          <a:blip r:embed="rId6" cstate="print">
-            <a:extLst>
-              <a:ext uri="{28A0092B-C50C-407E-A947-70E740481C1C}">
-                <a14:useLocalDpi xmlns:a14="http://schemas.microsoft.com/office/drawing/2010/main" val="0"/>
-              </a:ext>
-            </a:extLst>
-          </a:blip>
-          <a:stretch>
-            <a:fillRect/>
-          </a:stretch>
-        </p:blipFill>
-        <p:spPr>
-          <a:xfrm>
-            <a:off x="408175" y="665457"/>
-            <a:ext cx="4506732" cy="6008976"/>
-          </a:xfrm>
-          <a:prstGeom prst="rect">
-            <a:avLst/>
-          </a:prstGeom>
-        </p:spPr>
-      </p:pic>
-      <p:sp>
-        <p:nvSpPr>
-          <p:cNvPr id="9" name="TextBox 8">
-            <a:extLst>
-              <a:ext uri="{FF2B5EF4-FFF2-40B4-BE49-F238E27FC236}">
-                <a16:creationId xmlns:a16="http://schemas.microsoft.com/office/drawing/2014/main" id="{2802D390-BEBC-A647-AFDC-5E606EA03997}"/>
-              </a:ext>
-            </a:extLst>
-          </p:cNvPr>
-          <p:cNvSpPr txBox="1"/>
-          <p:nvPr/>
-        </p:nvSpPr>
-        <p:spPr>
-          <a:xfrm>
-            <a:off x="3828641" y="730444"/>
-            <a:ext cx="822960" cy="295466"/>
-          </a:xfrm>
-          <a:prstGeom prst="rect">
-            <a:avLst/>
-          </a:prstGeom>
-          <a:solidFill>
-            <a:schemeClr val="bg1"/>
-          </a:solidFill>
-        </p:spPr>
-        <p:txBody>
-          <a:bodyPr wrap="square" lIns="118872" tIns="91440" rIns="118872" bIns="91440" rtlCol="0" anchor="ctr" anchorCtr="0">
-            <a:spAutoFit/>
-          </a:bodyPr>
-          <a:lstStyle/>
-          <a:p>
-            <a:pPr algn="l">
-              <a:lnSpc>
-                <a:spcPct val="90000"/>
-              </a:lnSpc>
-            </a:pPr>
-            <a:r>
-              <a:rPr lang="en-US" sz="800" b="1" dirty="0"/>
-              <a:t>  main  </a:t>
+              <a:t>http://scottchacon.com/2011/08/31/github-flow.html</a:t>
+            </a:r>
+            <a:endParaRPr lang="en-US" dirty="0"/>
+          </a:p>
+          <a:p>
+            <a:pPr lvl="1"/>
+            <a:r>
+              <a:rPr lang="en-US" dirty="0"/>
+              <a:t>Published as viable alternative to Git Flow</a:t>
+            </a:r>
+          </a:p>
+          <a:p>
+            <a:pPr lvl="1"/>
+            <a:r>
+              <a:rPr lang="en-US" dirty="0"/>
+              <a:t>No structured release schedule</a:t>
+            </a:r>
+          </a:p>
+          <a:p>
+            <a:pPr lvl="1"/>
+            <a:r>
+              <a:rPr lang="en-US" dirty="0"/>
+              <a:t>Continuous deployment &amp; continuous integration allows for simpler workflow</a:t>
+            </a:r>
+          </a:p>
+          <a:p>
+            <a:pPr marL="346075" lvl="1" indent="0">
+              <a:buNone/>
+            </a:pPr>
+            <a:endParaRPr lang="en-US" dirty="0"/>
+          </a:p>
+          <a:p>
+            <a:pPr marL="0" indent="-49212">
+              <a:buNone/>
+            </a:pPr>
+            <a:r>
+              <a:rPr lang="en-US" dirty="0"/>
+              <a:t>Key Ideas</a:t>
+            </a:r>
+          </a:p>
+          <a:p>
+            <a:pPr marL="457200" indent="-457200">
+              <a:buFont typeface="+mj-lt"/>
+              <a:buAutoNum type="arabicPeriod"/>
+            </a:pPr>
+            <a:r>
+              <a:rPr lang="en-US" sz="2000" dirty="0"/>
+              <a:t>All commits in the main branch are </a:t>
+            </a:r>
+            <a:r>
+              <a:rPr lang="en-US" sz="2000" b="1" dirty="0"/>
+              <a:t>deployable</a:t>
+            </a:r>
+          </a:p>
+          <a:p>
+            <a:pPr marL="457200" indent="-457200">
+              <a:buFont typeface="+mj-lt"/>
+              <a:buAutoNum type="arabicPeriod"/>
+            </a:pPr>
+            <a:r>
+              <a:rPr lang="en-US" sz="2000" dirty="0"/>
+              <a:t>Base feature branches off of main</a:t>
+            </a:r>
+          </a:p>
+          <a:p>
+            <a:pPr marL="457200" indent="-457200">
+              <a:buFont typeface="+mj-lt"/>
+              <a:buAutoNum type="arabicPeriod"/>
+            </a:pPr>
+            <a:r>
+              <a:rPr lang="en-US" sz="2000" dirty="0"/>
+              <a:t>Push local repository to remote constantly</a:t>
+            </a:r>
+          </a:p>
+          <a:p>
+            <a:pPr marL="457200" indent="-457200">
+              <a:buFont typeface="+mj-lt"/>
+              <a:buAutoNum type="arabicPeriod"/>
+            </a:pPr>
+            <a:r>
+              <a:rPr lang="en-US" sz="2000" dirty="0"/>
+              <a:t>Open Pull Requests early to start dialogue</a:t>
+            </a:r>
+          </a:p>
+          <a:p>
+            <a:pPr marL="457200" indent="-457200">
+              <a:buFont typeface="+mj-lt"/>
+              <a:buAutoNum type="arabicPeriod"/>
+            </a:pPr>
+            <a:r>
+              <a:rPr lang="en-US" sz="2000" dirty="0"/>
+              <a:t>Merge into main after Pull Request review </a:t>
             </a:r>
           </a:p>
         </p:txBody>
@@ -8820,7 +8769,7 @@
     </p:spTree>
     <p:extLst>
       <p:ext uri="{BB962C8B-B14F-4D97-AF65-F5344CB8AC3E}">
-        <p14:creationId xmlns:p14="http://schemas.microsoft.com/office/powerpoint/2010/main" val="1539049706"/>
+        <p14:creationId xmlns:p14="http://schemas.microsoft.com/office/powerpoint/2010/main" val="3917958728"/>
       </p:ext>
     </p:extLst>
   </p:cSld>
@@ -9179,7 +9128,7 @@
           <a:p>
             <a:r>
               <a:rPr lang="en-US" dirty="0"/>
-              <a:t>GitHub Flow</a:t>
+              <a:t>GitLab Flow</a:t>
             </a:r>
           </a:p>
         </p:txBody>
@@ -9202,8 +9151,8 @@
         </p:nvSpPr>
         <p:spPr>
           <a:xfrm>
-            <a:off x="368424" y="1197717"/>
-            <a:ext cx="11369809" cy="4047778"/>
+            <a:off x="365761" y="1212707"/>
+            <a:ext cx="10067394" cy="4047778"/>
           </a:xfrm>
         </p:spPr>
         <p:txBody>
@@ -9217,7 +9166,7 @@
               <a:rPr lang="en-US" dirty="0">
                 <a:hlinkClick r:id="rId3"/>
               </a:rPr>
-              <a:t>http://scottchacon.com/2011/08/31/github-flow.html</a:t>
+              <a:t>https://docs.gitlab.com/ee/workflow/gitlab_flow.html</a:t>
             </a:r>
             <a:endParaRPr lang="en-US" dirty="0"/>
           </a:p>
@@ -9225,21 +9174,21 @@
             <a:pPr lvl="1"/>
             <a:r>
               <a:rPr lang="en-US" dirty="0"/>
-              <a:t>Published as viable alternative to Git Flow</a:t>
+              <a:t>Published as viable alternative to Git Flow &amp; GitHub Flow</a:t>
             </a:r>
           </a:p>
           <a:p>
             <a:pPr lvl="1"/>
             <a:r>
               <a:rPr lang="en-US" dirty="0"/>
-              <a:t>No structured release schedule</a:t>
+              <a:t>Semi-structured release schedule</a:t>
             </a:r>
           </a:p>
           <a:p>
             <a:pPr lvl="1"/>
             <a:r>
               <a:rPr lang="en-US" dirty="0"/>
-              <a:t>Continuous deployment &amp; continuous integration allows for simpler workflow</a:t>
+              <a:t>Workflow that simplifies difficulties and common failures in synchronizing infinite lifetime branches</a:t>
             </a:r>
           </a:p>
           <a:p>
@@ -9249,7 +9198,7 @@
             <a:endParaRPr lang="en-US" dirty="0"/>
           </a:p>
           <a:p>
-            <a:pPr marL="0" indent="-49212">
+            <a:pPr marL="0" indent="0">
               <a:buNone/>
             </a:pPr>
             <a:r>
@@ -9258,65 +9207,52 @@
             </a:r>
           </a:p>
           <a:p>
-            <a:pPr marL="457200" indent="-457200">
-              <a:buFont typeface="+mj-lt"/>
-              <a:buAutoNum type="arabicPeriod"/>
-            </a:pPr>
             <a:r>
               <a:rPr lang="en-US" sz="2000" dirty="0"/>
-              <a:t>All commits in the main branch are </a:t>
-            </a:r>
-            <a:r>
-              <a:rPr lang="en-US" sz="2000" b="1" dirty="0"/>
-              <a:t>deployable</a:t>
-            </a:r>
-          </a:p>
-          <a:p>
-            <a:pPr marL="457200" indent="-457200">
-              <a:buFont typeface="+mj-lt"/>
-              <a:buAutoNum type="arabicPeriod"/>
-            </a:pPr>
+              <a:t>main branch is staging area</a:t>
+            </a:r>
+          </a:p>
+          <a:p>
             <a:r>
               <a:rPr lang="en-US" sz="2000" dirty="0"/>
-              <a:t>Base feature branches off of main</a:t>
-            </a:r>
-          </a:p>
-          <a:p>
-            <a:pPr marL="457200" indent="-457200">
-              <a:buFont typeface="+mj-lt"/>
-              <a:buAutoNum type="arabicPeriod"/>
-            </a:pPr>
+              <a:t>Mature code in main flows downstream into pre-production &amp; production infinite lifetime branches</a:t>
+            </a:r>
+          </a:p>
+          <a:p>
             <a:r>
               <a:rPr lang="en-US" sz="2000" dirty="0"/>
-              <a:t>Push local repository to remote constantly</a:t>
-            </a:r>
-          </a:p>
-          <a:p>
-            <a:pPr marL="457200" indent="-457200">
-              <a:buFont typeface="+mj-lt"/>
-              <a:buAutoNum type="arabicPeriod"/>
-            </a:pPr>
-            <a:r>
-              <a:rPr lang="en-US" sz="2000" dirty="0"/>
-              <a:t>Open Pull Requests early to start dialogue</a:t>
-            </a:r>
-          </a:p>
-          <a:p>
-            <a:pPr marL="457200" indent="-457200">
-              <a:buFont typeface="+mj-lt"/>
-              <a:buAutoNum type="arabicPeriod"/>
-            </a:pPr>
-            <a:r>
-              <a:rPr lang="en-US" sz="2000" dirty="0"/>
-              <a:t>Merge into main after Pull Request review </a:t>
-            </a:r>
+              <a:t>Allow for release branches with downstream flow</a:t>
+            </a:r>
+          </a:p>
+          <a:p>
+            <a:pPr lvl="1"/>
+            <a:r>
+              <a:rPr lang="en-US" dirty="0"/>
+              <a:t>Fixes made upstream &amp; merged into main.</a:t>
+            </a:r>
+          </a:p>
+          <a:p>
+            <a:pPr lvl="1"/>
+            <a:r>
+              <a:rPr lang="en-US" dirty="0"/>
+              <a:t>Fixes cherry picked into release branch</a:t>
+            </a:r>
+          </a:p>
+          <a:p>
+            <a:pPr marL="0" indent="0">
+              <a:buNone/>
+            </a:pPr>
+            <a:endParaRPr lang="en-US" dirty="0"/>
+          </a:p>
+          <a:p>
+            <a:endParaRPr lang="en-US" dirty="0"/>
           </a:p>
         </p:txBody>
       </p:sp>
     </p:spTree>
     <p:extLst>
       <p:ext uri="{BB962C8B-B14F-4D97-AF65-F5344CB8AC3E}">
-        <p14:creationId xmlns:p14="http://schemas.microsoft.com/office/powerpoint/2010/main" val="3917958728"/>
+        <p14:creationId xmlns:p14="http://schemas.microsoft.com/office/powerpoint/2010/main" val="3212859505"/>
       </p:ext>
     </p:extLst>
   </p:cSld>
@@ -9348,7 +9284,7 @@
           <p:cNvPr id="2" name="Title 1">
             <a:extLst>
               <a:ext uri="{FF2B5EF4-FFF2-40B4-BE49-F238E27FC236}">
-                <a16:creationId xmlns:a16="http://schemas.microsoft.com/office/drawing/2014/main" id="{BD4BD5A9-082D-C54B-8AB5-B9AB79871188}"/>
+                <a16:creationId xmlns:a16="http://schemas.microsoft.com/office/drawing/2014/main" id="{F07038E7-EEB4-9043-9EA1-7BA9EA5F3241}"/>
               </a:ext>
             </a:extLst>
           </p:cNvPr>
@@ -9366,7 +9302,7 @@
           <a:p>
             <a:r>
               <a:rPr lang="en-US" dirty="0"/>
-              <a:t>GitLab Flow</a:t>
+              <a:t>Collaboration using Git Workflows for CSE projects</a:t>
             </a:r>
           </a:p>
         </p:txBody>
@@ -9376,7 +9312,7 @@
           <p:cNvPr id="3" name="Content Placeholder 2">
             <a:extLst>
               <a:ext uri="{FF2B5EF4-FFF2-40B4-BE49-F238E27FC236}">
-                <a16:creationId xmlns:a16="http://schemas.microsoft.com/office/drawing/2014/main" id="{8B010D1E-98D6-8143-8514-9CB3935A6D58}"/>
+                <a16:creationId xmlns:a16="http://schemas.microsoft.com/office/drawing/2014/main" id="{BC4025A8-D322-7F4C-BD72-C65AC6A3E843}"/>
               </a:ext>
             </a:extLst>
           </p:cNvPr>
@@ -9389,8 +9325,8 @@
         </p:nvSpPr>
         <p:spPr>
           <a:xfrm>
-            <a:off x="365761" y="1212707"/>
-            <a:ext cx="10067394" cy="4047778"/>
+            <a:off x="365760" y="868680"/>
+            <a:ext cx="11369809" cy="4047778"/>
           </a:xfrm>
         </p:spPr>
         <p:txBody>
@@ -9400,89 +9336,38 @@
             <a:pPr marL="0" indent="0">
               <a:buNone/>
             </a:pPr>
-            <a:r>
-              <a:rPr lang="en-US" dirty="0">
-                <a:hlinkClick r:id="rId3"/>
-              </a:rPr>
-              <a:t>https://docs.gitlab.com/ee/workflow/gitlab_flow.html</a:t>
-            </a:r>
             <a:endParaRPr lang="en-US" dirty="0"/>
           </a:p>
           <a:p>
-            <a:pPr lvl="1"/>
-            <a:r>
-              <a:rPr lang="en-US" dirty="0"/>
-              <a:t>Published as viable alternative to Git Flow &amp; GitHub Flow</a:t>
-            </a:r>
-          </a:p>
-          <a:p>
-            <a:pPr lvl="1"/>
-            <a:r>
-              <a:rPr lang="en-US" dirty="0"/>
-              <a:t>Semi-structured release schedule</a:t>
-            </a:r>
-          </a:p>
-          <a:p>
-            <a:pPr lvl="1"/>
-            <a:r>
-              <a:rPr lang="en-US" dirty="0"/>
-              <a:t>Workflow that simplifies difficulties and common failures in synchronizing infinite lifetime branches</a:t>
-            </a:r>
-          </a:p>
-          <a:p>
-            <a:pPr marL="346075" lvl="1" indent="0">
-              <a:buNone/>
-            </a:pPr>
-            <a:endParaRPr lang="en-US" dirty="0"/>
+            <a:r>
+              <a:rPr lang="en-US" dirty="0" err="1"/>
+              <a:t>Trilionos</a:t>
+            </a:r>
+            <a:r>
+              <a:rPr lang="en-US" dirty="0"/>
+              <a:t> Workflow</a:t>
+            </a:r>
+          </a:p>
+          <a:p>
+            <a:r>
+              <a:rPr lang="en-US" dirty="0"/>
+              <a:t>Open MPI Workflow</a:t>
+            </a:r>
+          </a:p>
+          <a:p>
+            <a:r>
+              <a:rPr lang="en-US" dirty="0" err="1"/>
+              <a:t>Flecsi</a:t>
+            </a:r>
+            <a:r>
+              <a:rPr lang="en-US" dirty="0"/>
+              <a:t> Workflow</a:t>
+            </a:r>
           </a:p>
           <a:p>
             <a:pPr marL="0" indent="0">
               <a:buNone/>
             </a:pPr>
-            <a:r>
-              <a:rPr lang="en-US" dirty="0"/>
-              <a:t>Key Ideas</a:t>
-            </a:r>
-          </a:p>
-          <a:p>
-            <a:r>
-              <a:rPr lang="en-US" sz="2000" dirty="0"/>
-              <a:t>main branch is staging area</a:t>
-            </a:r>
-          </a:p>
-          <a:p>
-            <a:r>
-              <a:rPr lang="en-US" sz="2000" dirty="0"/>
-              <a:t>Mature code in main flows downstream into pre-production &amp; production infinite lifetime branches</a:t>
-            </a:r>
-          </a:p>
-          <a:p>
-            <a:r>
-              <a:rPr lang="en-US" sz="2000" dirty="0"/>
-              <a:t>Allow for release branches with downstream flow</a:t>
-            </a:r>
-          </a:p>
-          <a:p>
-            <a:pPr lvl="1"/>
-            <a:r>
-              <a:rPr lang="en-US" dirty="0"/>
-              <a:t>Fixes made upstream &amp; merged into main.</a:t>
-            </a:r>
-          </a:p>
-          <a:p>
-            <a:pPr lvl="1"/>
-            <a:r>
-              <a:rPr lang="en-US" dirty="0"/>
-              <a:t>Fixes cherry picked into release branch</a:t>
-            </a:r>
-          </a:p>
-          <a:p>
-            <a:pPr marL="0" indent="0">
-              <a:buNone/>
-            </a:pPr>
-            <a:endParaRPr lang="en-US" dirty="0"/>
-          </a:p>
-          <a:p>
             <a:endParaRPr lang="en-US" dirty="0"/>
           </a:p>
         </p:txBody>
@@ -9490,7 +9375,7 @@
     </p:spTree>
     <p:extLst>
       <p:ext uri="{BB962C8B-B14F-4D97-AF65-F5344CB8AC3E}">
-        <p14:creationId xmlns:p14="http://schemas.microsoft.com/office/powerpoint/2010/main" val="3212859505"/>
+        <p14:creationId xmlns:p14="http://schemas.microsoft.com/office/powerpoint/2010/main" val="64054294"/>
       </p:ext>
     </p:extLst>
   </p:cSld>
@@ -9522,129 +9407,6 @@
           <p:cNvPr id="2" name="Title 1">
             <a:extLst>
               <a:ext uri="{FF2B5EF4-FFF2-40B4-BE49-F238E27FC236}">
-                <a16:creationId xmlns:a16="http://schemas.microsoft.com/office/drawing/2014/main" id="{F07038E7-EEB4-9043-9EA1-7BA9EA5F3241}"/>
-              </a:ext>
-            </a:extLst>
-          </p:cNvPr>
-          <p:cNvSpPr>
-            <a:spLocks noGrp="1"/>
-          </p:cNvSpPr>
-          <p:nvPr>
-            <p:ph type="title"/>
-          </p:nvPr>
-        </p:nvSpPr>
-        <p:spPr/>
-        <p:txBody>
-          <a:bodyPr/>
-          <a:lstStyle/>
-          <a:p>
-            <a:r>
-              <a:rPr lang="en-US" dirty="0"/>
-              <a:t>Collaboration using Git Workflows for CSE projects</a:t>
-            </a:r>
-          </a:p>
-        </p:txBody>
-      </p:sp>
-      <p:sp>
-        <p:nvSpPr>
-          <p:cNvPr id="3" name="Content Placeholder 2">
-            <a:extLst>
-              <a:ext uri="{FF2B5EF4-FFF2-40B4-BE49-F238E27FC236}">
-                <a16:creationId xmlns:a16="http://schemas.microsoft.com/office/drawing/2014/main" id="{BC4025A8-D322-7F4C-BD72-C65AC6A3E843}"/>
-              </a:ext>
-            </a:extLst>
-          </p:cNvPr>
-          <p:cNvSpPr>
-            <a:spLocks noGrp="1"/>
-          </p:cNvSpPr>
-          <p:nvPr>
-            <p:ph idx="1"/>
-          </p:nvPr>
-        </p:nvSpPr>
-        <p:spPr>
-          <a:xfrm>
-            <a:off x="365760" y="868680"/>
-            <a:ext cx="11369809" cy="4047778"/>
-          </a:xfrm>
-        </p:spPr>
-        <p:txBody>
-          <a:bodyPr/>
-          <a:lstStyle/>
-          <a:p>
-            <a:pPr marL="0" indent="0">
-              <a:buNone/>
-            </a:pPr>
-            <a:endParaRPr lang="en-US" dirty="0"/>
-          </a:p>
-          <a:p>
-            <a:r>
-              <a:rPr lang="en-US" dirty="0" err="1"/>
-              <a:t>Trilionos</a:t>
-            </a:r>
-            <a:r>
-              <a:rPr lang="en-US" dirty="0"/>
-              <a:t> Workflow</a:t>
-            </a:r>
-          </a:p>
-          <a:p>
-            <a:r>
-              <a:rPr lang="en-US" dirty="0"/>
-              <a:t>Open MPI Workflow</a:t>
-            </a:r>
-          </a:p>
-          <a:p>
-            <a:r>
-              <a:rPr lang="en-US" dirty="0" err="1"/>
-              <a:t>Flecsi</a:t>
-            </a:r>
-            <a:r>
-              <a:rPr lang="en-US" dirty="0"/>
-              <a:t> Workflow</a:t>
-            </a:r>
-          </a:p>
-          <a:p>
-            <a:pPr marL="0" indent="0">
-              <a:buNone/>
-            </a:pPr>
-            <a:endParaRPr lang="en-US" dirty="0"/>
-          </a:p>
-        </p:txBody>
-      </p:sp>
-    </p:spTree>
-    <p:extLst>
-      <p:ext uri="{BB962C8B-B14F-4D97-AF65-F5344CB8AC3E}">
-        <p14:creationId xmlns:p14="http://schemas.microsoft.com/office/powerpoint/2010/main" val="64054294"/>
-      </p:ext>
-    </p:extLst>
-  </p:cSld>
-  <p:clrMapOvr>
-    <a:masterClrMapping/>
-  </p:clrMapOvr>
-</p:sld>
-</file>
-
-<file path=ppt/slides/slide23.xml><?xml version="1.0" encoding="utf-8"?>
-<p:sld xmlns:a="http://schemas.openxmlformats.org/drawingml/2006/main" xmlns:r="http://schemas.openxmlformats.org/officeDocument/2006/relationships" xmlns:p="http://schemas.openxmlformats.org/presentationml/2006/main">
-  <p:cSld>
-    <p:spTree>
-      <p:nvGrpSpPr>
-        <p:cNvPr id="1" name=""/>
-        <p:cNvGrpSpPr/>
-        <p:nvPr/>
-      </p:nvGrpSpPr>
-      <p:grpSpPr>
-        <a:xfrm>
-          <a:off x="0" y="0"/>
-          <a:ext cx="0" cy="0"/>
-          <a:chOff x="0" y="0"/>
-          <a:chExt cx="0" cy="0"/>
-        </a:xfrm>
-      </p:grpSpPr>
-      <p:sp>
-        <p:nvSpPr>
-          <p:cNvPr id="2" name="Title 1">
-            <a:extLst>
-              <a:ext uri="{FF2B5EF4-FFF2-40B4-BE49-F238E27FC236}">
                 <a16:creationId xmlns:a16="http://schemas.microsoft.com/office/drawing/2014/main" id="{9E61C7ED-2A46-3949-B59E-F7D19B5D57B0}"/>
               </a:ext>
             </a:extLst>
@@ -10916,7 +10678,7 @@
 </p:sld>
 </file>
 
-<file path=ppt/slides/slide24.xml><?xml version="1.0" encoding="utf-8"?>
+<file path=ppt/slides/slide23.xml><?xml version="1.0" encoding="utf-8"?>
 <p:sld xmlns:a="http://schemas.openxmlformats.org/drawingml/2006/main" xmlns:r="http://schemas.openxmlformats.org/officeDocument/2006/relationships" xmlns:p="http://schemas.openxmlformats.org/presentationml/2006/main">
   <p:cSld>
     <p:spTree>
@@ -12528,7 +12290,7 @@
 </p:sld>
 </file>
 
-<file path=ppt/slides/slide25.xml><?xml version="1.0" encoding="utf-8"?>
+<file path=ppt/slides/slide24.xml><?xml version="1.0" encoding="utf-8"?>
 <p:sld xmlns:a="http://schemas.openxmlformats.org/drawingml/2006/main" xmlns:r="http://schemas.openxmlformats.org/officeDocument/2006/relationships" xmlns:p="http://schemas.openxmlformats.org/presentationml/2006/main">
   <p:cSld>
     <p:spTree>
@@ -13165,7 +12927,7 @@
 </p:sld>
 </file>
 
-<file path=ppt/slides/slide26.xml><?xml version="1.0" encoding="utf-8"?>
+<file path=ppt/slides/slide25.xml><?xml version="1.0" encoding="utf-8"?>
 <p:sld xmlns:a="http://schemas.openxmlformats.org/drawingml/2006/main" xmlns:r="http://schemas.openxmlformats.org/officeDocument/2006/relationships" xmlns:p="http://schemas.openxmlformats.org/presentationml/2006/main">
   <p:cSld>
     <p:spTree>
@@ -13404,12 +13166,6 @@
           <a:p>
             <a:r>
               <a:rPr lang="en-US" dirty="0"/>
-              <a:t>Inclusivity measures – the main branch</a:t>
-            </a:r>
-          </a:p>
-          <a:p>
-            <a:r>
-              <a:rPr lang="en-US" dirty="0"/>
               <a:t>Goal using Version Control with Git</a:t>
             </a:r>
           </a:p>
@@ -13551,7 +13307,7 @@
           <p:cNvPr id="2" name="Title 1">
             <a:extLst>
               <a:ext uri="{FF2B5EF4-FFF2-40B4-BE49-F238E27FC236}">
-                <a16:creationId xmlns:a16="http://schemas.microsoft.com/office/drawing/2014/main" id="{B686D5E8-7D79-E844-8E7C-1D21240A741D}"/>
+                <a16:creationId xmlns:a16="http://schemas.microsoft.com/office/drawing/2014/main" id="{89F8550E-A12D-8844-B3AA-843E0E02B76E}"/>
               </a:ext>
             </a:extLst>
           </p:cNvPr>
@@ -13569,15 +13325,8 @@
           <a:p>
             <a:r>
               <a:rPr lang="en-US" dirty="0"/>
-              <a:t>Inclusivity measures – the main branch</a:t>
-            </a:r>
-            <a:br>
-              <a:rPr lang="en-US" dirty="0"/>
-            </a:br>
-            <a:br>
-              <a:rPr lang="en-US" dirty="0"/>
-            </a:br>
-            <a:endParaRPr lang="en-US" dirty="0"/>
+              <a:t>Goal</a:t>
+            </a:r>
           </a:p>
         </p:txBody>
       </p:sp>
@@ -13586,7 +13335,7 @@
           <p:cNvPr id="3" name="Content Placeholder 2">
             <a:extLst>
               <a:ext uri="{FF2B5EF4-FFF2-40B4-BE49-F238E27FC236}">
-                <a16:creationId xmlns:a16="http://schemas.microsoft.com/office/drawing/2014/main" id="{5C96C906-16EA-E44C-8B42-900F1C045ED7}"/>
+                <a16:creationId xmlns:a16="http://schemas.microsoft.com/office/drawing/2014/main" id="{0E7A5CED-599D-314E-9F01-E8806914DCFD}"/>
               </a:ext>
             </a:extLst>
           </p:cNvPr>
@@ -13599,81 +13348,46 @@
         </p:nvSpPr>
         <p:spPr>
           <a:xfrm>
-            <a:off x="365760" y="1342249"/>
-            <a:ext cx="11369809" cy="4047778"/>
+            <a:off x="365761" y="1226999"/>
+            <a:ext cx="8802954" cy="4841291"/>
           </a:xfrm>
         </p:spPr>
         <p:txBody>
           <a:bodyPr/>
           <a:lstStyle/>
           <a:p>
-            <a:r>
-              <a:rPr lang="en-US" dirty="0"/>
-              <a:t>Historically git used master as the </a:t>
-            </a:r>
-            <a:r>
-              <a:rPr lang="en-US" i="1" dirty="0"/>
-              <a:t>default</a:t>
-            </a:r>
-            <a:r>
-              <a:rPr lang="en-US" dirty="0"/>
-              <a:t> branch name for a new repository. </a:t>
-            </a:r>
-          </a:p>
-          <a:p>
-            <a:pPr lvl="1"/>
-            <a:r>
-              <a:rPr lang="en-US" dirty="0"/>
-              <a:t>master as a single, isolated term has a close affiliation with the problematic language of master/slave and so has recently undergone replacement.</a:t>
-            </a:r>
-          </a:p>
-          <a:p>
-            <a:r>
-              <a:rPr lang="en-US" dirty="0"/>
-              <a:t>Both </a:t>
-            </a:r>
-            <a:r>
-              <a:rPr lang="en-US" dirty="0" err="1"/>
-              <a:t>Github</a:t>
-            </a:r>
-            <a:r>
-              <a:rPr lang="en-US" dirty="0"/>
-              <a:t> and Gitlab have changed their default branch name to main</a:t>
-            </a:r>
-          </a:p>
-          <a:p>
-            <a:pPr lvl="1"/>
-            <a:r>
-              <a:rPr lang="en-US" dirty="0"/>
-              <a:t>New repositories begin with this default.</a:t>
-            </a:r>
-          </a:p>
-          <a:p>
-            <a:pPr lvl="1"/>
-            <a:r>
-              <a:rPr lang="en-US" dirty="0"/>
-              <a:t>Many existing projects renamed their default branch to something like main or develop</a:t>
-            </a:r>
-          </a:p>
-          <a:p>
-            <a:pPr lvl="1"/>
-            <a:r>
-              <a:rPr lang="en-US" dirty="0"/>
-              <a:t>Older projects may still use master, but we anticipate they will change the naming over time.</a:t>
-            </a:r>
-          </a:p>
-          <a:p>
-            <a:r>
-              <a:rPr lang="en-US" dirty="0"/>
-              <a:t>For this presentation we use main as the default branch</a:t>
-            </a:r>
+            <a:pPr marL="0" indent="0">
+              <a:buNone/>
+            </a:pPr>
+            <a:r>
+              <a:rPr lang="en-US" dirty="0"/>
+              <a:t>Development teams would like to use version control to collaborate productively and ensure correct code.</a:t>
+            </a:r>
+          </a:p>
+          <a:p>
+            <a:pPr marL="0" indent="0">
+              <a:buNone/>
+            </a:pPr>
+            <a:endParaRPr lang="en-US" sz="1800" dirty="0"/>
+          </a:p>
+          <a:p>
+            <a:pPr marL="0" indent="0">
+              <a:buNone/>
+            </a:pPr>
+            <a:endParaRPr lang="en-US" sz="1800" dirty="0"/>
+          </a:p>
+          <a:p>
+            <a:pPr marL="0" indent="0">
+              <a:buNone/>
+            </a:pPr>
+            <a:endParaRPr lang="en-US" sz="1800" dirty="0"/>
           </a:p>
         </p:txBody>
       </p:sp>
     </p:spTree>
     <p:extLst>
       <p:ext uri="{BB962C8B-B14F-4D97-AF65-F5344CB8AC3E}">
-        <p14:creationId xmlns:p14="http://schemas.microsoft.com/office/powerpoint/2010/main" val="701226340"/>
+        <p14:creationId xmlns:p14="http://schemas.microsoft.com/office/powerpoint/2010/main" val="658328687"/>
       </p:ext>
     </p:extLst>
   </p:cSld>
@@ -13705,7 +13419,7 @@
           <p:cNvPr id="2" name="Title 1">
             <a:extLst>
               <a:ext uri="{FF2B5EF4-FFF2-40B4-BE49-F238E27FC236}">
-                <a16:creationId xmlns:a16="http://schemas.microsoft.com/office/drawing/2014/main" id="{89F8550E-A12D-8844-B3AA-843E0E02B76E}"/>
+                <a16:creationId xmlns:a16="http://schemas.microsoft.com/office/drawing/2014/main" id="{0F7F7C0A-7591-A44A-BA28-B27788DF1A70}"/>
               </a:ext>
             </a:extLst>
           </p:cNvPr>
@@ -13723,7 +13437,7 @@
           <a:p>
             <a:r>
               <a:rPr lang="en-US" dirty="0"/>
-              <a:t>Goal</a:t>
+              <a:t>First Workflow</a:t>
             </a:r>
           </a:p>
         </p:txBody>
@@ -13733,7 +13447,7 @@
           <p:cNvPr id="3" name="Content Placeholder 2">
             <a:extLst>
               <a:ext uri="{FF2B5EF4-FFF2-40B4-BE49-F238E27FC236}">
-                <a16:creationId xmlns:a16="http://schemas.microsoft.com/office/drawing/2014/main" id="{0E7A5CED-599D-314E-9F01-E8806914DCFD}"/>
+                <a16:creationId xmlns:a16="http://schemas.microsoft.com/office/drawing/2014/main" id="{F1DB1E7F-C262-8A45-9DAC-7AF28B8267E9}"/>
               </a:ext>
             </a:extLst>
           </p:cNvPr>
@@ -13746,8 +13460,8 @@
         </p:nvSpPr>
         <p:spPr>
           <a:xfrm>
-            <a:off x="365761" y="1226999"/>
-            <a:ext cx="8802954" cy="4841291"/>
+            <a:off x="409507" y="1210897"/>
+            <a:ext cx="11369809" cy="4047778"/>
           </a:xfrm>
         </p:spPr>
         <p:txBody>
@@ -13759,33 +13473,522 @@
             </a:pPr>
             <a:r>
               <a:rPr lang="en-US" dirty="0"/>
-              <a:t>Development teams would like to use version control to collaborate productively and ensure correct code.</a:t>
+              <a:t>This process of collaborating </a:t>
+            </a:r>
+            <a:r>
+              <a:rPr lang="en-US" i="1" dirty="0"/>
+              <a:t>via</a:t>
+            </a:r>
+            <a:r>
+              <a:rPr lang="en-US" dirty="0"/>
+              <a:t> Git is called the </a:t>
+            </a:r>
+            <a:r>
+              <a:rPr lang="en-US" b="1" dirty="0"/>
+              <a:t>Centralized</a:t>
+            </a:r>
+            <a:r>
+              <a:rPr lang="en-US" dirty="0"/>
+              <a:t> </a:t>
+            </a:r>
+            <a:r>
+              <a:rPr lang="en-US" b="1" dirty="0"/>
+              <a:t>Workflow</a:t>
+            </a:r>
+          </a:p>
+          <a:p>
+            <a:r>
+              <a:rPr lang="en-US" dirty="0"/>
+              <a:t>See </a:t>
+            </a:r>
+            <a:r>
+              <a:rPr lang="en-US" dirty="0">
+                <a:hlinkClick r:id="rId3"/>
+              </a:rPr>
+              <a:t>Atlassian/BitBucket</a:t>
+            </a:r>
+            <a:r>
+              <a:rPr lang="en-US" dirty="0"/>
+              <a:t> for more information</a:t>
+            </a:r>
+          </a:p>
+          <a:p>
+            <a:r>
+              <a:rPr lang="en-US" dirty="0"/>
+              <a:t>“Simple” to learn and “easy” to use</a:t>
+            </a:r>
+          </a:p>
+          <a:p>
+            <a:r>
+              <a:rPr lang="en-US" dirty="0"/>
+              <a:t>Leverages local vs. remote repo dimension</a:t>
+            </a:r>
+          </a:p>
+          <a:p>
+            <a:pPr lvl="1"/>
+            <a:r>
+              <a:rPr lang="en-US" dirty="0"/>
+              <a:t>Integration in local repo when local repos interact with remote repo</a:t>
+            </a:r>
+          </a:p>
+          <a:p>
+            <a:r>
+              <a:rPr lang="en-US" dirty="0"/>
+              <a:t>What if you have many team members?</a:t>
+            </a:r>
+          </a:p>
+          <a:p>
+            <a:r>
+              <a:rPr lang="en-US" dirty="0"/>
+              <a:t>What if developers only push once a month?</a:t>
+            </a:r>
+          </a:p>
+          <a:p>
+            <a:pPr lvl="1"/>
+            <a:r>
+              <a:rPr lang="en-US" dirty="0"/>
+              <a:t>Lengthy development efforts without integrating</a:t>
+            </a:r>
+          </a:p>
+          <a:p>
+            <a:pPr lvl="1"/>
+            <a:r>
+              <a:rPr lang="en-US" dirty="0"/>
+              <a:t>Occasional contributors</a:t>
+            </a:r>
+          </a:p>
+          <a:p>
+            <a:r>
+              <a:rPr lang="en-US" dirty="0"/>
+              <a:t>What if team members works on different parts of the code?</a:t>
+            </a:r>
+          </a:p>
+          <a:p>
+            <a:r>
+              <a:rPr lang="en-US" dirty="0"/>
+              <a:t>Working directly on the main branch</a:t>
             </a:r>
           </a:p>
           <a:p>
             <a:pPr marL="0" indent="0">
               <a:buNone/>
             </a:pPr>
-            <a:endParaRPr lang="en-US" sz="1800" dirty="0"/>
-          </a:p>
-          <a:p>
-            <a:pPr marL="0" indent="0">
-              <a:buNone/>
-            </a:pPr>
-            <a:endParaRPr lang="en-US" sz="1800" dirty="0"/>
-          </a:p>
-          <a:p>
-            <a:pPr marL="0" indent="0">
-              <a:buNone/>
-            </a:pPr>
-            <a:endParaRPr lang="en-US" sz="1800" dirty="0"/>
+            <a:endParaRPr lang="en-US" dirty="0"/>
+          </a:p>
+        </p:txBody>
+      </p:sp>
+      <p:sp>
+        <p:nvSpPr>
+          <p:cNvPr id="4" name="Magnetic Disk 3">
+            <a:extLst>
+              <a:ext uri="{FF2B5EF4-FFF2-40B4-BE49-F238E27FC236}">
+                <a16:creationId xmlns:a16="http://schemas.microsoft.com/office/drawing/2014/main" id="{4003AB91-21BD-E24D-A55D-EF70A605911D}"/>
+              </a:ext>
+            </a:extLst>
+          </p:cNvPr>
+          <p:cNvSpPr/>
+          <p:nvPr/>
+        </p:nvSpPr>
+        <p:spPr>
+          <a:xfrm>
+            <a:off x="9266830" y="2421515"/>
+            <a:ext cx="1364776" cy="781334"/>
+          </a:xfrm>
+          <a:prstGeom prst="flowChartMagneticDisk">
+            <a:avLst/>
+          </a:prstGeom>
+          <a:solidFill>
+            <a:schemeClr val="accent3">
+              <a:lumMod val="75000"/>
+            </a:schemeClr>
+          </a:solidFill>
+          <a:ln w="19050">
+            <a:solidFill>
+              <a:schemeClr val="tx2">
+                <a:lumMod val="75000"/>
+              </a:schemeClr>
+            </a:solidFill>
+          </a:ln>
+          <a:effectLst>
+            <a:outerShdw blurRad="44450" dist="27940" dir="5400000" algn="ctr">
+              <a:srgbClr val="000000">
+                <a:alpha val="32000"/>
+              </a:srgbClr>
+            </a:outerShdw>
+          </a:effectLst>
+        </p:spPr>
+        <p:txBody>
+          <a:bodyPr rot="0" spcFirstLastPara="0" vertOverflow="overflow" horzOverflow="overflow" vert="horz" wrap="square" lIns="121851" tIns="60925" rIns="121851" bIns="60925" numCol="1" spcCol="0" rtlCol="0" fromWordArt="0" anchor="ctr" anchorCtr="0" forceAA="0" compatLnSpc="1">
+            <a:prstTxWarp prst="textNoShape">
+              <a:avLst/>
+            </a:prstTxWarp>
+            <a:noAutofit/>
+          </a:bodyPr>
+          <a:lstStyle/>
+          <a:p>
+            <a:pPr algn="ctr">
+              <a:lnSpc>
+                <a:spcPct val="90000"/>
+              </a:lnSpc>
+            </a:pPr>
+            <a:endParaRPr lang="en-US" sz="2000" dirty="0">
+              <a:solidFill>
+                <a:schemeClr val="bg1"/>
+              </a:solidFill>
+            </a:endParaRPr>
+          </a:p>
+        </p:txBody>
+      </p:sp>
+      <p:sp>
+        <p:nvSpPr>
+          <p:cNvPr id="6" name="Magnetic Disk 5">
+            <a:extLst>
+              <a:ext uri="{FF2B5EF4-FFF2-40B4-BE49-F238E27FC236}">
+                <a16:creationId xmlns:a16="http://schemas.microsoft.com/office/drawing/2014/main" id="{6948B375-82F7-7049-B5AA-00116F19D2AA}"/>
+              </a:ext>
+            </a:extLst>
+          </p:cNvPr>
+          <p:cNvSpPr/>
+          <p:nvPr/>
+        </p:nvSpPr>
+        <p:spPr>
+          <a:xfrm>
+            <a:off x="10361076" y="3957190"/>
+            <a:ext cx="1364776" cy="781334"/>
+          </a:xfrm>
+          <a:prstGeom prst="flowChartMagneticDisk">
+            <a:avLst/>
+          </a:prstGeom>
+          <a:solidFill>
+            <a:srgbClr val="974CEA"/>
+          </a:solidFill>
+          <a:ln w="19050">
+            <a:solidFill>
+              <a:srgbClr val="61298A"/>
+            </a:solidFill>
+          </a:ln>
+          <a:effectLst>
+            <a:outerShdw blurRad="44450" dist="27940" dir="5400000" algn="ctr">
+              <a:srgbClr val="000000">
+                <a:alpha val="32000"/>
+              </a:srgbClr>
+            </a:outerShdw>
+          </a:effectLst>
+        </p:spPr>
+        <p:txBody>
+          <a:bodyPr rot="0" spcFirstLastPara="0" vertOverflow="overflow" horzOverflow="overflow" vert="horz" wrap="square" lIns="121851" tIns="60925" rIns="121851" bIns="60925" numCol="1" spcCol="0" rtlCol="0" fromWordArt="0" anchor="ctr" anchorCtr="0" forceAA="0" compatLnSpc="1">
+            <a:prstTxWarp prst="textNoShape">
+              <a:avLst/>
+            </a:prstTxWarp>
+            <a:noAutofit/>
+          </a:bodyPr>
+          <a:lstStyle/>
+          <a:p>
+            <a:pPr algn="ctr">
+              <a:lnSpc>
+                <a:spcPct val="90000"/>
+              </a:lnSpc>
+            </a:pPr>
+            <a:endParaRPr lang="en-US" sz="2000" dirty="0">
+              <a:solidFill>
+                <a:schemeClr val="bg1"/>
+              </a:solidFill>
+            </a:endParaRPr>
+          </a:p>
+        </p:txBody>
+      </p:sp>
+      <p:sp>
+        <p:nvSpPr>
+          <p:cNvPr id="7" name="Magnetic Disk 6">
+            <a:extLst>
+              <a:ext uri="{FF2B5EF4-FFF2-40B4-BE49-F238E27FC236}">
+                <a16:creationId xmlns:a16="http://schemas.microsoft.com/office/drawing/2014/main" id="{0B080F18-0A50-6945-A242-938F83117D61}"/>
+              </a:ext>
+            </a:extLst>
+          </p:cNvPr>
+          <p:cNvSpPr/>
+          <p:nvPr/>
+        </p:nvSpPr>
+        <p:spPr>
+          <a:xfrm>
+            <a:off x="8126797" y="3927485"/>
+            <a:ext cx="1364776" cy="781334"/>
+          </a:xfrm>
+          <a:prstGeom prst="flowChartMagneticDisk">
+            <a:avLst/>
+          </a:prstGeom>
+          <a:solidFill>
+            <a:srgbClr val="974CEA"/>
+          </a:solidFill>
+          <a:ln w="19050">
+            <a:solidFill>
+              <a:srgbClr val="61298A"/>
+            </a:solidFill>
+          </a:ln>
+          <a:effectLst>
+            <a:outerShdw blurRad="44450" dist="27940" dir="5400000" algn="ctr">
+              <a:srgbClr val="000000">
+                <a:alpha val="32000"/>
+              </a:srgbClr>
+            </a:outerShdw>
+          </a:effectLst>
+        </p:spPr>
+        <p:txBody>
+          <a:bodyPr rot="0" spcFirstLastPara="0" vertOverflow="overflow" horzOverflow="overflow" vert="horz" wrap="square" lIns="121851" tIns="60925" rIns="121851" bIns="60925" numCol="1" spcCol="0" rtlCol="0" fromWordArt="0" anchor="ctr" anchorCtr="0" forceAA="0" compatLnSpc="1">
+            <a:prstTxWarp prst="textNoShape">
+              <a:avLst/>
+            </a:prstTxWarp>
+            <a:noAutofit/>
+          </a:bodyPr>
+          <a:lstStyle/>
+          <a:p>
+            <a:pPr algn="ctr">
+              <a:lnSpc>
+                <a:spcPct val="90000"/>
+              </a:lnSpc>
+            </a:pPr>
+            <a:endParaRPr lang="en-US" sz="2000" dirty="0">
+              <a:solidFill>
+                <a:schemeClr val="bg1"/>
+              </a:solidFill>
+            </a:endParaRPr>
+          </a:p>
+        </p:txBody>
+      </p:sp>
+      <p:cxnSp>
+        <p:nvCxnSpPr>
+          <p:cNvPr id="10" name="Straight Arrow Connector 9">
+            <a:extLst>
+              <a:ext uri="{FF2B5EF4-FFF2-40B4-BE49-F238E27FC236}">
+                <a16:creationId xmlns:a16="http://schemas.microsoft.com/office/drawing/2014/main" id="{241ECF81-3A7A-C740-AD38-24DCB01EA86F}"/>
+              </a:ext>
+            </a:extLst>
+          </p:cNvPr>
+          <p:cNvCxnSpPr>
+            <a:cxnSpLocks/>
+            <a:stCxn id="4" idx="3"/>
+            <a:endCxn id="6" idx="1"/>
+          </p:cNvCxnSpPr>
+          <p:nvPr/>
+        </p:nvCxnSpPr>
+        <p:spPr>
+          <a:xfrm>
+            <a:off x="9949218" y="3202849"/>
+            <a:ext cx="1094246" cy="754341"/>
+          </a:xfrm>
+          <a:prstGeom prst="straightConnector1">
+            <a:avLst/>
+          </a:prstGeom>
+          <a:ln w="38100">
+            <a:headEnd type="triangle"/>
+            <a:tailEnd type="triangle"/>
+          </a:ln>
+        </p:spPr>
+        <p:style>
+          <a:lnRef idx="1">
+            <a:schemeClr val="accent1"/>
+          </a:lnRef>
+          <a:fillRef idx="0">
+            <a:schemeClr val="accent1"/>
+          </a:fillRef>
+          <a:effectRef idx="0">
+            <a:schemeClr val="accent1"/>
+          </a:effectRef>
+          <a:fontRef idx="minor">
+            <a:schemeClr val="tx1"/>
+          </a:fontRef>
+        </p:style>
+      </p:cxnSp>
+      <p:cxnSp>
+        <p:nvCxnSpPr>
+          <p:cNvPr id="16" name="Straight Arrow Connector 15">
+            <a:extLst>
+              <a:ext uri="{FF2B5EF4-FFF2-40B4-BE49-F238E27FC236}">
+                <a16:creationId xmlns:a16="http://schemas.microsoft.com/office/drawing/2014/main" id="{B35EDA98-2981-5145-B0E6-A0276937426D}"/>
+              </a:ext>
+            </a:extLst>
+          </p:cNvPr>
+          <p:cNvCxnSpPr>
+            <a:cxnSpLocks/>
+            <a:stCxn id="7" idx="1"/>
+            <a:endCxn id="4" idx="3"/>
+          </p:cNvCxnSpPr>
+          <p:nvPr/>
+        </p:nvCxnSpPr>
+        <p:spPr>
+          <a:xfrm flipV="1">
+            <a:off x="8809185" y="3202849"/>
+            <a:ext cx="1140033" cy="724636"/>
+          </a:xfrm>
+          <a:prstGeom prst="straightConnector1">
+            <a:avLst/>
+          </a:prstGeom>
+          <a:ln w="38100">
+            <a:headEnd type="triangle"/>
+            <a:tailEnd type="triangle"/>
+          </a:ln>
+        </p:spPr>
+        <p:style>
+          <a:lnRef idx="1">
+            <a:schemeClr val="accent1"/>
+          </a:lnRef>
+          <a:fillRef idx="0">
+            <a:schemeClr val="accent1"/>
+          </a:fillRef>
+          <a:effectRef idx="0">
+            <a:schemeClr val="accent1"/>
+          </a:effectRef>
+          <a:fontRef idx="minor">
+            <a:schemeClr val="tx1"/>
+          </a:fontRef>
+        </p:style>
+      </p:cxnSp>
+      <p:sp>
+        <p:nvSpPr>
+          <p:cNvPr id="27" name="TextBox 26">
+            <a:extLst>
+              <a:ext uri="{FF2B5EF4-FFF2-40B4-BE49-F238E27FC236}">
+                <a16:creationId xmlns:a16="http://schemas.microsoft.com/office/drawing/2014/main" id="{ADE27B72-B0FA-034F-9FF4-D07586E6873D}"/>
+              </a:ext>
+            </a:extLst>
+          </p:cNvPr>
+          <p:cNvSpPr txBox="1"/>
+          <p:nvPr/>
+        </p:nvSpPr>
+        <p:spPr>
+          <a:xfrm>
+            <a:off x="8126797" y="4737991"/>
+            <a:ext cx="1364776" cy="683264"/>
+          </a:xfrm>
+          <a:prstGeom prst="rect">
+            <a:avLst/>
+          </a:prstGeom>
+          <a:noFill/>
+        </p:spPr>
+        <p:txBody>
+          <a:bodyPr wrap="square" lIns="118872" tIns="91440" rIns="118872" bIns="91440" rtlCol="0" anchor="ctr" anchorCtr="0">
+            <a:spAutoFit/>
+          </a:bodyPr>
+          <a:lstStyle/>
+          <a:p>
+            <a:pPr algn="l">
+              <a:lnSpc>
+                <a:spcPct val="90000"/>
+              </a:lnSpc>
+            </a:pPr>
+            <a:r>
+              <a:rPr lang="en-US" dirty="0"/>
+              <a:t>Local repo</a:t>
+            </a:r>
+          </a:p>
+          <a:p>
+            <a:pPr algn="l">
+              <a:lnSpc>
+                <a:spcPct val="90000"/>
+              </a:lnSpc>
+            </a:pPr>
+            <a:r>
+              <a:rPr lang="en-US" dirty="0"/>
+              <a:t>     Alice</a:t>
+            </a:r>
+          </a:p>
+        </p:txBody>
+      </p:sp>
+      <p:sp>
+        <p:nvSpPr>
+          <p:cNvPr id="28" name="TextBox 27">
+            <a:extLst>
+              <a:ext uri="{FF2B5EF4-FFF2-40B4-BE49-F238E27FC236}">
+                <a16:creationId xmlns:a16="http://schemas.microsoft.com/office/drawing/2014/main" id="{CCB07D9C-2F79-EC48-83EA-602F4D21A434}"/>
+              </a:ext>
+            </a:extLst>
+          </p:cNvPr>
+          <p:cNvSpPr txBox="1"/>
+          <p:nvPr/>
+        </p:nvSpPr>
+        <p:spPr>
+          <a:xfrm>
+            <a:off x="10361076" y="4771025"/>
+            <a:ext cx="1364776" cy="683264"/>
+          </a:xfrm>
+          <a:prstGeom prst="rect">
+            <a:avLst/>
+          </a:prstGeom>
+          <a:noFill/>
+        </p:spPr>
+        <p:txBody>
+          <a:bodyPr wrap="square" lIns="118872" tIns="91440" rIns="118872" bIns="91440" rtlCol="0" anchor="ctr" anchorCtr="0">
+            <a:spAutoFit/>
+          </a:bodyPr>
+          <a:lstStyle/>
+          <a:p>
+            <a:pPr algn="l">
+              <a:lnSpc>
+                <a:spcPct val="90000"/>
+              </a:lnSpc>
+            </a:pPr>
+            <a:r>
+              <a:rPr lang="en-US" dirty="0"/>
+              <a:t>Local repo</a:t>
+            </a:r>
+          </a:p>
+          <a:p>
+            <a:pPr algn="l">
+              <a:lnSpc>
+                <a:spcPct val="90000"/>
+              </a:lnSpc>
+            </a:pPr>
+            <a:r>
+              <a:rPr lang="en-US" dirty="0"/>
+              <a:t>      Bob</a:t>
+            </a:r>
+          </a:p>
+        </p:txBody>
+      </p:sp>
+      <p:sp>
+        <p:nvSpPr>
+          <p:cNvPr id="29" name="TextBox 28">
+            <a:extLst>
+              <a:ext uri="{FF2B5EF4-FFF2-40B4-BE49-F238E27FC236}">
+                <a16:creationId xmlns:a16="http://schemas.microsoft.com/office/drawing/2014/main" id="{A2141202-CAD4-5248-9EE0-0EE8E8CB2373}"/>
+              </a:ext>
+            </a:extLst>
+          </p:cNvPr>
+          <p:cNvSpPr txBox="1"/>
+          <p:nvPr/>
+        </p:nvSpPr>
+        <p:spPr>
+          <a:xfrm>
+            <a:off x="9128533" y="2047382"/>
+            <a:ext cx="1641369" cy="433965"/>
+          </a:xfrm>
+          <a:prstGeom prst="rect">
+            <a:avLst/>
+          </a:prstGeom>
+          <a:noFill/>
+        </p:spPr>
+        <p:txBody>
+          <a:bodyPr wrap="square" lIns="118872" tIns="91440" rIns="118872" bIns="91440" rtlCol="0" anchor="ctr" anchorCtr="0">
+            <a:spAutoFit/>
+          </a:bodyPr>
+          <a:lstStyle/>
+          <a:p>
+            <a:pPr algn="l">
+              <a:lnSpc>
+                <a:spcPct val="90000"/>
+              </a:lnSpc>
+            </a:pPr>
+            <a:r>
+              <a:rPr lang="en-US" dirty="0"/>
+              <a:t>Remote repo</a:t>
+            </a:r>
           </a:p>
         </p:txBody>
       </p:sp>
     </p:spTree>
     <p:extLst>
       <p:ext uri="{BB962C8B-B14F-4D97-AF65-F5344CB8AC3E}">
-        <p14:creationId xmlns:p14="http://schemas.microsoft.com/office/powerpoint/2010/main" val="658328687"/>
+        <p14:creationId xmlns:p14="http://schemas.microsoft.com/office/powerpoint/2010/main" val="788690729"/>
       </p:ext>
     </p:extLst>
   </p:cSld>
@@ -13817,7 +14020,7 @@
           <p:cNvPr id="2" name="Title 1">
             <a:extLst>
               <a:ext uri="{FF2B5EF4-FFF2-40B4-BE49-F238E27FC236}">
-                <a16:creationId xmlns:a16="http://schemas.microsoft.com/office/drawing/2014/main" id="{0F7F7C0A-7591-A44A-BA28-B27788DF1A70}"/>
+                <a16:creationId xmlns:a16="http://schemas.microsoft.com/office/drawing/2014/main" id="{2AB5E873-EED9-BF40-A119-57F778917CEC}"/>
               </a:ext>
             </a:extLst>
           </p:cNvPr>
@@ -13835,7 +14038,7 @@
           <a:p>
             <a:r>
               <a:rPr lang="en-US" dirty="0"/>
-              <a:t>First Workflow</a:t>
+              <a:t>Git Workflow Mechanisms for Collaboration</a:t>
             </a:r>
           </a:p>
         </p:txBody>
@@ -13845,7 +14048,7 @@
           <p:cNvPr id="3" name="Content Placeholder 2">
             <a:extLst>
               <a:ext uri="{FF2B5EF4-FFF2-40B4-BE49-F238E27FC236}">
-                <a16:creationId xmlns:a16="http://schemas.microsoft.com/office/drawing/2014/main" id="{F1DB1E7F-C262-8A45-9DAC-7AF28B8267E9}"/>
+                <a16:creationId xmlns:a16="http://schemas.microsoft.com/office/drawing/2014/main" id="{28795306-D83A-334F-8568-08D11D98E3E4}"/>
               </a:ext>
             </a:extLst>
           </p:cNvPr>
@@ -13858,7 +14061,7 @@
         </p:nvSpPr>
         <p:spPr>
           <a:xfrm>
-            <a:off x="409507" y="1210897"/>
+            <a:off x="409507" y="1325880"/>
             <a:ext cx="11369809" cy="4047778"/>
           </a:xfrm>
         </p:spPr>
@@ -13866,527 +14069,70 @@
           <a:bodyPr/>
           <a:lstStyle/>
           <a:p>
-            <a:pPr marL="0" indent="0">
+            <a:r>
+              <a:rPr lang="en-US" dirty="0"/>
+              <a:t>Branches</a:t>
+            </a:r>
+          </a:p>
+          <a:p>
+            <a:pPr lvl="1"/>
+            <a:r>
+              <a:rPr lang="en-US" dirty="0"/>
+              <a:t>Enable separate development for features or fixes on the same repo</a:t>
+            </a:r>
+          </a:p>
+          <a:p>
+            <a:pPr lvl="1"/>
+            <a:r>
+              <a:rPr lang="en-US" dirty="0"/>
+              <a:t>Enables different types of Workflows</a:t>
+            </a:r>
+          </a:p>
+          <a:p>
+            <a:r>
+              <a:rPr lang="en-US" dirty="0"/>
+              <a:t>Pull Requests</a:t>
+            </a:r>
+          </a:p>
+          <a:p>
+            <a:pPr lvl="1"/>
+            <a:r>
+              <a:rPr lang="en-US" dirty="0"/>
+              <a:t>Enables code review and testing before merge</a:t>
+            </a:r>
+          </a:p>
+          <a:p>
+            <a:r>
+              <a:rPr lang="en-US" dirty="0"/>
+              <a:t>Forks</a:t>
+            </a:r>
+          </a:p>
+          <a:p>
+            <a:pPr lvl="1"/>
+            <a:r>
+              <a:rPr lang="en-US" dirty="0"/>
+              <a:t>Enables contributions from external collaborators that have read access only</a:t>
+            </a:r>
+          </a:p>
+          <a:p>
+            <a:pPr lvl="1"/>
+            <a:r>
+              <a:rPr lang="en-US" dirty="0"/>
+              <a:t>Controls on original repo remains with the team</a:t>
+            </a:r>
+          </a:p>
+          <a:p>
+            <a:pPr marL="346075" lvl="1" indent="0">
               <a:buNone/>
             </a:pPr>
-            <a:r>
-              <a:rPr lang="en-US" dirty="0"/>
-              <a:t>This process of collaborating </a:t>
-            </a:r>
-            <a:r>
-              <a:rPr lang="en-US" i="1" dirty="0"/>
-              <a:t>via</a:t>
-            </a:r>
-            <a:r>
-              <a:rPr lang="en-US" dirty="0"/>
-              <a:t> Git is called the </a:t>
-            </a:r>
-            <a:r>
-              <a:rPr lang="en-US" b="1" dirty="0"/>
-              <a:t>Centralized</a:t>
-            </a:r>
-            <a:r>
-              <a:rPr lang="en-US" dirty="0"/>
-              <a:t> </a:t>
-            </a:r>
-            <a:r>
-              <a:rPr lang="en-US" b="1" dirty="0"/>
-              <a:t>Workflow</a:t>
-            </a:r>
-          </a:p>
-          <a:p>
-            <a:r>
-              <a:rPr lang="en-US" dirty="0"/>
-              <a:t>See </a:t>
-            </a:r>
-            <a:r>
-              <a:rPr lang="en-US" dirty="0">
-                <a:hlinkClick r:id="rId3"/>
-              </a:rPr>
-              <a:t>Atlassian/BitBucket</a:t>
-            </a:r>
-            <a:r>
-              <a:rPr lang="en-US" dirty="0"/>
-              <a:t> for more information</a:t>
-            </a:r>
-          </a:p>
-          <a:p>
-            <a:r>
-              <a:rPr lang="en-US" dirty="0"/>
-              <a:t>“Simple” to learn and “easy” to use</a:t>
-            </a:r>
-          </a:p>
-          <a:p>
-            <a:r>
-              <a:rPr lang="en-US" dirty="0"/>
-              <a:t>Leverages local vs. remote repo dimension</a:t>
-            </a:r>
-          </a:p>
-          <a:p>
-            <a:pPr lvl="1"/>
-            <a:r>
-              <a:rPr lang="en-US" dirty="0"/>
-              <a:t>Integration in local repo when local repos interact with remote repo</a:t>
-            </a:r>
-          </a:p>
-          <a:p>
-            <a:r>
-              <a:rPr lang="en-US" dirty="0"/>
-              <a:t>What if you have many team members?</a:t>
-            </a:r>
-          </a:p>
-          <a:p>
-            <a:r>
-              <a:rPr lang="en-US" dirty="0"/>
-              <a:t>What if developers only push once a month?</a:t>
-            </a:r>
-          </a:p>
-          <a:p>
-            <a:pPr lvl="1"/>
-            <a:r>
-              <a:rPr lang="en-US" dirty="0"/>
-              <a:t>Lengthy development efforts without integrating</a:t>
-            </a:r>
-          </a:p>
-          <a:p>
-            <a:pPr lvl="1"/>
-            <a:r>
-              <a:rPr lang="en-US" dirty="0"/>
-              <a:t>Occasional contributors</a:t>
-            </a:r>
-          </a:p>
-          <a:p>
-            <a:r>
-              <a:rPr lang="en-US" dirty="0"/>
-              <a:t>What if team members works on different parts of the code?</a:t>
-            </a:r>
-          </a:p>
-          <a:p>
-            <a:r>
-              <a:rPr lang="en-US" dirty="0"/>
-              <a:t>Working directly on the main branch</a:t>
-            </a:r>
-          </a:p>
-          <a:p>
-            <a:pPr marL="0" indent="0">
-              <a:buNone/>
-            </a:pPr>
             <a:endParaRPr lang="en-US" dirty="0"/>
-          </a:p>
-        </p:txBody>
-      </p:sp>
-      <p:sp>
-        <p:nvSpPr>
-          <p:cNvPr id="4" name="Magnetic Disk 3">
-            <a:extLst>
-              <a:ext uri="{FF2B5EF4-FFF2-40B4-BE49-F238E27FC236}">
-                <a16:creationId xmlns:a16="http://schemas.microsoft.com/office/drawing/2014/main" id="{4003AB91-21BD-E24D-A55D-EF70A605911D}"/>
-              </a:ext>
-            </a:extLst>
-          </p:cNvPr>
-          <p:cNvSpPr/>
-          <p:nvPr/>
-        </p:nvSpPr>
-        <p:spPr>
-          <a:xfrm>
-            <a:off x="9266830" y="2421515"/>
-            <a:ext cx="1364776" cy="781334"/>
-          </a:xfrm>
-          <a:prstGeom prst="flowChartMagneticDisk">
-            <a:avLst/>
-          </a:prstGeom>
-          <a:solidFill>
-            <a:schemeClr val="accent3">
-              <a:lumMod val="75000"/>
-            </a:schemeClr>
-          </a:solidFill>
-          <a:ln w="19050">
-            <a:solidFill>
-              <a:schemeClr val="tx2">
-                <a:lumMod val="75000"/>
-              </a:schemeClr>
-            </a:solidFill>
-          </a:ln>
-          <a:effectLst>
-            <a:outerShdw blurRad="44450" dist="27940" dir="5400000" algn="ctr">
-              <a:srgbClr val="000000">
-                <a:alpha val="32000"/>
-              </a:srgbClr>
-            </a:outerShdw>
-          </a:effectLst>
-        </p:spPr>
-        <p:txBody>
-          <a:bodyPr rot="0" spcFirstLastPara="0" vertOverflow="overflow" horzOverflow="overflow" vert="horz" wrap="square" lIns="121851" tIns="60925" rIns="121851" bIns="60925" numCol="1" spcCol="0" rtlCol="0" fromWordArt="0" anchor="ctr" anchorCtr="0" forceAA="0" compatLnSpc="1">
-            <a:prstTxWarp prst="textNoShape">
-              <a:avLst/>
-            </a:prstTxWarp>
-            <a:noAutofit/>
-          </a:bodyPr>
-          <a:lstStyle/>
-          <a:p>
-            <a:pPr algn="ctr">
-              <a:lnSpc>
-                <a:spcPct val="90000"/>
-              </a:lnSpc>
-            </a:pPr>
-            <a:endParaRPr lang="en-US" sz="2000" dirty="0">
-              <a:solidFill>
-                <a:schemeClr val="bg1"/>
-              </a:solidFill>
-            </a:endParaRPr>
-          </a:p>
-        </p:txBody>
-      </p:sp>
-      <p:sp>
-        <p:nvSpPr>
-          <p:cNvPr id="6" name="Magnetic Disk 5">
-            <a:extLst>
-              <a:ext uri="{FF2B5EF4-FFF2-40B4-BE49-F238E27FC236}">
-                <a16:creationId xmlns:a16="http://schemas.microsoft.com/office/drawing/2014/main" id="{6948B375-82F7-7049-B5AA-00116F19D2AA}"/>
-              </a:ext>
-            </a:extLst>
-          </p:cNvPr>
-          <p:cNvSpPr/>
-          <p:nvPr/>
-        </p:nvSpPr>
-        <p:spPr>
-          <a:xfrm>
-            <a:off x="10361076" y="3957190"/>
-            <a:ext cx="1364776" cy="781334"/>
-          </a:xfrm>
-          <a:prstGeom prst="flowChartMagneticDisk">
-            <a:avLst/>
-          </a:prstGeom>
-          <a:solidFill>
-            <a:srgbClr val="974CEA"/>
-          </a:solidFill>
-          <a:ln w="19050">
-            <a:solidFill>
-              <a:srgbClr val="61298A"/>
-            </a:solidFill>
-          </a:ln>
-          <a:effectLst>
-            <a:outerShdw blurRad="44450" dist="27940" dir="5400000" algn="ctr">
-              <a:srgbClr val="000000">
-                <a:alpha val="32000"/>
-              </a:srgbClr>
-            </a:outerShdw>
-          </a:effectLst>
-        </p:spPr>
-        <p:txBody>
-          <a:bodyPr rot="0" spcFirstLastPara="0" vertOverflow="overflow" horzOverflow="overflow" vert="horz" wrap="square" lIns="121851" tIns="60925" rIns="121851" bIns="60925" numCol="1" spcCol="0" rtlCol="0" fromWordArt="0" anchor="ctr" anchorCtr="0" forceAA="0" compatLnSpc="1">
-            <a:prstTxWarp prst="textNoShape">
-              <a:avLst/>
-            </a:prstTxWarp>
-            <a:noAutofit/>
-          </a:bodyPr>
-          <a:lstStyle/>
-          <a:p>
-            <a:pPr algn="ctr">
-              <a:lnSpc>
-                <a:spcPct val="90000"/>
-              </a:lnSpc>
-            </a:pPr>
-            <a:endParaRPr lang="en-US" sz="2000" dirty="0">
-              <a:solidFill>
-                <a:schemeClr val="bg1"/>
-              </a:solidFill>
-            </a:endParaRPr>
-          </a:p>
-        </p:txBody>
-      </p:sp>
-      <p:sp>
-        <p:nvSpPr>
-          <p:cNvPr id="7" name="Magnetic Disk 6">
-            <a:extLst>
-              <a:ext uri="{FF2B5EF4-FFF2-40B4-BE49-F238E27FC236}">
-                <a16:creationId xmlns:a16="http://schemas.microsoft.com/office/drawing/2014/main" id="{0B080F18-0A50-6945-A242-938F83117D61}"/>
-              </a:ext>
-            </a:extLst>
-          </p:cNvPr>
-          <p:cNvSpPr/>
-          <p:nvPr/>
-        </p:nvSpPr>
-        <p:spPr>
-          <a:xfrm>
-            <a:off x="8126797" y="3927485"/>
-            <a:ext cx="1364776" cy="781334"/>
-          </a:xfrm>
-          <a:prstGeom prst="flowChartMagneticDisk">
-            <a:avLst/>
-          </a:prstGeom>
-          <a:solidFill>
-            <a:srgbClr val="974CEA"/>
-          </a:solidFill>
-          <a:ln w="19050">
-            <a:solidFill>
-              <a:srgbClr val="61298A"/>
-            </a:solidFill>
-          </a:ln>
-          <a:effectLst>
-            <a:outerShdw blurRad="44450" dist="27940" dir="5400000" algn="ctr">
-              <a:srgbClr val="000000">
-                <a:alpha val="32000"/>
-              </a:srgbClr>
-            </a:outerShdw>
-          </a:effectLst>
-        </p:spPr>
-        <p:txBody>
-          <a:bodyPr rot="0" spcFirstLastPara="0" vertOverflow="overflow" horzOverflow="overflow" vert="horz" wrap="square" lIns="121851" tIns="60925" rIns="121851" bIns="60925" numCol="1" spcCol="0" rtlCol="0" fromWordArt="0" anchor="ctr" anchorCtr="0" forceAA="0" compatLnSpc="1">
-            <a:prstTxWarp prst="textNoShape">
-              <a:avLst/>
-            </a:prstTxWarp>
-            <a:noAutofit/>
-          </a:bodyPr>
-          <a:lstStyle/>
-          <a:p>
-            <a:pPr algn="ctr">
-              <a:lnSpc>
-                <a:spcPct val="90000"/>
-              </a:lnSpc>
-            </a:pPr>
-            <a:endParaRPr lang="en-US" sz="2000" dirty="0">
-              <a:solidFill>
-                <a:schemeClr val="bg1"/>
-              </a:solidFill>
-            </a:endParaRPr>
-          </a:p>
-        </p:txBody>
-      </p:sp>
-      <p:cxnSp>
-        <p:nvCxnSpPr>
-          <p:cNvPr id="10" name="Straight Arrow Connector 9">
-            <a:extLst>
-              <a:ext uri="{FF2B5EF4-FFF2-40B4-BE49-F238E27FC236}">
-                <a16:creationId xmlns:a16="http://schemas.microsoft.com/office/drawing/2014/main" id="{241ECF81-3A7A-C740-AD38-24DCB01EA86F}"/>
-              </a:ext>
-            </a:extLst>
-          </p:cNvPr>
-          <p:cNvCxnSpPr>
-            <a:cxnSpLocks/>
-            <a:stCxn id="4" idx="3"/>
-            <a:endCxn id="6" idx="1"/>
-          </p:cNvCxnSpPr>
-          <p:nvPr/>
-        </p:nvCxnSpPr>
-        <p:spPr>
-          <a:xfrm>
-            <a:off x="9949218" y="3202849"/>
-            <a:ext cx="1094246" cy="754341"/>
-          </a:xfrm>
-          <a:prstGeom prst="straightConnector1">
-            <a:avLst/>
-          </a:prstGeom>
-          <a:ln w="38100">
-            <a:headEnd type="triangle"/>
-            <a:tailEnd type="triangle"/>
-          </a:ln>
-        </p:spPr>
-        <p:style>
-          <a:lnRef idx="1">
-            <a:schemeClr val="accent1"/>
-          </a:lnRef>
-          <a:fillRef idx="0">
-            <a:schemeClr val="accent1"/>
-          </a:fillRef>
-          <a:effectRef idx="0">
-            <a:schemeClr val="accent1"/>
-          </a:effectRef>
-          <a:fontRef idx="minor">
-            <a:schemeClr val="tx1"/>
-          </a:fontRef>
-        </p:style>
-      </p:cxnSp>
-      <p:cxnSp>
-        <p:nvCxnSpPr>
-          <p:cNvPr id="16" name="Straight Arrow Connector 15">
-            <a:extLst>
-              <a:ext uri="{FF2B5EF4-FFF2-40B4-BE49-F238E27FC236}">
-                <a16:creationId xmlns:a16="http://schemas.microsoft.com/office/drawing/2014/main" id="{B35EDA98-2981-5145-B0E6-A0276937426D}"/>
-              </a:ext>
-            </a:extLst>
-          </p:cNvPr>
-          <p:cNvCxnSpPr>
-            <a:cxnSpLocks/>
-            <a:stCxn id="7" idx="1"/>
-            <a:endCxn id="4" idx="3"/>
-          </p:cNvCxnSpPr>
-          <p:nvPr/>
-        </p:nvCxnSpPr>
-        <p:spPr>
-          <a:xfrm flipV="1">
-            <a:off x="8809185" y="3202849"/>
-            <a:ext cx="1140033" cy="724636"/>
-          </a:xfrm>
-          <a:prstGeom prst="straightConnector1">
-            <a:avLst/>
-          </a:prstGeom>
-          <a:ln w="38100">
-            <a:headEnd type="triangle"/>
-            <a:tailEnd type="triangle"/>
-          </a:ln>
-        </p:spPr>
-        <p:style>
-          <a:lnRef idx="1">
-            <a:schemeClr val="accent1"/>
-          </a:lnRef>
-          <a:fillRef idx="0">
-            <a:schemeClr val="accent1"/>
-          </a:fillRef>
-          <a:effectRef idx="0">
-            <a:schemeClr val="accent1"/>
-          </a:effectRef>
-          <a:fontRef idx="minor">
-            <a:schemeClr val="tx1"/>
-          </a:fontRef>
-        </p:style>
-      </p:cxnSp>
-      <p:sp>
-        <p:nvSpPr>
-          <p:cNvPr id="27" name="TextBox 26">
-            <a:extLst>
-              <a:ext uri="{FF2B5EF4-FFF2-40B4-BE49-F238E27FC236}">
-                <a16:creationId xmlns:a16="http://schemas.microsoft.com/office/drawing/2014/main" id="{ADE27B72-B0FA-034F-9FF4-D07586E6873D}"/>
-              </a:ext>
-            </a:extLst>
-          </p:cNvPr>
-          <p:cNvSpPr txBox="1"/>
-          <p:nvPr/>
-        </p:nvSpPr>
-        <p:spPr>
-          <a:xfrm>
-            <a:off x="8126797" y="4737991"/>
-            <a:ext cx="1364776" cy="683264"/>
-          </a:xfrm>
-          <a:prstGeom prst="rect">
-            <a:avLst/>
-          </a:prstGeom>
-          <a:noFill/>
-        </p:spPr>
-        <p:txBody>
-          <a:bodyPr wrap="square" lIns="118872" tIns="91440" rIns="118872" bIns="91440" rtlCol="0" anchor="ctr" anchorCtr="0">
-            <a:spAutoFit/>
-          </a:bodyPr>
-          <a:lstStyle/>
-          <a:p>
-            <a:pPr algn="l">
-              <a:lnSpc>
-                <a:spcPct val="90000"/>
-              </a:lnSpc>
-            </a:pPr>
-            <a:r>
-              <a:rPr lang="en-US" dirty="0"/>
-              <a:t>Local repo</a:t>
-            </a:r>
-          </a:p>
-          <a:p>
-            <a:pPr algn="l">
-              <a:lnSpc>
-                <a:spcPct val="90000"/>
-              </a:lnSpc>
-            </a:pPr>
-            <a:r>
-              <a:rPr lang="en-US" dirty="0"/>
-              <a:t>     Alice</a:t>
-            </a:r>
-          </a:p>
-        </p:txBody>
-      </p:sp>
-      <p:sp>
-        <p:nvSpPr>
-          <p:cNvPr id="28" name="TextBox 27">
-            <a:extLst>
-              <a:ext uri="{FF2B5EF4-FFF2-40B4-BE49-F238E27FC236}">
-                <a16:creationId xmlns:a16="http://schemas.microsoft.com/office/drawing/2014/main" id="{CCB07D9C-2F79-EC48-83EA-602F4D21A434}"/>
-              </a:ext>
-            </a:extLst>
-          </p:cNvPr>
-          <p:cNvSpPr txBox="1"/>
-          <p:nvPr/>
-        </p:nvSpPr>
-        <p:spPr>
-          <a:xfrm>
-            <a:off x="10361076" y="4771025"/>
-            <a:ext cx="1364776" cy="683264"/>
-          </a:xfrm>
-          <a:prstGeom prst="rect">
-            <a:avLst/>
-          </a:prstGeom>
-          <a:noFill/>
-        </p:spPr>
-        <p:txBody>
-          <a:bodyPr wrap="square" lIns="118872" tIns="91440" rIns="118872" bIns="91440" rtlCol="0" anchor="ctr" anchorCtr="0">
-            <a:spAutoFit/>
-          </a:bodyPr>
-          <a:lstStyle/>
-          <a:p>
-            <a:pPr algn="l">
-              <a:lnSpc>
-                <a:spcPct val="90000"/>
-              </a:lnSpc>
-            </a:pPr>
-            <a:r>
-              <a:rPr lang="en-US" dirty="0"/>
-              <a:t>Local repo</a:t>
-            </a:r>
-          </a:p>
-          <a:p>
-            <a:pPr algn="l">
-              <a:lnSpc>
-                <a:spcPct val="90000"/>
-              </a:lnSpc>
-            </a:pPr>
-            <a:r>
-              <a:rPr lang="en-US" dirty="0"/>
-              <a:t>      Bob</a:t>
-            </a:r>
-          </a:p>
-        </p:txBody>
-      </p:sp>
-      <p:sp>
-        <p:nvSpPr>
-          <p:cNvPr id="29" name="TextBox 28">
-            <a:extLst>
-              <a:ext uri="{FF2B5EF4-FFF2-40B4-BE49-F238E27FC236}">
-                <a16:creationId xmlns:a16="http://schemas.microsoft.com/office/drawing/2014/main" id="{A2141202-CAD4-5248-9EE0-0EE8E8CB2373}"/>
-              </a:ext>
-            </a:extLst>
-          </p:cNvPr>
-          <p:cNvSpPr txBox="1"/>
-          <p:nvPr/>
-        </p:nvSpPr>
-        <p:spPr>
-          <a:xfrm>
-            <a:off x="9128533" y="2047382"/>
-            <a:ext cx="1641369" cy="433965"/>
-          </a:xfrm>
-          <a:prstGeom prst="rect">
-            <a:avLst/>
-          </a:prstGeom>
-          <a:noFill/>
-        </p:spPr>
-        <p:txBody>
-          <a:bodyPr wrap="square" lIns="118872" tIns="91440" rIns="118872" bIns="91440" rtlCol="0" anchor="ctr" anchorCtr="0">
-            <a:spAutoFit/>
-          </a:bodyPr>
-          <a:lstStyle/>
-          <a:p>
-            <a:pPr algn="l">
-              <a:lnSpc>
-                <a:spcPct val="90000"/>
-              </a:lnSpc>
-            </a:pPr>
-            <a:r>
-              <a:rPr lang="en-US" dirty="0"/>
-              <a:t>Remote repo</a:t>
-            </a:r>
           </a:p>
         </p:txBody>
       </p:sp>
     </p:spTree>
     <p:extLst>
       <p:ext uri="{BB962C8B-B14F-4D97-AF65-F5344CB8AC3E}">
-        <p14:creationId xmlns:p14="http://schemas.microsoft.com/office/powerpoint/2010/main" val="788690729"/>
+        <p14:creationId xmlns:p14="http://schemas.microsoft.com/office/powerpoint/2010/main" val="2485969247"/>
       </p:ext>
     </p:extLst>
   </p:cSld>
@@ -14418,7 +14164,7 @@
           <p:cNvPr id="2" name="Title 1">
             <a:extLst>
               <a:ext uri="{FF2B5EF4-FFF2-40B4-BE49-F238E27FC236}">
-                <a16:creationId xmlns:a16="http://schemas.microsoft.com/office/drawing/2014/main" id="{2AB5E873-EED9-BF40-A119-57F778917CEC}"/>
+                <a16:creationId xmlns:a16="http://schemas.microsoft.com/office/drawing/2014/main" id="{7A163D76-09F2-E949-BFE4-5D90160A680F}"/>
               </a:ext>
             </a:extLst>
           </p:cNvPr>
@@ -14436,7 +14182,7 @@
           <a:p>
             <a:r>
               <a:rPr lang="en-US" dirty="0"/>
-              <a:t>Git Workflow Mechanisms for Collaboration</a:t>
+              <a:t>Branches</a:t>
             </a:r>
           </a:p>
         </p:txBody>
@@ -14446,7 +14192,7 @@
           <p:cNvPr id="3" name="Content Placeholder 2">
             <a:extLst>
               <a:ext uri="{FF2B5EF4-FFF2-40B4-BE49-F238E27FC236}">
-                <a16:creationId xmlns:a16="http://schemas.microsoft.com/office/drawing/2014/main" id="{28795306-D83A-334F-8568-08D11D98E3E4}"/>
+                <a16:creationId xmlns:a16="http://schemas.microsoft.com/office/drawing/2014/main" id="{3F10EFBA-41D9-104F-9ADE-9AA77C5312AC}"/>
               </a:ext>
             </a:extLst>
           </p:cNvPr>
@@ -14459,78 +14205,307 @@
         </p:nvSpPr>
         <p:spPr>
           <a:xfrm>
-            <a:off x="409507" y="1325880"/>
-            <a:ext cx="11369809" cy="4047778"/>
+            <a:off x="365760" y="1057734"/>
+            <a:ext cx="6925377" cy="4651085"/>
           </a:xfrm>
         </p:spPr>
         <p:txBody>
           <a:bodyPr/>
           <a:lstStyle/>
           <a:p>
-            <a:r>
-              <a:rPr lang="en-US" dirty="0"/>
-              <a:t>Branches</a:t>
+            <a:pPr marL="0" indent="0">
+              <a:buNone/>
+            </a:pPr>
+            <a:r>
+              <a:rPr lang="en-US" dirty="0"/>
+              <a:t>Branches are independent lines of development</a:t>
+            </a:r>
+          </a:p>
+          <a:p>
+            <a:r>
+              <a:rPr lang="en-US" dirty="0"/>
+              <a:t>Use branches to protect main branch</a:t>
+            </a:r>
+          </a:p>
+          <a:p>
+            <a:r>
+              <a:rPr lang="en-US" dirty="0"/>
+              <a:t>Feature branches</a:t>
             </a:r>
           </a:p>
           <a:p>
             <a:pPr lvl="1"/>
             <a:r>
               <a:rPr lang="en-US" dirty="0"/>
-              <a:t>Enable separate development for features or fixes on the same repo</a:t>
-            </a:r>
-          </a:p>
-          <a:p>
-            <a:pPr lvl="1"/>
-            <a:r>
-              <a:rPr lang="en-US" dirty="0"/>
-              <a:t>Enables different types of Workflows</a:t>
-            </a:r>
-          </a:p>
-          <a:p>
-            <a:r>
-              <a:rPr lang="en-US" dirty="0"/>
-              <a:t>Pull Requests</a:t>
-            </a:r>
-          </a:p>
-          <a:p>
-            <a:pPr lvl="1"/>
-            <a:r>
-              <a:rPr lang="en-US" dirty="0"/>
-              <a:t>Enables code review and testing before merge</a:t>
-            </a:r>
-          </a:p>
-          <a:p>
-            <a:r>
-              <a:rPr lang="en-US" dirty="0"/>
-              <a:t>Forks</a:t>
-            </a:r>
-          </a:p>
-          <a:p>
-            <a:pPr lvl="1"/>
-            <a:r>
-              <a:rPr lang="en-US" dirty="0"/>
-              <a:t>Enables contributions from external collaborators that have read access only</a:t>
-            </a:r>
-          </a:p>
-          <a:p>
-            <a:pPr lvl="1"/>
-            <a:r>
-              <a:rPr lang="en-US" dirty="0"/>
-              <a:t>Controls on original repo remains with the team</a:t>
-            </a:r>
-          </a:p>
-          <a:p>
-            <a:pPr marL="346075" lvl="1" indent="0">
-              <a:buNone/>
-            </a:pPr>
-            <a:endParaRPr lang="en-US" dirty="0"/>
+              <a:t>Organize a new feature as a sequence of related commits in a branch</a:t>
+            </a:r>
+          </a:p>
+          <a:p>
+            <a:r>
+              <a:rPr lang="en-US" dirty="0"/>
+              <a:t>Branches are usually combined or </a:t>
+            </a:r>
+            <a:r>
+              <a:rPr lang="en-US" b="1" dirty="0"/>
+              <a:t>merged</a:t>
+            </a:r>
+          </a:p>
+          <a:p>
+            <a:r>
+              <a:rPr lang="en-US" dirty="0"/>
+              <a:t>Develop on a branch, test on the branch, and merge into main</a:t>
+            </a:r>
+          </a:p>
+          <a:p>
+            <a:r>
+              <a:rPr lang="en-US" dirty="0"/>
+              <a:t>Integration occurs at merge commits</a:t>
+            </a:r>
+          </a:p>
+        </p:txBody>
+      </p:sp>
+      <p:pic>
+        <p:nvPicPr>
+          <p:cNvPr id="8" name="Picture 7">
+            <a:extLst>
+              <a:ext uri="{FF2B5EF4-FFF2-40B4-BE49-F238E27FC236}">
+                <a16:creationId xmlns:a16="http://schemas.microsoft.com/office/drawing/2014/main" id="{F1835F05-49A2-5E4D-913F-5CE57F1DB2A1}"/>
+              </a:ext>
+            </a:extLst>
+          </p:cNvPr>
+          <p:cNvPicPr>
+            <a:picLocks noChangeAspect="1"/>
+          </p:cNvPicPr>
+          <p:nvPr/>
+        </p:nvPicPr>
+        <p:blipFill rotWithShape="1">
+          <a:blip r:embed="rId3">
+            <a:extLst>
+              <a:ext uri="{28A0092B-C50C-407E-A947-70E740481C1C}">
+                <a14:useLocalDpi xmlns:a14="http://schemas.microsoft.com/office/drawing/2010/main" val="0"/>
+              </a:ext>
+            </a:extLst>
+          </a:blip>
+          <a:srcRect l="3348" t="3509" r="37236" b="72632"/>
+          <a:stretch/>
+        </p:blipFill>
+        <p:spPr>
+          <a:xfrm>
+            <a:off x="7291137" y="1637876"/>
+            <a:ext cx="4487781" cy="1318224"/>
+          </a:xfrm>
+          <a:prstGeom prst="rect">
+            <a:avLst/>
+          </a:prstGeom>
+        </p:spPr>
+      </p:pic>
+      <p:pic>
+        <p:nvPicPr>
+          <p:cNvPr id="14" name="Picture 13">
+            <a:extLst>
+              <a:ext uri="{FF2B5EF4-FFF2-40B4-BE49-F238E27FC236}">
+                <a16:creationId xmlns:a16="http://schemas.microsoft.com/office/drawing/2014/main" id="{DDDAD887-FD41-BD40-846B-9B1E2B00800A}"/>
+              </a:ext>
+            </a:extLst>
+          </p:cNvPr>
+          <p:cNvPicPr>
+            <a:picLocks noChangeAspect="1"/>
+          </p:cNvPicPr>
+          <p:nvPr/>
+        </p:nvPicPr>
+        <p:blipFill rotWithShape="1">
+          <a:blip r:embed="rId4">
+            <a:extLst>
+              <a:ext uri="{28A0092B-C50C-407E-A947-70E740481C1C}">
+                <a14:useLocalDpi xmlns:a14="http://schemas.microsoft.com/office/drawing/2010/main" val="0"/>
+              </a:ext>
+            </a:extLst>
+          </a:blip>
+          <a:srcRect r="45713" b="69950"/>
+          <a:stretch/>
+        </p:blipFill>
+        <p:spPr>
+          <a:xfrm>
+            <a:off x="7291138" y="3268096"/>
+            <a:ext cx="4062964" cy="1645098"/>
+          </a:xfrm>
+          <a:prstGeom prst="rect">
+            <a:avLst/>
+          </a:prstGeom>
+        </p:spPr>
+      </p:pic>
+      <p:sp>
+        <p:nvSpPr>
+          <p:cNvPr id="9" name="TextBox 8">
+            <a:extLst>
+              <a:ext uri="{FF2B5EF4-FFF2-40B4-BE49-F238E27FC236}">
+                <a16:creationId xmlns:a16="http://schemas.microsoft.com/office/drawing/2014/main" id="{2642A77F-B375-514D-9E15-06AECA02D015}"/>
+              </a:ext>
+            </a:extLst>
+          </p:cNvPr>
+          <p:cNvSpPr txBox="1"/>
+          <p:nvPr/>
+        </p:nvSpPr>
+        <p:spPr>
+          <a:xfrm>
+            <a:off x="7291137" y="1796701"/>
+            <a:ext cx="867911" cy="350865"/>
+          </a:xfrm>
+          <a:prstGeom prst="rect">
+            <a:avLst/>
+          </a:prstGeom>
+          <a:solidFill>
+            <a:schemeClr val="bg1"/>
+          </a:solidFill>
+        </p:spPr>
+        <p:txBody>
+          <a:bodyPr wrap="square" lIns="118872" tIns="91440" rIns="118872" bIns="91440" rtlCol="0" anchor="ctr" anchorCtr="0">
+            <a:spAutoFit/>
+          </a:bodyPr>
+          <a:lstStyle/>
+          <a:p>
+            <a:pPr algn="l">
+              <a:lnSpc>
+                <a:spcPct val="90000"/>
+              </a:lnSpc>
+            </a:pPr>
+            <a:r>
+              <a:rPr lang="en-US" sz="1200" b="1" dirty="0"/>
+              <a:t>  main  </a:t>
+            </a:r>
+          </a:p>
+        </p:txBody>
+      </p:sp>
+      <p:sp>
+        <p:nvSpPr>
+          <p:cNvPr id="11" name="TextBox 10">
+            <a:extLst>
+              <a:ext uri="{FF2B5EF4-FFF2-40B4-BE49-F238E27FC236}">
+                <a16:creationId xmlns:a16="http://schemas.microsoft.com/office/drawing/2014/main" id="{3DB4311D-A196-274E-ABBB-8884D2A66FB3}"/>
+              </a:ext>
+            </a:extLst>
+          </p:cNvPr>
+          <p:cNvSpPr txBox="1"/>
+          <p:nvPr/>
+        </p:nvSpPr>
+        <p:spPr>
+          <a:xfrm>
+            <a:off x="9691437" y="1770690"/>
+            <a:ext cx="867911" cy="350865"/>
+          </a:xfrm>
+          <a:prstGeom prst="rect">
+            <a:avLst/>
+          </a:prstGeom>
+          <a:solidFill>
+            <a:schemeClr val="bg1"/>
+          </a:solidFill>
+        </p:spPr>
+        <p:txBody>
+          <a:bodyPr wrap="square" lIns="118872" tIns="91440" rIns="118872" bIns="91440" rtlCol="0" anchor="ctr" anchorCtr="0">
+            <a:spAutoFit/>
+          </a:bodyPr>
+          <a:lstStyle/>
+          <a:p>
+            <a:pPr algn="l">
+              <a:lnSpc>
+                <a:spcPct val="90000"/>
+              </a:lnSpc>
+            </a:pPr>
+            <a:r>
+              <a:rPr lang="en-US" sz="1200" b="1" dirty="0"/>
+              <a:t>  main  </a:t>
+            </a:r>
+          </a:p>
+        </p:txBody>
+      </p:sp>
+      <p:sp>
+        <p:nvSpPr>
+          <p:cNvPr id="12" name="TextBox 11">
+            <a:extLst>
+              <a:ext uri="{FF2B5EF4-FFF2-40B4-BE49-F238E27FC236}">
+                <a16:creationId xmlns:a16="http://schemas.microsoft.com/office/drawing/2014/main" id="{AD230196-1370-8A4E-BD3F-7307C8760FFA}"/>
+              </a:ext>
+            </a:extLst>
+          </p:cNvPr>
+          <p:cNvSpPr txBox="1"/>
+          <p:nvPr/>
+        </p:nvSpPr>
+        <p:spPr>
+          <a:xfrm>
+            <a:off x="9759632" y="4368430"/>
+            <a:ext cx="731520" cy="182880"/>
+          </a:xfrm>
+          <a:prstGeom prst="rect">
+            <a:avLst/>
+          </a:prstGeom>
+          <a:solidFill>
+            <a:schemeClr val="bg1"/>
+          </a:solidFill>
+        </p:spPr>
+        <p:txBody>
+          <a:bodyPr wrap="square" lIns="118872" tIns="91440" rIns="118872" bIns="91440" rtlCol="0" anchor="ctr" anchorCtr="0">
+            <a:spAutoFit/>
+          </a:bodyPr>
+          <a:lstStyle/>
+          <a:p>
+            <a:pPr algn="l">
+              <a:lnSpc>
+                <a:spcPct val="90000"/>
+              </a:lnSpc>
+            </a:pPr>
+            <a:r>
+              <a:rPr lang="en-US" sz="1200" b="1" dirty="0"/>
+              <a:t>  main  </a:t>
+            </a:r>
+          </a:p>
+        </p:txBody>
+      </p:sp>
+      <p:sp>
+        <p:nvSpPr>
+          <p:cNvPr id="13" name="TextBox 12">
+            <a:extLst>
+              <a:ext uri="{FF2B5EF4-FFF2-40B4-BE49-F238E27FC236}">
+                <a16:creationId xmlns:a16="http://schemas.microsoft.com/office/drawing/2014/main" id="{D293AE62-09E2-724D-B4FD-6F49A9271FD5}"/>
+              </a:ext>
+            </a:extLst>
+          </p:cNvPr>
+          <p:cNvSpPr txBox="1"/>
+          <p:nvPr/>
+        </p:nvSpPr>
+        <p:spPr>
+          <a:xfrm>
+            <a:off x="7291137" y="4368430"/>
+            <a:ext cx="731520" cy="182880"/>
+          </a:xfrm>
+          <a:prstGeom prst="rect">
+            <a:avLst/>
+          </a:prstGeom>
+          <a:solidFill>
+            <a:schemeClr val="bg1"/>
+          </a:solidFill>
+        </p:spPr>
+        <p:txBody>
+          <a:bodyPr wrap="square" lIns="118872" tIns="91440" rIns="118872" bIns="91440" rtlCol="0" anchor="ctr" anchorCtr="0">
+            <a:spAutoFit/>
+          </a:bodyPr>
+          <a:lstStyle/>
+          <a:p>
+            <a:pPr algn="l">
+              <a:lnSpc>
+                <a:spcPct val="90000"/>
+              </a:lnSpc>
+            </a:pPr>
+            <a:r>
+              <a:rPr lang="en-US" sz="1200" b="1" dirty="0"/>
+              <a:t>  main  </a:t>
+            </a:r>
           </a:p>
         </p:txBody>
       </p:sp>
     </p:spTree>
     <p:extLst>
       <p:ext uri="{BB962C8B-B14F-4D97-AF65-F5344CB8AC3E}">
-        <p14:creationId xmlns:p14="http://schemas.microsoft.com/office/powerpoint/2010/main" val="2485969247"/>
+        <p14:creationId xmlns:p14="http://schemas.microsoft.com/office/powerpoint/2010/main" val="2731798020"/>
       </p:ext>
     </p:extLst>
   </p:cSld>
@@ -14562,7 +14537,7 @@
           <p:cNvPr id="2" name="Title 1">
             <a:extLst>
               <a:ext uri="{FF2B5EF4-FFF2-40B4-BE49-F238E27FC236}">
-                <a16:creationId xmlns:a16="http://schemas.microsoft.com/office/drawing/2014/main" id="{7A163D76-09F2-E949-BFE4-5D90160A680F}"/>
+                <a16:creationId xmlns:a16="http://schemas.microsoft.com/office/drawing/2014/main" id="{44950D0E-7BDD-A64B-9889-50CEFF9B0A30}"/>
               </a:ext>
             </a:extLst>
           </p:cNvPr>
@@ -14580,7 +14555,7 @@
           <a:p>
             <a:r>
               <a:rPr lang="en-US" dirty="0"/>
-              <a:t>Branches</a:t>
+              <a:t>Control Project Branch Complexity</a:t>
             </a:r>
           </a:p>
         </p:txBody>
@@ -14590,7 +14565,7 @@
           <p:cNvPr id="3" name="Content Placeholder 2">
             <a:extLst>
               <a:ext uri="{FF2B5EF4-FFF2-40B4-BE49-F238E27FC236}">
-                <a16:creationId xmlns:a16="http://schemas.microsoft.com/office/drawing/2014/main" id="{3F10EFBA-41D9-104F-9ADE-9AA77C5312AC}"/>
+                <a16:creationId xmlns:a16="http://schemas.microsoft.com/office/drawing/2014/main" id="{B29BC53D-F779-0F4F-A6A8-27F618BB6F2D}"/>
               </a:ext>
             </a:extLst>
           </p:cNvPr>
@@ -14601,73 +14576,52 @@
             <p:ph idx="1"/>
           </p:nvPr>
         </p:nvSpPr>
-        <p:spPr>
-          <a:xfrm>
-            <a:off x="365760" y="1057734"/>
-            <a:ext cx="6925377" cy="4651085"/>
-          </a:xfrm>
-        </p:spPr>
+        <p:spPr/>
         <p:txBody>
           <a:bodyPr/>
           <a:lstStyle/>
           <a:p>
-            <a:pPr marL="0" indent="0">
-              <a:buNone/>
-            </a:pPr>
-            <a:r>
-              <a:rPr lang="en-US" dirty="0"/>
-              <a:t>Branches are independent lines of development</a:t>
-            </a:r>
-          </a:p>
-          <a:p>
-            <a:r>
-              <a:rPr lang="en-US" dirty="0"/>
-              <a:t>Use branches to protect main branch</a:t>
-            </a:r>
-          </a:p>
-          <a:p>
-            <a:r>
-              <a:rPr lang="en-US" dirty="0"/>
-              <a:t>Feature branches</a:t>
+            <a:r>
+              <a:rPr lang="en-US" dirty="0"/>
+              <a:t>Workflow policy is needed</a:t>
             </a:r>
           </a:p>
           <a:p>
             <a:pPr lvl="1"/>
             <a:r>
               <a:rPr lang="en-US" dirty="0"/>
-              <a:t>Organize a new feature as a sequence of related commits in a branch</a:t>
-            </a:r>
-          </a:p>
-          <a:p>
-            <a:r>
-              <a:rPr lang="en-US" dirty="0"/>
-              <a:t>Branches are usually combined or </a:t>
-            </a:r>
-            <a:r>
-              <a:rPr lang="en-US" b="1" dirty="0"/>
-              <a:t>merged</a:t>
-            </a:r>
-          </a:p>
-          <a:p>
-            <a:r>
-              <a:rPr lang="en-US" dirty="0"/>
-              <a:t>Develop on a branch, test on the branch, and merge into main</a:t>
-            </a:r>
-          </a:p>
-          <a:p>
-            <a:r>
-              <a:rPr lang="en-US" dirty="0"/>
-              <a:t>Integration occurs at merge commits</a:t>
+              <a:t>Project supported branches and workflows should not be unnecessarily complex</a:t>
+            </a:r>
+          </a:p>
+          <a:p>
+            <a:pPr lvl="1"/>
+            <a:r>
+              <a:rPr lang="en-US" dirty="0"/>
+              <a:t>Individuals and sub-teams can leverage more complex models when advantageous</a:t>
+            </a:r>
+          </a:p>
+          <a:p>
+            <a:pPr lvl="1"/>
+            <a:r>
+              <a:rPr lang="en-US" dirty="0"/>
+              <a:t>Descriptive names or linked to issue tracking system</a:t>
+            </a:r>
+          </a:p>
+          <a:p>
+            <a:pPr lvl="1"/>
+            <a:r>
+              <a:rPr lang="en-US" dirty="0"/>
+              <a:t>Where do branches start and end?</a:t>
             </a:r>
           </a:p>
         </p:txBody>
       </p:sp>
       <p:pic>
         <p:nvPicPr>
-          <p:cNvPr id="8" name="Picture 7">
+          <p:cNvPr id="5" name="Picture 4">
             <a:extLst>
               <a:ext uri="{FF2B5EF4-FFF2-40B4-BE49-F238E27FC236}">
-                <a16:creationId xmlns:a16="http://schemas.microsoft.com/office/drawing/2014/main" id="{F1835F05-49A2-5E4D-913F-5CE57F1DB2A1}"/>
+                <a16:creationId xmlns:a16="http://schemas.microsoft.com/office/drawing/2014/main" id="{5FD5C252-E8E1-3A4B-A66B-455303D445D4}"/>
               </a:ext>
             </a:extLst>
           </p:cNvPr>
@@ -14684,60 +14638,25 @@
               </a:ext>
             </a:extLst>
           </a:blip>
-          <a:srcRect l="3348" t="3509" r="37236" b="72632"/>
+          <a:srcRect l="4616" t="20776" r="27566" b="49302"/>
           <a:stretch/>
         </p:blipFill>
         <p:spPr>
           <a:xfrm>
-            <a:off x="7291137" y="1637876"/>
-            <a:ext cx="4487781" cy="1318224"/>
+            <a:off x="2871529" y="3995677"/>
+            <a:ext cx="6358269" cy="2052085"/>
           </a:xfrm>
           <a:prstGeom prst="rect">
             <a:avLst/>
           </a:prstGeom>
         </p:spPr>
       </p:pic>
-      <p:pic>
-        <p:nvPicPr>
-          <p:cNvPr id="14" name="Picture 13">
+      <p:sp>
+        <p:nvSpPr>
+          <p:cNvPr id="6" name="TextBox 5">
             <a:extLst>
               <a:ext uri="{FF2B5EF4-FFF2-40B4-BE49-F238E27FC236}">
-                <a16:creationId xmlns:a16="http://schemas.microsoft.com/office/drawing/2014/main" id="{DDDAD887-FD41-BD40-846B-9B1E2B00800A}"/>
-              </a:ext>
-            </a:extLst>
-          </p:cNvPr>
-          <p:cNvPicPr>
-            <a:picLocks noChangeAspect="1"/>
-          </p:cNvPicPr>
-          <p:nvPr/>
-        </p:nvPicPr>
-        <p:blipFill rotWithShape="1">
-          <a:blip r:embed="rId4">
-            <a:extLst>
-              <a:ext uri="{28A0092B-C50C-407E-A947-70E740481C1C}">
-                <a14:useLocalDpi xmlns:a14="http://schemas.microsoft.com/office/drawing/2010/main" val="0"/>
-              </a:ext>
-            </a:extLst>
-          </a:blip>
-          <a:srcRect r="45713" b="69950"/>
-          <a:stretch/>
-        </p:blipFill>
-        <p:spPr>
-          <a:xfrm>
-            <a:off x="7291138" y="3268096"/>
-            <a:ext cx="4062964" cy="1645098"/>
-          </a:xfrm>
-          <a:prstGeom prst="rect">
-            <a:avLst/>
-          </a:prstGeom>
-        </p:spPr>
-      </p:pic>
-      <p:sp>
-        <p:nvSpPr>
-          <p:cNvPr id="9" name="TextBox 8">
-            <a:extLst>
-              <a:ext uri="{FF2B5EF4-FFF2-40B4-BE49-F238E27FC236}">
-                <a16:creationId xmlns:a16="http://schemas.microsoft.com/office/drawing/2014/main" id="{2642A77F-B375-514D-9E15-06AECA02D015}"/>
+                <a16:creationId xmlns:a16="http://schemas.microsoft.com/office/drawing/2014/main" id="{85FC5AEA-2431-8E4F-8AC3-5F7B6D00284A}"/>
               </a:ext>
             </a:extLst>
           </p:cNvPr>
@@ -14746,8 +14665,8 @@
         </p:nvSpPr>
         <p:spPr>
           <a:xfrm>
-            <a:off x="7291137" y="1796701"/>
-            <a:ext cx="867911" cy="350865"/>
+            <a:off x="3112837" y="4367319"/>
+            <a:ext cx="1040063" cy="274320"/>
           </a:xfrm>
           <a:prstGeom prst="rect">
             <a:avLst/>
@@ -14769,133 +14688,15 @@
             </a:pPr>
             <a:r>
               <a:rPr lang="en-US" sz="1200" b="1" dirty="0"/>
-              <a:t>  main  </a:t>
-            </a:r>
-          </a:p>
-        </p:txBody>
-      </p:sp>
-      <p:sp>
-        <p:nvSpPr>
-          <p:cNvPr id="11" name="TextBox 10">
-            <a:extLst>
-              <a:ext uri="{FF2B5EF4-FFF2-40B4-BE49-F238E27FC236}">
-                <a16:creationId xmlns:a16="http://schemas.microsoft.com/office/drawing/2014/main" id="{3DB4311D-A196-274E-ABBB-8884D2A66FB3}"/>
-              </a:ext>
-            </a:extLst>
-          </p:cNvPr>
-          <p:cNvSpPr txBox="1"/>
-          <p:nvPr/>
-        </p:nvSpPr>
-        <p:spPr>
-          <a:xfrm>
-            <a:off x="9691437" y="1770690"/>
-            <a:ext cx="867911" cy="350865"/>
-          </a:xfrm>
-          <a:prstGeom prst="rect">
-            <a:avLst/>
-          </a:prstGeom>
-          <a:solidFill>
-            <a:schemeClr val="bg1"/>
-          </a:solidFill>
-        </p:spPr>
-        <p:txBody>
-          <a:bodyPr wrap="square" lIns="118872" tIns="91440" rIns="118872" bIns="91440" rtlCol="0" anchor="ctr" anchorCtr="0">
-            <a:spAutoFit/>
-          </a:bodyPr>
-          <a:lstStyle/>
-          <a:p>
-            <a:pPr algn="l">
-              <a:lnSpc>
-                <a:spcPct val="90000"/>
-              </a:lnSpc>
-            </a:pPr>
+              <a:t>  </a:t>
+            </a:r>
+            <a:r>
+              <a:rPr lang="en-US" sz="1600" b="1" dirty="0"/>
+              <a:t>main</a:t>
+            </a:r>
             <a:r>
               <a:rPr lang="en-US" sz="1200" b="1" dirty="0"/>
-              <a:t>  main  </a:t>
-            </a:r>
-          </a:p>
-        </p:txBody>
-      </p:sp>
-      <p:sp>
-        <p:nvSpPr>
-          <p:cNvPr id="12" name="TextBox 11">
-            <a:extLst>
-              <a:ext uri="{FF2B5EF4-FFF2-40B4-BE49-F238E27FC236}">
-                <a16:creationId xmlns:a16="http://schemas.microsoft.com/office/drawing/2014/main" id="{AD230196-1370-8A4E-BD3F-7307C8760FFA}"/>
-              </a:ext>
-            </a:extLst>
-          </p:cNvPr>
-          <p:cNvSpPr txBox="1"/>
-          <p:nvPr/>
-        </p:nvSpPr>
-        <p:spPr>
-          <a:xfrm>
-            <a:off x="9759632" y="4368430"/>
-            <a:ext cx="731520" cy="182880"/>
-          </a:xfrm>
-          <a:prstGeom prst="rect">
-            <a:avLst/>
-          </a:prstGeom>
-          <a:solidFill>
-            <a:schemeClr val="bg1"/>
-          </a:solidFill>
-        </p:spPr>
-        <p:txBody>
-          <a:bodyPr wrap="square" lIns="118872" tIns="91440" rIns="118872" bIns="91440" rtlCol="0" anchor="ctr" anchorCtr="0">
-            <a:spAutoFit/>
-          </a:bodyPr>
-          <a:lstStyle/>
-          <a:p>
-            <a:pPr algn="l">
-              <a:lnSpc>
-                <a:spcPct val="90000"/>
-              </a:lnSpc>
-            </a:pPr>
-            <a:r>
-              <a:rPr lang="en-US" sz="1200" b="1" dirty="0"/>
-              <a:t>  main  </a:t>
-            </a:r>
-          </a:p>
-        </p:txBody>
-      </p:sp>
-      <p:sp>
-        <p:nvSpPr>
-          <p:cNvPr id="13" name="TextBox 12">
-            <a:extLst>
-              <a:ext uri="{FF2B5EF4-FFF2-40B4-BE49-F238E27FC236}">
-                <a16:creationId xmlns:a16="http://schemas.microsoft.com/office/drawing/2014/main" id="{D293AE62-09E2-724D-B4FD-6F49A9271FD5}"/>
-              </a:ext>
-            </a:extLst>
-          </p:cNvPr>
-          <p:cNvSpPr txBox="1"/>
-          <p:nvPr/>
-        </p:nvSpPr>
-        <p:spPr>
-          <a:xfrm>
-            <a:off x="7291137" y="4368430"/>
-            <a:ext cx="731520" cy="182880"/>
-          </a:xfrm>
-          <a:prstGeom prst="rect">
-            <a:avLst/>
-          </a:prstGeom>
-          <a:solidFill>
-            <a:schemeClr val="bg1"/>
-          </a:solidFill>
-        </p:spPr>
-        <p:txBody>
-          <a:bodyPr wrap="square" lIns="118872" tIns="91440" rIns="118872" bIns="91440" rtlCol="0" anchor="ctr" anchorCtr="0">
-            <a:spAutoFit/>
-          </a:bodyPr>
-          <a:lstStyle/>
-          <a:p>
-            <a:pPr algn="l">
-              <a:lnSpc>
-                <a:spcPct val="90000"/>
-              </a:lnSpc>
-            </a:pPr>
-            <a:r>
-              <a:rPr lang="en-US" sz="1200" b="1" dirty="0"/>
-              <a:t>  main  </a:t>
+              <a:t> </a:t>
             </a:r>
           </a:p>
         </p:txBody>
@@ -14903,7 +14704,7 @@
     </p:spTree>
     <p:extLst>
       <p:ext uri="{BB962C8B-B14F-4D97-AF65-F5344CB8AC3E}">
-        <p14:creationId xmlns:p14="http://schemas.microsoft.com/office/powerpoint/2010/main" val="2731798020"/>
+        <p14:creationId xmlns:p14="http://schemas.microsoft.com/office/powerpoint/2010/main" val="1808928676"/>
       </p:ext>
     </p:extLst>
   </p:cSld>
@@ -14935,7 +14736,7 @@
           <p:cNvPr id="2" name="Title 1">
             <a:extLst>
               <a:ext uri="{FF2B5EF4-FFF2-40B4-BE49-F238E27FC236}">
-                <a16:creationId xmlns:a16="http://schemas.microsoft.com/office/drawing/2014/main" id="{44950D0E-7BDD-A64B-9889-50CEFF9B0A30}"/>
+                <a16:creationId xmlns:a16="http://schemas.microsoft.com/office/drawing/2014/main" id="{07683978-C37D-B543-9210-EFD77EE5A241}"/>
               </a:ext>
             </a:extLst>
           </p:cNvPr>
@@ -14953,7 +14754,7 @@
           <a:p>
             <a:r>
               <a:rPr lang="en-US" dirty="0"/>
-              <a:t>Control Project Branch Complexity</a:t>
+              <a:t>Feature Branches</a:t>
             </a:r>
           </a:p>
         </p:txBody>
@@ -14963,7 +14764,7 @@
           <p:cNvPr id="3" name="Content Placeholder 2">
             <a:extLst>
               <a:ext uri="{FF2B5EF4-FFF2-40B4-BE49-F238E27FC236}">
-                <a16:creationId xmlns:a16="http://schemas.microsoft.com/office/drawing/2014/main" id="{B29BC53D-F779-0F4F-A6A8-27F618BB6F2D}"/>
+                <a16:creationId xmlns:a16="http://schemas.microsoft.com/office/drawing/2014/main" id="{0B6F2AEF-2300-F84B-BB99-ECEC425AFCAD}"/>
               </a:ext>
             </a:extLst>
           </p:cNvPr>
@@ -14974,52 +14775,83 @@
             <p:ph idx="1"/>
           </p:nvPr>
         </p:nvSpPr>
-        <p:spPr/>
+        <p:spPr>
+          <a:xfrm>
+            <a:off x="365761" y="1207973"/>
+            <a:ext cx="6961796" cy="4047778"/>
+          </a:xfrm>
+        </p:spPr>
         <p:txBody>
           <a:bodyPr/>
           <a:lstStyle/>
           <a:p>
-            <a:r>
-              <a:rPr lang="en-US" dirty="0"/>
-              <a:t>Workflow policy is needed</a:t>
-            </a:r>
-          </a:p>
-          <a:p>
-            <a:pPr lvl="1"/>
-            <a:r>
-              <a:rPr lang="en-US" dirty="0"/>
-              <a:t>Project supported branches and workflows should not be unnecessarily complex</a:t>
-            </a:r>
-          </a:p>
-          <a:p>
-            <a:pPr lvl="1"/>
-            <a:r>
-              <a:rPr lang="en-US" dirty="0"/>
-              <a:t>Individuals and sub-teams can leverage more complex models when advantageous</a:t>
-            </a:r>
-          </a:p>
-          <a:p>
-            <a:pPr lvl="1"/>
-            <a:r>
-              <a:rPr lang="en-US" dirty="0"/>
-              <a:t>Descriptive names or linked to issue tracking system</a:t>
-            </a:r>
-          </a:p>
-          <a:p>
-            <a:pPr lvl="1"/>
-            <a:r>
-              <a:rPr lang="en-US" dirty="0"/>
-              <a:t>Where do branches start and end?</a:t>
-            </a:r>
+            <a:pPr marL="0" indent="0">
+              <a:buNone/>
+            </a:pPr>
+            <a:r>
+              <a:rPr lang="en-US" sz="2000" dirty="0"/>
+              <a:t>Extend Centralized Workflow</a:t>
+            </a:r>
+          </a:p>
+          <a:p>
+            <a:r>
+              <a:rPr lang="en-US" sz="2000" dirty="0"/>
+              <a:t>Remote repo has commits A &amp; B</a:t>
+            </a:r>
+          </a:p>
+          <a:p>
+            <a:r>
+              <a:rPr lang="en-US" sz="2000" dirty="0"/>
+              <a:t>Bob pulls remote to synchronize local repo to remote</a:t>
+            </a:r>
+          </a:p>
+          <a:p>
+            <a:r>
+              <a:rPr lang="en-US" sz="2000" dirty="0"/>
+              <a:t>Bob creates local feature branch based on commit B</a:t>
+            </a:r>
+          </a:p>
+          <a:p>
+            <a:r>
+              <a:rPr lang="en-US" sz="2000" dirty="0"/>
+              <a:t>Commit C pushed to remote repo</a:t>
+            </a:r>
+          </a:p>
+          <a:p>
+            <a:r>
+              <a:rPr lang="en-US" sz="2000" dirty="0"/>
+              <a:t>Alice pulls remote to synchronize local repo to remote</a:t>
+            </a:r>
+          </a:p>
+          <a:p>
+            <a:r>
+              <a:rPr lang="en-US" sz="2000" dirty="0"/>
+              <a:t>Alice creates local feature branch based on commit C</a:t>
+            </a:r>
+          </a:p>
+          <a:p>
+            <a:r>
+              <a:rPr lang="en-US" sz="2000" dirty="0"/>
+              <a:t>Both develop independently on local feature branches</a:t>
+            </a:r>
+          </a:p>
+          <a:p>
+            <a:pPr marL="0" indent="0">
+              <a:buNone/>
+            </a:pPr>
+            <a:endParaRPr lang="en-US" sz="2000" dirty="0"/>
+          </a:p>
+          <a:p>
+            <a:endParaRPr lang="en-US" sz="2000" dirty="0"/>
           </a:p>
         </p:txBody>
       </p:sp>
       <p:pic>
         <p:nvPicPr>
-          <p:cNvPr id="5" name="Picture 4">
+          <p:cNvPr id="4" name="Picture 3">
             <a:extLst>
               <a:ext uri="{FF2B5EF4-FFF2-40B4-BE49-F238E27FC236}">
-                <a16:creationId xmlns:a16="http://schemas.microsoft.com/office/drawing/2014/main" id="{5FD5C252-E8E1-3A4B-A66B-455303D445D4}"/>
+                <a16:creationId xmlns:a16="http://schemas.microsoft.com/office/drawing/2014/main" id="{7879D0D5-49A1-054D-AEA9-083492052DF4}"/>
               </a:ext>
             </a:extLst>
           </p:cNvPr>
@@ -15029,20 +14861,14 @@
           <p:nvPr/>
         </p:nvPicPr>
         <p:blipFill rotWithShape="1">
-          <a:blip r:embed="rId3">
-            <a:extLst>
-              <a:ext uri="{28A0092B-C50C-407E-A947-70E740481C1C}">
-                <a14:useLocalDpi xmlns:a14="http://schemas.microsoft.com/office/drawing/2010/main" val="0"/>
-              </a:ext>
-            </a:extLst>
-          </a:blip>
-          <a:srcRect l="4616" t="20776" r="27566" b="49302"/>
+          <a:blip r:embed="rId3"/>
+          <a:srcRect r="56578" b="12291"/>
           <a:stretch/>
         </p:blipFill>
         <p:spPr>
           <a:xfrm>
-            <a:off x="2871529" y="3995677"/>
-            <a:ext cx="6358269" cy="2052085"/>
+            <a:off x="7543800" y="697314"/>
+            <a:ext cx="3572469" cy="5278438"/>
           </a:xfrm>
           <a:prstGeom prst="rect">
             <a:avLst/>
@@ -15051,10 +14877,10 @@
       </p:pic>
       <p:sp>
         <p:nvSpPr>
-          <p:cNvPr id="6" name="TextBox 5">
+          <p:cNvPr id="5" name="TextBox 4">
             <a:extLst>
               <a:ext uri="{FF2B5EF4-FFF2-40B4-BE49-F238E27FC236}">
-                <a16:creationId xmlns:a16="http://schemas.microsoft.com/office/drawing/2014/main" id="{85FC5AEA-2431-8E4F-8AC3-5F7B6D00284A}"/>
+                <a16:creationId xmlns:a16="http://schemas.microsoft.com/office/drawing/2014/main" id="{4D623544-D80B-DE44-A9AF-20717D593275}"/>
               </a:ext>
             </a:extLst>
           </p:cNvPr>
@@ -15063,8 +14889,8 @@
         </p:nvSpPr>
         <p:spPr>
           <a:xfrm>
-            <a:off x="3112837" y="4367319"/>
-            <a:ext cx="1040063" cy="274320"/>
+            <a:off x="7811452" y="4261430"/>
+            <a:ext cx="822960" cy="182880"/>
           </a:xfrm>
           <a:prstGeom prst="rect">
             <a:avLst/>
@@ -15086,11 +14912,103 @@
             </a:pPr>
             <a:r>
               <a:rPr lang="en-US" sz="1200" b="1" dirty="0"/>
+              <a:t>  main  </a:t>
+            </a:r>
+          </a:p>
+        </p:txBody>
+      </p:sp>
+      <p:sp>
+        <p:nvSpPr>
+          <p:cNvPr id="6" name="TextBox 5">
+            <a:extLst>
+              <a:ext uri="{FF2B5EF4-FFF2-40B4-BE49-F238E27FC236}">
+                <a16:creationId xmlns:a16="http://schemas.microsoft.com/office/drawing/2014/main" id="{B65C4322-64FE-B944-AED9-C8749E06B80B}"/>
+              </a:ext>
+            </a:extLst>
+          </p:cNvPr>
+          <p:cNvSpPr txBox="1"/>
+          <p:nvPr/>
+        </p:nvSpPr>
+        <p:spPr>
+          <a:xfrm>
+            <a:off x="7811452" y="2191068"/>
+            <a:ext cx="822960" cy="274320"/>
+          </a:xfrm>
+          <a:prstGeom prst="rect">
+            <a:avLst/>
+          </a:prstGeom>
+          <a:solidFill>
+            <a:schemeClr val="bg1"/>
+          </a:solidFill>
+        </p:spPr>
+        <p:txBody>
+          <a:bodyPr wrap="square" lIns="118872" tIns="91440" rIns="118872" bIns="91440" rtlCol="0" anchor="ctr" anchorCtr="0">
+            <a:spAutoFit/>
+          </a:bodyPr>
+          <a:lstStyle/>
+          <a:p>
+            <a:pPr algn="l">
+              <a:lnSpc>
+                <a:spcPct val="90000"/>
+              </a:lnSpc>
+            </a:pPr>
+            <a:r>
+              <a:rPr lang="en-US" sz="1200" b="1" dirty="0"/>
               <a:t>  </a:t>
             </a:r>
             <a:r>
-              <a:rPr lang="en-US" sz="1600" b="1" dirty="0"/>
-              <a:t>main</a:t>
+              <a:rPr lang="en-US" sz="1300" b="1" dirty="0"/>
+              <a:t>main </a:t>
+            </a:r>
+            <a:r>
+              <a:rPr lang="en-US" sz="1200" b="1" dirty="0"/>
+              <a:t> </a:t>
+            </a:r>
+          </a:p>
+        </p:txBody>
+      </p:sp>
+      <p:sp>
+        <p:nvSpPr>
+          <p:cNvPr id="7" name="TextBox 6">
+            <a:extLst>
+              <a:ext uri="{FF2B5EF4-FFF2-40B4-BE49-F238E27FC236}">
+                <a16:creationId xmlns:a16="http://schemas.microsoft.com/office/drawing/2014/main" id="{D6D37134-F760-9E44-B5F3-B0F1B61D000E}"/>
+              </a:ext>
+            </a:extLst>
+          </p:cNvPr>
+          <p:cNvSpPr txBox="1"/>
+          <p:nvPr/>
+        </p:nvSpPr>
+        <p:spPr>
+          <a:xfrm>
+            <a:off x="7765732" y="4981431"/>
+            <a:ext cx="822960" cy="274320"/>
+          </a:xfrm>
+          <a:prstGeom prst="rect">
+            <a:avLst/>
+          </a:prstGeom>
+          <a:solidFill>
+            <a:schemeClr val="bg1"/>
+          </a:solidFill>
+        </p:spPr>
+        <p:txBody>
+          <a:bodyPr wrap="square" lIns="118872" tIns="91440" rIns="118872" bIns="91440" rtlCol="0" anchor="ctr" anchorCtr="0">
+            <a:spAutoFit/>
+          </a:bodyPr>
+          <a:lstStyle/>
+          <a:p>
+            <a:pPr algn="l">
+              <a:lnSpc>
+                <a:spcPct val="90000"/>
+              </a:lnSpc>
+            </a:pPr>
+            <a:r>
+              <a:rPr lang="en-US" sz="1200" b="1" dirty="0"/>
+              <a:t>  </a:t>
+            </a:r>
+            <a:r>
+              <a:rPr lang="en-US" sz="1300" b="1" dirty="0"/>
+              <a:t>main </a:t>
             </a:r>
             <a:r>
               <a:rPr lang="en-US" sz="1200" b="1" dirty="0"/>
@@ -15102,7 +15020,7 @@
     </p:spTree>
     <p:extLst>
       <p:ext uri="{BB962C8B-B14F-4D97-AF65-F5344CB8AC3E}">
-        <p14:creationId xmlns:p14="http://schemas.microsoft.com/office/powerpoint/2010/main" val="1808928676"/>
+        <p14:creationId xmlns:p14="http://schemas.microsoft.com/office/powerpoint/2010/main" val="767238769"/>
       </p:ext>
     </p:extLst>
   </p:cSld>
@@ -16025,21 +15943,6 @@
 </file>
 
 <file path=customXml/item1.xml><?xml version="1.0" encoding="utf-8"?>
-<p:properties xmlns:p="http://schemas.microsoft.com/office/2006/metadata/properties" xmlns:xsi="http://www.w3.org/2001/XMLSchema-instance" xmlns:pc="http://schemas.microsoft.com/office/infopath/2007/PartnerControls">
-  <documentManagement/>
-</p:properties>
-</file>
-
-<file path=customXml/item2.xml><?xml version="1.0" encoding="utf-8"?>
-<?mso-contentType ?>
-<FormTemplates xmlns="http://schemas.microsoft.com/sharepoint/v3/contenttype/forms">
-  <Display>DocumentLibraryForm</Display>
-  <Edit>DocumentLibraryForm</Edit>
-  <New>DocumentLibraryForm</New>
-</FormTemplates>
-</file>
-
-<file path=customXml/item3.xml><?xml version="1.0" encoding="utf-8"?>
 <ct:contentTypeSchema xmlns:ct="http://schemas.microsoft.com/office/2006/metadata/contentType" xmlns:ma="http://schemas.microsoft.com/office/2006/metadata/properties/metaAttributes" ct:_="" ma:_="" ma:contentTypeName="Document" ma:contentTypeID="0x010100565464437F680748A68B85EB6594EA7D" ma:contentTypeVersion="0" ma:contentTypeDescription="Create a new document." ma:contentTypeScope="" ma:versionID="fe3f4dd58d5914c51cfc6deaa8ad845c">
   <xsd:schema xmlns:xsd="http://www.w3.org/2001/XMLSchema" xmlns:p="http://schemas.microsoft.com/office/2006/metadata/properties" targetNamespace="http://schemas.microsoft.com/office/2006/metadata/properties" ma:root="true" ma:fieldsID="4aeb20c0e3442673af7ee10786458764">
     <xsd:element name="properties">
@@ -16088,7 +15991,37 @@
 </ct:contentTypeSchema>
 </file>
 
+<file path=customXml/item2.xml><?xml version="1.0" encoding="utf-8"?>
+<p:properties xmlns:p="http://schemas.microsoft.com/office/2006/metadata/properties" xmlns:xsi="http://www.w3.org/2001/XMLSchema-instance" xmlns:pc="http://schemas.microsoft.com/office/infopath/2007/PartnerControls">
+  <documentManagement/>
+</p:properties>
+</file>
+
+<file path=customXml/item3.xml><?xml version="1.0" encoding="utf-8"?>
+<?mso-contentType ?>
+<FormTemplates xmlns="http://schemas.microsoft.com/sharepoint/v3/contenttype/forms">
+  <Display>DocumentLibraryForm</Display>
+  <Edit>DocumentLibraryForm</Edit>
+  <New>DocumentLibraryForm</New>
+</FormTemplates>
+</file>
+
 <file path=customXml/itemProps1.xml><?xml version="1.0" encoding="utf-8"?>
+<ds:datastoreItem xmlns:ds="http://schemas.openxmlformats.org/officeDocument/2006/customXml" ds:itemID="{E8DB7DEB-074E-4EE8-9B6E-FD277323109C}">
+  <ds:schemaRefs>
+    <ds:schemaRef ds:uri="http://schemas.microsoft.com/office/2006/metadata/contentType"/>
+    <ds:schemaRef ds:uri="http://schemas.microsoft.com/office/2006/metadata/properties/metaAttributes"/>
+    <ds:schemaRef ds:uri="http://www.w3.org/2001/XMLSchema"/>
+    <ds:schemaRef ds:uri="http://schemas.microsoft.com/office/2006/metadata/properties"/>
+    <ds:schemaRef ds:uri="http://schemas.openxmlformats.org/package/2006/metadata/core-properties"/>
+    <ds:schemaRef ds:uri="http://purl.org/dc/elements/1.1/"/>
+    <ds:schemaRef ds:uri="http://purl.org/dc/terms/"/>
+    <ds:schemaRef ds:uri="http://schemas.microsoft.com/office/internal/2005/internalDocumentation"/>
+  </ds:schemaRefs>
+</ds:datastoreItem>
+</file>
+
+<file path=customXml/itemProps2.xml><?xml version="1.0" encoding="utf-8"?>
 <ds:datastoreItem xmlns:ds="http://schemas.openxmlformats.org/officeDocument/2006/customXml" ds:itemID="{A50EC660-24D0-43A0-AE5E-E274115E726B}">
   <ds:schemaRefs>
     <ds:schemaRef ds:uri="http://purl.org/dc/elements/1.1/"/>
@@ -16103,25 +16036,10 @@
 </ds:datastoreItem>
 </file>
 
-<file path=customXml/itemProps2.xml><?xml version="1.0" encoding="utf-8"?>
+<file path=customXml/itemProps3.xml><?xml version="1.0" encoding="utf-8"?>
 <ds:datastoreItem xmlns:ds="http://schemas.openxmlformats.org/officeDocument/2006/customXml" ds:itemID="{19E20559-B232-4371-8690-E3D8007EDB82}">
   <ds:schemaRefs>
     <ds:schemaRef ds:uri="http://schemas.microsoft.com/sharepoint/v3/contenttype/forms"/>
   </ds:schemaRefs>
 </ds:datastoreItem>
-</file>
-
-<file path=customXml/itemProps3.xml><?xml version="1.0" encoding="utf-8"?>
-<ds:datastoreItem xmlns:ds="http://schemas.openxmlformats.org/officeDocument/2006/customXml" ds:itemID="{E8DB7DEB-074E-4EE8-9B6E-FD277323109C}">
-  <ds:schemaRefs>
-    <ds:schemaRef ds:uri="http://schemas.microsoft.com/office/2006/metadata/contentType"/>
-    <ds:schemaRef ds:uri="http://schemas.microsoft.com/office/2006/metadata/properties/metaAttributes"/>
-    <ds:schemaRef ds:uri="http://www.w3.org/2001/XMLSchema"/>
-    <ds:schemaRef ds:uri="http://schemas.microsoft.com/office/2006/metadata/properties"/>
-    <ds:schemaRef ds:uri="http://schemas.openxmlformats.org/package/2006/metadata/core-properties"/>
-    <ds:schemaRef ds:uri="http://purl.org/dc/elements/1.1/"/>
-    <ds:schemaRef ds:uri="http://purl.org/dc/terms/"/>
-    <ds:schemaRef ds:uri="http://schemas.microsoft.com/office/internal/2005/internalDocumentation"/>
-  </ds:schemaRefs>
-</ds:datastoreItem>
 </file>
--- a/git-workflows.pptx
+++ b/git-workflows.pptx
@@ -279,7 +279,7 @@
           <a:p>
             <a:fld id="{0B842F42-2CE9-4E35-95C1-410DC08A50B1}" type="datetimeFigureOut">
               <a:rPr lang="en-US" smtClean="0"/>
-              <a:t>9/20/21</a:t>
+              <a:t>9/24/2021</a:t>
             </a:fld>
             <a:endParaRPr lang="en-US"/>
           </a:p>
@@ -444,7 +444,7 @@
           <a:p>
             <a:fld id="{6F282904-F315-4730-8D91-37D99E141A6F}" type="datetimeFigureOut">
               <a:rPr lang="en-US" smtClean="0"/>
-              <a:t>9/20/21</a:t>
+              <a:t>9/24/2021</a:t>
             </a:fld>
             <a:endParaRPr lang="en-US"/>
           </a:p>
@@ -6343,15 +6343,7 @@
             </a:pPr>
             <a:r>
               <a:rPr lang="en-US" sz="2000" dirty="0"/>
-              <a:t>Better Scientific </a:t>
-            </a:r>
-            <a:r>
-              <a:rPr lang="en-US" sz="2000"/>
-              <a:t>Software tutorial </a:t>
-            </a:r>
-            <a:r>
-              <a:rPr lang="en-US" sz="2000" dirty="0"/>
-              <a:t>@ SC21</a:t>
+              <a:t>Better Scientific Software tutorial @ SC21</a:t>
             </a:r>
           </a:p>
           <a:p>
@@ -6408,7 +6400,7 @@
           <a:p>
             <a:r>
               <a:rPr lang="en-US" sz="1200" dirty="0"/>
-              <a:t>LA-UR-21-25665</a:t>
+              <a:t>LA-UR-21-29292</a:t>
             </a:r>
           </a:p>
         </p:txBody>
@@ -15943,6 +15935,21 @@
 </file>
 
 <file path=customXml/item1.xml><?xml version="1.0" encoding="utf-8"?>
+<?mso-contentType ?>
+<FormTemplates xmlns="http://schemas.microsoft.com/sharepoint/v3/contenttype/forms">
+  <Display>DocumentLibraryForm</Display>
+  <Edit>DocumentLibraryForm</Edit>
+  <New>DocumentLibraryForm</New>
+</FormTemplates>
+</file>
+
+<file path=customXml/item2.xml><?xml version="1.0" encoding="utf-8"?>
+<p:properties xmlns:p="http://schemas.microsoft.com/office/2006/metadata/properties" xmlns:xsi="http://www.w3.org/2001/XMLSchema-instance" xmlns:pc="http://schemas.microsoft.com/office/infopath/2007/PartnerControls">
+  <documentManagement/>
+</p:properties>
+</file>
+
+<file path=customXml/item3.xml><?xml version="1.0" encoding="utf-8"?>
 <ct:contentTypeSchema xmlns:ct="http://schemas.microsoft.com/office/2006/metadata/contentType" xmlns:ma="http://schemas.microsoft.com/office/2006/metadata/properties/metaAttributes" ct:_="" ma:_="" ma:contentTypeName="Document" ma:contentTypeID="0x010100565464437F680748A68B85EB6594EA7D" ma:contentTypeVersion="0" ma:contentTypeDescription="Create a new document." ma:contentTypeScope="" ma:versionID="fe3f4dd58d5914c51cfc6deaa8ad845c">
   <xsd:schema xmlns:xsd="http://www.w3.org/2001/XMLSchema" xmlns:p="http://schemas.microsoft.com/office/2006/metadata/properties" targetNamespace="http://schemas.microsoft.com/office/2006/metadata/properties" ma:root="true" ma:fieldsID="4aeb20c0e3442673af7ee10786458764">
     <xsd:element name="properties">
@@ -15991,32 +15998,10 @@
 </ct:contentTypeSchema>
 </file>
 
-<file path=customXml/item2.xml><?xml version="1.0" encoding="utf-8"?>
-<p:properties xmlns:p="http://schemas.microsoft.com/office/2006/metadata/properties" xmlns:xsi="http://www.w3.org/2001/XMLSchema-instance" xmlns:pc="http://schemas.microsoft.com/office/infopath/2007/PartnerControls">
-  <documentManagement/>
-</p:properties>
-</file>
-
-<file path=customXml/item3.xml><?xml version="1.0" encoding="utf-8"?>
-<?mso-contentType ?>
-<FormTemplates xmlns="http://schemas.microsoft.com/sharepoint/v3/contenttype/forms">
-  <Display>DocumentLibraryForm</Display>
-  <Edit>DocumentLibraryForm</Edit>
-  <New>DocumentLibraryForm</New>
-</FormTemplates>
-</file>
-
 <file path=customXml/itemProps1.xml><?xml version="1.0" encoding="utf-8"?>
-<ds:datastoreItem xmlns:ds="http://schemas.openxmlformats.org/officeDocument/2006/customXml" ds:itemID="{E8DB7DEB-074E-4EE8-9B6E-FD277323109C}">
+<ds:datastoreItem xmlns:ds="http://schemas.openxmlformats.org/officeDocument/2006/customXml" ds:itemID="{19E20559-B232-4371-8690-E3D8007EDB82}">
   <ds:schemaRefs>
-    <ds:schemaRef ds:uri="http://schemas.microsoft.com/office/2006/metadata/contentType"/>
-    <ds:schemaRef ds:uri="http://schemas.microsoft.com/office/2006/metadata/properties/metaAttributes"/>
-    <ds:schemaRef ds:uri="http://www.w3.org/2001/XMLSchema"/>
-    <ds:schemaRef ds:uri="http://schemas.microsoft.com/office/2006/metadata/properties"/>
-    <ds:schemaRef ds:uri="http://schemas.openxmlformats.org/package/2006/metadata/core-properties"/>
-    <ds:schemaRef ds:uri="http://purl.org/dc/elements/1.1/"/>
-    <ds:schemaRef ds:uri="http://purl.org/dc/terms/"/>
-    <ds:schemaRef ds:uri="http://schemas.microsoft.com/office/internal/2005/internalDocumentation"/>
+    <ds:schemaRef ds:uri="http://schemas.microsoft.com/sharepoint/v3/contenttype/forms"/>
   </ds:schemaRefs>
 </ds:datastoreItem>
 </file>
@@ -16037,9 +16022,16 @@
 </file>
 
 <file path=customXml/itemProps3.xml><?xml version="1.0" encoding="utf-8"?>
-<ds:datastoreItem xmlns:ds="http://schemas.openxmlformats.org/officeDocument/2006/customXml" ds:itemID="{19E20559-B232-4371-8690-E3D8007EDB82}">
+<ds:datastoreItem xmlns:ds="http://schemas.openxmlformats.org/officeDocument/2006/customXml" ds:itemID="{E8DB7DEB-074E-4EE8-9B6E-FD277323109C}">
   <ds:schemaRefs>
-    <ds:schemaRef ds:uri="http://schemas.microsoft.com/sharepoint/v3/contenttype/forms"/>
+    <ds:schemaRef ds:uri="http://schemas.microsoft.com/office/2006/metadata/contentType"/>
+    <ds:schemaRef ds:uri="http://schemas.microsoft.com/office/2006/metadata/properties/metaAttributes"/>
+    <ds:schemaRef ds:uri="http://www.w3.org/2001/XMLSchema"/>
+    <ds:schemaRef ds:uri="http://schemas.microsoft.com/office/2006/metadata/properties"/>
+    <ds:schemaRef ds:uri="http://schemas.openxmlformats.org/package/2006/metadata/core-properties"/>
+    <ds:schemaRef ds:uri="http://purl.org/dc/elements/1.1/"/>
+    <ds:schemaRef ds:uri="http://purl.org/dc/terms/"/>
+    <ds:schemaRef ds:uri="http://schemas.microsoft.com/office/internal/2005/internalDocumentation"/>
   </ds:schemaRefs>
 </ds:datastoreItem>
 </file>
--- a/git-workflows.pptx
+++ b/git-workflows.pptx
@@ -279,7 +279,7 @@
           <a:p>
             <a:fld id="{0B842F42-2CE9-4E35-95C1-410DC08A50B1}" type="datetimeFigureOut">
               <a:rPr lang="en-US" smtClean="0"/>
-              <a:t>9/24/2021</a:t>
+              <a:t>10/12/21</a:t>
             </a:fld>
             <a:endParaRPr lang="en-US"/>
           </a:p>
@@ -444,7 +444,7 @@
           <a:p>
             <a:fld id="{6F282904-F315-4730-8D91-37D99E141A6F}" type="datetimeFigureOut">
               <a:rPr lang="en-US" smtClean="0"/>
-              <a:t>9/24/2021</a:t>
+              <a:t>10/12/21</a:t>
             </a:fld>
             <a:endParaRPr lang="en-US"/>
           </a:p>
@@ -7729,7 +7729,7 @@
             <a:pPr lvl="1"/>
             <a:r>
               <a:rPr lang="en-US" dirty="0"/>
-              <a:t>Helpful coding techniques by other’s</a:t>
+              <a:t>Helpful coding techniques by others</a:t>
             </a:r>
           </a:p>
           <a:p>
@@ -15935,18 +15935,18 @@
 </file>
 
 <file path=customXml/item1.xml><?xml version="1.0" encoding="utf-8"?>
+<p:properties xmlns:p="http://schemas.microsoft.com/office/2006/metadata/properties" xmlns:xsi="http://www.w3.org/2001/XMLSchema-instance" xmlns:pc="http://schemas.microsoft.com/office/infopath/2007/PartnerControls">
+  <documentManagement/>
+</p:properties>
+</file>
+
+<file path=customXml/item2.xml><?xml version="1.0" encoding="utf-8"?>
 <?mso-contentType ?>
 <FormTemplates xmlns="http://schemas.microsoft.com/sharepoint/v3/contenttype/forms">
   <Display>DocumentLibraryForm</Display>
   <Edit>DocumentLibraryForm</Edit>
   <New>DocumentLibraryForm</New>
 </FormTemplates>
-</file>
-
-<file path=customXml/item2.xml><?xml version="1.0" encoding="utf-8"?>
-<p:properties xmlns:p="http://schemas.microsoft.com/office/2006/metadata/properties" xmlns:xsi="http://www.w3.org/2001/XMLSchema-instance" xmlns:pc="http://schemas.microsoft.com/office/infopath/2007/PartnerControls">
-  <documentManagement/>
-</p:properties>
 </file>
 
 <file path=customXml/item3.xml><?xml version="1.0" encoding="utf-8"?>
@@ -15999,14 +15999,6 @@
 </file>
 
 <file path=customXml/itemProps1.xml><?xml version="1.0" encoding="utf-8"?>
-<ds:datastoreItem xmlns:ds="http://schemas.openxmlformats.org/officeDocument/2006/customXml" ds:itemID="{19E20559-B232-4371-8690-E3D8007EDB82}">
-  <ds:schemaRefs>
-    <ds:schemaRef ds:uri="http://schemas.microsoft.com/sharepoint/v3/contenttype/forms"/>
-  </ds:schemaRefs>
-</ds:datastoreItem>
-</file>
-
-<file path=customXml/itemProps2.xml><?xml version="1.0" encoding="utf-8"?>
 <ds:datastoreItem xmlns:ds="http://schemas.openxmlformats.org/officeDocument/2006/customXml" ds:itemID="{A50EC660-24D0-43A0-AE5E-E274115E726B}">
   <ds:schemaRefs>
     <ds:schemaRef ds:uri="http://purl.org/dc/elements/1.1/"/>
@@ -16017,6 +16009,14 @@
     <ds:schemaRef ds:uri="http://www.w3.org/XML/1998/namespace"/>
     <ds:schemaRef ds:uri="http://purl.org/dc/dcmitype/"/>
     <ds:schemaRef ds:uri="http://schemas.microsoft.com/office/infopath/2007/PartnerControls"/>
+  </ds:schemaRefs>
+</ds:datastoreItem>
+</file>
+
+<file path=customXml/itemProps2.xml><?xml version="1.0" encoding="utf-8"?>
+<ds:datastoreItem xmlns:ds="http://schemas.openxmlformats.org/officeDocument/2006/customXml" ds:itemID="{19E20559-B232-4371-8690-E3D8007EDB82}">
+  <ds:schemaRefs>
+    <ds:schemaRef ds:uri="http://schemas.microsoft.com/sharepoint/v3/contenttype/forms"/>
   </ds:schemaRefs>
 </ds:datastoreItem>
 </file>

--- a/git-workflows.pptx
+++ b/git-workflows.pptx
@@ -279,7 +279,7 @@
           <a:p>
             <a:fld id="{0B842F42-2CE9-4E35-95C1-410DC08A50B1}" type="datetimeFigureOut">
               <a:rPr lang="en-US" smtClean="0"/>
-              <a:t>10/12/21</a:t>
+              <a:t>11/14/2021</a:t>
             </a:fld>
             <a:endParaRPr lang="en-US"/>
           </a:p>
@@ -444,7 +444,7 @@
           <a:p>
             <a:fld id="{6F282904-F315-4730-8D91-37D99E141A6F}" type="datetimeFigureOut">
               <a:rPr lang="en-US" smtClean="0"/>
-              <a:t>10/12/21</a:t>
+              <a:t>11/14/2021</a:t>
             </a:fld>
             <a:endParaRPr lang="en-US"/>
           </a:p>
@@ -9333,7 +9333,7 @@
           <a:p>
             <a:r>
               <a:rPr lang="en-US" dirty="0" err="1"/>
-              <a:t>Trilionos</a:t>
+              <a:t>Trilinos</a:t>
             </a:r>
             <a:r>
               <a:rPr lang="en-US" dirty="0"/>
@@ -15941,15 +15941,6 @@
 </file>
 
 <file path=customXml/item2.xml><?xml version="1.0" encoding="utf-8"?>
-<?mso-contentType ?>
-<FormTemplates xmlns="http://schemas.microsoft.com/sharepoint/v3/contenttype/forms">
-  <Display>DocumentLibraryForm</Display>
-  <Edit>DocumentLibraryForm</Edit>
-  <New>DocumentLibraryForm</New>
-</FormTemplates>
-</file>
-
-<file path=customXml/item3.xml><?xml version="1.0" encoding="utf-8"?>
 <ct:contentTypeSchema xmlns:ct="http://schemas.microsoft.com/office/2006/metadata/contentType" xmlns:ma="http://schemas.microsoft.com/office/2006/metadata/properties/metaAttributes" ct:_="" ma:_="" ma:contentTypeName="Document" ma:contentTypeID="0x010100565464437F680748A68B85EB6594EA7D" ma:contentTypeVersion="0" ma:contentTypeDescription="Create a new document." ma:contentTypeScope="" ma:versionID="fe3f4dd58d5914c51cfc6deaa8ad845c">
   <xsd:schema xmlns:xsd="http://www.w3.org/2001/XMLSchema" xmlns:p="http://schemas.microsoft.com/office/2006/metadata/properties" targetNamespace="http://schemas.microsoft.com/office/2006/metadata/properties" ma:root="true" ma:fieldsID="4aeb20c0e3442673af7ee10786458764">
     <xsd:element name="properties">
@@ -15998,6 +15989,15 @@
 </ct:contentTypeSchema>
 </file>
 
+<file path=customXml/item3.xml><?xml version="1.0" encoding="utf-8"?>
+<?mso-contentType ?>
+<FormTemplates xmlns="http://schemas.microsoft.com/sharepoint/v3/contenttype/forms">
+  <Display>DocumentLibraryForm</Display>
+  <Edit>DocumentLibraryForm</Edit>
+  <New>DocumentLibraryForm</New>
+</FormTemplates>
+</file>
+
 <file path=customXml/itemProps1.xml><?xml version="1.0" encoding="utf-8"?>
 <ds:datastoreItem xmlns:ds="http://schemas.openxmlformats.org/officeDocument/2006/customXml" ds:itemID="{A50EC660-24D0-43A0-AE5E-E274115E726B}">
   <ds:schemaRefs>
@@ -16014,14 +16014,6 @@
 </file>
 
 <file path=customXml/itemProps2.xml><?xml version="1.0" encoding="utf-8"?>
-<ds:datastoreItem xmlns:ds="http://schemas.openxmlformats.org/officeDocument/2006/customXml" ds:itemID="{19E20559-B232-4371-8690-E3D8007EDB82}">
-  <ds:schemaRefs>
-    <ds:schemaRef ds:uri="http://schemas.microsoft.com/sharepoint/v3/contenttype/forms"/>
-  </ds:schemaRefs>
-</ds:datastoreItem>
-</file>
-
-<file path=customXml/itemProps3.xml><?xml version="1.0" encoding="utf-8"?>
 <ds:datastoreItem xmlns:ds="http://schemas.openxmlformats.org/officeDocument/2006/customXml" ds:itemID="{E8DB7DEB-074E-4EE8-9B6E-FD277323109C}">
   <ds:schemaRefs>
     <ds:schemaRef ds:uri="http://schemas.microsoft.com/office/2006/metadata/contentType"/>
@@ -16034,4 +16026,12 @@
     <ds:schemaRef ds:uri="http://schemas.microsoft.com/office/internal/2005/internalDocumentation"/>
   </ds:schemaRefs>
 </ds:datastoreItem>
+</file>
+
+<file path=customXml/itemProps3.xml><?xml version="1.0" encoding="utf-8"?>
+<ds:datastoreItem xmlns:ds="http://schemas.openxmlformats.org/officeDocument/2006/customXml" ds:itemID="{19E20559-B232-4371-8690-E3D8007EDB82}">
+  <ds:schemaRefs>
+    <ds:schemaRef ds:uri="http://schemas.microsoft.com/sharepoint/v3/contenttype/forms"/>
+  </ds:schemaRefs>
+</ds:datastoreItem>
 </file>
--- a/git-workflows.pptx
+++ b/git-workflows.pptx
@@ -279,7 +279,7 @@
           <a:p>
             <a:fld id="{0B842F42-2CE9-4E35-95C1-410DC08A50B1}" type="datetimeFigureOut">
               <a:rPr lang="en-US" smtClean="0"/>
-              <a:t>11/14/2021</a:t>
+              <a:t>11/19/2021</a:t>
             </a:fld>
             <a:endParaRPr lang="en-US"/>
           </a:p>
@@ -444,7 +444,7 @@
           <a:p>
             <a:fld id="{6F282904-F315-4730-8D91-37D99E141A6F}" type="datetimeFigureOut">
               <a:rPr lang="en-US" smtClean="0"/>
-              <a:t>11/14/2021</a:t>
+              <a:t>11/19/2021</a:t>
             </a:fld>
             <a:endParaRPr lang="en-US"/>
           </a:p>
@@ -10957,7 +10957,15 @@
             </a:pPr>
             <a:r>
               <a:rPr lang="en-US" sz="2000" dirty="0"/>
-              <a:t>Nightly testing on all branches using community-build MTT framework (more complex set of compilers, hardware, tests)</a:t>
+              <a:t>Nightly testing on all branches </a:t>
+            </a:r>
+            <a:r>
+              <a:rPr lang="en-US" sz="2000"/>
+              <a:t>using community-built </a:t>
+            </a:r>
+            <a:r>
+              <a:rPr lang="en-US" sz="2000" dirty="0"/>
+              <a:t>MTT framework (more complex set of compilers, hardware, tests)</a:t>
             </a:r>
           </a:p>
           <a:p>
@@ -15935,9 +15943,12 @@
 </file>
 
 <file path=customXml/item1.xml><?xml version="1.0" encoding="utf-8"?>
-<p:properties xmlns:p="http://schemas.microsoft.com/office/2006/metadata/properties" xmlns:xsi="http://www.w3.org/2001/XMLSchema-instance" xmlns:pc="http://schemas.microsoft.com/office/infopath/2007/PartnerControls">
-  <documentManagement/>
-</p:properties>
+<?mso-contentType ?>
+<FormTemplates xmlns="http://schemas.microsoft.com/sharepoint/v3/contenttype/forms">
+  <Display>DocumentLibraryForm</Display>
+  <Edit>DocumentLibraryForm</Edit>
+  <New>DocumentLibraryForm</New>
+</FormTemplates>
 </file>
 
 <file path=customXml/item2.xml><?xml version="1.0" encoding="utf-8"?>
@@ -15990,25 +16001,15 @@
 </file>
 
 <file path=customXml/item3.xml><?xml version="1.0" encoding="utf-8"?>
-<?mso-contentType ?>
-<FormTemplates xmlns="http://schemas.microsoft.com/sharepoint/v3/contenttype/forms">
-  <Display>DocumentLibraryForm</Display>
-  <Edit>DocumentLibraryForm</Edit>
-  <New>DocumentLibraryForm</New>
-</FormTemplates>
+<p:properties xmlns:p="http://schemas.microsoft.com/office/2006/metadata/properties" xmlns:xsi="http://www.w3.org/2001/XMLSchema-instance" xmlns:pc="http://schemas.microsoft.com/office/infopath/2007/PartnerControls">
+  <documentManagement/>
+</p:properties>
 </file>
 
 <file path=customXml/itemProps1.xml><?xml version="1.0" encoding="utf-8"?>
-<ds:datastoreItem xmlns:ds="http://schemas.openxmlformats.org/officeDocument/2006/customXml" ds:itemID="{A50EC660-24D0-43A0-AE5E-E274115E726B}">
+<ds:datastoreItem xmlns:ds="http://schemas.openxmlformats.org/officeDocument/2006/customXml" ds:itemID="{19E20559-B232-4371-8690-E3D8007EDB82}">
   <ds:schemaRefs>
-    <ds:schemaRef ds:uri="http://purl.org/dc/elements/1.1/"/>
-    <ds:schemaRef ds:uri="http://schemas.microsoft.com/office/2006/metadata/properties"/>
-    <ds:schemaRef ds:uri="http://purl.org/dc/terms/"/>
-    <ds:schemaRef ds:uri="http://schemas.openxmlformats.org/package/2006/metadata/core-properties"/>
-    <ds:schemaRef ds:uri="http://schemas.microsoft.com/office/2006/documentManagement/types"/>
-    <ds:schemaRef ds:uri="http://www.w3.org/XML/1998/namespace"/>
-    <ds:schemaRef ds:uri="http://purl.org/dc/dcmitype/"/>
-    <ds:schemaRef ds:uri="http://schemas.microsoft.com/office/infopath/2007/PartnerControls"/>
+    <ds:schemaRef ds:uri="http://schemas.microsoft.com/sharepoint/v3/contenttype/forms"/>
   </ds:schemaRefs>
 </ds:datastoreItem>
 </file>
@@ -16029,9 +16030,16 @@
 </file>
 
 <file path=customXml/itemProps3.xml><?xml version="1.0" encoding="utf-8"?>
-<ds:datastoreItem xmlns:ds="http://schemas.openxmlformats.org/officeDocument/2006/customXml" ds:itemID="{19E20559-B232-4371-8690-E3D8007EDB82}">
+<ds:datastoreItem xmlns:ds="http://schemas.openxmlformats.org/officeDocument/2006/customXml" ds:itemID="{A50EC660-24D0-43A0-AE5E-E274115E726B}">
   <ds:schemaRefs>
-    <ds:schemaRef ds:uri="http://schemas.microsoft.com/sharepoint/v3/contenttype/forms"/>
+    <ds:schemaRef ds:uri="http://purl.org/dc/elements/1.1/"/>
+    <ds:schemaRef ds:uri="http://schemas.microsoft.com/office/2006/metadata/properties"/>
+    <ds:schemaRef ds:uri="http://purl.org/dc/terms/"/>
+    <ds:schemaRef ds:uri="http://schemas.openxmlformats.org/package/2006/metadata/core-properties"/>
+    <ds:schemaRef ds:uri="http://schemas.microsoft.com/office/2006/documentManagement/types"/>
+    <ds:schemaRef ds:uri="http://www.w3.org/XML/1998/namespace"/>
+    <ds:schemaRef ds:uri="http://purl.org/dc/dcmitype/"/>
+    <ds:schemaRef ds:uri="http://schemas.microsoft.com/office/infopath/2007/PartnerControls"/>
   </ds:schemaRefs>
 </ds:datastoreItem>
 </file>
--- a/git-workflows.pptx
+++ b/git-workflows.pptx
@@ -12,7 +12,7 @@
   </p:handoutMasterIdLst>
   <p:sldIdLst>
     <p:sldId id="523" r:id="rId5"/>
-    <p:sldId id="554" r:id="rId6"/>
+    <p:sldId id="320" r:id="rId6"/>
     <p:sldId id="546" r:id="rId7"/>
     <p:sldId id="309" r:id="rId8"/>
     <p:sldId id="313" r:id="rId9"/>
@@ -279,7 +279,7 @@
           <a:p>
             <a:fld id="{0B842F42-2CE9-4E35-95C1-410DC08A50B1}" type="datetimeFigureOut">
               <a:rPr lang="en-US" smtClean="0"/>
-              <a:t>11/19/2021</a:t>
+              <a:t>3/25/2022</a:t>
             </a:fld>
             <a:endParaRPr lang="en-US"/>
           </a:p>
@@ -444,7 +444,7 @@
           <a:p>
             <a:fld id="{6F282904-F315-4730-8D91-37D99E141A6F}" type="datetimeFigureOut">
               <a:rPr lang="en-US" smtClean="0"/>
-              <a:t>11/19/2021</a:t>
+              <a:t>3/25/2022</a:t>
             </a:fld>
             <a:endParaRPr lang="en-US"/>
           </a:p>
@@ -6316,11 +6316,11 @@
           <a:lstStyle/>
           <a:p>
             <a:r>
-              <a:rPr lang="en-US" u="sng" dirty="0"/>
+              <a:rPr lang="en-US" u="sng"/>
               <a:t>Patricia Grubel</a:t>
             </a:r>
             <a:r>
-              <a:rPr lang="en-US" dirty="0"/>
+              <a:rPr lang="en-US"/>
               <a:t> </a:t>
             </a:r>
             <a:r>
@@ -6343,7 +6343,7 @@
             </a:pPr>
             <a:r>
               <a:rPr lang="en-US" sz="2000" dirty="0"/>
-              <a:t>Better Scientific Software tutorial @ SC21</a:t>
+              <a:t>Better Scientific Software tutorial @ Improving Scientific Software 2022</a:t>
             </a:r>
           </a:p>
           <a:p>
@@ -8890,15 +8890,21 @@
             </a:pPr>
             <a:r>
               <a:rPr lang="en-US" sz="1600" b="1" dirty="0"/>
-              <a:t>The requested citation the overall tutorial is: David E. Bernholdt, Anshu Dubey, Patricia A. Grubel, Rinku K. Gupta, and Gregory R. Watson, Better Scientific Software tutorial, in the International Conference for High-Performance Computing, Networking, Storage, and Analysis (SC21), St. Louis, MO, USA and online, 2021. DOI: </a:t>
+              <a:t>The requested citation the overall tutorial is: David E. Bernholdt, Patricia A. Grubel, Rinku K. Gupta, and David M. Rogers, Better Scientific Software tutorial, in Improving Scientific Software conference, online, 2022. DOI: </a:t>
             </a:r>
             <a:r>
               <a:rPr lang="en-US" sz="1600" b="1" dirty="0">
                 <a:hlinkClick r:id="rId4"/>
               </a:rPr>
-              <a:t>10.6084/m9.figshare.16556628</a:t>
-            </a:r>
-            <a:endParaRPr lang="en-US" sz="1600" b="1" dirty="0"/>
+              <a:t>10.6084/m9.figshare</a:t>
+            </a:r>
+            <a:r>
+              <a:rPr lang="en-US" sz="1600" b="1">
+                <a:hlinkClick r:id="rId4"/>
+              </a:rPr>
+              <a:t>.19416767</a:t>
+            </a:r>
+            <a:endParaRPr lang="en-US" sz="1600" b="1"/>
           </a:p>
           <a:p>
             <a:pPr>
@@ -9070,7 +9076,7 @@
     </p:spTree>
     <p:extLst>
       <p:ext uri="{BB962C8B-B14F-4D97-AF65-F5344CB8AC3E}">
-        <p14:creationId xmlns:p14="http://schemas.microsoft.com/office/powerpoint/2010/main" val="206115986"/>
+        <p14:creationId xmlns:p14="http://schemas.microsoft.com/office/powerpoint/2010/main" val="978726433"/>
       </p:ext>
     </p:extLst>
   </p:cSld>
@@ -15943,12 +15949,9 @@
 </file>
 
 <file path=customXml/item1.xml><?xml version="1.0" encoding="utf-8"?>
-<?mso-contentType ?>
-<FormTemplates xmlns="http://schemas.microsoft.com/sharepoint/v3/contenttype/forms">
-  <Display>DocumentLibraryForm</Display>
-  <Edit>DocumentLibraryForm</Edit>
-  <New>DocumentLibraryForm</New>
-</FormTemplates>
+<p:properties xmlns:p="http://schemas.microsoft.com/office/2006/metadata/properties" xmlns:xsi="http://www.w3.org/2001/XMLSchema-instance" xmlns:pc="http://schemas.microsoft.com/office/infopath/2007/PartnerControls">
+  <documentManagement/>
+</p:properties>
 </file>
 
 <file path=customXml/item2.xml><?xml version="1.0" encoding="utf-8"?>
@@ -16001,15 +16004,25 @@
 </file>
 
 <file path=customXml/item3.xml><?xml version="1.0" encoding="utf-8"?>
-<p:properties xmlns:p="http://schemas.microsoft.com/office/2006/metadata/properties" xmlns:xsi="http://www.w3.org/2001/XMLSchema-instance" xmlns:pc="http://schemas.microsoft.com/office/infopath/2007/PartnerControls">
-  <documentManagement/>
-</p:properties>
+<?mso-contentType ?>
+<FormTemplates xmlns="http://schemas.microsoft.com/sharepoint/v3/contenttype/forms">
+  <Display>DocumentLibraryForm</Display>
+  <Edit>DocumentLibraryForm</Edit>
+  <New>DocumentLibraryForm</New>
+</FormTemplates>
 </file>
 
 <file path=customXml/itemProps1.xml><?xml version="1.0" encoding="utf-8"?>
-<ds:datastoreItem xmlns:ds="http://schemas.openxmlformats.org/officeDocument/2006/customXml" ds:itemID="{19E20559-B232-4371-8690-E3D8007EDB82}">
+<ds:datastoreItem xmlns:ds="http://schemas.openxmlformats.org/officeDocument/2006/customXml" ds:itemID="{A50EC660-24D0-43A0-AE5E-E274115E726B}">
   <ds:schemaRefs>
-    <ds:schemaRef ds:uri="http://schemas.microsoft.com/sharepoint/v3/contenttype/forms"/>
+    <ds:schemaRef ds:uri="http://purl.org/dc/elements/1.1/"/>
+    <ds:schemaRef ds:uri="http://schemas.microsoft.com/office/2006/metadata/properties"/>
+    <ds:schemaRef ds:uri="http://purl.org/dc/terms/"/>
+    <ds:schemaRef ds:uri="http://schemas.openxmlformats.org/package/2006/metadata/core-properties"/>
+    <ds:schemaRef ds:uri="http://schemas.microsoft.com/office/2006/documentManagement/types"/>
+    <ds:schemaRef ds:uri="http://www.w3.org/XML/1998/namespace"/>
+    <ds:schemaRef ds:uri="http://purl.org/dc/dcmitype/"/>
+    <ds:schemaRef ds:uri="http://schemas.microsoft.com/office/infopath/2007/PartnerControls"/>
   </ds:schemaRefs>
 </ds:datastoreItem>
 </file>
@@ -16030,16 +16043,9 @@
 </file>
 
 <file path=customXml/itemProps3.xml><?xml version="1.0" encoding="utf-8"?>
-<ds:datastoreItem xmlns:ds="http://schemas.openxmlformats.org/officeDocument/2006/customXml" ds:itemID="{A50EC660-24D0-43A0-AE5E-E274115E726B}">
+<ds:datastoreItem xmlns:ds="http://schemas.openxmlformats.org/officeDocument/2006/customXml" ds:itemID="{19E20559-B232-4371-8690-E3D8007EDB82}">
   <ds:schemaRefs>
-    <ds:schemaRef ds:uri="http://purl.org/dc/elements/1.1/"/>
-    <ds:schemaRef ds:uri="http://schemas.microsoft.com/office/2006/metadata/properties"/>
-    <ds:schemaRef ds:uri="http://purl.org/dc/terms/"/>
-    <ds:schemaRef ds:uri="http://schemas.openxmlformats.org/package/2006/metadata/core-properties"/>
-    <ds:schemaRef ds:uri="http://schemas.microsoft.com/office/2006/documentManagement/types"/>
-    <ds:schemaRef ds:uri="http://www.w3.org/XML/1998/namespace"/>
-    <ds:schemaRef ds:uri="http://purl.org/dc/dcmitype/"/>
-    <ds:schemaRef ds:uri="http://schemas.microsoft.com/office/infopath/2007/PartnerControls"/>
+    <ds:schemaRef ds:uri="http://schemas.microsoft.com/sharepoint/v3/contenttype/forms"/>
   </ds:schemaRefs>
 </ds:datastoreItem>
 </file>
--- a/git-workflows.pptx
+++ b/git-workflows.pptx
@@ -5,37 +5,39 @@
     <p:sldMasterId id="2147483935" r:id="rId4"/>
   </p:sldMasterIdLst>
   <p:notesMasterIdLst>
-    <p:notesMasterId r:id="rId30"/>
+    <p:notesMasterId r:id="rId32"/>
   </p:notesMasterIdLst>
   <p:handoutMasterIdLst>
-    <p:handoutMasterId r:id="rId31"/>
+    <p:handoutMasterId r:id="rId33"/>
   </p:handoutMasterIdLst>
   <p:sldIdLst>
     <p:sldId id="523" r:id="rId5"/>
     <p:sldId id="320" r:id="rId6"/>
     <p:sldId id="546" r:id="rId7"/>
-    <p:sldId id="309" r:id="rId8"/>
-    <p:sldId id="313" r:id="rId9"/>
-    <p:sldId id="544" r:id="rId10"/>
-    <p:sldId id="314" r:id="rId11"/>
-    <p:sldId id="327" r:id="rId12"/>
-    <p:sldId id="315" r:id="rId13"/>
-    <p:sldId id="316" r:id="rId14"/>
-    <p:sldId id="317" r:id="rId15"/>
-    <p:sldId id="321" r:id="rId16"/>
-    <p:sldId id="545" r:id="rId17"/>
-    <p:sldId id="531" r:id="rId18"/>
-    <p:sldId id="556" r:id="rId19"/>
-    <p:sldId id="557" r:id="rId20"/>
-    <p:sldId id="548" r:id="rId21"/>
-    <p:sldId id="325" r:id="rId22"/>
-    <p:sldId id="326" r:id="rId23"/>
-    <p:sldId id="332" r:id="rId24"/>
-    <p:sldId id="550" r:id="rId25"/>
-    <p:sldId id="323" r:id="rId26"/>
-    <p:sldId id="551" r:id="rId27"/>
-    <p:sldId id="553" r:id="rId28"/>
-    <p:sldId id="333" r:id="rId29"/>
+    <p:sldId id="558" r:id="rId8"/>
+    <p:sldId id="309" r:id="rId9"/>
+    <p:sldId id="313" r:id="rId10"/>
+    <p:sldId id="544" r:id="rId11"/>
+    <p:sldId id="314" r:id="rId12"/>
+    <p:sldId id="327" r:id="rId13"/>
+    <p:sldId id="315" r:id="rId14"/>
+    <p:sldId id="316" r:id="rId15"/>
+    <p:sldId id="317" r:id="rId16"/>
+    <p:sldId id="321" r:id="rId17"/>
+    <p:sldId id="545" r:id="rId18"/>
+    <p:sldId id="531" r:id="rId19"/>
+    <p:sldId id="556" r:id="rId20"/>
+    <p:sldId id="557" r:id="rId21"/>
+    <p:sldId id="548" r:id="rId22"/>
+    <p:sldId id="325" r:id="rId23"/>
+    <p:sldId id="326" r:id="rId24"/>
+    <p:sldId id="332" r:id="rId25"/>
+    <p:sldId id="333" r:id="rId26"/>
+    <p:sldId id="559" r:id="rId27"/>
+    <p:sldId id="550" r:id="rId28"/>
+    <p:sldId id="323" r:id="rId29"/>
+    <p:sldId id="551" r:id="rId30"/>
+    <p:sldId id="553" r:id="rId31"/>
   </p:sldIdLst>
   <p:sldSz cx="12188825" cy="6858000"/>
   <p:notesSz cx="7010400" cy="9296400"/>
@@ -279,7 +281,7 @@
           <a:p>
             <a:fld id="{0B842F42-2CE9-4E35-95C1-410DC08A50B1}" type="datetimeFigureOut">
               <a:rPr lang="en-US" smtClean="0"/>
-              <a:t>3/25/2022</a:t>
+              <a:t>5/17/22</a:t>
             </a:fld>
             <a:endParaRPr lang="en-US"/>
           </a:p>
@@ -444,7 +446,7 @@
           <a:p>
             <a:fld id="{6F282904-F315-4730-8D91-37D99E141A6F}" type="datetimeFigureOut">
               <a:rPr lang="en-US" smtClean="0"/>
-              <a:t>3/25/2022</a:t>
+              <a:t>5/17/22</a:t>
             </a:fld>
             <a:endParaRPr lang="en-US"/>
           </a:p>
@@ -839,23 +841,6 @@
           <a:bodyPr/>
           <a:lstStyle/>
           <a:p>
-            <a:pPr marL="0" marR="0" lvl="0" indent="0" algn="l" defTabSz="914400" rtl="0" eaLnBrk="1" fontAlgn="auto" latinLnBrk="0" hangingPunct="1">
-              <a:lnSpc>
-                <a:spcPct val="100000"/>
-              </a:lnSpc>
-              <a:spcBef>
-                <a:spcPts val="0"/>
-              </a:spcBef>
-              <a:spcAft>
-                <a:spcPts val="0"/>
-              </a:spcAft>
-              <a:buClrTx/>
-              <a:buSzTx/>
-              <a:buFontTx/>
-              <a:buNone/>
-              <a:tabLst/>
-              <a:defRPr/>
-            </a:pPr>
             <a:endParaRPr lang="en-US" dirty="0"/>
           </a:p>
         </p:txBody>
@@ -886,7 +871,7 @@
     </p:spTree>
     <p:extLst>
       <p:ext uri="{BB962C8B-B14F-4D97-AF65-F5344CB8AC3E}">
-        <p14:creationId xmlns:p14="http://schemas.microsoft.com/office/powerpoint/2010/main" val="36497045"/>
+        <p14:creationId xmlns:p14="http://schemas.microsoft.com/office/powerpoint/2010/main" val="3475076490"/>
       </p:ext>
     </p:extLst>
   </p:cSld>
@@ -940,6 +925,23 @@
           <a:bodyPr/>
           <a:lstStyle/>
           <a:p>
+            <a:pPr marL="0" marR="0" lvl="0" indent="0" algn="l" defTabSz="914400" rtl="0" eaLnBrk="1" fontAlgn="auto" latinLnBrk="0" hangingPunct="1">
+              <a:lnSpc>
+                <a:spcPct val="100000"/>
+              </a:lnSpc>
+              <a:spcBef>
+                <a:spcPts val="0"/>
+              </a:spcBef>
+              <a:spcAft>
+                <a:spcPts val="0"/>
+              </a:spcAft>
+              <a:buClrTx/>
+              <a:buSzTx/>
+              <a:buFontTx/>
+              <a:buNone/>
+              <a:tabLst/>
+              <a:defRPr/>
+            </a:pPr>
             <a:endParaRPr lang="en-US" dirty="0"/>
           </a:p>
         </p:txBody>
@@ -970,7 +972,7 @@
     </p:spTree>
     <p:extLst>
       <p:ext uri="{BB962C8B-B14F-4D97-AF65-F5344CB8AC3E}">
-        <p14:creationId xmlns:p14="http://schemas.microsoft.com/office/powerpoint/2010/main" val="4077151903"/>
+        <p14:creationId xmlns:p14="http://schemas.microsoft.com/office/powerpoint/2010/main" val="36497045"/>
       </p:ext>
     </p:extLst>
   </p:cSld>
@@ -1035,7 +1037,7 @@
             <a:spLocks noGrp="1"/>
           </p:cNvSpPr>
           <p:nvPr>
-            <p:ph type="sldNum" sz="quarter" idx="5"/>
+            <p:ph type="sldNum" sz="quarter" idx="10"/>
           </p:nvPr>
         </p:nvSpPr>
         <p:spPr/>
@@ -1054,7 +1056,7 @@
     </p:spTree>
     <p:extLst>
       <p:ext uri="{BB962C8B-B14F-4D97-AF65-F5344CB8AC3E}">
-        <p14:creationId xmlns:p14="http://schemas.microsoft.com/office/powerpoint/2010/main" val="684371905"/>
+        <p14:creationId xmlns:p14="http://schemas.microsoft.com/office/powerpoint/2010/main" val="4077151903"/>
       </p:ext>
     </p:extLst>
   </p:cSld>
@@ -1138,7 +1140,7 @@
     </p:spTree>
     <p:extLst>
       <p:ext uri="{BB962C8B-B14F-4D97-AF65-F5344CB8AC3E}">
-        <p14:creationId xmlns:p14="http://schemas.microsoft.com/office/powerpoint/2010/main" val="2285743619"/>
+        <p14:creationId xmlns:p14="http://schemas.microsoft.com/office/powerpoint/2010/main" val="684371905"/>
       </p:ext>
     </p:extLst>
   </p:cSld>
@@ -1222,7 +1224,7 @@
     </p:spTree>
     <p:extLst>
       <p:ext uri="{BB962C8B-B14F-4D97-AF65-F5344CB8AC3E}">
-        <p14:creationId xmlns:p14="http://schemas.microsoft.com/office/powerpoint/2010/main" val="2529012435"/>
+        <p14:creationId xmlns:p14="http://schemas.microsoft.com/office/powerpoint/2010/main" val="2285743619"/>
       </p:ext>
     </p:extLst>
   </p:cSld>
@@ -1306,7 +1308,7 @@
     </p:spTree>
     <p:extLst>
       <p:ext uri="{BB962C8B-B14F-4D97-AF65-F5344CB8AC3E}">
-        <p14:creationId xmlns:p14="http://schemas.microsoft.com/office/powerpoint/2010/main" val="3432239174"/>
+        <p14:creationId xmlns:p14="http://schemas.microsoft.com/office/powerpoint/2010/main" val="2529012435"/>
       </p:ext>
     </p:extLst>
   </p:cSld>
@@ -1381,7 +1383,7 @@
           <a:p>
             <a:fld id="{54E672D7-8E2D-4611-973D-F4591A707C34}" type="slidenum">
               <a:rPr lang="en-US" smtClean="0"/>
-              <a:t>18</a:t>
+              <a:t>17</a:t>
             </a:fld>
             <a:endParaRPr lang="en-US"/>
           </a:p>
@@ -1390,7 +1392,7 @@
     </p:spTree>
     <p:extLst>
       <p:ext uri="{BB962C8B-B14F-4D97-AF65-F5344CB8AC3E}">
-        <p14:creationId xmlns:p14="http://schemas.microsoft.com/office/powerpoint/2010/main" val="1768817477"/>
+        <p14:creationId xmlns:p14="http://schemas.microsoft.com/office/powerpoint/2010/main" val="3432239174"/>
       </p:ext>
     </p:extLst>
   </p:cSld>
@@ -1455,7 +1457,7 @@
             <a:spLocks noGrp="1"/>
           </p:cNvSpPr>
           <p:nvPr>
-            <p:ph type="sldNum" sz="quarter" idx="10"/>
+            <p:ph type="sldNum" sz="quarter" idx="5"/>
           </p:nvPr>
         </p:nvSpPr>
         <p:spPr/>
@@ -1474,7 +1476,7 @@
     </p:spTree>
     <p:extLst>
       <p:ext uri="{BB962C8B-B14F-4D97-AF65-F5344CB8AC3E}">
-        <p14:creationId xmlns:p14="http://schemas.microsoft.com/office/powerpoint/2010/main" val="2295497643"/>
+        <p14:creationId xmlns:p14="http://schemas.microsoft.com/office/powerpoint/2010/main" val="1768817477"/>
       </p:ext>
     </p:extLst>
   </p:cSld>
@@ -1558,7 +1560,7 @@
     </p:spTree>
     <p:extLst>
       <p:ext uri="{BB962C8B-B14F-4D97-AF65-F5344CB8AC3E}">
-        <p14:creationId xmlns:p14="http://schemas.microsoft.com/office/powerpoint/2010/main" val="3622371461"/>
+        <p14:creationId xmlns:p14="http://schemas.microsoft.com/office/powerpoint/2010/main" val="2295497643"/>
       </p:ext>
     </p:extLst>
   </p:cSld>
@@ -1612,249 +1614,6 @@
           <a:bodyPr/>
           <a:lstStyle/>
           <a:p>
-            <a:r>
-              <a:rPr lang="en-US" sz="1200" b="0" i="1" kern="1200" dirty="0">
-                <a:solidFill>
-                  <a:schemeClr val="tx1"/>
-                </a:solidFill>
-                <a:effectLst/>
-                <a:latin typeface="+mn-lt"/>
-                <a:ea typeface="+mn-ea"/>
-                <a:cs typeface="+mn-cs"/>
-              </a:rPr>
-              <a:t>From the website: </a:t>
-            </a:r>
-            <a:br>
-              <a:rPr lang="en-US" sz="1200" b="0" i="1" kern="1200" dirty="0">
-                <a:solidFill>
-                  <a:schemeClr val="tx1"/>
-                </a:solidFill>
-                <a:effectLst/>
-                <a:latin typeface="+mn-lt"/>
-                <a:ea typeface="+mn-ea"/>
-                <a:cs typeface="+mn-cs"/>
-              </a:rPr>
-            </a:br>
-            <a:r>
-              <a:rPr lang="en-US" sz="1200" b="0" i="1" kern="1200" dirty="0">
-                <a:solidFill>
-                  <a:schemeClr val="tx1"/>
-                </a:solidFill>
-                <a:effectLst/>
-                <a:latin typeface="+mn-lt"/>
-                <a:ea typeface="+mn-ea"/>
-                <a:cs typeface="+mn-cs"/>
-              </a:rPr>
-              <a:t>The </a:t>
-            </a:r>
-            <a:r>
-              <a:rPr lang="en-US" sz="1200" b="0" i="1" kern="1200" dirty="0" err="1">
-                <a:solidFill>
-                  <a:schemeClr val="tx1"/>
-                </a:solidFill>
-                <a:effectLst/>
-                <a:latin typeface="+mn-lt"/>
-                <a:ea typeface="+mn-ea"/>
-                <a:cs typeface="+mn-cs"/>
-              </a:rPr>
-              <a:t>Trilinos</a:t>
-            </a:r>
-            <a:r>
-              <a:rPr lang="en-US" sz="1200" b="0" i="1" kern="1200" dirty="0">
-                <a:solidFill>
-                  <a:schemeClr val="tx1"/>
-                </a:solidFill>
-                <a:effectLst/>
-                <a:latin typeface="+mn-lt"/>
-                <a:ea typeface="+mn-ea"/>
-                <a:cs typeface="+mn-cs"/>
-              </a:rPr>
-              <a:t> Project is a community of developers, users and </a:t>
-            </a:r>
-            <a:r>
-              <a:rPr lang="en-US" sz="1200" b="0" i="1" u="none" strike="noStrike" kern="1200" dirty="0">
-                <a:solidFill>
-                  <a:schemeClr val="tx1"/>
-                </a:solidFill>
-                <a:effectLst/>
-                <a:latin typeface="+mn-lt"/>
-                <a:ea typeface="+mn-ea"/>
-                <a:cs typeface="+mn-cs"/>
-                <a:hlinkClick r:id="rId3"/>
-              </a:rPr>
-              <a:t>user-developers</a:t>
-            </a:r>
-            <a:r>
-              <a:rPr lang="en-US" sz="1200" b="0" i="1" kern="1200" dirty="0">
-                <a:solidFill>
-                  <a:schemeClr val="tx1"/>
-                </a:solidFill>
-                <a:effectLst/>
-                <a:latin typeface="+mn-lt"/>
-                <a:ea typeface="+mn-ea"/>
-                <a:cs typeface="+mn-cs"/>
-              </a:rPr>
-              <a:t> focused on collaborative creation of algorithms and enabling technologies within an object-oriented software framework for the solution of large-scale, complex multi-physics engineering and scientific problems on new and emerging high-performance computing (HPC) architectures.</a:t>
-            </a:r>
-          </a:p>
-          <a:p>
-            <a:br>
-              <a:rPr lang="en-US" dirty="0"/>
-            </a:br>
-            <a:r>
-              <a:rPr lang="en-US" sz="1200" b="0" i="1" kern="1200" dirty="0" err="1">
-                <a:solidFill>
-                  <a:schemeClr val="tx1"/>
-                </a:solidFill>
-                <a:effectLst/>
-                <a:latin typeface="+mn-lt"/>
-                <a:ea typeface="+mn-ea"/>
-                <a:cs typeface="+mn-cs"/>
-              </a:rPr>
-              <a:t>Trilinos</a:t>
-            </a:r>
-            <a:r>
-              <a:rPr lang="en-US" sz="1200" b="0" i="1" kern="1200" dirty="0">
-                <a:solidFill>
-                  <a:schemeClr val="tx1"/>
-                </a:solidFill>
-                <a:effectLst/>
-                <a:latin typeface="+mn-lt"/>
-                <a:ea typeface="+mn-ea"/>
-                <a:cs typeface="+mn-cs"/>
-              </a:rPr>
-              <a:t> is also a collection of reusable scientific software libraries, known in particular for </a:t>
-            </a:r>
-            <a:r>
-              <a:rPr lang="en-US" sz="1200" b="0" i="1" u="none" strike="noStrike" kern="1200" dirty="0">
-                <a:solidFill>
-                  <a:schemeClr val="tx1"/>
-                </a:solidFill>
-                <a:effectLst/>
-                <a:latin typeface="+mn-lt"/>
-                <a:ea typeface="+mn-ea"/>
-                <a:cs typeface="+mn-cs"/>
-                <a:hlinkClick r:id="rId3"/>
-              </a:rPr>
-              <a:t>linear solvers</a:t>
-            </a:r>
-            <a:r>
-              <a:rPr lang="en-US" sz="1200" b="0" i="1" kern="1200" dirty="0">
-                <a:solidFill>
-                  <a:schemeClr val="tx1"/>
-                </a:solidFill>
-                <a:effectLst/>
-                <a:latin typeface="+mn-lt"/>
-                <a:ea typeface="+mn-ea"/>
-                <a:cs typeface="+mn-cs"/>
-              </a:rPr>
-              <a:t>, </a:t>
-            </a:r>
-            <a:r>
-              <a:rPr lang="en-US" sz="1200" b="0" i="1" u="none" strike="noStrike" kern="1200" dirty="0">
-                <a:solidFill>
-                  <a:schemeClr val="tx1"/>
-                </a:solidFill>
-                <a:effectLst/>
-                <a:latin typeface="+mn-lt"/>
-                <a:ea typeface="+mn-ea"/>
-                <a:cs typeface="+mn-cs"/>
-                <a:hlinkClick r:id="rId3"/>
-              </a:rPr>
-              <a:t>non-linear solvers</a:t>
-            </a:r>
-            <a:r>
-              <a:rPr lang="en-US" sz="1200" b="0" i="1" kern="1200" dirty="0">
-                <a:solidFill>
-                  <a:schemeClr val="tx1"/>
-                </a:solidFill>
-                <a:effectLst/>
-                <a:latin typeface="+mn-lt"/>
-                <a:ea typeface="+mn-ea"/>
-                <a:cs typeface="+mn-cs"/>
-              </a:rPr>
-              <a:t>, </a:t>
-            </a:r>
-            <a:r>
-              <a:rPr lang="en-US" sz="1200" b="0" i="1" u="none" strike="noStrike" kern="1200" dirty="0">
-                <a:solidFill>
-                  <a:schemeClr val="tx1"/>
-                </a:solidFill>
-                <a:effectLst/>
-                <a:latin typeface="+mn-lt"/>
-                <a:ea typeface="+mn-ea"/>
-                <a:cs typeface="+mn-cs"/>
-                <a:hlinkClick r:id="rId3"/>
-              </a:rPr>
-              <a:t>transient solvers</a:t>
-            </a:r>
-            <a:r>
-              <a:rPr lang="en-US" sz="1200" b="0" i="1" kern="1200" dirty="0">
-                <a:solidFill>
-                  <a:schemeClr val="tx1"/>
-                </a:solidFill>
-                <a:effectLst/>
-                <a:latin typeface="+mn-lt"/>
-                <a:ea typeface="+mn-ea"/>
-                <a:cs typeface="+mn-cs"/>
-              </a:rPr>
-              <a:t>, </a:t>
-            </a:r>
-            <a:r>
-              <a:rPr lang="en-US" sz="1200" b="0" i="1" u="none" strike="noStrike" kern="1200" dirty="0">
-                <a:solidFill>
-                  <a:schemeClr val="tx1"/>
-                </a:solidFill>
-                <a:effectLst/>
-                <a:latin typeface="+mn-lt"/>
-                <a:ea typeface="+mn-ea"/>
-                <a:cs typeface="+mn-cs"/>
-                <a:hlinkClick r:id="rId3"/>
-              </a:rPr>
-              <a:t>optimization solvers</a:t>
-            </a:r>
-            <a:r>
-              <a:rPr lang="en-US" sz="1200" b="0" i="1" kern="1200" dirty="0">
-                <a:solidFill>
-                  <a:schemeClr val="tx1"/>
-                </a:solidFill>
-                <a:effectLst/>
-                <a:latin typeface="+mn-lt"/>
-                <a:ea typeface="+mn-ea"/>
-                <a:cs typeface="+mn-cs"/>
-              </a:rPr>
-              <a:t>, and </a:t>
-            </a:r>
-            <a:r>
-              <a:rPr lang="en-US" sz="1200" b="0" i="1" u="none" strike="noStrike" kern="1200" dirty="0">
-                <a:solidFill>
-                  <a:schemeClr val="tx1"/>
-                </a:solidFill>
-                <a:effectLst/>
-                <a:latin typeface="+mn-lt"/>
-                <a:ea typeface="+mn-ea"/>
-                <a:cs typeface="+mn-cs"/>
-                <a:hlinkClick r:id="rId3"/>
-              </a:rPr>
-              <a:t>uncertainty quantification (UQ) solvers</a:t>
-            </a:r>
-            <a:r>
-              <a:rPr lang="en-US" sz="1200" b="0" i="1" kern="1200" dirty="0">
-                <a:solidFill>
-                  <a:schemeClr val="tx1"/>
-                </a:solidFill>
-                <a:effectLst/>
-                <a:latin typeface="+mn-lt"/>
-                <a:ea typeface="+mn-ea"/>
-                <a:cs typeface="+mn-cs"/>
-              </a:rPr>
-              <a:t>.</a:t>
-            </a:r>
-          </a:p>
-          <a:p>
-            <a:br>
-              <a:rPr lang="en-US" dirty="0"/>
-            </a:br>
             <a:endParaRPr lang="en-US" dirty="0"/>
           </a:p>
         </p:txBody>
@@ -1876,7 +1635,7 @@
           <a:p>
             <a:fld id="{54E672D7-8E2D-4611-973D-F4591A707C34}" type="slidenum">
               <a:rPr lang="en-US" smtClean="0"/>
-              <a:t>22</a:t>
+              <a:t>21</a:t>
             </a:fld>
             <a:endParaRPr lang="en-US"/>
           </a:p>
@@ -1885,7 +1644,7 @@
     </p:spTree>
     <p:extLst>
       <p:ext uri="{BB962C8B-B14F-4D97-AF65-F5344CB8AC3E}">
-        <p14:creationId xmlns:p14="http://schemas.microsoft.com/office/powerpoint/2010/main" val="2902190238"/>
+        <p14:creationId xmlns:p14="http://schemas.microsoft.com/office/powerpoint/2010/main" val="3622371461"/>
       </p:ext>
     </p:extLst>
   </p:cSld>
@@ -2023,37 +1782,6 @@
           <a:bodyPr/>
           <a:lstStyle/>
           <a:p>
-            <a:pPr marL="0" marR="0" lvl="0" indent="0" algn="l" defTabSz="914400" rtl="0" eaLnBrk="1" fontAlgn="auto" latinLnBrk="0" hangingPunct="1">
-              <a:lnSpc>
-                <a:spcPct val="100000"/>
-              </a:lnSpc>
-              <a:spcBef>
-                <a:spcPts val="0"/>
-              </a:spcBef>
-              <a:spcAft>
-                <a:spcPts val="0"/>
-              </a:spcAft>
-              <a:buClrTx/>
-              <a:buSzTx/>
-              <a:buFontTx/>
-              <a:buNone/>
-              <a:tabLst/>
-              <a:defRPr/>
-            </a:pPr>
-            <a:r>
-              <a:rPr lang="en-US" sz="1200" b="1" i="0" kern="1200" dirty="0">
-                <a:solidFill>
-                  <a:schemeClr val="tx1"/>
-                </a:solidFill>
-                <a:effectLst/>
-                <a:latin typeface="+mn-lt"/>
-                <a:ea typeface="+mn-ea"/>
-                <a:cs typeface="+mn-cs"/>
-              </a:rPr>
-              <a:t>A High Performance Message Passing Library</a:t>
-            </a:r>
-          </a:p>
-          <a:p>
             <a:endParaRPr lang="en-US" dirty="0"/>
           </a:p>
         </p:txBody>
@@ -2065,7 +1793,7 @@
             <a:spLocks noGrp="1"/>
           </p:cNvSpPr>
           <p:nvPr>
-            <p:ph type="sldNum" sz="quarter" idx="10"/>
+            <p:ph type="sldNum" sz="quarter" idx="5"/>
           </p:nvPr>
         </p:nvSpPr>
         <p:spPr/>
@@ -2075,7 +1803,7 @@
           <a:p>
             <a:fld id="{54E672D7-8E2D-4611-973D-F4591A707C34}" type="slidenum">
               <a:rPr lang="en-US" smtClean="0"/>
-              <a:t>23</a:t>
+              <a:t>22</a:t>
             </a:fld>
             <a:endParaRPr lang="en-US"/>
           </a:p>
@@ -2084,7 +1812,7 @@
     </p:spTree>
     <p:extLst>
       <p:ext uri="{BB962C8B-B14F-4D97-AF65-F5344CB8AC3E}">
-        <p14:creationId xmlns:p14="http://schemas.microsoft.com/office/powerpoint/2010/main" val="2825016049"/>
+        <p14:creationId xmlns:p14="http://schemas.microsoft.com/office/powerpoint/2010/main" val="851694872"/>
       </p:ext>
     </p:extLst>
   </p:cSld>
@@ -2138,44 +1866,6 @@
           <a:bodyPr/>
           <a:lstStyle/>
           <a:p>
-            <a:r>
-              <a:rPr lang="en-US" sz="1200" b="0" i="0" kern="1200" dirty="0" err="1">
-                <a:solidFill>
-                  <a:schemeClr val="tx1"/>
-                </a:solidFill>
-                <a:effectLst/>
-                <a:latin typeface="+mn-lt"/>
-                <a:ea typeface="+mn-ea"/>
-                <a:cs typeface="+mn-cs"/>
-              </a:rPr>
-              <a:t>FleCSI</a:t>
-            </a:r>
-            <a:r>
-              <a:rPr lang="en-US" sz="1200" b="0" i="0" kern="1200" dirty="0">
-                <a:solidFill>
-                  <a:schemeClr val="tx1"/>
-                </a:solidFill>
-                <a:effectLst/>
-                <a:latin typeface="+mn-lt"/>
-                <a:ea typeface="+mn-ea"/>
-                <a:cs typeface="+mn-cs"/>
-              </a:rPr>
-              <a:t> is a compile-time configurable framework designed to support multi-physics application development for current and emerging HPC systems.</a:t>
-            </a:r>
-          </a:p>
-          <a:p>
-            <a:r>
-              <a:rPr lang="en-US" sz="1200" b="0" i="0" kern="1200" dirty="0">
-                <a:solidFill>
-                  <a:schemeClr val="tx1"/>
-                </a:solidFill>
-                <a:effectLst/>
-                <a:latin typeface="+mn-lt"/>
-                <a:ea typeface="+mn-ea"/>
-                <a:cs typeface="+mn-cs"/>
-              </a:rPr>
-              <a:t>In the diagram there is a 1.x branch only for new releases,  an initial 1.0 release branch with tag 1.0.0 as the initial release and tags 1.0.1, 1.0.2 for bug fixes, when 1.1 feature is release again an initial tag 1.1.0, then bug fix release tags 1.1.1 &amp; 1.1.2 etc. Once a major version goes into maintenance mode and a new major feature branch begins; in this case 2.x and like branches and tags are created for 2.x </a:t>
-            </a:r>
             <a:endParaRPr lang="en-US" dirty="0"/>
           </a:p>
         </p:txBody>
@@ -2187,7 +1877,7 @@
             <a:spLocks noGrp="1"/>
           </p:cNvSpPr>
           <p:nvPr>
-            <p:ph type="sldNum" sz="quarter" idx="10"/>
+            <p:ph type="sldNum" sz="quarter" idx="5"/>
           </p:nvPr>
         </p:nvSpPr>
         <p:spPr/>
@@ -2197,7 +1887,7 @@
           <a:p>
             <a:fld id="{54E672D7-8E2D-4611-973D-F4591A707C34}" type="slidenum">
               <a:rPr lang="en-US" smtClean="0"/>
-              <a:t>24</a:t>
+              <a:t>23</a:t>
             </a:fld>
             <a:endParaRPr lang="en-US"/>
           </a:p>
@@ -2206,7 +1896,7 @@
     </p:spTree>
     <p:extLst>
       <p:ext uri="{BB962C8B-B14F-4D97-AF65-F5344CB8AC3E}">
-        <p14:creationId xmlns:p14="http://schemas.microsoft.com/office/powerpoint/2010/main" val="3016390096"/>
+        <p14:creationId xmlns:p14="http://schemas.microsoft.com/office/powerpoint/2010/main" val="1489992297"/>
       </p:ext>
     </p:extLst>
   </p:cSld>
@@ -2260,6 +1950,249 @@
           <a:bodyPr/>
           <a:lstStyle/>
           <a:p>
+            <a:r>
+              <a:rPr lang="en-US" sz="1200" b="0" i="1" kern="1200" dirty="0">
+                <a:solidFill>
+                  <a:schemeClr val="tx1"/>
+                </a:solidFill>
+                <a:effectLst/>
+                <a:latin typeface="+mn-lt"/>
+                <a:ea typeface="+mn-ea"/>
+                <a:cs typeface="+mn-cs"/>
+              </a:rPr>
+              <a:t>From the website: </a:t>
+            </a:r>
+            <a:br>
+              <a:rPr lang="en-US" sz="1200" b="0" i="1" kern="1200" dirty="0">
+                <a:solidFill>
+                  <a:schemeClr val="tx1"/>
+                </a:solidFill>
+                <a:effectLst/>
+                <a:latin typeface="+mn-lt"/>
+                <a:ea typeface="+mn-ea"/>
+                <a:cs typeface="+mn-cs"/>
+              </a:rPr>
+            </a:br>
+            <a:r>
+              <a:rPr lang="en-US" sz="1200" b="0" i="1" kern="1200" dirty="0">
+                <a:solidFill>
+                  <a:schemeClr val="tx1"/>
+                </a:solidFill>
+                <a:effectLst/>
+                <a:latin typeface="+mn-lt"/>
+                <a:ea typeface="+mn-ea"/>
+                <a:cs typeface="+mn-cs"/>
+              </a:rPr>
+              <a:t>The </a:t>
+            </a:r>
+            <a:r>
+              <a:rPr lang="en-US" sz="1200" b="0" i="1" kern="1200" dirty="0" err="1">
+                <a:solidFill>
+                  <a:schemeClr val="tx1"/>
+                </a:solidFill>
+                <a:effectLst/>
+                <a:latin typeface="+mn-lt"/>
+                <a:ea typeface="+mn-ea"/>
+                <a:cs typeface="+mn-cs"/>
+              </a:rPr>
+              <a:t>Trilinos</a:t>
+            </a:r>
+            <a:r>
+              <a:rPr lang="en-US" sz="1200" b="0" i="1" kern="1200" dirty="0">
+                <a:solidFill>
+                  <a:schemeClr val="tx1"/>
+                </a:solidFill>
+                <a:effectLst/>
+                <a:latin typeface="+mn-lt"/>
+                <a:ea typeface="+mn-ea"/>
+                <a:cs typeface="+mn-cs"/>
+              </a:rPr>
+              <a:t> Project is a community of developers, users and </a:t>
+            </a:r>
+            <a:r>
+              <a:rPr lang="en-US" sz="1200" b="0" i="1" u="none" strike="noStrike" kern="1200" dirty="0">
+                <a:solidFill>
+                  <a:schemeClr val="tx1"/>
+                </a:solidFill>
+                <a:effectLst/>
+                <a:latin typeface="+mn-lt"/>
+                <a:ea typeface="+mn-ea"/>
+                <a:cs typeface="+mn-cs"/>
+                <a:hlinkClick r:id="rId3"/>
+              </a:rPr>
+              <a:t>user-developers</a:t>
+            </a:r>
+            <a:r>
+              <a:rPr lang="en-US" sz="1200" b="0" i="1" kern="1200" dirty="0">
+                <a:solidFill>
+                  <a:schemeClr val="tx1"/>
+                </a:solidFill>
+                <a:effectLst/>
+                <a:latin typeface="+mn-lt"/>
+                <a:ea typeface="+mn-ea"/>
+                <a:cs typeface="+mn-cs"/>
+              </a:rPr>
+              <a:t> focused on collaborative creation of algorithms and enabling technologies within an object-oriented software framework for the solution of large-scale, complex multi-physics engineering and scientific problems on new and emerging high-performance computing (HPC) architectures.</a:t>
+            </a:r>
+          </a:p>
+          <a:p>
+            <a:br>
+              <a:rPr lang="en-US" dirty="0"/>
+            </a:br>
+            <a:r>
+              <a:rPr lang="en-US" sz="1200" b="0" i="1" kern="1200" dirty="0" err="1">
+                <a:solidFill>
+                  <a:schemeClr val="tx1"/>
+                </a:solidFill>
+                <a:effectLst/>
+                <a:latin typeface="+mn-lt"/>
+                <a:ea typeface="+mn-ea"/>
+                <a:cs typeface="+mn-cs"/>
+              </a:rPr>
+              <a:t>Trilinos</a:t>
+            </a:r>
+            <a:r>
+              <a:rPr lang="en-US" sz="1200" b="0" i="1" kern="1200" dirty="0">
+                <a:solidFill>
+                  <a:schemeClr val="tx1"/>
+                </a:solidFill>
+                <a:effectLst/>
+                <a:latin typeface="+mn-lt"/>
+                <a:ea typeface="+mn-ea"/>
+                <a:cs typeface="+mn-cs"/>
+              </a:rPr>
+              <a:t> is also a collection of reusable scientific software libraries, known in particular for </a:t>
+            </a:r>
+            <a:r>
+              <a:rPr lang="en-US" sz="1200" b="0" i="1" u="none" strike="noStrike" kern="1200" dirty="0">
+                <a:solidFill>
+                  <a:schemeClr val="tx1"/>
+                </a:solidFill>
+                <a:effectLst/>
+                <a:latin typeface="+mn-lt"/>
+                <a:ea typeface="+mn-ea"/>
+                <a:cs typeface="+mn-cs"/>
+                <a:hlinkClick r:id="rId3"/>
+              </a:rPr>
+              <a:t>linear solvers</a:t>
+            </a:r>
+            <a:r>
+              <a:rPr lang="en-US" sz="1200" b="0" i="1" kern="1200" dirty="0">
+                <a:solidFill>
+                  <a:schemeClr val="tx1"/>
+                </a:solidFill>
+                <a:effectLst/>
+                <a:latin typeface="+mn-lt"/>
+                <a:ea typeface="+mn-ea"/>
+                <a:cs typeface="+mn-cs"/>
+              </a:rPr>
+              <a:t>, </a:t>
+            </a:r>
+            <a:r>
+              <a:rPr lang="en-US" sz="1200" b="0" i="1" u="none" strike="noStrike" kern="1200" dirty="0">
+                <a:solidFill>
+                  <a:schemeClr val="tx1"/>
+                </a:solidFill>
+                <a:effectLst/>
+                <a:latin typeface="+mn-lt"/>
+                <a:ea typeface="+mn-ea"/>
+                <a:cs typeface="+mn-cs"/>
+                <a:hlinkClick r:id="rId3"/>
+              </a:rPr>
+              <a:t>non-linear solvers</a:t>
+            </a:r>
+            <a:r>
+              <a:rPr lang="en-US" sz="1200" b="0" i="1" kern="1200" dirty="0">
+                <a:solidFill>
+                  <a:schemeClr val="tx1"/>
+                </a:solidFill>
+                <a:effectLst/>
+                <a:latin typeface="+mn-lt"/>
+                <a:ea typeface="+mn-ea"/>
+                <a:cs typeface="+mn-cs"/>
+              </a:rPr>
+              <a:t>, </a:t>
+            </a:r>
+            <a:r>
+              <a:rPr lang="en-US" sz="1200" b="0" i="1" u="none" strike="noStrike" kern="1200" dirty="0">
+                <a:solidFill>
+                  <a:schemeClr val="tx1"/>
+                </a:solidFill>
+                <a:effectLst/>
+                <a:latin typeface="+mn-lt"/>
+                <a:ea typeface="+mn-ea"/>
+                <a:cs typeface="+mn-cs"/>
+                <a:hlinkClick r:id="rId3"/>
+              </a:rPr>
+              <a:t>transient solvers</a:t>
+            </a:r>
+            <a:r>
+              <a:rPr lang="en-US" sz="1200" b="0" i="1" kern="1200" dirty="0">
+                <a:solidFill>
+                  <a:schemeClr val="tx1"/>
+                </a:solidFill>
+                <a:effectLst/>
+                <a:latin typeface="+mn-lt"/>
+                <a:ea typeface="+mn-ea"/>
+                <a:cs typeface="+mn-cs"/>
+              </a:rPr>
+              <a:t>, </a:t>
+            </a:r>
+            <a:r>
+              <a:rPr lang="en-US" sz="1200" b="0" i="1" u="none" strike="noStrike" kern="1200" dirty="0">
+                <a:solidFill>
+                  <a:schemeClr val="tx1"/>
+                </a:solidFill>
+                <a:effectLst/>
+                <a:latin typeface="+mn-lt"/>
+                <a:ea typeface="+mn-ea"/>
+                <a:cs typeface="+mn-cs"/>
+                <a:hlinkClick r:id="rId3"/>
+              </a:rPr>
+              <a:t>optimization solvers</a:t>
+            </a:r>
+            <a:r>
+              <a:rPr lang="en-US" sz="1200" b="0" i="1" kern="1200" dirty="0">
+                <a:solidFill>
+                  <a:schemeClr val="tx1"/>
+                </a:solidFill>
+                <a:effectLst/>
+                <a:latin typeface="+mn-lt"/>
+                <a:ea typeface="+mn-ea"/>
+                <a:cs typeface="+mn-cs"/>
+              </a:rPr>
+              <a:t>, and </a:t>
+            </a:r>
+            <a:r>
+              <a:rPr lang="en-US" sz="1200" b="0" i="1" u="none" strike="noStrike" kern="1200" dirty="0">
+                <a:solidFill>
+                  <a:schemeClr val="tx1"/>
+                </a:solidFill>
+                <a:effectLst/>
+                <a:latin typeface="+mn-lt"/>
+                <a:ea typeface="+mn-ea"/>
+                <a:cs typeface="+mn-cs"/>
+                <a:hlinkClick r:id="rId3"/>
+              </a:rPr>
+              <a:t>uncertainty quantification (UQ) solvers</a:t>
+            </a:r>
+            <a:r>
+              <a:rPr lang="en-US" sz="1200" b="0" i="1" kern="1200" dirty="0">
+                <a:solidFill>
+                  <a:schemeClr val="tx1"/>
+                </a:solidFill>
+                <a:effectLst/>
+                <a:latin typeface="+mn-lt"/>
+                <a:ea typeface="+mn-ea"/>
+                <a:cs typeface="+mn-cs"/>
+              </a:rPr>
+              <a:t>.</a:t>
+            </a:r>
+          </a:p>
+          <a:p>
+            <a:br>
+              <a:rPr lang="en-US" dirty="0"/>
+            </a:br>
             <a:endParaRPr lang="en-US" dirty="0"/>
           </a:p>
         </p:txBody>
@@ -2271,7 +2204,7 @@
             <a:spLocks noGrp="1"/>
           </p:cNvSpPr>
           <p:nvPr>
-            <p:ph type="sldNum" sz="quarter" idx="5"/>
+            <p:ph type="sldNum" sz="quarter" idx="10"/>
           </p:nvPr>
         </p:nvSpPr>
         <p:spPr/>
@@ -2290,7 +2223,244 @@
     </p:spTree>
     <p:extLst>
       <p:ext uri="{BB962C8B-B14F-4D97-AF65-F5344CB8AC3E}">
-        <p14:creationId xmlns:p14="http://schemas.microsoft.com/office/powerpoint/2010/main" val="851694872"/>
+        <p14:creationId xmlns:p14="http://schemas.microsoft.com/office/powerpoint/2010/main" val="2902190238"/>
+      </p:ext>
+    </p:extLst>
+  </p:cSld>
+  <p:clrMapOvr>
+    <a:masterClrMapping/>
+  </p:clrMapOvr>
+</p:notes>
+</file>
+
+<file path=ppt/notesSlides/notesSlide23.xml><?xml version="1.0" encoding="utf-8"?>
+<p:notes xmlns:a="http://schemas.openxmlformats.org/drawingml/2006/main" xmlns:r="http://schemas.openxmlformats.org/officeDocument/2006/relationships" xmlns:p="http://schemas.openxmlformats.org/presentationml/2006/main">
+  <p:cSld>
+    <p:spTree>
+      <p:nvGrpSpPr>
+        <p:cNvPr id="1" name=""/>
+        <p:cNvGrpSpPr/>
+        <p:nvPr/>
+      </p:nvGrpSpPr>
+      <p:grpSpPr>
+        <a:xfrm>
+          <a:off x="0" y="0"/>
+          <a:ext cx="0" cy="0"/>
+          <a:chOff x="0" y="0"/>
+          <a:chExt cx="0" cy="0"/>
+        </a:xfrm>
+      </p:grpSpPr>
+      <p:sp>
+        <p:nvSpPr>
+          <p:cNvPr id="2" name="Slide Image Placeholder 1"/>
+          <p:cNvSpPr>
+            <a:spLocks noGrp="1" noRot="1" noChangeAspect="1"/>
+          </p:cNvSpPr>
+          <p:nvPr>
+            <p:ph type="sldImg"/>
+          </p:nvPr>
+        </p:nvSpPr>
+        <p:spPr/>
+      </p:sp>
+      <p:sp>
+        <p:nvSpPr>
+          <p:cNvPr id="3" name="Notes Placeholder 2"/>
+          <p:cNvSpPr>
+            <a:spLocks noGrp="1"/>
+          </p:cNvSpPr>
+          <p:nvPr>
+            <p:ph type="body" idx="1"/>
+          </p:nvPr>
+        </p:nvSpPr>
+        <p:spPr/>
+        <p:txBody>
+          <a:bodyPr/>
+          <a:lstStyle/>
+          <a:p>
+            <a:pPr marL="0" marR="0" lvl="0" indent="0" algn="l" defTabSz="914400" rtl="0" eaLnBrk="1" fontAlgn="auto" latinLnBrk="0" hangingPunct="1">
+              <a:lnSpc>
+                <a:spcPct val="100000"/>
+              </a:lnSpc>
+              <a:spcBef>
+                <a:spcPts val="0"/>
+              </a:spcBef>
+              <a:spcAft>
+                <a:spcPts val="0"/>
+              </a:spcAft>
+              <a:buClrTx/>
+              <a:buSzTx/>
+              <a:buFontTx/>
+              <a:buNone/>
+              <a:tabLst/>
+              <a:defRPr/>
+            </a:pPr>
+            <a:r>
+              <a:rPr lang="en-US" sz="1200" b="1" i="0" kern="1200" dirty="0">
+                <a:solidFill>
+                  <a:schemeClr val="tx1"/>
+                </a:solidFill>
+                <a:effectLst/>
+                <a:latin typeface="+mn-lt"/>
+                <a:ea typeface="+mn-ea"/>
+                <a:cs typeface="+mn-cs"/>
+              </a:rPr>
+              <a:t>A High Performance Message Passing Library</a:t>
+            </a:r>
+          </a:p>
+          <a:p>
+            <a:endParaRPr lang="en-US" dirty="0"/>
+          </a:p>
+        </p:txBody>
+      </p:sp>
+      <p:sp>
+        <p:nvSpPr>
+          <p:cNvPr id="4" name="Slide Number Placeholder 3"/>
+          <p:cNvSpPr>
+            <a:spLocks noGrp="1"/>
+          </p:cNvSpPr>
+          <p:nvPr>
+            <p:ph type="sldNum" sz="quarter" idx="10"/>
+          </p:nvPr>
+        </p:nvSpPr>
+        <p:spPr/>
+        <p:txBody>
+          <a:bodyPr/>
+          <a:lstStyle/>
+          <a:p>
+            <a:fld id="{54E672D7-8E2D-4611-973D-F4591A707C34}" type="slidenum">
+              <a:rPr lang="en-US" smtClean="0"/>
+              <a:t>26</a:t>
+            </a:fld>
+            <a:endParaRPr lang="en-US"/>
+          </a:p>
+        </p:txBody>
+      </p:sp>
+    </p:spTree>
+    <p:extLst>
+      <p:ext uri="{BB962C8B-B14F-4D97-AF65-F5344CB8AC3E}">
+        <p14:creationId xmlns:p14="http://schemas.microsoft.com/office/powerpoint/2010/main" val="2825016049"/>
+      </p:ext>
+    </p:extLst>
+  </p:cSld>
+  <p:clrMapOvr>
+    <a:masterClrMapping/>
+  </p:clrMapOvr>
+</p:notes>
+</file>
+
+<file path=ppt/notesSlides/notesSlide24.xml><?xml version="1.0" encoding="utf-8"?>
+<p:notes xmlns:a="http://schemas.openxmlformats.org/drawingml/2006/main" xmlns:r="http://schemas.openxmlformats.org/officeDocument/2006/relationships" xmlns:p="http://schemas.openxmlformats.org/presentationml/2006/main">
+  <p:cSld>
+    <p:spTree>
+      <p:nvGrpSpPr>
+        <p:cNvPr id="1" name=""/>
+        <p:cNvGrpSpPr/>
+        <p:nvPr/>
+      </p:nvGrpSpPr>
+      <p:grpSpPr>
+        <a:xfrm>
+          <a:off x="0" y="0"/>
+          <a:ext cx="0" cy="0"/>
+          <a:chOff x="0" y="0"/>
+          <a:chExt cx="0" cy="0"/>
+        </a:xfrm>
+      </p:grpSpPr>
+      <p:sp>
+        <p:nvSpPr>
+          <p:cNvPr id="2" name="Slide Image Placeholder 1"/>
+          <p:cNvSpPr>
+            <a:spLocks noGrp="1" noRot="1" noChangeAspect="1"/>
+          </p:cNvSpPr>
+          <p:nvPr>
+            <p:ph type="sldImg"/>
+          </p:nvPr>
+        </p:nvSpPr>
+        <p:spPr/>
+      </p:sp>
+      <p:sp>
+        <p:nvSpPr>
+          <p:cNvPr id="3" name="Notes Placeholder 2"/>
+          <p:cNvSpPr>
+            <a:spLocks noGrp="1"/>
+          </p:cNvSpPr>
+          <p:nvPr>
+            <p:ph type="body" idx="1"/>
+          </p:nvPr>
+        </p:nvSpPr>
+        <p:spPr/>
+        <p:txBody>
+          <a:bodyPr/>
+          <a:lstStyle/>
+          <a:p>
+            <a:r>
+              <a:rPr lang="en-US" sz="1200" b="0" i="0" kern="1200" dirty="0" err="1">
+                <a:solidFill>
+                  <a:schemeClr val="tx1"/>
+                </a:solidFill>
+                <a:effectLst/>
+                <a:latin typeface="+mn-lt"/>
+                <a:ea typeface="+mn-ea"/>
+                <a:cs typeface="+mn-cs"/>
+              </a:rPr>
+              <a:t>FleCSI</a:t>
+            </a:r>
+            <a:r>
+              <a:rPr lang="en-US" sz="1200" b="0" i="0" kern="1200" dirty="0">
+                <a:solidFill>
+                  <a:schemeClr val="tx1"/>
+                </a:solidFill>
+                <a:effectLst/>
+                <a:latin typeface="+mn-lt"/>
+                <a:ea typeface="+mn-ea"/>
+                <a:cs typeface="+mn-cs"/>
+              </a:rPr>
+              <a:t> is a compile-time configurable framework designed to support multi-physics application development for current and emerging HPC systems.</a:t>
+            </a:r>
+          </a:p>
+          <a:p>
+            <a:r>
+              <a:rPr lang="en-US" sz="1200" b="0" i="0" kern="1200" dirty="0">
+                <a:solidFill>
+                  <a:schemeClr val="tx1"/>
+                </a:solidFill>
+                <a:effectLst/>
+                <a:latin typeface="+mn-lt"/>
+                <a:ea typeface="+mn-ea"/>
+                <a:cs typeface="+mn-cs"/>
+              </a:rPr>
+              <a:t>In the diagram there is a 1.x branch only for new releases,  an initial 1.0 release branch with tag 1.0.0 as the initial release and tags 1.0.1, 1.0.2 for bug fixes, when 1.1 feature is release again an initial tag 1.1.0, then bug fix release tags 1.1.1 &amp; 1.1.2 etc. Once a major version goes into maintenance mode and a new major feature branch begins; in this case 2.x and like branches and tags are created for 2.x </a:t>
+            </a:r>
+            <a:endParaRPr lang="en-US" dirty="0"/>
+          </a:p>
+        </p:txBody>
+      </p:sp>
+      <p:sp>
+        <p:nvSpPr>
+          <p:cNvPr id="4" name="Slide Number Placeholder 3"/>
+          <p:cNvSpPr>
+            <a:spLocks noGrp="1"/>
+          </p:cNvSpPr>
+          <p:nvPr>
+            <p:ph type="sldNum" sz="quarter" idx="10"/>
+          </p:nvPr>
+        </p:nvSpPr>
+        <p:spPr/>
+        <p:txBody>
+          <a:bodyPr/>
+          <a:lstStyle/>
+          <a:p>
+            <a:fld id="{54E672D7-8E2D-4611-973D-F4591A707C34}" type="slidenum">
+              <a:rPr lang="en-US" smtClean="0"/>
+              <a:t>27</a:t>
+            </a:fld>
+            <a:endParaRPr lang="en-US"/>
+          </a:p>
+        </p:txBody>
+      </p:sp>
+    </p:spTree>
+    <p:extLst>
+      <p:ext uri="{BB962C8B-B14F-4D97-AF65-F5344CB8AC3E}">
+        <p14:creationId xmlns:p14="http://schemas.microsoft.com/office/powerpoint/2010/main" val="3016390096"/>
       </p:ext>
     </p:extLst>
   </p:cSld>
@@ -2374,7 +2544,7 @@
     </p:spTree>
     <p:extLst>
       <p:ext uri="{BB962C8B-B14F-4D97-AF65-F5344CB8AC3E}">
-        <p14:creationId xmlns:p14="http://schemas.microsoft.com/office/powerpoint/2010/main" val="3413212601"/>
+        <p14:creationId xmlns:p14="http://schemas.microsoft.com/office/powerpoint/2010/main" val="4041630894"/>
       </p:ext>
     </p:extLst>
   </p:cSld>
@@ -2428,7 +2598,7 @@
           <a:bodyPr/>
           <a:lstStyle/>
           <a:p>
-            <a:endParaRPr lang="en-US" dirty="0"/>
+            <a:endParaRPr lang="en-US" b="1" dirty="0"/>
           </a:p>
         </p:txBody>
       </p:sp>
@@ -2439,7 +2609,7 @@
             <a:spLocks noGrp="1"/>
           </p:cNvSpPr>
           <p:nvPr>
-            <p:ph type="sldNum" sz="quarter" idx="10"/>
+            <p:ph type="sldNum" sz="quarter" idx="5"/>
           </p:nvPr>
         </p:nvSpPr>
         <p:spPr/>
@@ -2458,7 +2628,7 @@
     </p:spTree>
     <p:extLst>
       <p:ext uri="{BB962C8B-B14F-4D97-AF65-F5344CB8AC3E}">
-        <p14:creationId xmlns:p14="http://schemas.microsoft.com/office/powerpoint/2010/main" val="1996617285"/>
+        <p14:creationId xmlns:p14="http://schemas.microsoft.com/office/powerpoint/2010/main" val="3413212601"/>
       </p:ext>
     </p:extLst>
   </p:cSld>
@@ -2523,7 +2693,7 @@
             <a:spLocks noGrp="1"/>
           </p:cNvSpPr>
           <p:nvPr>
-            <p:ph type="sldNum" sz="quarter" idx="5"/>
+            <p:ph type="sldNum" sz="quarter" idx="10"/>
           </p:nvPr>
         </p:nvSpPr>
         <p:spPr/>
@@ -2542,7 +2712,7 @@
     </p:spTree>
     <p:extLst>
       <p:ext uri="{BB962C8B-B14F-4D97-AF65-F5344CB8AC3E}">
-        <p14:creationId xmlns:p14="http://schemas.microsoft.com/office/powerpoint/2010/main" val="813827686"/>
+        <p14:creationId xmlns:p14="http://schemas.microsoft.com/office/powerpoint/2010/main" val="1996617285"/>
       </p:ext>
     </p:extLst>
   </p:cSld>
@@ -2596,7 +2766,7 @@
           <a:bodyPr/>
           <a:lstStyle/>
           <a:p>
-            <a:endParaRPr lang="en-US" b="1" dirty="0"/>
+            <a:endParaRPr lang="en-US" dirty="0"/>
           </a:p>
         </p:txBody>
       </p:sp>
@@ -2607,7 +2777,7 @@
             <a:spLocks noGrp="1"/>
           </p:cNvSpPr>
           <p:nvPr>
-            <p:ph type="sldNum" sz="quarter" idx="10"/>
+            <p:ph type="sldNum" sz="quarter" idx="5"/>
           </p:nvPr>
         </p:nvSpPr>
         <p:spPr/>
@@ -2626,7 +2796,7 @@
     </p:spTree>
     <p:extLst>
       <p:ext uri="{BB962C8B-B14F-4D97-AF65-F5344CB8AC3E}">
-        <p14:creationId xmlns:p14="http://schemas.microsoft.com/office/powerpoint/2010/main" val="468792164"/>
+        <p14:creationId xmlns:p14="http://schemas.microsoft.com/office/powerpoint/2010/main" val="813827686"/>
       </p:ext>
     </p:extLst>
   </p:cSld>
@@ -2680,7 +2850,7 @@
           <a:bodyPr/>
           <a:lstStyle/>
           <a:p>
-            <a:endParaRPr lang="en-US" dirty="0"/>
+            <a:endParaRPr lang="en-US" b="1" dirty="0"/>
           </a:p>
         </p:txBody>
       </p:sp>
@@ -2710,7 +2880,7 @@
     </p:spTree>
     <p:extLst>
       <p:ext uri="{BB962C8B-B14F-4D97-AF65-F5344CB8AC3E}">
-        <p14:creationId xmlns:p14="http://schemas.microsoft.com/office/powerpoint/2010/main" val="4199176634"/>
+        <p14:creationId xmlns:p14="http://schemas.microsoft.com/office/powerpoint/2010/main" val="468792164"/>
       </p:ext>
     </p:extLst>
   </p:cSld>
@@ -2764,23 +2934,6 @@
           <a:bodyPr/>
           <a:lstStyle/>
           <a:p>
-            <a:pPr marL="0" marR="0" lvl="0" indent="0" algn="l" defTabSz="914400" rtl="0" eaLnBrk="1" fontAlgn="auto" latinLnBrk="0" hangingPunct="1">
-              <a:lnSpc>
-                <a:spcPct val="100000"/>
-              </a:lnSpc>
-              <a:spcBef>
-                <a:spcPts val="0"/>
-              </a:spcBef>
-              <a:spcAft>
-                <a:spcPts val="0"/>
-              </a:spcAft>
-              <a:buClrTx/>
-              <a:buSzTx/>
-              <a:buFontTx/>
-              <a:buNone/>
-              <a:tabLst/>
-              <a:defRPr/>
-            </a:pPr>
             <a:endParaRPr lang="en-US" dirty="0"/>
           </a:p>
         </p:txBody>
@@ -2811,7 +2964,7 @@
     </p:spTree>
     <p:extLst>
       <p:ext uri="{BB962C8B-B14F-4D97-AF65-F5344CB8AC3E}">
-        <p14:creationId xmlns:p14="http://schemas.microsoft.com/office/powerpoint/2010/main" val="3744654501"/>
+        <p14:creationId xmlns:p14="http://schemas.microsoft.com/office/powerpoint/2010/main" val="4199176634"/>
       </p:ext>
     </p:extLst>
   </p:cSld>
@@ -2865,6 +3018,23 @@
           <a:bodyPr/>
           <a:lstStyle/>
           <a:p>
+            <a:pPr marL="0" marR="0" lvl="0" indent="0" algn="l" defTabSz="914400" rtl="0" eaLnBrk="1" fontAlgn="auto" latinLnBrk="0" hangingPunct="1">
+              <a:lnSpc>
+                <a:spcPct val="100000"/>
+              </a:lnSpc>
+              <a:spcBef>
+                <a:spcPts val="0"/>
+              </a:spcBef>
+              <a:spcAft>
+                <a:spcPts val="0"/>
+              </a:spcAft>
+              <a:buClrTx/>
+              <a:buSzTx/>
+              <a:buFontTx/>
+              <a:buNone/>
+              <a:tabLst/>
+              <a:defRPr/>
+            </a:pPr>
             <a:endParaRPr lang="en-US" dirty="0"/>
           </a:p>
         </p:txBody>
@@ -2895,7 +3065,7 @@
     </p:spTree>
     <p:extLst>
       <p:ext uri="{BB962C8B-B14F-4D97-AF65-F5344CB8AC3E}">
-        <p14:creationId xmlns:p14="http://schemas.microsoft.com/office/powerpoint/2010/main" val="3475076490"/>
+        <p14:creationId xmlns:p14="http://schemas.microsoft.com/office/powerpoint/2010/main" val="3744654501"/>
       </p:ext>
     </p:extLst>
   </p:cSld>
@@ -6316,23 +6486,19 @@
           <a:lstStyle/>
           <a:p>
             <a:r>
-              <a:rPr lang="en-US" u="sng"/>
-              <a:t>Patricia Grubel</a:t>
-            </a:r>
-            <a:r>
-              <a:rPr lang="en-US"/>
-              <a:t> </a:t>
+              <a:rPr lang="en-US" u="sng" dirty="0"/>
+              <a:t>Gregory R. Watson </a:t>
             </a:r>
             <a:r>
               <a:rPr lang="en-US" sz="2000" dirty="0"/>
-              <a:t>(she/her)</a:t>
+              <a:t>(he/him)</a:t>
             </a:r>
             <a:br>
               <a:rPr lang="en-US" sz="2000" dirty="0"/>
             </a:br>
             <a:r>
               <a:rPr lang="en-US" sz="2000" dirty="0"/>
-              <a:t>Los Alamos National Laboratory</a:t>
+              <a:t>Oak Ridge National Laboratory</a:t>
             </a:r>
           </a:p>
           <a:p>
@@ -6440,7 +6606,7 @@
           <p:cNvPr id="2" name="Title 1">
             <a:extLst>
               <a:ext uri="{FF2B5EF4-FFF2-40B4-BE49-F238E27FC236}">
-                <a16:creationId xmlns:a16="http://schemas.microsoft.com/office/drawing/2014/main" id="{24FA9BCD-1562-4542-961E-43799AD6FB46}"/>
+                <a16:creationId xmlns:a16="http://schemas.microsoft.com/office/drawing/2014/main" id="{07683978-C37D-B543-9210-EFD77EE5A241}"/>
               </a:ext>
             </a:extLst>
           </p:cNvPr>
@@ -6458,7 +6624,7 @@
           <a:p>
             <a:r>
               <a:rPr lang="en-US" dirty="0"/>
-              <a:t>Feature Branch Divergence</a:t>
+              <a:t>Feature Branches</a:t>
             </a:r>
           </a:p>
         </p:txBody>
@@ -6468,7 +6634,7 @@
           <p:cNvPr id="3" name="Content Placeholder 2">
             <a:extLst>
               <a:ext uri="{FF2B5EF4-FFF2-40B4-BE49-F238E27FC236}">
-                <a16:creationId xmlns:a16="http://schemas.microsoft.com/office/drawing/2014/main" id="{871D40ED-5186-C94B-A814-B0077884D00F}"/>
+                <a16:creationId xmlns:a16="http://schemas.microsoft.com/office/drawing/2014/main" id="{0B6F2AEF-2300-F84B-BB99-ECEC425AFCAD}"/>
               </a:ext>
             </a:extLst>
           </p:cNvPr>
@@ -6481,8 +6647,8 @@
         </p:nvSpPr>
         <p:spPr>
           <a:xfrm>
-            <a:off x="365760" y="1325880"/>
-            <a:ext cx="6937083" cy="4047778"/>
+            <a:off x="365761" y="1207973"/>
+            <a:ext cx="6961796" cy="4047778"/>
           </a:xfrm>
         </p:spPr>
         <p:txBody>
@@ -6493,48 +6659,69 @@
               <a:buNone/>
             </a:pPr>
             <a:r>
-              <a:rPr lang="en-US" dirty="0"/>
-              <a:t>Alice integrates first without issue</a:t>
-            </a:r>
-          </a:p>
-          <a:p>
-            <a:r>
-              <a:rPr lang="en-US" dirty="0"/>
-              <a:t>Alice does fast-forward merge to local main</a:t>
-            </a:r>
-          </a:p>
-          <a:p>
-            <a:r>
-              <a:rPr lang="en-US" dirty="0"/>
-              <a:t>Alice deletes local feature branch</a:t>
-            </a:r>
-          </a:p>
-          <a:p>
-            <a:r>
-              <a:rPr lang="en-US" dirty="0"/>
-              <a:t>Alice pushes main to remote</a:t>
-            </a:r>
-          </a:p>
-          <a:p>
-            <a:r>
-              <a:rPr lang="en-US" dirty="0"/>
-              <a:t>Meanwhile, Bob pulls main from remote and finds Alice’s changes</a:t>
-            </a:r>
-          </a:p>
-          <a:p>
-            <a:r>
-              <a:rPr lang="en-US" dirty="0"/>
-              <a:t>Merge conflict between commits D and E</a:t>
-            </a:r>
+              <a:rPr lang="en-US" sz="2000" dirty="0"/>
+              <a:t>Extend Centralized Workflow</a:t>
+            </a:r>
+          </a:p>
+          <a:p>
+            <a:r>
+              <a:rPr lang="en-US" sz="2000" dirty="0"/>
+              <a:t>Remote repo has commits A &amp; B</a:t>
+            </a:r>
+          </a:p>
+          <a:p>
+            <a:r>
+              <a:rPr lang="en-US" sz="2000" dirty="0"/>
+              <a:t>Bob pulls remote to synchronize local repo to remote</a:t>
+            </a:r>
+          </a:p>
+          <a:p>
+            <a:r>
+              <a:rPr lang="en-US" sz="2000" dirty="0"/>
+              <a:t>Bob creates local feature branch based on commit B</a:t>
+            </a:r>
+          </a:p>
+          <a:p>
+            <a:r>
+              <a:rPr lang="en-US" sz="2000" dirty="0"/>
+              <a:t>Commit C pushed to remote repo</a:t>
+            </a:r>
+          </a:p>
+          <a:p>
+            <a:r>
+              <a:rPr lang="en-US" sz="2000" dirty="0"/>
+              <a:t>Alice pulls remote to synchronize local repo to remote</a:t>
+            </a:r>
+          </a:p>
+          <a:p>
+            <a:r>
+              <a:rPr lang="en-US" sz="2000" dirty="0"/>
+              <a:t>Alice creates local feature branch based on commit C</a:t>
+            </a:r>
+          </a:p>
+          <a:p>
+            <a:r>
+              <a:rPr lang="en-US" sz="2000" dirty="0"/>
+              <a:t>Both develop independently on local feature branches</a:t>
+            </a:r>
+          </a:p>
+          <a:p>
+            <a:pPr marL="0" indent="0">
+              <a:buNone/>
+            </a:pPr>
+            <a:endParaRPr lang="en-US" sz="2000" dirty="0"/>
+          </a:p>
+          <a:p>
+            <a:endParaRPr lang="en-US" sz="2000" dirty="0"/>
           </a:p>
         </p:txBody>
       </p:sp>
       <p:pic>
         <p:nvPicPr>
-          <p:cNvPr id="7" name="Picture 6">
+          <p:cNvPr id="4" name="Picture 3">
             <a:extLst>
               <a:ext uri="{FF2B5EF4-FFF2-40B4-BE49-F238E27FC236}">
-                <a16:creationId xmlns:a16="http://schemas.microsoft.com/office/drawing/2014/main" id="{AD9086A0-DEE9-E447-BB4B-37CD831AEAA9}"/>
+                <a16:creationId xmlns:a16="http://schemas.microsoft.com/office/drawing/2014/main" id="{7879D0D5-49A1-054D-AEA9-083492052DF4}"/>
               </a:ext>
             </a:extLst>
           </p:cNvPr>
@@ -6544,20 +6731,14 @@
           <p:nvPr/>
         </p:nvPicPr>
         <p:blipFill rotWithShape="1">
-          <a:blip r:embed="rId3">
-            <a:extLst>
-              <a:ext uri="{28A0092B-C50C-407E-A947-70E740481C1C}">
-                <a14:useLocalDpi xmlns:a14="http://schemas.microsoft.com/office/drawing/2010/main" val="0"/>
-              </a:ext>
-            </a:extLst>
-          </a:blip>
-          <a:srcRect r="52495" b="19192"/>
+          <a:blip r:embed="rId3"/>
+          <a:srcRect r="56578" b="12291"/>
           <a:stretch/>
         </p:blipFill>
         <p:spPr>
           <a:xfrm>
-            <a:off x="7543800" y="914400"/>
-            <a:ext cx="4108638" cy="5112327"/>
+            <a:off x="7543800" y="697314"/>
+            <a:ext cx="3572469" cy="5278438"/>
           </a:xfrm>
           <a:prstGeom prst="rect">
             <a:avLst/>
@@ -6569,7 +6750,7 @@
           <p:cNvPr id="5" name="TextBox 4">
             <a:extLst>
               <a:ext uri="{FF2B5EF4-FFF2-40B4-BE49-F238E27FC236}">
-                <a16:creationId xmlns:a16="http://schemas.microsoft.com/office/drawing/2014/main" id="{F0447986-B370-3E4F-9C70-E5C2C6496198}"/>
+                <a16:creationId xmlns:a16="http://schemas.microsoft.com/office/drawing/2014/main" id="{4D623544-D80B-DE44-A9AF-20717D593275}"/>
               </a:ext>
             </a:extLst>
           </p:cNvPr>
@@ -6578,8 +6759,8 @@
         </p:nvSpPr>
         <p:spPr>
           <a:xfrm>
-            <a:off x="7824152" y="1429068"/>
-            <a:ext cx="822960" cy="274320"/>
+            <a:off x="7811452" y="4261430"/>
+            <a:ext cx="822960" cy="182880"/>
           </a:xfrm>
           <a:prstGeom prst="rect">
             <a:avLst/>
@@ -6601,15 +6782,7 @@
             </a:pPr>
             <a:r>
               <a:rPr lang="en-US" sz="1200" b="1" dirty="0"/>
-              <a:t>  </a:t>
-            </a:r>
-            <a:r>
-              <a:rPr lang="en-US" sz="1300" b="1" dirty="0"/>
-              <a:t>main </a:t>
-            </a:r>
-            <a:r>
-              <a:rPr lang="en-US" sz="1200" b="1" dirty="0"/>
-              <a:t> </a:t>
+              <a:t>  main  </a:t>
             </a:r>
           </a:p>
         </p:txBody>
@@ -6619,7 +6792,7 @@
           <p:cNvPr id="6" name="TextBox 5">
             <a:extLst>
               <a:ext uri="{FF2B5EF4-FFF2-40B4-BE49-F238E27FC236}">
-                <a16:creationId xmlns:a16="http://schemas.microsoft.com/office/drawing/2014/main" id="{FEE6FFBE-79DA-2346-BAB2-FBE281071C6E}"/>
+                <a16:creationId xmlns:a16="http://schemas.microsoft.com/office/drawing/2014/main" id="{B65C4322-64FE-B944-AED9-C8749E06B80B}"/>
               </a:ext>
             </a:extLst>
           </p:cNvPr>
@@ -6628,7 +6801,7 @@
         </p:nvSpPr>
         <p:spPr>
           <a:xfrm>
-            <a:off x="7824152" y="4235768"/>
+            <a:off x="7811452" y="2191068"/>
             <a:ext cx="822960" cy="274320"/>
           </a:xfrm>
           <a:prstGeom prst="rect">
@@ -6666,10 +6839,10 @@
       </p:sp>
       <p:sp>
         <p:nvSpPr>
-          <p:cNvPr id="8" name="TextBox 7">
+          <p:cNvPr id="7" name="TextBox 6">
             <a:extLst>
               <a:ext uri="{FF2B5EF4-FFF2-40B4-BE49-F238E27FC236}">
-                <a16:creationId xmlns:a16="http://schemas.microsoft.com/office/drawing/2014/main" id="{72669AFB-5412-714C-9DB8-976E00B92639}"/>
+                <a16:creationId xmlns:a16="http://schemas.microsoft.com/office/drawing/2014/main" id="{D6D37134-F760-9E44-B5F3-B0F1B61D000E}"/>
               </a:ext>
             </a:extLst>
           </p:cNvPr>
@@ -6678,7 +6851,7 @@
         </p:nvSpPr>
         <p:spPr>
           <a:xfrm>
-            <a:off x="7824152" y="5047616"/>
+            <a:off x="7765732" y="4981431"/>
             <a:ext cx="822960" cy="274320"/>
           </a:xfrm>
           <a:prstGeom prst="rect">
@@ -6717,7 +6890,7 @@
     </p:spTree>
     <p:extLst>
       <p:ext uri="{BB962C8B-B14F-4D97-AF65-F5344CB8AC3E}">
-        <p14:creationId xmlns:p14="http://schemas.microsoft.com/office/powerpoint/2010/main" val="2883724709"/>
+        <p14:creationId xmlns:p14="http://schemas.microsoft.com/office/powerpoint/2010/main" val="767238769"/>
       </p:ext>
     </p:extLst>
   </p:cSld>
@@ -6749,7 +6922,7 @@
           <p:cNvPr id="2" name="Title 1">
             <a:extLst>
               <a:ext uri="{FF2B5EF4-FFF2-40B4-BE49-F238E27FC236}">
-                <a16:creationId xmlns:a16="http://schemas.microsoft.com/office/drawing/2014/main" id="{726A24D0-D0B5-A64E-9BB5-4FF8D0A80CA3}"/>
+                <a16:creationId xmlns:a16="http://schemas.microsoft.com/office/drawing/2014/main" id="{24FA9BCD-1562-4542-961E-43799AD6FB46}"/>
               </a:ext>
             </a:extLst>
           </p:cNvPr>
@@ -6767,7 +6940,7 @@
           <a:p>
             <a:r>
               <a:rPr lang="en-US" dirty="0"/>
-              <a:t>Feature Race Condition</a:t>
+              <a:t>Feature Branch Divergence</a:t>
             </a:r>
           </a:p>
         </p:txBody>
@@ -6777,7 +6950,7 @@
           <p:cNvPr id="3" name="Content Placeholder 2">
             <a:extLst>
               <a:ext uri="{FF2B5EF4-FFF2-40B4-BE49-F238E27FC236}">
-                <a16:creationId xmlns:a16="http://schemas.microsoft.com/office/drawing/2014/main" id="{7D23096A-BE81-5C4B-873F-5CDBBBD47487}"/>
+                <a16:creationId xmlns:a16="http://schemas.microsoft.com/office/drawing/2014/main" id="{871D40ED-5186-C94B-A814-B0077884D00F}"/>
               </a:ext>
             </a:extLst>
           </p:cNvPr>
@@ -6791,7 +6964,7 @@
         <p:spPr>
           <a:xfrm>
             <a:off x="365760" y="1325880"/>
-            <a:ext cx="6578737" cy="4047778"/>
+            <a:ext cx="6937083" cy="4047778"/>
           </a:xfrm>
         </p:spPr>
         <p:txBody>
@@ -6802,105 +6975,48 @@
               <a:buNone/>
             </a:pPr>
             <a:r>
-              <a:rPr lang="en-US" sz="1800" dirty="0"/>
-              <a:t>Integration occurs on Bob’s local repo</a:t>
-            </a:r>
-          </a:p>
-          <a:p>
-            <a:r>
-              <a:rPr lang="en-US" sz="1800" dirty="0"/>
-              <a:t>Bob laments not having fast-forward merge</a:t>
-            </a:r>
-          </a:p>
-          <a:p>
-            <a:r>
-              <a:rPr lang="en-US" sz="1800" dirty="0"/>
-              <a:t>Bob </a:t>
-            </a:r>
-            <a:r>
-              <a:rPr lang="en-US" sz="1800" b="1" dirty="0"/>
-              <a:t>rebases</a:t>
-            </a:r>
-            <a:r>
-              <a:rPr lang="en-US" sz="1800" dirty="0"/>
-              <a:t> local feature branch to latest commit on main</a:t>
-            </a:r>
-          </a:p>
-          <a:p>
-            <a:pPr lvl="1"/>
-            <a:r>
-              <a:rPr lang="en-US" sz="1800" dirty="0"/>
-              <a:t>E based off of commit B</a:t>
-            </a:r>
-          </a:p>
-          <a:p>
-            <a:pPr lvl="1"/>
-            <a:r>
-              <a:rPr lang="en-US" sz="1800" dirty="0"/>
-              <a:t>E’ based off of Alice’s commit I</a:t>
-            </a:r>
-          </a:p>
-          <a:p>
-            <a:pPr lvl="1"/>
-            <a:r>
-              <a:rPr lang="en-US" sz="1800" dirty="0"/>
-              <a:t>E’ is E integrated with commits C, D, F, G, I</a:t>
-            </a:r>
-          </a:p>
-          <a:p>
-            <a:r>
-              <a:rPr lang="en-US" sz="1800" dirty="0"/>
-              <a:t>Merge conflict resolved by Bob &amp; Alice on Bob’s local branch when converting commit E into E’</a:t>
-            </a:r>
-          </a:p>
-          <a:p>
-            <a:r>
-              <a:rPr lang="en-US" sz="1800" dirty="0"/>
-              <a:t>Can test on feature branch and merge easily and cleanly</a:t>
-            </a:r>
-          </a:p>
-          <a:p>
-            <a:endParaRPr lang="en-US" sz="1800" dirty="0"/>
-          </a:p>
-          <a:p>
-            <a:r>
-              <a:rPr lang="en-US" sz="1800" dirty="0"/>
-              <a:t>See </a:t>
-            </a:r>
-            <a:r>
-              <a:rPr lang="en-US" sz="1800" dirty="0">
-                <a:hlinkClick r:id="rId3"/>
-              </a:rPr>
-              <a:t>Atlassian/BitBucket</a:t>
-            </a:r>
-            <a:r>
-              <a:rPr lang="en-US" sz="1800" dirty="0"/>
-              <a:t> for a richer Feature Branch Workflow</a:t>
-            </a:r>
-          </a:p>
-          <a:p>
-            <a:endParaRPr lang="en-US" sz="1800" dirty="0"/>
-          </a:p>
-          <a:p>
-            <a:pPr marL="0" indent="0">
-              <a:buNone/>
-            </a:pPr>
-            <a:endParaRPr lang="en-US" dirty="0"/>
-          </a:p>
-          <a:p>
-            <a:pPr marL="0" indent="0">
-              <a:buNone/>
-            </a:pPr>
-            <a:endParaRPr lang="en-US" dirty="0"/>
+              <a:rPr lang="en-US" dirty="0"/>
+              <a:t>Alice integrates first without issue</a:t>
+            </a:r>
+          </a:p>
+          <a:p>
+            <a:r>
+              <a:rPr lang="en-US" dirty="0"/>
+              <a:t>Alice does fast-forward merge to local main</a:t>
+            </a:r>
+          </a:p>
+          <a:p>
+            <a:r>
+              <a:rPr lang="en-US" dirty="0"/>
+              <a:t>Alice deletes local feature branch</a:t>
+            </a:r>
+          </a:p>
+          <a:p>
+            <a:r>
+              <a:rPr lang="en-US" dirty="0"/>
+              <a:t>Alice pushes main to remote</a:t>
+            </a:r>
+          </a:p>
+          <a:p>
+            <a:r>
+              <a:rPr lang="en-US" dirty="0"/>
+              <a:t>Meanwhile, Bob pulls main from remote and finds Alice’s changes</a:t>
+            </a:r>
+          </a:p>
+          <a:p>
+            <a:r>
+              <a:rPr lang="en-US" dirty="0"/>
+              <a:t>Merge conflict between commits D and E</a:t>
+            </a:r>
           </a:p>
         </p:txBody>
       </p:sp>
       <p:pic>
         <p:nvPicPr>
-          <p:cNvPr id="4" name="Picture 3">
+          <p:cNvPr id="7" name="Picture 6">
             <a:extLst>
               <a:ext uri="{FF2B5EF4-FFF2-40B4-BE49-F238E27FC236}">
-                <a16:creationId xmlns:a16="http://schemas.microsoft.com/office/drawing/2014/main" id="{F9B7AE99-A7E9-BB4D-9635-C82C9229FB63}"/>
+                <a16:creationId xmlns:a16="http://schemas.microsoft.com/office/drawing/2014/main" id="{AD9086A0-DEE9-E447-BB4B-37CD831AEAA9}"/>
               </a:ext>
             </a:extLst>
           </p:cNvPr>
@@ -6910,20 +7026,20 @@
           <p:nvPr/>
         </p:nvPicPr>
         <p:blipFill rotWithShape="1">
-          <a:blip r:embed="rId4">
+          <a:blip r:embed="rId3">
             <a:extLst>
               <a:ext uri="{28A0092B-C50C-407E-A947-70E740481C1C}">
                 <a14:useLocalDpi xmlns:a14="http://schemas.microsoft.com/office/drawing/2010/main" val="0"/>
               </a:ext>
             </a:extLst>
           </a:blip>
-          <a:srcRect r="52729" b="18960"/>
+          <a:srcRect r="52495" b="19192"/>
           <a:stretch/>
         </p:blipFill>
         <p:spPr>
           <a:xfrm>
-            <a:off x="7543801" y="914399"/>
-            <a:ext cx="4068751" cy="5102352"/>
+            <a:off x="7543800" y="914400"/>
+            <a:ext cx="4108638" cy="5112327"/>
           </a:xfrm>
           <a:prstGeom prst="rect">
             <a:avLst/>
@@ -6935,7 +7051,7 @@
           <p:cNvPr id="5" name="TextBox 4">
             <a:extLst>
               <a:ext uri="{FF2B5EF4-FFF2-40B4-BE49-F238E27FC236}">
-                <a16:creationId xmlns:a16="http://schemas.microsoft.com/office/drawing/2014/main" id="{AEEEF759-A97D-EE48-B9CD-6A8DF100A3BC}"/>
+                <a16:creationId xmlns:a16="http://schemas.microsoft.com/office/drawing/2014/main" id="{F0447986-B370-3E4F-9C70-E5C2C6496198}"/>
               </a:ext>
             </a:extLst>
           </p:cNvPr>
@@ -6944,7 +7060,7 @@
         </p:nvSpPr>
         <p:spPr>
           <a:xfrm>
-            <a:off x="7900352" y="1429068"/>
+            <a:off x="7824152" y="1429068"/>
             <a:ext cx="822960" cy="274320"/>
           </a:xfrm>
           <a:prstGeom prst="rect">
@@ -6985,7 +7101,7 @@
           <p:cNvPr id="6" name="TextBox 5">
             <a:extLst>
               <a:ext uri="{FF2B5EF4-FFF2-40B4-BE49-F238E27FC236}">
-                <a16:creationId xmlns:a16="http://schemas.microsoft.com/office/drawing/2014/main" id="{E81F1C79-6628-EF4E-B43B-3934FEE0AD37}"/>
+                <a16:creationId xmlns:a16="http://schemas.microsoft.com/office/drawing/2014/main" id="{FEE6FFBE-79DA-2346-BAB2-FBE281071C6E}"/>
               </a:ext>
             </a:extLst>
           </p:cNvPr>
@@ -6994,7 +7110,7 @@
         </p:nvSpPr>
         <p:spPr>
           <a:xfrm>
-            <a:off x="7900352" y="4121023"/>
+            <a:off x="7824152" y="4235768"/>
             <a:ext cx="822960" cy="274320"/>
           </a:xfrm>
           <a:prstGeom prst="rect">
@@ -7032,10 +7148,10 @@
       </p:sp>
       <p:sp>
         <p:nvSpPr>
-          <p:cNvPr id="7" name="TextBox 6">
+          <p:cNvPr id="8" name="TextBox 7">
             <a:extLst>
               <a:ext uri="{FF2B5EF4-FFF2-40B4-BE49-F238E27FC236}">
-                <a16:creationId xmlns:a16="http://schemas.microsoft.com/office/drawing/2014/main" id="{104FC445-FE31-A848-9D02-6A9B1DC6D745}"/>
+                <a16:creationId xmlns:a16="http://schemas.microsoft.com/office/drawing/2014/main" id="{72669AFB-5412-714C-9DB8-976E00B92639}"/>
               </a:ext>
             </a:extLst>
           </p:cNvPr>
@@ -7044,7 +7160,7 @@
         </p:nvSpPr>
         <p:spPr>
           <a:xfrm>
-            <a:off x="7868284" y="4988749"/>
+            <a:off x="7824152" y="5047616"/>
             <a:ext cx="822960" cy="274320"/>
           </a:xfrm>
           <a:prstGeom prst="rect">
@@ -7083,7 +7199,7 @@
     </p:spTree>
     <p:extLst>
       <p:ext uri="{BB962C8B-B14F-4D97-AF65-F5344CB8AC3E}">
-        <p14:creationId xmlns:p14="http://schemas.microsoft.com/office/powerpoint/2010/main" val="3133443400"/>
+        <p14:creationId xmlns:p14="http://schemas.microsoft.com/office/powerpoint/2010/main" val="2883724709"/>
       </p:ext>
     </p:extLst>
   </p:cSld>
@@ -7115,7 +7231,7 @@
           <p:cNvPr id="2" name="Title 1">
             <a:extLst>
               <a:ext uri="{FF2B5EF4-FFF2-40B4-BE49-F238E27FC236}">
-                <a16:creationId xmlns:a16="http://schemas.microsoft.com/office/drawing/2014/main" id="{5E55DB01-506C-2448-9D32-40AE24ED5E5B}"/>
+                <a16:creationId xmlns:a16="http://schemas.microsoft.com/office/drawing/2014/main" id="{726A24D0-D0B5-A64E-9BB5-4FF8D0A80CA3}"/>
               </a:ext>
             </a:extLst>
           </p:cNvPr>
@@ -7133,7 +7249,7 @@
           <a:p>
             <a:r>
               <a:rPr lang="en-US" dirty="0"/>
-              <a:t>More Branches</a:t>
+              <a:t>Feature Race Condition</a:t>
             </a:r>
           </a:p>
         </p:txBody>
@@ -7143,7 +7259,7 @@
           <p:cNvPr id="3" name="Content Placeholder 2">
             <a:extLst>
               <a:ext uri="{FF2B5EF4-FFF2-40B4-BE49-F238E27FC236}">
-                <a16:creationId xmlns:a16="http://schemas.microsoft.com/office/drawing/2014/main" id="{AB1E63D6-6FAD-4145-81C6-9BCC413E2E16}"/>
+                <a16:creationId xmlns:a16="http://schemas.microsoft.com/office/drawing/2014/main" id="{7D23096A-BE81-5C4B-873F-5CDBBBD47487}"/>
               </a:ext>
             </a:extLst>
           </p:cNvPr>
@@ -7156,8 +7272,8 @@
         </p:nvSpPr>
         <p:spPr>
           <a:xfrm>
-            <a:off x="365761" y="958883"/>
-            <a:ext cx="5997969" cy="4047778"/>
+            <a:off x="365760" y="1325880"/>
+            <a:ext cx="6578737" cy="4047778"/>
           </a:xfrm>
         </p:spPr>
         <p:txBody>
@@ -7168,51 +7284,105 @@
               <a:buNone/>
             </a:pPr>
             <a:r>
-              <a:rPr lang="en-US" dirty="0"/>
-              <a:t>Branches with </a:t>
-            </a:r>
-            <a:r>
-              <a:rPr lang="en-US" u="sng" dirty="0"/>
-              <a:t>infinite lifetime</a:t>
-            </a:r>
-          </a:p>
-          <a:p>
-            <a:r>
-              <a:rPr lang="en-US" dirty="0"/>
-              <a:t>Base off of main branch</a:t>
-            </a:r>
-          </a:p>
-          <a:p>
-            <a:r>
-              <a:rPr lang="en-US" dirty="0"/>
-              <a:t>Exist in all copies of a repository</a:t>
-            </a:r>
-          </a:p>
-          <a:p>
-            <a:r>
-              <a:rPr lang="en-US" dirty="0"/>
-              <a:t>Each provides a distinct </a:t>
-            </a:r>
-            <a:r>
-              <a:rPr lang="en-US" b="1" dirty="0"/>
-              <a:t>environment</a:t>
+              <a:rPr lang="en-US" sz="1800" dirty="0"/>
+              <a:t>Integration occurs on Bob’s local repo</a:t>
+            </a:r>
+          </a:p>
+          <a:p>
+            <a:r>
+              <a:rPr lang="en-US" sz="1800" dirty="0"/>
+              <a:t>Bob laments not having fast-forward merge</a:t>
+            </a:r>
+          </a:p>
+          <a:p>
+            <a:r>
+              <a:rPr lang="en-US" sz="1800" dirty="0"/>
+              <a:t>Bob </a:t>
+            </a:r>
+            <a:r>
+              <a:rPr lang="en-US" sz="1800" b="1" dirty="0"/>
+              <a:t>rebases</a:t>
+            </a:r>
+            <a:r>
+              <a:rPr lang="en-US" sz="1800" dirty="0"/>
+              <a:t> local feature branch to latest commit on main</a:t>
             </a:r>
           </a:p>
           <a:p>
             <a:pPr lvl="1"/>
             <a:r>
-              <a:rPr lang="en-US" dirty="0"/>
-              <a:t>Development vs. pre-production</a:t>
-            </a:r>
+              <a:rPr lang="en-US" sz="1800" dirty="0"/>
+              <a:t>E based off of commit B</a:t>
+            </a:r>
+          </a:p>
+          <a:p>
+            <a:pPr lvl="1"/>
+            <a:r>
+              <a:rPr lang="en-US" sz="1800" dirty="0"/>
+              <a:t>E’ based off of Alice’s commit I</a:t>
+            </a:r>
+          </a:p>
+          <a:p>
+            <a:pPr lvl="1"/>
+            <a:r>
+              <a:rPr lang="en-US" sz="1800" dirty="0"/>
+              <a:t>E’ is E integrated with commits C, D, F, G, I</a:t>
+            </a:r>
+          </a:p>
+          <a:p>
+            <a:r>
+              <a:rPr lang="en-US" sz="1800" dirty="0"/>
+              <a:t>Merge conflict resolved by Bob &amp; Alice on Bob’s local branch when converting commit E into E’</a:t>
+            </a:r>
+          </a:p>
+          <a:p>
+            <a:r>
+              <a:rPr lang="en-US" sz="1800" dirty="0"/>
+              <a:t>Can test on feature branch and merge easily and cleanly</a:t>
+            </a:r>
+          </a:p>
+          <a:p>
+            <a:endParaRPr lang="en-US" sz="1800" dirty="0"/>
+          </a:p>
+          <a:p>
+            <a:r>
+              <a:rPr lang="en-US" sz="1800" dirty="0"/>
+              <a:t>See </a:t>
+            </a:r>
+            <a:r>
+              <a:rPr lang="en-US" sz="1800" dirty="0">
+                <a:hlinkClick r:id="rId3"/>
+              </a:rPr>
+              <a:t>Atlassian/BitBucket</a:t>
+            </a:r>
+            <a:r>
+              <a:rPr lang="en-US" sz="1800" dirty="0"/>
+              <a:t> for a richer Feature Branch Workflow</a:t>
+            </a:r>
+          </a:p>
+          <a:p>
+            <a:endParaRPr lang="en-US" sz="1800" dirty="0"/>
+          </a:p>
+          <a:p>
+            <a:pPr marL="0" indent="0">
+              <a:buNone/>
+            </a:pPr>
+            <a:endParaRPr lang="en-US" dirty="0"/>
+          </a:p>
+          <a:p>
+            <a:pPr marL="0" indent="0">
+              <a:buNone/>
+            </a:pPr>
+            <a:endParaRPr lang="en-US" dirty="0"/>
           </a:p>
         </p:txBody>
       </p:sp>
       <p:pic>
         <p:nvPicPr>
-          <p:cNvPr id="6" name="Content Placeholder 4">
+          <p:cNvPr id="4" name="Picture 3">
             <a:extLst>
               <a:ext uri="{FF2B5EF4-FFF2-40B4-BE49-F238E27FC236}">
-                <a16:creationId xmlns:a16="http://schemas.microsoft.com/office/drawing/2014/main" id="{8EDC29C2-D834-984E-A36C-09D78A54F493}"/>
+                <a16:creationId xmlns:a16="http://schemas.microsoft.com/office/drawing/2014/main" id="{F9B7AE99-A7E9-BB4D-9635-C82C9229FB63}"/>
               </a:ext>
             </a:extLst>
           </p:cNvPr>
@@ -7222,31 +7392,24 @@
           <p:nvPr/>
         </p:nvPicPr>
         <p:blipFill rotWithShape="1">
-          <a:blip r:embed="rId3">
+          <a:blip r:embed="rId4">
             <a:extLst>
               <a:ext uri="{28A0092B-C50C-407E-A947-70E740481C1C}">
                 <a14:useLocalDpi xmlns:a14="http://schemas.microsoft.com/office/drawing/2010/main" val="0"/>
               </a:ext>
             </a:extLst>
           </a:blip>
-          <a:srcRect l="2737" t="5952" r="27330" b="53074"/>
+          <a:srcRect r="52729" b="18960"/>
           <a:stretch/>
         </p:blipFill>
-        <p:spPr bwMode="auto">
+        <p:spPr>
           <a:xfrm>
-            <a:off x="3470636" y="3548819"/>
-            <a:ext cx="5782055" cy="2478024"/>
+            <a:off x="7543801" y="914399"/>
+            <a:ext cx="4068751" cy="5102352"/>
           </a:xfrm>
           <a:prstGeom prst="rect">
             <a:avLst/>
           </a:prstGeom>
-          <a:noFill/>
-          <a:ln w="9525">
-            <a:noFill/>
-            <a:miter lim="800000"/>
-            <a:headEnd/>
-            <a:tailEnd/>
-          </a:ln>
         </p:spPr>
       </p:pic>
       <p:sp>
@@ -7254,7 +7417,7 @@
           <p:cNvPr id="5" name="TextBox 4">
             <a:extLst>
               <a:ext uri="{FF2B5EF4-FFF2-40B4-BE49-F238E27FC236}">
-                <a16:creationId xmlns:a16="http://schemas.microsoft.com/office/drawing/2014/main" id="{0DF1C353-B24F-254B-A331-11A408B528ED}"/>
+                <a16:creationId xmlns:a16="http://schemas.microsoft.com/office/drawing/2014/main" id="{AEEEF759-A97D-EE48-B9CD-6A8DF100A3BC}"/>
               </a:ext>
             </a:extLst>
           </p:cNvPr>
@@ -7263,7 +7426,7 @@
         </p:nvSpPr>
         <p:spPr>
           <a:xfrm>
-            <a:off x="3607752" y="3548819"/>
+            <a:off x="7900352" y="1429068"/>
             <a:ext cx="822960" cy="274320"/>
           </a:xfrm>
           <a:prstGeom prst="rect">
@@ -7299,10 +7462,110 @@
           </a:p>
         </p:txBody>
       </p:sp>
+      <p:sp>
+        <p:nvSpPr>
+          <p:cNvPr id="6" name="TextBox 5">
+            <a:extLst>
+              <a:ext uri="{FF2B5EF4-FFF2-40B4-BE49-F238E27FC236}">
+                <a16:creationId xmlns:a16="http://schemas.microsoft.com/office/drawing/2014/main" id="{E81F1C79-6628-EF4E-B43B-3934FEE0AD37}"/>
+              </a:ext>
+            </a:extLst>
+          </p:cNvPr>
+          <p:cNvSpPr txBox="1"/>
+          <p:nvPr/>
+        </p:nvSpPr>
+        <p:spPr>
+          <a:xfrm>
+            <a:off x="7900352" y="4121023"/>
+            <a:ext cx="822960" cy="274320"/>
+          </a:xfrm>
+          <a:prstGeom prst="rect">
+            <a:avLst/>
+          </a:prstGeom>
+          <a:solidFill>
+            <a:schemeClr val="bg1"/>
+          </a:solidFill>
+        </p:spPr>
+        <p:txBody>
+          <a:bodyPr wrap="square" lIns="118872" tIns="91440" rIns="118872" bIns="91440" rtlCol="0" anchor="ctr" anchorCtr="0">
+            <a:spAutoFit/>
+          </a:bodyPr>
+          <a:lstStyle/>
+          <a:p>
+            <a:pPr algn="l">
+              <a:lnSpc>
+                <a:spcPct val="90000"/>
+              </a:lnSpc>
+            </a:pPr>
+            <a:r>
+              <a:rPr lang="en-US" sz="1200" b="1" dirty="0"/>
+              <a:t>  </a:t>
+            </a:r>
+            <a:r>
+              <a:rPr lang="en-US" sz="1300" b="1" dirty="0"/>
+              <a:t>main </a:t>
+            </a:r>
+            <a:r>
+              <a:rPr lang="en-US" sz="1200" b="1" dirty="0"/>
+              <a:t> </a:t>
+            </a:r>
+          </a:p>
+        </p:txBody>
+      </p:sp>
+      <p:sp>
+        <p:nvSpPr>
+          <p:cNvPr id="7" name="TextBox 6">
+            <a:extLst>
+              <a:ext uri="{FF2B5EF4-FFF2-40B4-BE49-F238E27FC236}">
+                <a16:creationId xmlns:a16="http://schemas.microsoft.com/office/drawing/2014/main" id="{104FC445-FE31-A848-9D02-6A9B1DC6D745}"/>
+              </a:ext>
+            </a:extLst>
+          </p:cNvPr>
+          <p:cNvSpPr txBox="1"/>
+          <p:nvPr/>
+        </p:nvSpPr>
+        <p:spPr>
+          <a:xfrm>
+            <a:off x="7868284" y="4988749"/>
+            <a:ext cx="822960" cy="274320"/>
+          </a:xfrm>
+          <a:prstGeom prst="rect">
+            <a:avLst/>
+          </a:prstGeom>
+          <a:solidFill>
+            <a:schemeClr val="bg1"/>
+          </a:solidFill>
+        </p:spPr>
+        <p:txBody>
+          <a:bodyPr wrap="square" lIns="118872" tIns="91440" rIns="118872" bIns="91440" rtlCol="0" anchor="ctr" anchorCtr="0">
+            <a:spAutoFit/>
+          </a:bodyPr>
+          <a:lstStyle/>
+          <a:p>
+            <a:pPr algn="l">
+              <a:lnSpc>
+                <a:spcPct val="90000"/>
+              </a:lnSpc>
+            </a:pPr>
+            <a:r>
+              <a:rPr lang="en-US" sz="1200" b="1" dirty="0"/>
+              <a:t>  </a:t>
+            </a:r>
+            <a:r>
+              <a:rPr lang="en-US" sz="1300" b="1" dirty="0"/>
+              <a:t>main </a:t>
+            </a:r>
+            <a:r>
+              <a:rPr lang="en-US" sz="1200" b="1" dirty="0"/>
+              <a:t> </a:t>
+            </a:r>
+          </a:p>
+        </p:txBody>
+      </p:sp>
     </p:spTree>
     <p:extLst>
       <p:ext uri="{BB962C8B-B14F-4D97-AF65-F5344CB8AC3E}">
-        <p14:creationId xmlns:p14="http://schemas.microsoft.com/office/powerpoint/2010/main" val="88559930"/>
+        <p14:creationId xmlns:p14="http://schemas.microsoft.com/office/powerpoint/2010/main" val="3133443400"/>
       </p:ext>
     </p:extLst>
   </p:cSld>
@@ -7313,7 +7576,7 @@
 </file>
 
 <file path=ppt/slides/slide13.xml><?xml version="1.0" encoding="utf-8"?>
-<p:sld xmlns:a="http://schemas.openxmlformats.org/drawingml/2006/main" xmlns:r="http://schemas.openxmlformats.org/officeDocument/2006/relationships" xmlns:p="http://schemas.openxmlformats.org/presentationml/2006/main">
+<p:sld xmlns:a="http://schemas.openxmlformats.org/drawingml/2006/main" xmlns:r="http://schemas.openxmlformats.org/officeDocument/2006/relationships" xmlns:p="http://schemas.openxmlformats.org/presentationml/2006/main" show="0">
   <p:cSld>
     <p:spTree>
       <p:nvGrpSpPr>
@@ -7334,7 +7597,7 @@
           <p:cNvPr id="2" name="Title 1">
             <a:extLst>
               <a:ext uri="{FF2B5EF4-FFF2-40B4-BE49-F238E27FC236}">
-                <a16:creationId xmlns:a16="http://schemas.microsoft.com/office/drawing/2014/main" id="{2EF2A3CB-B57C-B94D-8AED-B95D1F80E379}"/>
+                <a16:creationId xmlns:a16="http://schemas.microsoft.com/office/drawing/2014/main" id="{5E55DB01-506C-2448-9D32-40AE24ED5E5B}"/>
               </a:ext>
             </a:extLst>
           </p:cNvPr>
@@ -7352,7 +7615,7 @@
           <a:p>
             <a:r>
               <a:rPr lang="en-US" dirty="0"/>
-              <a:t>Pull Requests</a:t>
+              <a:t>More Branches</a:t>
             </a:r>
           </a:p>
         </p:txBody>
@@ -7362,7 +7625,7 @@
           <p:cNvPr id="3" name="Content Placeholder 2">
             <a:extLst>
               <a:ext uri="{FF2B5EF4-FFF2-40B4-BE49-F238E27FC236}">
-                <a16:creationId xmlns:a16="http://schemas.microsoft.com/office/drawing/2014/main" id="{57AFD203-C48A-CC4F-92A6-C42A2A1CC27B}"/>
+                <a16:creationId xmlns:a16="http://schemas.microsoft.com/office/drawing/2014/main" id="{AB1E63D6-6FAD-4145-81C6-9BCC413E2E16}"/>
               </a:ext>
             </a:extLst>
           </p:cNvPr>
@@ -7375,44 +7638,145 @@
         </p:nvSpPr>
         <p:spPr>
           <a:xfrm>
-            <a:off x="365760" y="1428557"/>
-            <a:ext cx="11369809" cy="4047778"/>
+            <a:off x="365761" y="958883"/>
+            <a:ext cx="5997969" cy="4047778"/>
           </a:xfrm>
         </p:spPr>
         <p:txBody>
           <a:bodyPr/>
           <a:lstStyle/>
           <a:p>
-            <a:r>
-              <a:rPr lang="en-US" dirty="0"/>
-              <a:t>Review and testing before merge</a:t>
+            <a:pPr marL="0" indent="0">
+              <a:buNone/>
+            </a:pPr>
+            <a:r>
+              <a:rPr lang="en-US" dirty="0"/>
+              <a:t>Branches with </a:t>
+            </a:r>
+            <a:r>
+              <a:rPr lang="en-US" u="sng" dirty="0"/>
+              <a:t>infinite lifetime</a:t>
+            </a:r>
+          </a:p>
+          <a:p>
+            <a:r>
+              <a:rPr lang="en-US" dirty="0"/>
+              <a:t>Base off of main branch</a:t>
+            </a:r>
+          </a:p>
+          <a:p>
+            <a:r>
+              <a:rPr lang="en-US" dirty="0"/>
+              <a:t>Exist in all copies of a repository</a:t>
+            </a:r>
+          </a:p>
+          <a:p>
+            <a:r>
+              <a:rPr lang="en-US" dirty="0"/>
+              <a:t>Each provides a distinct </a:t>
+            </a:r>
+            <a:r>
+              <a:rPr lang="en-US" b="1" dirty="0"/>
+              <a:t>environment</a:t>
             </a:r>
           </a:p>
           <a:p>
             <a:pPr lvl="1"/>
             <a:r>
               <a:rPr lang="en-US" dirty="0"/>
-              <a:t>Alerts team and others about changes in branch before merge</a:t>
-            </a:r>
-          </a:p>
-          <a:p>
-            <a:pPr lvl="1"/>
-            <a:r>
-              <a:rPr lang="en-US" dirty="0"/>
-              <a:t>Discussions ensue with possible follow up commits</a:t>
-            </a:r>
-          </a:p>
-          <a:p>
-            <a:pPr lvl="1"/>
-            <a:r>
-              <a:rPr lang="en-US" dirty="0"/>
-              <a:t>Can request reviewer</a:t>
-            </a:r>
-          </a:p>
-          <a:p>
-            <a:r>
-              <a:rPr lang="en-US" dirty="0"/>
-              <a:t>Set policies for merge</a:t>
+              <a:t>Development vs. pre-production</a:t>
+            </a:r>
+          </a:p>
+        </p:txBody>
+      </p:sp>
+      <p:pic>
+        <p:nvPicPr>
+          <p:cNvPr id="6" name="Content Placeholder 4">
+            <a:extLst>
+              <a:ext uri="{FF2B5EF4-FFF2-40B4-BE49-F238E27FC236}">
+                <a16:creationId xmlns:a16="http://schemas.microsoft.com/office/drawing/2014/main" id="{8EDC29C2-D834-984E-A36C-09D78A54F493}"/>
+              </a:ext>
+            </a:extLst>
+          </p:cNvPr>
+          <p:cNvPicPr>
+            <a:picLocks noChangeAspect="1"/>
+          </p:cNvPicPr>
+          <p:nvPr/>
+        </p:nvPicPr>
+        <p:blipFill rotWithShape="1">
+          <a:blip r:embed="rId3">
+            <a:extLst>
+              <a:ext uri="{28A0092B-C50C-407E-A947-70E740481C1C}">
+                <a14:useLocalDpi xmlns:a14="http://schemas.microsoft.com/office/drawing/2010/main" val="0"/>
+              </a:ext>
+            </a:extLst>
+          </a:blip>
+          <a:srcRect l="2737" t="5952" r="27330" b="53074"/>
+          <a:stretch/>
+        </p:blipFill>
+        <p:spPr bwMode="auto">
+          <a:xfrm>
+            <a:off x="3470636" y="3548819"/>
+            <a:ext cx="5782055" cy="2478024"/>
+          </a:xfrm>
+          <a:prstGeom prst="rect">
+            <a:avLst/>
+          </a:prstGeom>
+          <a:noFill/>
+          <a:ln w="9525">
+            <a:noFill/>
+            <a:miter lim="800000"/>
+            <a:headEnd/>
+            <a:tailEnd/>
+          </a:ln>
+        </p:spPr>
+      </p:pic>
+      <p:sp>
+        <p:nvSpPr>
+          <p:cNvPr id="5" name="TextBox 4">
+            <a:extLst>
+              <a:ext uri="{FF2B5EF4-FFF2-40B4-BE49-F238E27FC236}">
+                <a16:creationId xmlns:a16="http://schemas.microsoft.com/office/drawing/2014/main" id="{0DF1C353-B24F-254B-A331-11A408B528ED}"/>
+              </a:ext>
+            </a:extLst>
+          </p:cNvPr>
+          <p:cNvSpPr txBox="1"/>
+          <p:nvPr/>
+        </p:nvSpPr>
+        <p:spPr>
+          <a:xfrm>
+            <a:off x="3607752" y="3548819"/>
+            <a:ext cx="822960" cy="274320"/>
+          </a:xfrm>
+          <a:prstGeom prst="rect">
+            <a:avLst/>
+          </a:prstGeom>
+          <a:solidFill>
+            <a:schemeClr val="bg1"/>
+          </a:solidFill>
+        </p:spPr>
+        <p:txBody>
+          <a:bodyPr wrap="square" lIns="118872" tIns="91440" rIns="118872" bIns="91440" rtlCol="0" anchor="ctr" anchorCtr="0">
+            <a:spAutoFit/>
+          </a:bodyPr>
+          <a:lstStyle/>
+          <a:p>
+            <a:pPr algn="l">
+              <a:lnSpc>
+                <a:spcPct val="90000"/>
+              </a:lnSpc>
+            </a:pPr>
+            <a:r>
+              <a:rPr lang="en-US" sz="1200" b="1" dirty="0"/>
+              <a:t>  </a:t>
+            </a:r>
+            <a:r>
+              <a:rPr lang="en-US" sz="1300" b="1" dirty="0"/>
+              <a:t>main </a:t>
+            </a:r>
+            <a:r>
+              <a:rPr lang="en-US" sz="1200" b="1" dirty="0"/>
+              <a:t> </a:t>
             </a:r>
           </a:p>
         </p:txBody>
@@ -7420,7 +7784,7 @@
     </p:spTree>
     <p:extLst>
       <p:ext uri="{BB962C8B-B14F-4D97-AF65-F5344CB8AC3E}">
-        <p14:creationId xmlns:p14="http://schemas.microsoft.com/office/powerpoint/2010/main" val="810765199"/>
+        <p14:creationId xmlns:p14="http://schemas.microsoft.com/office/powerpoint/2010/main" val="88559930"/>
       </p:ext>
     </p:extLst>
   </p:cSld>
@@ -7452,7 +7816,7 @@
           <p:cNvPr id="2" name="Title 1">
             <a:extLst>
               <a:ext uri="{FF2B5EF4-FFF2-40B4-BE49-F238E27FC236}">
-                <a16:creationId xmlns:a16="http://schemas.microsoft.com/office/drawing/2014/main" id="{06C319D7-B951-5F48-8FCB-96FFBE6D28E4}"/>
+                <a16:creationId xmlns:a16="http://schemas.microsoft.com/office/drawing/2014/main" id="{2EF2A3CB-B57C-B94D-8AED-B95D1F80E379}"/>
               </a:ext>
             </a:extLst>
           </p:cNvPr>
@@ -7470,7 +7834,7 @@
           <a:p>
             <a:r>
               <a:rPr lang="en-US" dirty="0"/>
-              <a:t>GitHub Forks</a:t>
+              <a:t>Pull/Merge Requests (GitHub/GitLab)</a:t>
             </a:r>
           </a:p>
         </p:txBody>
@@ -7480,7 +7844,7 @@
           <p:cNvPr id="3" name="Content Placeholder 2">
             <a:extLst>
               <a:ext uri="{FF2B5EF4-FFF2-40B4-BE49-F238E27FC236}">
-                <a16:creationId xmlns:a16="http://schemas.microsoft.com/office/drawing/2014/main" id="{C0791E2B-1593-0C44-AE53-3527DEC6A1DC}"/>
+                <a16:creationId xmlns:a16="http://schemas.microsoft.com/office/drawing/2014/main" id="{57AFD203-C48A-CC4F-92A6-C42A2A1CC27B}"/>
               </a:ext>
             </a:extLst>
           </p:cNvPr>
@@ -7493,8 +7857,8 @@
         </p:nvSpPr>
         <p:spPr>
           <a:xfrm>
-            <a:off x="409507" y="1325880"/>
-            <a:ext cx="11779318" cy="4047778"/>
+            <a:off x="365760" y="1428557"/>
+            <a:ext cx="11369809" cy="4047778"/>
           </a:xfrm>
         </p:spPr>
         <p:txBody>
@@ -7503,79 +7867,68 @@
           <a:p>
             <a:r>
               <a:rPr lang="en-US" dirty="0"/>
-              <a:t>A “fork” of a repository is a complete copy of another repository, inside a different GitHub account.</a:t>
+              <a:t>Code review and testing before merge</a:t>
             </a:r>
           </a:p>
           <a:p>
             <a:pPr lvl="1"/>
             <a:r>
               <a:rPr lang="en-US" dirty="0"/>
-              <a:t>Forking requires read access to the </a:t>
-            </a:r>
-            <a:r>
-              <a:rPr lang="en-US" i="1" dirty="0"/>
-              <a:t>upstream</a:t>
-            </a:r>
-            <a:r>
-              <a:rPr lang="en-US" dirty="0"/>
-              <a:t> repository</a:t>
-            </a:r>
-          </a:p>
-          <a:p>
-            <a:pPr lvl="2"/>
-            <a:r>
-              <a:rPr lang="en-US" dirty="0"/>
-              <a:t>Forks of public repositories are public</a:t>
-            </a:r>
-          </a:p>
-          <a:p>
-            <a:pPr lvl="2"/>
-            <a:r>
-              <a:rPr lang="en-US" dirty="0"/>
-              <a:t>External collaborators can be granted write access to your fork</a:t>
-            </a:r>
-          </a:p>
-          <a:p>
-            <a:pPr lvl="2"/>
-            <a:r>
-              <a:rPr lang="en-US" dirty="0"/>
-              <a:t>You cannot fork a fork</a:t>
+              <a:t>Alerts team and others about changes in branch before merge</a:t>
             </a:r>
           </a:p>
           <a:p>
             <a:pPr lvl="1"/>
             <a:r>
               <a:rPr lang="en-US" dirty="0"/>
-              <a:t>Does not copy issues or pull requests</a:t>
+              <a:t>Discussions ensue with possible follow up commits</a:t>
             </a:r>
           </a:p>
           <a:p>
             <a:pPr lvl="1"/>
             <a:r>
               <a:rPr lang="en-US" dirty="0"/>
-              <a:t>Use branches within your fork (do not modify main)</a:t>
+              <a:t>Can request reviewer</a:t>
+            </a:r>
+          </a:p>
+          <a:p>
+            <a:r>
+              <a:rPr lang="en-US" dirty="0"/>
+              <a:t>Set policies for merge</a:t>
             </a:r>
           </a:p>
           <a:p>
             <a:pPr lvl="1"/>
             <a:r>
               <a:rPr lang="en-US" dirty="0"/>
-              <a:t>A pull request (GitLab uses “merge request”) can be used to suggest changes to the upstream repository</a:t>
-            </a:r>
-          </a:p>
-          <a:p>
-            <a:pPr lvl="2"/>
-            <a:r>
-              <a:rPr lang="en-US" dirty="0"/>
-              <a:t>Added benefit: pull requests from forks prevent huge numbers of branches on the upstream repository</a:t>
-            </a:r>
+              <a:t>Enforce rules such as coding standards</a:t>
+            </a:r>
+          </a:p>
+          <a:p>
+            <a:pPr lvl="1"/>
+            <a:r>
+              <a:rPr lang="en-US" dirty="0"/>
+              <a:t>Minimum number of reviewers</a:t>
+            </a:r>
+          </a:p>
+          <a:p>
+            <a:pPr lvl="1"/>
+            <a:r>
+              <a:rPr lang="en-US" dirty="0"/>
+              <a:t>Protected </a:t>
+            </a:r>
+            <a:r>
+              <a:rPr lang="en-US" dirty="0" err="1"/>
+              <a:t>braches</a:t>
+            </a:r>
+            <a:endParaRPr lang="en-US" dirty="0"/>
           </a:p>
         </p:txBody>
       </p:sp>
     </p:spTree>
     <p:extLst>
       <p:ext uri="{BB962C8B-B14F-4D97-AF65-F5344CB8AC3E}">
-        <p14:creationId xmlns:p14="http://schemas.microsoft.com/office/powerpoint/2010/main" val="4192397415"/>
+        <p14:creationId xmlns:p14="http://schemas.microsoft.com/office/powerpoint/2010/main" val="810765199"/>
       </p:ext>
     </p:extLst>
   </p:cSld>
@@ -7607,7 +7960,7 @@
           <p:cNvPr id="2" name="Title 1">
             <a:extLst>
               <a:ext uri="{FF2B5EF4-FFF2-40B4-BE49-F238E27FC236}">
-                <a16:creationId xmlns:a16="http://schemas.microsoft.com/office/drawing/2014/main" id="{1D42A50A-4072-6A46-BFD0-09B711A73760}"/>
+                <a16:creationId xmlns:a16="http://schemas.microsoft.com/office/drawing/2014/main" id="{06C319D7-B951-5F48-8FCB-96FFBE6D28E4}"/>
               </a:ext>
             </a:extLst>
           </p:cNvPr>
@@ -7618,19 +7971,14 @@
             <p:ph type="title"/>
           </p:nvPr>
         </p:nvSpPr>
-        <p:spPr>
-          <a:xfrm>
-            <a:off x="406843" y="190500"/>
-            <a:ext cx="11372473" cy="914400"/>
-          </a:xfrm>
-        </p:spPr>
+        <p:spPr/>
         <p:txBody>
           <a:bodyPr/>
           <a:lstStyle/>
           <a:p>
             <a:r>
               <a:rPr lang="en-US" dirty="0"/>
-              <a:t>Code Review – What Peer Code Review Can Provide</a:t>
+              <a:t>GitHub Forks</a:t>
             </a:r>
           </a:p>
         </p:txBody>
@@ -7640,7 +7988,7 @@
           <p:cNvPr id="3" name="Content Placeholder 2">
             <a:extLst>
               <a:ext uri="{FF2B5EF4-FFF2-40B4-BE49-F238E27FC236}">
-                <a16:creationId xmlns:a16="http://schemas.microsoft.com/office/drawing/2014/main" id="{99FBF6DE-C30C-2C49-B5E7-CC621541936F}"/>
+                <a16:creationId xmlns:a16="http://schemas.microsoft.com/office/drawing/2014/main" id="{C0791E2B-1593-0C44-AE53-3527DEC6A1DC}"/>
               </a:ext>
             </a:extLst>
           </p:cNvPr>
@@ -7653,8 +8001,8 @@
         </p:nvSpPr>
         <p:spPr>
           <a:xfrm>
-            <a:off x="409507" y="742950"/>
-            <a:ext cx="11369809" cy="4794250"/>
+            <a:off x="409507" y="1325880"/>
+            <a:ext cx="11779318" cy="4047778"/>
           </a:xfrm>
         </p:spPr>
         <p:txBody>
@@ -7663,159 +8011,78 @@
           <a:p>
             <a:r>
               <a:rPr lang="en-US" dirty="0"/>
-              <a:t>Allows discussion of proposed changes</a:t>
+              <a:t>A “fork” of a repository is a complete copy of another repository, inside a different GitHub account.</a:t>
             </a:r>
           </a:p>
           <a:p>
             <a:pPr lvl="1"/>
             <a:r>
-              <a:rPr lang="en-US" dirty="0"/>
-              <a:t>Iterations for better code</a:t>
+              <a:rPr lang="en-US" i="1" dirty="0"/>
+              <a:t>Different</a:t>
+            </a:r>
+            <a:r>
+              <a:rPr lang="en-US" dirty="0"/>
+              <a:t> from a clone</a:t>
+            </a:r>
+          </a:p>
+          <a:p>
+            <a:r>
+              <a:rPr lang="en-US" dirty="0"/>
+              <a:t>Forking requires read access to the </a:t>
+            </a:r>
+            <a:r>
+              <a:rPr lang="en-US" i="1" dirty="0"/>
+              <a:t>upstream</a:t>
+            </a:r>
+            <a:r>
+              <a:rPr lang="en-US" dirty="0"/>
+              <a:t> repository</a:t>
             </a:r>
           </a:p>
           <a:p>
             <a:pPr lvl="1"/>
             <a:r>
               <a:rPr lang="en-US" dirty="0"/>
-              <a:t>Discussions and reviewing allow more understanding of the code </a:t>
-            </a:r>
-          </a:p>
-          <a:p>
-            <a:r>
-              <a:rPr lang="en-US" dirty="0"/>
-              <a:t>Ensures requested change/feature met</a:t>
-            </a:r>
-          </a:p>
-          <a:p>
-            <a:r>
-              <a:rPr lang="en-US" dirty="0"/>
-              <a:t>Evaluates impact of the change</a:t>
+              <a:t>Forks of public repositories are public</a:t>
             </a:r>
           </a:p>
           <a:p>
             <a:pPr lvl="1"/>
             <a:r>
               <a:rPr lang="en-US" dirty="0"/>
-              <a:t>Breakages</a:t>
+              <a:t>External collaborators can be granted write access to your fork</a:t>
             </a:r>
           </a:p>
           <a:p>
             <a:pPr lvl="1"/>
             <a:r>
               <a:rPr lang="en-US" dirty="0"/>
-              <a:t>Interactions with other parts of code</a:t>
-            </a:r>
-          </a:p>
-          <a:p>
-            <a:r>
-              <a:rPr lang="en-US" dirty="0"/>
-              <a:t>Ensures coding guidelines are met</a:t>
-            </a:r>
-          </a:p>
-          <a:p>
-            <a:r>
-              <a:rPr lang="en-US" dirty="0"/>
-              <a:t>Improves practices by learning</a:t>
+              <a:t>You cannot fork a fork</a:t>
+            </a:r>
+          </a:p>
+          <a:p>
+            <a:r>
+              <a:rPr lang="en-US" dirty="0"/>
+              <a:t>Does not copy issues or pull requests</a:t>
+            </a:r>
+          </a:p>
+          <a:p>
+            <a:r>
+              <a:rPr lang="en-US" dirty="0"/>
+              <a:t>Use branches within your fork (do not modify main)</a:t>
+            </a:r>
+          </a:p>
+          <a:p>
+            <a:r>
+              <a:rPr lang="en-US" dirty="0"/>
+              <a:t>A pull/merge request can be used to suggest changes to the upstream repository</a:t>
             </a:r>
           </a:p>
           <a:p>
             <a:pPr lvl="1"/>
             <a:r>
               <a:rPr lang="en-US" dirty="0"/>
-              <a:t>About other parts of the code</a:t>
-            </a:r>
-          </a:p>
-          <a:p>
-            <a:pPr lvl="1"/>
-            <a:r>
-              <a:rPr lang="en-US" dirty="0"/>
-              <a:t>Helpful coding techniques by others</a:t>
-            </a:r>
-          </a:p>
-          <a:p>
-            <a:pPr marL="0" indent="0">
-              <a:buNone/>
-            </a:pPr>
-            <a:endParaRPr lang="en-US" dirty="0"/>
-          </a:p>
-        </p:txBody>
-      </p:sp>
-      <p:sp>
-        <p:nvSpPr>
-          <p:cNvPr id="4" name="TextBox 3">
-            <a:extLst>
-              <a:ext uri="{FF2B5EF4-FFF2-40B4-BE49-F238E27FC236}">
-                <a16:creationId xmlns:a16="http://schemas.microsoft.com/office/drawing/2014/main" id="{3221CF11-B650-9D4F-B9A0-430ED74F62F2}"/>
-              </a:ext>
-            </a:extLst>
-          </p:cNvPr>
-          <p:cNvSpPr txBox="1"/>
-          <p:nvPr/>
-        </p:nvSpPr>
-        <p:spPr>
-          <a:xfrm>
-            <a:off x="5656459" y="3851275"/>
-            <a:ext cx="6532366" cy="1015663"/>
-          </a:xfrm>
-          <a:prstGeom prst="rect">
-            <a:avLst/>
-          </a:prstGeom>
-          <a:noFill/>
-        </p:spPr>
-        <p:txBody>
-          <a:bodyPr wrap="none" lIns="118872" tIns="91440" rIns="118872" bIns="91440" rtlCol="0" anchor="ctr" anchorCtr="0">
-            <a:spAutoFit/>
-          </a:bodyPr>
-          <a:lstStyle/>
-          <a:p>
-            <a:pPr marL="0" indent="0">
-              <a:buNone/>
-            </a:pPr>
-            <a:r>
-              <a:rPr lang="en-US" dirty="0"/>
-              <a:t>Blog: </a:t>
-            </a:r>
-            <a:r>
-              <a:rPr lang="en-US" b="1" dirty="0"/>
-              <a:t>How to code review in a Pull Request</a:t>
-            </a:r>
-          </a:p>
-          <a:p>
-            <a:pPr marL="0" indent="0">
-              <a:buNone/>
-            </a:pPr>
-            <a:r>
-              <a:rPr lang="en-US" dirty="0"/>
-              <a:t>Author: Hugo Sousa - March 17, 2021</a:t>
-            </a:r>
-          </a:p>
-          <a:p>
-            <a:pPr marL="0" indent="0">
-              <a:buNone/>
-            </a:pPr>
-            <a:r>
-              <a:rPr lang="en-US" u="sng" dirty="0">
-                <a:solidFill>
-                  <a:srgbClr val="AA2F36"/>
-                </a:solidFill>
-              </a:rPr>
-              <a:t>https://</a:t>
-            </a:r>
-            <a:r>
-              <a:rPr lang="en-US" u="sng" dirty="0" err="1">
-                <a:solidFill>
-                  <a:srgbClr val="AA2F36"/>
-                </a:solidFill>
-              </a:rPr>
-              <a:t>blog.codacy.com</a:t>
-            </a:r>
-            <a:r>
-              <a:rPr lang="en-US" u="sng" dirty="0">
-                <a:solidFill>
-                  <a:srgbClr val="AA2F36"/>
-                </a:solidFill>
-              </a:rPr>
-              <a:t>/how-to-code-review-in-a-pull-request/</a:t>
+              <a:t>Added benefit: pull requests from forks prevent huge numbers of branches on the upstream repository</a:t>
             </a:r>
           </a:p>
         </p:txBody>
@@ -7823,7 +8090,7 @@
     </p:spTree>
     <p:extLst>
       <p:ext uri="{BB962C8B-B14F-4D97-AF65-F5344CB8AC3E}">
-        <p14:creationId xmlns:p14="http://schemas.microsoft.com/office/powerpoint/2010/main" val="3267493295"/>
+        <p14:creationId xmlns:p14="http://schemas.microsoft.com/office/powerpoint/2010/main" val="4192397415"/>
       </p:ext>
     </p:extLst>
   </p:cSld>
@@ -7866,14 +8133,19 @@
             <p:ph type="title"/>
           </p:nvPr>
         </p:nvSpPr>
-        <p:spPr/>
+        <p:spPr>
+          <a:xfrm>
+            <a:off x="406843" y="190500"/>
+            <a:ext cx="11372473" cy="914400"/>
+          </a:xfrm>
+        </p:spPr>
         <p:txBody>
           <a:bodyPr/>
           <a:lstStyle/>
           <a:p>
             <a:r>
               <a:rPr lang="en-US" dirty="0"/>
-              <a:t>Code Review  - Improvement and Practices</a:t>
+              <a:t>Code Review – What Peer Code Review Can Provide</a:t>
             </a:r>
           </a:p>
         </p:txBody>
@@ -7896,8 +8168,8 @@
         </p:nvSpPr>
         <p:spPr>
           <a:xfrm>
-            <a:off x="365760" y="1325880"/>
-            <a:ext cx="11369809" cy="4935220"/>
+            <a:off x="409507" y="742950"/>
+            <a:ext cx="11369809" cy="4794250"/>
           </a:xfrm>
         </p:spPr>
         <p:txBody>
@@ -7906,77 +8178,81 @@
           <a:p>
             <a:r>
               <a:rPr lang="en-US" dirty="0"/>
-              <a:t>Helpful practices for scientific research software</a:t>
+              <a:t>Allows discussion of proposed changes</a:t>
             </a:r>
           </a:p>
           <a:p>
             <a:pPr lvl="1"/>
             <a:r>
               <a:rPr lang="en-US" dirty="0"/>
-              <a:t>Make code review process formal with structured guidelines</a:t>
+              <a:t>Iterations for better code</a:t>
             </a:r>
           </a:p>
           <a:p>
             <a:pPr lvl="1"/>
             <a:r>
               <a:rPr lang="en-US" dirty="0"/>
-              <a:t>Allocate sufficient time in the development process to perform code review</a:t>
+              <a:t>Discussions and reviewing allow more understanding of the code </a:t>
+            </a:r>
+          </a:p>
+          <a:p>
+            <a:r>
+              <a:rPr lang="en-US" dirty="0"/>
+              <a:t>Ensures requested change/feature met</a:t>
+            </a:r>
+          </a:p>
+          <a:p>
+            <a:r>
+              <a:rPr lang="en-US" dirty="0"/>
+              <a:t>Evaluates impact of the change</a:t>
             </a:r>
           </a:p>
           <a:p>
             <a:pPr lvl="1"/>
             <a:r>
               <a:rPr lang="en-US" dirty="0"/>
-              <a:t>Try to ensure at least one science review and one technical review</a:t>
+              <a:t>Breakages</a:t>
             </a:r>
           </a:p>
           <a:p>
             <a:pPr lvl="1"/>
             <a:r>
               <a:rPr lang="en-US" dirty="0"/>
-              <a:t>Timely reviews - provide quick feedback to incoming review requests</a:t>
+              <a:t>Interactions with other parts of code</a:t>
+            </a:r>
+          </a:p>
+          <a:p>
+            <a:r>
+              <a:rPr lang="en-US" dirty="0"/>
+              <a:t>Ensures coding guidelines are met</a:t>
+            </a:r>
+          </a:p>
+          <a:p>
+            <a:r>
+              <a:rPr lang="en-US" dirty="0"/>
+              <a:t>Improves practices by learning</a:t>
             </a:r>
           </a:p>
           <a:p>
             <a:pPr lvl="1"/>
             <a:r>
               <a:rPr lang="en-US" dirty="0"/>
-              <a:t>Train reviewers on how to phrase good feedback</a:t>
+              <a:t>About other parts of the code</a:t>
             </a:r>
           </a:p>
           <a:p>
             <a:pPr lvl="1"/>
             <a:r>
               <a:rPr lang="en-US" dirty="0"/>
-              <a:t>Train developers to accept comments to improve their code</a:t>
-            </a:r>
-          </a:p>
-          <a:p>
-            <a:pPr lvl="1"/>
-            <a:r>
-              <a:rPr lang="en-US" dirty="0"/>
-              <a:t>Include automatic code review tool and train reviewers in best use practice of the tool</a:t>
-            </a:r>
-          </a:p>
-          <a:p>
-            <a:pPr lvl="1"/>
+              <a:t>Helpful coding techniques by others</a:t>
+            </a:r>
+          </a:p>
+          <a:p>
+            <a:pPr marL="0" indent="0">
+              <a:buNone/>
+            </a:pPr>
             <a:endParaRPr lang="en-US" dirty="0"/>
           </a:p>
-          <a:p>
-            <a:pPr marL="346075" lvl="1" indent="0">
-              <a:buNone/>
-            </a:pPr>
-            <a:endParaRPr lang="en-US" sz="1800" u="sng" dirty="0">
-              <a:solidFill>
-                <a:srgbClr val="D13940"/>
-              </a:solidFill>
-              <a:uFill>
-                <a:solidFill>
-                  <a:srgbClr val="D13940"/>
-                </a:solidFill>
-              </a:uFill>
-            </a:endParaRPr>
-          </a:p>
         </p:txBody>
       </p:sp>
       <p:sp>
@@ -7984,7 +8260,7 @@
           <p:cNvPr id="4" name="TextBox 3">
             <a:extLst>
               <a:ext uri="{FF2B5EF4-FFF2-40B4-BE49-F238E27FC236}">
-                <a16:creationId xmlns:a16="http://schemas.microsoft.com/office/drawing/2014/main" id="{B20555F4-2F93-6F42-97B6-DE302B1B6741}"/>
+                <a16:creationId xmlns:a16="http://schemas.microsoft.com/office/drawing/2014/main" id="{3221CF11-B650-9D4F-B9A0-430ED74F62F2}"/>
               </a:ext>
             </a:extLst>
           </p:cNvPr>
@@ -7993,8 +8269,8 @@
         </p:nvSpPr>
         <p:spPr>
           <a:xfrm>
-            <a:off x="453256" y="4759344"/>
-            <a:ext cx="8324034" cy="1015663"/>
+            <a:off x="5656459" y="3851275"/>
+            <a:ext cx="6532366" cy="1015663"/>
           </a:xfrm>
           <a:prstGeom prst="rect">
             <a:avLst/>
@@ -8002,7 +8278,7 @@
           <a:noFill/>
         </p:spPr>
         <p:txBody>
-          <a:bodyPr wrap="square" lIns="118872" tIns="91440" rIns="118872" bIns="91440" rtlCol="0" anchor="ctr" anchorCtr="0">
+          <a:bodyPr wrap="none" lIns="118872" tIns="91440" rIns="118872" bIns="91440" rtlCol="0" anchor="ctr" anchorCtr="0">
             <a:spAutoFit/>
           </a:bodyPr>
           <a:lstStyle/>
@@ -8011,8 +8287,12 @@
               <a:buNone/>
             </a:pPr>
             <a:r>
+              <a:rPr lang="en-US" dirty="0"/>
+              <a:t>Blog: </a:t>
+            </a:r>
+            <a:r>
               <a:rPr lang="en-US" b="1" dirty="0"/>
-              <a:t>Testing and Code Review Practices in Research Software Development</a:t>
+              <a:t>How to code review in a Pull Request</a:t>
             </a:r>
           </a:p>
           <a:p>
@@ -8021,15 +8301,7 @@
             </a:pPr>
             <a:r>
               <a:rPr lang="en-US" dirty="0"/>
-              <a:t>Presenter: Nasir </a:t>
-            </a:r>
-            <a:r>
-              <a:rPr lang="en-US" dirty="0" err="1"/>
-              <a:t>Eisty</a:t>
-            </a:r>
-            <a:r>
-              <a:rPr lang="en-US" dirty="0"/>
-              <a:t> – September 9, 2020</a:t>
+              <a:t>Author: Hugo Sousa - March 17, 2021</a:t>
             </a:r>
           </a:p>
           <a:p>
@@ -8042,7 +8314,7 @@
                   <a:srgbClr val="AA2F36"/>
                 </a:solidFill>
               </a:rPr>
-              <a:t>https://ideas-</a:t>
+              <a:t>https://</a:t>
             </a:r>
             <a:r>
               <a:rPr lang="en-US" u="sng" dirty="0" err="1">
@@ -8050,7 +8322,7 @@
                   <a:srgbClr val="AA2F36"/>
                 </a:solidFill>
               </a:rPr>
-              <a:t>productivity.org</a:t>
+              <a:t>blog.codacy.com</a:t>
             </a:r>
             <a:r>
               <a:rPr lang="en-US" u="sng" dirty="0">
@@ -8058,23 +8330,7 @@
                   <a:srgbClr val="AA2F36"/>
                 </a:solidFill>
               </a:rPr>
-              <a:t>/events/</a:t>
-            </a:r>
-            <a:r>
-              <a:rPr lang="en-US" u="sng" dirty="0" err="1">
-                <a:solidFill>
-                  <a:srgbClr val="AA2F36"/>
-                </a:solidFill>
-              </a:rPr>
-              <a:t>hpc</a:t>
-            </a:r>
-            <a:r>
-              <a:rPr lang="en-US" u="sng" dirty="0">
-                <a:solidFill>
-                  <a:srgbClr val="AA2F36"/>
-                </a:solidFill>
-              </a:rPr>
-              <a:t>-best-practices-webinars/#webinar044</a:t>
+              <a:t>/how-to-code-review-in-a-pull-request/</a:t>
             </a:r>
           </a:p>
         </p:txBody>
@@ -8082,7 +8338,7 @@
     </p:spTree>
     <p:extLst>
       <p:ext uri="{BB962C8B-B14F-4D97-AF65-F5344CB8AC3E}">
-        <p14:creationId xmlns:p14="http://schemas.microsoft.com/office/powerpoint/2010/main" val="3057547454"/>
+        <p14:creationId xmlns:p14="http://schemas.microsoft.com/office/powerpoint/2010/main" val="3267493295"/>
       </p:ext>
     </p:extLst>
   </p:cSld>
@@ -8093,7 +8349,7 @@
 </file>
 
 <file path=ppt/slides/slide17.xml><?xml version="1.0" encoding="utf-8"?>
-<p:sld xmlns:a="http://schemas.openxmlformats.org/drawingml/2006/main" xmlns:r="http://schemas.openxmlformats.org/officeDocument/2006/relationships" xmlns:p="http://schemas.openxmlformats.org/presentationml/2006/main">
+<p:sld xmlns:a="http://schemas.openxmlformats.org/drawingml/2006/main" xmlns:r="http://schemas.openxmlformats.org/officeDocument/2006/relationships" xmlns:p="http://schemas.openxmlformats.org/presentationml/2006/main" show="0">
   <p:cSld>
     <p:spTree>
       <p:nvGrpSpPr>
@@ -8114,7 +8370,7 @@
           <p:cNvPr id="2" name="Title 1">
             <a:extLst>
               <a:ext uri="{FF2B5EF4-FFF2-40B4-BE49-F238E27FC236}">
-                <a16:creationId xmlns:a16="http://schemas.microsoft.com/office/drawing/2014/main" id="{F07038E7-EEB4-9043-9EA1-7BA9EA5F3241}"/>
+                <a16:creationId xmlns:a16="http://schemas.microsoft.com/office/drawing/2014/main" id="{1D42A50A-4072-6A46-BFD0-09B711A73760}"/>
               </a:ext>
             </a:extLst>
           </p:cNvPr>
@@ -8125,33 +8381,15 @@
             <p:ph type="title"/>
           </p:nvPr>
         </p:nvSpPr>
-        <p:spPr>
-          <a:xfrm>
-            <a:off x="365760" y="411480"/>
-            <a:ext cx="11372473" cy="679383"/>
-          </a:xfrm>
-        </p:spPr>
+        <p:spPr/>
         <p:txBody>
           <a:bodyPr/>
           <a:lstStyle/>
           <a:p>
             <a:r>
               <a:rPr lang="en-US" dirty="0"/>
-              <a:t>Git Workflow Models of Different complexity</a:t>
-            </a:r>
-            <a:br>
-              <a:rPr lang="en-US" dirty="0"/>
-            </a:br>
-            <a:br>
-              <a:rPr lang="en-US" dirty="0"/>
-            </a:br>
-            <a:br>
-              <a:rPr lang="en-US" dirty="0"/>
-            </a:br>
-            <a:br>
-              <a:rPr lang="en-US" dirty="0"/>
-            </a:br>
-            <a:endParaRPr lang="en-US" dirty="0"/>
+              <a:t>Code Review  - Improvement and Practices</a:t>
+            </a:r>
           </a:p>
         </p:txBody>
       </p:sp>
@@ -8160,7 +8398,7 @@
           <p:cNvPr id="3" name="Content Placeholder 2">
             <a:extLst>
               <a:ext uri="{FF2B5EF4-FFF2-40B4-BE49-F238E27FC236}">
-                <a16:creationId xmlns:a16="http://schemas.microsoft.com/office/drawing/2014/main" id="{BC4025A8-D322-7F4C-BD72-C65AC6A3E843}"/>
+                <a16:creationId xmlns:a16="http://schemas.microsoft.com/office/drawing/2014/main" id="{99FBF6DE-C30C-2C49-B5E7-CC621541936F}"/>
               </a:ext>
             </a:extLst>
           </p:cNvPr>
@@ -8173,12 +8411,115 @@
         </p:nvSpPr>
         <p:spPr>
           <a:xfrm>
-            <a:off x="363096" y="1203559"/>
-            <a:ext cx="11369809" cy="2517808"/>
+            <a:off x="365760" y="1325880"/>
+            <a:ext cx="11369809" cy="4935220"/>
           </a:xfrm>
         </p:spPr>
         <p:txBody>
           <a:bodyPr/>
+          <a:lstStyle/>
+          <a:p>
+            <a:r>
+              <a:rPr lang="en-US" dirty="0"/>
+              <a:t>Helpful practices for scientific research software</a:t>
+            </a:r>
+          </a:p>
+          <a:p>
+            <a:pPr lvl="1"/>
+            <a:r>
+              <a:rPr lang="en-US" dirty="0"/>
+              <a:t>Make code review process formal with structured guidelines</a:t>
+            </a:r>
+          </a:p>
+          <a:p>
+            <a:pPr lvl="1"/>
+            <a:r>
+              <a:rPr lang="en-US" dirty="0"/>
+              <a:t>Allocate sufficient time in the development process to perform code review</a:t>
+            </a:r>
+          </a:p>
+          <a:p>
+            <a:pPr lvl="1"/>
+            <a:r>
+              <a:rPr lang="en-US" dirty="0"/>
+              <a:t>Try to ensure at least one science review and one technical review</a:t>
+            </a:r>
+          </a:p>
+          <a:p>
+            <a:pPr lvl="1"/>
+            <a:r>
+              <a:rPr lang="en-US" dirty="0"/>
+              <a:t>Timely reviews - provide quick feedback to incoming review requests</a:t>
+            </a:r>
+          </a:p>
+          <a:p>
+            <a:pPr lvl="1"/>
+            <a:r>
+              <a:rPr lang="en-US" dirty="0"/>
+              <a:t>Train reviewers on how to phrase good feedback</a:t>
+            </a:r>
+          </a:p>
+          <a:p>
+            <a:pPr lvl="1"/>
+            <a:r>
+              <a:rPr lang="en-US" dirty="0"/>
+              <a:t>Train developers to accept comments to improve their code</a:t>
+            </a:r>
+          </a:p>
+          <a:p>
+            <a:pPr lvl="1"/>
+            <a:r>
+              <a:rPr lang="en-US" dirty="0"/>
+              <a:t>Include automatic code review tool and train reviewers in best use practice of the tool</a:t>
+            </a:r>
+          </a:p>
+          <a:p>
+            <a:pPr lvl="1"/>
+            <a:endParaRPr lang="en-US" dirty="0"/>
+          </a:p>
+          <a:p>
+            <a:pPr marL="346075" lvl="1" indent="0">
+              <a:buNone/>
+            </a:pPr>
+            <a:endParaRPr lang="en-US" sz="1800" u="sng" dirty="0">
+              <a:solidFill>
+                <a:srgbClr val="D13940"/>
+              </a:solidFill>
+              <a:uFill>
+                <a:solidFill>
+                  <a:srgbClr val="D13940"/>
+                </a:solidFill>
+              </a:uFill>
+            </a:endParaRPr>
+          </a:p>
+        </p:txBody>
+      </p:sp>
+      <p:sp>
+        <p:nvSpPr>
+          <p:cNvPr id="4" name="TextBox 3">
+            <a:extLst>
+              <a:ext uri="{FF2B5EF4-FFF2-40B4-BE49-F238E27FC236}">
+                <a16:creationId xmlns:a16="http://schemas.microsoft.com/office/drawing/2014/main" id="{B20555F4-2F93-6F42-97B6-DE302B1B6741}"/>
+              </a:ext>
+            </a:extLst>
+          </p:cNvPr>
+          <p:cNvSpPr txBox="1"/>
+          <p:nvPr/>
+        </p:nvSpPr>
+        <p:spPr>
+          <a:xfrm>
+            <a:off x="453256" y="4759344"/>
+            <a:ext cx="8324034" cy="1015663"/>
+          </a:xfrm>
+          <a:prstGeom prst="rect">
+            <a:avLst/>
+          </a:prstGeom>
+          <a:noFill/>
+        </p:spPr>
+        <p:txBody>
+          <a:bodyPr wrap="square" lIns="118872" tIns="91440" rIns="118872" bIns="91440" rtlCol="0" anchor="ctr" anchorCtr="0">
+            <a:spAutoFit/>
+          </a:bodyPr>
           <a:lstStyle/>
           <a:p>
             <a:pPr marL="0" indent="0">
@@ -8186,43 +8527,77 @@
             </a:pPr>
             <a:r>
               <a:rPr lang="en-US" b="1" dirty="0"/>
-              <a:t>Commonly Known Workflows</a:t>
-            </a:r>
-          </a:p>
-          <a:p>
-            <a:r>
-              <a:rPr lang="en-US" dirty="0"/>
-              <a:t>Git Flow</a:t>
-            </a:r>
-          </a:p>
-          <a:p>
-            <a:r>
-              <a:rPr lang="en-US" dirty="0" err="1"/>
-              <a:t>Github</a:t>
-            </a:r>
-            <a:r>
-              <a:rPr lang="en-US" dirty="0"/>
-              <a:t> Flow</a:t>
-            </a:r>
-          </a:p>
-          <a:p>
-            <a:r>
-              <a:rPr lang="en-US" dirty="0"/>
-              <a:t>Gitlab Flow</a:t>
+              <a:t>Testing and Code Review Practices in Research Software Development</a:t>
             </a:r>
           </a:p>
           <a:p>
             <a:pPr marL="0" indent="0">
               <a:buNone/>
             </a:pPr>
-            <a:endParaRPr lang="en-US" dirty="0"/>
+            <a:r>
+              <a:rPr lang="en-US" dirty="0"/>
+              <a:t>Presenter: Nasir </a:t>
+            </a:r>
+            <a:r>
+              <a:rPr lang="en-US" dirty="0" err="1"/>
+              <a:t>Eisty</a:t>
+            </a:r>
+            <a:r>
+              <a:rPr lang="en-US" dirty="0"/>
+              <a:t> – September 9, 2020</a:t>
+            </a:r>
+          </a:p>
+          <a:p>
+            <a:pPr marL="0" indent="0">
+              <a:buNone/>
+            </a:pPr>
+            <a:r>
+              <a:rPr lang="en-US" u="sng" dirty="0">
+                <a:solidFill>
+                  <a:srgbClr val="AA2F36"/>
+                </a:solidFill>
+              </a:rPr>
+              <a:t>https://ideas-</a:t>
+            </a:r>
+            <a:r>
+              <a:rPr lang="en-US" u="sng" dirty="0" err="1">
+                <a:solidFill>
+                  <a:srgbClr val="AA2F36"/>
+                </a:solidFill>
+              </a:rPr>
+              <a:t>productivity.org</a:t>
+            </a:r>
+            <a:r>
+              <a:rPr lang="en-US" u="sng" dirty="0">
+                <a:solidFill>
+                  <a:srgbClr val="AA2F36"/>
+                </a:solidFill>
+              </a:rPr>
+              <a:t>/events/</a:t>
+            </a:r>
+            <a:r>
+              <a:rPr lang="en-US" u="sng" dirty="0" err="1">
+                <a:solidFill>
+                  <a:srgbClr val="AA2F36"/>
+                </a:solidFill>
+              </a:rPr>
+              <a:t>hpc</a:t>
+            </a:r>
+            <a:r>
+              <a:rPr lang="en-US" u="sng" dirty="0">
+                <a:solidFill>
+                  <a:srgbClr val="AA2F36"/>
+                </a:solidFill>
+              </a:rPr>
+              <a:t>-best-practices-webinars/#webinar044</a:t>
+            </a:r>
           </a:p>
         </p:txBody>
       </p:sp>
     </p:spTree>
     <p:extLst>
       <p:ext uri="{BB962C8B-B14F-4D97-AF65-F5344CB8AC3E}">
-        <p14:creationId xmlns:p14="http://schemas.microsoft.com/office/powerpoint/2010/main" val="4060798534"/>
+        <p14:creationId xmlns:p14="http://schemas.microsoft.com/office/powerpoint/2010/main" val="3057547454"/>
       </p:ext>
     </p:extLst>
   </p:cSld>
@@ -8254,7 +8629,7 @@
           <p:cNvPr id="2" name="Title 1">
             <a:extLst>
               <a:ext uri="{FF2B5EF4-FFF2-40B4-BE49-F238E27FC236}">
-                <a16:creationId xmlns:a16="http://schemas.microsoft.com/office/drawing/2014/main" id="{5780C519-1EB3-8846-B9E7-B3E551D14DB0}"/>
+                <a16:creationId xmlns:a16="http://schemas.microsoft.com/office/drawing/2014/main" id="{F07038E7-EEB4-9043-9EA1-7BA9EA5F3241}"/>
               </a:ext>
             </a:extLst>
           </p:cNvPr>
@@ -8267,8 +8642,8 @@
         </p:nvSpPr>
         <p:spPr>
           <a:xfrm>
-            <a:off x="408175" y="174034"/>
-            <a:ext cx="11372473" cy="914400"/>
+            <a:off x="365760" y="411480"/>
+            <a:ext cx="11372473" cy="679383"/>
           </a:xfrm>
         </p:spPr>
         <p:txBody>
@@ -8277,17 +8652,30 @@
           <a:p>
             <a:r>
               <a:rPr lang="en-US" dirty="0"/>
-              <a:t>Git Flow</a:t>
-            </a:r>
-          </a:p>
-        </p:txBody>
-      </p:sp>
-      <p:sp>
-        <p:nvSpPr>
-          <p:cNvPr id="12" name="Content Placeholder 2">
+              <a:t>Git Workflow Models of Different complexity</a:t>
+            </a:r>
+            <a:br>
+              <a:rPr lang="en-US" dirty="0"/>
+            </a:br>
+            <a:br>
+              <a:rPr lang="en-US" dirty="0"/>
+            </a:br>
+            <a:br>
+              <a:rPr lang="en-US" dirty="0"/>
+            </a:br>
+            <a:br>
+              <a:rPr lang="en-US" dirty="0"/>
+            </a:br>
+            <a:endParaRPr lang="en-US" dirty="0"/>
+          </a:p>
+        </p:txBody>
+      </p:sp>
+      <p:sp>
+        <p:nvSpPr>
+          <p:cNvPr id="3" name="Content Placeholder 2">
             <a:extLst>
               <a:ext uri="{FF2B5EF4-FFF2-40B4-BE49-F238E27FC236}">
-                <a16:creationId xmlns:a16="http://schemas.microsoft.com/office/drawing/2014/main" id="{F7E13A38-2353-E14A-841B-4D9CC88C8EA3}"/>
+                <a16:creationId xmlns:a16="http://schemas.microsoft.com/office/drawing/2014/main" id="{BC4025A8-D322-7F4C-BD72-C65AC6A3E843}"/>
               </a:ext>
             </a:extLst>
           </p:cNvPr>
@@ -8300,281 +8688,52 @@
         </p:nvSpPr>
         <p:spPr>
           <a:xfrm>
-            <a:off x="5411977" y="516171"/>
-            <a:ext cx="6500623" cy="4047778"/>
+            <a:off x="363096" y="1203559"/>
+            <a:ext cx="11369809" cy="2517808"/>
           </a:xfrm>
         </p:spPr>
         <p:txBody>
           <a:bodyPr/>
           <a:lstStyle/>
           <a:p>
-            <a:pPr marL="285750" indent="-285750">
-              <a:buFont typeface="Arial" panose="020B0604020202020204" pitchFamily="34" charset="0"/>
-              <a:buChar char="•"/>
-            </a:pPr>
-            <a:r>
-              <a:rPr lang="en-US" dirty="0"/>
-              <a:t>Full-featured workflow</a:t>
-            </a:r>
-          </a:p>
-          <a:p>
-            <a:pPr marL="285750" indent="-285750">
-              <a:buFont typeface="Arial" panose="020B0604020202020204" pitchFamily="34" charset="0"/>
-              <a:buChar char="•"/>
-            </a:pPr>
-            <a:r>
-              <a:rPr lang="en-US" dirty="0"/>
-              <a:t>Increased complexity</a:t>
-            </a:r>
-          </a:p>
-          <a:p>
-            <a:pPr marL="285750" indent="-285750">
-              <a:buFont typeface="Arial" panose="020B0604020202020204" pitchFamily="34" charset="0"/>
-              <a:buChar char="•"/>
-            </a:pPr>
-            <a:r>
-              <a:rPr lang="en-US" dirty="0"/>
-              <a:t>Designed for SW with official releases</a:t>
-            </a:r>
-          </a:p>
-          <a:p>
-            <a:pPr marL="285750" indent="-285750">
-              <a:buFont typeface="Arial" panose="020B0604020202020204" pitchFamily="34" charset="0"/>
-              <a:buChar char="•"/>
-            </a:pPr>
-            <a:r>
-              <a:rPr lang="en-US" dirty="0"/>
-              <a:t>Feature branches based off of develop</a:t>
-            </a:r>
-          </a:p>
-          <a:p>
-            <a:pPr marL="285750" indent="-285750">
-              <a:buFont typeface="Arial" panose="020B0604020202020204" pitchFamily="34" charset="0"/>
-              <a:buChar char="•"/>
-            </a:pPr>
-            <a:r>
-              <a:rPr lang="en-US" dirty="0">
-                <a:hlinkClick r:id="rId3"/>
-              </a:rPr>
-              <a:t>Git extensions</a:t>
-            </a:r>
-            <a:r>
-              <a:rPr lang="en-US" dirty="0"/>
-              <a:t> to enforce policy</a:t>
-            </a:r>
-          </a:p>
-          <a:p>
-            <a:pPr marL="285750" indent="-285750">
-              <a:buFont typeface="Arial" panose="020B0604020202020204" pitchFamily="34" charset="0"/>
-              <a:buChar char="•"/>
-            </a:pPr>
-            <a:r>
-              <a:rPr lang="en-US" dirty="0"/>
-              <a:t>How are develop and main synchronized?</a:t>
-            </a:r>
-          </a:p>
-          <a:p>
-            <a:pPr marL="285750" indent="-285750">
-              <a:buFont typeface="Arial" panose="020B0604020202020204" pitchFamily="34" charset="0"/>
-              <a:buChar char="•"/>
-            </a:pPr>
-            <a:r>
-              <a:rPr lang="en-US" dirty="0"/>
-              <a:t>Where do merge conflicts occur and how are they resolved?</a:t>
-            </a:r>
-          </a:p>
-        </p:txBody>
-      </p:sp>
-      <p:sp>
-        <p:nvSpPr>
-          <p:cNvPr id="7" name="TextBox 6">
-            <a:extLst>
-              <a:ext uri="{FF2B5EF4-FFF2-40B4-BE49-F238E27FC236}">
-                <a16:creationId xmlns:a16="http://schemas.microsoft.com/office/drawing/2014/main" id="{9EA3B929-9425-9A46-9997-AAEB3D2077BD}"/>
-              </a:ext>
-            </a:extLst>
-          </p:cNvPr>
-          <p:cNvSpPr txBox="1"/>
-          <p:nvPr/>
-        </p:nvSpPr>
-        <p:spPr>
-          <a:xfrm>
-            <a:off x="4891407" y="4758347"/>
-            <a:ext cx="7297418" cy="849463"/>
-          </a:xfrm>
-          <a:prstGeom prst="rect">
-            <a:avLst/>
-          </a:prstGeom>
-          <a:noFill/>
-        </p:spPr>
-        <p:txBody>
-          <a:bodyPr wrap="square" lIns="118872" tIns="91440" rIns="118872" bIns="91440" rtlCol="0" anchor="ctr" anchorCtr="0">
-            <a:spAutoFit/>
-          </a:bodyPr>
-          <a:lstStyle/>
-          <a:p>
-            <a:pPr algn="l">
-              <a:lnSpc>
-                <a:spcPct val="90000"/>
-              </a:lnSpc>
-            </a:pPr>
-            <a:r>
-              <a:rPr lang="en-US" sz="1600" b="1" dirty="0"/>
-              <a:t>Author: </a:t>
-            </a:r>
-            <a:r>
-              <a:rPr lang="en-US" sz="1600" dirty="0"/>
-              <a:t>Vincent Driessen</a:t>
-            </a:r>
-          </a:p>
-          <a:p>
-            <a:pPr>
-              <a:lnSpc>
-                <a:spcPct val="90000"/>
-              </a:lnSpc>
-            </a:pPr>
-            <a:r>
-              <a:rPr lang="en-US" sz="1600" b="1" dirty="0"/>
-              <a:t>Original Blog: </a:t>
-            </a:r>
-            <a:r>
-              <a:rPr lang="en-US" sz="1600" b="1" dirty="0">
-                <a:hlinkClick r:id="rId4"/>
-              </a:rPr>
-              <a:t>https://nvie.com/posts/a-successful-git-branching-model/</a:t>
-            </a:r>
-            <a:endParaRPr lang="en-US" sz="1600" b="1" dirty="0"/>
-          </a:p>
-          <a:p>
-            <a:pPr>
-              <a:lnSpc>
-                <a:spcPct val="90000"/>
-              </a:lnSpc>
-            </a:pPr>
-            <a:r>
-              <a:rPr lang="en-US" sz="1600" b="1" dirty="0"/>
-              <a:t>License: </a:t>
-            </a:r>
-            <a:r>
-              <a:rPr lang="en-US" sz="1600" dirty="0"/>
-              <a:t>Creative Commons </a:t>
-            </a:r>
-            <a:endParaRPr lang="en-US" sz="1600" b="1" dirty="0"/>
-          </a:p>
-        </p:txBody>
-      </p:sp>
-      <p:pic>
-        <p:nvPicPr>
-          <p:cNvPr id="8" name="Picture 7">
-            <a:extLst>
-              <a:ext uri="{FF2B5EF4-FFF2-40B4-BE49-F238E27FC236}">
-                <a16:creationId xmlns:a16="http://schemas.microsoft.com/office/drawing/2014/main" id="{AE3E601E-116A-0D4A-B3F6-EB5C127C6164}"/>
-              </a:ext>
-            </a:extLst>
-          </p:cNvPr>
-          <p:cNvPicPr>
-            <a:picLocks noChangeAspect="1"/>
-          </p:cNvPicPr>
-          <p:nvPr/>
-        </p:nvPicPr>
-        <p:blipFill>
-          <a:blip r:embed="rId5"/>
-          <a:stretch>
-            <a:fillRect/>
-          </a:stretch>
-        </p:blipFill>
-        <p:spPr>
-          <a:xfrm>
-            <a:off x="7705346" y="5408603"/>
-            <a:ext cx="1356767" cy="323577"/>
-          </a:xfrm>
-          <a:prstGeom prst="rect">
-            <a:avLst/>
-          </a:prstGeom>
-        </p:spPr>
-      </p:pic>
-      <p:pic>
-        <p:nvPicPr>
-          <p:cNvPr id="4" name="Picture 3">
-            <a:extLst>
-              <a:ext uri="{FF2B5EF4-FFF2-40B4-BE49-F238E27FC236}">
-                <a16:creationId xmlns:a16="http://schemas.microsoft.com/office/drawing/2014/main" id="{33B98FB3-53C2-B047-8060-0D102CF59E21}"/>
-              </a:ext>
-            </a:extLst>
-          </p:cNvPr>
-          <p:cNvPicPr>
-            <a:picLocks noChangeAspect="1"/>
-          </p:cNvPicPr>
-          <p:nvPr/>
-        </p:nvPicPr>
-        <p:blipFill>
-          <a:blip r:embed="rId6" cstate="print">
-            <a:extLst>
-              <a:ext uri="{28A0092B-C50C-407E-A947-70E740481C1C}">
-                <a14:useLocalDpi xmlns:a14="http://schemas.microsoft.com/office/drawing/2010/main" val="0"/>
-              </a:ext>
-            </a:extLst>
-          </a:blip>
-          <a:stretch>
-            <a:fillRect/>
-          </a:stretch>
-        </p:blipFill>
-        <p:spPr>
-          <a:xfrm>
-            <a:off x="408175" y="665457"/>
-            <a:ext cx="4506732" cy="6008976"/>
-          </a:xfrm>
-          <a:prstGeom prst="rect">
-            <a:avLst/>
-          </a:prstGeom>
-        </p:spPr>
-      </p:pic>
-      <p:sp>
-        <p:nvSpPr>
-          <p:cNvPr id="9" name="TextBox 8">
-            <a:extLst>
-              <a:ext uri="{FF2B5EF4-FFF2-40B4-BE49-F238E27FC236}">
-                <a16:creationId xmlns:a16="http://schemas.microsoft.com/office/drawing/2014/main" id="{2802D390-BEBC-A647-AFDC-5E606EA03997}"/>
-              </a:ext>
-            </a:extLst>
-          </p:cNvPr>
-          <p:cNvSpPr txBox="1"/>
-          <p:nvPr/>
-        </p:nvSpPr>
-        <p:spPr>
-          <a:xfrm>
-            <a:off x="3828641" y="730444"/>
-            <a:ext cx="822960" cy="295466"/>
-          </a:xfrm>
-          <a:prstGeom prst="rect">
-            <a:avLst/>
-          </a:prstGeom>
-          <a:solidFill>
-            <a:schemeClr val="bg1"/>
-          </a:solidFill>
-        </p:spPr>
-        <p:txBody>
-          <a:bodyPr wrap="square" lIns="118872" tIns="91440" rIns="118872" bIns="91440" rtlCol="0" anchor="ctr" anchorCtr="0">
-            <a:spAutoFit/>
-          </a:bodyPr>
-          <a:lstStyle/>
-          <a:p>
-            <a:pPr algn="l">
-              <a:lnSpc>
-                <a:spcPct val="90000"/>
-              </a:lnSpc>
-            </a:pPr>
-            <a:r>
-              <a:rPr lang="en-US" sz="800" b="1" dirty="0"/>
-              <a:t>  main  </a:t>
-            </a:r>
+            <a:pPr marL="0" indent="0">
+              <a:buNone/>
+            </a:pPr>
+            <a:r>
+              <a:rPr lang="en-US" b="1" dirty="0"/>
+              <a:t>Commonly Known Workflows</a:t>
+            </a:r>
+          </a:p>
+          <a:p>
+            <a:r>
+              <a:rPr lang="en-US" dirty="0"/>
+              <a:t>Git Flow</a:t>
+            </a:r>
+          </a:p>
+          <a:p>
+            <a:r>
+              <a:rPr lang="en-US" dirty="0"/>
+              <a:t>GitHub Flow</a:t>
+            </a:r>
+          </a:p>
+          <a:p>
+            <a:r>
+              <a:rPr lang="en-US" dirty="0"/>
+              <a:t>GitLab Flow</a:t>
+            </a:r>
+          </a:p>
+          <a:p>
+            <a:pPr marL="0" indent="0">
+              <a:buNone/>
+            </a:pPr>
+            <a:endParaRPr lang="en-US" dirty="0"/>
           </a:p>
         </p:txBody>
       </p:sp>
     </p:spTree>
     <p:extLst>
       <p:ext uri="{BB962C8B-B14F-4D97-AF65-F5344CB8AC3E}">
-        <p14:creationId xmlns:p14="http://schemas.microsoft.com/office/powerpoint/2010/main" val="1539049706"/>
+        <p14:creationId xmlns:p14="http://schemas.microsoft.com/office/powerpoint/2010/main" val="4060798534"/>
       </p:ext>
     </p:extLst>
   </p:cSld>
@@ -8606,7 +8765,7 @@
           <p:cNvPr id="2" name="Title 1">
             <a:extLst>
               <a:ext uri="{FF2B5EF4-FFF2-40B4-BE49-F238E27FC236}">
-                <a16:creationId xmlns:a16="http://schemas.microsoft.com/office/drawing/2014/main" id="{BD4BD5A9-082D-C54B-8AB5-B9AB79871188}"/>
+                <a16:creationId xmlns:a16="http://schemas.microsoft.com/office/drawing/2014/main" id="{5780C519-1EB3-8846-B9E7-B3E551D14DB0}"/>
               </a:ext>
             </a:extLst>
           </p:cNvPr>
@@ -8617,24 +8776,29 @@
             <p:ph type="title"/>
           </p:nvPr>
         </p:nvSpPr>
-        <p:spPr/>
+        <p:spPr>
+          <a:xfrm>
+            <a:off x="408175" y="174034"/>
+            <a:ext cx="11372473" cy="914400"/>
+          </a:xfrm>
+        </p:spPr>
         <p:txBody>
           <a:bodyPr/>
           <a:lstStyle/>
           <a:p>
             <a:r>
               <a:rPr lang="en-US" dirty="0"/>
-              <a:t>GitHub Flow</a:t>
-            </a:r>
-          </a:p>
-        </p:txBody>
-      </p:sp>
-      <p:sp>
-        <p:nvSpPr>
-          <p:cNvPr id="3" name="Content Placeholder 2">
+              <a:t>Git Flow</a:t>
+            </a:r>
+          </a:p>
+        </p:txBody>
+      </p:sp>
+      <p:sp>
+        <p:nvSpPr>
+          <p:cNvPr id="12" name="Content Placeholder 2">
             <a:extLst>
               <a:ext uri="{FF2B5EF4-FFF2-40B4-BE49-F238E27FC236}">
-                <a16:creationId xmlns:a16="http://schemas.microsoft.com/office/drawing/2014/main" id="{8B010D1E-98D6-8143-8514-9CB3935A6D58}"/>
+                <a16:creationId xmlns:a16="http://schemas.microsoft.com/office/drawing/2014/main" id="{F7E13A38-2353-E14A-841B-4D9CC88C8EA3}"/>
               </a:ext>
             </a:extLst>
           </p:cNvPr>
@@ -8647,113 +8811,273 @@
         </p:nvSpPr>
         <p:spPr>
           <a:xfrm>
-            <a:off x="368424" y="1197717"/>
-            <a:ext cx="11369809" cy="4047778"/>
+            <a:off x="5411977" y="516171"/>
+            <a:ext cx="6500623" cy="4047778"/>
           </a:xfrm>
         </p:spPr>
         <p:txBody>
           <a:bodyPr/>
           <a:lstStyle/>
           <a:p>
-            <a:pPr marL="0" indent="0">
-              <a:buNone/>
+            <a:pPr marL="285750" indent="-285750">
+              <a:buFont typeface="Arial" panose="020B0604020202020204" pitchFamily="34" charset="0"/>
+              <a:buChar char="•"/>
+            </a:pPr>
+            <a:r>
+              <a:rPr lang="en-US" dirty="0"/>
+              <a:t>Full-featured workflow</a:t>
+            </a:r>
+          </a:p>
+          <a:p>
+            <a:pPr marL="285750" indent="-285750">
+              <a:buFont typeface="Arial" panose="020B0604020202020204" pitchFamily="34" charset="0"/>
+              <a:buChar char="•"/>
+            </a:pPr>
+            <a:r>
+              <a:rPr lang="en-US" dirty="0"/>
+              <a:t>Increased complexity</a:t>
+            </a:r>
+          </a:p>
+          <a:p>
+            <a:pPr marL="285750" indent="-285750">
+              <a:buFont typeface="Arial" panose="020B0604020202020204" pitchFamily="34" charset="0"/>
+              <a:buChar char="•"/>
+            </a:pPr>
+            <a:r>
+              <a:rPr lang="en-US" dirty="0"/>
+              <a:t>Designed for SW with official releases</a:t>
+            </a:r>
+          </a:p>
+          <a:p>
+            <a:pPr marL="285750" indent="-285750">
+              <a:buFont typeface="Arial" panose="020B0604020202020204" pitchFamily="34" charset="0"/>
+              <a:buChar char="•"/>
+            </a:pPr>
+            <a:r>
+              <a:rPr lang="en-US" dirty="0"/>
+              <a:t>Feature branches based off of develop</a:t>
+            </a:r>
+          </a:p>
+          <a:p>
+            <a:pPr marL="285750" indent="-285750">
+              <a:buFont typeface="Arial" panose="020B0604020202020204" pitchFamily="34" charset="0"/>
+              <a:buChar char="•"/>
             </a:pPr>
             <a:r>
               <a:rPr lang="en-US" dirty="0">
                 <a:hlinkClick r:id="rId3"/>
               </a:rPr>
-              <a:t>http://scottchacon.com/2011/08/31/github-flow.html</a:t>
-            </a:r>
-            <a:endParaRPr lang="en-US" dirty="0"/>
-          </a:p>
-          <a:p>
-            <a:pPr lvl="1"/>
-            <a:r>
-              <a:rPr lang="en-US" dirty="0"/>
-              <a:t>Published as viable alternative to Git Flow</a:t>
-            </a:r>
-          </a:p>
-          <a:p>
-            <a:pPr lvl="1"/>
-            <a:r>
-              <a:rPr lang="en-US" dirty="0"/>
-              <a:t>No structured release schedule</a:t>
-            </a:r>
-          </a:p>
-          <a:p>
-            <a:pPr lvl="1"/>
-            <a:r>
-              <a:rPr lang="en-US" dirty="0"/>
-              <a:t>Continuous deployment &amp; continuous integration allows for simpler workflow</a:t>
-            </a:r>
-          </a:p>
-          <a:p>
-            <a:pPr marL="346075" lvl="1" indent="0">
-              <a:buNone/>
-            </a:pPr>
-            <a:endParaRPr lang="en-US" dirty="0"/>
-          </a:p>
-          <a:p>
-            <a:pPr marL="0" indent="-49212">
-              <a:buNone/>
-            </a:pPr>
-            <a:r>
-              <a:rPr lang="en-US" dirty="0"/>
-              <a:t>Key Ideas</a:t>
-            </a:r>
-          </a:p>
-          <a:p>
-            <a:pPr marL="457200" indent="-457200">
-              <a:buFont typeface="+mj-lt"/>
-              <a:buAutoNum type="arabicPeriod"/>
-            </a:pPr>
-            <a:r>
-              <a:rPr lang="en-US" sz="2000" dirty="0"/>
-              <a:t>All commits in the main branch are </a:t>
-            </a:r>
-            <a:r>
-              <a:rPr lang="en-US" sz="2000" b="1" dirty="0"/>
-              <a:t>deployable</a:t>
-            </a:r>
-          </a:p>
-          <a:p>
-            <a:pPr marL="457200" indent="-457200">
-              <a:buFont typeface="+mj-lt"/>
-              <a:buAutoNum type="arabicPeriod"/>
-            </a:pPr>
-            <a:r>
-              <a:rPr lang="en-US" sz="2000" dirty="0"/>
-              <a:t>Base feature branches off of main</a:t>
-            </a:r>
-          </a:p>
-          <a:p>
-            <a:pPr marL="457200" indent="-457200">
-              <a:buFont typeface="+mj-lt"/>
-              <a:buAutoNum type="arabicPeriod"/>
-            </a:pPr>
-            <a:r>
-              <a:rPr lang="en-US" sz="2000" dirty="0"/>
-              <a:t>Push local repository to remote constantly</a:t>
-            </a:r>
-          </a:p>
-          <a:p>
-            <a:pPr marL="457200" indent="-457200">
-              <a:buFont typeface="+mj-lt"/>
-              <a:buAutoNum type="arabicPeriod"/>
-            </a:pPr>
-            <a:r>
-              <a:rPr lang="en-US" sz="2000" dirty="0"/>
-              <a:t>Open Pull Requests early to start dialogue</a:t>
-            </a:r>
-          </a:p>
-          <a:p>
-            <a:pPr marL="457200" indent="-457200">
-              <a:buFont typeface="+mj-lt"/>
-              <a:buAutoNum type="arabicPeriod"/>
-            </a:pPr>
-            <a:r>
-              <a:rPr lang="en-US" sz="2000" dirty="0"/>
-              <a:t>Merge into main after Pull Request review </a:t>
+              <a:t>Git extensions</a:t>
+            </a:r>
+            <a:r>
+              <a:rPr lang="en-US" dirty="0"/>
+              <a:t> to enforce policy</a:t>
+            </a:r>
+          </a:p>
+          <a:p>
+            <a:pPr marL="285750" indent="-285750">
+              <a:buFont typeface="Arial" panose="020B0604020202020204" pitchFamily="34" charset="0"/>
+              <a:buChar char="•"/>
+            </a:pPr>
+            <a:r>
+              <a:rPr lang="en-US" dirty="0"/>
+              <a:t>How are develop and main synchronized?</a:t>
+            </a:r>
+          </a:p>
+          <a:p>
+            <a:pPr marL="285750" indent="-285750">
+              <a:buFont typeface="Arial" panose="020B0604020202020204" pitchFamily="34" charset="0"/>
+              <a:buChar char="•"/>
+            </a:pPr>
+            <a:r>
+              <a:rPr lang="en-US" dirty="0"/>
+              <a:t>Where do merge conflicts occur and how are they resolved?</a:t>
+            </a:r>
+          </a:p>
+        </p:txBody>
+      </p:sp>
+      <p:sp>
+        <p:nvSpPr>
+          <p:cNvPr id="7" name="TextBox 6">
+            <a:extLst>
+              <a:ext uri="{FF2B5EF4-FFF2-40B4-BE49-F238E27FC236}">
+                <a16:creationId xmlns:a16="http://schemas.microsoft.com/office/drawing/2014/main" id="{9EA3B929-9425-9A46-9997-AAEB3D2077BD}"/>
+              </a:ext>
+            </a:extLst>
+          </p:cNvPr>
+          <p:cNvSpPr txBox="1"/>
+          <p:nvPr/>
+        </p:nvSpPr>
+        <p:spPr>
+          <a:xfrm>
+            <a:off x="4891407" y="4758347"/>
+            <a:ext cx="7297418" cy="849463"/>
+          </a:xfrm>
+          <a:prstGeom prst="rect">
+            <a:avLst/>
+          </a:prstGeom>
+          <a:noFill/>
+        </p:spPr>
+        <p:txBody>
+          <a:bodyPr wrap="square" lIns="118872" tIns="91440" rIns="118872" bIns="91440" rtlCol="0" anchor="ctr" anchorCtr="0">
+            <a:spAutoFit/>
+          </a:bodyPr>
+          <a:lstStyle/>
+          <a:p>
+            <a:pPr algn="l">
+              <a:lnSpc>
+                <a:spcPct val="90000"/>
+              </a:lnSpc>
+            </a:pPr>
+            <a:r>
+              <a:rPr lang="en-US" sz="1600" b="1" dirty="0"/>
+              <a:t>Author: </a:t>
+            </a:r>
+            <a:r>
+              <a:rPr lang="en-US" sz="1600" dirty="0"/>
+              <a:t>Vincent Driessen</a:t>
+            </a:r>
+          </a:p>
+          <a:p>
+            <a:pPr>
+              <a:lnSpc>
+                <a:spcPct val="90000"/>
+              </a:lnSpc>
+            </a:pPr>
+            <a:r>
+              <a:rPr lang="en-US" sz="1600" b="1" dirty="0"/>
+              <a:t>Original Blog: </a:t>
+            </a:r>
+            <a:r>
+              <a:rPr lang="en-US" sz="1600" b="1" dirty="0">
+                <a:hlinkClick r:id="rId4"/>
+              </a:rPr>
+              <a:t>https://nvie.com/posts/a-successful-git-branching-model/</a:t>
+            </a:r>
+            <a:endParaRPr lang="en-US" sz="1600" b="1" dirty="0"/>
+          </a:p>
+          <a:p>
+            <a:pPr>
+              <a:lnSpc>
+                <a:spcPct val="90000"/>
+              </a:lnSpc>
+            </a:pPr>
+            <a:r>
+              <a:rPr lang="en-US" sz="1600" b="1" dirty="0"/>
+              <a:t>License: </a:t>
+            </a:r>
+            <a:r>
+              <a:rPr lang="en-US" sz="1600" dirty="0"/>
+              <a:t>Creative Commons </a:t>
+            </a:r>
+            <a:endParaRPr lang="en-US" sz="1600" b="1" dirty="0"/>
+          </a:p>
+        </p:txBody>
+      </p:sp>
+      <p:pic>
+        <p:nvPicPr>
+          <p:cNvPr id="8" name="Picture 7">
+            <a:extLst>
+              <a:ext uri="{FF2B5EF4-FFF2-40B4-BE49-F238E27FC236}">
+                <a16:creationId xmlns:a16="http://schemas.microsoft.com/office/drawing/2014/main" id="{AE3E601E-116A-0D4A-B3F6-EB5C127C6164}"/>
+              </a:ext>
+            </a:extLst>
+          </p:cNvPr>
+          <p:cNvPicPr>
+            <a:picLocks noChangeAspect="1"/>
+          </p:cNvPicPr>
+          <p:nvPr/>
+        </p:nvPicPr>
+        <p:blipFill>
+          <a:blip r:embed="rId5"/>
+          <a:stretch>
+            <a:fillRect/>
+          </a:stretch>
+        </p:blipFill>
+        <p:spPr>
+          <a:xfrm>
+            <a:off x="7705346" y="5408603"/>
+            <a:ext cx="1356767" cy="323577"/>
+          </a:xfrm>
+          <a:prstGeom prst="rect">
+            <a:avLst/>
+          </a:prstGeom>
+        </p:spPr>
+      </p:pic>
+      <p:pic>
+        <p:nvPicPr>
+          <p:cNvPr id="4" name="Picture 3">
+            <a:extLst>
+              <a:ext uri="{FF2B5EF4-FFF2-40B4-BE49-F238E27FC236}">
+                <a16:creationId xmlns:a16="http://schemas.microsoft.com/office/drawing/2014/main" id="{33B98FB3-53C2-B047-8060-0D102CF59E21}"/>
+              </a:ext>
+            </a:extLst>
+          </p:cNvPr>
+          <p:cNvPicPr>
+            <a:picLocks noChangeAspect="1"/>
+          </p:cNvPicPr>
+          <p:nvPr/>
+        </p:nvPicPr>
+        <p:blipFill>
+          <a:blip r:embed="rId6" cstate="print">
+            <a:extLst>
+              <a:ext uri="{28A0092B-C50C-407E-A947-70E740481C1C}">
+                <a14:useLocalDpi xmlns:a14="http://schemas.microsoft.com/office/drawing/2010/main" val="0"/>
+              </a:ext>
+            </a:extLst>
+          </a:blip>
+          <a:stretch>
+            <a:fillRect/>
+          </a:stretch>
+        </p:blipFill>
+        <p:spPr>
+          <a:xfrm>
+            <a:off x="408175" y="665457"/>
+            <a:ext cx="4506732" cy="6008976"/>
+          </a:xfrm>
+          <a:prstGeom prst="rect">
+            <a:avLst/>
+          </a:prstGeom>
+        </p:spPr>
+      </p:pic>
+      <p:sp>
+        <p:nvSpPr>
+          <p:cNvPr id="9" name="TextBox 8">
+            <a:extLst>
+              <a:ext uri="{FF2B5EF4-FFF2-40B4-BE49-F238E27FC236}">
+                <a16:creationId xmlns:a16="http://schemas.microsoft.com/office/drawing/2014/main" id="{2802D390-BEBC-A647-AFDC-5E606EA03997}"/>
+              </a:ext>
+            </a:extLst>
+          </p:cNvPr>
+          <p:cNvSpPr txBox="1"/>
+          <p:nvPr/>
+        </p:nvSpPr>
+        <p:spPr>
+          <a:xfrm>
+            <a:off x="3828641" y="730444"/>
+            <a:ext cx="822960" cy="295466"/>
+          </a:xfrm>
+          <a:prstGeom prst="rect">
+            <a:avLst/>
+          </a:prstGeom>
+          <a:solidFill>
+            <a:schemeClr val="bg1"/>
+          </a:solidFill>
+        </p:spPr>
+        <p:txBody>
+          <a:bodyPr wrap="square" lIns="118872" tIns="91440" rIns="118872" bIns="91440" rtlCol="0" anchor="ctr" anchorCtr="0">
+            <a:spAutoFit/>
+          </a:bodyPr>
+          <a:lstStyle/>
+          <a:p>
+            <a:pPr algn="l">
+              <a:lnSpc>
+                <a:spcPct val="90000"/>
+              </a:lnSpc>
+            </a:pPr>
+            <a:r>
+              <a:rPr lang="en-US" sz="800" b="1" dirty="0"/>
+              <a:t>  main  </a:t>
             </a:r>
           </a:p>
         </p:txBody>
@@ -8761,7 +9085,7 @@
     </p:spTree>
     <p:extLst>
       <p:ext uri="{BB962C8B-B14F-4D97-AF65-F5344CB8AC3E}">
-        <p14:creationId xmlns:p14="http://schemas.microsoft.com/office/powerpoint/2010/main" val="3917958728"/>
+        <p14:creationId xmlns:p14="http://schemas.microsoft.com/office/powerpoint/2010/main" val="1539049706"/>
       </p:ext>
     </p:extLst>
   </p:cSld>
@@ -9126,7 +9450,7 @@
           <a:p>
             <a:r>
               <a:rPr lang="en-US" dirty="0"/>
-              <a:t>GitLab Flow</a:t>
+              <a:t>GitHub Flow</a:t>
             </a:r>
           </a:p>
         </p:txBody>
@@ -9149,8 +9473,8 @@
         </p:nvSpPr>
         <p:spPr>
           <a:xfrm>
-            <a:off x="365761" y="1212707"/>
-            <a:ext cx="10067394" cy="4047778"/>
+            <a:off x="368424" y="1197717"/>
+            <a:ext cx="11369809" cy="4047778"/>
           </a:xfrm>
         </p:spPr>
         <p:txBody>
@@ -9164,7 +9488,7 @@
               <a:rPr lang="en-US" dirty="0">
                 <a:hlinkClick r:id="rId3"/>
               </a:rPr>
-              <a:t>https://docs.gitlab.com/ee/workflow/gitlab_flow.html</a:t>
+              <a:t>http://scottchacon.com/2011/08/31/github-flow.html</a:t>
             </a:r>
             <a:endParaRPr lang="en-US" dirty="0"/>
           </a:p>
@@ -9172,21 +9496,21 @@
             <a:pPr lvl="1"/>
             <a:r>
               <a:rPr lang="en-US" dirty="0"/>
-              <a:t>Published as viable alternative to Git Flow &amp; GitHub Flow</a:t>
+              <a:t>Published as viable alternative to Git Flow</a:t>
             </a:r>
           </a:p>
           <a:p>
             <a:pPr lvl="1"/>
             <a:r>
               <a:rPr lang="en-US" dirty="0"/>
-              <a:t>Semi-structured release schedule</a:t>
+              <a:t>No structured release schedule</a:t>
             </a:r>
           </a:p>
           <a:p>
             <a:pPr lvl="1"/>
             <a:r>
               <a:rPr lang="en-US" dirty="0"/>
-              <a:t>Workflow that simplifies difficulties and common failures in synchronizing infinite lifetime branches</a:t>
+              <a:t>Continuous deployment &amp; continuous integration allows for simpler workflow</a:t>
             </a:r>
           </a:p>
           <a:p>
@@ -9196,7 +9520,7 @@
             <a:endParaRPr lang="en-US" dirty="0"/>
           </a:p>
           <a:p>
-            <a:pPr marL="0" indent="0">
+            <a:pPr marL="0" indent="-49212">
               <a:buNone/>
             </a:pPr>
             <a:r>
@@ -9205,52 +9529,65 @@
             </a:r>
           </a:p>
           <a:p>
+            <a:pPr marL="457200" indent="-457200">
+              <a:buFont typeface="+mj-lt"/>
+              <a:buAutoNum type="arabicPeriod"/>
+            </a:pPr>
             <a:r>
               <a:rPr lang="en-US" sz="2000" dirty="0"/>
-              <a:t>main branch is staging area</a:t>
-            </a:r>
-          </a:p>
-          <a:p>
+              <a:t>All commits in the main branch are </a:t>
+            </a:r>
+            <a:r>
+              <a:rPr lang="en-US" sz="2000" b="1" dirty="0"/>
+              <a:t>deployable</a:t>
+            </a:r>
+          </a:p>
+          <a:p>
+            <a:pPr marL="457200" indent="-457200">
+              <a:buFont typeface="+mj-lt"/>
+              <a:buAutoNum type="arabicPeriod"/>
+            </a:pPr>
             <a:r>
               <a:rPr lang="en-US" sz="2000" dirty="0"/>
-              <a:t>Mature code in main flows downstream into pre-production &amp; production infinite lifetime branches</a:t>
-            </a:r>
-          </a:p>
-          <a:p>
+              <a:t>Base feature branches off of main</a:t>
+            </a:r>
+          </a:p>
+          <a:p>
+            <a:pPr marL="457200" indent="-457200">
+              <a:buFont typeface="+mj-lt"/>
+              <a:buAutoNum type="arabicPeriod"/>
+            </a:pPr>
             <a:r>
               <a:rPr lang="en-US" sz="2000" dirty="0"/>
-              <a:t>Allow for release branches with downstream flow</a:t>
-            </a:r>
-          </a:p>
-          <a:p>
-            <a:pPr lvl="1"/>
-            <a:r>
-              <a:rPr lang="en-US" dirty="0"/>
-              <a:t>Fixes made upstream &amp; merged into main.</a:t>
-            </a:r>
-          </a:p>
-          <a:p>
-            <a:pPr lvl="1"/>
-            <a:r>
-              <a:rPr lang="en-US" dirty="0"/>
-              <a:t>Fixes cherry picked into release branch</a:t>
-            </a:r>
-          </a:p>
-          <a:p>
-            <a:pPr marL="0" indent="0">
-              <a:buNone/>
-            </a:pPr>
-            <a:endParaRPr lang="en-US" dirty="0"/>
-          </a:p>
-          <a:p>
-            <a:endParaRPr lang="en-US" dirty="0"/>
+              <a:t>Push local repository to remote constantly</a:t>
+            </a:r>
+          </a:p>
+          <a:p>
+            <a:pPr marL="457200" indent="-457200">
+              <a:buFont typeface="+mj-lt"/>
+              <a:buAutoNum type="arabicPeriod"/>
+            </a:pPr>
+            <a:r>
+              <a:rPr lang="en-US" sz="2000" dirty="0"/>
+              <a:t>Open Pull Requests early to start dialogue</a:t>
+            </a:r>
+          </a:p>
+          <a:p>
+            <a:pPr marL="457200" indent="-457200">
+              <a:buFont typeface="+mj-lt"/>
+              <a:buAutoNum type="arabicPeriod"/>
+            </a:pPr>
+            <a:r>
+              <a:rPr lang="en-US" sz="2000" dirty="0"/>
+              <a:t>Merge into main after Pull Request review </a:t>
+            </a:r>
           </a:p>
         </p:txBody>
       </p:sp>
     </p:spTree>
     <p:extLst>
       <p:ext uri="{BB962C8B-B14F-4D97-AF65-F5344CB8AC3E}">
-        <p14:creationId xmlns:p14="http://schemas.microsoft.com/office/powerpoint/2010/main" val="3212859505"/>
+        <p14:creationId xmlns:p14="http://schemas.microsoft.com/office/powerpoint/2010/main" val="3917958728"/>
       </p:ext>
     </p:extLst>
   </p:cSld>
@@ -9282,7 +9619,7 @@
           <p:cNvPr id="2" name="Title 1">
             <a:extLst>
               <a:ext uri="{FF2B5EF4-FFF2-40B4-BE49-F238E27FC236}">
-                <a16:creationId xmlns:a16="http://schemas.microsoft.com/office/drawing/2014/main" id="{F07038E7-EEB4-9043-9EA1-7BA9EA5F3241}"/>
+                <a16:creationId xmlns:a16="http://schemas.microsoft.com/office/drawing/2014/main" id="{BD4BD5A9-082D-C54B-8AB5-B9AB79871188}"/>
               </a:ext>
             </a:extLst>
           </p:cNvPr>
@@ -9300,7 +9637,7 @@
           <a:p>
             <a:r>
               <a:rPr lang="en-US" dirty="0"/>
-              <a:t>Collaboration using Git Workflows for CSE projects</a:t>
+              <a:t>GitLab Flow</a:t>
             </a:r>
           </a:p>
         </p:txBody>
@@ -9310,7 +9647,7 @@
           <p:cNvPr id="3" name="Content Placeholder 2">
             <a:extLst>
               <a:ext uri="{FF2B5EF4-FFF2-40B4-BE49-F238E27FC236}">
-                <a16:creationId xmlns:a16="http://schemas.microsoft.com/office/drawing/2014/main" id="{BC4025A8-D322-7F4C-BD72-C65AC6A3E843}"/>
+                <a16:creationId xmlns:a16="http://schemas.microsoft.com/office/drawing/2014/main" id="{8B010D1E-98D6-8143-8514-9CB3935A6D58}"/>
               </a:ext>
             </a:extLst>
           </p:cNvPr>
@@ -9323,8 +9660,8 @@
         </p:nvSpPr>
         <p:spPr>
           <a:xfrm>
-            <a:off x="365760" y="868680"/>
-            <a:ext cx="11369809" cy="4047778"/>
+            <a:off x="365761" y="1212707"/>
+            <a:ext cx="10067394" cy="4047778"/>
           </a:xfrm>
         </p:spPr>
         <p:txBody>
@@ -9334,38 +9671,89 @@
             <a:pPr marL="0" indent="0">
               <a:buNone/>
             </a:pPr>
+            <a:r>
+              <a:rPr lang="en-US" dirty="0">
+                <a:hlinkClick r:id="rId3"/>
+              </a:rPr>
+              <a:t>https://docs.gitlab.com/ee/workflow/gitlab_flow.html</a:t>
+            </a:r>
             <a:endParaRPr lang="en-US" dirty="0"/>
           </a:p>
           <a:p>
-            <a:r>
-              <a:rPr lang="en-US" dirty="0" err="1"/>
-              <a:t>Trilinos</a:t>
-            </a:r>
-            <a:r>
-              <a:rPr lang="en-US" dirty="0"/>
-              <a:t> Workflow</a:t>
-            </a:r>
-          </a:p>
-          <a:p>
-            <a:r>
-              <a:rPr lang="en-US" dirty="0"/>
-              <a:t>Open MPI Workflow</a:t>
-            </a:r>
-          </a:p>
-          <a:p>
-            <a:r>
-              <a:rPr lang="en-US" dirty="0" err="1"/>
-              <a:t>Flecsi</a:t>
-            </a:r>
-            <a:r>
-              <a:rPr lang="en-US" dirty="0"/>
-              <a:t> Workflow</a:t>
-            </a:r>
+            <a:pPr lvl="1"/>
+            <a:r>
+              <a:rPr lang="en-US" dirty="0"/>
+              <a:t>Published as viable alternative to Git Flow &amp; GitHub Flow</a:t>
+            </a:r>
+          </a:p>
+          <a:p>
+            <a:pPr lvl="1"/>
+            <a:r>
+              <a:rPr lang="en-US" dirty="0"/>
+              <a:t>Semi-structured release schedule</a:t>
+            </a:r>
+          </a:p>
+          <a:p>
+            <a:pPr lvl="1"/>
+            <a:r>
+              <a:rPr lang="en-US" dirty="0"/>
+              <a:t>Workflow that simplifies difficulties and common failures in synchronizing infinite lifetime branches</a:t>
+            </a:r>
+          </a:p>
+          <a:p>
+            <a:pPr marL="346075" lvl="1" indent="0">
+              <a:buNone/>
+            </a:pPr>
+            <a:endParaRPr lang="en-US" dirty="0"/>
           </a:p>
           <a:p>
             <a:pPr marL="0" indent="0">
               <a:buNone/>
             </a:pPr>
+            <a:r>
+              <a:rPr lang="en-US" dirty="0"/>
+              <a:t>Key Ideas</a:t>
+            </a:r>
+          </a:p>
+          <a:p>
+            <a:r>
+              <a:rPr lang="en-US" sz="2000" dirty="0"/>
+              <a:t>main branch is staging area</a:t>
+            </a:r>
+          </a:p>
+          <a:p>
+            <a:r>
+              <a:rPr lang="en-US" sz="2000" dirty="0"/>
+              <a:t>Mature code in main flows downstream into pre-production &amp; production infinite lifetime branches</a:t>
+            </a:r>
+          </a:p>
+          <a:p>
+            <a:r>
+              <a:rPr lang="en-US" sz="2000" dirty="0"/>
+              <a:t>Allow for release branches with downstream flow</a:t>
+            </a:r>
+          </a:p>
+          <a:p>
+            <a:pPr lvl="1"/>
+            <a:r>
+              <a:rPr lang="en-US" dirty="0"/>
+              <a:t>Fixes made upstream &amp; merged into main.</a:t>
+            </a:r>
+          </a:p>
+          <a:p>
+            <a:pPr lvl="1"/>
+            <a:r>
+              <a:rPr lang="en-US" dirty="0"/>
+              <a:t>Fixes cherry picked into release branch</a:t>
+            </a:r>
+          </a:p>
+          <a:p>
+            <a:pPr marL="0" indent="0">
+              <a:buNone/>
+            </a:pPr>
+            <a:endParaRPr lang="en-US" dirty="0"/>
+          </a:p>
+          <a:p>
             <a:endParaRPr lang="en-US" dirty="0"/>
           </a:p>
         </p:txBody>
@@ -9373,7 +9761,7 @@
     </p:spTree>
     <p:extLst>
       <p:ext uri="{BB962C8B-B14F-4D97-AF65-F5344CB8AC3E}">
-        <p14:creationId xmlns:p14="http://schemas.microsoft.com/office/powerpoint/2010/main" val="64054294"/>
+        <p14:creationId xmlns:p14="http://schemas.microsoft.com/office/powerpoint/2010/main" val="3212859505"/>
       </p:ext>
     </p:extLst>
   </p:cSld>
@@ -9405,6 +9793,411 @@
           <p:cNvPr id="2" name="Title 1">
             <a:extLst>
               <a:ext uri="{FF2B5EF4-FFF2-40B4-BE49-F238E27FC236}">
+                <a16:creationId xmlns:a16="http://schemas.microsoft.com/office/drawing/2014/main" id="{F21AD05A-6C93-8845-BA24-E011CCDF87C2}"/>
+              </a:ext>
+            </a:extLst>
+          </p:cNvPr>
+          <p:cNvSpPr>
+            <a:spLocks noGrp="1"/>
+          </p:cNvSpPr>
+          <p:nvPr>
+            <p:ph type="title"/>
+          </p:nvPr>
+        </p:nvSpPr>
+        <p:spPr/>
+        <p:txBody>
+          <a:bodyPr/>
+          <a:lstStyle/>
+          <a:p>
+            <a:r>
+              <a:rPr lang="en-US" dirty="0"/>
+              <a:t>Considerations for Choosing a Git Workflow</a:t>
+            </a:r>
+          </a:p>
+        </p:txBody>
+      </p:sp>
+      <p:sp>
+        <p:nvSpPr>
+          <p:cNvPr id="3" name="Content Placeholder 2">
+            <a:extLst>
+              <a:ext uri="{FF2B5EF4-FFF2-40B4-BE49-F238E27FC236}">
+                <a16:creationId xmlns:a16="http://schemas.microsoft.com/office/drawing/2014/main" id="{F2C1C2A6-F586-9A4C-B246-CEFD0831BBF5}"/>
+              </a:ext>
+            </a:extLst>
+          </p:cNvPr>
+          <p:cNvSpPr>
+            <a:spLocks noGrp="1"/>
+          </p:cNvSpPr>
+          <p:nvPr>
+            <p:ph idx="1"/>
+          </p:nvPr>
+        </p:nvSpPr>
+        <p:spPr>
+          <a:xfrm>
+            <a:off x="365760" y="1292515"/>
+            <a:ext cx="8554955" cy="4047778"/>
+          </a:xfrm>
+        </p:spPr>
+        <p:txBody>
+          <a:bodyPr/>
+          <a:lstStyle/>
+          <a:p>
+            <a:pPr marL="0" indent="0">
+              <a:buNone/>
+            </a:pPr>
+            <a:r>
+              <a:rPr lang="en-US" sz="1800" dirty="0"/>
+              <a:t>Want to establish a clear set of polices that</a:t>
+            </a:r>
+          </a:p>
+          <a:p>
+            <a:r>
+              <a:rPr lang="en-US" sz="1800" dirty="0"/>
+              <a:t>results in correct code on a particular branch (usually main),</a:t>
+            </a:r>
+          </a:p>
+          <a:p>
+            <a:r>
+              <a:rPr lang="en-US" sz="1800" dirty="0"/>
+              <a:t>ensures that a team can develop in parallel and communicate well,</a:t>
+            </a:r>
+          </a:p>
+          <a:p>
+            <a:r>
+              <a:rPr lang="en-US" sz="1800" dirty="0"/>
+              <a:t>minimizes difficulties associated with parallel and distributed work, and</a:t>
+            </a:r>
+          </a:p>
+          <a:p>
+            <a:r>
+              <a:rPr lang="en-US" sz="1800" dirty="0"/>
+              <a:t>minimizes overhead associated with learning, following, and enforcing policies.</a:t>
+            </a:r>
+          </a:p>
+          <a:p>
+            <a:pPr marL="0" indent="0">
+              <a:buNone/>
+            </a:pPr>
+            <a:endParaRPr lang="en-US" sz="1800" b="1" dirty="0"/>
+          </a:p>
+          <a:p>
+            <a:pPr marL="0" indent="0">
+              <a:buNone/>
+            </a:pPr>
+            <a:r>
+              <a:rPr lang="en-US" sz="1800" b="1" dirty="0"/>
+              <a:t>Adopt what is good for your team</a:t>
+            </a:r>
+          </a:p>
+          <a:p>
+            <a:pPr marL="342900" indent="-342900">
+              <a:buFont typeface="Arial" panose="020B0604020202020204" pitchFamily="34" charset="0"/>
+              <a:buChar char="•"/>
+            </a:pPr>
+            <a:r>
+              <a:rPr lang="en-US" sz="1800" dirty="0"/>
+              <a:t>Consider team culture and project challenges</a:t>
+            </a:r>
+          </a:p>
+          <a:p>
+            <a:pPr marL="342900" indent="-342900">
+              <a:buFont typeface="Arial" panose="020B0604020202020204" pitchFamily="34" charset="0"/>
+              <a:buChar char="•"/>
+            </a:pPr>
+            <a:r>
+              <a:rPr lang="en-US" sz="1800" dirty="0"/>
+              <a:t>Assess what is and isn’t feasible/acceptable</a:t>
+            </a:r>
+          </a:p>
+          <a:p>
+            <a:pPr marL="342900" indent="-342900">
+              <a:buFont typeface="Arial" panose="020B0604020202020204" pitchFamily="34" charset="0"/>
+              <a:buChar char="•"/>
+            </a:pPr>
+            <a:r>
+              <a:rPr lang="en-US" sz="1800" dirty="0"/>
+              <a:t>Start with simplest and add complexity where and when necessary</a:t>
+            </a:r>
+          </a:p>
+          <a:p>
+            <a:endParaRPr lang="en-US" dirty="0"/>
+          </a:p>
+        </p:txBody>
+      </p:sp>
+    </p:spTree>
+    <p:extLst>
+      <p:ext uri="{BB962C8B-B14F-4D97-AF65-F5344CB8AC3E}">
+        <p14:creationId xmlns:p14="http://schemas.microsoft.com/office/powerpoint/2010/main" val="571517784"/>
+      </p:ext>
+    </p:extLst>
+  </p:cSld>
+  <p:clrMapOvr>
+    <a:masterClrMapping/>
+  </p:clrMapOvr>
+</p:sld>
+</file>
+
+<file path=ppt/slides/slide23.xml><?xml version="1.0" encoding="utf-8"?>
+<p:sld xmlns:a="http://schemas.openxmlformats.org/drawingml/2006/main" xmlns:r="http://schemas.openxmlformats.org/officeDocument/2006/relationships" xmlns:p="http://schemas.openxmlformats.org/presentationml/2006/main">
+  <p:cSld>
+    <p:spTree>
+      <p:nvGrpSpPr>
+        <p:cNvPr id="1" name=""/>
+        <p:cNvGrpSpPr/>
+        <p:nvPr/>
+      </p:nvGrpSpPr>
+      <p:grpSpPr>
+        <a:xfrm>
+          <a:off x="0" y="0"/>
+          <a:ext cx="0" cy="0"/>
+          <a:chOff x="0" y="0"/>
+          <a:chExt cx="0" cy="0"/>
+        </a:xfrm>
+      </p:grpSpPr>
+      <p:sp>
+        <p:nvSpPr>
+          <p:cNvPr id="2" name="Title 1">
+            <a:extLst>
+              <a:ext uri="{FF2B5EF4-FFF2-40B4-BE49-F238E27FC236}">
+                <a16:creationId xmlns:a16="http://schemas.microsoft.com/office/drawing/2014/main" id="{F21AD05A-6C93-8845-BA24-E011CCDF87C2}"/>
+              </a:ext>
+            </a:extLst>
+          </p:cNvPr>
+          <p:cNvSpPr>
+            <a:spLocks noGrp="1"/>
+          </p:cNvSpPr>
+          <p:nvPr>
+            <p:ph type="title"/>
+          </p:nvPr>
+        </p:nvSpPr>
+        <p:spPr/>
+        <p:txBody>
+          <a:bodyPr/>
+          <a:lstStyle/>
+          <a:p>
+            <a:r>
+              <a:rPr lang="en-US" dirty="0"/>
+              <a:t>Summary</a:t>
+            </a:r>
+          </a:p>
+        </p:txBody>
+      </p:sp>
+      <p:sp>
+        <p:nvSpPr>
+          <p:cNvPr id="3" name="Content Placeholder 2">
+            <a:extLst>
+              <a:ext uri="{FF2B5EF4-FFF2-40B4-BE49-F238E27FC236}">
+                <a16:creationId xmlns:a16="http://schemas.microsoft.com/office/drawing/2014/main" id="{F2C1C2A6-F586-9A4C-B246-CEFD0831BBF5}"/>
+              </a:ext>
+            </a:extLst>
+          </p:cNvPr>
+          <p:cNvSpPr>
+            <a:spLocks noGrp="1"/>
+          </p:cNvSpPr>
+          <p:nvPr>
+            <p:ph idx="1"/>
+          </p:nvPr>
+        </p:nvSpPr>
+        <p:spPr/>
+        <p:txBody>
+          <a:bodyPr/>
+          <a:lstStyle/>
+          <a:p>
+            <a:r>
+              <a:rPr lang="en-US" dirty="0"/>
+              <a:t>Distributed version control systems can introduce complexities due to their nature</a:t>
+            </a:r>
+          </a:p>
+          <a:p>
+            <a:pPr lvl="1"/>
+            <a:r>
+              <a:rPr lang="en-US" dirty="0"/>
+              <a:t>Git provides a variety of mechanisms to aid collaboration</a:t>
+            </a:r>
+          </a:p>
+          <a:p>
+            <a:pPr lvl="1"/>
+            <a:r>
+              <a:rPr lang="en-US" dirty="0"/>
+              <a:t>Hosting services provide additional collaboration mechanisms</a:t>
+            </a:r>
+          </a:p>
+          <a:p>
+            <a:r>
+              <a:rPr lang="en-US" dirty="0"/>
+              <a:t>Workflows provide a way of enabling collaborating developers to work effectively</a:t>
+            </a:r>
+          </a:p>
+          <a:p>
+            <a:pPr lvl="1"/>
+            <a:r>
+              <a:rPr lang="en-US" dirty="0"/>
+              <a:t>There are many different workflows, choosing the best one that suites your team </a:t>
+            </a:r>
+          </a:p>
+          <a:p>
+            <a:endParaRPr lang="en-US" dirty="0"/>
+          </a:p>
+        </p:txBody>
+      </p:sp>
+    </p:spTree>
+    <p:extLst>
+      <p:ext uri="{BB962C8B-B14F-4D97-AF65-F5344CB8AC3E}">
+        <p14:creationId xmlns:p14="http://schemas.microsoft.com/office/powerpoint/2010/main" val="4234813246"/>
+      </p:ext>
+    </p:extLst>
+  </p:cSld>
+  <p:clrMapOvr>
+    <a:masterClrMapping/>
+  </p:clrMapOvr>
+</p:sld>
+</file>
+
+<file path=ppt/slides/slide24.xml><?xml version="1.0" encoding="utf-8"?>
+<p:sld xmlns:a="http://schemas.openxmlformats.org/drawingml/2006/main" xmlns:r="http://schemas.openxmlformats.org/officeDocument/2006/relationships" xmlns:p="http://schemas.openxmlformats.org/presentationml/2006/main">
+  <p:cSld>
+    <p:spTree>
+      <p:nvGrpSpPr>
+        <p:cNvPr id="1" name=""/>
+        <p:cNvGrpSpPr/>
+        <p:nvPr/>
+      </p:nvGrpSpPr>
+      <p:grpSpPr>
+        <a:xfrm>
+          <a:off x="0" y="0"/>
+          <a:ext cx="0" cy="0"/>
+          <a:chOff x="0" y="0"/>
+          <a:chExt cx="0" cy="0"/>
+        </a:xfrm>
+      </p:grpSpPr>
+      <p:sp>
+        <p:nvSpPr>
+          <p:cNvPr id="2" name="Title 1">
+            <a:extLst>
+              <a:ext uri="{FF2B5EF4-FFF2-40B4-BE49-F238E27FC236}">
+                <a16:creationId xmlns:a16="http://schemas.microsoft.com/office/drawing/2014/main" id="{F07038E7-EEB4-9043-9EA1-7BA9EA5F3241}"/>
+              </a:ext>
+            </a:extLst>
+          </p:cNvPr>
+          <p:cNvSpPr>
+            <a:spLocks noGrp="1"/>
+          </p:cNvSpPr>
+          <p:nvPr>
+            <p:ph type="title"/>
+          </p:nvPr>
+        </p:nvSpPr>
+        <p:spPr/>
+        <p:txBody>
+          <a:bodyPr/>
+          <a:lstStyle/>
+          <a:p>
+            <a:r>
+              <a:rPr lang="en-US" dirty="0"/>
+              <a:t>Collaboration using Git Workflows for CSE projects</a:t>
+            </a:r>
+          </a:p>
+        </p:txBody>
+      </p:sp>
+      <p:sp>
+        <p:nvSpPr>
+          <p:cNvPr id="3" name="Content Placeholder 2">
+            <a:extLst>
+              <a:ext uri="{FF2B5EF4-FFF2-40B4-BE49-F238E27FC236}">
+                <a16:creationId xmlns:a16="http://schemas.microsoft.com/office/drawing/2014/main" id="{BC4025A8-D322-7F4C-BD72-C65AC6A3E843}"/>
+              </a:ext>
+            </a:extLst>
+          </p:cNvPr>
+          <p:cNvSpPr>
+            <a:spLocks noGrp="1"/>
+          </p:cNvSpPr>
+          <p:nvPr>
+            <p:ph idx="1"/>
+          </p:nvPr>
+        </p:nvSpPr>
+        <p:spPr>
+          <a:xfrm>
+            <a:off x="365760" y="868680"/>
+            <a:ext cx="11369809" cy="4047778"/>
+          </a:xfrm>
+        </p:spPr>
+        <p:txBody>
+          <a:bodyPr/>
+          <a:lstStyle/>
+          <a:p>
+            <a:pPr marL="0" indent="0">
+              <a:buNone/>
+            </a:pPr>
+            <a:endParaRPr lang="en-US" dirty="0"/>
+          </a:p>
+          <a:p>
+            <a:r>
+              <a:rPr lang="en-US" dirty="0" err="1"/>
+              <a:t>Trilinos</a:t>
+            </a:r>
+            <a:r>
+              <a:rPr lang="en-US" dirty="0"/>
+              <a:t> Workflow</a:t>
+            </a:r>
+          </a:p>
+          <a:p>
+            <a:r>
+              <a:rPr lang="en-US" dirty="0"/>
+              <a:t>Open MPI Workflow</a:t>
+            </a:r>
+          </a:p>
+          <a:p>
+            <a:r>
+              <a:rPr lang="en-US" dirty="0" err="1"/>
+              <a:t>Flecsi</a:t>
+            </a:r>
+            <a:r>
+              <a:rPr lang="en-US" dirty="0"/>
+              <a:t> Workflow</a:t>
+            </a:r>
+          </a:p>
+          <a:p>
+            <a:pPr marL="0" indent="0">
+              <a:buNone/>
+            </a:pPr>
+            <a:endParaRPr lang="en-US" dirty="0"/>
+          </a:p>
+        </p:txBody>
+      </p:sp>
+    </p:spTree>
+    <p:extLst>
+      <p:ext uri="{BB962C8B-B14F-4D97-AF65-F5344CB8AC3E}">
+        <p14:creationId xmlns:p14="http://schemas.microsoft.com/office/powerpoint/2010/main" val="64054294"/>
+      </p:ext>
+    </p:extLst>
+  </p:cSld>
+  <p:clrMapOvr>
+    <a:masterClrMapping/>
+  </p:clrMapOvr>
+</p:sld>
+</file>
+
+<file path=ppt/slides/slide25.xml><?xml version="1.0" encoding="utf-8"?>
+<p:sld xmlns:a="http://schemas.openxmlformats.org/drawingml/2006/main" xmlns:r="http://schemas.openxmlformats.org/officeDocument/2006/relationships" xmlns:p="http://schemas.openxmlformats.org/presentationml/2006/main">
+  <p:cSld>
+    <p:spTree>
+      <p:nvGrpSpPr>
+        <p:cNvPr id="1" name=""/>
+        <p:cNvGrpSpPr/>
+        <p:nvPr/>
+      </p:nvGrpSpPr>
+      <p:grpSpPr>
+        <a:xfrm>
+          <a:off x="0" y="0"/>
+          <a:ext cx="0" cy="0"/>
+          <a:chOff x="0" y="0"/>
+          <a:chExt cx="0" cy="0"/>
+        </a:xfrm>
+      </p:grpSpPr>
+      <p:sp>
+        <p:nvSpPr>
+          <p:cNvPr id="2" name="Title 1">
+            <a:extLst>
+              <a:ext uri="{FF2B5EF4-FFF2-40B4-BE49-F238E27FC236}">
                 <a16:creationId xmlns:a16="http://schemas.microsoft.com/office/drawing/2014/main" id="{9E61C7ED-2A46-3949-B59E-F7D19B5D57B0}"/>
               </a:ext>
             </a:extLst>
@@ -10676,7 +11469,7 @@
 </p:sld>
 </file>
 
-<file path=ppt/slides/slide23.xml><?xml version="1.0" encoding="utf-8"?>
+<file path=ppt/slides/slide26.xml><?xml version="1.0" encoding="utf-8"?>
 <p:sld xmlns:a="http://schemas.openxmlformats.org/drawingml/2006/main" xmlns:r="http://schemas.openxmlformats.org/officeDocument/2006/relationships" xmlns:p="http://schemas.openxmlformats.org/presentationml/2006/main">
   <p:cSld>
     <p:spTree>
@@ -12296,7 +13089,7 @@
 </p:sld>
 </file>
 
-<file path=ppt/slides/slide24.xml><?xml version="1.0" encoding="utf-8"?>
+<file path=ppt/slides/slide27.xml><?xml version="1.0" encoding="utf-8"?>
 <p:sld xmlns:a="http://schemas.openxmlformats.org/drawingml/2006/main" xmlns:r="http://schemas.openxmlformats.org/officeDocument/2006/relationships" xmlns:p="http://schemas.openxmlformats.org/presentationml/2006/main">
   <p:cSld>
     <p:spTree>
@@ -12933,172 +13726,6 @@
 </p:sld>
 </file>
 
-<file path=ppt/slides/slide25.xml><?xml version="1.0" encoding="utf-8"?>
-<p:sld xmlns:a="http://schemas.openxmlformats.org/drawingml/2006/main" xmlns:r="http://schemas.openxmlformats.org/officeDocument/2006/relationships" xmlns:p="http://schemas.openxmlformats.org/presentationml/2006/main">
-  <p:cSld>
-    <p:spTree>
-      <p:nvGrpSpPr>
-        <p:cNvPr id="1" name=""/>
-        <p:cNvGrpSpPr/>
-        <p:nvPr/>
-      </p:nvGrpSpPr>
-      <p:grpSpPr>
-        <a:xfrm>
-          <a:off x="0" y="0"/>
-          <a:ext cx="0" cy="0"/>
-          <a:chOff x="0" y="0"/>
-          <a:chExt cx="0" cy="0"/>
-        </a:xfrm>
-      </p:grpSpPr>
-      <p:sp>
-        <p:nvSpPr>
-          <p:cNvPr id="2" name="Title 1">
-            <a:extLst>
-              <a:ext uri="{FF2B5EF4-FFF2-40B4-BE49-F238E27FC236}">
-                <a16:creationId xmlns:a16="http://schemas.microsoft.com/office/drawing/2014/main" id="{F21AD05A-6C93-8845-BA24-E011CCDF87C2}"/>
-              </a:ext>
-            </a:extLst>
-          </p:cNvPr>
-          <p:cNvSpPr>
-            <a:spLocks noGrp="1"/>
-          </p:cNvSpPr>
-          <p:nvPr>
-            <p:ph type="title"/>
-          </p:nvPr>
-        </p:nvSpPr>
-        <p:spPr/>
-        <p:txBody>
-          <a:bodyPr/>
-          <a:lstStyle/>
-          <a:p>
-            <a:r>
-              <a:rPr lang="en-US" dirty="0"/>
-              <a:t>Considerations for Choosing a Git Workflow</a:t>
-            </a:r>
-          </a:p>
-        </p:txBody>
-      </p:sp>
-      <p:sp>
-        <p:nvSpPr>
-          <p:cNvPr id="3" name="Content Placeholder 2">
-            <a:extLst>
-              <a:ext uri="{FF2B5EF4-FFF2-40B4-BE49-F238E27FC236}">
-                <a16:creationId xmlns:a16="http://schemas.microsoft.com/office/drawing/2014/main" id="{F2C1C2A6-F586-9A4C-B246-CEFD0831BBF5}"/>
-              </a:ext>
-            </a:extLst>
-          </p:cNvPr>
-          <p:cNvSpPr>
-            <a:spLocks noGrp="1"/>
-          </p:cNvSpPr>
-          <p:nvPr>
-            <p:ph idx="1"/>
-          </p:nvPr>
-        </p:nvSpPr>
-        <p:spPr>
-          <a:xfrm>
-            <a:off x="365760" y="1292515"/>
-            <a:ext cx="8554955" cy="4047778"/>
-          </a:xfrm>
-        </p:spPr>
-        <p:txBody>
-          <a:bodyPr/>
-          <a:lstStyle/>
-          <a:p>
-            <a:pPr marL="0" indent="0">
-              <a:buNone/>
-            </a:pPr>
-            <a:r>
-              <a:rPr lang="en-US" sz="1800" dirty="0"/>
-              <a:t>Want to establish a clear set of polices that</a:t>
-            </a:r>
-          </a:p>
-          <a:p>
-            <a:r>
-              <a:rPr lang="en-US" sz="1800" dirty="0"/>
-              <a:t>results in correct code on a particular branch (usually main),</a:t>
-            </a:r>
-          </a:p>
-          <a:p>
-            <a:r>
-              <a:rPr lang="en-US" sz="1800" dirty="0"/>
-              <a:t>ensures that a team can develop in parallel and communicate well,</a:t>
-            </a:r>
-          </a:p>
-          <a:p>
-            <a:r>
-              <a:rPr lang="en-US" sz="1800" dirty="0"/>
-              <a:t>minimizes difficulties associated with parallel and distributed work, and</a:t>
-            </a:r>
-          </a:p>
-          <a:p>
-            <a:r>
-              <a:rPr lang="en-US" sz="1800" dirty="0"/>
-              <a:t>minimizes overhead associated with learning, following, and enforcing policies.</a:t>
-            </a:r>
-          </a:p>
-          <a:p>
-            <a:pPr marL="0" indent="0">
-              <a:buNone/>
-            </a:pPr>
-            <a:endParaRPr lang="en-US" sz="1800" b="1" dirty="0"/>
-          </a:p>
-          <a:p>
-            <a:pPr marL="0" indent="0">
-              <a:buNone/>
-            </a:pPr>
-            <a:r>
-              <a:rPr lang="en-US" sz="1800" b="1" dirty="0"/>
-              <a:t>Adopt what is good for your team</a:t>
-            </a:r>
-          </a:p>
-          <a:p>
-            <a:pPr marL="342900" indent="-342900">
-              <a:buFont typeface="Arial" panose="020B0604020202020204" pitchFamily="34" charset="0"/>
-              <a:buChar char="•"/>
-            </a:pPr>
-            <a:r>
-              <a:rPr lang="en-US" sz="1800" dirty="0"/>
-              <a:t>Consider team culture and project challenges</a:t>
-            </a:r>
-          </a:p>
-          <a:p>
-            <a:pPr marL="342900" indent="-342900">
-              <a:buFont typeface="Arial" panose="020B0604020202020204" pitchFamily="34" charset="0"/>
-              <a:buChar char="•"/>
-            </a:pPr>
-            <a:r>
-              <a:rPr lang="en-US" sz="1800" dirty="0"/>
-              <a:t>Assess what is and isn’t feasible/acceptable</a:t>
-            </a:r>
-          </a:p>
-          <a:p>
-            <a:pPr marL="342900" indent="-342900">
-              <a:buFont typeface="Arial" panose="020B0604020202020204" pitchFamily="34" charset="0"/>
-              <a:buChar char="•"/>
-            </a:pPr>
-            <a:r>
-              <a:rPr lang="en-US" sz="1800" dirty="0"/>
-              <a:t>Start with simplest and add complexity where and when necessary</a:t>
-            </a:r>
-          </a:p>
-          <a:p>
-            <a:endParaRPr lang="en-US" dirty="0"/>
-          </a:p>
-        </p:txBody>
-      </p:sp>
-    </p:spTree>
-    <p:extLst>
-      <p:ext uri="{BB962C8B-B14F-4D97-AF65-F5344CB8AC3E}">
-        <p14:creationId xmlns:p14="http://schemas.microsoft.com/office/powerpoint/2010/main" val="571517784"/>
-      </p:ext>
-    </p:extLst>
-  </p:cSld>
-  <p:clrMapOvr>
-    <a:masterClrMapping/>
-  </p:clrMapOvr>
-</p:sld>
-</file>
-
 <file path=ppt/slides/slide3.xml><?xml version="1.0" encoding="utf-8"?>
 <p:sld xmlns:a="http://schemas.openxmlformats.org/drawingml/2006/main" xmlns:r="http://schemas.openxmlformats.org/officeDocument/2006/relationships" xmlns:p="http://schemas.openxmlformats.org/presentationml/2006/main">
   <p:cSld>
@@ -13178,7 +13805,7 @@
           <a:p>
             <a:r>
               <a:rPr lang="en-US" dirty="0"/>
-              <a:t>Git Workflow Mechanisms for Collaboration</a:t>
+              <a:t>Workflow Mechanisms for Collaboration</a:t>
             </a:r>
           </a:p>
           <a:p>
@@ -13186,6 +13813,13 @@
             <a:r>
               <a:rPr lang="en-US" dirty="0"/>
               <a:t>Branches</a:t>
+            </a:r>
+          </a:p>
+          <a:p>
+            <a:pPr lvl="1"/>
+            <a:r>
+              <a:rPr lang="en-US" dirty="0"/>
+              <a:t>Cloning</a:t>
             </a:r>
           </a:p>
           <a:p>
@@ -13331,7 +13965,7 @@
           <a:p>
             <a:r>
               <a:rPr lang="en-US" dirty="0"/>
-              <a:t>Goal</a:t>
+              <a:t>Introduction</a:t>
             </a:r>
           </a:p>
         </p:txBody>
@@ -13362,19 +13996,88 @@
           <a:bodyPr/>
           <a:lstStyle/>
           <a:p>
-            <a:pPr marL="0" indent="0">
-              <a:buNone/>
-            </a:pPr>
-            <a:r>
-              <a:rPr lang="en-US" dirty="0"/>
-              <a:t>Development teams would like to use version control to collaborate productively and ensure correct code.</a:t>
-            </a:r>
-          </a:p>
-          <a:p>
-            <a:pPr marL="0" indent="0">
-              <a:buNone/>
-            </a:pPr>
-            <a:endParaRPr lang="en-US" sz="1800" dirty="0"/>
+            <a:r>
+              <a:rPr lang="en-US" dirty="0"/>
+              <a:t>Version control (or revision control) is a means of tracking changes made to source code</a:t>
+            </a:r>
+          </a:p>
+          <a:p>
+            <a:r>
+              <a:rPr lang="en-US" dirty="0"/>
+              <a:t>Older style is known as a </a:t>
+            </a:r>
+            <a:r>
+              <a:rPr lang="en-US" i="1" dirty="0"/>
+              <a:t>centralized</a:t>
+            </a:r>
+            <a:r>
+              <a:rPr lang="en-US" dirty="0"/>
+              <a:t> version control system</a:t>
+            </a:r>
+          </a:p>
+          <a:p>
+            <a:pPr lvl="1"/>
+            <a:r>
+              <a:rPr lang="en-US" dirty="0"/>
+              <a:t>One master copy of the repository that everyone accesses</a:t>
+            </a:r>
+          </a:p>
+          <a:p>
+            <a:pPr lvl="1"/>
+            <a:r>
+              <a:rPr lang="en-US" dirty="0"/>
+              <a:t>E.g. CVS, Subversion, etc.</a:t>
+            </a:r>
+          </a:p>
+          <a:p>
+            <a:r>
+              <a:rPr lang="en-US" dirty="0"/>
+              <a:t>Most projects now uses a </a:t>
+            </a:r>
+            <a:r>
+              <a:rPr lang="en-US" i="1" dirty="0"/>
+              <a:t>distributed</a:t>
+            </a:r>
+            <a:r>
+              <a:rPr lang="en-US" dirty="0"/>
+              <a:t> version control system</a:t>
+            </a:r>
+          </a:p>
+          <a:p>
+            <a:pPr lvl="1"/>
+            <a:r>
+              <a:rPr lang="en-US" dirty="0"/>
+              <a:t>Each developer maintains their own copy of the entire repository</a:t>
+            </a:r>
+          </a:p>
+          <a:p>
+            <a:pPr lvl="1"/>
+            <a:r>
+              <a:rPr lang="en-US" dirty="0"/>
+              <a:t>E.g. Git, Mercurial, etc.</a:t>
+            </a:r>
+            <a:endParaRPr lang="en-US" sz="2400" dirty="0"/>
+          </a:p>
+          <a:p>
+            <a:r>
+              <a:rPr lang="en-US" sz="2200" dirty="0"/>
+              <a:t>Various </a:t>
+            </a:r>
+            <a:r>
+              <a:rPr lang="en-US" sz="2200" i="1" dirty="0"/>
+              <a:t>hosting services</a:t>
+            </a:r>
+            <a:r>
+              <a:rPr lang="en-US" sz="2200" dirty="0"/>
+              <a:t> are available to provide additional functionality, such as collaboration, DevOps, issue tracking, etc.</a:t>
+            </a:r>
+          </a:p>
+          <a:p>
+            <a:pPr lvl="1"/>
+            <a:r>
+              <a:rPr lang="en-US" sz="1800" dirty="0"/>
+              <a:t>GitHub, GitLab, Bitbucket, etc.</a:t>
+            </a:r>
           </a:p>
           <a:p>
             <a:pPr marL="0" indent="0">
@@ -13393,7 +14096,7 @@
     </p:spTree>
     <p:extLst>
       <p:ext uri="{BB962C8B-B14F-4D97-AF65-F5344CB8AC3E}">
-        <p14:creationId xmlns:p14="http://schemas.microsoft.com/office/powerpoint/2010/main" val="658328687"/>
+        <p14:creationId xmlns:p14="http://schemas.microsoft.com/office/powerpoint/2010/main" val="3738987067"/>
       </p:ext>
     </p:extLst>
   </p:cSld>
@@ -13425,7 +14128,7 @@
           <p:cNvPr id="2" name="Title 1">
             <a:extLst>
               <a:ext uri="{FF2B5EF4-FFF2-40B4-BE49-F238E27FC236}">
-                <a16:creationId xmlns:a16="http://schemas.microsoft.com/office/drawing/2014/main" id="{0F7F7C0A-7591-A44A-BA28-B27788DF1A70}"/>
+                <a16:creationId xmlns:a16="http://schemas.microsoft.com/office/drawing/2014/main" id="{89F8550E-A12D-8844-B3AA-843E0E02B76E}"/>
               </a:ext>
             </a:extLst>
           </p:cNvPr>
@@ -13443,7 +14146,7 @@
           <a:p>
             <a:r>
               <a:rPr lang="en-US" dirty="0"/>
-              <a:t>First Workflow</a:t>
+              <a:t>Goal</a:t>
             </a:r>
           </a:p>
         </p:txBody>
@@ -13453,7 +14156,7 @@
           <p:cNvPr id="3" name="Content Placeholder 2">
             <a:extLst>
               <a:ext uri="{FF2B5EF4-FFF2-40B4-BE49-F238E27FC236}">
-                <a16:creationId xmlns:a16="http://schemas.microsoft.com/office/drawing/2014/main" id="{F1DB1E7F-C262-8A45-9DAC-7AF28B8267E9}"/>
+                <a16:creationId xmlns:a16="http://schemas.microsoft.com/office/drawing/2014/main" id="{0E7A5CED-599D-314E-9F01-E8806914DCFD}"/>
               </a:ext>
             </a:extLst>
           </p:cNvPr>
@@ -13466,8 +14169,8 @@
         </p:nvSpPr>
         <p:spPr>
           <a:xfrm>
-            <a:off x="409507" y="1210897"/>
-            <a:ext cx="11369809" cy="4047778"/>
+            <a:off x="365761" y="1226999"/>
+            <a:ext cx="8802954" cy="4841291"/>
           </a:xfrm>
         </p:spPr>
         <p:txBody>
@@ -13479,522 +14182,33 @@
             </a:pPr>
             <a:r>
               <a:rPr lang="en-US" dirty="0"/>
-              <a:t>This process of collaborating </a:t>
-            </a:r>
-            <a:r>
-              <a:rPr lang="en-US" i="1" dirty="0"/>
-              <a:t>via</a:t>
-            </a:r>
-            <a:r>
-              <a:rPr lang="en-US" dirty="0"/>
-              <a:t> Git is called the </a:t>
-            </a:r>
-            <a:r>
-              <a:rPr lang="en-US" b="1" dirty="0"/>
-              <a:t>Centralized</a:t>
-            </a:r>
-            <a:r>
-              <a:rPr lang="en-US" dirty="0"/>
-              <a:t> </a:t>
-            </a:r>
-            <a:r>
-              <a:rPr lang="en-US" b="1" dirty="0"/>
-              <a:t>Workflow</a:t>
-            </a:r>
-          </a:p>
-          <a:p>
-            <a:r>
-              <a:rPr lang="en-US" dirty="0"/>
-              <a:t>See </a:t>
-            </a:r>
-            <a:r>
-              <a:rPr lang="en-US" dirty="0">
-                <a:hlinkClick r:id="rId3"/>
-              </a:rPr>
-              <a:t>Atlassian/BitBucket</a:t>
-            </a:r>
-            <a:r>
-              <a:rPr lang="en-US" dirty="0"/>
-              <a:t> for more information</a:t>
-            </a:r>
-          </a:p>
-          <a:p>
-            <a:r>
-              <a:rPr lang="en-US" dirty="0"/>
-              <a:t>“Simple” to learn and “easy” to use</a:t>
-            </a:r>
-          </a:p>
-          <a:p>
-            <a:r>
-              <a:rPr lang="en-US" dirty="0"/>
-              <a:t>Leverages local vs. remote repo dimension</a:t>
-            </a:r>
-          </a:p>
-          <a:p>
-            <a:pPr lvl="1"/>
-            <a:r>
-              <a:rPr lang="en-US" dirty="0"/>
-              <a:t>Integration in local repo when local repos interact with remote repo</a:t>
-            </a:r>
-          </a:p>
-          <a:p>
-            <a:r>
-              <a:rPr lang="en-US" dirty="0"/>
-              <a:t>What if you have many team members?</a:t>
-            </a:r>
-          </a:p>
-          <a:p>
-            <a:r>
-              <a:rPr lang="en-US" dirty="0"/>
-              <a:t>What if developers only push once a month?</a:t>
-            </a:r>
-          </a:p>
-          <a:p>
-            <a:pPr lvl="1"/>
-            <a:r>
-              <a:rPr lang="en-US" dirty="0"/>
-              <a:t>Lengthy development efforts without integrating</a:t>
-            </a:r>
-          </a:p>
-          <a:p>
-            <a:pPr lvl="1"/>
-            <a:r>
-              <a:rPr lang="en-US" dirty="0"/>
-              <a:t>Occasional contributors</a:t>
-            </a:r>
-          </a:p>
-          <a:p>
-            <a:r>
-              <a:rPr lang="en-US" dirty="0"/>
-              <a:t>What if team members works on different parts of the code?</a:t>
-            </a:r>
-          </a:p>
-          <a:p>
-            <a:r>
-              <a:rPr lang="en-US" dirty="0"/>
-              <a:t>Working directly on the main branch</a:t>
+              <a:t>Development teams would like to use version control to collaborate productively and ensure correct code.</a:t>
             </a:r>
           </a:p>
           <a:p>
             <a:pPr marL="0" indent="0">
               <a:buNone/>
             </a:pPr>
-            <a:endParaRPr lang="en-US" dirty="0"/>
-          </a:p>
-        </p:txBody>
-      </p:sp>
-      <p:sp>
-        <p:nvSpPr>
-          <p:cNvPr id="4" name="Magnetic Disk 3">
-            <a:extLst>
-              <a:ext uri="{FF2B5EF4-FFF2-40B4-BE49-F238E27FC236}">
-                <a16:creationId xmlns:a16="http://schemas.microsoft.com/office/drawing/2014/main" id="{4003AB91-21BD-E24D-A55D-EF70A605911D}"/>
-              </a:ext>
-            </a:extLst>
-          </p:cNvPr>
-          <p:cNvSpPr/>
-          <p:nvPr/>
-        </p:nvSpPr>
-        <p:spPr>
-          <a:xfrm>
-            <a:off x="9266830" y="2421515"/>
-            <a:ext cx="1364776" cy="781334"/>
-          </a:xfrm>
-          <a:prstGeom prst="flowChartMagneticDisk">
-            <a:avLst/>
-          </a:prstGeom>
-          <a:solidFill>
-            <a:schemeClr val="accent3">
-              <a:lumMod val="75000"/>
-            </a:schemeClr>
-          </a:solidFill>
-          <a:ln w="19050">
-            <a:solidFill>
-              <a:schemeClr val="tx2">
-                <a:lumMod val="75000"/>
-              </a:schemeClr>
-            </a:solidFill>
-          </a:ln>
-          <a:effectLst>
-            <a:outerShdw blurRad="44450" dist="27940" dir="5400000" algn="ctr">
-              <a:srgbClr val="000000">
-                <a:alpha val="32000"/>
-              </a:srgbClr>
-            </a:outerShdw>
-          </a:effectLst>
-        </p:spPr>
-        <p:txBody>
-          <a:bodyPr rot="0" spcFirstLastPara="0" vertOverflow="overflow" horzOverflow="overflow" vert="horz" wrap="square" lIns="121851" tIns="60925" rIns="121851" bIns="60925" numCol="1" spcCol="0" rtlCol="0" fromWordArt="0" anchor="ctr" anchorCtr="0" forceAA="0" compatLnSpc="1">
-            <a:prstTxWarp prst="textNoShape">
-              <a:avLst/>
-            </a:prstTxWarp>
-            <a:noAutofit/>
-          </a:bodyPr>
-          <a:lstStyle/>
-          <a:p>
-            <a:pPr algn="ctr">
-              <a:lnSpc>
-                <a:spcPct val="90000"/>
-              </a:lnSpc>
-            </a:pPr>
-            <a:endParaRPr lang="en-US" sz="2000" dirty="0">
-              <a:solidFill>
-                <a:schemeClr val="bg1"/>
-              </a:solidFill>
-            </a:endParaRPr>
-          </a:p>
-        </p:txBody>
-      </p:sp>
-      <p:sp>
-        <p:nvSpPr>
-          <p:cNvPr id="6" name="Magnetic Disk 5">
-            <a:extLst>
-              <a:ext uri="{FF2B5EF4-FFF2-40B4-BE49-F238E27FC236}">
-                <a16:creationId xmlns:a16="http://schemas.microsoft.com/office/drawing/2014/main" id="{6948B375-82F7-7049-B5AA-00116F19D2AA}"/>
-              </a:ext>
-            </a:extLst>
-          </p:cNvPr>
-          <p:cNvSpPr/>
-          <p:nvPr/>
-        </p:nvSpPr>
-        <p:spPr>
-          <a:xfrm>
-            <a:off x="10361076" y="3957190"/>
-            <a:ext cx="1364776" cy="781334"/>
-          </a:xfrm>
-          <a:prstGeom prst="flowChartMagneticDisk">
-            <a:avLst/>
-          </a:prstGeom>
-          <a:solidFill>
-            <a:srgbClr val="974CEA"/>
-          </a:solidFill>
-          <a:ln w="19050">
-            <a:solidFill>
-              <a:srgbClr val="61298A"/>
-            </a:solidFill>
-          </a:ln>
-          <a:effectLst>
-            <a:outerShdw blurRad="44450" dist="27940" dir="5400000" algn="ctr">
-              <a:srgbClr val="000000">
-                <a:alpha val="32000"/>
-              </a:srgbClr>
-            </a:outerShdw>
-          </a:effectLst>
-        </p:spPr>
-        <p:txBody>
-          <a:bodyPr rot="0" spcFirstLastPara="0" vertOverflow="overflow" horzOverflow="overflow" vert="horz" wrap="square" lIns="121851" tIns="60925" rIns="121851" bIns="60925" numCol="1" spcCol="0" rtlCol="0" fromWordArt="0" anchor="ctr" anchorCtr="0" forceAA="0" compatLnSpc="1">
-            <a:prstTxWarp prst="textNoShape">
-              <a:avLst/>
-            </a:prstTxWarp>
-            <a:noAutofit/>
-          </a:bodyPr>
-          <a:lstStyle/>
-          <a:p>
-            <a:pPr algn="ctr">
-              <a:lnSpc>
-                <a:spcPct val="90000"/>
-              </a:lnSpc>
-            </a:pPr>
-            <a:endParaRPr lang="en-US" sz="2000" dirty="0">
-              <a:solidFill>
-                <a:schemeClr val="bg1"/>
-              </a:solidFill>
-            </a:endParaRPr>
-          </a:p>
-        </p:txBody>
-      </p:sp>
-      <p:sp>
-        <p:nvSpPr>
-          <p:cNvPr id="7" name="Magnetic Disk 6">
-            <a:extLst>
-              <a:ext uri="{FF2B5EF4-FFF2-40B4-BE49-F238E27FC236}">
-                <a16:creationId xmlns:a16="http://schemas.microsoft.com/office/drawing/2014/main" id="{0B080F18-0A50-6945-A242-938F83117D61}"/>
-              </a:ext>
-            </a:extLst>
-          </p:cNvPr>
-          <p:cNvSpPr/>
-          <p:nvPr/>
-        </p:nvSpPr>
-        <p:spPr>
-          <a:xfrm>
-            <a:off x="8126797" y="3927485"/>
-            <a:ext cx="1364776" cy="781334"/>
-          </a:xfrm>
-          <a:prstGeom prst="flowChartMagneticDisk">
-            <a:avLst/>
-          </a:prstGeom>
-          <a:solidFill>
-            <a:srgbClr val="974CEA"/>
-          </a:solidFill>
-          <a:ln w="19050">
-            <a:solidFill>
-              <a:srgbClr val="61298A"/>
-            </a:solidFill>
-          </a:ln>
-          <a:effectLst>
-            <a:outerShdw blurRad="44450" dist="27940" dir="5400000" algn="ctr">
-              <a:srgbClr val="000000">
-                <a:alpha val="32000"/>
-              </a:srgbClr>
-            </a:outerShdw>
-          </a:effectLst>
-        </p:spPr>
-        <p:txBody>
-          <a:bodyPr rot="0" spcFirstLastPara="0" vertOverflow="overflow" horzOverflow="overflow" vert="horz" wrap="square" lIns="121851" tIns="60925" rIns="121851" bIns="60925" numCol="1" spcCol="0" rtlCol="0" fromWordArt="0" anchor="ctr" anchorCtr="0" forceAA="0" compatLnSpc="1">
-            <a:prstTxWarp prst="textNoShape">
-              <a:avLst/>
-            </a:prstTxWarp>
-            <a:noAutofit/>
-          </a:bodyPr>
-          <a:lstStyle/>
-          <a:p>
-            <a:pPr algn="ctr">
-              <a:lnSpc>
-                <a:spcPct val="90000"/>
-              </a:lnSpc>
-            </a:pPr>
-            <a:endParaRPr lang="en-US" sz="2000" dirty="0">
-              <a:solidFill>
-                <a:schemeClr val="bg1"/>
-              </a:solidFill>
-            </a:endParaRPr>
-          </a:p>
-        </p:txBody>
-      </p:sp>
-      <p:cxnSp>
-        <p:nvCxnSpPr>
-          <p:cNvPr id="10" name="Straight Arrow Connector 9">
-            <a:extLst>
-              <a:ext uri="{FF2B5EF4-FFF2-40B4-BE49-F238E27FC236}">
-                <a16:creationId xmlns:a16="http://schemas.microsoft.com/office/drawing/2014/main" id="{241ECF81-3A7A-C740-AD38-24DCB01EA86F}"/>
-              </a:ext>
-            </a:extLst>
-          </p:cNvPr>
-          <p:cNvCxnSpPr>
-            <a:cxnSpLocks/>
-            <a:stCxn id="4" idx="3"/>
-            <a:endCxn id="6" idx="1"/>
-          </p:cNvCxnSpPr>
-          <p:nvPr/>
-        </p:nvCxnSpPr>
-        <p:spPr>
-          <a:xfrm>
-            <a:off x="9949218" y="3202849"/>
-            <a:ext cx="1094246" cy="754341"/>
-          </a:xfrm>
-          <a:prstGeom prst="straightConnector1">
-            <a:avLst/>
-          </a:prstGeom>
-          <a:ln w="38100">
-            <a:headEnd type="triangle"/>
-            <a:tailEnd type="triangle"/>
-          </a:ln>
-        </p:spPr>
-        <p:style>
-          <a:lnRef idx="1">
-            <a:schemeClr val="accent1"/>
-          </a:lnRef>
-          <a:fillRef idx="0">
-            <a:schemeClr val="accent1"/>
-          </a:fillRef>
-          <a:effectRef idx="0">
-            <a:schemeClr val="accent1"/>
-          </a:effectRef>
-          <a:fontRef idx="minor">
-            <a:schemeClr val="tx1"/>
-          </a:fontRef>
-        </p:style>
-      </p:cxnSp>
-      <p:cxnSp>
-        <p:nvCxnSpPr>
-          <p:cNvPr id="16" name="Straight Arrow Connector 15">
-            <a:extLst>
-              <a:ext uri="{FF2B5EF4-FFF2-40B4-BE49-F238E27FC236}">
-                <a16:creationId xmlns:a16="http://schemas.microsoft.com/office/drawing/2014/main" id="{B35EDA98-2981-5145-B0E6-A0276937426D}"/>
-              </a:ext>
-            </a:extLst>
-          </p:cNvPr>
-          <p:cNvCxnSpPr>
-            <a:cxnSpLocks/>
-            <a:stCxn id="7" idx="1"/>
-            <a:endCxn id="4" idx="3"/>
-          </p:cNvCxnSpPr>
-          <p:nvPr/>
-        </p:nvCxnSpPr>
-        <p:spPr>
-          <a:xfrm flipV="1">
-            <a:off x="8809185" y="3202849"/>
-            <a:ext cx="1140033" cy="724636"/>
-          </a:xfrm>
-          <a:prstGeom prst="straightConnector1">
-            <a:avLst/>
-          </a:prstGeom>
-          <a:ln w="38100">
-            <a:headEnd type="triangle"/>
-            <a:tailEnd type="triangle"/>
-          </a:ln>
-        </p:spPr>
-        <p:style>
-          <a:lnRef idx="1">
-            <a:schemeClr val="accent1"/>
-          </a:lnRef>
-          <a:fillRef idx="0">
-            <a:schemeClr val="accent1"/>
-          </a:fillRef>
-          <a:effectRef idx="0">
-            <a:schemeClr val="accent1"/>
-          </a:effectRef>
-          <a:fontRef idx="minor">
-            <a:schemeClr val="tx1"/>
-          </a:fontRef>
-        </p:style>
-      </p:cxnSp>
-      <p:sp>
-        <p:nvSpPr>
-          <p:cNvPr id="27" name="TextBox 26">
-            <a:extLst>
-              <a:ext uri="{FF2B5EF4-FFF2-40B4-BE49-F238E27FC236}">
-                <a16:creationId xmlns:a16="http://schemas.microsoft.com/office/drawing/2014/main" id="{ADE27B72-B0FA-034F-9FF4-D07586E6873D}"/>
-              </a:ext>
-            </a:extLst>
-          </p:cNvPr>
-          <p:cNvSpPr txBox="1"/>
-          <p:nvPr/>
-        </p:nvSpPr>
-        <p:spPr>
-          <a:xfrm>
-            <a:off x="8126797" y="4737991"/>
-            <a:ext cx="1364776" cy="683264"/>
-          </a:xfrm>
-          <a:prstGeom prst="rect">
-            <a:avLst/>
-          </a:prstGeom>
-          <a:noFill/>
-        </p:spPr>
-        <p:txBody>
-          <a:bodyPr wrap="square" lIns="118872" tIns="91440" rIns="118872" bIns="91440" rtlCol="0" anchor="ctr" anchorCtr="0">
-            <a:spAutoFit/>
-          </a:bodyPr>
-          <a:lstStyle/>
-          <a:p>
-            <a:pPr algn="l">
-              <a:lnSpc>
-                <a:spcPct val="90000"/>
-              </a:lnSpc>
-            </a:pPr>
-            <a:r>
-              <a:rPr lang="en-US" dirty="0"/>
-              <a:t>Local repo</a:t>
-            </a:r>
-          </a:p>
-          <a:p>
-            <a:pPr algn="l">
-              <a:lnSpc>
-                <a:spcPct val="90000"/>
-              </a:lnSpc>
-            </a:pPr>
-            <a:r>
-              <a:rPr lang="en-US" dirty="0"/>
-              <a:t>     Alice</a:t>
-            </a:r>
-          </a:p>
-        </p:txBody>
-      </p:sp>
-      <p:sp>
-        <p:nvSpPr>
-          <p:cNvPr id="28" name="TextBox 27">
-            <a:extLst>
-              <a:ext uri="{FF2B5EF4-FFF2-40B4-BE49-F238E27FC236}">
-                <a16:creationId xmlns:a16="http://schemas.microsoft.com/office/drawing/2014/main" id="{CCB07D9C-2F79-EC48-83EA-602F4D21A434}"/>
-              </a:ext>
-            </a:extLst>
-          </p:cNvPr>
-          <p:cNvSpPr txBox="1"/>
-          <p:nvPr/>
-        </p:nvSpPr>
-        <p:spPr>
-          <a:xfrm>
-            <a:off x="10361076" y="4771025"/>
-            <a:ext cx="1364776" cy="683264"/>
-          </a:xfrm>
-          <a:prstGeom prst="rect">
-            <a:avLst/>
-          </a:prstGeom>
-          <a:noFill/>
-        </p:spPr>
-        <p:txBody>
-          <a:bodyPr wrap="square" lIns="118872" tIns="91440" rIns="118872" bIns="91440" rtlCol="0" anchor="ctr" anchorCtr="0">
-            <a:spAutoFit/>
-          </a:bodyPr>
-          <a:lstStyle/>
-          <a:p>
-            <a:pPr algn="l">
-              <a:lnSpc>
-                <a:spcPct val="90000"/>
-              </a:lnSpc>
-            </a:pPr>
-            <a:r>
-              <a:rPr lang="en-US" dirty="0"/>
-              <a:t>Local repo</a:t>
-            </a:r>
-          </a:p>
-          <a:p>
-            <a:pPr algn="l">
-              <a:lnSpc>
-                <a:spcPct val="90000"/>
-              </a:lnSpc>
-            </a:pPr>
-            <a:r>
-              <a:rPr lang="en-US" dirty="0"/>
-              <a:t>      Bob</a:t>
-            </a:r>
-          </a:p>
-        </p:txBody>
-      </p:sp>
-      <p:sp>
-        <p:nvSpPr>
-          <p:cNvPr id="29" name="TextBox 28">
-            <a:extLst>
-              <a:ext uri="{FF2B5EF4-FFF2-40B4-BE49-F238E27FC236}">
-                <a16:creationId xmlns:a16="http://schemas.microsoft.com/office/drawing/2014/main" id="{A2141202-CAD4-5248-9EE0-0EE8E8CB2373}"/>
-              </a:ext>
-            </a:extLst>
-          </p:cNvPr>
-          <p:cNvSpPr txBox="1"/>
-          <p:nvPr/>
-        </p:nvSpPr>
-        <p:spPr>
-          <a:xfrm>
-            <a:off x="9128533" y="2047382"/>
-            <a:ext cx="1641369" cy="433965"/>
-          </a:xfrm>
-          <a:prstGeom prst="rect">
-            <a:avLst/>
-          </a:prstGeom>
-          <a:noFill/>
-        </p:spPr>
-        <p:txBody>
-          <a:bodyPr wrap="square" lIns="118872" tIns="91440" rIns="118872" bIns="91440" rtlCol="0" anchor="ctr" anchorCtr="0">
-            <a:spAutoFit/>
-          </a:bodyPr>
-          <a:lstStyle/>
-          <a:p>
-            <a:pPr algn="l">
-              <a:lnSpc>
-                <a:spcPct val="90000"/>
-              </a:lnSpc>
-            </a:pPr>
-            <a:r>
-              <a:rPr lang="en-US" dirty="0"/>
-              <a:t>Remote repo</a:t>
-            </a:r>
+            <a:endParaRPr lang="en-US" sz="1800" dirty="0"/>
+          </a:p>
+          <a:p>
+            <a:pPr marL="0" indent="0">
+              <a:buNone/>
+            </a:pPr>
+            <a:endParaRPr lang="en-US" sz="1800" dirty="0"/>
+          </a:p>
+          <a:p>
+            <a:pPr marL="0" indent="0">
+              <a:buNone/>
+            </a:pPr>
+            <a:endParaRPr lang="en-US" sz="1800" dirty="0"/>
           </a:p>
         </p:txBody>
       </p:sp>
     </p:spTree>
     <p:extLst>
       <p:ext uri="{BB962C8B-B14F-4D97-AF65-F5344CB8AC3E}">
-        <p14:creationId xmlns:p14="http://schemas.microsoft.com/office/powerpoint/2010/main" val="788690729"/>
+        <p14:creationId xmlns:p14="http://schemas.microsoft.com/office/powerpoint/2010/main" val="658328687"/>
       </p:ext>
     </p:extLst>
   </p:cSld>
@@ -14026,7 +14240,7 @@
           <p:cNvPr id="2" name="Title 1">
             <a:extLst>
               <a:ext uri="{FF2B5EF4-FFF2-40B4-BE49-F238E27FC236}">
-                <a16:creationId xmlns:a16="http://schemas.microsoft.com/office/drawing/2014/main" id="{2AB5E873-EED9-BF40-A119-57F778917CEC}"/>
+                <a16:creationId xmlns:a16="http://schemas.microsoft.com/office/drawing/2014/main" id="{0F7F7C0A-7591-A44A-BA28-B27788DF1A70}"/>
               </a:ext>
             </a:extLst>
           </p:cNvPr>
@@ -14044,7 +14258,7 @@
           <a:p>
             <a:r>
               <a:rPr lang="en-US" dirty="0"/>
-              <a:t>Git Workflow Mechanisms for Collaboration</a:t>
+              <a:t>First Workflow</a:t>
             </a:r>
           </a:p>
         </p:txBody>
@@ -14054,7 +14268,7 @@
           <p:cNvPr id="3" name="Content Placeholder 2">
             <a:extLst>
               <a:ext uri="{FF2B5EF4-FFF2-40B4-BE49-F238E27FC236}">
-                <a16:creationId xmlns:a16="http://schemas.microsoft.com/office/drawing/2014/main" id="{28795306-D83A-334F-8568-08D11D98E3E4}"/>
+                <a16:creationId xmlns:a16="http://schemas.microsoft.com/office/drawing/2014/main" id="{F1DB1E7F-C262-8A45-9DAC-7AF28B8267E9}"/>
               </a:ext>
             </a:extLst>
           </p:cNvPr>
@@ -14067,7 +14281,7 @@
         </p:nvSpPr>
         <p:spPr>
           <a:xfrm>
-            <a:off x="409507" y="1325880"/>
+            <a:off x="409507" y="1210897"/>
             <a:ext cx="11369809" cy="4047778"/>
           </a:xfrm>
         </p:spPr>
@@ -14075,70 +14289,612 @@
           <a:bodyPr/>
           <a:lstStyle/>
           <a:p>
-            <a:r>
-              <a:rPr lang="en-US" dirty="0"/>
-              <a:t>Branches</a:t>
-            </a:r>
+            <a:pPr marL="0" indent="0">
+              <a:buNone/>
+            </a:pPr>
+            <a:r>
+              <a:rPr lang="en-US" dirty="0"/>
+              <a:t>The simplest way of using Git is to mimic the centralized approach</a:t>
+            </a:r>
+            <a:endParaRPr lang="en-US" b="1" dirty="0"/>
+          </a:p>
+          <a:p>
+            <a:r>
+              <a:rPr lang="en-US" dirty="0"/>
+              <a:t>Called the </a:t>
+            </a:r>
+            <a:r>
+              <a:rPr lang="en-US" b="1" dirty="0"/>
+              <a:t>Centralized</a:t>
+            </a:r>
+            <a:r>
+              <a:rPr lang="en-US" dirty="0"/>
+              <a:t> </a:t>
+            </a:r>
+            <a:r>
+              <a:rPr lang="en-US" b="1" dirty="0"/>
+              <a:t>Workflow</a:t>
+            </a:r>
+            <a:endParaRPr lang="en-US" dirty="0"/>
           </a:p>
           <a:p>
             <a:pPr lvl="1"/>
             <a:r>
               <a:rPr lang="en-US" dirty="0"/>
-              <a:t>Enable separate development for features or fixes on the same repo</a:t>
+              <a:t>See </a:t>
+            </a:r>
+            <a:r>
+              <a:rPr lang="en-US" dirty="0">
+                <a:hlinkClick r:id="rId3"/>
+              </a:rPr>
+              <a:t>Atlassian/BitBucket</a:t>
+            </a:r>
+            <a:r>
+              <a:rPr lang="en-US" dirty="0"/>
+              <a:t> for more information</a:t>
+            </a:r>
+          </a:p>
+          <a:p>
+            <a:r>
+              <a:rPr lang="en-US" dirty="0"/>
+              <a:t>Leverages local vs. remote repo dimension</a:t>
             </a:r>
           </a:p>
           <a:p>
             <a:pPr lvl="1"/>
             <a:r>
               <a:rPr lang="en-US" dirty="0"/>
-              <a:t>Enables different types of Workflows</a:t>
-            </a:r>
-          </a:p>
-          <a:p>
-            <a:r>
-              <a:rPr lang="en-US" dirty="0"/>
-              <a:t>Pull Requests</a:t>
+              <a:t>Integration in local repo when local repos interact with remote repo</a:t>
             </a:r>
           </a:p>
           <a:p>
             <a:pPr lvl="1"/>
             <a:r>
               <a:rPr lang="en-US" dirty="0"/>
-              <a:t>Enables code review and testing before merge</a:t>
-            </a:r>
-          </a:p>
-          <a:p>
-            <a:r>
-              <a:rPr lang="en-US" dirty="0"/>
-              <a:t>Forks</a:t>
+              <a:t>Working directly on the main branch</a:t>
+            </a:r>
+          </a:p>
+          <a:p>
+            <a:r>
+              <a:rPr lang="en-US" dirty="0"/>
+              <a:t>Issues</a:t>
             </a:r>
           </a:p>
           <a:p>
             <a:pPr lvl="1"/>
             <a:r>
               <a:rPr lang="en-US" dirty="0"/>
-              <a:t>Enables contributions from external collaborators that have read access only</a:t>
+              <a:t>What if you have many team members?</a:t>
             </a:r>
           </a:p>
           <a:p>
             <a:pPr lvl="1"/>
             <a:r>
               <a:rPr lang="en-US" dirty="0"/>
-              <a:t>Controls on original repo remains with the team</a:t>
-            </a:r>
-          </a:p>
-          <a:p>
-            <a:pPr marL="346075" lvl="1" indent="0">
+              <a:t>What if developers only push once a month?</a:t>
+            </a:r>
+          </a:p>
+          <a:p>
+            <a:pPr lvl="2"/>
+            <a:r>
+              <a:rPr lang="en-US" dirty="0"/>
+              <a:t>Lengthy development efforts without integrating</a:t>
+            </a:r>
+          </a:p>
+          <a:p>
+            <a:pPr lvl="2"/>
+            <a:r>
+              <a:rPr lang="en-US" dirty="0"/>
+              <a:t>Occasional contributors</a:t>
+            </a:r>
+          </a:p>
+          <a:p>
+            <a:pPr lvl="1"/>
+            <a:r>
+              <a:rPr lang="en-US" dirty="0"/>
+              <a:t>What if team members works on different parts of the code?</a:t>
+            </a:r>
+          </a:p>
+          <a:p>
+            <a:pPr marL="0" indent="0">
               <a:buNone/>
             </a:pPr>
             <a:endParaRPr lang="en-US" dirty="0"/>
+          </a:p>
+        </p:txBody>
+      </p:sp>
+      <p:sp>
+        <p:nvSpPr>
+          <p:cNvPr id="4" name="Magnetic Disk 3">
+            <a:extLst>
+              <a:ext uri="{FF2B5EF4-FFF2-40B4-BE49-F238E27FC236}">
+                <a16:creationId xmlns:a16="http://schemas.microsoft.com/office/drawing/2014/main" id="{4003AB91-21BD-E24D-A55D-EF70A605911D}"/>
+              </a:ext>
+            </a:extLst>
+          </p:cNvPr>
+          <p:cNvSpPr/>
+          <p:nvPr/>
+        </p:nvSpPr>
+        <p:spPr>
+          <a:xfrm>
+            <a:off x="9266830" y="2421515"/>
+            <a:ext cx="1364776" cy="781334"/>
+          </a:xfrm>
+          <a:prstGeom prst="flowChartMagneticDisk">
+            <a:avLst/>
+          </a:prstGeom>
+          <a:solidFill>
+            <a:schemeClr val="accent3">
+              <a:lumMod val="75000"/>
+            </a:schemeClr>
+          </a:solidFill>
+          <a:ln w="19050">
+            <a:solidFill>
+              <a:schemeClr val="tx2">
+                <a:lumMod val="75000"/>
+              </a:schemeClr>
+            </a:solidFill>
+          </a:ln>
+          <a:effectLst>
+            <a:outerShdw blurRad="44450" dist="27940" dir="5400000" algn="ctr">
+              <a:srgbClr val="000000">
+                <a:alpha val="32000"/>
+              </a:srgbClr>
+            </a:outerShdw>
+          </a:effectLst>
+        </p:spPr>
+        <p:txBody>
+          <a:bodyPr rot="0" spcFirstLastPara="0" vertOverflow="overflow" horzOverflow="overflow" vert="horz" wrap="square" lIns="121851" tIns="60925" rIns="121851" bIns="60925" numCol="1" spcCol="0" rtlCol="0" fromWordArt="0" anchor="ctr" anchorCtr="0" forceAA="0" compatLnSpc="1">
+            <a:prstTxWarp prst="textNoShape">
+              <a:avLst/>
+            </a:prstTxWarp>
+            <a:noAutofit/>
+          </a:bodyPr>
+          <a:lstStyle/>
+          <a:p>
+            <a:pPr algn="ctr">
+              <a:lnSpc>
+                <a:spcPct val="90000"/>
+              </a:lnSpc>
+            </a:pPr>
+            <a:endParaRPr lang="en-US" sz="2000" dirty="0">
+              <a:solidFill>
+                <a:schemeClr val="bg1"/>
+              </a:solidFill>
+            </a:endParaRPr>
+          </a:p>
+        </p:txBody>
+      </p:sp>
+      <p:sp>
+        <p:nvSpPr>
+          <p:cNvPr id="6" name="Magnetic Disk 5">
+            <a:extLst>
+              <a:ext uri="{FF2B5EF4-FFF2-40B4-BE49-F238E27FC236}">
+                <a16:creationId xmlns:a16="http://schemas.microsoft.com/office/drawing/2014/main" id="{6948B375-82F7-7049-B5AA-00116F19D2AA}"/>
+              </a:ext>
+            </a:extLst>
+          </p:cNvPr>
+          <p:cNvSpPr/>
+          <p:nvPr/>
+        </p:nvSpPr>
+        <p:spPr>
+          <a:xfrm>
+            <a:off x="10361076" y="3957190"/>
+            <a:ext cx="1364776" cy="781334"/>
+          </a:xfrm>
+          <a:prstGeom prst="flowChartMagneticDisk">
+            <a:avLst/>
+          </a:prstGeom>
+          <a:solidFill>
+            <a:srgbClr val="974CEA"/>
+          </a:solidFill>
+          <a:ln w="19050">
+            <a:solidFill>
+              <a:srgbClr val="61298A"/>
+            </a:solidFill>
+          </a:ln>
+          <a:effectLst>
+            <a:outerShdw blurRad="44450" dist="27940" dir="5400000" algn="ctr">
+              <a:srgbClr val="000000">
+                <a:alpha val="32000"/>
+              </a:srgbClr>
+            </a:outerShdw>
+          </a:effectLst>
+        </p:spPr>
+        <p:txBody>
+          <a:bodyPr rot="0" spcFirstLastPara="0" vertOverflow="overflow" horzOverflow="overflow" vert="horz" wrap="square" lIns="121851" tIns="60925" rIns="121851" bIns="60925" numCol="1" spcCol="0" rtlCol="0" fromWordArt="0" anchor="ctr" anchorCtr="0" forceAA="0" compatLnSpc="1">
+            <a:prstTxWarp prst="textNoShape">
+              <a:avLst/>
+            </a:prstTxWarp>
+            <a:noAutofit/>
+          </a:bodyPr>
+          <a:lstStyle/>
+          <a:p>
+            <a:pPr algn="ctr">
+              <a:lnSpc>
+                <a:spcPct val="90000"/>
+              </a:lnSpc>
+            </a:pPr>
+            <a:endParaRPr lang="en-US" sz="2000" dirty="0">
+              <a:solidFill>
+                <a:schemeClr val="bg1"/>
+              </a:solidFill>
+            </a:endParaRPr>
+          </a:p>
+        </p:txBody>
+      </p:sp>
+      <p:sp>
+        <p:nvSpPr>
+          <p:cNvPr id="7" name="Magnetic Disk 6">
+            <a:extLst>
+              <a:ext uri="{FF2B5EF4-FFF2-40B4-BE49-F238E27FC236}">
+                <a16:creationId xmlns:a16="http://schemas.microsoft.com/office/drawing/2014/main" id="{0B080F18-0A50-6945-A242-938F83117D61}"/>
+              </a:ext>
+            </a:extLst>
+          </p:cNvPr>
+          <p:cNvSpPr/>
+          <p:nvPr/>
+        </p:nvSpPr>
+        <p:spPr>
+          <a:xfrm>
+            <a:off x="8126797" y="3927485"/>
+            <a:ext cx="1364776" cy="781334"/>
+          </a:xfrm>
+          <a:prstGeom prst="flowChartMagneticDisk">
+            <a:avLst/>
+          </a:prstGeom>
+          <a:solidFill>
+            <a:srgbClr val="974CEA"/>
+          </a:solidFill>
+          <a:ln w="19050">
+            <a:solidFill>
+              <a:srgbClr val="61298A"/>
+            </a:solidFill>
+          </a:ln>
+          <a:effectLst>
+            <a:outerShdw blurRad="44450" dist="27940" dir="5400000" algn="ctr">
+              <a:srgbClr val="000000">
+                <a:alpha val="32000"/>
+              </a:srgbClr>
+            </a:outerShdw>
+          </a:effectLst>
+        </p:spPr>
+        <p:txBody>
+          <a:bodyPr rot="0" spcFirstLastPara="0" vertOverflow="overflow" horzOverflow="overflow" vert="horz" wrap="square" lIns="121851" tIns="60925" rIns="121851" bIns="60925" numCol="1" spcCol="0" rtlCol="0" fromWordArt="0" anchor="ctr" anchorCtr="0" forceAA="0" compatLnSpc="1">
+            <a:prstTxWarp prst="textNoShape">
+              <a:avLst/>
+            </a:prstTxWarp>
+            <a:noAutofit/>
+          </a:bodyPr>
+          <a:lstStyle/>
+          <a:p>
+            <a:pPr algn="ctr">
+              <a:lnSpc>
+                <a:spcPct val="90000"/>
+              </a:lnSpc>
+            </a:pPr>
+            <a:endParaRPr lang="en-US" sz="2000" dirty="0">
+              <a:solidFill>
+                <a:schemeClr val="bg1"/>
+              </a:solidFill>
+            </a:endParaRPr>
+          </a:p>
+        </p:txBody>
+      </p:sp>
+      <p:cxnSp>
+        <p:nvCxnSpPr>
+          <p:cNvPr id="10" name="Straight Arrow Connector 9">
+            <a:extLst>
+              <a:ext uri="{FF2B5EF4-FFF2-40B4-BE49-F238E27FC236}">
+                <a16:creationId xmlns:a16="http://schemas.microsoft.com/office/drawing/2014/main" id="{241ECF81-3A7A-C740-AD38-24DCB01EA86F}"/>
+              </a:ext>
+            </a:extLst>
+          </p:cNvPr>
+          <p:cNvCxnSpPr>
+            <a:cxnSpLocks/>
+            <a:stCxn id="4" idx="3"/>
+            <a:endCxn id="6" idx="1"/>
+          </p:cNvCxnSpPr>
+          <p:nvPr/>
+        </p:nvCxnSpPr>
+        <p:spPr>
+          <a:xfrm>
+            <a:off x="9949218" y="3202849"/>
+            <a:ext cx="1094246" cy="754341"/>
+          </a:xfrm>
+          <a:prstGeom prst="straightConnector1">
+            <a:avLst/>
+          </a:prstGeom>
+          <a:ln w="38100">
+            <a:headEnd type="triangle"/>
+            <a:tailEnd type="triangle"/>
+          </a:ln>
+        </p:spPr>
+        <p:style>
+          <a:lnRef idx="1">
+            <a:schemeClr val="accent1"/>
+          </a:lnRef>
+          <a:fillRef idx="0">
+            <a:schemeClr val="accent1"/>
+          </a:fillRef>
+          <a:effectRef idx="0">
+            <a:schemeClr val="accent1"/>
+          </a:effectRef>
+          <a:fontRef idx="minor">
+            <a:schemeClr val="tx1"/>
+          </a:fontRef>
+        </p:style>
+      </p:cxnSp>
+      <p:cxnSp>
+        <p:nvCxnSpPr>
+          <p:cNvPr id="16" name="Straight Arrow Connector 15">
+            <a:extLst>
+              <a:ext uri="{FF2B5EF4-FFF2-40B4-BE49-F238E27FC236}">
+                <a16:creationId xmlns:a16="http://schemas.microsoft.com/office/drawing/2014/main" id="{B35EDA98-2981-5145-B0E6-A0276937426D}"/>
+              </a:ext>
+            </a:extLst>
+          </p:cNvPr>
+          <p:cNvCxnSpPr>
+            <a:cxnSpLocks/>
+            <a:stCxn id="7" idx="1"/>
+            <a:endCxn id="4" idx="3"/>
+          </p:cNvCxnSpPr>
+          <p:nvPr/>
+        </p:nvCxnSpPr>
+        <p:spPr>
+          <a:xfrm flipV="1">
+            <a:off x="8809185" y="3202849"/>
+            <a:ext cx="1140033" cy="724636"/>
+          </a:xfrm>
+          <a:prstGeom prst="straightConnector1">
+            <a:avLst/>
+          </a:prstGeom>
+          <a:ln w="38100">
+            <a:headEnd type="triangle"/>
+            <a:tailEnd type="triangle"/>
+          </a:ln>
+        </p:spPr>
+        <p:style>
+          <a:lnRef idx="1">
+            <a:schemeClr val="accent1"/>
+          </a:lnRef>
+          <a:fillRef idx="0">
+            <a:schemeClr val="accent1"/>
+          </a:fillRef>
+          <a:effectRef idx="0">
+            <a:schemeClr val="accent1"/>
+          </a:effectRef>
+          <a:fontRef idx="minor">
+            <a:schemeClr val="tx1"/>
+          </a:fontRef>
+        </p:style>
+      </p:cxnSp>
+      <p:sp>
+        <p:nvSpPr>
+          <p:cNvPr id="27" name="TextBox 26">
+            <a:extLst>
+              <a:ext uri="{FF2B5EF4-FFF2-40B4-BE49-F238E27FC236}">
+                <a16:creationId xmlns:a16="http://schemas.microsoft.com/office/drawing/2014/main" id="{ADE27B72-B0FA-034F-9FF4-D07586E6873D}"/>
+              </a:ext>
+            </a:extLst>
+          </p:cNvPr>
+          <p:cNvSpPr txBox="1"/>
+          <p:nvPr/>
+        </p:nvSpPr>
+        <p:spPr>
+          <a:xfrm>
+            <a:off x="8126797" y="4737991"/>
+            <a:ext cx="1364776" cy="683264"/>
+          </a:xfrm>
+          <a:prstGeom prst="rect">
+            <a:avLst/>
+          </a:prstGeom>
+          <a:noFill/>
+        </p:spPr>
+        <p:txBody>
+          <a:bodyPr wrap="square" lIns="118872" tIns="91440" rIns="118872" bIns="91440" rtlCol="0" anchor="ctr" anchorCtr="0">
+            <a:spAutoFit/>
+          </a:bodyPr>
+          <a:lstStyle/>
+          <a:p>
+            <a:pPr algn="l">
+              <a:lnSpc>
+                <a:spcPct val="90000"/>
+              </a:lnSpc>
+            </a:pPr>
+            <a:r>
+              <a:rPr lang="en-US" dirty="0"/>
+              <a:t>Local repo</a:t>
+            </a:r>
+          </a:p>
+          <a:p>
+            <a:pPr algn="l">
+              <a:lnSpc>
+                <a:spcPct val="90000"/>
+              </a:lnSpc>
+            </a:pPr>
+            <a:r>
+              <a:rPr lang="en-US" dirty="0"/>
+              <a:t>     Alice</a:t>
+            </a:r>
+          </a:p>
+        </p:txBody>
+      </p:sp>
+      <p:sp>
+        <p:nvSpPr>
+          <p:cNvPr id="28" name="TextBox 27">
+            <a:extLst>
+              <a:ext uri="{FF2B5EF4-FFF2-40B4-BE49-F238E27FC236}">
+                <a16:creationId xmlns:a16="http://schemas.microsoft.com/office/drawing/2014/main" id="{CCB07D9C-2F79-EC48-83EA-602F4D21A434}"/>
+              </a:ext>
+            </a:extLst>
+          </p:cNvPr>
+          <p:cNvSpPr txBox="1"/>
+          <p:nvPr/>
+        </p:nvSpPr>
+        <p:spPr>
+          <a:xfrm>
+            <a:off x="10361076" y="4771025"/>
+            <a:ext cx="1364776" cy="683264"/>
+          </a:xfrm>
+          <a:prstGeom prst="rect">
+            <a:avLst/>
+          </a:prstGeom>
+          <a:noFill/>
+        </p:spPr>
+        <p:txBody>
+          <a:bodyPr wrap="square" lIns="118872" tIns="91440" rIns="118872" bIns="91440" rtlCol="0" anchor="ctr" anchorCtr="0">
+            <a:spAutoFit/>
+          </a:bodyPr>
+          <a:lstStyle/>
+          <a:p>
+            <a:pPr algn="l">
+              <a:lnSpc>
+                <a:spcPct val="90000"/>
+              </a:lnSpc>
+            </a:pPr>
+            <a:r>
+              <a:rPr lang="en-US" dirty="0"/>
+              <a:t>Local repo</a:t>
+            </a:r>
+          </a:p>
+          <a:p>
+            <a:pPr algn="l">
+              <a:lnSpc>
+                <a:spcPct val="90000"/>
+              </a:lnSpc>
+            </a:pPr>
+            <a:r>
+              <a:rPr lang="en-US" dirty="0"/>
+              <a:t>      Bob</a:t>
+            </a:r>
+          </a:p>
+        </p:txBody>
+      </p:sp>
+      <p:sp>
+        <p:nvSpPr>
+          <p:cNvPr id="29" name="TextBox 28">
+            <a:extLst>
+              <a:ext uri="{FF2B5EF4-FFF2-40B4-BE49-F238E27FC236}">
+                <a16:creationId xmlns:a16="http://schemas.microsoft.com/office/drawing/2014/main" id="{A2141202-CAD4-5248-9EE0-0EE8E8CB2373}"/>
+              </a:ext>
+            </a:extLst>
+          </p:cNvPr>
+          <p:cNvSpPr txBox="1"/>
+          <p:nvPr/>
+        </p:nvSpPr>
+        <p:spPr>
+          <a:xfrm>
+            <a:off x="9128533" y="2047382"/>
+            <a:ext cx="1641369" cy="433965"/>
+          </a:xfrm>
+          <a:prstGeom prst="rect">
+            <a:avLst/>
+          </a:prstGeom>
+          <a:noFill/>
+        </p:spPr>
+        <p:txBody>
+          <a:bodyPr wrap="square" lIns="118872" tIns="91440" rIns="118872" bIns="91440" rtlCol="0" anchor="ctr" anchorCtr="0">
+            <a:spAutoFit/>
+          </a:bodyPr>
+          <a:lstStyle/>
+          <a:p>
+            <a:pPr algn="l">
+              <a:lnSpc>
+                <a:spcPct val="90000"/>
+              </a:lnSpc>
+            </a:pPr>
+            <a:r>
+              <a:rPr lang="en-US" dirty="0"/>
+              <a:t>Remote repo</a:t>
+            </a:r>
+          </a:p>
+        </p:txBody>
+      </p:sp>
+      <p:sp>
+        <p:nvSpPr>
+          <p:cNvPr id="12" name="TextBox 11">
+            <a:extLst>
+              <a:ext uri="{FF2B5EF4-FFF2-40B4-BE49-F238E27FC236}">
+                <a16:creationId xmlns:a16="http://schemas.microsoft.com/office/drawing/2014/main" id="{CFF57C57-5E8A-FAE6-2B33-3E370C368B1E}"/>
+              </a:ext>
+            </a:extLst>
+          </p:cNvPr>
+          <p:cNvSpPr txBox="1"/>
+          <p:nvPr/>
+        </p:nvSpPr>
+        <p:spPr>
+          <a:xfrm>
+            <a:off x="8601014" y="3310794"/>
+            <a:ext cx="858094" cy="433965"/>
+          </a:xfrm>
+          <a:prstGeom prst="rect">
+            <a:avLst/>
+          </a:prstGeom>
+          <a:noFill/>
+        </p:spPr>
+        <p:txBody>
+          <a:bodyPr wrap="square" lIns="118872" tIns="91440" rIns="118872" bIns="91440" rtlCol="0" anchor="ctr" anchorCtr="0">
+            <a:spAutoFit/>
+          </a:bodyPr>
+          <a:lstStyle/>
+          <a:p>
+            <a:pPr algn="l">
+              <a:lnSpc>
+                <a:spcPct val="90000"/>
+              </a:lnSpc>
+            </a:pPr>
+            <a:r>
+              <a:rPr lang="en-US" dirty="0"/>
+              <a:t>clone</a:t>
+            </a:r>
+          </a:p>
+        </p:txBody>
+      </p:sp>
+      <p:sp>
+        <p:nvSpPr>
+          <p:cNvPr id="13" name="TextBox 12">
+            <a:extLst>
+              <a:ext uri="{FF2B5EF4-FFF2-40B4-BE49-F238E27FC236}">
+                <a16:creationId xmlns:a16="http://schemas.microsoft.com/office/drawing/2014/main" id="{0357FFA0-8F01-A2DD-FFD7-81716C6CC5E8}"/>
+              </a:ext>
+            </a:extLst>
+          </p:cNvPr>
+          <p:cNvSpPr txBox="1"/>
+          <p:nvPr/>
+        </p:nvSpPr>
+        <p:spPr>
+          <a:xfrm>
+            <a:off x="10614417" y="3280764"/>
+            <a:ext cx="858094" cy="433965"/>
+          </a:xfrm>
+          <a:prstGeom prst="rect">
+            <a:avLst/>
+          </a:prstGeom>
+          <a:noFill/>
+        </p:spPr>
+        <p:txBody>
+          <a:bodyPr wrap="square" lIns="118872" tIns="91440" rIns="118872" bIns="91440" rtlCol="0" anchor="ctr" anchorCtr="0">
+            <a:spAutoFit/>
+          </a:bodyPr>
+          <a:lstStyle/>
+          <a:p>
+            <a:pPr algn="l">
+              <a:lnSpc>
+                <a:spcPct val="90000"/>
+              </a:lnSpc>
+            </a:pPr>
+            <a:r>
+              <a:rPr lang="en-US" dirty="0"/>
+              <a:t>clone</a:t>
+            </a:r>
           </a:p>
         </p:txBody>
       </p:sp>
     </p:spTree>
     <p:extLst>
       <p:ext uri="{BB962C8B-B14F-4D97-AF65-F5344CB8AC3E}">
-        <p14:creationId xmlns:p14="http://schemas.microsoft.com/office/powerpoint/2010/main" val="2485969247"/>
+        <p14:creationId xmlns:p14="http://schemas.microsoft.com/office/powerpoint/2010/main" val="788690729"/>
       </p:ext>
     </p:extLst>
   </p:cSld>
@@ -14170,7 +14926,7 @@
           <p:cNvPr id="2" name="Title 1">
             <a:extLst>
               <a:ext uri="{FF2B5EF4-FFF2-40B4-BE49-F238E27FC236}">
-                <a16:creationId xmlns:a16="http://schemas.microsoft.com/office/drawing/2014/main" id="{7A163D76-09F2-E949-BFE4-5D90160A680F}"/>
+                <a16:creationId xmlns:a16="http://schemas.microsoft.com/office/drawing/2014/main" id="{2AB5E873-EED9-BF40-A119-57F778917CEC}"/>
               </a:ext>
             </a:extLst>
           </p:cNvPr>
@@ -14188,7 +14944,7 @@
           <a:p>
             <a:r>
               <a:rPr lang="en-US" dirty="0"/>
-              <a:t>Branches</a:t>
+              <a:t>Workflow Mechanisms for Collaboration</a:t>
             </a:r>
           </a:p>
         </p:txBody>
@@ -14198,7 +14954,7 @@
           <p:cNvPr id="3" name="Content Placeholder 2">
             <a:extLst>
               <a:ext uri="{FF2B5EF4-FFF2-40B4-BE49-F238E27FC236}">
-                <a16:creationId xmlns:a16="http://schemas.microsoft.com/office/drawing/2014/main" id="{3F10EFBA-41D9-104F-9ADE-9AA77C5312AC}"/>
+                <a16:creationId xmlns:a16="http://schemas.microsoft.com/office/drawing/2014/main" id="{28795306-D83A-334F-8568-08D11D98E3E4}"/>
               </a:ext>
             </a:extLst>
           </p:cNvPr>
@@ -14211,307 +14967,113 @@
         </p:nvSpPr>
         <p:spPr>
           <a:xfrm>
-            <a:off x="365760" y="1057734"/>
-            <a:ext cx="6925377" cy="4651085"/>
+            <a:off x="409507" y="1325880"/>
+            <a:ext cx="11369809" cy="4047778"/>
           </a:xfrm>
         </p:spPr>
         <p:txBody>
           <a:bodyPr/>
           <a:lstStyle/>
           <a:p>
-            <a:pPr marL="0" indent="0">
+            <a:r>
+              <a:rPr lang="en-US" dirty="0"/>
+              <a:t>Branches</a:t>
+            </a:r>
+          </a:p>
+          <a:p>
+            <a:pPr lvl="1"/>
+            <a:r>
+              <a:rPr lang="en-US" dirty="0"/>
+              <a:t>Enable separate development for features or fixes on the same repo</a:t>
+            </a:r>
+          </a:p>
+          <a:p>
+            <a:pPr lvl="1"/>
+            <a:r>
+              <a:rPr lang="en-US" dirty="0"/>
+              <a:t>Enables different types of Workflows</a:t>
+            </a:r>
+          </a:p>
+          <a:p>
+            <a:r>
+              <a:rPr lang="en-US" dirty="0"/>
+              <a:t>Clones</a:t>
+            </a:r>
+          </a:p>
+          <a:p>
+            <a:pPr lvl="1"/>
+            <a:r>
+              <a:rPr lang="en-US" dirty="0"/>
+              <a:t>Makes a copy of the repository with a pointer back to the original repo</a:t>
+            </a:r>
+          </a:p>
+          <a:p>
+            <a:pPr lvl="1"/>
+            <a:r>
+              <a:rPr lang="en-US" dirty="0"/>
+              <a:t>May include all branches, or only some</a:t>
+            </a:r>
+          </a:p>
+          <a:p>
+            <a:pPr lvl="1"/>
+            <a:r>
+              <a:rPr lang="en-US" dirty="0"/>
+              <a:t>Changes can be “pushed” back to the original repo</a:t>
+            </a:r>
+          </a:p>
+          <a:p>
+            <a:r>
+              <a:rPr lang="en-US" dirty="0"/>
+              <a:t>Hosted services provide</a:t>
+            </a:r>
+          </a:p>
+          <a:p>
+            <a:pPr lvl="1"/>
+            <a:r>
+              <a:rPr lang="en-US" dirty="0"/>
+              <a:t>Pull/Merge Requests</a:t>
+            </a:r>
+          </a:p>
+          <a:p>
+            <a:pPr lvl="2"/>
+            <a:r>
+              <a:rPr lang="en-US" dirty="0"/>
+              <a:t>Enables code review and testing before merge</a:t>
+            </a:r>
+          </a:p>
+          <a:p>
+            <a:pPr lvl="1"/>
+            <a:r>
+              <a:rPr lang="en-US" dirty="0"/>
+              <a:t>Forks (GitHub)</a:t>
+            </a:r>
+          </a:p>
+          <a:p>
+            <a:pPr lvl="2"/>
+            <a:r>
+              <a:rPr lang="en-US" dirty="0"/>
+              <a:t>Enables contributions from external collaborators that have read access only</a:t>
+            </a:r>
+          </a:p>
+          <a:p>
+            <a:pPr lvl="2"/>
+            <a:r>
+              <a:rPr lang="en-US" dirty="0"/>
+              <a:t>Controls on original repo remains with the team</a:t>
+            </a:r>
+          </a:p>
+          <a:p>
+            <a:pPr marL="346075" lvl="1" indent="0">
               <a:buNone/>
             </a:pPr>
-            <a:r>
-              <a:rPr lang="en-US" dirty="0"/>
-              <a:t>Branches are independent lines of development</a:t>
-            </a:r>
-          </a:p>
-          <a:p>
-            <a:r>
-              <a:rPr lang="en-US" dirty="0"/>
-              <a:t>Use branches to protect main branch</a:t>
-            </a:r>
-          </a:p>
-          <a:p>
-            <a:r>
-              <a:rPr lang="en-US" dirty="0"/>
-              <a:t>Feature branches</a:t>
-            </a:r>
-          </a:p>
-          <a:p>
-            <a:pPr lvl="1"/>
-            <a:r>
-              <a:rPr lang="en-US" dirty="0"/>
-              <a:t>Organize a new feature as a sequence of related commits in a branch</a:t>
-            </a:r>
-          </a:p>
-          <a:p>
-            <a:r>
-              <a:rPr lang="en-US" dirty="0"/>
-              <a:t>Branches are usually combined or </a:t>
-            </a:r>
-            <a:r>
-              <a:rPr lang="en-US" b="1" dirty="0"/>
-              <a:t>merged</a:t>
-            </a:r>
-          </a:p>
-          <a:p>
-            <a:r>
-              <a:rPr lang="en-US" dirty="0"/>
-              <a:t>Develop on a branch, test on the branch, and merge into main</a:t>
-            </a:r>
-          </a:p>
-          <a:p>
-            <a:r>
-              <a:rPr lang="en-US" dirty="0"/>
-              <a:t>Integration occurs at merge commits</a:t>
-            </a:r>
-          </a:p>
-        </p:txBody>
-      </p:sp>
-      <p:pic>
-        <p:nvPicPr>
-          <p:cNvPr id="8" name="Picture 7">
-            <a:extLst>
-              <a:ext uri="{FF2B5EF4-FFF2-40B4-BE49-F238E27FC236}">
-                <a16:creationId xmlns:a16="http://schemas.microsoft.com/office/drawing/2014/main" id="{F1835F05-49A2-5E4D-913F-5CE57F1DB2A1}"/>
-              </a:ext>
-            </a:extLst>
-          </p:cNvPr>
-          <p:cNvPicPr>
-            <a:picLocks noChangeAspect="1"/>
-          </p:cNvPicPr>
-          <p:nvPr/>
-        </p:nvPicPr>
-        <p:blipFill rotWithShape="1">
-          <a:blip r:embed="rId3">
-            <a:extLst>
-              <a:ext uri="{28A0092B-C50C-407E-A947-70E740481C1C}">
-                <a14:useLocalDpi xmlns:a14="http://schemas.microsoft.com/office/drawing/2010/main" val="0"/>
-              </a:ext>
-            </a:extLst>
-          </a:blip>
-          <a:srcRect l="3348" t="3509" r="37236" b="72632"/>
-          <a:stretch/>
-        </p:blipFill>
-        <p:spPr>
-          <a:xfrm>
-            <a:off x="7291137" y="1637876"/>
-            <a:ext cx="4487781" cy="1318224"/>
-          </a:xfrm>
-          <a:prstGeom prst="rect">
-            <a:avLst/>
-          </a:prstGeom>
-        </p:spPr>
-      </p:pic>
-      <p:pic>
-        <p:nvPicPr>
-          <p:cNvPr id="14" name="Picture 13">
-            <a:extLst>
-              <a:ext uri="{FF2B5EF4-FFF2-40B4-BE49-F238E27FC236}">
-                <a16:creationId xmlns:a16="http://schemas.microsoft.com/office/drawing/2014/main" id="{DDDAD887-FD41-BD40-846B-9B1E2B00800A}"/>
-              </a:ext>
-            </a:extLst>
-          </p:cNvPr>
-          <p:cNvPicPr>
-            <a:picLocks noChangeAspect="1"/>
-          </p:cNvPicPr>
-          <p:nvPr/>
-        </p:nvPicPr>
-        <p:blipFill rotWithShape="1">
-          <a:blip r:embed="rId4">
-            <a:extLst>
-              <a:ext uri="{28A0092B-C50C-407E-A947-70E740481C1C}">
-                <a14:useLocalDpi xmlns:a14="http://schemas.microsoft.com/office/drawing/2010/main" val="0"/>
-              </a:ext>
-            </a:extLst>
-          </a:blip>
-          <a:srcRect r="45713" b="69950"/>
-          <a:stretch/>
-        </p:blipFill>
-        <p:spPr>
-          <a:xfrm>
-            <a:off x="7291138" y="3268096"/>
-            <a:ext cx="4062964" cy="1645098"/>
-          </a:xfrm>
-          <a:prstGeom prst="rect">
-            <a:avLst/>
-          </a:prstGeom>
-        </p:spPr>
-      </p:pic>
-      <p:sp>
-        <p:nvSpPr>
-          <p:cNvPr id="9" name="TextBox 8">
-            <a:extLst>
-              <a:ext uri="{FF2B5EF4-FFF2-40B4-BE49-F238E27FC236}">
-                <a16:creationId xmlns:a16="http://schemas.microsoft.com/office/drawing/2014/main" id="{2642A77F-B375-514D-9E15-06AECA02D015}"/>
-              </a:ext>
-            </a:extLst>
-          </p:cNvPr>
-          <p:cNvSpPr txBox="1"/>
-          <p:nvPr/>
-        </p:nvSpPr>
-        <p:spPr>
-          <a:xfrm>
-            <a:off x="7291137" y="1796701"/>
-            <a:ext cx="867911" cy="350865"/>
-          </a:xfrm>
-          <a:prstGeom prst="rect">
-            <a:avLst/>
-          </a:prstGeom>
-          <a:solidFill>
-            <a:schemeClr val="bg1"/>
-          </a:solidFill>
-        </p:spPr>
-        <p:txBody>
-          <a:bodyPr wrap="square" lIns="118872" tIns="91440" rIns="118872" bIns="91440" rtlCol="0" anchor="ctr" anchorCtr="0">
-            <a:spAutoFit/>
-          </a:bodyPr>
-          <a:lstStyle/>
-          <a:p>
-            <a:pPr algn="l">
-              <a:lnSpc>
-                <a:spcPct val="90000"/>
-              </a:lnSpc>
-            </a:pPr>
-            <a:r>
-              <a:rPr lang="en-US" sz="1200" b="1" dirty="0"/>
-              <a:t>  main  </a:t>
-            </a:r>
-          </a:p>
-        </p:txBody>
-      </p:sp>
-      <p:sp>
-        <p:nvSpPr>
-          <p:cNvPr id="11" name="TextBox 10">
-            <a:extLst>
-              <a:ext uri="{FF2B5EF4-FFF2-40B4-BE49-F238E27FC236}">
-                <a16:creationId xmlns:a16="http://schemas.microsoft.com/office/drawing/2014/main" id="{3DB4311D-A196-274E-ABBB-8884D2A66FB3}"/>
-              </a:ext>
-            </a:extLst>
-          </p:cNvPr>
-          <p:cNvSpPr txBox="1"/>
-          <p:nvPr/>
-        </p:nvSpPr>
-        <p:spPr>
-          <a:xfrm>
-            <a:off x="9691437" y="1770690"/>
-            <a:ext cx="867911" cy="350865"/>
-          </a:xfrm>
-          <a:prstGeom prst="rect">
-            <a:avLst/>
-          </a:prstGeom>
-          <a:solidFill>
-            <a:schemeClr val="bg1"/>
-          </a:solidFill>
-        </p:spPr>
-        <p:txBody>
-          <a:bodyPr wrap="square" lIns="118872" tIns="91440" rIns="118872" bIns="91440" rtlCol="0" anchor="ctr" anchorCtr="0">
-            <a:spAutoFit/>
-          </a:bodyPr>
-          <a:lstStyle/>
-          <a:p>
-            <a:pPr algn="l">
-              <a:lnSpc>
-                <a:spcPct val="90000"/>
-              </a:lnSpc>
-            </a:pPr>
-            <a:r>
-              <a:rPr lang="en-US" sz="1200" b="1" dirty="0"/>
-              <a:t>  main  </a:t>
-            </a:r>
-          </a:p>
-        </p:txBody>
-      </p:sp>
-      <p:sp>
-        <p:nvSpPr>
-          <p:cNvPr id="12" name="TextBox 11">
-            <a:extLst>
-              <a:ext uri="{FF2B5EF4-FFF2-40B4-BE49-F238E27FC236}">
-                <a16:creationId xmlns:a16="http://schemas.microsoft.com/office/drawing/2014/main" id="{AD230196-1370-8A4E-BD3F-7307C8760FFA}"/>
-              </a:ext>
-            </a:extLst>
-          </p:cNvPr>
-          <p:cNvSpPr txBox="1"/>
-          <p:nvPr/>
-        </p:nvSpPr>
-        <p:spPr>
-          <a:xfrm>
-            <a:off x="9759632" y="4368430"/>
-            <a:ext cx="731520" cy="182880"/>
-          </a:xfrm>
-          <a:prstGeom prst="rect">
-            <a:avLst/>
-          </a:prstGeom>
-          <a:solidFill>
-            <a:schemeClr val="bg1"/>
-          </a:solidFill>
-        </p:spPr>
-        <p:txBody>
-          <a:bodyPr wrap="square" lIns="118872" tIns="91440" rIns="118872" bIns="91440" rtlCol="0" anchor="ctr" anchorCtr="0">
-            <a:spAutoFit/>
-          </a:bodyPr>
-          <a:lstStyle/>
-          <a:p>
-            <a:pPr algn="l">
-              <a:lnSpc>
-                <a:spcPct val="90000"/>
-              </a:lnSpc>
-            </a:pPr>
-            <a:r>
-              <a:rPr lang="en-US" sz="1200" b="1" dirty="0"/>
-              <a:t>  main  </a:t>
-            </a:r>
-          </a:p>
-        </p:txBody>
-      </p:sp>
-      <p:sp>
-        <p:nvSpPr>
-          <p:cNvPr id="13" name="TextBox 12">
-            <a:extLst>
-              <a:ext uri="{FF2B5EF4-FFF2-40B4-BE49-F238E27FC236}">
-                <a16:creationId xmlns:a16="http://schemas.microsoft.com/office/drawing/2014/main" id="{D293AE62-09E2-724D-B4FD-6F49A9271FD5}"/>
-              </a:ext>
-            </a:extLst>
-          </p:cNvPr>
-          <p:cNvSpPr txBox="1"/>
-          <p:nvPr/>
-        </p:nvSpPr>
-        <p:spPr>
-          <a:xfrm>
-            <a:off x="7291137" y="4368430"/>
-            <a:ext cx="731520" cy="182880"/>
-          </a:xfrm>
-          <a:prstGeom prst="rect">
-            <a:avLst/>
-          </a:prstGeom>
-          <a:solidFill>
-            <a:schemeClr val="bg1"/>
-          </a:solidFill>
-        </p:spPr>
-        <p:txBody>
-          <a:bodyPr wrap="square" lIns="118872" tIns="91440" rIns="118872" bIns="91440" rtlCol="0" anchor="ctr" anchorCtr="0">
-            <a:spAutoFit/>
-          </a:bodyPr>
-          <a:lstStyle/>
-          <a:p>
-            <a:pPr algn="l">
-              <a:lnSpc>
-                <a:spcPct val="90000"/>
-              </a:lnSpc>
-            </a:pPr>
-            <a:r>
-              <a:rPr lang="en-US" sz="1200" b="1" dirty="0"/>
-              <a:t>  main  </a:t>
-            </a:r>
+            <a:endParaRPr lang="en-US" dirty="0"/>
           </a:p>
         </p:txBody>
       </p:sp>
     </p:spTree>
     <p:extLst>
       <p:ext uri="{BB962C8B-B14F-4D97-AF65-F5344CB8AC3E}">
-        <p14:creationId xmlns:p14="http://schemas.microsoft.com/office/powerpoint/2010/main" val="2731798020"/>
+        <p14:creationId xmlns:p14="http://schemas.microsoft.com/office/powerpoint/2010/main" val="2485969247"/>
       </p:ext>
     </p:extLst>
   </p:cSld>
@@ -14543,7 +15105,7 @@
           <p:cNvPr id="2" name="Title 1">
             <a:extLst>
               <a:ext uri="{FF2B5EF4-FFF2-40B4-BE49-F238E27FC236}">
-                <a16:creationId xmlns:a16="http://schemas.microsoft.com/office/drawing/2014/main" id="{44950D0E-7BDD-A64B-9889-50CEFF9B0A30}"/>
+                <a16:creationId xmlns:a16="http://schemas.microsoft.com/office/drawing/2014/main" id="{7A163D76-09F2-E949-BFE4-5D90160A680F}"/>
               </a:ext>
             </a:extLst>
           </p:cNvPr>
@@ -14561,7 +15123,7 @@
           <a:p>
             <a:r>
               <a:rPr lang="en-US" dirty="0"/>
-              <a:t>Control Project Branch Complexity</a:t>
+              <a:t>Branches</a:t>
             </a:r>
           </a:p>
         </p:txBody>
@@ -14571,7 +15133,7 @@
           <p:cNvPr id="3" name="Content Placeholder 2">
             <a:extLst>
               <a:ext uri="{FF2B5EF4-FFF2-40B4-BE49-F238E27FC236}">
-                <a16:creationId xmlns:a16="http://schemas.microsoft.com/office/drawing/2014/main" id="{B29BC53D-F779-0F4F-A6A8-27F618BB6F2D}"/>
+                <a16:creationId xmlns:a16="http://schemas.microsoft.com/office/drawing/2014/main" id="{3F10EFBA-41D9-104F-9ADE-9AA77C5312AC}"/>
               </a:ext>
             </a:extLst>
           </p:cNvPr>
@@ -14582,52 +15144,73 @@
             <p:ph idx="1"/>
           </p:nvPr>
         </p:nvSpPr>
-        <p:spPr/>
+        <p:spPr>
+          <a:xfrm>
+            <a:off x="365760" y="1057734"/>
+            <a:ext cx="6925377" cy="4651085"/>
+          </a:xfrm>
+        </p:spPr>
         <p:txBody>
           <a:bodyPr/>
           <a:lstStyle/>
           <a:p>
-            <a:r>
-              <a:rPr lang="en-US" dirty="0"/>
-              <a:t>Workflow policy is needed</a:t>
+            <a:pPr marL="0" indent="0">
+              <a:buNone/>
+            </a:pPr>
+            <a:r>
+              <a:rPr lang="en-US" dirty="0"/>
+              <a:t>Branches are independent lines of development</a:t>
+            </a:r>
+          </a:p>
+          <a:p>
+            <a:r>
+              <a:rPr lang="en-US" dirty="0"/>
+              <a:t>Use branches to protect main branch</a:t>
+            </a:r>
+          </a:p>
+          <a:p>
+            <a:r>
+              <a:rPr lang="en-US" dirty="0"/>
+              <a:t>Feature branches</a:t>
             </a:r>
           </a:p>
           <a:p>
             <a:pPr lvl="1"/>
             <a:r>
               <a:rPr lang="en-US" dirty="0"/>
-              <a:t>Project supported branches and workflows should not be unnecessarily complex</a:t>
-            </a:r>
-          </a:p>
-          <a:p>
-            <a:pPr lvl="1"/>
-            <a:r>
-              <a:rPr lang="en-US" dirty="0"/>
-              <a:t>Individuals and sub-teams can leverage more complex models when advantageous</a:t>
-            </a:r>
-          </a:p>
-          <a:p>
-            <a:pPr lvl="1"/>
-            <a:r>
-              <a:rPr lang="en-US" dirty="0"/>
-              <a:t>Descriptive names or linked to issue tracking system</a:t>
-            </a:r>
-          </a:p>
-          <a:p>
-            <a:pPr lvl="1"/>
-            <a:r>
-              <a:rPr lang="en-US" dirty="0"/>
-              <a:t>Where do branches start and end?</a:t>
+              <a:t>Organize a new feature as a sequence of related commits in a branch</a:t>
+            </a:r>
+          </a:p>
+          <a:p>
+            <a:r>
+              <a:rPr lang="en-US" dirty="0"/>
+              <a:t>Branches are usually combined or </a:t>
+            </a:r>
+            <a:r>
+              <a:rPr lang="en-US" b="1" dirty="0"/>
+              <a:t>merged</a:t>
+            </a:r>
+          </a:p>
+          <a:p>
+            <a:r>
+              <a:rPr lang="en-US" dirty="0"/>
+              <a:t>Develop on a branch, test on the branch, and merge into main</a:t>
+            </a:r>
+          </a:p>
+          <a:p>
+            <a:r>
+              <a:rPr lang="en-US" dirty="0"/>
+              <a:t>Integration occurs at merge commits</a:t>
             </a:r>
           </a:p>
         </p:txBody>
       </p:sp>
       <p:pic>
         <p:nvPicPr>
-          <p:cNvPr id="5" name="Picture 4">
+          <p:cNvPr id="8" name="Picture 7">
             <a:extLst>
               <a:ext uri="{FF2B5EF4-FFF2-40B4-BE49-F238E27FC236}">
-                <a16:creationId xmlns:a16="http://schemas.microsoft.com/office/drawing/2014/main" id="{5FD5C252-E8E1-3A4B-A66B-455303D445D4}"/>
+                <a16:creationId xmlns:a16="http://schemas.microsoft.com/office/drawing/2014/main" id="{F1835F05-49A2-5E4D-913F-5CE57F1DB2A1}"/>
               </a:ext>
             </a:extLst>
           </p:cNvPr>
@@ -14644,25 +15227,60 @@
               </a:ext>
             </a:extLst>
           </a:blip>
-          <a:srcRect l="4616" t="20776" r="27566" b="49302"/>
+          <a:srcRect l="3348" t="3509" r="37236" b="72632"/>
           <a:stretch/>
         </p:blipFill>
         <p:spPr>
           <a:xfrm>
-            <a:off x="2871529" y="3995677"/>
-            <a:ext cx="6358269" cy="2052085"/>
+            <a:off x="7291137" y="1637876"/>
+            <a:ext cx="4487781" cy="1318224"/>
           </a:xfrm>
           <a:prstGeom prst="rect">
             <a:avLst/>
           </a:prstGeom>
         </p:spPr>
       </p:pic>
-      <p:sp>
-        <p:nvSpPr>
-          <p:cNvPr id="6" name="TextBox 5">
+      <p:pic>
+        <p:nvPicPr>
+          <p:cNvPr id="14" name="Picture 13">
             <a:extLst>
               <a:ext uri="{FF2B5EF4-FFF2-40B4-BE49-F238E27FC236}">
-                <a16:creationId xmlns:a16="http://schemas.microsoft.com/office/drawing/2014/main" id="{85FC5AEA-2431-8E4F-8AC3-5F7B6D00284A}"/>
+                <a16:creationId xmlns:a16="http://schemas.microsoft.com/office/drawing/2014/main" id="{DDDAD887-FD41-BD40-846B-9B1E2B00800A}"/>
+              </a:ext>
+            </a:extLst>
+          </p:cNvPr>
+          <p:cNvPicPr>
+            <a:picLocks noChangeAspect="1"/>
+          </p:cNvPicPr>
+          <p:nvPr/>
+        </p:nvPicPr>
+        <p:blipFill rotWithShape="1">
+          <a:blip r:embed="rId4">
+            <a:extLst>
+              <a:ext uri="{28A0092B-C50C-407E-A947-70E740481C1C}">
+                <a14:useLocalDpi xmlns:a14="http://schemas.microsoft.com/office/drawing/2010/main" val="0"/>
+              </a:ext>
+            </a:extLst>
+          </a:blip>
+          <a:srcRect r="45713" b="69950"/>
+          <a:stretch/>
+        </p:blipFill>
+        <p:spPr>
+          <a:xfrm>
+            <a:off x="7291138" y="3268096"/>
+            <a:ext cx="4062964" cy="1645098"/>
+          </a:xfrm>
+          <a:prstGeom prst="rect">
+            <a:avLst/>
+          </a:prstGeom>
+        </p:spPr>
+      </p:pic>
+      <p:sp>
+        <p:nvSpPr>
+          <p:cNvPr id="9" name="TextBox 8">
+            <a:extLst>
+              <a:ext uri="{FF2B5EF4-FFF2-40B4-BE49-F238E27FC236}">
+                <a16:creationId xmlns:a16="http://schemas.microsoft.com/office/drawing/2014/main" id="{2642A77F-B375-514D-9E15-06AECA02D015}"/>
               </a:ext>
             </a:extLst>
           </p:cNvPr>
@@ -14671,8 +15289,8 @@
         </p:nvSpPr>
         <p:spPr>
           <a:xfrm>
-            <a:off x="3112837" y="4367319"/>
-            <a:ext cx="1040063" cy="274320"/>
+            <a:off x="7291137" y="1796701"/>
+            <a:ext cx="867911" cy="350865"/>
           </a:xfrm>
           <a:prstGeom prst="rect">
             <a:avLst/>
@@ -14694,15 +15312,133 @@
             </a:pPr>
             <a:r>
               <a:rPr lang="en-US" sz="1200" b="1" dirty="0"/>
-              <a:t>  </a:t>
-            </a:r>
-            <a:r>
-              <a:rPr lang="en-US" sz="1600" b="1" dirty="0"/>
-              <a:t>main</a:t>
-            </a:r>
+              <a:t>  main  </a:t>
+            </a:r>
+          </a:p>
+        </p:txBody>
+      </p:sp>
+      <p:sp>
+        <p:nvSpPr>
+          <p:cNvPr id="11" name="TextBox 10">
+            <a:extLst>
+              <a:ext uri="{FF2B5EF4-FFF2-40B4-BE49-F238E27FC236}">
+                <a16:creationId xmlns:a16="http://schemas.microsoft.com/office/drawing/2014/main" id="{3DB4311D-A196-274E-ABBB-8884D2A66FB3}"/>
+              </a:ext>
+            </a:extLst>
+          </p:cNvPr>
+          <p:cNvSpPr txBox="1"/>
+          <p:nvPr/>
+        </p:nvSpPr>
+        <p:spPr>
+          <a:xfrm>
+            <a:off x="9691437" y="1770690"/>
+            <a:ext cx="867911" cy="350865"/>
+          </a:xfrm>
+          <a:prstGeom prst="rect">
+            <a:avLst/>
+          </a:prstGeom>
+          <a:solidFill>
+            <a:schemeClr val="bg1"/>
+          </a:solidFill>
+        </p:spPr>
+        <p:txBody>
+          <a:bodyPr wrap="square" lIns="118872" tIns="91440" rIns="118872" bIns="91440" rtlCol="0" anchor="ctr" anchorCtr="0">
+            <a:spAutoFit/>
+          </a:bodyPr>
+          <a:lstStyle/>
+          <a:p>
+            <a:pPr algn="l">
+              <a:lnSpc>
+                <a:spcPct val="90000"/>
+              </a:lnSpc>
+            </a:pPr>
             <a:r>
               <a:rPr lang="en-US" sz="1200" b="1" dirty="0"/>
-              <a:t> </a:t>
+              <a:t>  main  </a:t>
+            </a:r>
+          </a:p>
+        </p:txBody>
+      </p:sp>
+      <p:sp>
+        <p:nvSpPr>
+          <p:cNvPr id="12" name="TextBox 11">
+            <a:extLst>
+              <a:ext uri="{FF2B5EF4-FFF2-40B4-BE49-F238E27FC236}">
+                <a16:creationId xmlns:a16="http://schemas.microsoft.com/office/drawing/2014/main" id="{AD230196-1370-8A4E-BD3F-7307C8760FFA}"/>
+              </a:ext>
+            </a:extLst>
+          </p:cNvPr>
+          <p:cNvSpPr txBox="1"/>
+          <p:nvPr/>
+        </p:nvSpPr>
+        <p:spPr>
+          <a:xfrm>
+            <a:off x="9759632" y="4368430"/>
+            <a:ext cx="731520" cy="182880"/>
+          </a:xfrm>
+          <a:prstGeom prst="rect">
+            <a:avLst/>
+          </a:prstGeom>
+          <a:solidFill>
+            <a:schemeClr val="bg1"/>
+          </a:solidFill>
+        </p:spPr>
+        <p:txBody>
+          <a:bodyPr wrap="square" lIns="118872" tIns="91440" rIns="118872" bIns="91440" rtlCol="0" anchor="ctr" anchorCtr="0">
+            <a:spAutoFit/>
+          </a:bodyPr>
+          <a:lstStyle/>
+          <a:p>
+            <a:pPr algn="l">
+              <a:lnSpc>
+                <a:spcPct val="90000"/>
+              </a:lnSpc>
+            </a:pPr>
+            <a:r>
+              <a:rPr lang="en-US" sz="1200" b="1" dirty="0"/>
+              <a:t>  main  </a:t>
+            </a:r>
+          </a:p>
+        </p:txBody>
+      </p:sp>
+      <p:sp>
+        <p:nvSpPr>
+          <p:cNvPr id="13" name="TextBox 12">
+            <a:extLst>
+              <a:ext uri="{FF2B5EF4-FFF2-40B4-BE49-F238E27FC236}">
+                <a16:creationId xmlns:a16="http://schemas.microsoft.com/office/drawing/2014/main" id="{D293AE62-09E2-724D-B4FD-6F49A9271FD5}"/>
+              </a:ext>
+            </a:extLst>
+          </p:cNvPr>
+          <p:cNvSpPr txBox="1"/>
+          <p:nvPr/>
+        </p:nvSpPr>
+        <p:spPr>
+          <a:xfrm>
+            <a:off x="7291137" y="4368430"/>
+            <a:ext cx="731520" cy="182880"/>
+          </a:xfrm>
+          <a:prstGeom prst="rect">
+            <a:avLst/>
+          </a:prstGeom>
+          <a:solidFill>
+            <a:schemeClr val="bg1"/>
+          </a:solidFill>
+        </p:spPr>
+        <p:txBody>
+          <a:bodyPr wrap="square" lIns="118872" tIns="91440" rIns="118872" bIns="91440" rtlCol="0" anchor="ctr" anchorCtr="0">
+            <a:spAutoFit/>
+          </a:bodyPr>
+          <a:lstStyle/>
+          <a:p>
+            <a:pPr algn="l">
+              <a:lnSpc>
+                <a:spcPct val="90000"/>
+              </a:lnSpc>
+            </a:pPr>
+            <a:r>
+              <a:rPr lang="en-US" sz="1200" b="1" dirty="0"/>
+              <a:t>  main  </a:t>
             </a:r>
           </a:p>
         </p:txBody>
@@ -14710,7 +15446,7 @@
     </p:spTree>
     <p:extLst>
       <p:ext uri="{BB962C8B-B14F-4D97-AF65-F5344CB8AC3E}">
-        <p14:creationId xmlns:p14="http://schemas.microsoft.com/office/powerpoint/2010/main" val="1808928676"/>
+        <p14:creationId xmlns:p14="http://schemas.microsoft.com/office/powerpoint/2010/main" val="2731798020"/>
       </p:ext>
     </p:extLst>
   </p:cSld>
@@ -14742,7 +15478,7 @@
           <p:cNvPr id="2" name="Title 1">
             <a:extLst>
               <a:ext uri="{FF2B5EF4-FFF2-40B4-BE49-F238E27FC236}">
-                <a16:creationId xmlns:a16="http://schemas.microsoft.com/office/drawing/2014/main" id="{07683978-C37D-B543-9210-EFD77EE5A241}"/>
+                <a16:creationId xmlns:a16="http://schemas.microsoft.com/office/drawing/2014/main" id="{44950D0E-7BDD-A64B-9889-50CEFF9B0A30}"/>
               </a:ext>
             </a:extLst>
           </p:cNvPr>
@@ -14760,7 +15496,7 @@
           <a:p>
             <a:r>
               <a:rPr lang="en-US" dirty="0"/>
-              <a:t>Feature Branches</a:t>
+              <a:t>Control Project Branch Complexity</a:t>
             </a:r>
           </a:p>
         </p:txBody>
@@ -14770,7 +15506,7 @@
           <p:cNvPr id="3" name="Content Placeholder 2">
             <a:extLst>
               <a:ext uri="{FF2B5EF4-FFF2-40B4-BE49-F238E27FC236}">
-                <a16:creationId xmlns:a16="http://schemas.microsoft.com/office/drawing/2014/main" id="{0B6F2AEF-2300-F84B-BB99-ECEC425AFCAD}"/>
+                <a16:creationId xmlns:a16="http://schemas.microsoft.com/office/drawing/2014/main" id="{B29BC53D-F779-0F4F-A6A8-27F618BB6F2D}"/>
               </a:ext>
             </a:extLst>
           </p:cNvPr>
@@ -14781,83 +15517,52 @@
             <p:ph idx="1"/>
           </p:nvPr>
         </p:nvSpPr>
-        <p:spPr>
-          <a:xfrm>
-            <a:off x="365761" y="1207973"/>
-            <a:ext cx="6961796" cy="4047778"/>
-          </a:xfrm>
-        </p:spPr>
+        <p:spPr/>
         <p:txBody>
           <a:bodyPr/>
           <a:lstStyle/>
           <a:p>
-            <a:pPr marL="0" indent="0">
-              <a:buNone/>
-            </a:pPr>
-            <a:r>
-              <a:rPr lang="en-US" sz="2000" dirty="0"/>
-              <a:t>Extend Centralized Workflow</a:t>
-            </a:r>
-          </a:p>
-          <a:p>
-            <a:r>
-              <a:rPr lang="en-US" sz="2000" dirty="0"/>
-              <a:t>Remote repo has commits A &amp; B</a:t>
-            </a:r>
-          </a:p>
-          <a:p>
-            <a:r>
-              <a:rPr lang="en-US" sz="2000" dirty="0"/>
-              <a:t>Bob pulls remote to synchronize local repo to remote</a:t>
-            </a:r>
-          </a:p>
-          <a:p>
-            <a:r>
-              <a:rPr lang="en-US" sz="2000" dirty="0"/>
-              <a:t>Bob creates local feature branch based on commit B</a:t>
-            </a:r>
-          </a:p>
-          <a:p>
-            <a:r>
-              <a:rPr lang="en-US" sz="2000" dirty="0"/>
-              <a:t>Commit C pushed to remote repo</a:t>
-            </a:r>
-          </a:p>
-          <a:p>
-            <a:r>
-              <a:rPr lang="en-US" sz="2000" dirty="0"/>
-              <a:t>Alice pulls remote to synchronize local repo to remote</a:t>
-            </a:r>
-          </a:p>
-          <a:p>
-            <a:r>
-              <a:rPr lang="en-US" sz="2000" dirty="0"/>
-              <a:t>Alice creates local feature branch based on commit C</a:t>
-            </a:r>
-          </a:p>
-          <a:p>
-            <a:r>
-              <a:rPr lang="en-US" sz="2000" dirty="0"/>
-              <a:t>Both develop independently on local feature branches</a:t>
-            </a:r>
-          </a:p>
-          <a:p>
-            <a:pPr marL="0" indent="0">
-              <a:buNone/>
-            </a:pPr>
-            <a:endParaRPr lang="en-US" sz="2000" dirty="0"/>
-          </a:p>
-          <a:p>
-            <a:endParaRPr lang="en-US" sz="2000" dirty="0"/>
+            <a:r>
+              <a:rPr lang="en-US" dirty="0"/>
+              <a:t>Workflow policy is needed</a:t>
+            </a:r>
+          </a:p>
+          <a:p>
+            <a:pPr lvl="1"/>
+            <a:r>
+              <a:rPr lang="en-US" dirty="0"/>
+              <a:t>Project supported branches and workflows should not be unnecessarily complex</a:t>
+            </a:r>
+          </a:p>
+          <a:p>
+            <a:pPr lvl="1"/>
+            <a:r>
+              <a:rPr lang="en-US" dirty="0"/>
+              <a:t>Individuals and sub-teams can leverage more complex models when advantageous</a:t>
+            </a:r>
+          </a:p>
+          <a:p>
+            <a:pPr lvl="1"/>
+            <a:r>
+              <a:rPr lang="en-US" dirty="0"/>
+              <a:t>Descriptive names or linked to issue tracking system</a:t>
+            </a:r>
+          </a:p>
+          <a:p>
+            <a:pPr lvl="1"/>
+            <a:r>
+              <a:rPr lang="en-US" dirty="0"/>
+              <a:t>Where do branches start and end?</a:t>
+            </a:r>
           </a:p>
         </p:txBody>
       </p:sp>
       <p:pic>
         <p:nvPicPr>
-          <p:cNvPr id="4" name="Picture 3">
+          <p:cNvPr id="5" name="Picture 4">
             <a:extLst>
               <a:ext uri="{FF2B5EF4-FFF2-40B4-BE49-F238E27FC236}">
-                <a16:creationId xmlns:a16="http://schemas.microsoft.com/office/drawing/2014/main" id="{7879D0D5-49A1-054D-AEA9-083492052DF4}"/>
+                <a16:creationId xmlns:a16="http://schemas.microsoft.com/office/drawing/2014/main" id="{5FD5C252-E8E1-3A4B-A66B-455303D445D4}"/>
               </a:ext>
             </a:extLst>
           </p:cNvPr>
@@ -14867,14 +15572,20 @@
           <p:nvPr/>
         </p:nvPicPr>
         <p:blipFill rotWithShape="1">
-          <a:blip r:embed="rId3"/>
-          <a:srcRect r="56578" b="12291"/>
+          <a:blip r:embed="rId3">
+            <a:extLst>
+              <a:ext uri="{28A0092B-C50C-407E-A947-70E740481C1C}">
+                <a14:useLocalDpi xmlns:a14="http://schemas.microsoft.com/office/drawing/2010/main" val="0"/>
+              </a:ext>
+            </a:extLst>
+          </a:blip>
+          <a:srcRect l="4616" t="20776" r="27566" b="49302"/>
           <a:stretch/>
         </p:blipFill>
         <p:spPr>
           <a:xfrm>
-            <a:off x="7543800" y="697314"/>
-            <a:ext cx="3572469" cy="5278438"/>
+            <a:off x="2871529" y="3995677"/>
+            <a:ext cx="6358269" cy="2052085"/>
           </a:xfrm>
           <a:prstGeom prst="rect">
             <a:avLst/>
@@ -14883,10 +15594,10 @@
       </p:pic>
       <p:sp>
         <p:nvSpPr>
-          <p:cNvPr id="5" name="TextBox 4">
+          <p:cNvPr id="6" name="TextBox 5">
             <a:extLst>
               <a:ext uri="{FF2B5EF4-FFF2-40B4-BE49-F238E27FC236}">
-                <a16:creationId xmlns:a16="http://schemas.microsoft.com/office/drawing/2014/main" id="{4D623544-D80B-DE44-A9AF-20717D593275}"/>
+                <a16:creationId xmlns:a16="http://schemas.microsoft.com/office/drawing/2014/main" id="{85FC5AEA-2431-8E4F-8AC3-5F7B6D00284A}"/>
               </a:ext>
             </a:extLst>
           </p:cNvPr>
@@ -14895,8 +15606,8 @@
         </p:nvSpPr>
         <p:spPr>
           <a:xfrm>
-            <a:off x="7811452" y="4261430"/>
-            <a:ext cx="822960" cy="182880"/>
+            <a:off x="3112837" y="4367319"/>
+            <a:ext cx="1040063" cy="274320"/>
           </a:xfrm>
           <a:prstGeom prst="rect">
             <a:avLst/>
@@ -14918,103 +15629,11 @@
             </a:pPr>
             <a:r>
               <a:rPr lang="en-US" sz="1200" b="1" dirty="0"/>
-              <a:t>  main  </a:t>
-            </a:r>
-          </a:p>
-        </p:txBody>
-      </p:sp>
-      <p:sp>
-        <p:nvSpPr>
-          <p:cNvPr id="6" name="TextBox 5">
-            <a:extLst>
-              <a:ext uri="{FF2B5EF4-FFF2-40B4-BE49-F238E27FC236}">
-                <a16:creationId xmlns:a16="http://schemas.microsoft.com/office/drawing/2014/main" id="{B65C4322-64FE-B944-AED9-C8749E06B80B}"/>
-              </a:ext>
-            </a:extLst>
-          </p:cNvPr>
-          <p:cNvSpPr txBox="1"/>
-          <p:nvPr/>
-        </p:nvSpPr>
-        <p:spPr>
-          <a:xfrm>
-            <a:off x="7811452" y="2191068"/>
-            <a:ext cx="822960" cy="274320"/>
-          </a:xfrm>
-          <a:prstGeom prst="rect">
-            <a:avLst/>
-          </a:prstGeom>
-          <a:solidFill>
-            <a:schemeClr val="bg1"/>
-          </a:solidFill>
-        </p:spPr>
-        <p:txBody>
-          <a:bodyPr wrap="square" lIns="118872" tIns="91440" rIns="118872" bIns="91440" rtlCol="0" anchor="ctr" anchorCtr="0">
-            <a:spAutoFit/>
-          </a:bodyPr>
-          <a:lstStyle/>
-          <a:p>
-            <a:pPr algn="l">
-              <a:lnSpc>
-                <a:spcPct val="90000"/>
-              </a:lnSpc>
-            </a:pPr>
-            <a:r>
-              <a:rPr lang="en-US" sz="1200" b="1" dirty="0"/>
               <a:t>  </a:t>
             </a:r>
             <a:r>
-              <a:rPr lang="en-US" sz="1300" b="1" dirty="0"/>
-              <a:t>main </a:t>
-            </a:r>
-            <a:r>
-              <a:rPr lang="en-US" sz="1200" b="1" dirty="0"/>
-              <a:t> </a:t>
-            </a:r>
-          </a:p>
-        </p:txBody>
-      </p:sp>
-      <p:sp>
-        <p:nvSpPr>
-          <p:cNvPr id="7" name="TextBox 6">
-            <a:extLst>
-              <a:ext uri="{FF2B5EF4-FFF2-40B4-BE49-F238E27FC236}">
-                <a16:creationId xmlns:a16="http://schemas.microsoft.com/office/drawing/2014/main" id="{D6D37134-F760-9E44-B5F3-B0F1B61D000E}"/>
-              </a:ext>
-            </a:extLst>
-          </p:cNvPr>
-          <p:cNvSpPr txBox="1"/>
-          <p:nvPr/>
-        </p:nvSpPr>
-        <p:spPr>
-          <a:xfrm>
-            <a:off x="7765732" y="4981431"/>
-            <a:ext cx="822960" cy="274320"/>
-          </a:xfrm>
-          <a:prstGeom prst="rect">
-            <a:avLst/>
-          </a:prstGeom>
-          <a:solidFill>
-            <a:schemeClr val="bg1"/>
-          </a:solidFill>
-        </p:spPr>
-        <p:txBody>
-          <a:bodyPr wrap="square" lIns="118872" tIns="91440" rIns="118872" bIns="91440" rtlCol="0" anchor="ctr" anchorCtr="0">
-            <a:spAutoFit/>
-          </a:bodyPr>
-          <a:lstStyle/>
-          <a:p>
-            <a:pPr algn="l">
-              <a:lnSpc>
-                <a:spcPct val="90000"/>
-              </a:lnSpc>
-            </a:pPr>
-            <a:r>
-              <a:rPr lang="en-US" sz="1200" b="1" dirty="0"/>
-              <a:t>  </a:t>
-            </a:r>
-            <a:r>
-              <a:rPr lang="en-US" sz="1300" b="1" dirty="0"/>
-              <a:t>main </a:t>
+              <a:rPr lang="en-US" sz="1600" b="1" dirty="0"/>
+              <a:t>main</a:t>
             </a:r>
             <a:r>
               <a:rPr lang="en-US" sz="1200" b="1" dirty="0"/>
@@ -15026,7 +15645,7 @@
     </p:spTree>
     <p:extLst>
       <p:ext uri="{BB962C8B-B14F-4D97-AF65-F5344CB8AC3E}">
-        <p14:creationId xmlns:p14="http://schemas.microsoft.com/office/powerpoint/2010/main" val="767238769"/>
+        <p14:creationId xmlns:p14="http://schemas.microsoft.com/office/powerpoint/2010/main" val="1808928676"/>
       </p:ext>
     </p:extLst>
   </p:cSld>
@@ -15949,12 +16568,6 @@
 </file>
 
 <file path=customXml/item1.xml><?xml version="1.0" encoding="utf-8"?>
-<p:properties xmlns:p="http://schemas.microsoft.com/office/2006/metadata/properties" xmlns:xsi="http://www.w3.org/2001/XMLSchema-instance" xmlns:pc="http://schemas.microsoft.com/office/infopath/2007/PartnerControls">
-  <documentManagement/>
-</p:properties>
-</file>
-
-<file path=customXml/item2.xml><?xml version="1.0" encoding="utf-8"?>
 <ct:contentTypeSchema xmlns:ct="http://schemas.microsoft.com/office/2006/metadata/contentType" xmlns:ma="http://schemas.microsoft.com/office/2006/metadata/properties/metaAttributes" ct:_="" ma:_="" ma:contentTypeName="Document" ma:contentTypeID="0x010100565464437F680748A68B85EB6594EA7D" ma:contentTypeVersion="0" ma:contentTypeDescription="Create a new document." ma:contentTypeScope="" ma:versionID="fe3f4dd58d5914c51cfc6deaa8ad845c">
   <xsd:schema xmlns:xsd="http://www.w3.org/2001/XMLSchema" xmlns:p="http://schemas.microsoft.com/office/2006/metadata/properties" targetNamespace="http://schemas.microsoft.com/office/2006/metadata/properties" ma:root="true" ma:fieldsID="4aeb20c0e3442673af7ee10786458764">
     <xsd:element name="properties">
@@ -16003,6 +16616,12 @@
 </ct:contentTypeSchema>
 </file>
 
+<file path=customXml/item2.xml><?xml version="1.0" encoding="utf-8"?>
+<p:properties xmlns:p="http://schemas.microsoft.com/office/2006/metadata/properties" xmlns:xsi="http://www.w3.org/2001/XMLSchema-instance" xmlns:pc="http://schemas.microsoft.com/office/infopath/2007/PartnerControls">
+  <documentManagement/>
+</p:properties>
+</file>
+
 <file path=customXml/item3.xml><?xml version="1.0" encoding="utf-8"?>
 <?mso-contentType ?>
 <FormTemplates xmlns="http://schemas.microsoft.com/sharepoint/v3/contenttype/forms">
@@ -16013,6 +16632,21 @@
 </file>
 
 <file path=customXml/itemProps1.xml><?xml version="1.0" encoding="utf-8"?>
+<ds:datastoreItem xmlns:ds="http://schemas.openxmlformats.org/officeDocument/2006/customXml" ds:itemID="{E8DB7DEB-074E-4EE8-9B6E-FD277323109C}">
+  <ds:schemaRefs>
+    <ds:schemaRef ds:uri="http://schemas.microsoft.com/office/2006/metadata/contentType"/>
+    <ds:schemaRef ds:uri="http://schemas.microsoft.com/office/2006/metadata/properties/metaAttributes"/>
+    <ds:schemaRef ds:uri="http://www.w3.org/2001/XMLSchema"/>
+    <ds:schemaRef ds:uri="http://schemas.microsoft.com/office/2006/metadata/properties"/>
+    <ds:schemaRef ds:uri="http://schemas.openxmlformats.org/package/2006/metadata/core-properties"/>
+    <ds:schemaRef ds:uri="http://purl.org/dc/elements/1.1/"/>
+    <ds:schemaRef ds:uri="http://purl.org/dc/terms/"/>
+    <ds:schemaRef ds:uri="http://schemas.microsoft.com/office/internal/2005/internalDocumentation"/>
+  </ds:schemaRefs>
+</ds:datastoreItem>
+</file>
+
+<file path=customXml/itemProps2.xml><?xml version="1.0" encoding="utf-8"?>
 <ds:datastoreItem xmlns:ds="http://schemas.openxmlformats.org/officeDocument/2006/customXml" ds:itemID="{A50EC660-24D0-43A0-AE5E-E274115E726B}">
   <ds:schemaRefs>
     <ds:schemaRef ds:uri="http://purl.org/dc/elements/1.1/"/>
@@ -16027,21 +16661,6 @@
 </ds:datastoreItem>
 </file>
 
-<file path=customXml/itemProps2.xml><?xml version="1.0" encoding="utf-8"?>
-<ds:datastoreItem xmlns:ds="http://schemas.openxmlformats.org/officeDocument/2006/customXml" ds:itemID="{E8DB7DEB-074E-4EE8-9B6E-FD277323109C}">
-  <ds:schemaRefs>
-    <ds:schemaRef ds:uri="http://schemas.microsoft.com/office/2006/metadata/contentType"/>
-    <ds:schemaRef ds:uri="http://schemas.microsoft.com/office/2006/metadata/properties/metaAttributes"/>
-    <ds:schemaRef ds:uri="http://www.w3.org/2001/XMLSchema"/>
-    <ds:schemaRef ds:uri="http://schemas.microsoft.com/office/2006/metadata/properties"/>
-    <ds:schemaRef ds:uri="http://schemas.openxmlformats.org/package/2006/metadata/core-properties"/>
-    <ds:schemaRef ds:uri="http://purl.org/dc/elements/1.1/"/>
-    <ds:schemaRef ds:uri="http://purl.org/dc/terms/"/>
-    <ds:schemaRef ds:uri="http://schemas.microsoft.com/office/internal/2005/internalDocumentation"/>
-  </ds:schemaRefs>
-</ds:datastoreItem>
-</file>
-
 <file path=customXml/itemProps3.xml><?xml version="1.0" encoding="utf-8"?>
 <ds:datastoreItem xmlns:ds="http://schemas.openxmlformats.org/officeDocument/2006/customXml" ds:itemID="{19E20559-B232-4371-8690-E3D8007EDB82}">
   <ds:schemaRefs>

--- a/git-workflows.pptx
+++ b/git-workflows.pptx
@@ -281,7 +281,7 @@
           <a:p>
             <a:fld id="{0B842F42-2CE9-4E35-95C1-410DC08A50B1}" type="datetimeFigureOut">
               <a:rPr lang="en-US" smtClean="0"/>
-              <a:t>5/17/22</a:t>
+              <a:t>5/18/22</a:t>
             </a:fld>
             <a:endParaRPr lang="en-US"/>
           </a:p>
@@ -446,7 +446,7 @@
           <a:p>
             <a:fld id="{6F282904-F315-4730-8D91-37D99E141A6F}" type="datetimeFigureOut">
               <a:rPr lang="en-US" smtClean="0"/>
-              <a:t>5/17/22</a:t>
+              <a:t>5/18/22</a:t>
             </a:fld>
             <a:endParaRPr lang="en-US"/>
           </a:p>
@@ -6509,7 +6509,7 @@
             </a:pPr>
             <a:r>
               <a:rPr lang="en-US" sz="2000" dirty="0"/>
-              <a:t>Better Scientific Software tutorial @ Improving Scientific Software 2022</a:t>
+              <a:t>Better Scientific Software tutorial @ ISC 2022</a:t>
             </a:r>
           </a:p>
           <a:p>
@@ -9214,21 +9214,16 @@
             </a:pPr>
             <a:r>
               <a:rPr lang="en-US" sz="1600" b="1" dirty="0"/>
-              <a:t>The requested citation the overall tutorial is: David E. Bernholdt, Patricia A. Grubel, Rinku K. Gupta, and David M. Rogers, Better Scientific Software tutorial, in Improving Scientific Software conference, online, 2022. DOI: </a:t>
-            </a:r>
-            <a:r>
-              <a:rPr lang="en-US" sz="1600" b="1" dirty="0">
-                <a:hlinkClick r:id="rId4"/>
-              </a:rPr>
-              <a:t>10.6084/m9.figshare</a:t>
-            </a:r>
-            <a:r>
-              <a:rPr lang="en-US" sz="1600" b="1">
-                <a:hlinkClick r:id="rId4"/>
-              </a:rPr>
-              <a:t>.19416767</a:t>
-            </a:r>
-            <a:endParaRPr lang="en-US" sz="1600" b="1"/>
+              <a:t>The requested citation the overall tutorial is: </a:t>
+            </a:r>
+            <a:r>
+              <a:rPr lang="en-US" sz="1600" b="1" dirty="0" err="1"/>
+              <a:t>Anshu</a:t>
+            </a:r>
+            <a:r>
+              <a:rPr lang="en-US" sz="1600" b="1" dirty="0"/>
+              <a:t> Dubey and Gregory R. Watson, Better Scientific Software Tutorial, in ISC High Performance, 2022, Hamburg Germany. DOI: 10.6084/m9.figshare.19781752</a:t>
+            </a:r>
           </a:p>
           <a:p>
             <a:pPr>
@@ -9246,7 +9241,7 @@
             </a:r>
             <a:r>
               <a:rPr lang="en-US" sz="1600" dirty="0"/>
-              <a:t>, in Better Scientific Software tutorial…</a:t>
+              <a:t>, in Better Scientific Software tutorial, ISC, 2022 …</a:t>
             </a:r>
           </a:p>
           <a:p>
@@ -9365,7 +9360,7 @@
           <p:nvPr/>
         </p:nvPicPr>
         <p:blipFill>
-          <a:blip r:embed="rId5">
+          <a:blip r:embed="rId4">
             <a:extLst>
               <a:ext uri="{28A0092B-C50C-407E-A947-70E740481C1C}">
                 <a14:useLocalDpi xmlns:a14="http://schemas.microsoft.com/office/drawing/2010/main" val="0"/>
@@ -9400,7 +9395,7 @@
     </p:spTree>
     <p:extLst>
       <p:ext uri="{BB962C8B-B14F-4D97-AF65-F5344CB8AC3E}">
-        <p14:creationId xmlns:p14="http://schemas.microsoft.com/office/powerpoint/2010/main" val="978726433"/>
+        <p14:creationId xmlns:p14="http://schemas.microsoft.com/office/powerpoint/2010/main" val="1540804524"/>
       </p:ext>
     </p:extLst>
   </p:cSld>
@@ -16568,6 +16563,21 @@
 </file>
 
 <file path=customXml/item1.xml><?xml version="1.0" encoding="utf-8"?>
+<?mso-contentType ?>
+<FormTemplates xmlns="http://schemas.microsoft.com/sharepoint/v3/contenttype/forms">
+  <Display>DocumentLibraryForm</Display>
+  <Edit>DocumentLibraryForm</Edit>
+  <New>DocumentLibraryForm</New>
+</FormTemplates>
+</file>
+
+<file path=customXml/item2.xml><?xml version="1.0" encoding="utf-8"?>
+<p:properties xmlns:p="http://schemas.microsoft.com/office/2006/metadata/properties" xmlns:xsi="http://www.w3.org/2001/XMLSchema-instance" xmlns:pc="http://schemas.microsoft.com/office/infopath/2007/PartnerControls">
+  <documentManagement/>
+</p:properties>
+</file>
+
+<file path=customXml/item3.xml><?xml version="1.0" encoding="utf-8"?>
 <ct:contentTypeSchema xmlns:ct="http://schemas.microsoft.com/office/2006/metadata/contentType" xmlns:ma="http://schemas.microsoft.com/office/2006/metadata/properties/metaAttributes" ct:_="" ma:_="" ma:contentTypeName="Document" ma:contentTypeID="0x010100565464437F680748A68B85EB6594EA7D" ma:contentTypeVersion="0" ma:contentTypeDescription="Create a new document." ma:contentTypeScope="" ma:versionID="fe3f4dd58d5914c51cfc6deaa8ad845c">
   <xsd:schema xmlns:xsd="http://www.w3.org/2001/XMLSchema" xmlns:p="http://schemas.microsoft.com/office/2006/metadata/properties" targetNamespace="http://schemas.microsoft.com/office/2006/metadata/properties" ma:root="true" ma:fieldsID="4aeb20c0e3442673af7ee10786458764">
     <xsd:element name="properties">
@@ -16616,32 +16626,10 @@
 </ct:contentTypeSchema>
 </file>
 
-<file path=customXml/item2.xml><?xml version="1.0" encoding="utf-8"?>
-<p:properties xmlns:p="http://schemas.microsoft.com/office/2006/metadata/properties" xmlns:xsi="http://www.w3.org/2001/XMLSchema-instance" xmlns:pc="http://schemas.microsoft.com/office/infopath/2007/PartnerControls">
-  <documentManagement/>
-</p:properties>
-</file>
-
-<file path=customXml/item3.xml><?xml version="1.0" encoding="utf-8"?>
-<?mso-contentType ?>
-<FormTemplates xmlns="http://schemas.microsoft.com/sharepoint/v3/contenttype/forms">
-  <Display>DocumentLibraryForm</Display>
-  <Edit>DocumentLibraryForm</Edit>
-  <New>DocumentLibraryForm</New>
-</FormTemplates>
-</file>
-
 <file path=customXml/itemProps1.xml><?xml version="1.0" encoding="utf-8"?>
-<ds:datastoreItem xmlns:ds="http://schemas.openxmlformats.org/officeDocument/2006/customXml" ds:itemID="{E8DB7DEB-074E-4EE8-9B6E-FD277323109C}">
+<ds:datastoreItem xmlns:ds="http://schemas.openxmlformats.org/officeDocument/2006/customXml" ds:itemID="{19E20559-B232-4371-8690-E3D8007EDB82}">
   <ds:schemaRefs>
-    <ds:schemaRef ds:uri="http://schemas.microsoft.com/office/2006/metadata/contentType"/>
-    <ds:schemaRef ds:uri="http://schemas.microsoft.com/office/2006/metadata/properties/metaAttributes"/>
-    <ds:schemaRef ds:uri="http://www.w3.org/2001/XMLSchema"/>
-    <ds:schemaRef ds:uri="http://schemas.microsoft.com/office/2006/metadata/properties"/>
-    <ds:schemaRef ds:uri="http://schemas.openxmlformats.org/package/2006/metadata/core-properties"/>
-    <ds:schemaRef ds:uri="http://purl.org/dc/elements/1.1/"/>
-    <ds:schemaRef ds:uri="http://purl.org/dc/terms/"/>
-    <ds:schemaRef ds:uri="http://schemas.microsoft.com/office/internal/2005/internalDocumentation"/>
+    <ds:schemaRef ds:uri="http://schemas.microsoft.com/sharepoint/v3/contenttype/forms"/>
   </ds:schemaRefs>
 </ds:datastoreItem>
 </file>
@@ -16662,9 +16650,16 @@
 </file>
 
 <file path=customXml/itemProps3.xml><?xml version="1.0" encoding="utf-8"?>
-<ds:datastoreItem xmlns:ds="http://schemas.openxmlformats.org/officeDocument/2006/customXml" ds:itemID="{19E20559-B232-4371-8690-E3D8007EDB82}">
+<ds:datastoreItem xmlns:ds="http://schemas.openxmlformats.org/officeDocument/2006/customXml" ds:itemID="{E8DB7DEB-074E-4EE8-9B6E-FD277323109C}">
   <ds:schemaRefs>
-    <ds:schemaRef ds:uri="http://schemas.microsoft.com/sharepoint/v3/contenttype/forms"/>
+    <ds:schemaRef ds:uri="http://schemas.microsoft.com/office/2006/metadata/contentType"/>
+    <ds:schemaRef ds:uri="http://schemas.microsoft.com/office/2006/metadata/properties/metaAttributes"/>
+    <ds:schemaRef ds:uri="http://www.w3.org/2001/XMLSchema"/>
+    <ds:schemaRef ds:uri="http://schemas.microsoft.com/office/2006/metadata/properties"/>
+    <ds:schemaRef ds:uri="http://schemas.openxmlformats.org/package/2006/metadata/core-properties"/>
+    <ds:schemaRef ds:uri="http://purl.org/dc/elements/1.1/"/>
+    <ds:schemaRef ds:uri="http://purl.org/dc/terms/"/>
+    <ds:schemaRef ds:uri="http://schemas.microsoft.com/office/internal/2005/internalDocumentation"/>
   </ds:schemaRefs>
 </ds:datastoreItem>
 </file>
--- a/git-workflows.pptx
+++ b/git-workflows.pptx
@@ -6486,8 +6486,12 @@
           <a:lstStyle/>
           <a:p>
             <a:r>
+              <a:rPr lang="en-US" u="sng"/>
+              <a:t>Greg </a:t>
+            </a:r>
+            <a:r>
               <a:rPr lang="en-US" u="sng" dirty="0"/>
-              <a:t>Gregory R. Watson </a:t>
+              <a:t>Watson </a:t>
             </a:r>
             <a:r>
               <a:rPr lang="en-US" sz="2000" dirty="0"/>
@@ -16572,12 +16576,6 @@
 </file>
 
 <file path=customXml/item2.xml><?xml version="1.0" encoding="utf-8"?>
-<p:properties xmlns:p="http://schemas.microsoft.com/office/2006/metadata/properties" xmlns:xsi="http://www.w3.org/2001/XMLSchema-instance" xmlns:pc="http://schemas.microsoft.com/office/infopath/2007/PartnerControls">
-  <documentManagement/>
-</p:properties>
-</file>
-
-<file path=customXml/item3.xml><?xml version="1.0" encoding="utf-8"?>
 <ct:contentTypeSchema xmlns:ct="http://schemas.microsoft.com/office/2006/metadata/contentType" xmlns:ma="http://schemas.microsoft.com/office/2006/metadata/properties/metaAttributes" ct:_="" ma:_="" ma:contentTypeName="Document" ma:contentTypeID="0x010100565464437F680748A68B85EB6594EA7D" ma:contentTypeVersion="0" ma:contentTypeDescription="Create a new document." ma:contentTypeScope="" ma:versionID="fe3f4dd58d5914c51cfc6deaa8ad845c">
   <xsd:schema xmlns:xsd="http://www.w3.org/2001/XMLSchema" xmlns:p="http://schemas.microsoft.com/office/2006/metadata/properties" targetNamespace="http://schemas.microsoft.com/office/2006/metadata/properties" ma:root="true" ma:fieldsID="4aeb20c0e3442673af7ee10786458764">
     <xsd:element name="properties">
@@ -16626,6 +16624,12 @@
 </ct:contentTypeSchema>
 </file>
 
+<file path=customXml/item3.xml><?xml version="1.0" encoding="utf-8"?>
+<p:properties xmlns:p="http://schemas.microsoft.com/office/2006/metadata/properties" xmlns:xsi="http://www.w3.org/2001/XMLSchema-instance" xmlns:pc="http://schemas.microsoft.com/office/infopath/2007/PartnerControls">
+  <documentManagement/>
+</p:properties>
+</file>
+
 <file path=customXml/itemProps1.xml><?xml version="1.0" encoding="utf-8"?>
 <ds:datastoreItem xmlns:ds="http://schemas.openxmlformats.org/officeDocument/2006/customXml" ds:itemID="{19E20559-B232-4371-8690-E3D8007EDB82}">
   <ds:schemaRefs>
@@ -16635,6 +16639,21 @@
 </file>
 
 <file path=customXml/itemProps2.xml><?xml version="1.0" encoding="utf-8"?>
+<ds:datastoreItem xmlns:ds="http://schemas.openxmlformats.org/officeDocument/2006/customXml" ds:itemID="{E8DB7DEB-074E-4EE8-9B6E-FD277323109C}">
+  <ds:schemaRefs>
+    <ds:schemaRef ds:uri="http://schemas.microsoft.com/office/2006/metadata/contentType"/>
+    <ds:schemaRef ds:uri="http://schemas.microsoft.com/office/2006/metadata/properties/metaAttributes"/>
+    <ds:schemaRef ds:uri="http://www.w3.org/2001/XMLSchema"/>
+    <ds:schemaRef ds:uri="http://schemas.microsoft.com/office/2006/metadata/properties"/>
+    <ds:schemaRef ds:uri="http://schemas.openxmlformats.org/package/2006/metadata/core-properties"/>
+    <ds:schemaRef ds:uri="http://purl.org/dc/elements/1.1/"/>
+    <ds:schemaRef ds:uri="http://purl.org/dc/terms/"/>
+    <ds:schemaRef ds:uri="http://schemas.microsoft.com/office/internal/2005/internalDocumentation"/>
+  </ds:schemaRefs>
+</ds:datastoreItem>
+</file>
+
+<file path=customXml/itemProps3.xml><?xml version="1.0" encoding="utf-8"?>
 <ds:datastoreItem xmlns:ds="http://schemas.openxmlformats.org/officeDocument/2006/customXml" ds:itemID="{A50EC660-24D0-43A0-AE5E-E274115E726B}">
   <ds:schemaRefs>
     <ds:schemaRef ds:uri="http://purl.org/dc/elements/1.1/"/>
@@ -16647,19 +16666,4 @@
     <ds:schemaRef ds:uri="http://schemas.microsoft.com/office/infopath/2007/PartnerControls"/>
   </ds:schemaRefs>
 </ds:datastoreItem>
-</file>
-
-<file path=customXml/itemProps3.xml><?xml version="1.0" encoding="utf-8"?>
-<ds:datastoreItem xmlns:ds="http://schemas.openxmlformats.org/officeDocument/2006/customXml" ds:itemID="{E8DB7DEB-074E-4EE8-9B6E-FD277323109C}">
-  <ds:schemaRefs>
-    <ds:schemaRef ds:uri="http://schemas.microsoft.com/office/2006/metadata/contentType"/>
-    <ds:schemaRef ds:uri="http://schemas.microsoft.com/office/2006/metadata/properties/metaAttributes"/>
-    <ds:schemaRef ds:uri="http://www.w3.org/2001/XMLSchema"/>
-    <ds:schemaRef ds:uri="http://schemas.microsoft.com/office/2006/metadata/properties"/>
-    <ds:schemaRef ds:uri="http://schemas.openxmlformats.org/package/2006/metadata/core-properties"/>
-    <ds:schemaRef ds:uri="http://purl.org/dc/elements/1.1/"/>
-    <ds:schemaRef ds:uri="http://purl.org/dc/terms/"/>
-    <ds:schemaRef ds:uri="http://schemas.microsoft.com/office/internal/2005/internalDocumentation"/>
-  </ds:schemaRefs>
-</ds:datastoreItem>
 </file>